--- a/uima-docbook-v3-users-guide/src/image-source/source.pptx
+++ b/uima-docbook-v3-users-guide/src/image-source/source.pptx
@@ -5,11 +5,12 @@
     <p:sldMasterId id="2147483648" r:id="rId1"/>
   </p:sldMasterIdLst>
   <p:sldIdLst>
-    <p:sldId id="256" r:id="rId2"/>
-    <p:sldId id="257" r:id="rId3"/>
-    <p:sldId id="258" r:id="rId4"/>
-    <p:sldId id="259" r:id="rId5"/>
-    <p:sldId id="262" r:id="rId6"/>
+    <p:sldId id="257" r:id="rId2"/>
+    <p:sldId id="258" r:id="rId3"/>
+    <p:sldId id="259" r:id="rId4"/>
+    <p:sldId id="262" r:id="rId5"/>
+    <p:sldId id="264" r:id="rId6"/>
+    <p:sldId id="263" r:id="rId7"/>
   </p:sldIdLst>
   <p:sldSz cx="12192000" cy="6858000"/>
   <p:notesSz cx="6858000" cy="9144000"/>
@@ -1623,6 +1624,925 @@
     <dgm:fillClrLst meth="repeat">
       <a:schemeClr val="accent1">
         <a:tint val="60000"/>
+      </a:schemeClr>
+    </dgm:fillClrLst>
+    <dgm:linClrLst meth="repeat">
+      <a:schemeClr val="lt1"/>
+    </dgm:linClrLst>
+    <dgm:effectClrLst/>
+    <dgm:txLinClrLst/>
+    <dgm:txFillClrLst meth="repeat">
+      <a:schemeClr val="dk1"/>
+    </dgm:txFillClrLst>
+    <dgm:txEffectClrLst/>
+  </dgm:styleLbl>
+  <dgm:styleLbl name="revTx">
+    <dgm:fillClrLst meth="repeat">
+      <a:schemeClr val="lt1">
+        <a:alpha val="0"/>
+      </a:schemeClr>
+    </dgm:fillClrLst>
+    <dgm:linClrLst meth="repeat">
+      <a:schemeClr val="dk1">
+        <a:alpha val="0"/>
+      </a:schemeClr>
+    </dgm:linClrLst>
+    <dgm:effectClrLst/>
+    <dgm:txLinClrLst/>
+    <dgm:txFillClrLst meth="repeat">
+      <a:schemeClr val="tx1"/>
+    </dgm:txFillClrLst>
+    <dgm:txEffectClrLst/>
+  </dgm:styleLbl>
+</dgm:colorsDef>
+</file>
+
+<file path=ppt/diagrams/colors3.xml><?xml version="1.0" encoding="utf-8"?>
+<dgm:colorsDef xmlns:dgm="http://schemas.openxmlformats.org/drawingml/2006/diagram" xmlns:a="http://schemas.openxmlformats.org/drawingml/2006/main" uniqueId="urn:microsoft.com/office/officeart/2005/8/colors/colorful1">
+  <dgm:title val=""/>
+  <dgm:desc val=""/>
+  <dgm:catLst>
+    <dgm:cat type="colorful" pri="10100"/>
+  </dgm:catLst>
+  <dgm:styleLbl name="node0">
+    <dgm:fillClrLst meth="repeat">
+      <a:schemeClr val="accent1"/>
+    </dgm:fillClrLst>
+    <dgm:linClrLst meth="repeat">
+      <a:schemeClr val="lt1"/>
+    </dgm:linClrLst>
+    <dgm:effectClrLst/>
+    <dgm:txLinClrLst/>
+    <dgm:txFillClrLst/>
+    <dgm:txEffectClrLst/>
+  </dgm:styleLbl>
+  <dgm:styleLbl name="node1">
+    <dgm:fillClrLst meth="repeat">
+      <a:schemeClr val="accent2"/>
+      <a:schemeClr val="accent3"/>
+      <a:schemeClr val="accent4"/>
+      <a:schemeClr val="accent5"/>
+      <a:schemeClr val="accent6"/>
+    </dgm:fillClrLst>
+    <dgm:linClrLst meth="repeat">
+      <a:schemeClr val="lt1"/>
+    </dgm:linClrLst>
+    <dgm:effectClrLst/>
+    <dgm:txLinClrLst/>
+    <dgm:txFillClrLst/>
+    <dgm:txEffectClrLst/>
+  </dgm:styleLbl>
+  <dgm:styleLbl name="alignNode1">
+    <dgm:fillClrLst meth="repeat">
+      <a:schemeClr val="accent2"/>
+      <a:schemeClr val="accent3"/>
+      <a:schemeClr val="accent4"/>
+      <a:schemeClr val="accent5"/>
+      <a:schemeClr val="accent6"/>
+    </dgm:fillClrLst>
+    <dgm:linClrLst meth="repeat">
+      <a:schemeClr val="accent2"/>
+      <a:schemeClr val="accent3"/>
+      <a:schemeClr val="accent4"/>
+      <a:schemeClr val="accent5"/>
+      <a:schemeClr val="accent6"/>
+    </dgm:linClrLst>
+    <dgm:effectClrLst/>
+    <dgm:txLinClrLst/>
+    <dgm:txFillClrLst/>
+    <dgm:txEffectClrLst/>
+  </dgm:styleLbl>
+  <dgm:styleLbl name="lnNode1">
+    <dgm:fillClrLst meth="repeat">
+      <a:schemeClr val="accent2"/>
+      <a:schemeClr val="accent3"/>
+      <a:schemeClr val="accent4"/>
+      <a:schemeClr val="accent5"/>
+      <a:schemeClr val="accent6"/>
+    </dgm:fillClrLst>
+    <dgm:linClrLst meth="repeat">
+      <a:schemeClr val="lt1"/>
+    </dgm:linClrLst>
+    <dgm:effectClrLst/>
+    <dgm:txLinClrLst/>
+    <dgm:txFillClrLst/>
+    <dgm:txEffectClrLst/>
+  </dgm:styleLbl>
+  <dgm:styleLbl name="vennNode1">
+    <dgm:fillClrLst meth="repeat">
+      <a:schemeClr val="accent2">
+        <a:alpha val="50000"/>
+      </a:schemeClr>
+      <a:schemeClr val="accent3">
+        <a:alpha val="50000"/>
+      </a:schemeClr>
+      <a:schemeClr val="accent4">
+        <a:alpha val="50000"/>
+      </a:schemeClr>
+      <a:schemeClr val="accent5">
+        <a:alpha val="50000"/>
+      </a:schemeClr>
+      <a:schemeClr val="accent6">
+        <a:alpha val="50000"/>
+      </a:schemeClr>
+    </dgm:fillClrLst>
+    <dgm:linClrLst meth="repeat">
+      <a:schemeClr val="lt1"/>
+    </dgm:linClrLst>
+    <dgm:effectClrLst/>
+    <dgm:txLinClrLst/>
+    <dgm:txFillClrLst/>
+    <dgm:txEffectClrLst/>
+  </dgm:styleLbl>
+  <dgm:styleLbl name="node2">
+    <dgm:fillClrLst>
+      <a:schemeClr val="accent2"/>
+    </dgm:fillClrLst>
+    <dgm:linClrLst meth="repeat">
+      <a:schemeClr val="lt1"/>
+    </dgm:linClrLst>
+    <dgm:effectClrLst/>
+    <dgm:txLinClrLst/>
+    <dgm:txFillClrLst/>
+    <dgm:txEffectClrLst/>
+  </dgm:styleLbl>
+  <dgm:styleLbl name="node3">
+    <dgm:fillClrLst>
+      <a:schemeClr val="accent3"/>
+    </dgm:fillClrLst>
+    <dgm:linClrLst meth="repeat">
+      <a:schemeClr val="lt1"/>
+    </dgm:linClrLst>
+    <dgm:effectClrLst/>
+    <dgm:txLinClrLst/>
+    <dgm:txFillClrLst/>
+    <dgm:txEffectClrLst/>
+  </dgm:styleLbl>
+  <dgm:styleLbl name="node4">
+    <dgm:fillClrLst>
+      <a:schemeClr val="accent4"/>
+    </dgm:fillClrLst>
+    <dgm:linClrLst meth="repeat">
+      <a:schemeClr val="lt1"/>
+    </dgm:linClrLst>
+    <dgm:effectClrLst/>
+    <dgm:txLinClrLst/>
+    <dgm:txFillClrLst/>
+    <dgm:txEffectClrLst/>
+  </dgm:styleLbl>
+  <dgm:styleLbl name="fgImgPlace1">
+    <dgm:fillClrLst meth="repeat">
+      <a:schemeClr val="accent2">
+        <a:tint val="50000"/>
+      </a:schemeClr>
+      <a:schemeClr val="accent3">
+        <a:tint val="50000"/>
+      </a:schemeClr>
+      <a:schemeClr val="accent4">
+        <a:tint val="50000"/>
+      </a:schemeClr>
+      <a:schemeClr val="accent5">
+        <a:tint val="50000"/>
+      </a:schemeClr>
+      <a:schemeClr val="accent6">
+        <a:tint val="50000"/>
+      </a:schemeClr>
+    </dgm:fillClrLst>
+    <dgm:linClrLst meth="repeat">
+      <a:schemeClr val="lt1"/>
+    </dgm:linClrLst>
+    <dgm:effectClrLst/>
+    <dgm:txLinClrLst/>
+    <dgm:txFillClrLst meth="repeat">
+      <a:schemeClr val="lt1"/>
+    </dgm:txFillClrLst>
+    <dgm:txEffectClrLst/>
+  </dgm:styleLbl>
+  <dgm:styleLbl name="alignImgPlace1">
+    <dgm:fillClrLst>
+      <a:schemeClr val="accent1">
+        <a:tint val="50000"/>
+      </a:schemeClr>
+      <a:schemeClr val="accent2">
+        <a:tint val="20000"/>
+      </a:schemeClr>
+    </dgm:fillClrLst>
+    <dgm:linClrLst meth="repeat">
+      <a:schemeClr val="lt1"/>
+    </dgm:linClrLst>
+    <dgm:effectClrLst/>
+    <dgm:txLinClrLst/>
+    <dgm:txFillClrLst meth="repeat">
+      <a:schemeClr val="lt1"/>
+    </dgm:txFillClrLst>
+    <dgm:txEffectClrLst/>
+  </dgm:styleLbl>
+  <dgm:styleLbl name="bgImgPlace1">
+    <dgm:fillClrLst>
+      <a:schemeClr val="accent1">
+        <a:tint val="50000"/>
+      </a:schemeClr>
+      <a:schemeClr val="accent2">
+        <a:tint val="20000"/>
+      </a:schemeClr>
+    </dgm:fillClrLst>
+    <dgm:linClrLst meth="repeat">
+      <a:schemeClr val="lt1"/>
+    </dgm:linClrLst>
+    <dgm:effectClrLst/>
+    <dgm:txLinClrLst/>
+    <dgm:txFillClrLst meth="repeat">
+      <a:schemeClr val="lt1"/>
+    </dgm:txFillClrLst>
+    <dgm:txEffectClrLst/>
+  </dgm:styleLbl>
+  <dgm:styleLbl name="sibTrans2D1">
+    <dgm:fillClrLst meth="repeat">
+      <a:schemeClr val="accent2"/>
+      <a:schemeClr val="accent3"/>
+      <a:schemeClr val="accent4"/>
+      <a:schemeClr val="accent5"/>
+      <a:schemeClr val="accent6"/>
+    </dgm:fillClrLst>
+    <dgm:linClrLst meth="cycle">
+      <a:schemeClr val="lt1"/>
+    </dgm:linClrLst>
+    <dgm:effectClrLst/>
+    <dgm:txLinClrLst/>
+    <dgm:txFillClrLst/>
+    <dgm:txEffectClrLst/>
+  </dgm:styleLbl>
+  <dgm:styleLbl name="fgSibTrans2D1">
+    <dgm:fillClrLst meth="repeat">
+      <a:schemeClr val="accent2"/>
+      <a:schemeClr val="accent3"/>
+      <a:schemeClr val="accent4"/>
+      <a:schemeClr val="accent5"/>
+      <a:schemeClr val="accent6"/>
+    </dgm:fillClrLst>
+    <dgm:linClrLst meth="cycle">
+      <a:schemeClr val="lt1"/>
+    </dgm:linClrLst>
+    <dgm:effectClrLst/>
+    <dgm:txLinClrLst/>
+    <dgm:txFillClrLst meth="repeat">
+      <a:schemeClr val="lt1"/>
+    </dgm:txFillClrLst>
+    <dgm:txEffectClrLst/>
+  </dgm:styleLbl>
+  <dgm:styleLbl name="bgSibTrans2D1">
+    <dgm:fillClrLst meth="repeat">
+      <a:schemeClr val="accent2"/>
+      <a:schemeClr val="accent3"/>
+      <a:schemeClr val="accent4"/>
+      <a:schemeClr val="accent5"/>
+      <a:schemeClr val="accent6"/>
+    </dgm:fillClrLst>
+    <dgm:linClrLst meth="cycle">
+      <a:schemeClr val="lt1"/>
+    </dgm:linClrLst>
+    <dgm:effectClrLst/>
+    <dgm:txLinClrLst/>
+    <dgm:txFillClrLst meth="repeat">
+      <a:schemeClr val="lt1"/>
+    </dgm:txFillClrLst>
+    <dgm:txEffectClrLst/>
+  </dgm:styleLbl>
+  <dgm:styleLbl name="sibTrans1D1">
+    <dgm:fillClrLst meth="repeat">
+      <a:schemeClr val="accent2"/>
+      <a:schemeClr val="accent3"/>
+      <a:schemeClr val="accent4"/>
+      <a:schemeClr val="accent5"/>
+      <a:schemeClr val="accent6"/>
+    </dgm:fillClrLst>
+    <dgm:linClrLst meth="repeat">
+      <a:schemeClr val="accent2"/>
+      <a:schemeClr val="accent3"/>
+      <a:schemeClr val="accent4"/>
+      <a:schemeClr val="accent5"/>
+      <a:schemeClr val="accent6"/>
+    </dgm:linClrLst>
+    <dgm:effectClrLst/>
+    <dgm:txLinClrLst/>
+    <dgm:txFillClrLst meth="repeat">
+      <a:schemeClr val="tx1"/>
+    </dgm:txFillClrLst>
+    <dgm:txEffectClrLst/>
+  </dgm:styleLbl>
+  <dgm:styleLbl name="callout">
+    <dgm:fillClrLst meth="repeat">
+      <a:schemeClr val="accent2"/>
+    </dgm:fillClrLst>
+    <dgm:linClrLst meth="repeat">
+      <a:schemeClr val="accent2">
+        <a:tint val="50000"/>
+      </a:schemeClr>
+    </dgm:linClrLst>
+    <dgm:effectClrLst/>
+    <dgm:txLinClrLst/>
+    <dgm:txFillClrLst meth="repeat">
+      <a:schemeClr val="tx1"/>
+    </dgm:txFillClrLst>
+    <dgm:txEffectClrLst/>
+  </dgm:styleLbl>
+  <dgm:styleLbl name="asst0">
+    <dgm:fillClrLst meth="repeat">
+      <a:schemeClr val="accent1"/>
+    </dgm:fillClrLst>
+    <dgm:linClrLst meth="repeat">
+      <a:schemeClr val="lt1"/>
+    </dgm:linClrLst>
+    <dgm:effectClrLst/>
+    <dgm:txLinClrLst/>
+    <dgm:txFillClrLst/>
+    <dgm:txEffectClrLst/>
+  </dgm:styleLbl>
+  <dgm:styleLbl name="asst1">
+    <dgm:fillClrLst meth="repeat">
+      <a:schemeClr val="accent2"/>
+    </dgm:fillClrLst>
+    <dgm:linClrLst meth="repeat">
+      <a:schemeClr val="lt1"/>
+    </dgm:linClrLst>
+    <dgm:effectClrLst/>
+    <dgm:txLinClrLst/>
+    <dgm:txFillClrLst/>
+    <dgm:txEffectClrLst/>
+  </dgm:styleLbl>
+  <dgm:styleLbl name="asst2">
+    <dgm:fillClrLst>
+      <a:schemeClr val="accent3"/>
+    </dgm:fillClrLst>
+    <dgm:linClrLst meth="repeat">
+      <a:schemeClr val="lt1"/>
+    </dgm:linClrLst>
+    <dgm:effectClrLst/>
+    <dgm:txLinClrLst/>
+    <dgm:txFillClrLst/>
+    <dgm:txEffectClrLst/>
+  </dgm:styleLbl>
+  <dgm:styleLbl name="asst3">
+    <dgm:fillClrLst>
+      <a:schemeClr val="accent4"/>
+    </dgm:fillClrLst>
+    <dgm:linClrLst meth="repeat">
+      <a:schemeClr val="lt1"/>
+    </dgm:linClrLst>
+    <dgm:effectClrLst/>
+    <dgm:txLinClrLst/>
+    <dgm:txFillClrLst/>
+    <dgm:txEffectClrLst/>
+  </dgm:styleLbl>
+  <dgm:styleLbl name="asst4">
+    <dgm:fillClrLst>
+      <a:schemeClr val="accent5"/>
+    </dgm:fillClrLst>
+    <dgm:linClrLst meth="repeat">
+      <a:schemeClr val="lt1"/>
+    </dgm:linClrLst>
+    <dgm:effectClrLst/>
+    <dgm:txLinClrLst/>
+    <dgm:txFillClrLst/>
+    <dgm:txEffectClrLst/>
+  </dgm:styleLbl>
+  <dgm:styleLbl name="parChTrans2D1">
+    <dgm:fillClrLst meth="repeat">
+      <a:schemeClr val="accent2"/>
+    </dgm:fillClrLst>
+    <dgm:linClrLst meth="repeat">
+      <a:schemeClr val="lt1"/>
+    </dgm:linClrLst>
+    <dgm:effectClrLst/>
+    <dgm:txLinClrLst/>
+    <dgm:txFillClrLst meth="repeat">
+      <a:schemeClr val="lt1"/>
+    </dgm:txFillClrLst>
+    <dgm:txEffectClrLst/>
+  </dgm:styleLbl>
+  <dgm:styleLbl name="parChTrans2D2">
+    <dgm:fillClrLst meth="repeat">
+      <a:schemeClr val="accent3"/>
+    </dgm:fillClrLst>
+    <dgm:linClrLst meth="repeat">
+      <a:schemeClr val="lt1"/>
+    </dgm:linClrLst>
+    <dgm:effectClrLst/>
+    <dgm:txLinClrLst/>
+    <dgm:txFillClrLst/>
+    <dgm:txEffectClrLst/>
+  </dgm:styleLbl>
+  <dgm:styleLbl name="parChTrans2D3">
+    <dgm:fillClrLst meth="repeat">
+      <a:schemeClr val="accent4"/>
+    </dgm:fillClrLst>
+    <dgm:linClrLst meth="repeat">
+      <a:schemeClr val="lt1"/>
+    </dgm:linClrLst>
+    <dgm:effectClrLst/>
+    <dgm:txLinClrLst/>
+    <dgm:txFillClrLst/>
+    <dgm:txEffectClrLst/>
+  </dgm:styleLbl>
+  <dgm:styleLbl name="parChTrans2D4">
+    <dgm:fillClrLst meth="repeat">
+      <a:schemeClr val="accent5"/>
+    </dgm:fillClrLst>
+    <dgm:linClrLst meth="repeat">
+      <a:schemeClr val="lt1"/>
+    </dgm:linClrLst>
+    <dgm:effectClrLst/>
+    <dgm:txLinClrLst/>
+    <dgm:txFillClrLst meth="repeat">
+      <a:schemeClr val="lt1"/>
+    </dgm:txFillClrLst>
+    <dgm:txEffectClrLst/>
+  </dgm:styleLbl>
+  <dgm:styleLbl name="parChTrans1D1">
+    <dgm:fillClrLst meth="repeat">
+      <a:schemeClr val="accent2"/>
+    </dgm:fillClrLst>
+    <dgm:linClrLst meth="repeat">
+      <a:schemeClr val="accent1"/>
+    </dgm:linClrLst>
+    <dgm:effectClrLst/>
+    <dgm:txLinClrLst/>
+    <dgm:txFillClrLst meth="repeat">
+      <a:schemeClr val="tx1"/>
+    </dgm:txFillClrLst>
+    <dgm:txEffectClrLst/>
+  </dgm:styleLbl>
+  <dgm:styleLbl name="parChTrans1D2">
+    <dgm:fillClrLst meth="repeat">
+      <a:schemeClr val="accent3">
+        <a:tint val="90000"/>
+      </a:schemeClr>
+    </dgm:fillClrLst>
+    <dgm:linClrLst meth="repeat">
+      <a:schemeClr val="accent2"/>
+    </dgm:linClrLst>
+    <dgm:effectClrLst/>
+    <dgm:txLinClrLst/>
+    <dgm:txFillClrLst meth="repeat">
+      <a:schemeClr val="tx1"/>
+    </dgm:txFillClrLst>
+    <dgm:txEffectClrLst/>
+  </dgm:styleLbl>
+  <dgm:styleLbl name="parChTrans1D3">
+    <dgm:fillClrLst meth="repeat">
+      <a:schemeClr val="accent4">
+        <a:tint val="70000"/>
+      </a:schemeClr>
+    </dgm:fillClrLst>
+    <dgm:linClrLst meth="repeat">
+      <a:schemeClr val="accent3"/>
+    </dgm:linClrLst>
+    <dgm:effectClrLst/>
+    <dgm:txLinClrLst/>
+    <dgm:txFillClrLst meth="repeat">
+      <a:schemeClr val="tx1"/>
+    </dgm:txFillClrLst>
+    <dgm:txEffectClrLst/>
+  </dgm:styleLbl>
+  <dgm:styleLbl name="parChTrans1D4">
+    <dgm:fillClrLst meth="repeat">
+      <a:schemeClr val="accent5">
+        <a:tint val="50000"/>
+      </a:schemeClr>
+    </dgm:fillClrLst>
+    <dgm:linClrLst meth="repeat">
+      <a:schemeClr val="accent4"/>
+    </dgm:linClrLst>
+    <dgm:effectClrLst/>
+    <dgm:txLinClrLst/>
+    <dgm:txFillClrLst meth="repeat">
+      <a:schemeClr val="tx1"/>
+    </dgm:txFillClrLst>
+    <dgm:txEffectClrLst/>
+  </dgm:styleLbl>
+  <dgm:styleLbl name="fgAcc1">
+    <dgm:fillClrLst meth="repeat">
+      <a:schemeClr val="lt1">
+        <a:alpha val="90000"/>
+      </a:schemeClr>
+    </dgm:fillClrLst>
+    <dgm:linClrLst meth="repeat">
+      <a:schemeClr val="accent2"/>
+      <a:schemeClr val="accent3"/>
+      <a:schemeClr val="accent4"/>
+      <a:schemeClr val="accent5"/>
+      <a:schemeClr val="accent6"/>
+    </dgm:linClrLst>
+    <dgm:effectClrLst/>
+    <dgm:txLinClrLst/>
+    <dgm:txFillClrLst meth="repeat">
+      <a:schemeClr val="dk1"/>
+    </dgm:txFillClrLst>
+    <dgm:txEffectClrLst/>
+  </dgm:styleLbl>
+  <dgm:styleLbl name="conFgAcc1">
+    <dgm:fillClrLst meth="repeat">
+      <a:schemeClr val="lt1">
+        <a:alpha val="90000"/>
+      </a:schemeClr>
+    </dgm:fillClrLst>
+    <dgm:linClrLst meth="repeat">
+      <a:schemeClr val="accent2"/>
+      <a:schemeClr val="accent3"/>
+      <a:schemeClr val="accent4"/>
+      <a:schemeClr val="accent5"/>
+      <a:schemeClr val="accent6"/>
+    </dgm:linClrLst>
+    <dgm:effectClrLst/>
+    <dgm:txLinClrLst/>
+    <dgm:txFillClrLst meth="repeat">
+      <a:schemeClr val="dk1"/>
+    </dgm:txFillClrLst>
+    <dgm:txEffectClrLst/>
+  </dgm:styleLbl>
+  <dgm:styleLbl name="alignAcc1">
+    <dgm:fillClrLst meth="repeat">
+      <a:schemeClr val="lt1">
+        <a:alpha val="90000"/>
+      </a:schemeClr>
+    </dgm:fillClrLst>
+    <dgm:linClrLst meth="repeat">
+      <a:schemeClr val="accent2"/>
+      <a:schemeClr val="accent3"/>
+      <a:schemeClr val="accent4"/>
+      <a:schemeClr val="accent5"/>
+      <a:schemeClr val="accent6"/>
+    </dgm:linClrLst>
+    <dgm:effectClrLst/>
+    <dgm:txLinClrLst/>
+    <dgm:txFillClrLst meth="repeat">
+      <a:schemeClr val="dk1"/>
+    </dgm:txFillClrLst>
+    <dgm:txEffectClrLst/>
+  </dgm:styleLbl>
+  <dgm:styleLbl name="trAlignAcc1">
+    <dgm:fillClrLst meth="repeat">
+      <a:schemeClr val="lt1">
+        <a:alpha val="40000"/>
+      </a:schemeClr>
+    </dgm:fillClrLst>
+    <dgm:linClrLst meth="repeat">
+      <a:schemeClr val="accent1"/>
+    </dgm:linClrLst>
+    <dgm:effectClrLst/>
+    <dgm:txLinClrLst/>
+    <dgm:txFillClrLst meth="repeat">
+      <a:schemeClr val="dk1"/>
+    </dgm:txFillClrLst>
+    <dgm:txEffectClrLst/>
+  </dgm:styleLbl>
+  <dgm:styleLbl name="bgAcc1">
+    <dgm:fillClrLst meth="repeat">
+      <a:schemeClr val="lt1">
+        <a:alpha val="90000"/>
+      </a:schemeClr>
+    </dgm:fillClrLst>
+    <dgm:linClrLst meth="repeat">
+      <a:schemeClr val="accent2"/>
+      <a:schemeClr val="accent3"/>
+      <a:schemeClr val="accent4"/>
+      <a:schemeClr val="accent5"/>
+      <a:schemeClr val="accent6"/>
+    </dgm:linClrLst>
+    <dgm:effectClrLst/>
+    <dgm:txLinClrLst/>
+    <dgm:txFillClrLst meth="repeat">
+      <a:schemeClr val="dk1"/>
+    </dgm:txFillClrLst>
+    <dgm:txEffectClrLst/>
+  </dgm:styleLbl>
+  <dgm:styleLbl name="solidFgAcc1">
+    <dgm:fillClrLst meth="repeat">
+      <a:schemeClr val="lt1"/>
+    </dgm:fillClrLst>
+    <dgm:linClrLst meth="repeat">
+      <a:schemeClr val="accent2"/>
+      <a:schemeClr val="accent3"/>
+      <a:schemeClr val="accent4"/>
+      <a:schemeClr val="accent5"/>
+      <a:schemeClr val="accent6"/>
+    </dgm:linClrLst>
+    <dgm:effectClrLst/>
+    <dgm:txLinClrLst/>
+    <dgm:txFillClrLst meth="repeat">
+      <a:schemeClr val="dk1"/>
+    </dgm:txFillClrLst>
+    <dgm:txEffectClrLst/>
+  </dgm:styleLbl>
+  <dgm:styleLbl name="solidAlignAcc1">
+    <dgm:fillClrLst meth="repeat">
+      <a:schemeClr val="lt1"/>
+    </dgm:fillClrLst>
+    <dgm:linClrLst meth="repeat">
+      <a:schemeClr val="accent2"/>
+      <a:schemeClr val="accent3"/>
+      <a:schemeClr val="accent4"/>
+      <a:schemeClr val="accent5"/>
+      <a:schemeClr val="accent6"/>
+    </dgm:linClrLst>
+    <dgm:effectClrLst/>
+    <dgm:txLinClrLst/>
+    <dgm:txFillClrLst meth="repeat">
+      <a:schemeClr val="dk1"/>
+    </dgm:txFillClrLst>
+    <dgm:txEffectClrLst/>
+  </dgm:styleLbl>
+  <dgm:styleLbl name="solidBgAcc1">
+    <dgm:fillClrLst meth="repeat">
+      <a:schemeClr val="lt1"/>
+    </dgm:fillClrLst>
+    <dgm:linClrLst meth="repeat">
+      <a:schemeClr val="accent2"/>
+      <a:schemeClr val="accent3"/>
+      <a:schemeClr val="accent4"/>
+      <a:schemeClr val="accent5"/>
+      <a:schemeClr val="accent6"/>
+    </dgm:linClrLst>
+    <dgm:effectClrLst/>
+    <dgm:txLinClrLst/>
+    <dgm:txFillClrLst meth="repeat">
+      <a:schemeClr val="dk1"/>
+    </dgm:txFillClrLst>
+    <dgm:txEffectClrLst/>
+  </dgm:styleLbl>
+  <dgm:styleLbl name="fgAccFollowNode1">
+    <dgm:fillClrLst meth="repeat">
+      <a:schemeClr val="accent2">
+        <a:tint val="40000"/>
+        <a:alpha val="90000"/>
+      </a:schemeClr>
+      <a:schemeClr val="accent3">
+        <a:tint val="40000"/>
+        <a:alpha val="90000"/>
+      </a:schemeClr>
+      <a:schemeClr val="accent4">
+        <a:tint val="40000"/>
+        <a:alpha val="90000"/>
+      </a:schemeClr>
+      <a:schemeClr val="accent5">
+        <a:tint val="40000"/>
+        <a:alpha val="90000"/>
+      </a:schemeClr>
+      <a:schemeClr val="accent6">
+        <a:tint val="40000"/>
+        <a:alpha val="90000"/>
+      </a:schemeClr>
+    </dgm:fillClrLst>
+    <dgm:linClrLst meth="repeat">
+      <a:schemeClr val="accent2">
+        <a:tint val="40000"/>
+        <a:alpha val="90000"/>
+      </a:schemeClr>
+      <a:schemeClr val="accent3">
+        <a:tint val="40000"/>
+        <a:alpha val="90000"/>
+      </a:schemeClr>
+      <a:schemeClr val="accent4">
+        <a:tint val="40000"/>
+        <a:alpha val="90000"/>
+      </a:schemeClr>
+      <a:schemeClr val="accent5">
+        <a:tint val="40000"/>
+        <a:alpha val="90000"/>
+      </a:schemeClr>
+      <a:schemeClr val="accent6">
+        <a:tint val="40000"/>
+        <a:alpha val="90000"/>
+      </a:schemeClr>
+    </dgm:linClrLst>
+    <dgm:effectClrLst/>
+    <dgm:txLinClrLst/>
+    <dgm:txFillClrLst meth="repeat">
+      <a:schemeClr val="dk1"/>
+    </dgm:txFillClrLst>
+    <dgm:txEffectClrLst/>
+  </dgm:styleLbl>
+  <dgm:styleLbl name="alignAccFollowNode1">
+    <dgm:fillClrLst meth="repeat">
+      <a:schemeClr val="accent2">
+        <a:tint val="40000"/>
+        <a:alpha val="90000"/>
+      </a:schemeClr>
+      <a:schemeClr val="accent3">
+        <a:tint val="40000"/>
+        <a:alpha val="90000"/>
+      </a:schemeClr>
+      <a:schemeClr val="accent4">
+        <a:tint val="40000"/>
+        <a:alpha val="90000"/>
+      </a:schemeClr>
+      <a:schemeClr val="accent5">
+        <a:tint val="40000"/>
+        <a:alpha val="90000"/>
+      </a:schemeClr>
+      <a:schemeClr val="accent6">
+        <a:tint val="40000"/>
+        <a:alpha val="90000"/>
+      </a:schemeClr>
+    </dgm:fillClrLst>
+    <dgm:linClrLst meth="repeat">
+      <a:schemeClr val="accent2">
+        <a:tint val="40000"/>
+        <a:alpha val="90000"/>
+      </a:schemeClr>
+      <a:schemeClr val="accent3">
+        <a:tint val="40000"/>
+        <a:alpha val="90000"/>
+      </a:schemeClr>
+      <a:schemeClr val="accent4">
+        <a:tint val="40000"/>
+        <a:alpha val="90000"/>
+      </a:schemeClr>
+      <a:schemeClr val="accent5">
+        <a:tint val="40000"/>
+        <a:alpha val="90000"/>
+      </a:schemeClr>
+      <a:schemeClr val="accent6">
+        <a:tint val="40000"/>
+        <a:alpha val="90000"/>
+      </a:schemeClr>
+    </dgm:linClrLst>
+    <dgm:effectClrLst/>
+    <dgm:txLinClrLst/>
+    <dgm:txFillClrLst meth="repeat">
+      <a:schemeClr val="dk1"/>
+    </dgm:txFillClrLst>
+    <dgm:txEffectClrLst/>
+  </dgm:styleLbl>
+  <dgm:styleLbl name="bgAccFollowNode1">
+    <dgm:fillClrLst meth="repeat">
+      <a:schemeClr val="accent2">
+        <a:tint val="40000"/>
+        <a:alpha val="90000"/>
+      </a:schemeClr>
+      <a:schemeClr val="accent3">
+        <a:tint val="40000"/>
+        <a:alpha val="90000"/>
+      </a:schemeClr>
+      <a:schemeClr val="accent4">
+        <a:tint val="40000"/>
+        <a:alpha val="90000"/>
+      </a:schemeClr>
+      <a:schemeClr val="accent5">
+        <a:tint val="40000"/>
+        <a:alpha val="90000"/>
+      </a:schemeClr>
+      <a:schemeClr val="accent6">
+        <a:tint val="40000"/>
+        <a:alpha val="90000"/>
+      </a:schemeClr>
+    </dgm:fillClrLst>
+    <dgm:linClrLst meth="repeat">
+      <a:schemeClr val="accent2">
+        <a:tint val="40000"/>
+        <a:alpha val="90000"/>
+      </a:schemeClr>
+      <a:schemeClr val="accent3">
+        <a:tint val="40000"/>
+        <a:alpha val="90000"/>
+      </a:schemeClr>
+      <a:schemeClr val="accent4">
+        <a:tint val="40000"/>
+        <a:alpha val="90000"/>
+      </a:schemeClr>
+      <a:schemeClr val="accent5">
+        <a:tint val="40000"/>
+        <a:alpha val="90000"/>
+      </a:schemeClr>
+      <a:schemeClr val="accent6">
+        <a:tint val="40000"/>
+        <a:alpha val="90000"/>
+      </a:schemeClr>
+    </dgm:linClrLst>
+    <dgm:effectClrLst/>
+    <dgm:txLinClrLst/>
+    <dgm:txFillClrLst meth="repeat">
+      <a:schemeClr val="dk1"/>
+    </dgm:txFillClrLst>
+    <dgm:txEffectClrLst/>
+  </dgm:styleLbl>
+  <dgm:styleLbl name="fgAcc0">
+    <dgm:fillClrLst meth="repeat">
+      <a:schemeClr val="lt1">
+        <a:alpha val="90000"/>
+      </a:schemeClr>
+    </dgm:fillClrLst>
+    <dgm:linClrLst>
+      <a:schemeClr val="accent1"/>
+    </dgm:linClrLst>
+    <dgm:effectClrLst/>
+    <dgm:txLinClrLst/>
+    <dgm:txFillClrLst meth="repeat">
+      <a:schemeClr val="dk1"/>
+    </dgm:txFillClrLst>
+    <dgm:txEffectClrLst/>
+  </dgm:styleLbl>
+  <dgm:styleLbl name="fgAcc2">
+    <dgm:fillClrLst meth="repeat">
+      <a:schemeClr val="lt1">
+        <a:alpha val="90000"/>
+      </a:schemeClr>
+    </dgm:fillClrLst>
+    <dgm:linClrLst>
+      <a:schemeClr val="accent2"/>
+    </dgm:linClrLst>
+    <dgm:effectClrLst/>
+    <dgm:txLinClrLst/>
+    <dgm:txFillClrLst meth="repeat">
+      <a:schemeClr val="dk1"/>
+    </dgm:txFillClrLst>
+    <dgm:txEffectClrLst/>
+  </dgm:styleLbl>
+  <dgm:styleLbl name="fgAcc3">
+    <dgm:fillClrLst meth="repeat">
+      <a:schemeClr val="lt1">
+        <a:alpha val="90000"/>
+      </a:schemeClr>
+    </dgm:fillClrLst>
+    <dgm:linClrLst>
+      <a:schemeClr val="accent3"/>
+    </dgm:linClrLst>
+    <dgm:effectClrLst/>
+    <dgm:txLinClrLst/>
+    <dgm:txFillClrLst meth="repeat">
+      <a:schemeClr val="dk1"/>
+    </dgm:txFillClrLst>
+    <dgm:txEffectClrLst/>
+  </dgm:styleLbl>
+  <dgm:styleLbl name="fgAcc4">
+    <dgm:fillClrLst meth="repeat">
+      <a:schemeClr val="lt1">
+        <a:alpha val="90000"/>
+      </a:schemeClr>
+    </dgm:fillClrLst>
+    <dgm:linClrLst>
+      <a:schemeClr val="accent4"/>
+    </dgm:linClrLst>
+    <dgm:effectClrLst/>
+    <dgm:txLinClrLst/>
+    <dgm:txFillClrLst meth="repeat">
+      <a:schemeClr val="dk1"/>
+    </dgm:txFillClrLst>
+    <dgm:txEffectClrLst/>
+  </dgm:styleLbl>
+  <dgm:styleLbl name="bgShp">
+    <dgm:fillClrLst meth="repeat">
+      <a:schemeClr val="accent2">
+        <a:tint val="40000"/>
+      </a:schemeClr>
+    </dgm:fillClrLst>
+    <dgm:linClrLst meth="repeat">
+      <a:schemeClr val="dk1"/>
+    </dgm:linClrLst>
+    <dgm:effectClrLst/>
+    <dgm:txLinClrLst/>
+    <dgm:txFillClrLst meth="repeat">
+      <a:schemeClr val="dk1"/>
+    </dgm:txFillClrLst>
+    <dgm:txEffectClrLst/>
+  </dgm:styleLbl>
+  <dgm:styleLbl name="dkBgShp">
+    <dgm:fillClrLst meth="repeat">
+      <a:schemeClr val="accent2">
+        <a:shade val="90000"/>
+      </a:schemeClr>
+    </dgm:fillClrLst>
+    <dgm:linClrLst meth="repeat">
+      <a:schemeClr val="dk1"/>
+    </dgm:linClrLst>
+    <dgm:effectClrLst/>
+    <dgm:txLinClrLst/>
+    <dgm:txFillClrLst meth="repeat">
+      <a:schemeClr val="lt1"/>
+    </dgm:txFillClrLst>
+    <dgm:txEffectClrLst/>
+  </dgm:styleLbl>
+  <dgm:styleLbl name="trBgShp">
+    <dgm:fillClrLst meth="repeat">
+      <a:schemeClr val="accent1">
+        <a:tint val="50000"/>
+        <a:alpha val="40000"/>
+      </a:schemeClr>
+    </dgm:fillClrLst>
+    <dgm:linClrLst meth="repeat">
+      <a:schemeClr val="accent2"/>
+    </dgm:linClrLst>
+    <dgm:effectClrLst/>
+    <dgm:txLinClrLst/>
+    <dgm:txFillClrLst meth="repeat">
+      <a:schemeClr val="lt1"/>
+    </dgm:txFillClrLst>
+    <dgm:txEffectClrLst/>
+  </dgm:styleLbl>
+  <dgm:styleLbl name="fgShp">
+    <dgm:fillClrLst meth="repeat">
+      <a:schemeClr val="accent2">
+        <a:tint val="40000"/>
       </a:schemeClr>
     </dgm:fillClrLst>
     <dgm:linClrLst meth="repeat">
@@ -3243,6 +4163,1210 @@
 </dgm:dataModel>
 </file>
 
+<file path=ppt/diagrams/data3.xml><?xml version="1.0" encoding="utf-8"?>
+<dgm:dataModel xmlns:dgm="http://schemas.openxmlformats.org/drawingml/2006/diagram" xmlns:a="http://schemas.openxmlformats.org/drawingml/2006/main">
+  <dgm:ptLst>
+    <dgm:pt modelId="{71C4F53D-73F7-43C0-8068-C97792B04C36}" type="doc">
+      <dgm:prSet loTypeId="urn:diagrams.loki3.com/BracketList" loCatId="list" qsTypeId="urn:microsoft.com/office/officeart/2005/8/quickstyle/simple5" qsCatId="simple" csTypeId="urn:microsoft.com/office/officeart/2005/8/colors/colorful1" csCatId="colorful" phldr="1"/>
+      <dgm:spPr/>
+      <dgm:t>
+        <a:bodyPr/>
+        <a:lstStyle/>
+        <a:p>
+          <a:endParaRPr lang="en-US"/>
+        </a:p>
+      </dgm:t>
+    </dgm:pt>
+    <dgm:pt modelId="{DE6D2516-4118-4481-9AE1-239E68CF98D2}">
+      <dgm:prSet phldrT="[Text]"/>
+      <dgm:spPr/>
+      <dgm:t>
+        <a:bodyPr/>
+        <a:lstStyle/>
+        <a:p>
+          <a:r>
+            <a:rPr lang="en-US" dirty="0" smtClean="0"/>
+            <a:t>Step 1</a:t>
+          </a:r>
+          <a:endParaRPr lang="en-US" dirty="0"/>
+        </a:p>
+      </dgm:t>
+    </dgm:pt>
+    <dgm:pt modelId="{A4C3CBF8-74E7-4C81-A89F-610B6D1D3679}" type="parTrans" cxnId="{CDC8B92B-465A-4DF0-AABA-F04E27DA36F8}">
+      <dgm:prSet/>
+      <dgm:spPr/>
+      <dgm:t>
+        <a:bodyPr/>
+        <a:lstStyle/>
+        <a:p>
+          <a:endParaRPr lang="en-US"/>
+        </a:p>
+      </dgm:t>
+    </dgm:pt>
+    <dgm:pt modelId="{12AE46C6-7A59-448D-B86D-4297AEB7A754}" type="sibTrans" cxnId="{CDC8B92B-465A-4DF0-AABA-F04E27DA36F8}">
+      <dgm:prSet/>
+      <dgm:spPr/>
+      <dgm:t>
+        <a:bodyPr/>
+        <a:lstStyle/>
+        <a:p>
+          <a:endParaRPr lang="en-US"/>
+        </a:p>
+      </dgm:t>
+    </dgm:pt>
+    <dgm:pt modelId="{699459BF-9F52-4253-B5ED-310473273EAB}">
+      <dgm:prSet phldrT="[Text]">
+        <dgm:style>
+          <a:lnRef idx="1">
+            <a:schemeClr val="accent1"/>
+          </a:lnRef>
+          <a:fillRef idx="2">
+            <a:schemeClr val="accent1"/>
+          </a:fillRef>
+          <a:effectRef idx="1">
+            <a:schemeClr val="accent1"/>
+          </a:effectRef>
+          <a:fontRef idx="minor">
+            <a:schemeClr val="dk1"/>
+          </a:fontRef>
+        </dgm:style>
+      </dgm:prSet>
+      <dgm:spPr>
+        <a:gradFill rotWithShape="0">
+          <a:gsLst>
+            <a:gs pos="0">
+              <a:srgbClr val="FF0000">
+                <a:lumMod val="50000"/>
+                <a:lumOff val="50000"/>
+                <a:alpha val="47000"/>
+              </a:srgbClr>
+            </a:gs>
+            <a:gs pos="100000">
+              <a:srgbClr val="FF0000">
+                <a:lumMod val="75000"/>
+                <a:lumOff val="25000"/>
+                <a:alpha val="75000"/>
+              </a:srgbClr>
+            </a:gs>
+          </a:gsLst>
+          <a:lin ang="2400000" scaled="0"/>
+        </a:gradFill>
+        <a:ln w="12700">
+          <a:solidFill>
+            <a:schemeClr val="tx1"/>
+          </a:solidFill>
+        </a:ln>
+      </dgm:spPr>
+      <dgm:t>
+        <a:bodyPr/>
+        <a:lstStyle/>
+        <a:p>
+          <a:r>
+            <a:rPr lang="en-US" dirty="0" smtClean="0"/>
+            <a:t>Decide on Java Object</a:t>
+          </a:r>
+          <a:endParaRPr lang="en-US" dirty="0"/>
+        </a:p>
+      </dgm:t>
+    </dgm:pt>
+    <dgm:pt modelId="{F8AB79B3-5B8A-49DD-8D81-C7C4BCD66DDD}" type="parTrans" cxnId="{4CC13B6B-0E6E-432D-9108-128E5D91DE05}">
+      <dgm:prSet/>
+      <dgm:spPr/>
+      <dgm:t>
+        <a:bodyPr/>
+        <a:lstStyle/>
+        <a:p>
+          <a:endParaRPr lang="en-US"/>
+        </a:p>
+      </dgm:t>
+    </dgm:pt>
+    <dgm:pt modelId="{78AE9A96-D090-4F74-8A5A-6706E6A31281}" type="sibTrans" cxnId="{4CC13B6B-0E6E-432D-9108-128E5D91DE05}">
+      <dgm:prSet/>
+      <dgm:spPr/>
+      <dgm:t>
+        <a:bodyPr/>
+        <a:lstStyle/>
+        <a:p>
+          <a:endParaRPr lang="en-US"/>
+        </a:p>
+      </dgm:t>
+    </dgm:pt>
+    <dgm:pt modelId="{21C4817F-65F1-42DC-AEC0-8A3876F5CF6B}">
+      <dgm:prSet phldrT="[Text]"/>
+      <dgm:spPr/>
+      <dgm:t>
+        <a:bodyPr/>
+        <a:lstStyle/>
+        <a:p>
+          <a:r>
+            <a:rPr lang="en-US" dirty="0" smtClean="0"/>
+            <a:t>Step 2</a:t>
+          </a:r>
+          <a:endParaRPr lang="en-US" dirty="0"/>
+        </a:p>
+      </dgm:t>
+    </dgm:pt>
+    <dgm:pt modelId="{BCFF8BE3-7893-4363-92EB-DB424B6C8284}" type="parTrans" cxnId="{0B7039BD-7F96-4664-9AC3-77425F9607C6}">
+      <dgm:prSet/>
+      <dgm:spPr/>
+      <dgm:t>
+        <a:bodyPr/>
+        <a:lstStyle/>
+        <a:p>
+          <a:endParaRPr lang="en-US"/>
+        </a:p>
+      </dgm:t>
+    </dgm:pt>
+    <dgm:pt modelId="{49C5D47E-F908-429B-A1A4-3B10CF93975A}" type="sibTrans" cxnId="{0B7039BD-7F96-4664-9AC3-77425F9607C6}">
+      <dgm:prSet/>
+      <dgm:spPr/>
+      <dgm:t>
+        <a:bodyPr/>
+        <a:lstStyle/>
+        <a:p>
+          <a:endParaRPr lang="en-US"/>
+        </a:p>
+      </dgm:t>
+    </dgm:pt>
+    <dgm:pt modelId="{05964A79-4725-4883-B839-DB50CA2A0D19}">
+      <dgm:prSet phldrT="[Text]">
+        <dgm:style>
+          <a:lnRef idx="1">
+            <a:schemeClr val="accent1"/>
+          </a:lnRef>
+          <a:fillRef idx="2">
+            <a:schemeClr val="accent1"/>
+          </a:fillRef>
+          <a:effectRef idx="1">
+            <a:schemeClr val="accent1"/>
+          </a:effectRef>
+          <a:fontRef idx="minor">
+            <a:schemeClr val="dk1"/>
+          </a:fontRef>
+        </dgm:style>
+      </dgm:prSet>
+      <dgm:spPr>
+        <a:gradFill rotWithShape="0">
+          <a:gsLst>
+            <a:gs pos="0">
+              <a:srgbClr val="FFC000">
+                <a:alpha val="50000"/>
+                <a:lumMod val="50000"/>
+                <a:lumOff val="50000"/>
+              </a:srgbClr>
+            </a:gs>
+            <a:gs pos="100000">
+              <a:srgbClr val="FFC000">
+                <a:lumMod val="75000"/>
+                <a:lumOff val="25000"/>
+                <a:alpha val="86000"/>
+              </a:srgbClr>
+            </a:gs>
+          </a:gsLst>
+          <a:lin ang="2400000" scaled="0"/>
+        </a:gradFill>
+        <a:ln w="12700">
+          <a:solidFill>
+            <a:schemeClr val="tx1"/>
+          </a:solidFill>
+        </a:ln>
+      </dgm:spPr>
+      <dgm:t>
+        <a:bodyPr/>
+        <a:lstStyle/>
+        <a:p>
+          <a:r>
+            <a:rPr lang="en-US" dirty="0" smtClean="0"/>
+            <a:t>Decide on CAS representation for the data in this object</a:t>
+          </a:r>
+          <a:endParaRPr lang="en-US" dirty="0"/>
+        </a:p>
+      </dgm:t>
+    </dgm:pt>
+    <dgm:pt modelId="{040CD8DF-5FD5-4DAB-8A45-F1DB1554849C}" type="parTrans" cxnId="{532888F1-D219-4FD3-8122-0B00C0AEB935}">
+      <dgm:prSet/>
+      <dgm:spPr/>
+      <dgm:t>
+        <a:bodyPr/>
+        <a:lstStyle/>
+        <a:p>
+          <a:endParaRPr lang="en-US"/>
+        </a:p>
+      </dgm:t>
+    </dgm:pt>
+    <dgm:pt modelId="{35CB8696-C443-418A-B1F0-94EB8919A29F}" type="sibTrans" cxnId="{532888F1-D219-4FD3-8122-0B00C0AEB935}">
+      <dgm:prSet/>
+      <dgm:spPr/>
+      <dgm:t>
+        <a:bodyPr/>
+        <a:lstStyle/>
+        <a:p>
+          <a:endParaRPr lang="en-US"/>
+        </a:p>
+      </dgm:t>
+    </dgm:pt>
+    <dgm:pt modelId="{0A2BB538-E9A2-40F3-BA82-76728829BBBF}">
+      <dgm:prSet phldrT="[Text]"/>
+      <dgm:spPr/>
+      <dgm:t>
+        <a:bodyPr/>
+        <a:lstStyle/>
+        <a:p>
+          <a:r>
+            <a:rPr lang="en-US" dirty="0" smtClean="0"/>
+            <a:t>Step 3</a:t>
+          </a:r>
+          <a:endParaRPr lang="en-US" dirty="0"/>
+        </a:p>
+      </dgm:t>
+    </dgm:pt>
+    <dgm:pt modelId="{5043B0DE-DBFC-4188-BDC2-B808304C89B4}" type="parTrans" cxnId="{4ACA428F-439F-447A-9419-7D258E36BA2C}">
+      <dgm:prSet/>
+      <dgm:spPr/>
+      <dgm:t>
+        <a:bodyPr/>
+        <a:lstStyle/>
+        <a:p>
+          <a:endParaRPr lang="en-US"/>
+        </a:p>
+      </dgm:t>
+    </dgm:pt>
+    <dgm:pt modelId="{DDD00D69-B8C3-48AD-B53E-FE038DACC3AA}" type="sibTrans" cxnId="{4ACA428F-439F-447A-9419-7D258E36BA2C}">
+      <dgm:prSet/>
+      <dgm:spPr/>
+      <dgm:t>
+        <a:bodyPr/>
+        <a:lstStyle/>
+        <a:p>
+          <a:endParaRPr lang="en-US"/>
+        </a:p>
+      </dgm:t>
+    </dgm:pt>
+    <dgm:pt modelId="{B442EC3C-8DB9-4C63-A99D-58A8EAEE2802}">
+      <dgm:prSet phldrT="[Text]"/>
+      <dgm:spPr/>
+      <dgm:t>
+        <a:bodyPr/>
+        <a:lstStyle/>
+        <a:p>
+          <a:r>
+            <a:rPr lang="en-US" dirty="0" smtClean="0"/>
+            <a:t>Step 4</a:t>
+          </a:r>
+          <a:endParaRPr lang="en-US" dirty="0"/>
+        </a:p>
+      </dgm:t>
+    </dgm:pt>
+    <dgm:pt modelId="{A1F5A16F-D5EE-4451-A9E0-C05030724E91}" type="parTrans" cxnId="{6B6C317A-8573-404F-B7CF-4B3DC9C38DAD}">
+      <dgm:prSet/>
+      <dgm:spPr/>
+      <dgm:t>
+        <a:bodyPr/>
+        <a:lstStyle/>
+        <a:p>
+          <a:endParaRPr lang="en-US"/>
+        </a:p>
+      </dgm:t>
+    </dgm:pt>
+    <dgm:pt modelId="{FA7938D0-BFA7-440A-8DB1-03BB25DAE2B1}" type="sibTrans" cxnId="{6B6C317A-8573-404F-B7CF-4B3DC9C38DAD}">
+      <dgm:prSet/>
+      <dgm:spPr/>
+      <dgm:t>
+        <a:bodyPr/>
+        <a:lstStyle/>
+        <a:p>
+          <a:endParaRPr lang="en-US"/>
+        </a:p>
+      </dgm:t>
+    </dgm:pt>
+    <dgm:pt modelId="{1E4B0BD3-5642-4823-B6A4-04352150942B}">
+      <dgm:prSet phldrT="[Text]"/>
+      <dgm:spPr/>
+      <dgm:t>
+        <a:bodyPr/>
+        <a:lstStyle/>
+        <a:p>
+          <a:r>
+            <a:rPr lang="en-US" dirty="0" smtClean="0"/>
+            <a:t>Step 5</a:t>
+          </a:r>
+          <a:endParaRPr lang="en-US" dirty="0"/>
+        </a:p>
+      </dgm:t>
+    </dgm:pt>
+    <dgm:pt modelId="{E79CB9DB-6B06-4ABA-8770-B4212675838B}" type="parTrans" cxnId="{0CD0F2D8-6DCD-4F3D-8ADE-ABB364EBC543}">
+      <dgm:prSet/>
+      <dgm:spPr/>
+      <dgm:t>
+        <a:bodyPr/>
+        <a:lstStyle/>
+        <a:p>
+          <a:endParaRPr lang="en-US"/>
+        </a:p>
+      </dgm:t>
+    </dgm:pt>
+    <dgm:pt modelId="{F559ED90-7F33-4E03-9F77-C34595E03981}" type="sibTrans" cxnId="{0CD0F2D8-6DCD-4F3D-8ADE-ABB364EBC543}">
+      <dgm:prSet/>
+      <dgm:spPr/>
+      <dgm:t>
+        <a:bodyPr/>
+        <a:lstStyle/>
+        <a:p>
+          <a:endParaRPr lang="en-US"/>
+        </a:p>
+      </dgm:t>
+    </dgm:pt>
+    <dgm:pt modelId="{A171A341-94B2-4D0E-A907-28EEDFED180C}">
+      <dgm:prSet phldrT="[Text]">
+        <dgm:style>
+          <a:lnRef idx="1">
+            <a:schemeClr val="accent1"/>
+          </a:lnRef>
+          <a:fillRef idx="2">
+            <a:schemeClr val="accent1"/>
+          </a:fillRef>
+          <a:effectRef idx="1">
+            <a:schemeClr val="accent1"/>
+          </a:effectRef>
+          <a:fontRef idx="minor">
+            <a:schemeClr val="dk1"/>
+          </a:fontRef>
+        </dgm:style>
+      </dgm:prSet>
+      <dgm:spPr>
+        <a:gradFill rotWithShape="0">
+          <a:gsLst>
+            <a:gs pos="0">
+              <a:srgbClr val="FF0000">
+                <a:lumMod val="50000"/>
+                <a:lumOff val="50000"/>
+                <a:alpha val="47000"/>
+              </a:srgbClr>
+            </a:gs>
+            <a:gs pos="100000">
+              <a:srgbClr val="FF0000">
+                <a:lumMod val="75000"/>
+                <a:lumOff val="25000"/>
+                <a:alpha val="75000"/>
+              </a:srgbClr>
+            </a:gs>
+          </a:gsLst>
+          <a:lin ang="2400000" scaled="0"/>
+        </a:gradFill>
+        <a:ln w="12700">
+          <a:solidFill>
+            <a:schemeClr val="tx1"/>
+          </a:solidFill>
+        </a:ln>
+      </dgm:spPr>
+      <dgm:t>
+        <a:bodyPr/>
+        <a:lstStyle/>
+        <a:p>
+          <a:r>
+            <a:rPr lang="en-US" dirty="0" smtClean="0"/>
+            <a:t>Can be standard Java library class like a </a:t>
+          </a:r>
+          <a:r>
+            <a:rPr lang="en-US" dirty="0" err="1" smtClean="0"/>
+            <a:t>ConcurrentSkipListSet</a:t>
+          </a:r>
+          <a:endParaRPr lang="en-US" dirty="0"/>
+        </a:p>
+      </dgm:t>
+    </dgm:pt>
+    <dgm:pt modelId="{794BA199-F8B9-420C-BC82-438436E7615C}" type="parTrans" cxnId="{70FB38AE-14C2-4F49-9C69-6E0770251A65}">
+      <dgm:prSet/>
+      <dgm:spPr/>
+      <dgm:t>
+        <a:bodyPr/>
+        <a:lstStyle/>
+        <a:p>
+          <a:endParaRPr lang="en-US"/>
+        </a:p>
+      </dgm:t>
+    </dgm:pt>
+    <dgm:pt modelId="{A5867818-EBD0-4C68-B512-B0ED2157ED5B}" type="sibTrans" cxnId="{70FB38AE-14C2-4F49-9C69-6E0770251A65}">
+      <dgm:prSet/>
+      <dgm:spPr/>
+      <dgm:t>
+        <a:bodyPr/>
+        <a:lstStyle/>
+        <a:p>
+          <a:endParaRPr lang="en-US"/>
+        </a:p>
+      </dgm:t>
+    </dgm:pt>
+    <dgm:pt modelId="{C8E40756-9366-4A5B-9723-0598A69970E0}">
+      <dgm:prSet phldrT="[Text]">
+        <dgm:style>
+          <a:lnRef idx="1">
+            <a:schemeClr val="accent1"/>
+          </a:lnRef>
+          <a:fillRef idx="2">
+            <a:schemeClr val="accent1"/>
+          </a:fillRef>
+          <a:effectRef idx="1">
+            <a:schemeClr val="accent1"/>
+          </a:effectRef>
+          <a:fontRef idx="minor">
+            <a:schemeClr val="dk1"/>
+          </a:fontRef>
+        </dgm:style>
+      </dgm:prSet>
+      <dgm:spPr>
+        <a:gradFill rotWithShape="0">
+          <a:gsLst>
+            <a:gs pos="0">
+              <a:srgbClr val="FF0000">
+                <a:lumMod val="50000"/>
+                <a:lumOff val="50000"/>
+                <a:alpha val="47000"/>
+              </a:srgbClr>
+            </a:gs>
+            <a:gs pos="100000">
+              <a:srgbClr val="FF0000">
+                <a:lumMod val="75000"/>
+                <a:lumOff val="25000"/>
+                <a:alpha val="75000"/>
+              </a:srgbClr>
+            </a:gs>
+          </a:gsLst>
+          <a:lin ang="2400000" scaled="0"/>
+        </a:gradFill>
+        <a:ln w="12700">
+          <a:solidFill>
+            <a:schemeClr val="tx1"/>
+          </a:solidFill>
+        </a:ln>
+      </dgm:spPr>
+      <dgm:t>
+        <a:bodyPr/>
+        <a:lstStyle/>
+        <a:p>
+          <a:r>
+            <a:rPr lang="en-US" dirty="0" smtClean="0"/>
+            <a:t>Can be custom user-defined class</a:t>
+          </a:r>
+          <a:endParaRPr lang="en-US" dirty="0"/>
+        </a:p>
+      </dgm:t>
+    </dgm:pt>
+    <dgm:pt modelId="{128A2309-F248-4823-A0B9-D7CB12CC1775}" type="parTrans" cxnId="{B42CF900-1AF2-40E5-BC06-6E0C0807F12F}">
+      <dgm:prSet/>
+      <dgm:spPr/>
+      <dgm:t>
+        <a:bodyPr/>
+        <a:lstStyle/>
+        <a:p>
+          <a:endParaRPr lang="en-US"/>
+        </a:p>
+      </dgm:t>
+    </dgm:pt>
+    <dgm:pt modelId="{057B20A8-F038-437E-81E3-4AF3FAEBB302}" type="sibTrans" cxnId="{B42CF900-1AF2-40E5-BC06-6E0C0807F12F}">
+      <dgm:prSet/>
+      <dgm:spPr/>
+      <dgm:t>
+        <a:bodyPr/>
+        <a:lstStyle/>
+        <a:p>
+          <a:endParaRPr lang="en-US"/>
+        </a:p>
+      </dgm:t>
+    </dgm:pt>
+    <dgm:pt modelId="{4A0F1DA1-DE38-4685-BB51-5B84C5F89053}">
+      <dgm:prSet phldrT="[Text]">
+        <dgm:style>
+          <a:lnRef idx="1">
+            <a:schemeClr val="accent1"/>
+          </a:lnRef>
+          <a:fillRef idx="2">
+            <a:schemeClr val="accent1"/>
+          </a:fillRef>
+          <a:effectRef idx="1">
+            <a:schemeClr val="accent1"/>
+          </a:effectRef>
+          <a:fontRef idx="minor">
+            <a:schemeClr val="dk1"/>
+          </a:fontRef>
+        </dgm:style>
+      </dgm:prSet>
+      <dgm:spPr>
+        <a:gradFill rotWithShape="0">
+          <a:gsLst>
+            <a:gs pos="0">
+              <a:srgbClr val="FFFF00">
+                <a:lumMod val="50000"/>
+                <a:lumOff val="50000"/>
+                <a:alpha val="35000"/>
+              </a:srgbClr>
+            </a:gs>
+            <a:gs pos="100000">
+              <a:srgbClr val="FFFF00">
+                <a:lumMod val="75000"/>
+                <a:lumOff val="25000"/>
+                <a:alpha val="82000"/>
+              </a:srgbClr>
+            </a:gs>
+          </a:gsLst>
+          <a:lin ang="2400000" scaled="0"/>
+        </a:gradFill>
+        <a:ln w="12700">
+          <a:solidFill>
+            <a:schemeClr val="tx1"/>
+          </a:solidFill>
+        </a:ln>
+      </dgm:spPr>
+      <dgm:t>
+        <a:bodyPr/>
+        <a:lstStyle/>
+        <a:p>
+          <a:r>
+            <a:rPr lang="en-US" dirty="0" smtClean="0"/>
+            <a:t>Define the UIMA type with features for the CAS representation of the data</a:t>
+          </a:r>
+          <a:endParaRPr lang="en-US" dirty="0"/>
+        </a:p>
+      </dgm:t>
+    </dgm:pt>
+    <dgm:pt modelId="{641B1121-467B-4A8B-9663-8649557FB65A}" type="parTrans" cxnId="{C332B8DE-D2C8-4439-A58D-F94BA8E99C12}">
+      <dgm:prSet/>
+      <dgm:spPr/>
+      <dgm:t>
+        <a:bodyPr/>
+        <a:lstStyle/>
+        <a:p>
+          <a:endParaRPr lang="en-US"/>
+        </a:p>
+      </dgm:t>
+    </dgm:pt>
+    <dgm:pt modelId="{FFFC0C6C-F03B-4B7B-9781-ADA4B3AA4DCB}" type="sibTrans" cxnId="{C332B8DE-D2C8-4439-A58D-F94BA8E99C12}">
+      <dgm:prSet/>
+      <dgm:spPr/>
+      <dgm:t>
+        <a:bodyPr/>
+        <a:lstStyle/>
+        <a:p>
+          <a:endParaRPr lang="en-US"/>
+        </a:p>
+      </dgm:t>
+    </dgm:pt>
+    <dgm:pt modelId="{8A0E79FD-2837-4BFD-AC46-A82EA174AC4A}">
+      <dgm:prSet phldrT="[Text]">
+        <dgm:style>
+          <a:lnRef idx="1">
+            <a:schemeClr val="accent1"/>
+          </a:lnRef>
+          <a:fillRef idx="2">
+            <a:schemeClr val="accent1"/>
+          </a:fillRef>
+          <a:effectRef idx="1">
+            <a:schemeClr val="accent1"/>
+          </a:effectRef>
+          <a:fontRef idx="minor">
+            <a:schemeClr val="dk1"/>
+          </a:fontRef>
+        </dgm:style>
+      </dgm:prSet>
+      <dgm:spPr>
+        <a:gradFill rotWithShape="0">
+          <a:gsLst>
+            <a:gs pos="0">
+              <a:srgbClr val="92D050">
+                <a:lumMod val="50000"/>
+                <a:lumOff val="50000"/>
+                <a:alpha val="50000"/>
+              </a:srgbClr>
+            </a:gs>
+            <a:gs pos="100000">
+              <a:srgbClr val="92D050">
+                <a:lumMod val="75000"/>
+                <a:lumOff val="25000"/>
+                <a:alpha val="80000"/>
+              </a:srgbClr>
+            </a:gs>
+          </a:gsLst>
+          <a:lin ang="2400000" scaled="0"/>
+        </a:gradFill>
+      </dgm:spPr>
+      <dgm:t>
+        <a:bodyPr/>
+        <a:lstStyle/>
+        <a:p>
+          <a:r>
+            <a:rPr lang="en-US" dirty="0" smtClean="0"/>
+            <a:t>Run </a:t>
+          </a:r>
+          <a:r>
+            <a:rPr lang="en-US" dirty="0" err="1" smtClean="0"/>
+            <a:t>JcasGen</a:t>
+          </a:r>
+          <a:r>
+            <a:rPr lang="en-US" dirty="0" smtClean="0"/>
+            <a:t> to get the initial prototype for this class</a:t>
+          </a:r>
+          <a:endParaRPr lang="en-US" dirty="0"/>
+        </a:p>
+      </dgm:t>
+    </dgm:pt>
+    <dgm:pt modelId="{AD3B7FEB-B437-40F8-826B-CF4876EB1F3F}" type="parTrans" cxnId="{55132EF4-AF34-467D-81C9-92CE7CD5C56C}">
+      <dgm:prSet/>
+      <dgm:spPr/>
+      <dgm:t>
+        <a:bodyPr/>
+        <a:lstStyle/>
+        <a:p>
+          <a:endParaRPr lang="en-US"/>
+        </a:p>
+      </dgm:t>
+    </dgm:pt>
+    <dgm:pt modelId="{CCE41D1F-C35B-4D30-80B4-3CB0F19C92A4}" type="sibTrans" cxnId="{55132EF4-AF34-467D-81C9-92CE7CD5C56C}">
+      <dgm:prSet/>
+      <dgm:spPr/>
+      <dgm:t>
+        <a:bodyPr/>
+        <a:lstStyle/>
+        <a:p>
+          <a:endParaRPr lang="en-US"/>
+        </a:p>
+      </dgm:t>
+    </dgm:pt>
+    <dgm:pt modelId="{3ECF5029-6465-4278-B12D-C24019B5ABED}">
+      <dgm:prSet phldrT="[Text]">
+        <dgm:style>
+          <a:lnRef idx="1">
+            <a:schemeClr val="accent1"/>
+          </a:lnRef>
+          <a:fillRef idx="2">
+            <a:schemeClr val="accent1"/>
+          </a:fillRef>
+          <a:effectRef idx="1">
+            <a:schemeClr val="accent1"/>
+          </a:effectRef>
+          <a:fontRef idx="minor">
+            <a:schemeClr val="dk1"/>
+          </a:fontRef>
+        </dgm:style>
+      </dgm:prSet>
+      <dgm:spPr>
+        <a:gradFill rotWithShape="0">
+          <a:gsLst>
+            <a:gs pos="0">
+              <a:srgbClr val="00B050">
+                <a:lumMod val="50000"/>
+                <a:lumOff val="50000"/>
+                <a:alpha val="25000"/>
+              </a:srgbClr>
+            </a:gs>
+            <a:gs pos="100000">
+              <a:srgbClr val="00B050">
+                <a:lumMod val="75000"/>
+                <a:lumOff val="25000"/>
+                <a:alpha val="50000"/>
+              </a:srgbClr>
+            </a:gs>
+          </a:gsLst>
+          <a:lin ang="2400000" scaled="0"/>
+        </a:gradFill>
+        <a:ln w="12700">
+          <a:solidFill>
+            <a:schemeClr val="tx1"/>
+          </a:solidFill>
+        </a:ln>
+      </dgm:spPr>
+      <dgm:t>
+        <a:bodyPr/>
+        <a:lstStyle/>
+        <a:p>
+          <a:r>
+            <a:rPr lang="en-US" dirty="0" smtClean="0"/>
+            <a:t>Mark the JCas class with a special interface</a:t>
+          </a:r>
+          <a:endParaRPr lang="en-US" dirty="0"/>
+        </a:p>
+      </dgm:t>
+    </dgm:pt>
+    <dgm:pt modelId="{18F02463-1224-4093-924E-5328E8169987}" type="parTrans" cxnId="{E42D2982-F621-4BDD-B985-53B4A3B91981}">
+      <dgm:prSet/>
+      <dgm:spPr/>
+      <dgm:t>
+        <a:bodyPr/>
+        <a:lstStyle/>
+        <a:p>
+          <a:endParaRPr lang="en-US"/>
+        </a:p>
+      </dgm:t>
+    </dgm:pt>
+    <dgm:pt modelId="{E2ABAD00-7A9A-4A4D-B190-95A5DD72979A}" type="sibTrans" cxnId="{E42D2982-F621-4BDD-B985-53B4A3B91981}">
+      <dgm:prSet/>
+      <dgm:spPr/>
+      <dgm:t>
+        <a:bodyPr/>
+        <a:lstStyle/>
+        <a:p>
+          <a:endParaRPr lang="en-US"/>
+        </a:p>
+      </dgm:t>
+    </dgm:pt>
+    <dgm:pt modelId="{497D0993-E84E-4510-AD28-62C51A318D82}">
+      <dgm:prSet phldrT="[Text]">
+        <dgm:style>
+          <a:lnRef idx="1">
+            <a:schemeClr val="accent1"/>
+          </a:lnRef>
+          <a:fillRef idx="2">
+            <a:schemeClr val="accent1"/>
+          </a:fillRef>
+          <a:effectRef idx="1">
+            <a:schemeClr val="accent1"/>
+          </a:effectRef>
+          <a:fontRef idx="minor">
+            <a:schemeClr val="dk1"/>
+          </a:fontRef>
+        </dgm:style>
+      </dgm:prSet>
+      <dgm:spPr>
+        <a:gradFill rotWithShape="0">
+          <a:gsLst>
+            <a:gs pos="0">
+              <a:srgbClr val="00B050">
+                <a:lumMod val="50000"/>
+                <a:lumOff val="50000"/>
+                <a:alpha val="25000"/>
+              </a:srgbClr>
+            </a:gs>
+            <a:gs pos="100000">
+              <a:srgbClr val="00B050">
+                <a:lumMod val="75000"/>
+                <a:lumOff val="25000"/>
+                <a:alpha val="50000"/>
+              </a:srgbClr>
+            </a:gs>
+          </a:gsLst>
+          <a:lin ang="2400000" scaled="0"/>
+        </a:gradFill>
+        <a:ln w="12700">
+          <a:solidFill>
+            <a:schemeClr val="tx1"/>
+          </a:solidFill>
+        </a:ln>
+      </dgm:spPr>
+      <dgm:t>
+        <a:bodyPr/>
+        <a:lstStyle/>
+        <a:p>
+          <a:r>
+            <a:rPr lang="en-US" dirty="0" smtClean="0"/>
+            <a:t>Write 2 methods to transfer data to/from the object and the CAS data</a:t>
+          </a:r>
+          <a:endParaRPr lang="en-US" dirty="0"/>
+        </a:p>
+      </dgm:t>
+    </dgm:pt>
+    <dgm:pt modelId="{79DA9500-5861-468E-99B2-0842D723D03C}" type="parTrans" cxnId="{D672D515-0195-46DF-84B2-580C0353061E}">
+      <dgm:prSet/>
+      <dgm:spPr/>
+      <dgm:t>
+        <a:bodyPr/>
+        <a:lstStyle/>
+        <a:p>
+          <a:endParaRPr lang="en-US"/>
+        </a:p>
+      </dgm:t>
+    </dgm:pt>
+    <dgm:pt modelId="{2574475E-935E-4511-9547-7D5ACDB4FA29}" type="sibTrans" cxnId="{D672D515-0195-46DF-84B2-580C0353061E}">
+      <dgm:prSet/>
+      <dgm:spPr/>
+      <dgm:t>
+        <a:bodyPr/>
+        <a:lstStyle/>
+        <a:p>
+          <a:endParaRPr lang="en-US"/>
+        </a:p>
+      </dgm:t>
+    </dgm:pt>
+    <dgm:pt modelId="{774E5BB6-F157-406A-9CD7-C68B5D201872}">
+      <dgm:prSet phldrT="[Text]">
+        <dgm:style>
+          <a:lnRef idx="1">
+            <a:schemeClr val="accent1"/>
+          </a:lnRef>
+          <a:fillRef idx="2">
+            <a:schemeClr val="accent1"/>
+          </a:fillRef>
+          <a:effectRef idx="1">
+            <a:schemeClr val="accent1"/>
+          </a:effectRef>
+          <a:fontRef idx="minor">
+            <a:schemeClr val="dk1"/>
+          </a:fontRef>
+        </dgm:style>
+      </dgm:prSet>
+      <dgm:spPr>
+        <a:gradFill rotWithShape="0">
+          <a:gsLst>
+            <a:gs pos="0">
+              <a:srgbClr val="00B050">
+                <a:lumMod val="50000"/>
+                <a:lumOff val="50000"/>
+                <a:alpha val="25000"/>
+              </a:srgbClr>
+            </a:gs>
+            <a:gs pos="100000">
+              <a:srgbClr val="00B050">
+                <a:lumMod val="75000"/>
+                <a:lumOff val="25000"/>
+                <a:alpha val="50000"/>
+              </a:srgbClr>
+            </a:gs>
+          </a:gsLst>
+          <a:lin ang="2400000" scaled="0"/>
+        </a:gradFill>
+        <a:ln w="12700">
+          <a:solidFill>
+            <a:schemeClr val="tx1"/>
+          </a:solidFill>
+        </a:ln>
+      </dgm:spPr>
+      <dgm:t>
+        <a:bodyPr/>
+        <a:lstStyle/>
+        <a:p>
+          <a:r>
+            <a:rPr lang="en-US" dirty="0" smtClean="0"/>
+            <a:t>Modify the JCas class: add an additional field representing the new Java Object</a:t>
+          </a:r>
+          <a:endParaRPr lang="en-US" dirty="0"/>
+        </a:p>
+      </dgm:t>
+    </dgm:pt>
+    <dgm:pt modelId="{610CFC5F-F71C-4609-85E3-4E91E6BA23BD}" type="parTrans" cxnId="{7BDA078E-243E-45A0-9FB4-5D016FD867D9}">
+      <dgm:prSet/>
+      <dgm:spPr/>
+    </dgm:pt>
+    <dgm:pt modelId="{E3EEB503-89BB-4F57-ABCB-E98D699C4B6A}" type="sibTrans" cxnId="{7BDA078E-243E-45A0-9FB4-5D016FD867D9}">
+      <dgm:prSet/>
+      <dgm:spPr/>
+    </dgm:pt>
+    <dgm:pt modelId="{3FB101F4-D626-4CB9-B46F-A5D1E728A3EF}" type="pres">
+      <dgm:prSet presAssocID="{71C4F53D-73F7-43C0-8068-C97792B04C36}" presName="Name0" presStyleCnt="0">
+        <dgm:presLayoutVars>
+          <dgm:dir/>
+          <dgm:animLvl val="lvl"/>
+          <dgm:resizeHandles val="exact"/>
+        </dgm:presLayoutVars>
+      </dgm:prSet>
+      <dgm:spPr/>
+      <dgm:t>
+        <a:bodyPr/>
+        <a:lstStyle/>
+        <a:p>
+          <a:endParaRPr lang="en-US"/>
+        </a:p>
+      </dgm:t>
+    </dgm:pt>
+    <dgm:pt modelId="{F98A47C1-84A5-4B2A-A53D-7AEAF6CEB80C}" type="pres">
+      <dgm:prSet presAssocID="{DE6D2516-4118-4481-9AE1-239E68CF98D2}" presName="linNode" presStyleCnt="0"/>
+      <dgm:spPr/>
+    </dgm:pt>
+    <dgm:pt modelId="{7750B759-A213-40FA-BEB4-4C184A1AF0F6}" type="pres">
+      <dgm:prSet presAssocID="{DE6D2516-4118-4481-9AE1-239E68CF98D2}" presName="parTx" presStyleLbl="revTx" presStyleIdx="0" presStyleCnt="5">
+        <dgm:presLayoutVars>
+          <dgm:chMax val="1"/>
+          <dgm:bulletEnabled val="1"/>
+        </dgm:presLayoutVars>
+      </dgm:prSet>
+      <dgm:spPr/>
+      <dgm:t>
+        <a:bodyPr/>
+        <a:lstStyle/>
+        <a:p>
+          <a:endParaRPr lang="en-US"/>
+        </a:p>
+      </dgm:t>
+    </dgm:pt>
+    <dgm:pt modelId="{43C750AB-DAD2-4C07-9CAF-0A2F6A1FA388}" type="pres">
+      <dgm:prSet presAssocID="{DE6D2516-4118-4481-9AE1-239E68CF98D2}" presName="bracket" presStyleLbl="parChTrans1D1" presStyleIdx="0" presStyleCnt="5"/>
+      <dgm:spPr/>
+    </dgm:pt>
+    <dgm:pt modelId="{BECBF111-CED3-47AA-B4FC-C2FF52F882A2}" type="pres">
+      <dgm:prSet presAssocID="{DE6D2516-4118-4481-9AE1-239E68CF98D2}" presName="spH" presStyleCnt="0"/>
+      <dgm:spPr/>
+    </dgm:pt>
+    <dgm:pt modelId="{446D2CC6-7E84-42BD-AD30-32D47A0F0399}" type="pres">
+      <dgm:prSet presAssocID="{DE6D2516-4118-4481-9AE1-239E68CF98D2}" presName="desTx" presStyleLbl="node1" presStyleIdx="0" presStyleCnt="5">
+        <dgm:presLayoutVars>
+          <dgm:bulletEnabled val="1"/>
+        </dgm:presLayoutVars>
+      </dgm:prSet>
+      <dgm:spPr/>
+      <dgm:t>
+        <a:bodyPr/>
+        <a:lstStyle/>
+        <a:p>
+          <a:endParaRPr lang="en-US"/>
+        </a:p>
+      </dgm:t>
+    </dgm:pt>
+    <dgm:pt modelId="{64DDDD8A-EA7D-4719-A166-9157EFD61CF2}" type="pres">
+      <dgm:prSet presAssocID="{12AE46C6-7A59-448D-B86D-4297AEB7A754}" presName="spV" presStyleCnt="0"/>
+      <dgm:spPr/>
+    </dgm:pt>
+    <dgm:pt modelId="{2E0B2DF0-E856-4615-9ECA-E7908B6B8CEA}" type="pres">
+      <dgm:prSet presAssocID="{21C4817F-65F1-42DC-AEC0-8A3876F5CF6B}" presName="linNode" presStyleCnt="0"/>
+      <dgm:spPr/>
+    </dgm:pt>
+    <dgm:pt modelId="{F7B03BAF-4A61-4897-885F-5DEDC69024C3}" type="pres">
+      <dgm:prSet presAssocID="{21C4817F-65F1-42DC-AEC0-8A3876F5CF6B}" presName="parTx" presStyleLbl="revTx" presStyleIdx="1" presStyleCnt="5">
+        <dgm:presLayoutVars>
+          <dgm:chMax val="1"/>
+          <dgm:bulletEnabled val="1"/>
+        </dgm:presLayoutVars>
+      </dgm:prSet>
+      <dgm:spPr/>
+      <dgm:t>
+        <a:bodyPr/>
+        <a:lstStyle/>
+        <a:p>
+          <a:endParaRPr lang="en-US"/>
+        </a:p>
+      </dgm:t>
+    </dgm:pt>
+    <dgm:pt modelId="{BEB0E3EA-8B29-4C3D-AD33-C275354954B4}" type="pres">
+      <dgm:prSet presAssocID="{21C4817F-65F1-42DC-AEC0-8A3876F5CF6B}" presName="bracket" presStyleLbl="parChTrans1D1" presStyleIdx="1" presStyleCnt="5"/>
+      <dgm:spPr/>
+    </dgm:pt>
+    <dgm:pt modelId="{7ADAD0CA-BB6E-497F-8FCB-C0AAD91049E5}" type="pres">
+      <dgm:prSet presAssocID="{21C4817F-65F1-42DC-AEC0-8A3876F5CF6B}" presName="spH" presStyleCnt="0"/>
+      <dgm:spPr/>
+    </dgm:pt>
+    <dgm:pt modelId="{D35AC0B4-0EA2-4E5A-8208-E9F15E287E2B}" type="pres">
+      <dgm:prSet presAssocID="{21C4817F-65F1-42DC-AEC0-8A3876F5CF6B}" presName="desTx" presStyleLbl="node1" presStyleIdx="1" presStyleCnt="5">
+        <dgm:presLayoutVars>
+          <dgm:bulletEnabled val="1"/>
+        </dgm:presLayoutVars>
+      </dgm:prSet>
+      <dgm:spPr/>
+      <dgm:t>
+        <a:bodyPr/>
+        <a:lstStyle/>
+        <a:p>
+          <a:endParaRPr lang="en-US"/>
+        </a:p>
+      </dgm:t>
+    </dgm:pt>
+    <dgm:pt modelId="{49944EDE-14C5-492F-9B42-BA7FB699271E}" type="pres">
+      <dgm:prSet presAssocID="{49C5D47E-F908-429B-A1A4-3B10CF93975A}" presName="spV" presStyleCnt="0"/>
+      <dgm:spPr/>
+    </dgm:pt>
+    <dgm:pt modelId="{B0256286-5F3E-47DE-A284-45CF940F61D7}" type="pres">
+      <dgm:prSet presAssocID="{0A2BB538-E9A2-40F3-BA82-76728829BBBF}" presName="linNode" presStyleCnt="0"/>
+      <dgm:spPr/>
+    </dgm:pt>
+    <dgm:pt modelId="{786962EE-063A-444D-9F24-DA8806182FC3}" type="pres">
+      <dgm:prSet presAssocID="{0A2BB538-E9A2-40F3-BA82-76728829BBBF}" presName="parTx" presStyleLbl="revTx" presStyleIdx="2" presStyleCnt="5">
+        <dgm:presLayoutVars>
+          <dgm:chMax val="1"/>
+          <dgm:bulletEnabled val="1"/>
+        </dgm:presLayoutVars>
+      </dgm:prSet>
+      <dgm:spPr/>
+      <dgm:t>
+        <a:bodyPr/>
+        <a:lstStyle/>
+        <a:p>
+          <a:endParaRPr lang="en-US"/>
+        </a:p>
+      </dgm:t>
+    </dgm:pt>
+    <dgm:pt modelId="{15C7BA9C-CF1F-4900-91E5-B2B5C4E3CC1C}" type="pres">
+      <dgm:prSet presAssocID="{0A2BB538-E9A2-40F3-BA82-76728829BBBF}" presName="bracket" presStyleLbl="parChTrans1D1" presStyleIdx="2" presStyleCnt="5"/>
+      <dgm:spPr/>
+    </dgm:pt>
+    <dgm:pt modelId="{3E495D8E-5B38-4DBA-878D-9CE1A5D1112E}" type="pres">
+      <dgm:prSet presAssocID="{0A2BB538-E9A2-40F3-BA82-76728829BBBF}" presName="spH" presStyleCnt="0"/>
+      <dgm:spPr/>
+    </dgm:pt>
+    <dgm:pt modelId="{79FE4C6C-0939-4E76-8471-EC38D3CAFE0F}" type="pres">
+      <dgm:prSet presAssocID="{0A2BB538-E9A2-40F3-BA82-76728829BBBF}" presName="desTx" presStyleLbl="node1" presStyleIdx="2" presStyleCnt="5">
+        <dgm:presLayoutVars>
+          <dgm:bulletEnabled val="1"/>
+        </dgm:presLayoutVars>
+      </dgm:prSet>
+      <dgm:spPr/>
+      <dgm:t>
+        <a:bodyPr/>
+        <a:lstStyle/>
+        <a:p>
+          <a:endParaRPr lang="en-US"/>
+        </a:p>
+      </dgm:t>
+    </dgm:pt>
+    <dgm:pt modelId="{96E01C91-BBBE-4093-BA48-1665F2855051}" type="pres">
+      <dgm:prSet presAssocID="{DDD00D69-B8C3-48AD-B53E-FE038DACC3AA}" presName="spV" presStyleCnt="0"/>
+      <dgm:spPr/>
+    </dgm:pt>
+    <dgm:pt modelId="{8CFB9CBB-31BD-4E34-AE17-EE737831BC34}" type="pres">
+      <dgm:prSet presAssocID="{B442EC3C-8DB9-4C63-A99D-58A8EAEE2802}" presName="linNode" presStyleCnt="0"/>
+      <dgm:spPr/>
+    </dgm:pt>
+    <dgm:pt modelId="{BA2B4D5C-F1D5-4206-89F2-1A674F6ECC6F}" type="pres">
+      <dgm:prSet presAssocID="{B442EC3C-8DB9-4C63-A99D-58A8EAEE2802}" presName="parTx" presStyleLbl="revTx" presStyleIdx="3" presStyleCnt="5">
+        <dgm:presLayoutVars>
+          <dgm:chMax val="1"/>
+          <dgm:bulletEnabled val="1"/>
+        </dgm:presLayoutVars>
+      </dgm:prSet>
+      <dgm:spPr/>
+      <dgm:t>
+        <a:bodyPr/>
+        <a:lstStyle/>
+        <a:p>
+          <a:endParaRPr lang="en-US"/>
+        </a:p>
+      </dgm:t>
+    </dgm:pt>
+    <dgm:pt modelId="{D66DA694-36E9-4D92-82B6-8C5FDBDB073A}" type="pres">
+      <dgm:prSet presAssocID="{B442EC3C-8DB9-4C63-A99D-58A8EAEE2802}" presName="bracket" presStyleLbl="parChTrans1D1" presStyleIdx="3" presStyleCnt="5"/>
+      <dgm:spPr/>
+    </dgm:pt>
+    <dgm:pt modelId="{ADE4C9D3-BFE9-4E5E-ACD4-56E0B92931C8}" type="pres">
+      <dgm:prSet presAssocID="{B442EC3C-8DB9-4C63-A99D-58A8EAEE2802}" presName="spH" presStyleCnt="0"/>
+      <dgm:spPr/>
+    </dgm:pt>
+    <dgm:pt modelId="{CAF7A30C-32B5-439A-AD55-840996077434}" type="pres">
+      <dgm:prSet presAssocID="{B442EC3C-8DB9-4C63-A99D-58A8EAEE2802}" presName="desTx" presStyleLbl="node1" presStyleIdx="3" presStyleCnt="5">
+        <dgm:presLayoutVars>
+          <dgm:bulletEnabled val="1"/>
+        </dgm:presLayoutVars>
+      </dgm:prSet>
+      <dgm:spPr/>
+      <dgm:t>
+        <a:bodyPr/>
+        <a:lstStyle/>
+        <a:p>
+          <a:endParaRPr lang="en-US"/>
+        </a:p>
+      </dgm:t>
+    </dgm:pt>
+    <dgm:pt modelId="{E983789A-50EC-4AF0-8024-DCDFBD3D0899}" type="pres">
+      <dgm:prSet presAssocID="{FA7938D0-BFA7-440A-8DB1-03BB25DAE2B1}" presName="spV" presStyleCnt="0"/>
+      <dgm:spPr/>
+    </dgm:pt>
+    <dgm:pt modelId="{DD1ED7DA-B442-4D08-BF55-D7ADFD08A7EE}" type="pres">
+      <dgm:prSet presAssocID="{1E4B0BD3-5642-4823-B6A4-04352150942B}" presName="linNode" presStyleCnt="0"/>
+      <dgm:spPr/>
+    </dgm:pt>
+    <dgm:pt modelId="{FF5960F5-4FEE-476C-A20A-30D655E9D5D1}" type="pres">
+      <dgm:prSet presAssocID="{1E4B0BD3-5642-4823-B6A4-04352150942B}" presName="parTx" presStyleLbl="revTx" presStyleIdx="4" presStyleCnt="5">
+        <dgm:presLayoutVars>
+          <dgm:chMax val="1"/>
+          <dgm:bulletEnabled val="1"/>
+        </dgm:presLayoutVars>
+      </dgm:prSet>
+      <dgm:spPr/>
+      <dgm:t>
+        <a:bodyPr/>
+        <a:lstStyle/>
+        <a:p>
+          <a:endParaRPr lang="en-US"/>
+        </a:p>
+      </dgm:t>
+    </dgm:pt>
+    <dgm:pt modelId="{50D48225-666A-40A3-BF9F-60CC702DB955}" type="pres">
+      <dgm:prSet presAssocID="{1E4B0BD3-5642-4823-B6A4-04352150942B}" presName="bracket" presStyleLbl="parChTrans1D1" presStyleIdx="4" presStyleCnt="5"/>
+      <dgm:spPr/>
+    </dgm:pt>
+    <dgm:pt modelId="{C582106F-D2C2-490B-AD2A-ACD26BC0D750}" type="pres">
+      <dgm:prSet presAssocID="{1E4B0BD3-5642-4823-B6A4-04352150942B}" presName="spH" presStyleCnt="0"/>
+      <dgm:spPr/>
+    </dgm:pt>
+    <dgm:pt modelId="{82C1E690-C8C5-481D-98BD-DA98E4A16FE5}" type="pres">
+      <dgm:prSet presAssocID="{1E4B0BD3-5642-4823-B6A4-04352150942B}" presName="desTx" presStyleLbl="node1" presStyleIdx="4" presStyleCnt="5">
+        <dgm:presLayoutVars>
+          <dgm:bulletEnabled val="1"/>
+        </dgm:presLayoutVars>
+      </dgm:prSet>
+      <dgm:spPr/>
+      <dgm:t>
+        <a:bodyPr/>
+        <a:lstStyle/>
+        <a:p>
+          <a:endParaRPr lang="en-US"/>
+        </a:p>
+      </dgm:t>
+    </dgm:pt>
+  </dgm:ptLst>
+  <dgm:cxnLst>
+    <dgm:cxn modelId="{F5B3F094-AACC-4C56-AA31-CCDF3304A544}" type="presOf" srcId="{1E4B0BD3-5642-4823-B6A4-04352150942B}" destId="{FF5960F5-4FEE-476C-A20A-30D655E9D5D1}" srcOrd="0" destOrd="0" presId="urn:diagrams.loki3.com/BracketList"/>
+    <dgm:cxn modelId="{FE54E0F5-D8DF-471D-85F0-76BDF08471AE}" type="presOf" srcId="{8A0E79FD-2837-4BFD-AC46-A82EA174AC4A}" destId="{CAF7A30C-32B5-439A-AD55-840996077434}" srcOrd="0" destOrd="0" presId="urn:diagrams.loki3.com/BracketList"/>
+    <dgm:cxn modelId="{45282E5A-FF3E-4E5C-A35F-EF95318CE13F}" type="presOf" srcId="{C8E40756-9366-4A5B-9723-0598A69970E0}" destId="{446D2CC6-7E84-42BD-AD30-32D47A0F0399}" srcOrd="0" destOrd="2" presId="urn:diagrams.loki3.com/BracketList"/>
+    <dgm:cxn modelId="{0CD0F2D8-6DCD-4F3D-8ADE-ABB364EBC543}" srcId="{71C4F53D-73F7-43C0-8068-C97792B04C36}" destId="{1E4B0BD3-5642-4823-B6A4-04352150942B}" srcOrd="4" destOrd="0" parTransId="{E79CB9DB-6B06-4ABA-8770-B4212675838B}" sibTransId="{F559ED90-7F33-4E03-9F77-C34595E03981}"/>
+    <dgm:cxn modelId="{532888F1-D219-4FD3-8122-0B00C0AEB935}" srcId="{21C4817F-65F1-42DC-AEC0-8A3876F5CF6B}" destId="{05964A79-4725-4883-B839-DB50CA2A0D19}" srcOrd="0" destOrd="0" parTransId="{040CD8DF-5FD5-4DAB-8A45-F1DB1554849C}" sibTransId="{35CB8696-C443-418A-B1F0-94EB8919A29F}"/>
+    <dgm:cxn modelId="{CB4426B8-C639-4F8B-916C-E9126ABB2581}" type="presOf" srcId="{05964A79-4725-4883-B839-DB50CA2A0D19}" destId="{D35AC0B4-0EA2-4E5A-8208-E9F15E287E2B}" srcOrd="0" destOrd="0" presId="urn:diagrams.loki3.com/BracketList"/>
+    <dgm:cxn modelId="{2273A345-52DF-4A8B-9E47-08AA4E347DFA}" type="presOf" srcId="{21C4817F-65F1-42DC-AEC0-8A3876F5CF6B}" destId="{F7B03BAF-4A61-4897-885F-5DEDC69024C3}" srcOrd="0" destOrd="0" presId="urn:diagrams.loki3.com/BracketList"/>
+    <dgm:cxn modelId="{BE13A29D-4F5C-4A70-AD6D-72E3992DDA3B}" type="presOf" srcId="{B442EC3C-8DB9-4C63-A99D-58A8EAEE2802}" destId="{BA2B4D5C-F1D5-4206-89F2-1A674F6ECC6F}" srcOrd="0" destOrd="0" presId="urn:diagrams.loki3.com/BracketList"/>
+    <dgm:cxn modelId="{6B6C317A-8573-404F-B7CF-4B3DC9C38DAD}" srcId="{71C4F53D-73F7-43C0-8068-C97792B04C36}" destId="{B442EC3C-8DB9-4C63-A99D-58A8EAEE2802}" srcOrd="3" destOrd="0" parTransId="{A1F5A16F-D5EE-4451-A9E0-C05030724E91}" sibTransId="{FA7938D0-BFA7-440A-8DB1-03BB25DAE2B1}"/>
+    <dgm:cxn modelId="{866BA3BD-CBFD-49DB-B175-2CDDF4A7DD74}" type="presOf" srcId="{497D0993-E84E-4510-AD28-62C51A318D82}" destId="{82C1E690-C8C5-481D-98BD-DA98E4A16FE5}" srcOrd="0" destOrd="2" presId="urn:diagrams.loki3.com/BracketList"/>
+    <dgm:cxn modelId="{70FB38AE-14C2-4F49-9C69-6E0770251A65}" srcId="{DE6D2516-4118-4481-9AE1-239E68CF98D2}" destId="{A171A341-94B2-4D0E-A907-28EEDFED180C}" srcOrd="1" destOrd="0" parTransId="{794BA199-F8B9-420C-BC82-438436E7615C}" sibTransId="{A5867818-EBD0-4C68-B512-B0ED2157ED5B}"/>
+    <dgm:cxn modelId="{4CC13B6B-0E6E-432D-9108-128E5D91DE05}" srcId="{DE6D2516-4118-4481-9AE1-239E68CF98D2}" destId="{699459BF-9F52-4253-B5ED-310473273EAB}" srcOrd="0" destOrd="0" parTransId="{F8AB79B3-5B8A-49DD-8D81-C7C4BCD66DDD}" sibTransId="{78AE9A96-D090-4F74-8A5A-6706E6A31281}"/>
+    <dgm:cxn modelId="{55132EF4-AF34-467D-81C9-92CE7CD5C56C}" srcId="{B442EC3C-8DB9-4C63-A99D-58A8EAEE2802}" destId="{8A0E79FD-2837-4BFD-AC46-A82EA174AC4A}" srcOrd="0" destOrd="0" parTransId="{AD3B7FEB-B437-40F8-826B-CF4876EB1F3F}" sibTransId="{CCE41D1F-C35B-4D30-80B4-3CB0F19C92A4}"/>
+    <dgm:cxn modelId="{4154886C-0FAD-493B-AB1B-199296681F54}" type="presOf" srcId="{71C4F53D-73F7-43C0-8068-C97792B04C36}" destId="{3FB101F4-D626-4CB9-B46F-A5D1E728A3EF}" srcOrd="0" destOrd="0" presId="urn:diagrams.loki3.com/BracketList"/>
+    <dgm:cxn modelId="{BCE7DD19-A062-479F-AC95-179080679FA3}" type="presOf" srcId="{774E5BB6-F157-406A-9CD7-C68B5D201872}" destId="{82C1E690-C8C5-481D-98BD-DA98E4A16FE5}" srcOrd="0" destOrd="1" presId="urn:diagrams.loki3.com/BracketList"/>
+    <dgm:cxn modelId="{CDC8B92B-465A-4DF0-AABA-F04E27DA36F8}" srcId="{71C4F53D-73F7-43C0-8068-C97792B04C36}" destId="{DE6D2516-4118-4481-9AE1-239E68CF98D2}" srcOrd="0" destOrd="0" parTransId="{A4C3CBF8-74E7-4C81-A89F-610B6D1D3679}" sibTransId="{12AE46C6-7A59-448D-B86D-4297AEB7A754}"/>
+    <dgm:cxn modelId="{B194201A-6F4A-4426-91A6-02F91E3EEA1F}" type="presOf" srcId="{DE6D2516-4118-4481-9AE1-239E68CF98D2}" destId="{7750B759-A213-40FA-BEB4-4C184A1AF0F6}" srcOrd="0" destOrd="0" presId="urn:diagrams.loki3.com/BracketList"/>
+    <dgm:cxn modelId="{B42CF900-1AF2-40E5-BC06-6E0C0807F12F}" srcId="{DE6D2516-4118-4481-9AE1-239E68CF98D2}" destId="{C8E40756-9366-4A5B-9723-0598A69970E0}" srcOrd="2" destOrd="0" parTransId="{128A2309-F248-4823-A0B9-D7CB12CC1775}" sibTransId="{057B20A8-F038-437E-81E3-4AF3FAEBB302}"/>
+    <dgm:cxn modelId="{79CDB838-F679-4B1C-A773-E10676986FA3}" type="presOf" srcId="{699459BF-9F52-4253-B5ED-310473273EAB}" destId="{446D2CC6-7E84-42BD-AD30-32D47A0F0399}" srcOrd="0" destOrd="0" presId="urn:diagrams.loki3.com/BracketList"/>
+    <dgm:cxn modelId="{CB4D371E-7619-41CC-8393-2BD5205FC1D4}" type="presOf" srcId="{3ECF5029-6465-4278-B12D-C24019B5ABED}" destId="{82C1E690-C8C5-481D-98BD-DA98E4A16FE5}" srcOrd="0" destOrd="0" presId="urn:diagrams.loki3.com/BracketList"/>
+    <dgm:cxn modelId="{E42D2982-F621-4BDD-B985-53B4A3B91981}" srcId="{1E4B0BD3-5642-4823-B6A4-04352150942B}" destId="{3ECF5029-6465-4278-B12D-C24019B5ABED}" srcOrd="0" destOrd="0" parTransId="{18F02463-1224-4093-924E-5328E8169987}" sibTransId="{E2ABAD00-7A9A-4A4D-B190-95A5DD72979A}"/>
+    <dgm:cxn modelId="{0B7039BD-7F96-4664-9AC3-77425F9607C6}" srcId="{71C4F53D-73F7-43C0-8068-C97792B04C36}" destId="{21C4817F-65F1-42DC-AEC0-8A3876F5CF6B}" srcOrd="1" destOrd="0" parTransId="{BCFF8BE3-7893-4363-92EB-DB424B6C8284}" sibTransId="{49C5D47E-F908-429B-A1A4-3B10CF93975A}"/>
+    <dgm:cxn modelId="{D672D515-0195-46DF-84B2-580C0353061E}" srcId="{1E4B0BD3-5642-4823-B6A4-04352150942B}" destId="{497D0993-E84E-4510-AD28-62C51A318D82}" srcOrd="2" destOrd="0" parTransId="{79DA9500-5861-468E-99B2-0842D723D03C}" sibTransId="{2574475E-935E-4511-9547-7D5ACDB4FA29}"/>
+    <dgm:cxn modelId="{7BDA078E-243E-45A0-9FB4-5D016FD867D9}" srcId="{1E4B0BD3-5642-4823-B6A4-04352150942B}" destId="{774E5BB6-F157-406A-9CD7-C68B5D201872}" srcOrd="1" destOrd="0" parTransId="{610CFC5F-F71C-4609-85E3-4E91E6BA23BD}" sibTransId="{E3EEB503-89BB-4F57-ABCB-E98D699C4B6A}"/>
+    <dgm:cxn modelId="{2FC1D945-5346-47DF-A4E2-ADCDB0C4B37E}" type="presOf" srcId="{A171A341-94B2-4D0E-A907-28EEDFED180C}" destId="{446D2CC6-7E84-42BD-AD30-32D47A0F0399}" srcOrd="0" destOrd="1" presId="urn:diagrams.loki3.com/BracketList"/>
+    <dgm:cxn modelId="{4ACA428F-439F-447A-9419-7D258E36BA2C}" srcId="{71C4F53D-73F7-43C0-8068-C97792B04C36}" destId="{0A2BB538-E9A2-40F3-BA82-76728829BBBF}" srcOrd="2" destOrd="0" parTransId="{5043B0DE-DBFC-4188-BDC2-B808304C89B4}" sibTransId="{DDD00D69-B8C3-48AD-B53E-FE038DACC3AA}"/>
+    <dgm:cxn modelId="{C332B8DE-D2C8-4439-A58D-F94BA8E99C12}" srcId="{0A2BB538-E9A2-40F3-BA82-76728829BBBF}" destId="{4A0F1DA1-DE38-4685-BB51-5B84C5F89053}" srcOrd="0" destOrd="0" parTransId="{641B1121-467B-4A8B-9663-8649557FB65A}" sibTransId="{FFFC0C6C-F03B-4B7B-9781-ADA4B3AA4DCB}"/>
+    <dgm:cxn modelId="{6C5CFD74-18E3-4EB1-B7FD-EEE4A1EC4E08}" type="presOf" srcId="{0A2BB538-E9A2-40F3-BA82-76728829BBBF}" destId="{786962EE-063A-444D-9F24-DA8806182FC3}" srcOrd="0" destOrd="0" presId="urn:diagrams.loki3.com/BracketList"/>
+    <dgm:cxn modelId="{96738B1D-A52D-4037-BD62-F43BE962A4C8}" type="presOf" srcId="{4A0F1DA1-DE38-4685-BB51-5B84C5F89053}" destId="{79FE4C6C-0939-4E76-8471-EC38D3CAFE0F}" srcOrd="0" destOrd="0" presId="urn:diagrams.loki3.com/BracketList"/>
+    <dgm:cxn modelId="{B904621D-F8DF-4513-8C10-1C9A166DC18B}" type="presParOf" srcId="{3FB101F4-D626-4CB9-B46F-A5D1E728A3EF}" destId="{F98A47C1-84A5-4B2A-A53D-7AEAF6CEB80C}" srcOrd="0" destOrd="0" presId="urn:diagrams.loki3.com/BracketList"/>
+    <dgm:cxn modelId="{E94CFDF8-F494-4A74-A039-CCC7735480DC}" type="presParOf" srcId="{F98A47C1-84A5-4B2A-A53D-7AEAF6CEB80C}" destId="{7750B759-A213-40FA-BEB4-4C184A1AF0F6}" srcOrd="0" destOrd="0" presId="urn:diagrams.loki3.com/BracketList"/>
+    <dgm:cxn modelId="{CE13D388-5A36-4028-A286-9DD1D612FC58}" type="presParOf" srcId="{F98A47C1-84A5-4B2A-A53D-7AEAF6CEB80C}" destId="{43C750AB-DAD2-4C07-9CAF-0A2F6A1FA388}" srcOrd="1" destOrd="0" presId="urn:diagrams.loki3.com/BracketList"/>
+    <dgm:cxn modelId="{E1D66A6C-3D6E-443D-AF29-37A7EDA247FC}" type="presParOf" srcId="{F98A47C1-84A5-4B2A-A53D-7AEAF6CEB80C}" destId="{BECBF111-CED3-47AA-B4FC-C2FF52F882A2}" srcOrd="2" destOrd="0" presId="urn:diagrams.loki3.com/BracketList"/>
+    <dgm:cxn modelId="{881883E5-A7BE-4F47-9A13-3850E3EC7EBA}" type="presParOf" srcId="{F98A47C1-84A5-4B2A-A53D-7AEAF6CEB80C}" destId="{446D2CC6-7E84-42BD-AD30-32D47A0F0399}" srcOrd="3" destOrd="0" presId="urn:diagrams.loki3.com/BracketList"/>
+    <dgm:cxn modelId="{2796D921-7BBF-43C8-A079-EAE62BF5F5EA}" type="presParOf" srcId="{3FB101F4-D626-4CB9-B46F-A5D1E728A3EF}" destId="{64DDDD8A-EA7D-4719-A166-9157EFD61CF2}" srcOrd="1" destOrd="0" presId="urn:diagrams.loki3.com/BracketList"/>
+    <dgm:cxn modelId="{6E08E1F3-4117-435A-AE6F-EDF288F3BFFB}" type="presParOf" srcId="{3FB101F4-D626-4CB9-B46F-A5D1E728A3EF}" destId="{2E0B2DF0-E856-4615-9ECA-E7908B6B8CEA}" srcOrd="2" destOrd="0" presId="urn:diagrams.loki3.com/BracketList"/>
+    <dgm:cxn modelId="{55358745-6FD2-44B5-A4B1-4A419070A037}" type="presParOf" srcId="{2E0B2DF0-E856-4615-9ECA-E7908B6B8CEA}" destId="{F7B03BAF-4A61-4897-885F-5DEDC69024C3}" srcOrd="0" destOrd="0" presId="urn:diagrams.loki3.com/BracketList"/>
+    <dgm:cxn modelId="{CBF9D881-723F-4B86-A823-1DA0BAEE0FA2}" type="presParOf" srcId="{2E0B2DF0-E856-4615-9ECA-E7908B6B8CEA}" destId="{BEB0E3EA-8B29-4C3D-AD33-C275354954B4}" srcOrd="1" destOrd="0" presId="urn:diagrams.loki3.com/BracketList"/>
+    <dgm:cxn modelId="{FB7F119C-0C65-4EA4-8749-DD98BB83E727}" type="presParOf" srcId="{2E0B2DF0-E856-4615-9ECA-E7908B6B8CEA}" destId="{7ADAD0CA-BB6E-497F-8FCB-C0AAD91049E5}" srcOrd="2" destOrd="0" presId="urn:diagrams.loki3.com/BracketList"/>
+    <dgm:cxn modelId="{B5C7B979-E863-46DA-8020-A53DE1FD2721}" type="presParOf" srcId="{2E0B2DF0-E856-4615-9ECA-E7908B6B8CEA}" destId="{D35AC0B4-0EA2-4E5A-8208-E9F15E287E2B}" srcOrd="3" destOrd="0" presId="urn:diagrams.loki3.com/BracketList"/>
+    <dgm:cxn modelId="{8C4D82E6-34EC-45E9-919A-CC52ED77B1CA}" type="presParOf" srcId="{3FB101F4-D626-4CB9-B46F-A5D1E728A3EF}" destId="{49944EDE-14C5-492F-9B42-BA7FB699271E}" srcOrd="3" destOrd="0" presId="urn:diagrams.loki3.com/BracketList"/>
+    <dgm:cxn modelId="{0FBBB874-49A1-49AA-B4BB-0DFCC8FAA0EE}" type="presParOf" srcId="{3FB101F4-D626-4CB9-B46F-A5D1E728A3EF}" destId="{B0256286-5F3E-47DE-A284-45CF940F61D7}" srcOrd="4" destOrd="0" presId="urn:diagrams.loki3.com/BracketList"/>
+    <dgm:cxn modelId="{D331196D-BA29-4C6E-B16E-A3F99468B440}" type="presParOf" srcId="{B0256286-5F3E-47DE-A284-45CF940F61D7}" destId="{786962EE-063A-444D-9F24-DA8806182FC3}" srcOrd="0" destOrd="0" presId="urn:diagrams.loki3.com/BracketList"/>
+    <dgm:cxn modelId="{E7F63370-B962-4896-BB25-985B52FE4DD0}" type="presParOf" srcId="{B0256286-5F3E-47DE-A284-45CF940F61D7}" destId="{15C7BA9C-CF1F-4900-91E5-B2B5C4E3CC1C}" srcOrd="1" destOrd="0" presId="urn:diagrams.loki3.com/BracketList"/>
+    <dgm:cxn modelId="{C85DC599-B543-4FC4-B755-FD6144C28EE5}" type="presParOf" srcId="{B0256286-5F3E-47DE-A284-45CF940F61D7}" destId="{3E495D8E-5B38-4DBA-878D-9CE1A5D1112E}" srcOrd="2" destOrd="0" presId="urn:diagrams.loki3.com/BracketList"/>
+    <dgm:cxn modelId="{C90144EC-13D6-4331-8F38-5901BC160037}" type="presParOf" srcId="{B0256286-5F3E-47DE-A284-45CF940F61D7}" destId="{79FE4C6C-0939-4E76-8471-EC38D3CAFE0F}" srcOrd="3" destOrd="0" presId="urn:diagrams.loki3.com/BracketList"/>
+    <dgm:cxn modelId="{15E291BB-D14E-4C03-A4CF-739C3EC1B4FA}" type="presParOf" srcId="{3FB101F4-D626-4CB9-B46F-A5D1E728A3EF}" destId="{96E01C91-BBBE-4093-BA48-1665F2855051}" srcOrd="5" destOrd="0" presId="urn:diagrams.loki3.com/BracketList"/>
+    <dgm:cxn modelId="{F54523F6-5CF7-4514-B68E-EB9EA18FD41D}" type="presParOf" srcId="{3FB101F4-D626-4CB9-B46F-A5D1E728A3EF}" destId="{8CFB9CBB-31BD-4E34-AE17-EE737831BC34}" srcOrd="6" destOrd="0" presId="urn:diagrams.loki3.com/BracketList"/>
+    <dgm:cxn modelId="{E4A62FDE-12EC-4141-BFFE-7BBA4CDE7A1C}" type="presParOf" srcId="{8CFB9CBB-31BD-4E34-AE17-EE737831BC34}" destId="{BA2B4D5C-F1D5-4206-89F2-1A674F6ECC6F}" srcOrd="0" destOrd="0" presId="urn:diagrams.loki3.com/BracketList"/>
+    <dgm:cxn modelId="{BBD8B855-98A5-4616-814F-37B38256B0D4}" type="presParOf" srcId="{8CFB9CBB-31BD-4E34-AE17-EE737831BC34}" destId="{D66DA694-36E9-4D92-82B6-8C5FDBDB073A}" srcOrd="1" destOrd="0" presId="urn:diagrams.loki3.com/BracketList"/>
+    <dgm:cxn modelId="{87323A59-80FB-4A97-8DA3-1B769CECBCE2}" type="presParOf" srcId="{8CFB9CBB-31BD-4E34-AE17-EE737831BC34}" destId="{ADE4C9D3-BFE9-4E5E-ACD4-56E0B92931C8}" srcOrd="2" destOrd="0" presId="urn:diagrams.loki3.com/BracketList"/>
+    <dgm:cxn modelId="{F5FA82AC-EC8A-478E-9CD9-B3B8653105B1}" type="presParOf" srcId="{8CFB9CBB-31BD-4E34-AE17-EE737831BC34}" destId="{CAF7A30C-32B5-439A-AD55-840996077434}" srcOrd="3" destOrd="0" presId="urn:diagrams.loki3.com/BracketList"/>
+    <dgm:cxn modelId="{A2B196C2-7D23-4DC3-881F-78B21C3F1A01}" type="presParOf" srcId="{3FB101F4-D626-4CB9-B46F-A5D1E728A3EF}" destId="{E983789A-50EC-4AF0-8024-DCDFBD3D0899}" srcOrd="7" destOrd="0" presId="urn:diagrams.loki3.com/BracketList"/>
+    <dgm:cxn modelId="{4987CEEC-7770-4EED-9BFE-C64CDB4F1B17}" type="presParOf" srcId="{3FB101F4-D626-4CB9-B46F-A5D1E728A3EF}" destId="{DD1ED7DA-B442-4D08-BF55-D7ADFD08A7EE}" srcOrd="8" destOrd="0" presId="urn:diagrams.loki3.com/BracketList"/>
+    <dgm:cxn modelId="{A80C8E43-DE41-47E8-8B09-3822814B166A}" type="presParOf" srcId="{DD1ED7DA-B442-4D08-BF55-D7ADFD08A7EE}" destId="{FF5960F5-4FEE-476C-A20A-30D655E9D5D1}" srcOrd="0" destOrd="0" presId="urn:diagrams.loki3.com/BracketList"/>
+    <dgm:cxn modelId="{DE15BC4E-542F-4605-B3C2-D078C3443C11}" type="presParOf" srcId="{DD1ED7DA-B442-4D08-BF55-D7ADFD08A7EE}" destId="{50D48225-666A-40A3-BF9F-60CC702DB955}" srcOrd="1" destOrd="0" presId="urn:diagrams.loki3.com/BracketList"/>
+    <dgm:cxn modelId="{C44D31CA-546E-4456-8C24-F2669D40C1FE}" type="presParOf" srcId="{DD1ED7DA-B442-4D08-BF55-D7ADFD08A7EE}" destId="{C582106F-D2C2-490B-AD2A-ACD26BC0D750}" srcOrd="2" destOrd="0" presId="urn:diagrams.loki3.com/BracketList"/>
+    <dgm:cxn modelId="{A6BF2541-BD2A-4FD5-B6D3-B6776112A4CA}" type="presParOf" srcId="{DD1ED7DA-B442-4D08-BF55-D7ADFD08A7EE}" destId="{82C1E690-C8C5-481D-98BD-DA98E4A16FE5}" srcOrd="3" destOrd="0" presId="urn:diagrams.loki3.com/BracketList"/>
+  </dgm:cxnLst>
+  <dgm:bg/>
+  <dgm:whole/>
+  <dgm:extLst>
+    <a:ext uri="http://schemas.microsoft.com/office/drawing/2008/diagram">
+      <dsp:dataModelExt xmlns:dsp="http://schemas.microsoft.com/office/drawing/2008/diagram" relId="rId6" minVer="http://schemas.openxmlformats.org/drawingml/2006/diagram"/>
+    </a:ext>
+  </dgm:extLst>
+</dgm:dataModel>
+</file>
+
 <file path=ppt/diagrams/drawing1.xml><?xml version="1.0" encoding="utf-8"?>
 <dsp:drawing xmlns:dgm="http://schemas.openxmlformats.org/drawingml/2006/diagram" xmlns:dsp="http://schemas.microsoft.com/office/drawing/2008/diagram" xmlns:a="http://schemas.openxmlformats.org/drawingml/2006/main">
   <dsp:spTree>
@@ -3834,1826 +5958,18 @@
       <dsp:cNvGrpSpPr/>
     </dsp:nvGrpSpPr>
     <dsp:grpSpPr/>
-    <dsp:sp modelId="{FA3637AE-5E0F-478A-BA47-28082756EE59}">
-      <dsp:nvSpPr>
-        <dsp:cNvPr id="0" name=""/>
-        <dsp:cNvSpPr/>
-      </dsp:nvSpPr>
-      <dsp:spPr>
-        <a:xfrm>
-          <a:off x="112154" y="39361"/>
-          <a:ext cx="1646967" cy="718258"/>
-        </a:xfrm>
-        <a:prstGeom prst="roundRect">
-          <a:avLst>
-            <a:gd name="adj" fmla="val 10000"/>
-          </a:avLst>
-        </a:prstGeom>
-        <a:gradFill rotWithShape="0">
-          <a:gsLst>
-            <a:gs pos="0">
-              <a:srgbClr val="FFCCFF">
-                <a:lumMod val="50000"/>
-                <a:lumOff val="50000"/>
-              </a:srgbClr>
-            </a:gs>
-            <a:gs pos="100000">
-              <a:srgbClr val="FFCCFF"/>
-            </a:gs>
-          </a:gsLst>
-          <a:lin ang="5400000" scaled="0"/>
-        </a:gradFill>
-        <a:ln w="6350" cap="flat" cmpd="sng" algn="ctr">
-          <a:solidFill>
-            <a:schemeClr val="accent2"/>
-          </a:solidFill>
-          <a:prstDash val="solid"/>
-          <a:miter lim="800000"/>
-        </a:ln>
-        <a:effectLst/>
-      </dsp:spPr>
-      <dsp:style>
-        <a:lnRef idx="1">
-          <a:schemeClr val="accent2"/>
-        </a:lnRef>
-        <a:fillRef idx="2">
-          <a:schemeClr val="accent2"/>
-        </a:fillRef>
-        <a:effectRef idx="1">
-          <a:schemeClr val="accent2"/>
-        </a:effectRef>
-        <a:fontRef idx="minor">
-          <a:schemeClr val="dk1"/>
-        </a:fontRef>
-      </dsp:style>
-      <dsp:txBody>
-        <a:bodyPr spcFirstLastPara="0" vert="horz" wrap="square" lIns="28575" tIns="19050" rIns="28575" bIns="19050" numCol="1" spcCol="1270" anchor="ctr" anchorCtr="0">
-          <a:noAutofit/>
-        </a:bodyPr>
-        <a:lstStyle/>
-        <a:p>
-          <a:pPr lvl="0" algn="ctr" defTabSz="666750">
-            <a:lnSpc>
-              <a:spcPct val="90000"/>
-            </a:lnSpc>
-            <a:spcBef>
-              <a:spcPct val="0"/>
-            </a:spcBef>
-            <a:spcAft>
-              <a:spcPct val="35000"/>
-            </a:spcAft>
-          </a:pPr>
-          <a:r>
-            <a:rPr lang="en-US" sz="1500" kern="1200" dirty="0" smtClean="0"/>
-            <a:t>Annotation index - </a:t>
-          </a:r>
-          <a:r>
-            <a:rPr lang="en-US" sz="1500" kern="1200" dirty="0" err="1" smtClean="0"/>
-            <a:t>subselect</a:t>
-          </a:r>
-          <a:endParaRPr lang="en-US" sz="1500" kern="1200" dirty="0"/>
-        </a:p>
-      </dsp:txBody>
-      <dsp:txXfrm>
-        <a:off x="133191" y="60398"/>
-        <a:ext cx="1604893" cy="676184"/>
-      </dsp:txXfrm>
-    </dsp:sp>
-    <dsp:sp modelId="{8C37D885-6593-462C-AA05-6CD8EA638401}">
-      <dsp:nvSpPr>
-        <dsp:cNvPr id="0" name=""/>
-        <dsp:cNvSpPr/>
-      </dsp:nvSpPr>
-      <dsp:spPr>
-        <a:xfrm>
-          <a:off x="231131" y="757619"/>
-          <a:ext cx="91440" cy="384961"/>
-        </a:xfrm>
-        <a:custGeom>
-          <a:avLst/>
-          <a:gdLst/>
-          <a:ahLst/>
-          <a:cxnLst/>
-          <a:rect l="0" t="0" r="0" b="0"/>
-          <a:pathLst>
-            <a:path>
-              <a:moveTo>
-                <a:pt x="45720" y="0"/>
-              </a:moveTo>
-              <a:lnTo>
-                <a:pt x="45720" y="384961"/>
-              </a:lnTo>
-              <a:lnTo>
-                <a:pt x="130868" y="384961"/>
-              </a:lnTo>
-            </a:path>
-          </a:pathLst>
-        </a:custGeom>
-        <a:noFill/>
-        <a:ln w="12700" cap="flat" cmpd="sng" algn="ctr">
-          <a:solidFill>
-            <a:schemeClr val="accent1">
-              <a:shade val="60000"/>
-              <a:hueOff val="0"/>
-              <a:satOff val="0"/>
-              <a:lumOff val="0"/>
-              <a:alphaOff val="0"/>
-            </a:schemeClr>
-          </a:solidFill>
-          <a:prstDash val="solid"/>
-          <a:miter lim="800000"/>
-        </a:ln>
-        <a:effectLst/>
-      </dsp:spPr>
-      <dsp:style>
-        <a:lnRef idx="2">
-          <a:scrgbClr r="0" g="0" b="0"/>
-        </a:lnRef>
-        <a:fillRef idx="0">
-          <a:scrgbClr r="0" g="0" b="0"/>
-        </a:fillRef>
-        <a:effectRef idx="0">
-          <a:scrgbClr r="0" g="0" b="0"/>
-        </a:effectRef>
-        <a:fontRef idx="minor"/>
-      </dsp:style>
-    </dsp:sp>
-    <dsp:sp modelId="{3AC43A25-BC81-4A6B-BE8D-FB2B2029355A}">
-      <dsp:nvSpPr>
-        <dsp:cNvPr id="0" name=""/>
-        <dsp:cNvSpPr/>
-      </dsp:nvSpPr>
-      <dsp:spPr>
-        <a:xfrm>
-          <a:off x="361999" y="1012659"/>
-          <a:ext cx="1067665" cy="259844"/>
-        </a:xfrm>
-        <a:prstGeom prst="roundRect">
-          <a:avLst>
-            <a:gd name="adj" fmla="val 10000"/>
-          </a:avLst>
-        </a:prstGeom>
-        <a:gradFill rotWithShape="0">
-          <a:gsLst>
-            <a:gs pos="0">
-              <a:srgbClr val="FFD9D1">
-                <a:alpha val="49804"/>
-              </a:srgbClr>
-            </a:gs>
-            <a:gs pos="100000">
-              <a:srgbClr val="FFD9D1"/>
-            </a:gs>
-          </a:gsLst>
-          <a:lin ang="5400000" scaled="0"/>
-        </a:gradFill>
-        <a:ln w="6350" cap="flat" cmpd="sng" algn="ctr">
-          <a:solidFill>
-            <a:schemeClr val="accent1">
-              <a:hueOff val="0"/>
-              <a:satOff val="0"/>
-              <a:lumOff val="0"/>
-              <a:alphaOff val="0"/>
-            </a:schemeClr>
-          </a:solidFill>
-          <a:prstDash val="solid"/>
-          <a:miter lim="800000"/>
-        </a:ln>
-        <a:effectLst/>
-      </dsp:spPr>
-      <dsp:style>
-        <a:lnRef idx="1">
-          <a:scrgbClr r="0" g="0" b="0"/>
-        </a:lnRef>
-        <a:fillRef idx="1">
-          <a:scrgbClr r="0" g="0" b="0"/>
-        </a:fillRef>
-        <a:effectRef idx="2">
-          <a:scrgbClr r="0" g="0" b="0"/>
-        </a:effectRef>
-        <a:fontRef idx="minor"/>
-      </dsp:style>
-      <dsp:txBody>
-        <a:bodyPr spcFirstLastPara="0" vert="horz" wrap="square" lIns="26670" tIns="17780" rIns="26670" bIns="17780" numCol="1" spcCol="1270" anchor="ctr" anchorCtr="0">
-          <a:noAutofit/>
-        </a:bodyPr>
-        <a:lstStyle/>
-        <a:p>
-          <a:pPr lvl="0" algn="ctr" defTabSz="622300">
-            <a:lnSpc>
-              <a:spcPct val="90000"/>
-            </a:lnSpc>
-            <a:spcBef>
-              <a:spcPct val="0"/>
-            </a:spcBef>
-            <a:spcAft>
-              <a:spcPct val="35000"/>
-            </a:spcAft>
-          </a:pPr>
-          <a:r>
-            <a:rPr lang="en-US" sz="1400" kern="1200" dirty="0" err="1" smtClean="0"/>
-            <a:t>coveredBy</a:t>
-          </a:r>
-          <a:endParaRPr lang="en-US" sz="1400" kern="1200" dirty="0"/>
-        </a:p>
-      </dsp:txBody>
-      <dsp:txXfrm>
-        <a:off x="369610" y="1020270"/>
-        <a:ext cx="1052443" cy="244622"/>
-      </dsp:txXfrm>
-    </dsp:sp>
-    <dsp:sp modelId="{5FA849F3-2870-4117-B35F-44C7C5D9D3F5}">
-      <dsp:nvSpPr>
-        <dsp:cNvPr id="0" name=""/>
-        <dsp:cNvSpPr/>
-      </dsp:nvSpPr>
-      <dsp:spPr>
-        <a:xfrm>
-          <a:off x="231131" y="757619"/>
-          <a:ext cx="91440" cy="793449"/>
-        </a:xfrm>
-        <a:custGeom>
-          <a:avLst/>
-          <a:gdLst/>
-          <a:ahLst/>
-          <a:cxnLst/>
-          <a:rect l="0" t="0" r="0" b="0"/>
-          <a:pathLst>
-            <a:path>
-              <a:moveTo>
-                <a:pt x="45720" y="0"/>
-              </a:moveTo>
-              <a:lnTo>
-                <a:pt x="45720" y="793449"/>
-              </a:lnTo>
-              <a:lnTo>
-                <a:pt x="120168" y="793449"/>
-              </a:lnTo>
-            </a:path>
-          </a:pathLst>
-        </a:custGeom>
-        <a:noFill/>
-        <a:ln w="12700" cap="flat" cmpd="sng" algn="ctr">
-          <a:solidFill>
-            <a:schemeClr val="accent1">
-              <a:shade val="60000"/>
-              <a:hueOff val="0"/>
-              <a:satOff val="0"/>
-              <a:lumOff val="0"/>
-              <a:alphaOff val="0"/>
-            </a:schemeClr>
-          </a:solidFill>
-          <a:prstDash val="solid"/>
-          <a:miter lim="800000"/>
-        </a:ln>
-        <a:effectLst/>
-      </dsp:spPr>
-      <dsp:style>
-        <a:lnRef idx="2">
-          <a:scrgbClr r="0" g="0" b="0"/>
-        </a:lnRef>
-        <a:fillRef idx="0">
-          <a:scrgbClr r="0" g="0" b="0"/>
-        </a:fillRef>
-        <a:effectRef idx="0">
-          <a:scrgbClr r="0" g="0" b="0"/>
-        </a:effectRef>
-        <a:fontRef idx="minor"/>
-      </dsp:style>
-    </dsp:sp>
-    <dsp:sp modelId="{D87CF371-4165-4ECD-9CC4-97F516956AB5}">
-      <dsp:nvSpPr>
-        <dsp:cNvPr id="0" name=""/>
-        <dsp:cNvSpPr/>
-      </dsp:nvSpPr>
-      <dsp:spPr>
-        <a:xfrm>
-          <a:off x="351300" y="1421147"/>
-          <a:ext cx="1067665" cy="259844"/>
-        </a:xfrm>
-        <a:prstGeom prst="roundRect">
-          <a:avLst>
-            <a:gd name="adj" fmla="val 10000"/>
-          </a:avLst>
-        </a:prstGeom>
-        <a:gradFill rotWithShape="0">
-          <a:gsLst>
-            <a:gs pos="0">
-              <a:srgbClr val="FFD9D1">
-                <a:alpha val="49804"/>
-              </a:srgbClr>
-            </a:gs>
-            <a:gs pos="100000">
-              <a:srgbClr val="FFD9D1"/>
-            </a:gs>
-          </a:gsLst>
-          <a:lin ang="5400000" scaled="0"/>
-        </a:gradFill>
-        <a:ln w="6350" cap="flat" cmpd="sng" algn="ctr">
-          <a:solidFill>
-            <a:schemeClr val="accent1">
-              <a:hueOff val="0"/>
-              <a:satOff val="0"/>
-              <a:lumOff val="0"/>
-              <a:alphaOff val="0"/>
-            </a:schemeClr>
-          </a:solidFill>
-          <a:prstDash val="solid"/>
-          <a:miter lim="800000"/>
-        </a:ln>
-        <a:effectLst/>
-      </dsp:spPr>
-      <dsp:style>
-        <a:lnRef idx="1">
-          <a:scrgbClr r="0" g="0" b="0"/>
-        </a:lnRef>
-        <a:fillRef idx="1">
-          <a:scrgbClr r="0" g="0" b="0"/>
-        </a:fillRef>
-        <a:effectRef idx="2">
-          <a:scrgbClr r="0" g="0" b="0"/>
-        </a:effectRef>
-        <a:fontRef idx="minor"/>
-      </dsp:style>
-      <dsp:txBody>
-        <a:bodyPr spcFirstLastPara="0" vert="horz" wrap="square" lIns="26670" tIns="17780" rIns="26670" bIns="17780" numCol="1" spcCol="1270" anchor="ctr" anchorCtr="0">
-          <a:noAutofit/>
-        </a:bodyPr>
-        <a:lstStyle/>
-        <a:p>
-          <a:pPr lvl="0" algn="ctr" defTabSz="622300">
-            <a:lnSpc>
-              <a:spcPct val="90000"/>
-            </a:lnSpc>
-            <a:spcBef>
-              <a:spcPct val="0"/>
-            </a:spcBef>
-            <a:spcAft>
-              <a:spcPct val="35000"/>
-            </a:spcAft>
-          </a:pPr>
-          <a:r>
-            <a:rPr lang="en-US" sz="1400" kern="1200" dirty="0" smtClean="0"/>
-            <a:t>covering</a:t>
-          </a:r>
-          <a:endParaRPr lang="en-US" sz="1400" kern="1200" dirty="0"/>
-        </a:p>
-      </dsp:txBody>
-      <dsp:txXfrm>
-        <a:off x="358911" y="1428758"/>
-        <a:ext cx="1052443" cy="244622"/>
-      </dsp:txXfrm>
-    </dsp:sp>
-    <dsp:sp modelId="{7292F0EE-BF4C-4928-999E-A35FCFE0A11A}">
-      <dsp:nvSpPr>
-        <dsp:cNvPr id="0" name=""/>
-        <dsp:cNvSpPr/>
-      </dsp:nvSpPr>
-      <dsp:spPr>
-        <a:xfrm>
-          <a:off x="231131" y="757619"/>
-          <a:ext cx="91440" cy="1197663"/>
-        </a:xfrm>
-        <a:custGeom>
-          <a:avLst/>
-          <a:gdLst/>
-          <a:ahLst/>
-          <a:cxnLst/>
-          <a:rect l="0" t="0" r="0" b="0"/>
-          <a:pathLst>
-            <a:path>
-              <a:moveTo>
-                <a:pt x="45720" y="0"/>
-              </a:moveTo>
-              <a:lnTo>
-                <a:pt x="45720" y="1197663"/>
-              </a:lnTo>
-              <a:lnTo>
-                <a:pt x="130063" y="1197663"/>
-              </a:lnTo>
-            </a:path>
-          </a:pathLst>
-        </a:custGeom>
-        <a:noFill/>
-        <a:ln w="12700" cap="flat" cmpd="sng" algn="ctr">
-          <a:solidFill>
-            <a:schemeClr val="accent1">
-              <a:shade val="60000"/>
-              <a:hueOff val="0"/>
-              <a:satOff val="0"/>
-              <a:lumOff val="0"/>
-              <a:alphaOff val="0"/>
-            </a:schemeClr>
-          </a:solidFill>
-          <a:prstDash val="solid"/>
-          <a:miter lim="800000"/>
-        </a:ln>
-        <a:effectLst/>
-      </dsp:spPr>
-      <dsp:style>
-        <a:lnRef idx="2">
-          <a:scrgbClr r="0" g="0" b="0"/>
-        </a:lnRef>
-        <a:fillRef idx="0">
-          <a:scrgbClr r="0" g="0" b="0"/>
-        </a:fillRef>
-        <a:effectRef idx="0">
-          <a:scrgbClr r="0" g="0" b="0"/>
-        </a:effectRef>
-        <a:fontRef idx="minor"/>
-      </dsp:style>
-    </dsp:sp>
-    <dsp:sp modelId="{902E56C3-7153-4967-A765-4755747B76A3}">
-      <dsp:nvSpPr>
-        <dsp:cNvPr id="0" name=""/>
-        <dsp:cNvSpPr/>
-      </dsp:nvSpPr>
-      <dsp:spPr>
-        <a:xfrm>
-          <a:off x="361195" y="1825361"/>
-          <a:ext cx="1067665" cy="259844"/>
-        </a:xfrm>
-        <a:prstGeom prst="roundRect">
-          <a:avLst>
-            <a:gd name="adj" fmla="val 10000"/>
-          </a:avLst>
-        </a:prstGeom>
-        <a:gradFill rotWithShape="0">
-          <a:gsLst>
-            <a:gs pos="0">
-              <a:srgbClr val="FFD9D1">
-                <a:alpha val="49804"/>
-              </a:srgbClr>
-            </a:gs>
-            <a:gs pos="100000">
-              <a:srgbClr val="FFD9D1"/>
-            </a:gs>
-          </a:gsLst>
-          <a:lin ang="5400000" scaled="0"/>
-        </a:gradFill>
-        <a:ln w="6350" cap="flat" cmpd="sng" algn="ctr">
-          <a:solidFill>
-            <a:schemeClr val="accent1">
-              <a:hueOff val="0"/>
-              <a:satOff val="0"/>
-              <a:lumOff val="0"/>
-              <a:alphaOff val="0"/>
-            </a:schemeClr>
-          </a:solidFill>
-          <a:prstDash val="solid"/>
-          <a:miter lim="800000"/>
-        </a:ln>
-        <a:effectLst/>
-      </dsp:spPr>
-      <dsp:style>
-        <a:lnRef idx="1">
-          <a:scrgbClr r="0" g="0" b="0"/>
-        </a:lnRef>
-        <a:fillRef idx="1">
-          <a:scrgbClr r="0" g="0" b="0"/>
-        </a:fillRef>
-        <a:effectRef idx="2">
-          <a:scrgbClr r="0" g="0" b="0"/>
-        </a:effectRef>
-        <a:fontRef idx="minor"/>
-      </dsp:style>
-      <dsp:txBody>
-        <a:bodyPr spcFirstLastPara="0" vert="horz" wrap="square" lIns="26670" tIns="17780" rIns="26670" bIns="17780" numCol="1" spcCol="1270" anchor="ctr" anchorCtr="0">
-          <a:noAutofit/>
-        </a:bodyPr>
-        <a:lstStyle/>
-        <a:p>
-          <a:pPr lvl="0" algn="ctr" defTabSz="622300">
-            <a:lnSpc>
-              <a:spcPct val="90000"/>
-            </a:lnSpc>
-            <a:spcBef>
-              <a:spcPct val="0"/>
-            </a:spcBef>
-            <a:spcAft>
-              <a:spcPct val="35000"/>
-            </a:spcAft>
-          </a:pPr>
-          <a:r>
-            <a:rPr lang="en-US" sz="1400" kern="1200" dirty="0" smtClean="0"/>
-            <a:t>at</a:t>
-          </a:r>
-          <a:endParaRPr lang="en-US" sz="1400" kern="1200" dirty="0"/>
-        </a:p>
-      </dsp:txBody>
-      <dsp:txXfrm>
-        <a:off x="368806" y="1832972"/>
-        <a:ext cx="1052443" cy="244622"/>
-      </dsp:txXfrm>
-    </dsp:sp>
-    <dsp:sp modelId="{CCEF3560-3C73-4128-89F8-DC7E6E2E204B}">
-      <dsp:nvSpPr>
-        <dsp:cNvPr id="0" name=""/>
-        <dsp:cNvSpPr/>
-      </dsp:nvSpPr>
-      <dsp:spPr>
-        <a:xfrm>
-          <a:off x="231131" y="757619"/>
-          <a:ext cx="91440" cy="1661070"/>
-        </a:xfrm>
-        <a:custGeom>
-          <a:avLst/>
-          <a:gdLst/>
-          <a:ahLst/>
-          <a:cxnLst/>
-          <a:rect l="0" t="0" r="0" b="0"/>
-          <a:pathLst>
-            <a:path>
-              <a:moveTo>
-                <a:pt x="45720" y="0"/>
-              </a:moveTo>
-              <a:lnTo>
-                <a:pt x="45720" y="1661070"/>
-              </a:lnTo>
-              <a:lnTo>
-                <a:pt x="130063" y="1661070"/>
-              </a:lnTo>
-            </a:path>
-          </a:pathLst>
-        </a:custGeom>
-        <a:noFill/>
-        <a:ln w="12700" cap="flat" cmpd="sng" algn="ctr">
-          <a:solidFill>
-            <a:schemeClr val="accent1">
-              <a:shade val="60000"/>
-              <a:hueOff val="0"/>
-              <a:satOff val="0"/>
-              <a:lumOff val="0"/>
-              <a:alphaOff val="0"/>
-            </a:schemeClr>
-          </a:solidFill>
-          <a:prstDash val="solid"/>
-          <a:miter lim="800000"/>
-        </a:ln>
-        <a:effectLst/>
-      </dsp:spPr>
-      <dsp:style>
-        <a:lnRef idx="2">
-          <a:scrgbClr r="0" g="0" b="0"/>
-        </a:lnRef>
-        <a:fillRef idx="0">
-          <a:scrgbClr r="0" g="0" b="0"/>
-        </a:fillRef>
-        <a:effectRef idx="0">
-          <a:scrgbClr r="0" g="0" b="0"/>
-        </a:effectRef>
-        <a:fontRef idx="minor"/>
-      </dsp:style>
-    </dsp:sp>
-    <dsp:sp modelId="{964BD0A1-575D-4561-A934-3A5596A69899}">
-      <dsp:nvSpPr>
-        <dsp:cNvPr id="0" name=""/>
-        <dsp:cNvSpPr/>
-      </dsp:nvSpPr>
-      <dsp:spPr>
-        <a:xfrm>
-          <a:off x="361195" y="2288767"/>
-          <a:ext cx="1067665" cy="259844"/>
-        </a:xfrm>
-        <a:prstGeom prst="roundRect">
-          <a:avLst>
-            <a:gd name="adj" fmla="val 10000"/>
-          </a:avLst>
-        </a:prstGeom>
-        <a:gradFill rotWithShape="0">
-          <a:gsLst>
-            <a:gs pos="0">
-              <a:srgbClr val="FFD9D1">
-                <a:alpha val="49804"/>
-              </a:srgbClr>
-            </a:gs>
-            <a:gs pos="100000">
-              <a:srgbClr val="FFD9D1"/>
-            </a:gs>
-          </a:gsLst>
-          <a:lin ang="5400000" scaled="0"/>
-        </a:gradFill>
-        <a:ln w="6350" cap="flat" cmpd="sng" algn="ctr">
-          <a:solidFill>
-            <a:schemeClr val="accent1">
-              <a:hueOff val="0"/>
-              <a:satOff val="0"/>
-              <a:lumOff val="0"/>
-              <a:alphaOff val="0"/>
-            </a:schemeClr>
-          </a:solidFill>
-          <a:prstDash val="solid"/>
-          <a:miter lim="800000"/>
-        </a:ln>
-        <a:effectLst/>
-      </dsp:spPr>
-      <dsp:style>
-        <a:lnRef idx="1">
-          <a:scrgbClr r="0" g="0" b="0"/>
-        </a:lnRef>
-        <a:fillRef idx="1">
-          <a:scrgbClr r="0" g="0" b="0"/>
-        </a:fillRef>
-        <a:effectRef idx="2">
-          <a:scrgbClr r="0" g="0" b="0"/>
-        </a:effectRef>
-        <a:fontRef idx="minor"/>
-      </dsp:style>
-      <dsp:txBody>
-        <a:bodyPr spcFirstLastPara="0" vert="horz" wrap="square" lIns="26670" tIns="17780" rIns="26670" bIns="17780" numCol="1" spcCol="1270" anchor="ctr" anchorCtr="0">
-          <a:noAutofit/>
-        </a:bodyPr>
-        <a:lstStyle/>
-        <a:p>
-          <a:pPr lvl="0" algn="ctr" defTabSz="622300">
-            <a:lnSpc>
-              <a:spcPct val="90000"/>
-            </a:lnSpc>
-            <a:spcBef>
-              <a:spcPct val="0"/>
-            </a:spcBef>
-            <a:spcAft>
-              <a:spcPct val="35000"/>
-            </a:spcAft>
-          </a:pPr>
-          <a:r>
-            <a:rPr lang="en-US" sz="1400" kern="1200" dirty="0" smtClean="0"/>
-            <a:t>between</a:t>
-          </a:r>
-          <a:endParaRPr lang="en-US" sz="1400" kern="1200" dirty="0"/>
-        </a:p>
-      </dsp:txBody>
-      <dsp:txXfrm>
-        <a:off x="368806" y="2296378"/>
-        <a:ext cx="1052443" cy="244622"/>
-      </dsp:txXfrm>
-    </dsp:sp>
-    <dsp:sp modelId="{508C05A8-918D-425D-B9FA-95D7693DA324}">
-      <dsp:nvSpPr>
-        <dsp:cNvPr id="0" name=""/>
-        <dsp:cNvSpPr/>
-      </dsp:nvSpPr>
-      <dsp:spPr>
-        <a:xfrm>
-          <a:off x="1987844" y="48885"/>
-          <a:ext cx="1436517" cy="718258"/>
-        </a:xfrm>
-        <a:prstGeom prst="roundRect">
-          <a:avLst>
-            <a:gd name="adj" fmla="val 10000"/>
-          </a:avLst>
-        </a:prstGeom>
-        <a:gradFill rotWithShape="0">
-          <a:gsLst>
-            <a:gs pos="0">
-              <a:srgbClr val="FFCCFF">
-                <a:lumMod val="50000"/>
-                <a:lumOff val="50000"/>
-              </a:srgbClr>
-            </a:gs>
-            <a:gs pos="100000">
-              <a:srgbClr val="FFCCFF"/>
-            </a:gs>
-          </a:gsLst>
-          <a:lin ang="5400000" scaled="0"/>
-        </a:gradFill>
-        <a:ln w="6350" cap="flat" cmpd="sng" algn="ctr">
-          <a:solidFill>
-            <a:schemeClr val="accent2"/>
-          </a:solidFill>
-          <a:prstDash val="solid"/>
-          <a:miter lim="800000"/>
-        </a:ln>
-        <a:effectLst/>
-      </dsp:spPr>
-      <dsp:style>
-        <a:lnRef idx="1">
-          <a:schemeClr val="accent2"/>
-        </a:lnRef>
-        <a:fillRef idx="2">
-          <a:schemeClr val="accent2"/>
-        </a:fillRef>
-        <a:effectRef idx="1">
-          <a:schemeClr val="accent2"/>
-        </a:effectRef>
-        <a:fontRef idx="minor">
-          <a:schemeClr val="dk1"/>
-        </a:fontRef>
-      </dsp:style>
-      <dsp:txBody>
-        <a:bodyPr spcFirstLastPara="0" vert="horz" wrap="square" lIns="28575" tIns="19050" rIns="28575" bIns="19050" numCol="1" spcCol="1270" anchor="ctr" anchorCtr="0">
-          <a:noAutofit/>
-        </a:bodyPr>
-        <a:lstStyle/>
-        <a:p>
-          <a:pPr lvl="0" algn="ctr" defTabSz="666750">
-            <a:lnSpc>
-              <a:spcPct val="90000"/>
-            </a:lnSpc>
-            <a:spcBef>
-              <a:spcPct val="0"/>
-            </a:spcBef>
-            <a:spcAft>
-              <a:spcPct val="35000"/>
-            </a:spcAft>
-          </a:pPr>
-          <a:r>
-            <a:rPr lang="en-US" sz="1500" kern="1200" dirty="0" smtClean="0"/>
-            <a:t>Annotation index - variations</a:t>
-          </a:r>
-          <a:endParaRPr lang="en-US" sz="1500" kern="1200" dirty="0"/>
-        </a:p>
-      </dsp:txBody>
-      <dsp:txXfrm>
-        <a:off x="2008881" y="69922"/>
-        <a:ext cx="1394443" cy="676184"/>
-      </dsp:txXfrm>
-    </dsp:sp>
-    <dsp:sp modelId="{06ACC55D-1859-48B9-923E-41A7399F42ED}">
-      <dsp:nvSpPr>
-        <dsp:cNvPr id="0" name=""/>
-        <dsp:cNvSpPr/>
-      </dsp:nvSpPr>
-      <dsp:spPr>
-        <a:xfrm>
-          <a:off x="2131495" y="767143"/>
-          <a:ext cx="127028" cy="383050"/>
-        </a:xfrm>
-        <a:custGeom>
-          <a:avLst/>
-          <a:gdLst/>
-          <a:ahLst/>
-          <a:cxnLst/>
-          <a:rect l="0" t="0" r="0" b="0"/>
-          <a:pathLst>
-            <a:path>
-              <a:moveTo>
-                <a:pt x="0" y="0"/>
-              </a:moveTo>
-              <a:lnTo>
-                <a:pt x="0" y="383050"/>
-              </a:lnTo>
-              <a:lnTo>
-                <a:pt x="127028" y="383050"/>
-              </a:lnTo>
-            </a:path>
-          </a:pathLst>
-        </a:custGeom>
-        <a:noFill/>
-        <a:ln w="12700" cap="flat" cmpd="sng" algn="ctr">
-          <a:solidFill>
-            <a:schemeClr val="accent1">
-              <a:shade val="60000"/>
-              <a:hueOff val="0"/>
-              <a:satOff val="0"/>
-              <a:lumOff val="0"/>
-              <a:alphaOff val="0"/>
-            </a:schemeClr>
-          </a:solidFill>
-          <a:prstDash val="solid"/>
-          <a:miter lim="800000"/>
-        </a:ln>
-        <a:effectLst/>
-      </dsp:spPr>
-      <dsp:style>
-        <a:lnRef idx="2">
-          <a:scrgbClr r="0" g="0" b="0"/>
-        </a:lnRef>
-        <a:fillRef idx="0">
-          <a:scrgbClr r="0" g="0" b="0"/>
-        </a:fillRef>
-        <a:effectRef idx="0">
-          <a:scrgbClr r="0" g="0" b="0"/>
-        </a:effectRef>
-        <a:fontRef idx="minor"/>
-      </dsp:style>
-    </dsp:sp>
-    <dsp:sp modelId="{2AFCFA76-6F7A-4479-983C-FEF5916C6BD8}">
-      <dsp:nvSpPr>
-        <dsp:cNvPr id="0" name=""/>
-        <dsp:cNvSpPr/>
-      </dsp:nvSpPr>
-      <dsp:spPr>
-        <a:xfrm>
-          <a:off x="2258524" y="1020272"/>
-          <a:ext cx="1391514" cy="259844"/>
-        </a:xfrm>
-        <a:prstGeom prst="roundRect">
-          <a:avLst>
-            <a:gd name="adj" fmla="val 10000"/>
-          </a:avLst>
-        </a:prstGeom>
-        <a:gradFill rotWithShape="0">
-          <a:gsLst>
-            <a:gs pos="0">
-              <a:srgbClr val="FFD9D1">
-                <a:alpha val="49804"/>
-              </a:srgbClr>
-            </a:gs>
-            <a:gs pos="100000">
-              <a:srgbClr val="FFD9D1"/>
-            </a:gs>
-          </a:gsLst>
-          <a:lin ang="5400000" scaled="0"/>
-        </a:gradFill>
-        <a:ln w="6350" cap="flat" cmpd="sng" algn="ctr">
-          <a:solidFill>
-            <a:schemeClr val="accent1">
-              <a:hueOff val="0"/>
-              <a:satOff val="0"/>
-              <a:lumOff val="0"/>
-              <a:alphaOff val="0"/>
-            </a:schemeClr>
-          </a:solidFill>
-          <a:prstDash val="solid"/>
-          <a:miter lim="800000"/>
-        </a:ln>
-        <a:effectLst/>
-      </dsp:spPr>
-      <dsp:style>
-        <a:lnRef idx="1">
-          <a:scrgbClr r="0" g="0" b="0"/>
-        </a:lnRef>
-        <a:fillRef idx="1">
-          <a:scrgbClr r="0" g="0" b="0"/>
-        </a:fillRef>
-        <a:effectRef idx="2">
-          <a:scrgbClr r="0" g="0" b="0"/>
-        </a:effectRef>
-        <a:fontRef idx="minor"/>
-      </dsp:style>
-      <dsp:txBody>
-        <a:bodyPr spcFirstLastPara="0" vert="horz" wrap="square" lIns="26670" tIns="17780" rIns="26670" bIns="17780" numCol="1" spcCol="1270" anchor="ctr" anchorCtr="0">
-          <a:noAutofit/>
-        </a:bodyPr>
-        <a:lstStyle/>
-        <a:p>
-          <a:pPr lvl="0" algn="ctr" defTabSz="622300">
-            <a:lnSpc>
-              <a:spcPct val="90000"/>
-            </a:lnSpc>
-            <a:spcBef>
-              <a:spcPct val="0"/>
-            </a:spcBef>
-            <a:spcAft>
-              <a:spcPct val="35000"/>
-            </a:spcAft>
-          </a:pPr>
-          <a:r>
-            <a:rPr lang="en-US" sz="1400" kern="1200" dirty="0" err="1" smtClean="0"/>
-            <a:t>typePriority</a:t>
-          </a:r>
-          <a:endParaRPr lang="en-US" sz="1400" kern="1200" dirty="0"/>
-        </a:p>
-      </dsp:txBody>
-      <dsp:txXfrm>
-        <a:off x="2266135" y="1027883"/>
-        <a:ext cx="1376292" cy="244622"/>
-      </dsp:txXfrm>
-    </dsp:sp>
-    <dsp:sp modelId="{457EBE8C-597D-433F-966E-30FD815E5E2D}">
-      <dsp:nvSpPr>
-        <dsp:cNvPr id="0" name=""/>
-        <dsp:cNvSpPr/>
-      </dsp:nvSpPr>
-      <dsp:spPr>
-        <a:xfrm>
-          <a:off x="2131495" y="767143"/>
-          <a:ext cx="127545" cy="803749"/>
-        </a:xfrm>
-        <a:custGeom>
-          <a:avLst/>
-          <a:gdLst/>
-          <a:ahLst/>
-          <a:cxnLst/>
-          <a:rect l="0" t="0" r="0" b="0"/>
-          <a:pathLst>
-            <a:path>
-              <a:moveTo>
-                <a:pt x="0" y="0"/>
-              </a:moveTo>
-              <a:lnTo>
-                <a:pt x="0" y="803749"/>
-              </a:lnTo>
-              <a:lnTo>
-                <a:pt x="127545" y="803749"/>
-              </a:lnTo>
-            </a:path>
-          </a:pathLst>
-        </a:custGeom>
-        <a:noFill/>
-        <a:ln w="12700" cap="flat" cmpd="sng" algn="ctr">
-          <a:solidFill>
-            <a:schemeClr val="accent1">
-              <a:shade val="60000"/>
-              <a:hueOff val="0"/>
-              <a:satOff val="0"/>
-              <a:lumOff val="0"/>
-              <a:alphaOff val="0"/>
-            </a:schemeClr>
-          </a:solidFill>
-          <a:prstDash val="solid"/>
-          <a:miter lim="800000"/>
-        </a:ln>
-        <a:effectLst/>
-      </dsp:spPr>
-      <dsp:style>
-        <a:lnRef idx="2">
-          <a:scrgbClr r="0" g="0" b="0"/>
-        </a:lnRef>
-        <a:fillRef idx="0">
-          <a:scrgbClr r="0" g="0" b="0"/>
-        </a:fillRef>
-        <a:effectRef idx="0">
-          <a:scrgbClr r="0" g="0" b="0"/>
-        </a:effectRef>
-        <a:fontRef idx="minor"/>
-      </dsp:style>
-    </dsp:sp>
-    <dsp:sp modelId="{9A1BCF8B-3F39-4A73-B539-DCCD4108908A}">
-      <dsp:nvSpPr>
-        <dsp:cNvPr id="0" name=""/>
-        <dsp:cNvSpPr/>
-      </dsp:nvSpPr>
-      <dsp:spPr>
-        <a:xfrm>
-          <a:off x="2259041" y="1440971"/>
-          <a:ext cx="1391514" cy="259844"/>
-        </a:xfrm>
-        <a:prstGeom prst="roundRect">
-          <a:avLst>
-            <a:gd name="adj" fmla="val 10000"/>
-          </a:avLst>
-        </a:prstGeom>
-        <a:gradFill rotWithShape="0">
-          <a:gsLst>
-            <a:gs pos="0">
-              <a:srgbClr val="FFD9D1">
-                <a:alpha val="49804"/>
-              </a:srgbClr>
-            </a:gs>
-            <a:gs pos="100000">
-              <a:srgbClr val="FFD9D1"/>
-            </a:gs>
-          </a:gsLst>
-          <a:lin ang="5400000" scaled="0"/>
-        </a:gradFill>
-        <a:ln w="6350" cap="flat" cmpd="sng" algn="ctr">
-          <a:solidFill>
-            <a:schemeClr val="accent1">
-              <a:hueOff val="0"/>
-              <a:satOff val="0"/>
-              <a:lumOff val="0"/>
-              <a:alphaOff val="0"/>
-            </a:schemeClr>
-          </a:solidFill>
-          <a:prstDash val="solid"/>
-          <a:miter lim="800000"/>
-        </a:ln>
-        <a:effectLst/>
-      </dsp:spPr>
-      <dsp:style>
-        <a:lnRef idx="1">
-          <a:scrgbClr r="0" g="0" b="0"/>
-        </a:lnRef>
-        <a:fillRef idx="1">
-          <a:scrgbClr r="0" g="0" b="0"/>
-        </a:fillRef>
-        <a:effectRef idx="2">
-          <a:scrgbClr r="0" g="0" b="0"/>
-        </a:effectRef>
-        <a:fontRef idx="minor"/>
-      </dsp:style>
-      <dsp:txBody>
-        <a:bodyPr spcFirstLastPara="0" vert="horz" wrap="square" lIns="26670" tIns="17780" rIns="26670" bIns="17780" numCol="1" spcCol="1270" anchor="ctr" anchorCtr="0">
-          <a:noAutofit/>
-        </a:bodyPr>
-        <a:lstStyle/>
-        <a:p>
-          <a:pPr lvl="0" algn="ctr" defTabSz="622300">
-            <a:lnSpc>
-              <a:spcPct val="90000"/>
-            </a:lnSpc>
-            <a:spcBef>
-              <a:spcPct val="0"/>
-            </a:spcBef>
-            <a:spcAft>
-              <a:spcPct val="35000"/>
-            </a:spcAft>
-          </a:pPr>
-          <a:r>
-            <a:rPr lang="en-US" sz="1400" kern="1200" dirty="0" err="1" smtClean="0"/>
-            <a:t>positionUsesType</a:t>
-          </a:r>
-          <a:endParaRPr lang="en-US" sz="1400" kern="1200" dirty="0"/>
-        </a:p>
-      </dsp:txBody>
-      <dsp:txXfrm>
-        <a:off x="2266652" y="1448582"/>
-        <a:ext cx="1376292" cy="244622"/>
-      </dsp:txXfrm>
-    </dsp:sp>
-    <dsp:sp modelId="{11740182-5826-4EB6-9212-29EFE8CA856D}">
-      <dsp:nvSpPr>
-        <dsp:cNvPr id="0" name=""/>
-        <dsp:cNvSpPr/>
-      </dsp:nvSpPr>
-      <dsp:spPr>
-        <a:xfrm>
-          <a:off x="2131495" y="767143"/>
-          <a:ext cx="138761" cy="1188305"/>
-        </a:xfrm>
-        <a:custGeom>
-          <a:avLst/>
-          <a:gdLst/>
-          <a:ahLst/>
-          <a:cxnLst/>
-          <a:rect l="0" t="0" r="0" b="0"/>
-          <a:pathLst>
-            <a:path>
-              <a:moveTo>
-                <a:pt x="0" y="0"/>
-              </a:moveTo>
-              <a:lnTo>
-                <a:pt x="0" y="1188305"/>
-              </a:lnTo>
-              <a:lnTo>
-                <a:pt x="138761" y="1188305"/>
-              </a:lnTo>
-            </a:path>
-          </a:pathLst>
-        </a:custGeom>
-        <a:noFill/>
-        <a:ln w="12700" cap="flat" cmpd="sng" algn="ctr">
-          <a:solidFill>
-            <a:schemeClr val="accent1">
-              <a:shade val="60000"/>
-              <a:hueOff val="0"/>
-              <a:satOff val="0"/>
-              <a:lumOff val="0"/>
-              <a:alphaOff val="0"/>
-            </a:schemeClr>
-          </a:solidFill>
-          <a:prstDash val="solid"/>
-          <a:miter lim="800000"/>
-        </a:ln>
-        <a:effectLst/>
-      </dsp:spPr>
-      <dsp:style>
-        <a:lnRef idx="2">
-          <a:scrgbClr r="0" g="0" b="0"/>
-        </a:lnRef>
-        <a:fillRef idx="0">
-          <a:scrgbClr r="0" g="0" b="0"/>
-        </a:fillRef>
-        <a:effectRef idx="0">
-          <a:scrgbClr r="0" g="0" b="0"/>
-        </a:effectRef>
-        <a:fontRef idx="minor"/>
-      </dsp:style>
-    </dsp:sp>
-    <dsp:sp modelId="{DC9C9830-AE78-4B49-8B2D-0881B6509383}">
-      <dsp:nvSpPr>
-        <dsp:cNvPr id="0" name=""/>
-        <dsp:cNvSpPr/>
-      </dsp:nvSpPr>
-      <dsp:spPr>
-        <a:xfrm>
-          <a:off x="2270257" y="1825526"/>
-          <a:ext cx="1391514" cy="259844"/>
-        </a:xfrm>
-        <a:prstGeom prst="roundRect">
-          <a:avLst>
-            <a:gd name="adj" fmla="val 10000"/>
-          </a:avLst>
-        </a:prstGeom>
-        <a:gradFill rotWithShape="0">
-          <a:gsLst>
-            <a:gs pos="0">
-              <a:srgbClr val="FFD9D1">
-                <a:alpha val="49804"/>
-              </a:srgbClr>
-            </a:gs>
-            <a:gs pos="100000">
-              <a:srgbClr val="FFD9D1"/>
-            </a:gs>
-          </a:gsLst>
-          <a:lin ang="5400000" scaled="0"/>
-        </a:gradFill>
-        <a:ln w="6350" cap="flat" cmpd="sng" algn="ctr">
-          <a:solidFill>
-            <a:schemeClr val="accent1">
-              <a:hueOff val="0"/>
-              <a:satOff val="0"/>
-              <a:lumOff val="0"/>
-              <a:alphaOff val="0"/>
-            </a:schemeClr>
-          </a:solidFill>
-          <a:prstDash val="solid"/>
-          <a:miter lim="800000"/>
-        </a:ln>
-        <a:effectLst/>
-      </dsp:spPr>
-      <dsp:style>
-        <a:lnRef idx="1">
-          <a:scrgbClr r="0" g="0" b="0"/>
-        </a:lnRef>
-        <a:fillRef idx="1">
-          <a:scrgbClr r="0" g="0" b="0"/>
-        </a:fillRef>
-        <a:effectRef idx="2">
-          <a:scrgbClr r="0" g="0" b="0"/>
-        </a:effectRef>
-        <a:fontRef idx="minor"/>
-      </dsp:style>
-      <dsp:txBody>
-        <a:bodyPr spcFirstLastPara="0" vert="horz" wrap="square" lIns="26670" tIns="17780" rIns="26670" bIns="17780" numCol="1" spcCol="1270" anchor="ctr" anchorCtr="0">
-          <a:noAutofit/>
-        </a:bodyPr>
-        <a:lstStyle/>
-        <a:p>
-          <a:pPr lvl="0" algn="ctr" defTabSz="622300">
-            <a:lnSpc>
-              <a:spcPct val="90000"/>
-            </a:lnSpc>
-            <a:spcBef>
-              <a:spcPct val="0"/>
-            </a:spcBef>
-            <a:spcAft>
-              <a:spcPct val="35000"/>
-            </a:spcAft>
-          </a:pPr>
-          <a:r>
-            <a:rPr lang="en-US" sz="1400" kern="1200" dirty="0" err="1" smtClean="0"/>
-            <a:t>nonOverlapping</a:t>
-          </a:r>
-          <a:endParaRPr lang="en-US" sz="1400" kern="1200" dirty="0"/>
-        </a:p>
-      </dsp:txBody>
-      <dsp:txXfrm>
-        <a:off x="2277868" y="1833137"/>
-        <a:ext cx="1376292" cy="244622"/>
-      </dsp:txXfrm>
-    </dsp:sp>
-    <dsp:sp modelId="{C745C9FC-4960-4848-9000-F4D085284BD6}">
-      <dsp:nvSpPr>
-        <dsp:cNvPr id="0" name=""/>
-        <dsp:cNvSpPr/>
-      </dsp:nvSpPr>
-      <dsp:spPr>
-        <a:xfrm>
-          <a:off x="2131495" y="767143"/>
-          <a:ext cx="138761" cy="1634943"/>
-        </a:xfrm>
-        <a:custGeom>
-          <a:avLst/>
-          <a:gdLst/>
-          <a:ahLst/>
-          <a:cxnLst/>
-          <a:rect l="0" t="0" r="0" b="0"/>
-          <a:pathLst>
-            <a:path>
-              <a:moveTo>
-                <a:pt x="0" y="0"/>
-              </a:moveTo>
-              <a:lnTo>
-                <a:pt x="0" y="1634943"/>
-              </a:lnTo>
-              <a:lnTo>
-                <a:pt x="138761" y="1634943"/>
-              </a:lnTo>
-            </a:path>
-          </a:pathLst>
-        </a:custGeom>
-        <a:noFill/>
-        <a:ln w="12700" cap="flat" cmpd="sng" algn="ctr">
-          <a:solidFill>
-            <a:schemeClr val="accent1">
-              <a:shade val="60000"/>
-              <a:hueOff val="0"/>
-              <a:satOff val="0"/>
-              <a:lumOff val="0"/>
-              <a:alphaOff val="0"/>
-            </a:schemeClr>
-          </a:solidFill>
-          <a:prstDash val="solid"/>
-          <a:miter lim="800000"/>
-        </a:ln>
-        <a:effectLst/>
-      </dsp:spPr>
-      <dsp:style>
-        <a:lnRef idx="2">
-          <a:scrgbClr r="0" g="0" b="0"/>
-        </a:lnRef>
-        <a:fillRef idx="0">
-          <a:scrgbClr r="0" g="0" b="0"/>
-        </a:fillRef>
-        <a:effectRef idx="0">
-          <a:scrgbClr r="0" g="0" b="0"/>
-        </a:effectRef>
-        <a:fontRef idx="minor"/>
-      </dsp:style>
-    </dsp:sp>
-    <dsp:sp modelId="{3F8D49A2-3284-499F-B53F-A3C02EC0E048}">
-      <dsp:nvSpPr>
-        <dsp:cNvPr id="0" name=""/>
-        <dsp:cNvSpPr/>
-      </dsp:nvSpPr>
-      <dsp:spPr>
-        <a:xfrm>
-          <a:off x="2270257" y="2264935"/>
-          <a:ext cx="2783947" cy="274302"/>
-        </a:xfrm>
-        <a:prstGeom prst="roundRect">
-          <a:avLst>
-            <a:gd name="adj" fmla="val 10000"/>
-          </a:avLst>
-        </a:prstGeom>
-        <a:gradFill rotWithShape="0">
-          <a:gsLst>
-            <a:gs pos="0">
-              <a:srgbClr val="FFD9D1">
-                <a:alpha val="49804"/>
-              </a:srgbClr>
-            </a:gs>
-            <a:gs pos="100000">
-              <a:srgbClr val="FFD9D1"/>
-            </a:gs>
-          </a:gsLst>
-          <a:lin ang="5400000" scaled="0"/>
-        </a:gradFill>
-        <a:ln w="6350" cap="flat" cmpd="sng" algn="ctr">
-          <a:solidFill>
-            <a:schemeClr val="accent1">
-              <a:hueOff val="0"/>
-              <a:satOff val="0"/>
-              <a:lumOff val="0"/>
-              <a:alphaOff val="0"/>
-            </a:schemeClr>
-          </a:solidFill>
-          <a:prstDash val="solid"/>
-          <a:miter lim="800000"/>
-        </a:ln>
-        <a:effectLst/>
-      </dsp:spPr>
-      <dsp:style>
-        <a:lnRef idx="1">
-          <a:scrgbClr r="0" g="0" b="0"/>
-        </a:lnRef>
-        <a:fillRef idx="1">
-          <a:scrgbClr r="0" g="0" b="0"/>
-        </a:fillRef>
-        <a:effectRef idx="2">
-          <a:scrgbClr r="0" g="0" b="0"/>
-        </a:effectRef>
-        <a:fontRef idx="minor"/>
-      </dsp:style>
-      <dsp:txBody>
-        <a:bodyPr spcFirstLastPara="0" vert="horz" wrap="square" lIns="22860" tIns="15240" rIns="22860" bIns="15240" numCol="1" spcCol="1270" anchor="ctr" anchorCtr="0">
-          <a:noAutofit/>
-        </a:bodyPr>
-        <a:lstStyle/>
-        <a:p>
-          <a:pPr lvl="0" algn="ctr" defTabSz="533400">
-            <a:lnSpc>
-              <a:spcPct val="90000"/>
-            </a:lnSpc>
-            <a:spcBef>
-              <a:spcPct val="0"/>
-            </a:spcBef>
-            <a:spcAft>
-              <a:spcPct val="35000"/>
-            </a:spcAft>
-          </a:pPr>
-          <a:r>
-            <a:rPr lang="en-US" sz="1200" kern="1200" dirty="0" smtClean="0"/>
-            <a:t>includeAnnotationsWithEndBeyondBounds</a:t>
-          </a:r>
-          <a:endParaRPr lang="en-US" sz="1200" kern="1200" dirty="0"/>
-        </a:p>
-      </dsp:txBody>
-      <dsp:txXfrm>
-        <a:off x="2278291" y="2272969"/>
-        <a:ext cx="2767879" cy="258234"/>
-      </dsp:txXfrm>
-    </dsp:sp>
-    <dsp:sp modelId="{F693726E-1BD8-4CF5-A624-39208FF42DB3}">
-      <dsp:nvSpPr>
-        <dsp:cNvPr id="0" name=""/>
-        <dsp:cNvSpPr/>
-      </dsp:nvSpPr>
-      <dsp:spPr>
-        <a:xfrm>
-          <a:off x="2131495" y="767143"/>
-          <a:ext cx="144209" cy="2061998"/>
-        </a:xfrm>
-        <a:custGeom>
-          <a:avLst/>
-          <a:gdLst/>
-          <a:ahLst/>
-          <a:cxnLst/>
-          <a:rect l="0" t="0" r="0" b="0"/>
-          <a:pathLst>
-            <a:path>
-              <a:moveTo>
-                <a:pt x="0" y="0"/>
-              </a:moveTo>
-              <a:lnTo>
-                <a:pt x="0" y="2061998"/>
-              </a:lnTo>
-              <a:lnTo>
-                <a:pt x="144209" y="2061998"/>
-              </a:lnTo>
-            </a:path>
-          </a:pathLst>
-        </a:custGeom>
-        <a:noFill/>
-        <a:ln w="12700" cap="flat" cmpd="sng" algn="ctr">
-          <a:solidFill>
-            <a:schemeClr val="accent1">
-              <a:shade val="60000"/>
-              <a:hueOff val="0"/>
-              <a:satOff val="0"/>
-              <a:lumOff val="0"/>
-              <a:alphaOff val="0"/>
-            </a:schemeClr>
-          </a:solidFill>
-          <a:prstDash val="solid"/>
-          <a:miter lim="800000"/>
-        </a:ln>
-        <a:effectLst/>
-      </dsp:spPr>
-      <dsp:style>
-        <a:lnRef idx="2">
-          <a:scrgbClr r="0" g="0" b="0"/>
-        </a:lnRef>
-        <a:fillRef idx="0">
-          <a:scrgbClr r="0" g="0" b="0"/>
-        </a:fillRef>
-        <a:effectRef idx="0">
-          <a:scrgbClr r="0" g="0" b="0"/>
-        </a:effectRef>
-        <a:fontRef idx="minor"/>
-      </dsp:style>
-    </dsp:sp>
-    <dsp:sp modelId="{AC11EBD0-8383-469D-B57B-D8ABFF513D43}">
-      <dsp:nvSpPr>
-        <dsp:cNvPr id="0" name=""/>
-        <dsp:cNvSpPr/>
-      </dsp:nvSpPr>
-      <dsp:spPr>
-        <a:xfrm>
-          <a:off x="2275705" y="2708036"/>
-          <a:ext cx="1701663" cy="242211"/>
-        </a:xfrm>
-        <a:prstGeom prst="roundRect">
-          <a:avLst>
-            <a:gd name="adj" fmla="val 10000"/>
-          </a:avLst>
-        </a:prstGeom>
-        <a:gradFill rotWithShape="0">
-          <a:gsLst>
-            <a:gs pos="0">
-              <a:srgbClr val="FFD9D1">
-                <a:alpha val="49804"/>
-              </a:srgbClr>
-            </a:gs>
-            <a:gs pos="100000">
-              <a:srgbClr val="FFD9D1"/>
-            </a:gs>
-          </a:gsLst>
-          <a:lin ang="5400000" scaled="0"/>
-        </a:gradFill>
-        <a:ln w="6350" cap="flat" cmpd="sng" algn="ctr">
-          <a:solidFill>
-            <a:schemeClr val="accent1">
-              <a:hueOff val="0"/>
-              <a:satOff val="0"/>
-              <a:lumOff val="0"/>
-              <a:alphaOff val="0"/>
-            </a:schemeClr>
-          </a:solidFill>
-          <a:prstDash val="solid"/>
-          <a:miter lim="800000"/>
-        </a:ln>
-        <a:effectLst/>
-      </dsp:spPr>
-      <dsp:style>
-        <a:lnRef idx="1">
-          <a:scrgbClr r="0" g="0" b="0"/>
-        </a:lnRef>
-        <a:fillRef idx="1">
-          <a:scrgbClr r="0" g="0" b="0"/>
-        </a:fillRef>
-        <a:effectRef idx="2">
-          <a:scrgbClr r="0" g="0" b="0"/>
-        </a:effectRef>
-        <a:fontRef idx="minor"/>
-      </dsp:style>
-      <dsp:txBody>
-        <a:bodyPr spcFirstLastPara="0" vert="horz" wrap="square" lIns="26670" tIns="17780" rIns="26670" bIns="17780" numCol="1" spcCol="1270" anchor="ctr" anchorCtr="0">
-          <a:noAutofit/>
-        </a:bodyPr>
-        <a:lstStyle/>
-        <a:p>
-          <a:pPr lvl="0" algn="ctr" defTabSz="622300">
-            <a:lnSpc>
-              <a:spcPct val="90000"/>
-            </a:lnSpc>
-            <a:spcBef>
-              <a:spcPct val="0"/>
-            </a:spcBef>
-            <a:spcAft>
-              <a:spcPct val="35000"/>
-            </a:spcAft>
-          </a:pPr>
-          <a:r>
-            <a:rPr lang="en-US" sz="1400" kern="1200" dirty="0" err="1" smtClean="0"/>
-            <a:t>useAnnotationEquals</a:t>
-          </a:r>
-          <a:endParaRPr lang="en-US" sz="1400" kern="1200" dirty="0"/>
-        </a:p>
-      </dsp:txBody>
-      <dsp:txXfrm>
-        <a:off x="2282799" y="2715130"/>
-        <a:ext cx="1687475" cy="228023"/>
-      </dsp:txXfrm>
-    </dsp:sp>
-    <dsp:sp modelId="{3C8E8F72-4C43-4FFC-AEFF-219062D96DB2}">
-      <dsp:nvSpPr>
-        <dsp:cNvPr id="0" name=""/>
-        <dsp:cNvSpPr/>
-      </dsp:nvSpPr>
-      <dsp:spPr>
-        <a:xfrm>
-          <a:off x="3640629" y="48885"/>
-          <a:ext cx="1536024" cy="718258"/>
-        </a:xfrm>
-        <a:prstGeom prst="roundRect">
-          <a:avLst>
-            <a:gd name="adj" fmla="val 10000"/>
-          </a:avLst>
-        </a:prstGeom>
-        <a:gradFill rotWithShape="0">
-          <a:gsLst>
-            <a:gs pos="0">
-              <a:srgbClr val="FFCCFF">
-                <a:lumMod val="50000"/>
-                <a:lumOff val="50000"/>
-              </a:srgbClr>
-            </a:gs>
-            <a:gs pos="100000">
-              <a:srgbClr val="FFCCFF"/>
-            </a:gs>
-          </a:gsLst>
-          <a:lin ang="5400000" scaled="0"/>
-        </a:gradFill>
-        <a:ln w="6350" cap="flat" cmpd="sng" algn="ctr">
-          <a:solidFill>
-            <a:schemeClr val="accent2"/>
-          </a:solidFill>
-          <a:prstDash val="solid"/>
-          <a:miter lim="800000"/>
-        </a:ln>
-        <a:effectLst/>
-      </dsp:spPr>
-      <dsp:style>
-        <a:lnRef idx="1">
-          <a:schemeClr val="accent2"/>
-        </a:lnRef>
-        <a:fillRef idx="2">
-          <a:schemeClr val="accent2"/>
-        </a:fillRef>
-        <a:effectRef idx="1">
-          <a:schemeClr val="accent2"/>
-        </a:effectRef>
-        <a:fontRef idx="minor">
-          <a:schemeClr val="dk1"/>
-        </a:fontRef>
-      </dsp:style>
-      <dsp:txBody>
-        <a:bodyPr spcFirstLastPara="0" vert="horz" wrap="square" lIns="28575" tIns="19050" rIns="28575" bIns="19050" numCol="1" spcCol="1270" anchor="ctr" anchorCtr="0">
-          <a:noAutofit/>
-        </a:bodyPr>
-        <a:lstStyle/>
-        <a:p>
-          <a:pPr lvl="0" algn="ctr" defTabSz="666750">
-            <a:lnSpc>
-              <a:spcPct val="90000"/>
-            </a:lnSpc>
-            <a:spcBef>
-              <a:spcPct val="0"/>
-            </a:spcBef>
-            <a:spcAft>
-              <a:spcPct val="35000"/>
-            </a:spcAft>
-          </a:pPr>
-          <a:r>
-            <a:rPr lang="en-US" sz="1500" kern="1200" dirty="0" smtClean="0"/>
-            <a:t>Annotation index </a:t>
-          </a:r>
-          <a:br>
-            <a:rPr lang="en-US" sz="1500" kern="1200" dirty="0" smtClean="0"/>
-          </a:br>
-          <a:r>
-            <a:rPr lang="en-US" sz="1500" kern="1200" dirty="0" smtClean="0"/>
-            <a:t> follow / </a:t>
-          </a:r>
-          <a:r>
-            <a:rPr lang="en-US" sz="1500" kern="1200" smtClean="0"/>
-            <a:t>preceed</a:t>
-          </a:r>
-          <a:endParaRPr lang="en-US" sz="1500" kern="1200" dirty="0"/>
-        </a:p>
-      </dsp:txBody>
-      <dsp:txXfrm>
-        <a:off x="3661666" y="69922"/>
-        <a:ext cx="1493950" cy="676184"/>
-      </dsp:txXfrm>
-    </dsp:sp>
-    <dsp:sp modelId="{87CA1243-0E0D-4CB9-A20E-711DFC058565}">
-      <dsp:nvSpPr>
-        <dsp:cNvPr id="0" name=""/>
-        <dsp:cNvSpPr/>
-      </dsp:nvSpPr>
-      <dsp:spPr>
-        <a:xfrm>
-          <a:off x="3748511" y="767143"/>
-          <a:ext cx="91440" cy="371163"/>
-        </a:xfrm>
-        <a:custGeom>
-          <a:avLst/>
-          <a:gdLst/>
-          <a:ahLst/>
-          <a:cxnLst/>
-          <a:rect l="0" t="0" r="0" b="0"/>
-          <a:pathLst>
-            <a:path>
-              <a:moveTo>
-                <a:pt x="45720" y="0"/>
-              </a:moveTo>
-              <a:lnTo>
-                <a:pt x="45720" y="371163"/>
-              </a:lnTo>
-              <a:lnTo>
-                <a:pt x="123701" y="371163"/>
-              </a:lnTo>
-            </a:path>
-          </a:pathLst>
-        </a:custGeom>
-        <a:noFill/>
-        <a:ln w="12700" cap="flat" cmpd="sng" algn="ctr">
-          <a:solidFill>
-            <a:schemeClr val="accent1">
-              <a:shade val="60000"/>
-              <a:hueOff val="0"/>
-              <a:satOff val="0"/>
-              <a:lumOff val="0"/>
-              <a:alphaOff val="0"/>
-            </a:schemeClr>
-          </a:solidFill>
-          <a:prstDash val="solid"/>
-          <a:miter lim="800000"/>
-        </a:ln>
-        <a:effectLst/>
-      </dsp:spPr>
-      <dsp:style>
-        <a:lnRef idx="2">
-          <a:scrgbClr r="0" g="0" b="0"/>
-        </a:lnRef>
-        <a:fillRef idx="0">
-          <a:scrgbClr r="0" g="0" b="0"/>
-        </a:fillRef>
-        <a:effectRef idx="0">
-          <a:scrgbClr r="0" g="0" b="0"/>
-        </a:effectRef>
-        <a:fontRef idx="minor"/>
-      </dsp:style>
-    </dsp:sp>
-    <dsp:sp modelId="{AD96485D-9021-4AE3-9AF1-91BF9C7DC4A9}">
-      <dsp:nvSpPr>
-        <dsp:cNvPr id="0" name=""/>
-        <dsp:cNvSpPr/>
-      </dsp:nvSpPr>
-      <dsp:spPr>
-        <a:xfrm>
-          <a:off x="3872213" y="1008385"/>
-          <a:ext cx="1176093" cy="259844"/>
-        </a:xfrm>
-        <a:prstGeom prst="roundRect">
-          <a:avLst>
-            <a:gd name="adj" fmla="val 10000"/>
-          </a:avLst>
-        </a:prstGeom>
-        <a:gradFill rotWithShape="0">
-          <a:gsLst>
-            <a:gs pos="0">
-              <a:srgbClr val="FFD9D1">
-                <a:alpha val="49804"/>
-              </a:srgbClr>
-            </a:gs>
-            <a:gs pos="100000">
-              <a:srgbClr val="FFD9D1"/>
-            </a:gs>
-          </a:gsLst>
-          <a:lin ang="5400000" scaled="0"/>
-        </a:gradFill>
-        <a:ln w="6350" cap="flat" cmpd="sng" algn="ctr">
-          <a:solidFill>
-            <a:schemeClr val="accent1">
-              <a:hueOff val="0"/>
-              <a:satOff val="0"/>
-              <a:lumOff val="0"/>
-              <a:alphaOff val="0"/>
-            </a:schemeClr>
-          </a:solidFill>
-          <a:prstDash val="solid"/>
-          <a:miter lim="800000"/>
-        </a:ln>
-        <a:effectLst/>
-      </dsp:spPr>
-      <dsp:style>
-        <a:lnRef idx="1">
-          <a:scrgbClr r="0" g="0" b="0"/>
-        </a:lnRef>
-        <a:fillRef idx="1">
-          <a:scrgbClr r="0" g="0" b="0"/>
-        </a:fillRef>
-        <a:effectRef idx="2">
-          <a:scrgbClr r="0" g="0" b="0"/>
-        </a:effectRef>
-        <a:fontRef idx="minor"/>
-      </dsp:style>
-      <dsp:txBody>
-        <a:bodyPr spcFirstLastPara="0" vert="horz" wrap="square" lIns="26670" tIns="17780" rIns="26670" bIns="17780" numCol="1" spcCol="1270" anchor="ctr" anchorCtr="0">
-          <a:noAutofit/>
-        </a:bodyPr>
-        <a:lstStyle/>
-        <a:p>
-          <a:pPr lvl="0" algn="ctr" defTabSz="622300">
-            <a:lnSpc>
-              <a:spcPct val="90000"/>
-            </a:lnSpc>
-            <a:spcBef>
-              <a:spcPct val="0"/>
-            </a:spcBef>
-            <a:spcAft>
-              <a:spcPct val="35000"/>
-            </a:spcAft>
-          </a:pPr>
-          <a:r>
-            <a:rPr lang="en-US" sz="1400" kern="1200" dirty="0" smtClean="0"/>
-            <a:t>following</a:t>
-          </a:r>
-          <a:endParaRPr lang="en-US" sz="1400" kern="1200" dirty="0"/>
-        </a:p>
-      </dsp:txBody>
-      <dsp:txXfrm>
-        <a:off x="3879824" y="1015996"/>
-        <a:ext cx="1160871" cy="244622"/>
-      </dsp:txXfrm>
-    </dsp:sp>
-    <dsp:sp modelId="{EFA0C431-24CD-4099-9BAE-EC52CFA42898}">
-      <dsp:nvSpPr>
-        <dsp:cNvPr id="0" name=""/>
-        <dsp:cNvSpPr/>
-      </dsp:nvSpPr>
-      <dsp:spPr>
-        <a:xfrm>
-          <a:off x="3748511" y="767143"/>
-          <a:ext cx="91440" cy="810572"/>
-        </a:xfrm>
-        <a:custGeom>
-          <a:avLst/>
-          <a:gdLst/>
-          <a:ahLst/>
-          <a:cxnLst/>
-          <a:rect l="0" t="0" r="0" b="0"/>
-          <a:pathLst>
-            <a:path>
-              <a:moveTo>
-                <a:pt x="45720" y="0"/>
-              </a:moveTo>
-              <a:lnTo>
-                <a:pt x="45720" y="810572"/>
-              </a:lnTo>
-              <a:lnTo>
-                <a:pt x="123701" y="810572"/>
-              </a:lnTo>
-            </a:path>
-          </a:pathLst>
-        </a:custGeom>
-        <a:noFill/>
-        <a:ln w="12700" cap="flat" cmpd="sng" algn="ctr">
-          <a:solidFill>
-            <a:schemeClr val="accent1">
-              <a:shade val="60000"/>
-              <a:hueOff val="0"/>
-              <a:satOff val="0"/>
-              <a:lumOff val="0"/>
-              <a:alphaOff val="0"/>
-            </a:schemeClr>
-          </a:solidFill>
-          <a:prstDash val="solid"/>
-          <a:miter lim="800000"/>
-        </a:ln>
-        <a:effectLst/>
-      </dsp:spPr>
-      <dsp:style>
-        <a:lnRef idx="2">
-          <a:scrgbClr r="0" g="0" b="0"/>
-        </a:lnRef>
-        <a:fillRef idx="0">
-          <a:scrgbClr r="0" g="0" b="0"/>
-        </a:fillRef>
-        <a:effectRef idx="0">
-          <a:scrgbClr r="0" g="0" b="0"/>
-        </a:effectRef>
-        <a:fontRef idx="minor"/>
-      </dsp:style>
-    </dsp:sp>
-    <dsp:sp modelId="{E592C975-6A58-42A6-8A1C-546B354206FF}">
-      <dsp:nvSpPr>
-        <dsp:cNvPr id="0" name=""/>
-        <dsp:cNvSpPr/>
-      </dsp:nvSpPr>
-      <dsp:spPr>
-        <a:xfrm>
-          <a:off x="3872213" y="1447794"/>
-          <a:ext cx="1176093" cy="259844"/>
-        </a:xfrm>
-        <a:prstGeom prst="roundRect">
-          <a:avLst>
-            <a:gd name="adj" fmla="val 10000"/>
-          </a:avLst>
-        </a:prstGeom>
-        <a:gradFill rotWithShape="0">
-          <a:gsLst>
-            <a:gs pos="0">
-              <a:srgbClr val="FFD9D1">
-                <a:alpha val="49804"/>
-              </a:srgbClr>
-            </a:gs>
-            <a:gs pos="100000">
-              <a:srgbClr val="FFD9D1"/>
-            </a:gs>
-          </a:gsLst>
-          <a:lin ang="5400000" scaled="0"/>
-        </a:gradFill>
-        <a:ln w="6350" cap="flat" cmpd="sng" algn="ctr">
-          <a:solidFill>
-            <a:schemeClr val="accent1">
-              <a:hueOff val="0"/>
-              <a:satOff val="0"/>
-              <a:lumOff val="0"/>
-              <a:alphaOff val="0"/>
-            </a:schemeClr>
-          </a:solidFill>
-          <a:prstDash val="solid"/>
-          <a:miter lim="800000"/>
-        </a:ln>
-        <a:effectLst/>
-      </dsp:spPr>
-      <dsp:style>
-        <a:lnRef idx="1">
-          <a:scrgbClr r="0" g="0" b="0"/>
-        </a:lnRef>
-        <a:fillRef idx="1">
-          <a:scrgbClr r="0" g="0" b="0"/>
-        </a:fillRef>
-        <a:effectRef idx="2">
-          <a:scrgbClr r="0" g="0" b="0"/>
-        </a:effectRef>
-        <a:fontRef idx="minor"/>
-      </dsp:style>
-      <dsp:txBody>
-        <a:bodyPr spcFirstLastPara="0" vert="horz" wrap="square" lIns="26670" tIns="17780" rIns="26670" bIns="17780" numCol="1" spcCol="1270" anchor="ctr" anchorCtr="0">
-          <a:noAutofit/>
-        </a:bodyPr>
-        <a:lstStyle/>
-        <a:p>
-          <a:pPr lvl="0" algn="ctr" defTabSz="622300">
-            <a:lnSpc>
-              <a:spcPct val="90000"/>
-            </a:lnSpc>
-            <a:spcBef>
-              <a:spcPct val="0"/>
-            </a:spcBef>
-            <a:spcAft>
-              <a:spcPct val="35000"/>
-            </a:spcAft>
-          </a:pPr>
-          <a:r>
-            <a:rPr lang="en-US" sz="1400" kern="1200" dirty="0" smtClean="0"/>
-            <a:t>preceding</a:t>
-          </a:r>
-          <a:endParaRPr lang="en-US" sz="1400" kern="1200" dirty="0"/>
-        </a:p>
-      </dsp:txBody>
-      <dsp:txXfrm>
-        <a:off x="3879824" y="1455405"/>
-        <a:ext cx="1160871" cy="244622"/>
-      </dsp:txXfrm>
-    </dsp:sp>
+  </dsp:spTree>
+</dsp:drawing>
+</file>
+
+<file path=ppt/diagrams/drawing3.xml><?xml version="1.0" encoding="utf-8"?>
+<dsp:drawing xmlns:dgm="http://schemas.openxmlformats.org/drawingml/2006/diagram" xmlns:dsp="http://schemas.microsoft.com/office/drawing/2008/diagram" xmlns:a="http://schemas.openxmlformats.org/drawingml/2006/main">
+  <dsp:spTree>
+    <dsp:nvGrpSpPr>
+      <dsp:cNvPr id="0" name=""/>
+      <dsp:cNvGrpSpPr/>
+    </dsp:nvGrpSpPr>
+    <dsp:grpSpPr/>
   </dsp:spTree>
 </dsp:drawing>
 </file>
@@ -6096,6 +6412,211 @@
 </dgm:layoutDef>
 </file>
 
+<file path=ppt/diagrams/layout3.xml><?xml version="1.0" encoding="utf-8"?>
+<dgm:layoutDef xmlns:dgm="http://schemas.openxmlformats.org/drawingml/2006/diagram" xmlns:a="http://schemas.openxmlformats.org/drawingml/2006/main" uniqueId="urn:diagrams.loki3.com/BracketList">
+  <dgm:title val="Vertical Bracket List"/>
+  <dgm:desc val="Use to show grouped blocks of information.  Works well with large amounts of Level 2 text."/>
+  <dgm:catLst>
+    <dgm:cat type="list" pri="4110"/>
+    <dgm:cat type="officeonline" pri="3000"/>
+  </dgm:catLst>
+  <dgm:sampData>
+    <dgm:dataModel>
+      <dgm:ptLst>
+        <dgm:pt modelId="0" type="doc"/>
+        <dgm:pt modelId="1">
+          <dgm:prSet phldr="1"/>
+        </dgm:pt>
+        <dgm:pt modelId="11">
+          <dgm:prSet phldr="1"/>
+        </dgm:pt>
+        <dgm:pt modelId="2">
+          <dgm:prSet phldr="1"/>
+        </dgm:pt>
+        <dgm:pt modelId="21">
+          <dgm:prSet phldr="1"/>
+        </dgm:pt>
+      </dgm:ptLst>
+      <dgm:cxnLst>
+        <dgm:cxn modelId="3" srcId="0" destId="1" srcOrd="0" destOrd="0"/>
+        <dgm:cxn modelId="4" srcId="1" destId="11" srcOrd="0" destOrd="0"/>
+        <dgm:cxn modelId="5" srcId="0" destId="2" srcOrd="0" destOrd="0"/>
+        <dgm:cxn modelId="6" srcId="2" destId="21" srcOrd="0" destOrd="0"/>
+      </dgm:cxnLst>
+      <dgm:bg/>
+      <dgm:whole/>
+    </dgm:dataModel>
+  </dgm:sampData>
+  <dgm:styleData useDef="1">
+    <dgm:dataModel>
+      <dgm:ptLst/>
+      <dgm:bg/>
+      <dgm:whole/>
+    </dgm:dataModel>
+  </dgm:styleData>
+  <dgm:clrData useDef="1">
+    <dgm:dataModel>
+      <dgm:ptLst/>
+      <dgm:bg/>
+      <dgm:whole/>
+    </dgm:dataModel>
+  </dgm:clrData>
+  <dgm:layoutNode name="Name0">
+    <dgm:varLst>
+      <dgm:dir/>
+      <dgm:animLvl val="lvl"/>
+      <dgm:resizeHandles val="exact"/>
+    </dgm:varLst>
+    <dgm:choose name="Name1">
+      <dgm:if name="Name2" func="var" arg="dir" op="equ" val="norm">
+        <dgm:alg type="lin">
+          <dgm:param type="linDir" val="fromT"/>
+          <dgm:param type="nodeHorzAlign" val="l"/>
+        </dgm:alg>
+      </dgm:if>
+      <dgm:else name="Name3">
+        <dgm:alg type="lin">
+          <dgm:param type="linDir" val="fromT"/>
+          <dgm:param type="nodeHorzAlign" val="r"/>
+        </dgm:alg>
+      </dgm:else>
+    </dgm:choose>
+    <dgm:shape xmlns:r="http://schemas.openxmlformats.org/officeDocument/2006/relationships" r:blip="">
+      <dgm:adjLst/>
+    </dgm:shape>
+    <dgm:presOf/>
+    <dgm:constrLst>
+      <dgm:constr type="h" for="ch" forName="linNode" refType="h"/>
+      <dgm:constr type="w" for="ch" forName="linNode" refType="w"/>
+      <dgm:constr type="h" for="ch" forName="spV" refType="primFontSz" refFor="des" refForName="parTx" fact="0.1"/>
+      <dgm:constr type="primFontSz" for="des" forName="parTx" val="65"/>
+      <dgm:constr type="primFontSz" for="des" forName="desTx" refType="primFontSz" refFor="des" refForName="parTx"/>
+      <dgm:constr type="h" for="des" forName="parTx" refType="primFontSz" refFor="des" refForName="parTx" fact="0.55"/>
+      <dgm:constr type="h" for="des" forName="bracket" refType="primFontSz" refFor="des" refForName="parTx" fact="0.55"/>
+      <dgm:constr type="h" for="des" forName="desTx" refType="primFontSz" refFor="des" refForName="parTx" fact="0.55"/>
+    </dgm:constrLst>
+    <dgm:ruleLst>
+      <dgm:rule type="primFontSz" for="des" forName="parTx" val="5" fact="NaN" max="NaN"/>
+    </dgm:ruleLst>
+    <dgm:forEach name="Name4" axis="ch" ptType="node">
+      <dgm:layoutNode name="linNode">
+        <dgm:choose name="Name5">
+          <dgm:if name="Name6" func="var" arg="dir" op="equ" val="norm">
+            <dgm:alg type="lin">
+              <dgm:param type="linDir" val="fromL"/>
+            </dgm:alg>
+          </dgm:if>
+          <dgm:else name="Name7">
+            <dgm:alg type="lin">
+              <dgm:param type="linDir" val="fromR"/>
+            </dgm:alg>
+          </dgm:else>
+        </dgm:choose>
+        <dgm:shape xmlns:r="http://schemas.openxmlformats.org/officeDocument/2006/relationships" r:blip="">
+          <dgm:adjLst/>
+        </dgm:shape>
+        <dgm:presOf/>
+        <dgm:constrLst>
+          <dgm:constr type="w" for="ch" forName="parTx" refType="w" fact="0.25"/>
+          <dgm:constr type="w" for="ch" forName="bracket" refType="w" fact="0.05"/>
+          <dgm:constr type="w" for="ch" forName="spH" refType="w" fact="0.02"/>
+          <dgm:constr type="w" for="ch" forName="desTx" refType="w" fact="0.68"/>
+          <dgm:constr type="h" for="ch" forName="bracket" refType="h" refFor="ch" refForName="desTx" op="gte"/>
+          <dgm:constr type="h" for="ch" forName="bracket" refType="h" refFor="ch" refForName="parTx" op="gte"/>
+          <dgm:constr type="h" for="ch" forName="desTx" refType="h" refFor="ch" refForName="parTx" op="gte"/>
+        </dgm:constrLst>
+        <dgm:ruleLst/>
+        <dgm:layoutNode name="parTx" styleLbl="revTx">
+          <dgm:varLst>
+            <dgm:chMax val="1"/>
+            <dgm:bulletEnabled val="1"/>
+          </dgm:varLst>
+          <dgm:choose name="Name8">
+            <dgm:if name="Name9" func="var" arg="dir" op="equ" val="norm">
+              <dgm:alg type="tx">
+                <dgm:param type="parTxLTRAlign" val="r"/>
+              </dgm:alg>
+            </dgm:if>
+            <dgm:else name="Name10">
+              <dgm:alg type="tx">
+                <dgm:param type="parTxLTRAlign" val="l"/>
+              </dgm:alg>
+            </dgm:else>
+          </dgm:choose>
+          <dgm:shape xmlns:r="http://schemas.openxmlformats.org/officeDocument/2006/relationships" type="rect" r:blip="">
+            <dgm:adjLst/>
+          </dgm:shape>
+          <dgm:presOf axis="self" ptType="node"/>
+          <dgm:constrLst>
+            <dgm:constr type="tMarg" refType="primFontSz" fact="0.2"/>
+            <dgm:constr type="bMarg" refType="primFontSz" fact="0.2"/>
+          </dgm:constrLst>
+          <dgm:ruleLst>
+            <dgm:rule type="h" val="INF" fact="NaN" max="NaN"/>
+          </dgm:ruleLst>
+        </dgm:layoutNode>
+        <dgm:layoutNode name="bracket" styleLbl="parChTrans1D1">
+          <dgm:alg type="sp"/>
+          <dgm:choose name="Name11">
+            <dgm:if name="Name12" func="var" arg="dir" op="equ" val="norm">
+              <dgm:shape xmlns:r="http://schemas.openxmlformats.org/officeDocument/2006/relationships" type="leftBrace" r:blip="">
+                <dgm:adjLst>
+                  <dgm:adj idx="1" val="0.35"/>
+                </dgm:adjLst>
+              </dgm:shape>
+            </dgm:if>
+            <dgm:else name="Name13">
+              <dgm:shape xmlns:r="http://schemas.openxmlformats.org/officeDocument/2006/relationships" rot="180" type="leftBrace" r:blip="">
+                <dgm:adjLst>
+                  <dgm:adj idx="1" val="0.35"/>
+                </dgm:adjLst>
+              </dgm:shape>
+            </dgm:else>
+          </dgm:choose>
+          <dgm:presOf/>
+        </dgm:layoutNode>
+        <dgm:layoutNode name="spH">
+          <dgm:alg type="sp"/>
+        </dgm:layoutNode>
+        <dgm:choose name="Name14">
+          <dgm:if name="Name15" axis="ch" ptType="node" func="cnt" op="gte" val="1">
+            <dgm:layoutNode name="desTx" styleLbl="node1">
+              <dgm:varLst>
+                <dgm:bulletEnabled val="1"/>
+              </dgm:varLst>
+              <dgm:alg type="tx">
+                <dgm:param type="stBulletLvl" val="1"/>
+                <dgm:param type="txAnchorVertCh" val="mid"/>
+              </dgm:alg>
+              <dgm:shape xmlns:r="http://schemas.openxmlformats.org/officeDocument/2006/relationships" type="rect" r:blip="">
+                <dgm:adjLst/>
+              </dgm:shape>
+              <dgm:presOf axis="des" ptType="node"/>
+              <dgm:constrLst>
+                <dgm:constr type="secFontSz" refType="primFontSz"/>
+                <dgm:constr type="tMarg" refType="primFontSz" fact="0.3"/>
+                <dgm:constr type="bMarg" refType="primFontSz" fact="0.3"/>
+                <dgm:constr type="lMarg" refType="primFontSz" fact="0.3"/>
+                <dgm:constr type="rMarg" refType="primFontSz" fact="0.3"/>
+              </dgm:constrLst>
+              <dgm:ruleLst>
+                <dgm:rule type="h" val="INF" fact="NaN" max="NaN"/>
+              </dgm:ruleLst>
+            </dgm:layoutNode>
+          </dgm:if>
+          <dgm:else name="Name16"/>
+        </dgm:choose>
+      </dgm:layoutNode>
+      <dgm:forEach name="Name17" axis="followSib" ptType="sibTrans" cnt="1">
+        <dgm:layoutNode name="spV">
+          <dgm:alg type="sp"/>
+        </dgm:layoutNode>
+      </dgm:forEach>
+    </dgm:forEach>
+  </dgm:layoutNode>
+</dgm:layoutDef>
+</file>
+
 <file path=ppt/diagrams/quickStyle1.xml><?xml version="1.0" encoding="utf-8"?>
 <dgm:styleDef xmlns:dgm="http://schemas.openxmlformats.org/drawingml/2006/diagram" xmlns:a="http://schemas.openxmlformats.org/drawingml/2006/main" uniqueId="urn:microsoft.com/office/officeart/2005/8/quickstyle/simple3">
   <dgm:title val=""/>
@@ -7157,6 +7678,1040 @@
 </file>
 
 <file path=ppt/diagrams/quickStyle2.xml><?xml version="1.0" encoding="utf-8"?>
+<dgm:styleDef xmlns:dgm="http://schemas.openxmlformats.org/drawingml/2006/diagram" xmlns:a="http://schemas.openxmlformats.org/drawingml/2006/main" uniqueId="urn:microsoft.com/office/officeart/2005/8/quickstyle/simple5">
+  <dgm:title val=""/>
+  <dgm:desc val=""/>
+  <dgm:catLst>
+    <dgm:cat type="simple" pri="10500"/>
+  </dgm:catLst>
+  <dgm:scene3d>
+    <a:camera prst="orthographicFront"/>
+    <a:lightRig rig="threePt" dir="t"/>
+  </dgm:scene3d>
+  <dgm:styleLbl name="node0">
+    <dgm:scene3d>
+      <a:camera prst="orthographicFront"/>
+      <a:lightRig rig="threePt" dir="t"/>
+    </dgm:scene3d>
+    <dgm:sp3d/>
+    <dgm:txPr/>
+    <dgm:style>
+      <a:lnRef idx="0">
+        <a:scrgbClr r="0" g="0" b="0"/>
+      </a:lnRef>
+      <a:fillRef idx="3">
+        <a:scrgbClr r="0" g="0" b="0"/>
+      </a:fillRef>
+      <a:effectRef idx="3">
+        <a:scrgbClr r="0" g="0" b="0"/>
+      </a:effectRef>
+      <a:fontRef idx="minor">
+        <a:schemeClr val="lt1"/>
+      </a:fontRef>
+    </dgm:style>
+  </dgm:styleLbl>
+  <dgm:styleLbl name="lnNode1">
+    <dgm:scene3d>
+      <a:camera prst="orthographicFront"/>
+      <a:lightRig rig="threePt" dir="t"/>
+    </dgm:scene3d>
+    <dgm:sp3d/>
+    <dgm:txPr/>
+    <dgm:style>
+      <a:lnRef idx="0">
+        <a:scrgbClr r="0" g="0" b="0"/>
+      </a:lnRef>
+      <a:fillRef idx="3">
+        <a:scrgbClr r="0" g="0" b="0"/>
+      </a:fillRef>
+      <a:effectRef idx="3">
+        <a:scrgbClr r="0" g="0" b="0"/>
+      </a:effectRef>
+      <a:fontRef idx="minor">
+        <a:schemeClr val="lt1"/>
+      </a:fontRef>
+    </dgm:style>
+  </dgm:styleLbl>
+  <dgm:styleLbl name="vennNode1">
+    <dgm:scene3d>
+      <a:camera prst="orthographicFront"/>
+      <a:lightRig rig="threePt" dir="t"/>
+    </dgm:scene3d>
+    <dgm:sp3d/>
+    <dgm:txPr/>
+    <dgm:style>
+      <a:lnRef idx="0">
+        <a:scrgbClr r="0" g="0" b="0"/>
+      </a:lnRef>
+      <a:fillRef idx="3">
+        <a:scrgbClr r="0" g="0" b="0"/>
+      </a:fillRef>
+      <a:effectRef idx="3">
+        <a:scrgbClr r="0" g="0" b="0"/>
+      </a:effectRef>
+      <a:fontRef idx="minor">
+        <a:schemeClr val="tx1"/>
+      </a:fontRef>
+    </dgm:style>
+  </dgm:styleLbl>
+  <dgm:styleLbl name="alignNode1">
+    <dgm:scene3d>
+      <a:camera prst="orthographicFront"/>
+      <a:lightRig rig="threePt" dir="t"/>
+    </dgm:scene3d>
+    <dgm:sp3d/>
+    <dgm:txPr/>
+    <dgm:style>
+      <a:lnRef idx="1">
+        <a:scrgbClr r="0" g="0" b="0"/>
+      </a:lnRef>
+      <a:fillRef idx="3">
+        <a:scrgbClr r="0" g="0" b="0"/>
+      </a:fillRef>
+      <a:effectRef idx="3">
+        <a:scrgbClr r="0" g="0" b="0"/>
+      </a:effectRef>
+      <a:fontRef idx="minor">
+        <a:schemeClr val="lt1"/>
+      </a:fontRef>
+    </dgm:style>
+  </dgm:styleLbl>
+  <dgm:styleLbl name="node1">
+    <dgm:scene3d>
+      <a:camera prst="orthographicFront"/>
+      <a:lightRig rig="threePt" dir="t"/>
+    </dgm:scene3d>
+    <dgm:sp3d/>
+    <dgm:txPr/>
+    <dgm:style>
+      <a:lnRef idx="0">
+        <a:scrgbClr r="0" g="0" b="0"/>
+      </a:lnRef>
+      <a:fillRef idx="3">
+        <a:scrgbClr r="0" g="0" b="0"/>
+      </a:fillRef>
+      <a:effectRef idx="3">
+        <a:scrgbClr r="0" g="0" b="0"/>
+      </a:effectRef>
+      <a:fontRef idx="minor">
+        <a:schemeClr val="lt1"/>
+      </a:fontRef>
+    </dgm:style>
+  </dgm:styleLbl>
+  <dgm:styleLbl name="node2">
+    <dgm:scene3d>
+      <a:camera prst="orthographicFront"/>
+      <a:lightRig rig="threePt" dir="t"/>
+    </dgm:scene3d>
+    <dgm:sp3d/>
+    <dgm:txPr/>
+    <dgm:style>
+      <a:lnRef idx="0">
+        <a:scrgbClr r="0" g="0" b="0"/>
+      </a:lnRef>
+      <a:fillRef idx="3">
+        <a:scrgbClr r="0" g="0" b="0"/>
+      </a:fillRef>
+      <a:effectRef idx="3">
+        <a:scrgbClr r="0" g="0" b="0"/>
+      </a:effectRef>
+      <a:fontRef idx="minor">
+        <a:schemeClr val="lt1"/>
+      </a:fontRef>
+    </dgm:style>
+  </dgm:styleLbl>
+  <dgm:styleLbl name="node3">
+    <dgm:scene3d>
+      <a:camera prst="orthographicFront"/>
+      <a:lightRig rig="threePt" dir="t"/>
+    </dgm:scene3d>
+    <dgm:sp3d/>
+    <dgm:txPr/>
+    <dgm:style>
+      <a:lnRef idx="0">
+        <a:scrgbClr r="0" g="0" b="0"/>
+      </a:lnRef>
+      <a:fillRef idx="3">
+        <a:scrgbClr r="0" g="0" b="0"/>
+      </a:fillRef>
+      <a:effectRef idx="3">
+        <a:scrgbClr r="0" g="0" b="0"/>
+      </a:effectRef>
+      <a:fontRef idx="minor">
+        <a:schemeClr val="lt1"/>
+      </a:fontRef>
+    </dgm:style>
+  </dgm:styleLbl>
+  <dgm:styleLbl name="node4">
+    <dgm:scene3d>
+      <a:camera prst="orthographicFront"/>
+      <a:lightRig rig="threePt" dir="t"/>
+    </dgm:scene3d>
+    <dgm:sp3d/>
+    <dgm:txPr/>
+    <dgm:style>
+      <a:lnRef idx="0">
+        <a:scrgbClr r="0" g="0" b="0"/>
+      </a:lnRef>
+      <a:fillRef idx="3">
+        <a:scrgbClr r="0" g="0" b="0"/>
+      </a:fillRef>
+      <a:effectRef idx="3">
+        <a:scrgbClr r="0" g="0" b="0"/>
+      </a:effectRef>
+      <a:fontRef idx="minor">
+        <a:schemeClr val="lt1"/>
+      </a:fontRef>
+    </dgm:style>
+  </dgm:styleLbl>
+  <dgm:styleLbl name="fgImgPlace1">
+    <dgm:scene3d>
+      <a:camera prst="orthographicFront"/>
+      <a:lightRig rig="threePt" dir="t"/>
+    </dgm:scene3d>
+    <dgm:sp3d/>
+    <dgm:txPr/>
+    <dgm:style>
+      <a:lnRef idx="0">
+        <a:scrgbClr r="0" g="0" b="0"/>
+      </a:lnRef>
+      <a:fillRef idx="1">
+        <a:scrgbClr r="0" g="0" b="0"/>
+      </a:fillRef>
+      <a:effectRef idx="3">
+        <a:scrgbClr r="0" g="0" b="0"/>
+      </a:effectRef>
+      <a:fontRef idx="minor"/>
+    </dgm:style>
+  </dgm:styleLbl>
+  <dgm:styleLbl name="alignImgPlace1">
+    <dgm:scene3d>
+      <a:camera prst="orthographicFront"/>
+      <a:lightRig rig="threePt" dir="t"/>
+    </dgm:scene3d>
+    <dgm:sp3d/>
+    <dgm:txPr/>
+    <dgm:style>
+      <a:lnRef idx="0">
+        <a:scrgbClr r="0" g="0" b="0"/>
+      </a:lnRef>
+      <a:fillRef idx="1">
+        <a:scrgbClr r="0" g="0" b="0"/>
+      </a:fillRef>
+      <a:effectRef idx="3">
+        <a:scrgbClr r="0" g="0" b="0"/>
+      </a:effectRef>
+      <a:fontRef idx="minor"/>
+    </dgm:style>
+  </dgm:styleLbl>
+  <dgm:styleLbl name="bgImgPlace1">
+    <dgm:scene3d>
+      <a:camera prst="orthographicFront"/>
+      <a:lightRig rig="threePt" dir="t"/>
+    </dgm:scene3d>
+    <dgm:sp3d/>
+    <dgm:txPr/>
+    <dgm:style>
+      <a:lnRef idx="0">
+        <a:scrgbClr r="0" g="0" b="0"/>
+      </a:lnRef>
+      <a:fillRef idx="1">
+        <a:scrgbClr r="0" g="0" b="0"/>
+      </a:fillRef>
+      <a:effectRef idx="3">
+        <a:scrgbClr r="0" g="0" b="0"/>
+      </a:effectRef>
+      <a:fontRef idx="minor"/>
+    </dgm:style>
+  </dgm:styleLbl>
+  <dgm:styleLbl name="sibTrans2D1">
+    <dgm:scene3d>
+      <a:camera prst="orthographicFront"/>
+      <a:lightRig rig="threePt" dir="t"/>
+    </dgm:scene3d>
+    <dgm:sp3d/>
+    <dgm:txPr/>
+    <dgm:style>
+      <a:lnRef idx="0">
+        <a:scrgbClr r="0" g="0" b="0"/>
+      </a:lnRef>
+      <a:fillRef idx="3">
+        <a:scrgbClr r="0" g="0" b="0"/>
+      </a:fillRef>
+      <a:effectRef idx="3">
+        <a:scrgbClr r="0" g="0" b="0"/>
+      </a:effectRef>
+      <a:fontRef idx="minor">
+        <a:schemeClr val="lt1"/>
+      </a:fontRef>
+    </dgm:style>
+  </dgm:styleLbl>
+  <dgm:styleLbl name="fgSibTrans2D1">
+    <dgm:scene3d>
+      <a:camera prst="orthographicFront"/>
+      <a:lightRig rig="threePt" dir="t"/>
+    </dgm:scene3d>
+    <dgm:sp3d/>
+    <dgm:txPr/>
+    <dgm:style>
+      <a:lnRef idx="0">
+        <a:scrgbClr r="0" g="0" b="0"/>
+      </a:lnRef>
+      <a:fillRef idx="3">
+        <a:scrgbClr r="0" g="0" b="0"/>
+      </a:fillRef>
+      <a:effectRef idx="3">
+        <a:scrgbClr r="0" g="0" b="0"/>
+      </a:effectRef>
+      <a:fontRef idx="minor">
+        <a:schemeClr val="lt1"/>
+      </a:fontRef>
+    </dgm:style>
+  </dgm:styleLbl>
+  <dgm:styleLbl name="bgSibTrans2D1">
+    <dgm:scene3d>
+      <a:camera prst="orthographicFront"/>
+      <a:lightRig rig="threePt" dir="t"/>
+    </dgm:scene3d>
+    <dgm:sp3d/>
+    <dgm:txPr/>
+    <dgm:style>
+      <a:lnRef idx="0">
+        <a:scrgbClr r="0" g="0" b="0"/>
+      </a:lnRef>
+      <a:fillRef idx="3">
+        <a:scrgbClr r="0" g="0" b="0"/>
+      </a:fillRef>
+      <a:effectRef idx="3">
+        <a:scrgbClr r="0" g="0" b="0"/>
+      </a:effectRef>
+      <a:fontRef idx="minor">
+        <a:schemeClr val="lt1"/>
+      </a:fontRef>
+    </dgm:style>
+  </dgm:styleLbl>
+  <dgm:styleLbl name="sibTrans1D1">
+    <dgm:scene3d>
+      <a:camera prst="orthographicFront"/>
+      <a:lightRig rig="threePt" dir="t"/>
+    </dgm:scene3d>
+    <dgm:sp3d/>
+    <dgm:txPr/>
+    <dgm:style>
+      <a:lnRef idx="1">
+        <a:scrgbClr r="0" g="0" b="0"/>
+      </a:lnRef>
+      <a:fillRef idx="0">
+        <a:scrgbClr r="0" g="0" b="0"/>
+      </a:fillRef>
+      <a:effectRef idx="0">
+        <a:scrgbClr r="0" g="0" b="0"/>
+      </a:effectRef>
+      <a:fontRef idx="minor"/>
+    </dgm:style>
+  </dgm:styleLbl>
+  <dgm:styleLbl name="callout">
+    <dgm:scene3d>
+      <a:camera prst="orthographicFront"/>
+      <a:lightRig rig="threePt" dir="t"/>
+    </dgm:scene3d>
+    <dgm:sp3d/>
+    <dgm:txPr/>
+    <dgm:style>
+      <a:lnRef idx="1">
+        <a:scrgbClr r="0" g="0" b="0"/>
+      </a:lnRef>
+      <a:fillRef idx="0">
+        <a:scrgbClr r="0" g="0" b="0"/>
+      </a:fillRef>
+      <a:effectRef idx="1">
+        <a:scrgbClr r="0" g="0" b="0"/>
+      </a:effectRef>
+      <a:fontRef idx="minor"/>
+    </dgm:style>
+  </dgm:styleLbl>
+  <dgm:styleLbl name="asst0">
+    <dgm:scene3d>
+      <a:camera prst="orthographicFront"/>
+      <a:lightRig rig="threePt" dir="t"/>
+    </dgm:scene3d>
+    <dgm:sp3d/>
+    <dgm:txPr/>
+    <dgm:style>
+      <a:lnRef idx="0">
+        <a:scrgbClr r="0" g="0" b="0"/>
+      </a:lnRef>
+      <a:fillRef idx="3">
+        <a:scrgbClr r="0" g="0" b="0"/>
+      </a:fillRef>
+      <a:effectRef idx="3">
+        <a:scrgbClr r="0" g="0" b="0"/>
+      </a:effectRef>
+      <a:fontRef idx="minor">
+        <a:schemeClr val="lt1"/>
+      </a:fontRef>
+    </dgm:style>
+  </dgm:styleLbl>
+  <dgm:styleLbl name="asst1">
+    <dgm:scene3d>
+      <a:camera prst="orthographicFront"/>
+      <a:lightRig rig="threePt" dir="t"/>
+    </dgm:scene3d>
+    <dgm:sp3d/>
+    <dgm:txPr/>
+    <dgm:style>
+      <a:lnRef idx="0">
+        <a:scrgbClr r="0" g="0" b="0"/>
+      </a:lnRef>
+      <a:fillRef idx="3">
+        <a:scrgbClr r="0" g="0" b="0"/>
+      </a:fillRef>
+      <a:effectRef idx="3">
+        <a:scrgbClr r="0" g="0" b="0"/>
+      </a:effectRef>
+      <a:fontRef idx="minor">
+        <a:schemeClr val="lt1"/>
+      </a:fontRef>
+    </dgm:style>
+  </dgm:styleLbl>
+  <dgm:styleLbl name="asst2">
+    <dgm:scene3d>
+      <a:camera prst="orthographicFront"/>
+      <a:lightRig rig="threePt" dir="t"/>
+    </dgm:scene3d>
+    <dgm:sp3d/>
+    <dgm:txPr/>
+    <dgm:style>
+      <a:lnRef idx="0">
+        <a:scrgbClr r="0" g="0" b="0"/>
+      </a:lnRef>
+      <a:fillRef idx="3">
+        <a:scrgbClr r="0" g="0" b="0"/>
+      </a:fillRef>
+      <a:effectRef idx="3">
+        <a:scrgbClr r="0" g="0" b="0"/>
+      </a:effectRef>
+      <a:fontRef idx="minor">
+        <a:schemeClr val="lt1"/>
+      </a:fontRef>
+    </dgm:style>
+  </dgm:styleLbl>
+  <dgm:styleLbl name="asst3">
+    <dgm:scene3d>
+      <a:camera prst="orthographicFront"/>
+      <a:lightRig rig="threePt" dir="t"/>
+    </dgm:scene3d>
+    <dgm:sp3d/>
+    <dgm:txPr/>
+    <dgm:style>
+      <a:lnRef idx="0">
+        <a:scrgbClr r="0" g="0" b="0"/>
+      </a:lnRef>
+      <a:fillRef idx="3">
+        <a:scrgbClr r="0" g="0" b="0"/>
+      </a:fillRef>
+      <a:effectRef idx="3">
+        <a:scrgbClr r="0" g="0" b="0"/>
+      </a:effectRef>
+      <a:fontRef idx="minor">
+        <a:schemeClr val="lt1"/>
+      </a:fontRef>
+    </dgm:style>
+  </dgm:styleLbl>
+  <dgm:styleLbl name="asst4">
+    <dgm:scene3d>
+      <a:camera prst="orthographicFront"/>
+      <a:lightRig rig="threePt" dir="t"/>
+    </dgm:scene3d>
+    <dgm:sp3d/>
+    <dgm:txPr/>
+    <dgm:style>
+      <a:lnRef idx="0">
+        <a:scrgbClr r="0" g="0" b="0"/>
+      </a:lnRef>
+      <a:fillRef idx="3">
+        <a:scrgbClr r="0" g="0" b="0"/>
+      </a:fillRef>
+      <a:effectRef idx="3">
+        <a:scrgbClr r="0" g="0" b="0"/>
+      </a:effectRef>
+      <a:fontRef idx="minor">
+        <a:schemeClr val="lt1"/>
+      </a:fontRef>
+    </dgm:style>
+  </dgm:styleLbl>
+  <dgm:styleLbl name="parChTrans2D1">
+    <dgm:scene3d>
+      <a:camera prst="orthographicFront"/>
+      <a:lightRig rig="threePt" dir="t"/>
+    </dgm:scene3d>
+    <dgm:sp3d/>
+    <dgm:txPr/>
+    <dgm:style>
+      <a:lnRef idx="0">
+        <a:scrgbClr r="0" g="0" b="0"/>
+      </a:lnRef>
+      <a:fillRef idx="3">
+        <a:scrgbClr r="0" g="0" b="0"/>
+      </a:fillRef>
+      <a:effectRef idx="3">
+        <a:scrgbClr r="0" g="0" b="0"/>
+      </a:effectRef>
+      <a:fontRef idx="minor">
+        <a:schemeClr val="lt1"/>
+      </a:fontRef>
+    </dgm:style>
+  </dgm:styleLbl>
+  <dgm:styleLbl name="parChTrans2D2">
+    <dgm:scene3d>
+      <a:camera prst="orthographicFront"/>
+      <a:lightRig rig="threePt" dir="t"/>
+    </dgm:scene3d>
+    <dgm:sp3d/>
+    <dgm:txPr/>
+    <dgm:style>
+      <a:lnRef idx="0">
+        <a:scrgbClr r="0" g="0" b="0"/>
+      </a:lnRef>
+      <a:fillRef idx="3">
+        <a:scrgbClr r="0" g="0" b="0"/>
+      </a:fillRef>
+      <a:effectRef idx="3">
+        <a:scrgbClr r="0" g="0" b="0"/>
+      </a:effectRef>
+      <a:fontRef idx="minor">
+        <a:schemeClr val="lt1"/>
+      </a:fontRef>
+    </dgm:style>
+  </dgm:styleLbl>
+  <dgm:styleLbl name="parChTrans2D3">
+    <dgm:scene3d>
+      <a:camera prst="orthographicFront"/>
+      <a:lightRig rig="threePt" dir="t"/>
+    </dgm:scene3d>
+    <dgm:sp3d/>
+    <dgm:txPr/>
+    <dgm:style>
+      <a:lnRef idx="0">
+        <a:scrgbClr r="0" g="0" b="0"/>
+      </a:lnRef>
+      <a:fillRef idx="3">
+        <a:scrgbClr r="0" g="0" b="0"/>
+      </a:fillRef>
+      <a:effectRef idx="3">
+        <a:scrgbClr r="0" g="0" b="0"/>
+      </a:effectRef>
+      <a:fontRef idx="minor">
+        <a:schemeClr val="lt1"/>
+      </a:fontRef>
+    </dgm:style>
+  </dgm:styleLbl>
+  <dgm:styleLbl name="parChTrans2D4">
+    <dgm:scene3d>
+      <a:camera prst="orthographicFront"/>
+      <a:lightRig rig="threePt" dir="t"/>
+    </dgm:scene3d>
+    <dgm:sp3d/>
+    <dgm:txPr/>
+    <dgm:style>
+      <a:lnRef idx="0">
+        <a:scrgbClr r="0" g="0" b="0"/>
+      </a:lnRef>
+      <a:fillRef idx="3">
+        <a:scrgbClr r="0" g="0" b="0"/>
+      </a:fillRef>
+      <a:effectRef idx="3">
+        <a:scrgbClr r="0" g="0" b="0"/>
+      </a:effectRef>
+      <a:fontRef idx="minor">
+        <a:schemeClr val="lt1"/>
+      </a:fontRef>
+    </dgm:style>
+  </dgm:styleLbl>
+  <dgm:styleLbl name="parChTrans1D1">
+    <dgm:scene3d>
+      <a:camera prst="orthographicFront"/>
+      <a:lightRig rig="threePt" dir="t"/>
+    </dgm:scene3d>
+    <dgm:sp3d/>
+    <dgm:txPr/>
+    <dgm:style>
+      <a:lnRef idx="2">
+        <a:scrgbClr r="0" g="0" b="0"/>
+      </a:lnRef>
+      <a:fillRef idx="0">
+        <a:scrgbClr r="0" g="0" b="0"/>
+      </a:fillRef>
+      <a:effectRef idx="0">
+        <a:scrgbClr r="0" g="0" b="0"/>
+      </a:effectRef>
+      <a:fontRef idx="minor"/>
+    </dgm:style>
+  </dgm:styleLbl>
+  <dgm:styleLbl name="parChTrans1D2">
+    <dgm:scene3d>
+      <a:camera prst="orthographicFront"/>
+      <a:lightRig rig="threePt" dir="t"/>
+    </dgm:scene3d>
+    <dgm:sp3d/>
+    <dgm:txPr/>
+    <dgm:style>
+      <a:lnRef idx="2">
+        <a:scrgbClr r="0" g="0" b="0"/>
+      </a:lnRef>
+      <a:fillRef idx="0">
+        <a:scrgbClr r="0" g="0" b="0"/>
+      </a:fillRef>
+      <a:effectRef idx="0">
+        <a:scrgbClr r="0" g="0" b="0"/>
+      </a:effectRef>
+      <a:fontRef idx="minor"/>
+    </dgm:style>
+  </dgm:styleLbl>
+  <dgm:styleLbl name="parChTrans1D3">
+    <dgm:scene3d>
+      <a:camera prst="orthographicFront"/>
+      <a:lightRig rig="threePt" dir="t"/>
+    </dgm:scene3d>
+    <dgm:sp3d/>
+    <dgm:txPr/>
+    <dgm:style>
+      <a:lnRef idx="2">
+        <a:scrgbClr r="0" g="0" b="0"/>
+      </a:lnRef>
+      <a:fillRef idx="0">
+        <a:scrgbClr r="0" g="0" b="0"/>
+      </a:fillRef>
+      <a:effectRef idx="0">
+        <a:scrgbClr r="0" g="0" b="0"/>
+      </a:effectRef>
+      <a:fontRef idx="minor"/>
+    </dgm:style>
+  </dgm:styleLbl>
+  <dgm:styleLbl name="parChTrans1D4">
+    <dgm:scene3d>
+      <a:camera prst="orthographicFront"/>
+      <a:lightRig rig="threePt" dir="t"/>
+    </dgm:scene3d>
+    <dgm:sp3d/>
+    <dgm:txPr/>
+    <dgm:style>
+      <a:lnRef idx="2">
+        <a:scrgbClr r="0" g="0" b="0"/>
+      </a:lnRef>
+      <a:fillRef idx="0">
+        <a:scrgbClr r="0" g="0" b="0"/>
+      </a:fillRef>
+      <a:effectRef idx="0">
+        <a:scrgbClr r="0" g="0" b="0"/>
+      </a:effectRef>
+      <a:fontRef idx="minor"/>
+    </dgm:style>
+  </dgm:styleLbl>
+  <dgm:styleLbl name="fgAcc1">
+    <dgm:scene3d>
+      <a:camera prst="orthographicFront"/>
+      <a:lightRig rig="threePt" dir="t"/>
+    </dgm:scene3d>
+    <dgm:sp3d/>
+    <dgm:txPr/>
+    <dgm:style>
+      <a:lnRef idx="1">
+        <a:scrgbClr r="0" g="0" b="0"/>
+      </a:lnRef>
+      <a:fillRef idx="1">
+        <a:scrgbClr r="0" g="0" b="0"/>
+      </a:fillRef>
+      <a:effectRef idx="2">
+        <a:scrgbClr r="0" g="0" b="0"/>
+      </a:effectRef>
+      <a:fontRef idx="minor"/>
+    </dgm:style>
+  </dgm:styleLbl>
+  <dgm:styleLbl name="conFgAcc1">
+    <dgm:scene3d>
+      <a:camera prst="orthographicFront"/>
+      <a:lightRig rig="threePt" dir="t"/>
+    </dgm:scene3d>
+    <dgm:sp3d/>
+    <dgm:txPr/>
+    <dgm:style>
+      <a:lnRef idx="1">
+        <a:scrgbClr r="0" g="0" b="0"/>
+      </a:lnRef>
+      <a:fillRef idx="1">
+        <a:scrgbClr r="0" g="0" b="0"/>
+      </a:fillRef>
+      <a:effectRef idx="2">
+        <a:scrgbClr r="0" g="0" b="0"/>
+      </a:effectRef>
+      <a:fontRef idx="minor"/>
+    </dgm:style>
+  </dgm:styleLbl>
+  <dgm:styleLbl name="alignAcc1">
+    <dgm:scene3d>
+      <a:camera prst="orthographicFront"/>
+      <a:lightRig rig="threePt" dir="t"/>
+    </dgm:scene3d>
+    <dgm:sp3d/>
+    <dgm:txPr/>
+    <dgm:style>
+      <a:lnRef idx="1">
+        <a:scrgbClr r="0" g="0" b="0"/>
+      </a:lnRef>
+      <a:fillRef idx="1">
+        <a:scrgbClr r="0" g="0" b="0"/>
+      </a:fillRef>
+      <a:effectRef idx="2">
+        <a:scrgbClr r="0" g="0" b="0"/>
+      </a:effectRef>
+      <a:fontRef idx="minor"/>
+    </dgm:style>
+  </dgm:styleLbl>
+  <dgm:styleLbl name="trAlignAcc1">
+    <dgm:scene3d>
+      <a:camera prst="orthographicFront"/>
+      <a:lightRig rig="threePt" dir="t"/>
+    </dgm:scene3d>
+    <dgm:sp3d/>
+    <dgm:txPr/>
+    <dgm:style>
+      <a:lnRef idx="1">
+        <a:scrgbClr r="0" g="0" b="0"/>
+      </a:lnRef>
+      <a:fillRef idx="1">
+        <a:scrgbClr r="0" g="0" b="0"/>
+      </a:fillRef>
+      <a:effectRef idx="0">
+        <a:scrgbClr r="0" g="0" b="0"/>
+      </a:effectRef>
+      <a:fontRef idx="minor"/>
+    </dgm:style>
+  </dgm:styleLbl>
+  <dgm:styleLbl name="bgAcc1">
+    <dgm:scene3d>
+      <a:camera prst="orthographicFront"/>
+      <a:lightRig rig="threePt" dir="t"/>
+    </dgm:scene3d>
+    <dgm:sp3d/>
+    <dgm:txPr/>
+    <dgm:style>
+      <a:lnRef idx="1">
+        <a:scrgbClr r="0" g="0" b="0"/>
+      </a:lnRef>
+      <a:fillRef idx="1">
+        <a:scrgbClr r="0" g="0" b="0"/>
+      </a:fillRef>
+      <a:effectRef idx="2">
+        <a:scrgbClr r="0" g="0" b="0"/>
+      </a:effectRef>
+      <a:fontRef idx="minor"/>
+    </dgm:style>
+  </dgm:styleLbl>
+  <dgm:styleLbl name="solidFgAcc1">
+    <dgm:scene3d>
+      <a:camera prst="orthographicFront"/>
+      <a:lightRig rig="threePt" dir="t"/>
+    </dgm:scene3d>
+    <dgm:sp3d/>
+    <dgm:txPr/>
+    <dgm:style>
+      <a:lnRef idx="1">
+        <a:scrgbClr r="0" g="0" b="0"/>
+      </a:lnRef>
+      <a:fillRef idx="1">
+        <a:scrgbClr r="0" g="0" b="0"/>
+      </a:fillRef>
+      <a:effectRef idx="2">
+        <a:scrgbClr r="0" g="0" b="0"/>
+      </a:effectRef>
+      <a:fontRef idx="minor"/>
+    </dgm:style>
+  </dgm:styleLbl>
+  <dgm:styleLbl name="solidAlignAcc1">
+    <dgm:scene3d>
+      <a:camera prst="orthographicFront"/>
+      <a:lightRig rig="threePt" dir="t"/>
+    </dgm:scene3d>
+    <dgm:sp3d/>
+    <dgm:txPr/>
+    <dgm:style>
+      <a:lnRef idx="1">
+        <a:scrgbClr r="0" g="0" b="0"/>
+      </a:lnRef>
+      <a:fillRef idx="1">
+        <a:scrgbClr r="0" g="0" b="0"/>
+      </a:fillRef>
+      <a:effectRef idx="3">
+        <a:scrgbClr r="0" g="0" b="0"/>
+      </a:effectRef>
+      <a:fontRef idx="minor"/>
+    </dgm:style>
+  </dgm:styleLbl>
+  <dgm:styleLbl name="solidBgAcc1">
+    <dgm:scene3d>
+      <a:camera prst="orthographicFront"/>
+      <a:lightRig rig="threePt" dir="t"/>
+    </dgm:scene3d>
+    <dgm:sp3d/>
+    <dgm:txPr/>
+    <dgm:style>
+      <a:lnRef idx="1">
+        <a:scrgbClr r="0" g="0" b="0"/>
+      </a:lnRef>
+      <a:fillRef idx="1">
+        <a:scrgbClr r="0" g="0" b="0"/>
+      </a:fillRef>
+      <a:effectRef idx="3">
+        <a:scrgbClr r="0" g="0" b="0"/>
+      </a:effectRef>
+      <a:fontRef idx="minor"/>
+    </dgm:style>
+  </dgm:styleLbl>
+  <dgm:styleLbl name="fgAccFollowNode1">
+    <dgm:scene3d>
+      <a:camera prst="orthographicFront"/>
+      <a:lightRig rig="threePt" dir="t"/>
+    </dgm:scene3d>
+    <dgm:sp3d/>
+    <dgm:txPr/>
+    <dgm:style>
+      <a:lnRef idx="1">
+        <a:scrgbClr r="0" g="0" b="0"/>
+      </a:lnRef>
+      <a:fillRef idx="1">
+        <a:scrgbClr r="0" g="0" b="0"/>
+      </a:fillRef>
+      <a:effectRef idx="2">
+        <a:scrgbClr r="0" g="0" b="0"/>
+      </a:effectRef>
+      <a:fontRef idx="minor"/>
+    </dgm:style>
+  </dgm:styleLbl>
+  <dgm:styleLbl name="alignAccFollowNode1">
+    <dgm:scene3d>
+      <a:camera prst="orthographicFront"/>
+      <a:lightRig rig="threePt" dir="t"/>
+    </dgm:scene3d>
+    <dgm:sp3d/>
+    <dgm:txPr/>
+    <dgm:style>
+      <a:lnRef idx="1">
+        <a:scrgbClr r="0" g="0" b="0"/>
+      </a:lnRef>
+      <a:fillRef idx="1">
+        <a:scrgbClr r="0" g="0" b="0"/>
+      </a:fillRef>
+      <a:effectRef idx="2">
+        <a:scrgbClr r="0" g="0" b="0"/>
+      </a:effectRef>
+      <a:fontRef idx="minor"/>
+    </dgm:style>
+  </dgm:styleLbl>
+  <dgm:styleLbl name="bgAccFollowNode1">
+    <dgm:scene3d>
+      <a:camera prst="orthographicFront"/>
+      <a:lightRig rig="threePt" dir="t"/>
+    </dgm:scene3d>
+    <dgm:sp3d/>
+    <dgm:txPr/>
+    <dgm:style>
+      <a:lnRef idx="1">
+        <a:scrgbClr r="0" g="0" b="0"/>
+      </a:lnRef>
+      <a:fillRef idx="1">
+        <a:scrgbClr r="0" g="0" b="0"/>
+      </a:fillRef>
+      <a:effectRef idx="2">
+        <a:scrgbClr r="0" g="0" b="0"/>
+      </a:effectRef>
+      <a:fontRef idx="minor"/>
+    </dgm:style>
+  </dgm:styleLbl>
+  <dgm:styleLbl name="fgAcc0">
+    <dgm:scene3d>
+      <a:camera prst="orthographicFront"/>
+      <a:lightRig rig="threePt" dir="t"/>
+    </dgm:scene3d>
+    <dgm:sp3d/>
+    <dgm:txPr/>
+    <dgm:style>
+      <a:lnRef idx="1">
+        <a:scrgbClr r="0" g="0" b="0"/>
+      </a:lnRef>
+      <a:fillRef idx="1">
+        <a:scrgbClr r="0" g="0" b="0"/>
+      </a:fillRef>
+      <a:effectRef idx="2">
+        <a:scrgbClr r="0" g="0" b="0"/>
+      </a:effectRef>
+      <a:fontRef idx="minor"/>
+    </dgm:style>
+  </dgm:styleLbl>
+  <dgm:styleLbl name="fgAcc2">
+    <dgm:scene3d>
+      <a:camera prst="orthographicFront"/>
+      <a:lightRig rig="threePt" dir="t"/>
+    </dgm:scene3d>
+    <dgm:sp3d/>
+    <dgm:txPr/>
+    <dgm:style>
+      <a:lnRef idx="1">
+        <a:scrgbClr r="0" g="0" b="0"/>
+      </a:lnRef>
+      <a:fillRef idx="1">
+        <a:scrgbClr r="0" g="0" b="0"/>
+      </a:fillRef>
+      <a:effectRef idx="2">
+        <a:scrgbClr r="0" g="0" b="0"/>
+      </a:effectRef>
+      <a:fontRef idx="minor"/>
+    </dgm:style>
+  </dgm:styleLbl>
+  <dgm:styleLbl name="fgAcc3">
+    <dgm:scene3d>
+      <a:camera prst="orthographicFront"/>
+      <a:lightRig rig="threePt" dir="t"/>
+    </dgm:scene3d>
+    <dgm:sp3d/>
+    <dgm:txPr/>
+    <dgm:style>
+      <a:lnRef idx="1">
+        <a:scrgbClr r="0" g="0" b="0"/>
+      </a:lnRef>
+      <a:fillRef idx="1">
+        <a:scrgbClr r="0" g="0" b="0"/>
+      </a:fillRef>
+      <a:effectRef idx="2">
+        <a:scrgbClr r="0" g="0" b="0"/>
+      </a:effectRef>
+      <a:fontRef idx="minor"/>
+    </dgm:style>
+  </dgm:styleLbl>
+  <dgm:styleLbl name="fgAcc4">
+    <dgm:scene3d>
+      <a:camera prst="orthographicFront"/>
+      <a:lightRig rig="threePt" dir="t"/>
+    </dgm:scene3d>
+    <dgm:sp3d/>
+    <dgm:txPr/>
+    <dgm:style>
+      <a:lnRef idx="1">
+        <a:scrgbClr r="0" g="0" b="0"/>
+      </a:lnRef>
+      <a:fillRef idx="1">
+        <a:scrgbClr r="0" g="0" b="0"/>
+      </a:fillRef>
+      <a:effectRef idx="2">
+        <a:scrgbClr r="0" g="0" b="0"/>
+      </a:effectRef>
+      <a:fontRef idx="minor"/>
+    </dgm:style>
+  </dgm:styleLbl>
+  <dgm:styleLbl name="bgShp">
+    <dgm:scene3d>
+      <a:camera prst="orthographicFront"/>
+      <a:lightRig rig="threePt" dir="t"/>
+    </dgm:scene3d>
+    <dgm:sp3d/>
+    <dgm:txPr/>
+    <dgm:style>
+      <a:lnRef idx="0">
+        <a:scrgbClr r="0" g="0" b="0"/>
+      </a:lnRef>
+      <a:fillRef idx="1">
+        <a:scrgbClr r="0" g="0" b="0"/>
+      </a:fillRef>
+      <a:effectRef idx="2">
+        <a:scrgbClr r="0" g="0" b="0"/>
+      </a:effectRef>
+      <a:fontRef idx="minor"/>
+    </dgm:style>
+  </dgm:styleLbl>
+  <dgm:styleLbl name="dkBgShp">
+    <dgm:scene3d>
+      <a:camera prst="orthographicFront"/>
+      <a:lightRig rig="threePt" dir="t"/>
+    </dgm:scene3d>
+    <dgm:sp3d/>
+    <dgm:txPr/>
+    <dgm:style>
+      <a:lnRef idx="0">
+        <a:scrgbClr r="0" g="0" b="0"/>
+      </a:lnRef>
+      <a:fillRef idx="1">
+        <a:scrgbClr r="0" g="0" b="0"/>
+      </a:fillRef>
+      <a:effectRef idx="3">
+        <a:scrgbClr r="0" g="0" b="0"/>
+      </a:effectRef>
+      <a:fontRef idx="minor"/>
+    </dgm:style>
+  </dgm:styleLbl>
+  <dgm:styleLbl name="trBgShp">
+    <dgm:scene3d>
+      <a:camera prst="orthographicFront"/>
+      <a:lightRig rig="threePt" dir="t"/>
+    </dgm:scene3d>
+    <dgm:sp3d/>
+    <dgm:txPr/>
+    <dgm:style>
+      <a:lnRef idx="0">
+        <a:scrgbClr r="0" g="0" b="0"/>
+      </a:lnRef>
+      <a:fillRef idx="1">
+        <a:scrgbClr r="0" g="0" b="0"/>
+      </a:fillRef>
+      <a:effectRef idx="0">
+        <a:scrgbClr r="0" g="0" b="0"/>
+      </a:effectRef>
+      <a:fontRef idx="minor"/>
+    </dgm:style>
+  </dgm:styleLbl>
+  <dgm:styleLbl name="fgShp">
+    <dgm:scene3d>
+      <a:camera prst="orthographicFront"/>
+      <a:lightRig rig="threePt" dir="t"/>
+    </dgm:scene3d>
+    <dgm:sp3d/>
+    <dgm:txPr/>
+    <dgm:style>
+      <a:lnRef idx="0">
+        <a:scrgbClr r="0" g="0" b="0"/>
+      </a:lnRef>
+      <a:fillRef idx="3">
+        <a:scrgbClr r="0" g="0" b="0"/>
+      </a:fillRef>
+      <a:effectRef idx="3">
+        <a:scrgbClr r="0" g="0" b="0"/>
+      </a:effectRef>
+      <a:fontRef idx="minor"/>
+    </dgm:style>
+  </dgm:styleLbl>
+  <dgm:styleLbl name="revTx">
+    <dgm:scene3d>
+      <a:camera prst="orthographicFront"/>
+      <a:lightRig rig="threePt" dir="t"/>
+    </dgm:scene3d>
+    <dgm:sp3d/>
+    <dgm:txPr/>
+    <dgm:style>
+      <a:lnRef idx="0">
+        <a:scrgbClr r="0" g="0" b="0"/>
+      </a:lnRef>
+      <a:fillRef idx="0">
+        <a:scrgbClr r="0" g="0" b="0"/>
+      </a:fillRef>
+      <a:effectRef idx="0">
+        <a:scrgbClr r="0" g="0" b="0"/>
+      </a:effectRef>
+      <a:fontRef idx="minor"/>
+    </dgm:style>
+  </dgm:styleLbl>
+</dgm:styleDef>
+</file>
+
+<file path=ppt/diagrams/quickStyle3.xml><?xml version="1.0" encoding="utf-8"?>
 <dgm:styleDef xmlns:dgm="http://schemas.openxmlformats.org/drawingml/2006/diagram" xmlns:a="http://schemas.openxmlformats.org/drawingml/2006/main" uniqueId="urn:microsoft.com/office/officeart/2005/8/quickstyle/simple5">
   <dgm:title val=""/>
   <dgm:desc val=""/>
@@ -8321,7 +9876,7 @@
           <a:p>
             <a:fld id="{FA88A723-210D-49FB-911D-CC70F62696A5}" type="datetimeFigureOut">
               <a:rPr lang="en-US" smtClean="0"/>
-              <a:t>10/21/2016</a:t>
+              <a:t>10/31/2016</a:t>
             </a:fld>
             <a:endParaRPr lang="en-US"/>
           </a:p>
@@ -8491,7 +10046,7 @@
           <a:p>
             <a:fld id="{FA88A723-210D-49FB-911D-CC70F62696A5}" type="datetimeFigureOut">
               <a:rPr lang="en-US" smtClean="0"/>
-              <a:t>10/21/2016</a:t>
+              <a:t>10/31/2016</a:t>
             </a:fld>
             <a:endParaRPr lang="en-US"/>
           </a:p>
@@ -8671,7 +10226,7 @@
           <a:p>
             <a:fld id="{FA88A723-210D-49FB-911D-CC70F62696A5}" type="datetimeFigureOut">
               <a:rPr lang="en-US" smtClean="0"/>
-              <a:t>10/21/2016</a:t>
+              <a:t>10/31/2016</a:t>
             </a:fld>
             <a:endParaRPr lang="en-US"/>
           </a:p>
@@ -8841,7 +10396,7 @@
           <a:p>
             <a:fld id="{FA88A723-210D-49FB-911D-CC70F62696A5}" type="datetimeFigureOut">
               <a:rPr lang="en-US" smtClean="0"/>
-              <a:t>10/21/2016</a:t>
+              <a:t>10/31/2016</a:t>
             </a:fld>
             <a:endParaRPr lang="en-US"/>
           </a:p>
@@ -9087,7 +10642,7 @@
           <a:p>
             <a:fld id="{FA88A723-210D-49FB-911D-CC70F62696A5}" type="datetimeFigureOut">
               <a:rPr lang="en-US" smtClean="0"/>
-              <a:t>10/21/2016</a:t>
+              <a:t>10/31/2016</a:t>
             </a:fld>
             <a:endParaRPr lang="en-US"/>
           </a:p>
@@ -9319,7 +10874,7 @@
           <a:p>
             <a:fld id="{FA88A723-210D-49FB-911D-CC70F62696A5}" type="datetimeFigureOut">
               <a:rPr lang="en-US" smtClean="0"/>
-              <a:t>10/21/2016</a:t>
+              <a:t>10/31/2016</a:t>
             </a:fld>
             <a:endParaRPr lang="en-US"/>
           </a:p>
@@ -9686,7 +11241,7 @@
           <a:p>
             <a:fld id="{FA88A723-210D-49FB-911D-CC70F62696A5}" type="datetimeFigureOut">
               <a:rPr lang="en-US" smtClean="0"/>
-              <a:t>10/21/2016</a:t>
+              <a:t>10/31/2016</a:t>
             </a:fld>
             <a:endParaRPr lang="en-US"/>
           </a:p>
@@ -9804,7 +11359,7 @@
           <a:p>
             <a:fld id="{FA88A723-210D-49FB-911D-CC70F62696A5}" type="datetimeFigureOut">
               <a:rPr lang="en-US" smtClean="0"/>
-              <a:t>10/21/2016</a:t>
+              <a:t>10/31/2016</a:t>
             </a:fld>
             <a:endParaRPr lang="en-US"/>
           </a:p>
@@ -9899,7 +11454,7 @@
           <a:p>
             <a:fld id="{FA88A723-210D-49FB-911D-CC70F62696A5}" type="datetimeFigureOut">
               <a:rPr lang="en-US" smtClean="0"/>
-              <a:t>10/21/2016</a:t>
+              <a:t>10/31/2016</a:t>
             </a:fld>
             <a:endParaRPr lang="en-US"/>
           </a:p>
@@ -10176,7 +11731,7 @@
           <a:p>
             <a:fld id="{FA88A723-210D-49FB-911D-CC70F62696A5}" type="datetimeFigureOut">
               <a:rPr lang="en-US" smtClean="0"/>
-              <a:t>10/21/2016</a:t>
+              <a:t>10/31/2016</a:t>
             </a:fld>
             <a:endParaRPr lang="en-US"/>
           </a:p>
@@ -10429,7 +11984,7 @@
           <a:p>
             <a:fld id="{FA88A723-210D-49FB-911D-CC70F62696A5}" type="datetimeFigureOut">
               <a:rPr lang="en-US" smtClean="0"/>
-              <a:t>10/21/2016</a:t>
+              <a:t>10/31/2016</a:t>
             </a:fld>
             <a:endParaRPr lang="en-US"/>
           </a:p>
@@ -10642,7 +12197,7 @@
           <a:p>
             <a:fld id="{FA88A723-210D-49FB-911D-CC70F62696A5}" type="datetimeFigureOut">
               <a:rPr lang="en-US" smtClean="0"/>
-              <a:t>10/21/2016</a:t>
+              <a:t>10/31/2016</a:t>
             </a:fld>
             <a:endParaRPr lang="en-US"/>
           </a:p>
@@ -11047,74 +12602,6 @@
           <a:chExt cx="0" cy="0"/>
         </a:xfrm>
       </p:grpSpPr>
-      <p:sp>
-        <p:nvSpPr>
-          <p:cNvPr id="2" name="Title 1"/>
-          <p:cNvSpPr>
-            <a:spLocks noGrp="1"/>
-          </p:cNvSpPr>
-          <p:nvPr>
-            <p:ph type="ctrTitle"/>
-          </p:nvPr>
-        </p:nvSpPr>
-        <p:spPr/>
-        <p:txBody>
-          <a:bodyPr/>
-          <a:lstStyle/>
-          <a:p>
-            <a:endParaRPr lang="en-US"/>
-          </a:p>
-        </p:txBody>
-      </p:sp>
-      <p:sp>
-        <p:nvSpPr>
-          <p:cNvPr id="3" name="Subtitle 2"/>
-          <p:cNvSpPr>
-            <a:spLocks noGrp="1"/>
-          </p:cNvSpPr>
-          <p:nvPr>
-            <p:ph type="subTitle" idx="1"/>
-          </p:nvPr>
-        </p:nvSpPr>
-        <p:spPr/>
-        <p:txBody>
-          <a:bodyPr/>
-          <a:lstStyle/>
-          <a:p>
-            <a:endParaRPr lang="en-US"/>
-          </a:p>
-        </p:txBody>
-      </p:sp>
-    </p:spTree>
-    <p:extLst>
-      <p:ext uri="{BB962C8B-B14F-4D97-AF65-F5344CB8AC3E}">
-        <p14:creationId xmlns:p14="http://schemas.microsoft.com/office/powerpoint/2010/main" val="2339316794"/>
-      </p:ext>
-    </p:extLst>
-  </p:cSld>
-  <p:clrMapOvr>
-    <a:masterClrMapping/>
-  </p:clrMapOvr>
-</p:sld>
-</file>
-
-<file path=ppt/slides/slide2.xml><?xml version="1.0" encoding="utf-8"?>
-<p:sld xmlns:a="http://schemas.openxmlformats.org/drawingml/2006/main" xmlns:r="http://schemas.openxmlformats.org/officeDocument/2006/relationships" xmlns:p="http://schemas.openxmlformats.org/presentationml/2006/main">
-  <p:cSld>
-    <p:spTree>
-      <p:nvGrpSpPr>
-        <p:cNvPr id="1" name=""/>
-        <p:cNvGrpSpPr/>
-        <p:nvPr/>
-      </p:nvGrpSpPr>
-      <p:grpSpPr>
-        <a:xfrm>
-          <a:off x="0" y="0"/>
-          <a:ext cx="0" cy="0"/>
-          <a:chOff x="0" y="0"/>
-          <a:chExt cx="0" cy="0"/>
-        </a:xfrm>
-      </p:grpSpPr>
       <p:graphicFrame>
         <p:nvGraphicFramePr>
           <p:cNvPr id="2" name="Diagram 1"/>
@@ -11150,7 +12637,7 @@
 </p:sld>
 </file>
 
-<file path=ppt/slides/slide3.xml><?xml version="1.0" encoding="utf-8"?>
+<file path=ppt/slides/slide2.xml><?xml version="1.0" encoding="utf-8"?>
 <p:sld xmlns:a="http://schemas.openxmlformats.org/drawingml/2006/main" xmlns:r="http://schemas.openxmlformats.org/officeDocument/2006/relationships" xmlns:p="http://schemas.openxmlformats.org/presentationml/2006/main">
   <p:cSld>
     <p:spTree>
@@ -13349,7 +14836,7 @@
 </p:sld>
 </file>
 
-<file path=ppt/slides/slide4.xml><?xml version="1.0" encoding="utf-8"?>
+<file path=ppt/slides/slide3.xml><?xml version="1.0" encoding="utf-8"?>
 <p:sld xmlns:a="http://schemas.openxmlformats.org/drawingml/2006/main" xmlns:r="http://schemas.openxmlformats.org/officeDocument/2006/relationships" xmlns:p="http://schemas.openxmlformats.org/presentationml/2006/main">
   <p:cSld>
     <p:spTree>
@@ -16509,7 +17996,7 @@
 </p:sld>
 </file>
 
-<file path=ppt/slides/slide5.xml><?xml version="1.0" encoding="utf-8"?>
+<file path=ppt/slides/slide4.xml><?xml version="1.0" encoding="utf-8"?>
 <p:sld xmlns:a="http://schemas.openxmlformats.org/drawingml/2006/main" xmlns:r="http://schemas.openxmlformats.org/officeDocument/2006/relationships" xmlns:p="http://schemas.openxmlformats.org/presentationml/2006/main">
   <p:cSld>
     <p:spTree>
@@ -20454,6 +21941,446 @@
 </p:sld>
 </file>
 
+<file path=ppt/slides/slide5.xml><?xml version="1.0" encoding="utf-8"?>
+<p:sld xmlns:a="http://schemas.openxmlformats.org/drawingml/2006/main" xmlns:r="http://schemas.openxmlformats.org/officeDocument/2006/relationships" xmlns:p="http://schemas.openxmlformats.org/presentationml/2006/main">
+  <p:cSld>
+    <p:spTree>
+      <p:nvGrpSpPr>
+        <p:cNvPr id="1" name=""/>
+        <p:cNvGrpSpPr/>
+        <p:nvPr/>
+      </p:nvGrpSpPr>
+      <p:grpSpPr>
+        <a:xfrm>
+          <a:off x="0" y="0"/>
+          <a:ext cx="0" cy="0"/>
+          <a:chOff x="0" y="0"/>
+          <a:chExt cx="0" cy="0"/>
+        </a:xfrm>
+      </p:grpSpPr>
+      <p:sp>
+        <p:nvSpPr>
+          <p:cNvPr id="2" name="Rounded Rectangle 1"/>
+          <p:cNvSpPr/>
+          <p:nvPr/>
+        </p:nvSpPr>
+        <p:spPr>
+          <a:xfrm>
+            <a:off x="1000897" y="1210962"/>
+            <a:ext cx="3101546" cy="2557849"/>
+          </a:xfrm>
+          <a:prstGeom prst="roundRect">
+            <a:avLst/>
+          </a:prstGeom>
+        </p:spPr>
+        <p:style>
+          <a:lnRef idx="1">
+            <a:schemeClr val="accent1"/>
+          </a:lnRef>
+          <a:fillRef idx="2">
+            <a:schemeClr val="accent1"/>
+          </a:fillRef>
+          <a:effectRef idx="1">
+            <a:schemeClr val="accent1"/>
+          </a:effectRef>
+          <a:fontRef idx="minor">
+            <a:schemeClr val="dk1"/>
+          </a:fontRef>
+        </p:style>
+        <p:txBody>
+          <a:bodyPr rtlCol="0" anchor="ctr"/>
+          <a:lstStyle/>
+          <a:p>
+            <a:pPr algn="ctr"/>
+            <a:endParaRPr lang="en-US" dirty="0"/>
+          </a:p>
+        </p:txBody>
+      </p:sp>
+      <p:sp>
+        <p:nvSpPr>
+          <p:cNvPr id="3" name="Rectangle 2"/>
+          <p:cNvSpPr/>
+          <p:nvPr/>
+        </p:nvSpPr>
+        <p:spPr>
+          <a:xfrm>
+            <a:off x="1668379" y="4443664"/>
+            <a:ext cx="1588168" cy="1828800"/>
+          </a:xfrm>
+          <a:prstGeom prst="rect">
+            <a:avLst/>
+          </a:prstGeom>
+          <a:gradFill>
+            <a:gsLst>
+              <a:gs pos="0">
+                <a:schemeClr val="accent1">
+                  <a:lumMod val="5000"/>
+                  <a:lumOff val="95000"/>
+                </a:schemeClr>
+              </a:gs>
+              <a:gs pos="100000">
+                <a:schemeClr val="accent1">
+                  <a:lumMod val="30000"/>
+                  <a:lumOff val="70000"/>
+                </a:schemeClr>
+              </a:gs>
+            </a:gsLst>
+            <a:lin ang="5400000" scaled="1"/>
+          </a:gradFill>
+        </p:spPr>
+        <p:style>
+          <a:lnRef idx="2">
+            <a:schemeClr val="accent1">
+              <a:shade val="50000"/>
+            </a:schemeClr>
+          </a:lnRef>
+          <a:fillRef idx="1">
+            <a:schemeClr val="accent1"/>
+          </a:fillRef>
+          <a:effectRef idx="0">
+            <a:schemeClr val="accent1"/>
+          </a:effectRef>
+          <a:fontRef idx="minor">
+            <a:schemeClr val="lt1"/>
+          </a:fontRef>
+        </p:style>
+        <p:txBody>
+          <a:bodyPr rtlCol="0" anchor="ctr"/>
+          <a:lstStyle/>
+          <a:p>
+            <a:pPr algn="ctr"/>
+            <a:endParaRPr lang="en-US"/>
+          </a:p>
+        </p:txBody>
+      </p:sp>
+      <p:grpSp>
+        <p:nvGrpSpPr>
+          <p:cNvPr id="16" name="Group 15"/>
+          <p:cNvGrpSpPr/>
+          <p:nvPr/>
+        </p:nvGrpSpPr>
+        <p:grpSpPr>
+          <a:xfrm>
+            <a:off x="1796715" y="4620777"/>
+            <a:ext cx="1459832" cy="1521180"/>
+            <a:chOff x="4572000" y="5037221"/>
+            <a:chExt cx="1427747" cy="1521180"/>
+          </a:xfrm>
+        </p:grpSpPr>
+        <p:sp>
+          <p:nvSpPr>
+            <p:cNvPr id="4" name="TextBox 3"/>
+            <p:cNvSpPr txBox="1"/>
+            <p:nvPr/>
+          </p:nvSpPr>
+          <p:spPr>
+            <a:xfrm>
+              <a:off x="4876799" y="5037221"/>
+              <a:ext cx="786064" cy="369332"/>
+            </a:xfrm>
+            <a:prstGeom prst="rect">
+              <a:avLst/>
+            </a:prstGeom>
+            <a:noFill/>
+          </p:spPr>
+          <p:txBody>
+            <a:bodyPr wrap="square" rtlCol="0">
+              <a:spAutoFit/>
+            </a:bodyPr>
+            <a:lstStyle/>
+            <a:p>
+              <a:r>
+                <a:rPr lang="en-US" dirty="0" smtClean="0"/>
+                <a:t>Feat1-</a:t>
+              </a:r>
+              <a:endParaRPr lang="en-US" dirty="0"/>
+            </a:p>
+          </p:txBody>
+        </p:sp>
+        <p:sp>
+          <p:nvSpPr>
+            <p:cNvPr id="5" name="TextBox 4"/>
+            <p:cNvSpPr txBox="1"/>
+            <p:nvPr/>
+          </p:nvSpPr>
+          <p:spPr>
+            <a:xfrm>
+              <a:off x="4900861" y="5381367"/>
+              <a:ext cx="786063" cy="369332"/>
+            </a:xfrm>
+            <a:prstGeom prst="rect">
+              <a:avLst/>
+            </a:prstGeom>
+            <a:noFill/>
+          </p:spPr>
+          <p:txBody>
+            <a:bodyPr wrap="square" rtlCol="0">
+              <a:spAutoFit/>
+            </a:bodyPr>
+            <a:lstStyle/>
+            <a:p>
+              <a:r>
+                <a:rPr lang="en-US" dirty="0" smtClean="0"/>
+                <a:t>Feat2-</a:t>
+              </a:r>
+              <a:endParaRPr lang="en-US" dirty="0"/>
+            </a:p>
+          </p:txBody>
+        </p:sp>
+        <p:sp>
+          <p:nvSpPr>
+            <p:cNvPr id="7" name="TextBox 6"/>
+            <p:cNvSpPr txBox="1"/>
+            <p:nvPr/>
+          </p:nvSpPr>
+          <p:spPr>
+            <a:xfrm>
+              <a:off x="4900861" y="5725513"/>
+              <a:ext cx="786063" cy="369332"/>
+            </a:xfrm>
+            <a:prstGeom prst="rect">
+              <a:avLst/>
+            </a:prstGeom>
+            <a:noFill/>
+          </p:spPr>
+          <p:txBody>
+            <a:bodyPr wrap="square" rtlCol="0">
+              <a:spAutoFit/>
+            </a:bodyPr>
+            <a:lstStyle/>
+            <a:p>
+              <a:r>
+                <a:rPr lang="en-US" dirty="0" smtClean="0"/>
+                <a:t>Feat3-</a:t>
+              </a:r>
+              <a:endParaRPr lang="en-US" dirty="0"/>
+            </a:p>
+          </p:txBody>
+        </p:sp>
+        <p:sp>
+          <p:nvSpPr>
+            <p:cNvPr id="8" name="TextBox 7"/>
+            <p:cNvSpPr txBox="1"/>
+            <p:nvPr/>
+          </p:nvSpPr>
+          <p:spPr>
+            <a:xfrm>
+              <a:off x="4900861" y="6189069"/>
+              <a:ext cx="1098886" cy="369332"/>
+            </a:xfrm>
+            <a:prstGeom prst="rect">
+              <a:avLst/>
+            </a:prstGeom>
+            <a:noFill/>
+          </p:spPr>
+          <p:txBody>
+            <a:bodyPr wrap="square" rtlCol="0">
+              <a:spAutoFit/>
+            </a:bodyPr>
+            <a:lstStyle/>
+            <a:p>
+              <a:r>
+                <a:rPr lang="en-US" dirty="0" smtClean="0"/>
+                <a:t>Java </a:t>
+              </a:r>
+              <a:r>
+                <a:rPr lang="en-US" dirty="0" err="1" smtClean="0"/>
+                <a:t>Obj</a:t>
+              </a:r>
+              <a:r>
+                <a:rPr lang="en-US" dirty="0" smtClean="0"/>
+                <a:t> -</a:t>
+              </a:r>
+              <a:endParaRPr lang="en-US" dirty="0"/>
+            </a:p>
+          </p:txBody>
+        </p:sp>
+        <p:sp>
+          <p:nvSpPr>
+            <p:cNvPr id="12" name="Left Bracket 11"/>
+            <p:cNvSpPr/>
+            <p:nvPr/>
+          </p:nvSpPr>
+          <p:spPr>
+            <a:xfrm>
+              <a:off x="4572000" y="5221887"/>
+              <a:ext cx="304800" cy="1151848"/>
+            </a:xfrm>
+            <a:prstGeom prst="leftBracket">
+              <a:avLst>
+                <a:gd name="adj" fmla="val 74375"/>
+              </a:avLst>
+            </a:prstGeom>
+          </p:spPr>
+          <p:style>
+            <a:lnRef idx="1">
+              <a:schemeClr val="accent1"/>
+            </a:lnRef>
+            <a:fillRef idx="0">
+              <a:schemeClr val="accent1"/>
+            </a:fillRef>
+            <a:effectRef idx="0">
+              <a:schemeClr val="accent1"/>
+            </a:effectRef>
+            <a:fontRef idx="minor">
+              <a:schemeClr val="tx1"/>
+            </a:fontRef>
+          </p:style>
+          <p:txBody>
+            <a:bodyPr rtlCol="0" anchor="ctr"/>
+            <a:lstStyle/>
+            <a:p>
+              <a:pPr algn="ctr"/>
+              <a:endParaRPr lang="en-US"/>
+            </a:p>
+          </p:txBody>
+        </p:sp>
+        <p:sp>
+          <p:nvSpPr>
+            <p:cNvPr id="13" name="Left Bracket 12"/>
+            <p:cNvSpPr/>
+            <p:nvPr/>
+          </p:nvSpPr>
+          <p:spPr>
+            <a:xfrm>
+              <a:off x="4780546" y="5872040"/>
+              <a:ext cx="144376" cy="449179"/>
+            </a:xfrm>
+            <a:prstGeom prst="leftBracket">
+              <a:avLst>
+                <a:gd name="adj" fmla="val 50000"/>
+              </a:avLst>
+            </a:prstGeom>
+          </p:spPr>
+          <p:style>
+            <a:lnRef idx="1">
+              <a:schemeClr val="accent1"/>
+            </a:lnRef>
+            <a:fillRef idx="0">
+              <a:schemeClr val="accent1"/>
+            </a:fillRef>
+            <a:effectRef idx="0">
+              <a:schemeClr val="accent1"/>
+            </a:effectRef>
+            <a:fontRef idx="minor">
+              <a:schemeClr val="tx1"/>
+            </a:fontRef>
+          </p:style>
+          <p:txBody>
+            <a:bodyPr rtlCol="0" anchor="ctr"/>
+            <a:lstStyle/>
+            <a:p>
+              <a:pPr algn="ctr"/>
+              <a:endParaRPr lang="en-US"/>
+            </a:p>
+          </p:txBody>
+        </p:sp>
+        <p:sp>
+          <p:nvSpPr>
+            <p:cNvPr id="15" name="Left Bracket 14"/>
+            <p:cNvSpPr/>
+            <p:nvPr/>
+          </p:nvSpPr>
+          <p:spPr>
+            <a:xfrm>
+              <a:off x="4723316" y="5591219"/>
+              <a:ext cx="177545" cy="825144"/>
+            </a:xfrm>
+            <a:prstGeom prst="leftBracket">
+              <a:avLst>
+                <a:gd name="adj" fmla="val 74375"/>
+              </a:avLst>
+            </a:prstGeom>
+          </p:spPr>
+          <p:style>
+            <a:lnRef idx="1">
+              <a:schemeClr val="accent1"/>
+            </a:lnRef>
+            <a:fillRef idx="0">
+              <a:schemeClr val="accent1"/>
+            </a:fillRef>
+            <a:effectRef idx="0">
+              <a:schemeClr val="accent1"/>
+            </a:effectRef>
+            <a:fontRef idx="minor">
+              <a:schemeClr val="tx1"/>
+            </a:fontRef>
+          </p:style>
+          <p:txBody>
+            <a:bodyPr rtlCol="0" anchor="ctr"/>
+            <a:lstStyle/>
+            <a:p>
+              <a:pPr algn="ctr"/>
+              <a:endParaRPr lang="en-US"/>
+            </a:p>
+          </p:txBody>
+        </p:sp>
+      </p:grpSp>
+    </p:spTree>
+    <p:extLst>
+      <p:ext uri="{BB962C8B-B14F-4D97-AF65-F5344CB8AC3E}">
+        <p14:creationId xmlns:p14="http://schemas.microsoft.com/office/powerpoint/2010/main" val="3379353307"/>
+      </p:ext>
+    </p:extLst>
+  </p:cSld>
+  <p:clrMapOvr>
+    <a:masterClrMapping/>
+  </p:clrMapOvr>
+</p:sld>
+</file>
+
+<file path=ppt/slides/slide6.xml><?xml version="1.0" encoding="utf-8"?>
+<p:sld xmlns:a="http://schemas.openxmlformats.org/drawingml/2006/main" xmlns:r="http://schemas.openxmlformats.org/officeDocument/2006/relationships" xmlns:p="http://schemas.openxmlformats.org/presentationml/2006/main">
+  <p:cSld>
+    <p:spTree>
+      <p:nvGrpSpPr>
+        <p:cNvPr id="1" name=""/>
+        <p:cNvGrpSpPr/>
+        <p:nvPr/>
+      </p:nvGrpSpPr>
+      <p:grpSpPr>
+        <a:xfrm>
+          <a:off x="0" y="0"/>
+          <a:ext cx="0" cy="0"/>
+          <a:chOff x="0" y="0"/>
+          <a:chExt cx="0" cy="0"/>
+        </a:xfrm>
+      </p:grpSpPr>
+      <p:graphicFrame>
+        <p:nvGraphicFramePr>
+          <p:cNvPr id="2" name="Diagram 1"/>
+          <p:cNvGraphicFramePr/>
+          <p:nvPr>
+            <p:extLst>
+              <p:ext uri="{D42A27DB-BD31-4B8C-83A1-F6EECF244321}">
+                <p14:modId xmlns:p14="http://schemas.microsoft.com/office/powerpoint/2010/main" val="1663175443"/>
+              </p:ext>
+            </p:extLst>
+          </p:nvPr>
+        </p:nvGraphicFramePr>
+        <p:xfrm>
+          <a:off x="5196256" y="672775"/>
+          <a:ext cx="5655406" cy="3770271"/>
+        </p:xfrm>
+        <a:graphic>
+          <a:graphicData uri="http://schemas.openxmlformats.org/drawingml/2006/diagram">
+            <dgm:relIds xmlns:dgm="http://schemas.openxmlformats.org/drawingml/2006/diagram" xmlns:r="http://schemas.openxmlformats.org/officeDocument/2006/relationships" r:dm="rId2" r:lo="rId3" r:qs="rId4" r:cs="rId5"/>
+          </a:graphicData>
+        </a:graphic>
+      </p:graphicFrame>
+    </p:spTree>
+    <p:extLst>
+      <p:ext uri="{BB962C8B-B14F-4D97-AF65-F5344CB8AC3E}">
+        <p14:creationId xmlns:p14="http://schemas.microsoft.com/office/powerpoint/2010/main" val="3419416883"/>
+      </p:ext>
+    </p:extLst>
+  </p:cSld>
+  <p:clrMapOvr>
+    <a:masterClrMapping/>
+  </p:clrMapOvr>
+</p:sld>
+</file>
+
 <file path=ppt/theme/theme1.xml><?xml version="1.0" encoding="utf-8"?>
 <a:theme xmlns:a="http://schemas.openxmlformats.org/drawingml/2006/main" name="Office Theme">
   <a:themeElements>

--- a/uima-docbook-v3-users-guide/src/image-source/source.pptx
+++ b/uima-docbook-v3-users-guide/src/image-source/source.pptx
@@ -9876,7 +9876,7 @@
           <a:p>
             <a:fld id="{FA88A723-210D-49FB-911D-CC70F62696A5}" type="datetimeFigureOut">
               <a:rPr lang="en-US" smtClean="0"/>
-              <a:t>10/31/2016</a:t>
+              <a:t>11/14/2016</a:t>
             </a:fld>
             <a:endParaRPr lang="en-US"/>
           </a:p>
@@ -10046,7 +10046,7 @@
           <a:p>
             <a:fld id="{FA88A723-210D-49FB-911D-CC70F62696A5}" type="datetimeFigureOut">
               <a:rPr lang="en-US" smtClean="0"/>
-              <a:t>10/31/2016</a:t>
+              <a:t>11/14/2016</a:t>
             </a:fld>
             <a:endParaRPr lang="en-US"/>
           </a:p>
@@ -10226,7 +10226,7 @@
           <a:p>
             <a:fld id="{FA88A723-210D-49FB-911D-CC70F62696A5}" type="datetimeFigureOut">
               <a:rPr lang="en-US" smtClean="0"/>
-              <a:t>10/31/2016</a:t>
+              <a:t>11/14/2016</a:t>
             </a:fld>
             <a:endParaRPr lang="en-US"/>
           </a:p>
@@ -10396,7 +10396,7 @@
           <a:p>
             <a:fld id="{FA88A723-210D-49FB-911D-CC70F62696A5}" type="datetimeFigureOut">
               <a:rPr lang="en-US" smtClean="0"/>
-              <a:t>10/31/2016</a:t>
+              <a:t>11/14/2016</a:t>
             </a:fld>
             <a:endParaRPr lang="en-US"/>
           </a:p>
@@ -10642,7 +10642,7 @@
           <a:p>
             <a:fld id="{FA88A723-210D-49FB-911D-CC70F62696A5}" type="datetimeFigureOut">
               <a:rPr lang="en-US" smtClean="0"/>
-              <a:t>10/31/2016</a:t>
+              <a:t>11/14/2016</a:t>
             </a:fld>
             <a:endParaRPr lang="en-US"/>
           </a:p>
@@ -10874,7 +10874,7 @@
           <a:p>
             <a:fld id="{FA88A723-210D-49FB-911D-CC70F62696A5}" type="datetimeFigureOut">
               <a:rPr lang="en-US" smtClean="0"/>
-              <a:t>10/31/2016</a:t>
+              <a:t>11/14/2016</a:t>
             </a:fld>
             <a:endParaRPr lang="en-US"/>
           </a:p>
@@ -11241,7 +11241,7 @@
           <a:p>
             <a:fld id="{FA88A723-210D-49FB-911D-CC70F62696A5}" type="datetimeFigureOut">
               <a:rPr lang="en-US" smtClean="0"/>
-              <a:t>10/31/2016</a:t>
+              <a:t>11/14/2016</a:t>
             </a:fld>
             <a:endParaRPr lang="en-US"/>
           </a:p>
@@ -11359,7 +11359,7 @@
           <a:p>
             <a:fld id="{FA88A723-210D-49FB-911D-CC70F62696A5}" type="datetimeFigureOut">
               <a:rPr lang="en-US" smtClean="0"/>
-              <a:t>10/31/2016</a:t>
+              <a:t>11/14/2016</a:t>
             </a:fld>
             <a:endParaRPr lang="en-US"/>
           </a:p>
@@ -11454,7 +11454,7 @@
           <a:p>
             <a:fld id="{FA88A723-210D-49FB-911D-CC70F62696A5}" type="datetimeFigureOut">
               <a:rPr lang="en-US" smtClean="0"/>
-              <a:t>10/31/2016</a:t>
+              <a:t>11/14/2016</a:t>
             </a:fld>
             <a:endParaRPr lang="en-US"/>
           </a:p>
@@ -11731,7 +11731,7 @@
           <a:p>
             <a:fld id="{FA88A723-210D-49FB-911D-CC70F62696A5}" type="datetimeFigureOut">
               <a:rPr lang="en-US" smtClean="0"/>
-              <a:t>10/31/2016</a:t>
+              <a:t>11/14/2016</a:t>
             </a:fld>
             <a:endParaRPr lang="en-US"/>
           </a:p>
@@ -11984,7 +11984,7 @@
           <a:p>
             <a:fld id="{FA88A723-210D-49FB-911D-CC70F62696A5}" type="datetimeFigureOut">
               <a:rPr lang="en-US" smtClean="0"/>
-              <a:t>10/31/2016</a:t>
+              <a:t>11/14/2016</a:t>
             </a:fld>
             <a:endParaRPr lang="en-US"/>
           </a:p>
@@ -12197,7 +12197,7 @@
           <a:p>
             <a:fld id="{FA88A723-210D-49FB-911D-CC70F62696A5}" type="datetimeFigureOut">
               <a:rPr lang="en-US" smtClean="0"/>
-              <a:t>10/31/2016</a:t>
+              <a:t>11/14/2016</a:t>
             </a:fld>
             <a:endParaRPr lang="en-US"/>
           </a:p>
@@ -12654,29 +12654,341 @@
           <a:chExt cx="0" cy="0"/>
         </a:xfrm>
       </p:grpSpPr>
+      <p:sp>
+        <p:nvSpPr>
+          <p:cNvPr id="6" name="Freeform 5"/>
+          <p:cNvSpPr/>
+          <p:nvPr/>
+        </p:nvSpPr>
+        <p:spPr>
+          <a:xfrm>
+            <a:off x="6445116" y="359542"/>
+            <a:ext cx="1641491" cy="984895"/>
+          </a:xfrm>
+          <a:custGeom>
+            <a:avLst/>
+            <a:gdLst>
+              <a:gd name="connsiteX0" fmla="*/ 0 w 2135187"/>
+              <a:gd name="connsiteY0" fmla="*/ 128111 h 1281112"/>
+              <a:gd name="connsiteX1" fmla="*/ 128111 w 2135187"/>
+              <a:gd name="connsiteY1" fmla="*/ 0 h 1281112"/>
+              <a:gd name="connsiteX2" fmla="*/ 2007076 w 2135187"/>
+              <a:gd name="connsiteY2" fmla="*/ 0 h 1281112"/>
+              <a:gd name="connsiteX3" fmla="*/ 2135187 w 2135187"/>
+              <a:gd name="connsiteY3" fmla="*/ 128111 h 1281112"/>
+              <a:gd name="connsiteX4" fmla="*/ 2135187 w 2135187"/>
+              <a:gd name="connsiteY4" fmla="*/ 1153001 h 1281112"/>
+              <a:gd name="connsiteX5" fmla="*/ 2007076 w 2135187"/>
+              <a:gd name="connsiteY5" fmla="*/ 1281112 h 1281112"/>
+              <a:gd name="connsiteX6" fmla="*/ 128111 w 2135187"/>
+              <a:gd name="connsiteY6" fmla="*/ 1281112 h 1281112"/>
+              <a:gd name="connsiteX7" fmla="*/ 0 w 2135187"/>
+              <a:gd name="connsiteY7" fmla="*/ 1153001 h 1281112"/>
+              <a:gd name="connsiteX8" fmla="*/ 0 w 2135187"/>
+              <a:gd name="connsiteY8" fmla="*/ 128111 h 1281112"/>
+            </a:gdLst>
+            <a:ahLst/>
+            <a:cxnLst>
+              <a:cxn ang="0">
+                <a:pos x="connsiteX0" y="connsiteY0"/>
+              </a:cxn>
+              <a:cxn ang="0">
+                <a:pos x="connsiteX1" y="connsiteY1"/>
+              </a:cxn>
+              <a:cxn ang="0">
+                <a:pos x="connsiteX2" y="connsiteY2"/>
+              </a:cxn>
+              <a:cxn ang="0">
+                <a:pos x="connsiteX3" y="connsiteY3"/>
+              </a:cxn>
+              <a:cxn ang="0">
+                <a:pos x="connsiteX4" y="connsiteY4"/>
+              </a:cxn>
+              <a:cxn ang="0">
+                <a:pos x="connsiteX5" y="connsiteY5"/>
+              </a:cxn>
+              <a:cxn ang="0">
+                <a:pos x="connsiteX6" y="connsiteY6"/>
+              </a:cxn>
+              <a:cxn ang="0">
+                <a:pos x="connsiteX7" y="connsiteY7"/>
+              </a:cxn>
+              <a:cxn ang="0">
+                <a:pos x="connsiteX8" y="connsiteY8"/>
+              </a:cxn>
+            </a:cxnLst>
+            <a:rect l="l" t="t" r="r" b="b"/>
+            <a:pathLst>
+              <a:path w="2135187" h="1281112">
+                <a:moveTo>
+                  <a:pt x="0" y="128111"/>
+                </a:moveTo>
+                <a:cubicBezTo>
+                  <a:pt x="0" y="57357"/>
+                  <a:pt x="57357" y="0"/>
+                  <a:pt x="128111" y="0"/>
+                </a:cubicBezTo>
+                <a:lnTo>
+                  <a:pt x="2007076" y="0"/>
+                </a:lnTo>
+                <a:cubicBezTo>
+                  <a:pt x="2077830" y="0"/>
+                  <a:pt x="2135187" y="57357"/>
+                  <a:pt x="2135187" y="128111"/>
+                </a:cubicBezTo>
+                <a:lnTo>
+                  <a:pt x="2135187" y="1153001"/>
+                </a:lnTo>
+                <a:cubicBezTo>
+                  <a:pt x="2135187" y="1223755"/>
+                  <a:pt x="2077830" y="1281112"/>
+                  <a:pt x="2007076" y="1281112"/>
+                </a:cubicBezTo>
+                <a:lnTo>
+                  <a:pt x="128111" y="1281112"/>
+                </a:lnTo>
+                <a:cubicBezTo>
+                  <a:pt x="57357" y="1281112"/>
+                  <a:pt x="0" y="1223755"/>
+                  <a:pt x="0" y="1153001"/>
+                </a:cubicBezTo>
+                <a:lnTo>
+                  <a:pt x="0" y="128111"/>
+                </a:lnTo>
+                <a:close/>
+              </a:path>
+            </a:pathLst>
+          </a:custGeom>
+          <a:ln w="9525">
+            <a:solidFill>
+              <a:scrgbClr r="0" g="0" b="0"/>
+            </a:solidFill>
+          </a:ln>
+          <a:scene3d>
+            <a:camera prst="orthographicFront"/>
+            <a:lightRig rig="flat" dir="t"/>
+          </a:scene3d>
+          <a:sp3d prstMaterial="dkEdge">
+            <a:bevelT w="8200" h="38100"/>
+          </a:sp3d>
+        </p:spPr>
+        <p:style>
+          <a:lnRef idx="0">
+            <a:scrgbClr r="0" g="0" b="0"/>
+          </a:lnRef>
+          <a:fillRef idx="2">
+            <a:schemeClr val="accent4">
+              <a:hueOff val="0"/>
+              <a:satOff val="0"/>
+              <a:lumOff val="0"/>
+              <a:alphaOff val="0"/>
+            </a:schemeClr>
+          </a:fillRef>
+          <a:effectRef idx="1">
+            <a:schemeClr val="accent4">
+              <a:hueOff val="0"/>
+              <a:satOff val="0"/>
+              <a:lumOff val="0"/>
+              <a:alphaOff val="0"/>
+            </a:schemeClr>
+          </a:effectRef>
+          <a:fontRef idx="minor">
+            <a:schemeClr val="dk1"/>
+          </a:fontRef>
+        </p:style>
+        <p:txBody>
+          <a:bodyPr spcFirstLastPara="0" vert="horz" wrap="square" lIns="140392" tIns="140392" rIns="140392" bIns="140392" numCol="1" spcCol="1270" anchor="ctr" anchorCtr="0">
+            <a:noAutofit/>
+          </a:bodyPr>
+          <a:lstStyle/>
+          <a:p>
+            <a:pPr lvl="0" algn="ctr" defTabSz="1200150">
+              <a:lnSpc>
+                <a:spcPct val="90000"/>
+              </a:lnSpc>
+              <a:spcBef>
+                <a:spcPct val="0"/>
+              </a:spcBef>
+              <a:spcAft>
+                <a:spcPct val="35000"/>
+              </a:spcAft>
+            </a:pPr>
+            <a:r>
+              <a:rPr lang="en-US" sz="2700" kern="1200" dirty="0" smtClean="0"/>
+              <a:t>Sources</a:t>
+            </a:r>
+            <a:endParaRPr lang="en-US" sz="2700" kern="1200" dirty="0"/>
+          </a:p>
+        </p:txBody>
+      </p:sp>
       <p:grpSp>
         <p:nvGrpSpPr>
-          <p:cNvPr id="2" name="Group 1"/>
+          <p:cNvPr id="11" name="Group 10"/>
           <p:cNvGrpSpPr/>
           <p:nvPr/>
         </p:nvGrpSpPr>
         <p:grpSpPr>
           <a:xfrm>
-            <a:off x="4166755" y="359542"/>
-            <a:ext cx="7097864" cy="4571197"/>
-            <a:chOff x="2031999" y="359542"/>
-            <a:chExt cx="9232620" cy="5946032"/>
+            <a:off x="8216586" y="583491"/>
+            <a:ext cx="3048033" cy="536997"/>
+            <a:chOff x="4289406" y="1112042"/>
+            <a:chExt cx="5749149" cy="1319213"/>
           </a:xfrm>
         </p:grpSpPr>
         <p:sp>
           <p:nvSpPr>
-            <p:cNvPr id="6" name="Freeform 5"/>
+            <p:cNvPr id="7" name="Freeform 6"/>
+            <p:cNvSpPr/>
+            <p:nvPr/>
+          </p:nvSpPr>
+          <p:spPr>
+            <a:xfrm rot="21557097">
+              <a:off x="4289406" y="1506714"/>
+              <a:ext cx="486352" cy="529526"/>
+            </a:xfrm>
+            <a:custGeom>
+              <a:avLst/>
+              <a:gdLst>
+                <a:gd name="connsiteX0" fmla="*/ 0 w 486352"/>
+                <a:gd name="connsiteY0" fmla="*/ 105905 h 529526"/>
+                <a:gd name="connsiteX1" fmla="*/ 243176 w 486352"/>
+                <a:gd name="connsiteY1" fmla="*/ 105905 h 529526"/>
+                <a:gd name="connsiteX2" fmla="*/ 243176 w 486352"/>
+                <a:gd name="connsiteY2" fmla="*/ 0 h 529526"/>
+                <a:gd name="connsiteX3" fmla="*/ 486352 w 486352"/>
+                <a:gd name="connsiteY3" fmla="*/ 264763 h 529526"/>
+                <a:gd name="connsiteX4" fmla="*/ 243176 w 486352"/>
+                <a:gd name="connsiteY4" fmla="*/ 529526 h 529526"/>
+                <a:gd name="connsiteX5" fmla="*/ 243176 w 486352"/>
+                <a:gd name="connsiteY5" fmla="*/ 423621 h 529526"/>
+                <a:gd name="connsiteX6" fmla="*/ 0 w 486352"/>
+                <a:gd name="connsiteY6" fmla="*/ 423621 h 529526"/>
+                <a:gd name="connsiteX7" fmla="*/ 0 w 486352"/>
+                <a:gd name="connsiteY7" fmla="*/ 105905 h 529526"/>
+              </a:gdLst>
+              <a:ahLst/>
+              <a:cxnLst>
+                <a:cxn ang="0">
+                  <a:pos x="connsiteX0" y="connsiteY0"/>
+                </a:cxn>
+                <a:cxn ang="0">
+                  <a:pos x="connsiteX1" y="connsiteY1"/>
+                </a:cxn>
+                <a:cxn ang="0">
+                  <a:pos x="connsiteX2" y="connsiteY2"/>
+                </a:cxn>
+                <a:cxn ang="0">
+                  <a:pos x="connsiteX3" y="connsiteY3"/>
+                </a:cxn>
+                <a:cxn ang="0">
+                  <a:pos x="connsiteX4" y="connsiteY4"/>
+                </a:cxn>
+                <a:cxn ang="0">
+                  <a:pos x="connsiteX5" y="connsiteY5"/>
+                </a:cxn>
+                <a:cxn ang="0">
+                  <a:pos x="connsiteX6" y="connsiteY6"/>
+                </a:cxn>
+                <a:cxn ang="0">
+                  <a:pos x="connsiteX7" y="connsiteY7"/>
+                </a:cxn>
+              </a:cxnLst>
+              <a:rect l="l" t="t" r="r" b="b"/>
+              <a:pathLst>
+                <a:path w="486352" h="529526">
+                  <a:moveTo>
+                    <a:pt x="0" y="105905"/>
+                  </a:moveTo>
+                  <a:lnTo>
+                    <a:pt x="243176" y="105905"/>
+                  </a:lnTo>
+                  <a:lnTo>
+                    <a:pt x="243176" y="0"/>
+                  </a:lnTo>
+                  <a:lnTo>
+                    <a:pt x="486352" y="264763"/>
+                  </a:lnTo>
+                  <a:lnTo>
+                    <a:pt x="243176" y="529526"/>
+                  </a:lnTo>
+                  <a:lnTo>
+                    <a:pt x="243176" y="423621"/>
+                  </a:lnTo>
+                  <a:lnTo>
+                    <a:pt x="0" y="423621"/>
+                  </a:lnTo>
+                  <a:lnTo>
+                    <a:pt x="0" y="105905"/>
+                  </a:lnTo>
+                  <a:close/>
+                </a:path>
+              </a:pathLst>
+            </a:custGeom>
+            <a:ln>
+              <a:solidFill>
+                <a:schemeClr val="tx1"/>
+              </a:solidFill>
+            </a:ln>
+          </p:spPr>
+          <p:style>
+            <a:lnRef idx="0">
+              <a:schemeClr val="lt1">
+                <a:hueOff val="0"/>
+                <a:satOff val="0"/>
+                <a:lumOff val="0"/>
+                <a:alphaOff val="0"/>
+              </a:schemeClr>
+            </a:lnRef>
+            <a:fillRef idx="2">
+              <a:schemeClr val="accent4">
+                <a:hueOff val="0"/>
+                <a:satOff val="0"/>
+                <a:lumOff val="0"/>
+                <a:alphaOff val="0"/>
+              </a:schemeClr>
+            </a:fillRef>
+            <a:effectRef idx="1">
+              <a:schemeClr val="accent4">
+                <a:hueOff val="0"/>
+                <a:satOff val="0"/>
+                <a:lumOff val="0"/>
+                <a:alphaOff val="0"/>
+              </a:schemeClr>
+            </a:effectRef>
+            <a:fontRef idx="minor">
+              <a:schemeClr val="dk1"/>
+            </a:fontRef>
+          </p:style>
+          <p:txBody>
+            <a:bodyPr spcFirstLastPara="0" vert="horz" wrap="square" lIns="0" tIns="105904" rIns="145905" bIns="105905" numCol="1" spcCol="1270" anchor="ctr" anchorCtr="0">
+              <a:noAutofit/>
+            </a:bodyPr>
+            <a:lstStyle/>
+            <a:p>
+              <a:pPr lvl="0" algn="ctr" defTabSz="977900">
+                <a:lnSpc>
+                  <a:spcPct val="90000"/>
+                </a:lnSpc>
+                <a:spcBef>
+                  <a:spcPct val="0"/>
+                </a:spcBef>
+                <a:spcAft>
+                  <a:spcPct val="35000"/>
+                </a:spcAft>
+              </a:pPr>
+              <a:endParaRPr lang="en-US" sz="2200" kern="1200"/>
+            </a:p>
+          </p:txBody>
+        </p:sp>
+        <p:sp>
+          <p:nvSpPr>
+            <p:cNvPr id="8" name="Freeform 7"/>
             <p:cNvSpPr/>
             <p:nvPr/>
           </p:nvSpPr>
           <p:spPr>
             <a:xfrm>
-              <a:off x="4995601" y="359542"/>
+              <a:off x="4977606" y="1112042"/>
               <a:ext cx="2135187" cy="1281112"/>
             </a:xfrm>
             <a:custGeom>
@@ -12773,7 +13085,7 @@
                 </a:path>
               </a:pathLst>
             </a:custGeom>
-            <a:ln w="9525">
+            <a:ln>
               <a:solidFill>
                 <a:scrgbClr r="0" g="0" b="0"/>
               </a:solidFill>
@@ -12792,17 +13104,17 @@
             </a:lnRef>
             <a:fillRef idx="2">
               <a:schemeClr val="accent4">
-                <a:hueOff val="0"/>
-                <a:satOff val="0"/>
-                <a:lumOff val="0"/>
+                <a:hueOff val="5197846"/>
+                <a:satOff val="-23984"/>
+                <a:lumOff val="883"/>
                 <a:alphaOff val="0"/>
               </a:schemeClr>
             </a:fillRef>
             <a:effectRef idx="1">
               <a:schemeClr val="accent4">
-                <a:hueOff val="0"/>
-                <a:satOff val="0"/>
-                <a:lumOff val="0"/>
+                <a:hueOff val="5197846"/>
+                <a:satOff val="-23984"/>
+                <a:lumOff val="883"/>
                 <a:alphaOff val="0"/>
               </a:schemeClr>
             </a:effectRef>
@@ -12828,728 +13140,208 @@
                 </a:spcAft>
               </a:pPr>
               <a:r>
-                <a:rPr lang="en-US" sz="2700" kern="1200" dirty="0" smtClean="0"/>
-                <a:t>Sources</a:t>
+                <a:rPr lang="en-US" sz="1200" kern="1200" dirty="0" smtClean="0">
+                  <a:ln/>
+                </a:rPr>
+                <a:t>Selection</a:t>
               </a:r>
-              <a:endParaRPr lang="en-US" sz="2700" kern="1200" dirty="0"/>
+              <a:br>
+                <a:rPr lang="en-US" sz="1200" kern="1200" dirty="0" smtClean="0">
+                  <a:ln/>
+                </a:rPr>
+              </a:br>
+              <a:r>
+                <a:rPr lang="en-US" sz="1200" kern="1200" dirty="0" smtClean="0"/>
+                <a:t>and</a:t>
+              </a:r>
+              <a:br>
+                <a:rPr lang="en-US" sz="1200" kern="1200" dirty="0" smtClean="0"/>
+              </a:br>
+              <a:r>
+                <a:rPr lang="en-US" sz="1200" kern="1200" dirty="0" smtClean="0"/>
+                <a:t>ordering</a:t>
+              </a:r>
+              <a:endParaRPr lang="en-US" sz="1200" kern="1200" dirty="0"/>
             </a:p>
           </p:txBody>
         </p:sp>
-        <p:grpSp>
-          <p:nvGrpSpPr>
-            <p:cNvPr id="11" name="Group 10"/>
-            <p:cNvGrpSpPr/>
-            <p:nvPr/>
-          </p:nvGrpSpPr>
-          <p:grpSpPr>
-            <a:xfrm>
-              <a:off x="7299859" y="650846"/>
-              <a:ext cx="3964760" cy="698504"/>
-              <a:chOff x="4289406" y="1112042"/>
-              <a:chExt cx="5749149" cy="1319213"/>
-            </a:xfrm>
-          </p:grpSpPr>
-          <p:sp>
-            <p:nvSpPr>
-              <p:cNvPr id="7" name="Freeform 6"/>
-              <p:cNvSpPr/>
-              <p:nvPr/>
-            </p:nvSpPr>
-            <p:spPr>
-              <a:xfrm rot="21557097">
-                <a:off x="4289406" y="1506714"/>
-                <a:ext cx="486352" cy="529526"/>
-              </a:xfrm>
-              <a:custGeom>
-                <a:avLst/>
-                <a:gdLst>
-                  <a:gd name="connsiteX0" fmla="*/ 0 w 486352"/>
-                  <a:gd name="connsiteY0" fmla="*/ 105905 h 529526"/>
-                  <a:gd name="connsiteX1" fmla="*/ 243176 w 486352"/>
-                  <a:gd name="connsiteY1" fmla="*/ 105905 h 529526"/>
-                  <a:gd name="connsiteX2" fmla="*/ 243176 w 486352"/>
-                  <a:gd name="connsiteY2" fmla="*/ 0 h 529526"/>
-                  <a:gd name="connsiteX3" fmla="*/ 486352 w 486352"/>
-                  <a:gd name="connsiteY3" fmla="*/ 264763 h 529526"/>
-                  <a:gd name="connsiteX4" fmla="*/ 243176 w 486352"/>
-                  <a:gd name="connsiteY4" fmla="*/ 529526 h 529526"/>
-                  <a:gd name="connsiteX5" fmla="*/ 243176 w 486352"/>
-                  <a:gd name="connsiteY5" fmla="*/ 423621 h 529526"/>
-                  <a:gd name="connsiteX6" fmla="*/ 0 w 486352"/>
-                  <a:gd name="connsiteY6" fmla="*/ 423621 h 529526"/>
-                  <a:gd name="connsiteX7" fmla="*/ 0 w 486352"/>
-                  <a:gd name="connsiteY7" fmla="*/ 105905 h 529526"/>
-                </a:gdLst>
-                <a:ahLst/>
-                <a:cxnLst>
-                  <a:cxn ang="0">
-                    <a:pos x="connsiteX0" y="connsiteY0"/>
-                  </a:cxn>
-                  <a:cxn ang="0">
-                    <a:pos x="connsiteX1" y="connsiteY1"/>
-                  </a:cxn>
-                  <a:cxn ang="0">
-                    <a:pos x="connsiteX2" y="connsiteY2"/>
-                  </a:cxn>
-                  <a:cxn ang="0">
-                    <a:pos x="connsiteX3" y="connsiteY3"/>
-                  </a:cxn>
-                  <a:cxn ang="0">
-                    <a:pos x="connsiteX4" y="connsiteY4"/>
-                  </a:cxn>
-                  <a:cxn ang="0">
-                    <a:pos x="connsiteX5" y="connsiteY5"/>
-                  </a:cxn>
-                  <a:cxn ang="0">
-                    <a:pos x="connsiteX6" y="connsiteY6"/>
-                  </a:cxn>
-                  <a:cxn ang="0">
-                    <a:pos x="connsiteX7" y="connsiteY7"/>
-                  </a:cxn>
-                </a:cxnLst>
-                <a:rect l="l" t="t" r="r" b="b"/>
-                <a:pathLst>
-                  <a:path w="486352" h="529526">
-                    <a:moveTo>
-                      <a:pt x="0" y="105905"/>
-                    </a:moveTo>
-                    <a:lnTo>
-                      <a:pt x="243176" y="105905"/>
-                    </a:lnTo>
-                    <a:lnTo>
-                      <a:pt x="243176" y="0"/>
-                    </a:lnTo>
-                    <a:lnTo>
-                      <a:pt x="486352" y="264763"/>
-                    </a:lnTo>
-                    <a:lnTo>
-                      <a:pt x="243176" y="529526"/>
-                    </a:lnTo>
-                    <a:lnTo>
-                      <a:pt x="243176" y="423621"/>
-                    </a:lnTo>
-                    <a:lnTo>
-                      <a:pt x="0" y="423621"/>
-                    </a:lnTo>
-                    <a:lnTo>
-                      <a:pt x="0" y="105905"/>
-                    </a:lnTo>
-                    <a:close/>
-                  </a:path>
-                </a:pathLst>
-              </a:custGeom>
-              <a:ln>
-                <a:solidFill>
-                  <a:schemeClr val="tx1"/>
-                </a:solidFill>
-              </a:ln>
-            </p:spPr>
-            <p:style>
-              <a:lnRef idx="0">
-                <a:schemeClr val="lt1">
-                  <a:hueOff val="0"/>
-                  <a:satOff val="0"/>
-                  <a:lumOff val="0"/>
-                  <a:alphaOff val="0"/>
-                </a:schemeClr>
-              </a:lnRef>
-              <a:fillRef idx="2">
-                <a:schemeClr val="accent4">
-                  <a:hueOff val="0"/>
-                  <a:satOff val="0"/>
-                  <a:lumOff val="0"/>
-                  <a:alphaOff val="0"/>
-                </a:schemeClr>
-              </a:fillRef>
-              <a:effectRef idx="1">
-                <a:schemeClr val="accent4">
-                  <a:hueOff val="0"/>
-                  <a:satOff val="0"/>
-                  <a:lumOff val="0"/>
-                  <a:alphaOff val="0"/>
-                </a:schemeClr>
-              </a:effectRef>
-              <a:fontRef idx="minor">
-                <a:schemeClr val="dk1"/>
-              </a:fontRef>
-            </p:style>
-            <p:txBody>
-              <a:bodyPr spcFirstLastPara="0" vert="horz" wrap="square" lIns="0" tIns="105904" rIns="145905" bIns="105905" numCol="1" spcCol="1270" anchor="ctr" anchorCtr="0">
-                <a:noAutofit/>
-              </a:bodyPr>
-              <a:lstStyle/>
-              <a:p>
-                <a:pPr lvl="0" algn="ctr" defTabSz="977900">
-                  <a:lnSpc>
-                    <a:spcPct val="90000"/>
-                  </a:lnSpc>
-                  <a:spcBef>
-                    <a:spcPct val="0"/>
-                  </a:spcBef>
-                  <a:spcAft>
-                    <a:spcPct val="35000"/>
-                  </a:spcAft>
-                </a:pPr>
-                <a:endParaRPr lang="en-US" sz="2200" kern="1200"/>
-              </a:p>
-            </p:txBody>
-          </p:sp>
-          <p:sp>
-            <p:nvSpPr>
-              <p:cNvPr id="8" name="Freeform 7"/>
-              <p:cNvSpPr/>
-              <p:nvPr/>
-            </p:nvSpPr>
-            <p:spPr>
-              <a:xfrm>
-                <a:off x="4977606" y="1112042"/>
-                <a:ext cx="2135187" cy="1281112"/>
-              </a:xfrm>
-              <a:custGeom>
-                <a:avLst/>
-                <a:gdLst>
-                  <a:gd name="connsiteX0" fmla="*/ 0 w 2135187"/>
-                  <a:gd name="connsiteY0" fmla="*/ 128111 h 1281112"/>
-                  <a:gd name="connsiteX1" fmla="*/ 128111 w 2135187"/>
-                  <a:gd name="connsiteY1" fmla="*/ 0 h 1281112"/>
-                  <a:gd name="connsiteX2" fmla="*/ 2007076 w 2135187"/>
-                  <a:gd name="connsiteY2" fmla="*/ 0 h 1281112"/>
-                  <a:gd name="connsiteX3" fmla="*/ 2135187 w 2135187"/>
-                  <a:gd name="connsiteY3" fmla="*/ 128111 h 1281112"/>
-                  <a:gd name="connsiteX4" fmla="*/ 2135187 w 2135187"/>
-                  <a:gd name="connsiteY4" fmla="*/ 1153001 h 1281112"/>
-                  <a:gd name="connsiteX5" fmla="*/ 2007076 w 2135187"/>
-                  <a:gd name="connsiteY5" fmla="*/ 1281112 h 1281112"/>
-                  <a:gd name="connsiteX6" fmla="*/ 128111 w 2135187"/>
-                  <a:gd name="connsiteY6" fmla="*/ 1281112 h 1281112"/>
-                  <a:gd name="connsiteX7" fmla="*/ 0 w 2135187"/>
-                  <a:gd name="connsiteY7" fmla="*/ 1153001 h 1281112"/>
-                  <a:gd name="connsiteX8" fmla="*/ 0 w 2135187"/>
-                  <a:gd name="connsiteY8" fmla="*/ 128111 h 1281112"/>
-                </a:gdLst>
-                <a:ahLst/>
-                <a:cxnLst>
-                  <a:cxn ang="0">
-                    <a:pos x="connsiteX0" y="connsiteY0"/>
-                  </a:cxn>
-                  <a:cxn ang="0">
-                    <a:pos x="connsiteX1" y="connsiteY1"/>
-                  </a:cxn>
-                  <a:cxn ang="0">
-                    <a:pos x="connsiteX2" y="connsiteY2"/>
-                  </a:cxn>
-                  <a:cxn ang="0">
-                    <a:pos x="connsiteX3" y="connsiteY3"/>
-                  </a:cxn>
-                  <a:cxn ang="0">
-                    <a:pos x="connsiteX4" y="connsiteY4"/>
-                  </a:cxn>
-                  <a:cxn ang="0">
-                    <a:pos x="connsiteX5" y="connsiteY5"/>
-                  </a:cxn>
-                  <a:cxn ang="0">
-                    <a:pos x="connsiteX6" y="connsiteY6"/>
-                  </a:cxn>
-                  <a:cxn ang="0">
-                    <a:pos x="connsiteX7" y="connsiteY7"/>
-                  </a:cxn>
-                  <a:cxn ang="0">
-                    <a:pos x="connsiteX8" y="connsiteY8"/>
-                  </a:cxn>
-                </a:cxnLst>
-                <a:rect l="l" t="t" r="r" b="b"/>
-                <a:pathLst>
-                  <a:path w="2135187" h="1281112">
-                    <a:moveTo>
-                      <a:pt x="0" y="128111"/>
-                    </a:moveTo>
-                    <a:cubicBezTo>
-                      <a:pt x="0" y="57357"/>
-                      <a:pt x="57357" y="0"/>
-                      <a:pt x="128111" y="0"/>
-                    </a:cubicBezTo>
-                    <a:lnTo>
-                      <a:pt x="2007076" y="0"/>
-                    </a:lnTo>
-                    <a:cubicBezTo>
-                      <a:pt x="2077830" y="0"/>
-                      <a:pt x="2135187" y="57357"/>
-                      <a:pt x="2135187" y="128111"/>
-                    </a:cubicBezTo>
-                    <a:lnTo>
-                      <a:pt x="2135187" y="1153001"/>
-                    </a:lnTo>
-                    <a:cubicBezTo>
-                      <a:pt x="2135187" y="1223755"/>
-                      <a:pt x="2077830" y="1281112"/>
-                      <a:pt x="2007076" y="1281112"/>
-                    </a:cubicBezTo>
-                    <a:lnTo>
-                      <a:pt x="128111" y="1281112"/>
-                    </a:lnTo>
-                    <a:cubicBezTo>
-                      <a:pt x="57357" y="1281112"/>
-                      <a:pt x="0" y="1223755"/>
-                      <a:pt x="0" y="1153001"/>
-                    </a:cubicBezTo>
-                    <a:lnTo>
-                      <a:pt x="0" y="128111"/>
-                    </a:lnTo>
-                    <a:close/>
-                  </a:path>
-                </a:pathLst>
-              </a:custGeom>
-              <a:ln>
-                <a:solidFill>
-                  <a:scrgbClr r="0" g="0" b="0"/>
-                </a:solidFill>
-              </a:ln>
-              <a:scene3d>
-                <a:camera prst="orthographicFront"/>
-                <a:lightRig rig="flat" dir="t"/>
-              </a:scene3d>
-              <a:sp3d prstMaterial="dkEdge">
-                <a:bevelT w="8200" h="38100"/>
-              </a:sp3d>
-            </p:spPr>
-            <p:style>
-              <a:lnRef idx="0">
-                <a:scrgbClr r="0" g="0" b="0"/>
-              </a:lnRef>
-              <a:fillRef idx="2">
-                <a:schemeClr val="accent4">
-                  <a:hueOff val="5197846"/>
-                  <a:satOff val="-23984"/>
-                  <a:lumOff val="883"/>
-                  <a:alphaOff val="0"/>
-                </a:schemeClr>
-              </a:fillRef>
-              <a:effectRef idx="1">
-                <a:schemeClr val="accent4">
-                  <a:hueOff val="5197846"/>
-                  <a:satOff val="-23984"/>
-                  <a:lumOff val="883"/>
-                  <a:alphaOff val="0"/>
-                </a:schemeClr>
-              </a:effectRef>
-              <a:fontRef idx="minor">
-                <a:schemeClr val="dk1"/>
-              </a:fontRef>
-            </p:style>
-            <p:txBody>
-              <a:bodyPr spcFirstLastPara="0" vert="horz" wrap="square" lIns="140392" tIns="140392" rIns="140392" bIns="140392" numCol="1" spcCol="1270" anchor="ctr" anchorCtr="0">
-                <a:noAutofit/>
-              </a:bodyPr>
-              <a:lstStyle/>
-              <a:p>
-                <a:pPr lvl="0" algn="ctr" defTabSz="1200150">
-                  <a:lnSpc>
-                    <a:spcPct val="90000"/>
-                  </a:lnSpc>
-                  <a:spcBef>
-                    <a:spcPct val="0"/>
-                  </a:spcBef>
-                  <a:spcAft>
-                    <a:spcPct val="35000"/>
-                  </a:spcAft>
-                </a:pPr>
-                <a:r>
-                  <a:rPr lang="en-US" sz="1200" kern="1200" dirty="0" smtClean="0">
-                    <a:ln/>
-                  </a:rPr>
-                  <a:t>Selection</a:t>
-                </a:r>
-                <a:br>
-                  <a:rPr lang="en-US" sz="1200" kern="1200" dirty="0" smtClean="0">
-                    <a:ln/>
-                  </a:rPr>
-                </a:br>
-                <a:r>
-                  <a:rPr lang="en-US" sz="1200" kern="1200" dirty="0" smtClean="0"/>
-                  <a:t>and</a:t>
-                </a:r>
-                <a:br>
-                  <a:rPr lang="en-US" sz="1200" kern="1200" dirty="0" smtClean="0"/>
-                </a:br>
-                <a:r>
-                  <a:rPr lang="en-US" sz="1200" kern="1200" dirty="0" smtClean="0"/>
-                  <a:t>ordering</a:t>
-                </a:r>
-                <a:endParaRPr lang="en-US" sz="1200" kern="1200" dirty="0"/>
-              </a:p>
-            </p:txBody>
-          </p:sp>
-          <p:sp>
-            <p:nvSpPr>
-              <p:cNvPr id="9" name="Freeform 8"/>
-              <p:cNvSpPr/>
-              <p:nvPr/>
-            </p:nvSpPr>
-            <p:spPr>
-              <a:xfrm rot="44765">
-                <a:off x="7310420" y="1507040"/>
-                <a:ext cx="419040" cy="529526"/>
-              </a:xfrm>
-              <a:custGeom>
-                <a:avLst/>
-                <a:gdLst>
-                  <a:gd name="connsiteX0" fmla="*/ 0 w 419040"/>
-                  <a:gd name="connsiteY0" fmla="*/ 105905 h 529526"/>
-                  <a:gd name="connsiteX1" fmla="*/ 209520 w 419040"/>
-                  <a:gd name="connsiteY1" fmla="*/ 105905 h 529526"/>
-                  <a:gd name="connsiteX2" fmla="*/ 209520 w 419040"/>
-                  <a:gd name="connsiteY2" fmla="*/ 0 h 529526"/>
-                  <a:gd name="connsiteX3" fmla="*/ 419040 w 419040"/>
-                  <a:gd name="connsiteY3" fmla="*/ 264763 h 529526"/>
-                  <a:gd name="connsiteX4" fmla="*/ 209520 w 419040"/>
-                  <a:gd name="connsiteY4" fmla="*/ 529526 h 529526"/>
-                  <a:gd name="connsiteX5" fmla="*/ 209520 w 419040"/>
-                  <a:gd name="connsiteY5" fmla="*/ 423621 h 529526"/>
-                  <a:gd name="connsiteX6" fmla="*/ 0 w 419040"/>
-                  <a:gd name="connsiteY6" fmla="*/ 423621 h 529526"/>
-                  <a:gd name="connsiteX7" fmla="*/ 0 w 419040"/>
-                  <a:gd name="connsiteY7" fmla="*/ 105905 h 529526"/>
-                </a:gdLst>
-                <a:ahLst/>
-                <a:cxnLst>
-                  <a:cxn ang="0">
-                    <a:pos x="connsiteX0" y="connsiteY0"/>
-                  </a:cxn>
-                  <a:cxn ang="0">
-                    <a:pos x="connsiteX1" y="connsiteY1"/>
-                  </a:cxn>
-                  <a:cxn ang="0">
-                    <a:pos x="connsiteX2" y="connsiteY2"/>
-                  </a:cxn>
-                  <a:cxn ang="0">
-                    <a:pos x="connsiteX3" y="connsiteY3"/>
-                  </a:cxn>
-                  <a:cxn ang="0">
-                    <a:pos x="connsiteX4" y="connsiteY4"/>
-                  </a:cxn>
-                  <a:cxn ang="0">
-                    <a:pos x="connsiteX5" y="connsiteY5"/>
-                  </a:cxn>
-                  <a:cxn ang="0">
-                    <a:pos x="connsiteX6" y="connsiteY6"/>
-                  </a:cxn>
-                  <a:cxn ang="0">
-                    <a:pos x="connsiteX7" y="connsiteY7"/>
-                  </a:cxn>
-                </a:cxnLst>
-                <a:rect l="l" t="t" r="r" b="b"/>
-                <a:pathLst>
-                  <a:path w="419040" h="529526">
-                    <a:moveTo>
-                      <a:pt x="0" y="105905"/>
-                    </a:moveTo>
-                    <a:lnTo>
-                      <a:pt x="209520" y="105905"/>
-                    </a:lnTo>
-                    <a:lnTo>
-                      <a:pt x="209520" y="0"/>
-                    </a:lnTo>
-                    <a:lnTo>
-                      <a:pt x="419040" y="264763"/>
-                    </a:lnTo>
-                    <a:lnTo>
-                      <a:pt x="209520" y="529526"/>
-                    </a:lnTo>
-                    <a:lnTo>
-                      <a:pt x="209520" y="423621"/>
-                    </a:lnTo>
-                    <a:lnTo>
-                      <a:pt x="0" y="423621"/>
-                    </a:lnTo>
-                    <a:lnTo>
-                      <a:pt x="0" y="105905"/>
-                    </a:lnTo>
-                    <a:close/>
-                  </a:path>
-                </a:pathLst>
-              </a:custGeom>
-              <a:ln>
-                <a:solidFill>
-                  <a:schemeClr val="tx1"/>
-                </a:solidFill>
-              </a:ln>
-            </p:spPr>
-            <p:style>
-              <a:lnRef idx="0">
-                <a:schemeClr val="lt1">
-                  <a:hueOff val="0"/>
-                  <a:satOff val="0"/>
-                  <a:lumOff val="0"/>
-                  <a:alphaOff val="0"/>
-                </a:schemeClr>
-              </a:lnRef>
-              <a:fillRef idx="2">
-                <a:schemeClr val="accent4">
-                  <a:hueOff val="10395692"/>
-                  <a:satOff val="-47968"/>
-                  <a:lumOff val="1765"/>
-                  <a:alphaOff val="0"/>
-                </a:schemeClr>
-              </a:fillRef>
-              <a:effectRef idx="1">
-                <a:schemeClr val="accent4">
-                  <a:hueOff val="10395692"/>
-                  <a:satOff val="-47968"/>
-                  <a:lumOff val="1765"/>
-                  <a:alphaOff val="0"/>
-                </a:schemeClr>
-              </a:effectRef>
-              <a:fontRef idx="minor">
-                <a:schemeClr val="dk1"/>
-              </a:fontRef>
-            </p:style>
-            <p:txBody>
-              <a:bodyPr spcFirstLastPara="0" vert="horz" wrap="square" lIns="-1" tIns="105905" rIns="125712" bIns="105904" numCol="1" spcCol="1270" anchor="ctr" anchorCtr="0">
-                <a:noAutofit/>
-              </a:bodyPr>
-              <a:lstStyle/>
-              <a:p>
-                <a:pPr lvl="0" algn="ctr" defTabSz="977900">
-                  <a:lnSpc>
-                    <a:spcPct val="90000"/>
-                  </a:lnSpc>
-                  <a:spcBef>
-                    <a:spcPct val="0"/>
-                  </a:spcBef>
-                  <a:spcAft>
-                    <a:spcPct val="35000"/>
-                  </a:spcAft>
-                </a:pPr>
-                <a:endParaRPr lang="en-US" sz="2200" kern="1200"/>
-              </a:p>
-            </p:txBody>
-          </p:sp>
-          <p:sp>
-            <p:nvSpPr>
-              <p:cNvPr id="10" name="Freeform 9"/>
-              <p:cNvSpPr/>
-              <p:nvPr/>
-            </p:nvSpPr>
-            <p:spPr>
-              <a:xfrm>
-                <a:off x="7903368" y="1150143"/>
-                <a:ext cx="2135187" cy="1281112"/>
-              </a:xfrm>
-              <a:custGeom>
-                <a:avLst/>
-                <a:gdLst>
-                  <a:gd name="connsiteX0" fmla="*/ 0 w 2135187"/>
-                  <a:gd name="connsiteY0" fmla="*/ 128111 h 1281112"/>
-                  <a:gd name="connsiteX1" fmla="*/ 128111 w 2135187"/>
-                  <a:gd name="connsiteY1" fmla="*/ 0 h 1281112"/>
-                  <a:gd name="connsiteX2" fmla="*/ 2007076 w 2135187"/>
-                  <a:gd name="connsiteY2" fmla="*/ 0 h 1281112"/>
-                  <a:gd name="connsiteX3" fmla="*/ 2135187 w 2135187"/>
-                  <a:gd name="connsiteY3" fmla="*/ 128111 h 1281112"/>
-                  <a:gd name="connsiteX4" fmla="*/ 2135187 w 2135187"/>
-                  <a:gd name="connsiteY4" fmla="*/ 1153001 h 1281112"/>
-                  <a:gd name="connsiteX5" fmla="*/ 2007076 w 2135187"/>
-                  <a:gd name="connsiteY5" fmla="*/ 1281112 h 1281112"/>
-                  <a:gd name="connsiteX6" fmla="*/ 128111 w 2135187"/>
-                  <a:gd name="connsiteY6" fmla="*/ 1281112 h 1281112"/>
-                  <a:gd name="connsiteX7" fmla="*/ 0 w 2135187"/>
-                  <a:gd name="connsiteY7" fmla="*/ 1153001 h 1281112"/>
-                  <a:gd name="connsiteX8" fmla="*/ 0 w 2135187"/>
-                  <a:gd name="connsiteY8" fmla="*/ 128111 h 1281112"/>
-                </a:gdLst>
-                <a:ahLst/>
-                <a:cxnLst>
-                  <a:cxn ang="0">
-                    <a:pos x="connsiteX0" y="connsiteY0"/>
-                  </a:cxn>
-                  <a:cxn ang="0">
-                    <a:pos x="connsiteX1" y="connsiteY1"/>
-                  </a:cxn>
-                  <a:cxn ang="0">
-                    <a:pos x="connsiteX2" y="connsiteY2"/>
-                  </a:cxn>
-                  <a:cxn ang="0">
-                    <a:pos x="connsiteX3" y="connsiteY3"/>
-                  </a:cxn>
-                  <a:cxn ang="0">
-                    <a:pos x="connsiteX4" y="connsiteY4"/>
-                  </a:cxn>
-                  <a:cxn ang="0">
-                    <a:pos x="connsiteX5" y="connsiteY5"/>
-                  </a:cxn>
-                  <a:cxn ang="0">
-                    <a:pos x="connsiteX6" y="connsiteY6"/>
-                  </a:cxn>
-                  <a:cxn ang="0">
-                    <a:pos x="connsiteX7" y="connsiteY7"/>
-                  </a:cxn>
-                  <a:cxn ang="0">
-                    <a:pos x="connsiteX8" y="connsiteY8"/>
-                  </a:cxn>
-                </a:cxnLst>
-                <a:rect l="l" t="t" r="r" b="b"/>
-                <a:pathLst>
-                  <a:path w="2135187" h="1281112">
-                    <a:moveTo>
-                      <a:pt x="0" y="128111"/>
-                    </a:moveTo>
-                    <a:cubicBezTo>
-                      <a:pt x="0" y="57357"/>
-                      <a:pt x="57357" y="0"/>
-                      <a:pt x="128111" y="0"/>
-                    </a:cubicBezTo>
-                    <a:lnTo>
-                      <a:pt x="2007076" y="0"/>
-                    </a:lnTo>
-                    <a:cubicBezTo>
-                      <a:pt x="2077830" y="0"/>
-                      <a:pt x="2135187" y="57357"/>
-                      <a:pt x="2135187" y="128111"/>
-                    </a:cubicBezTo>
-                    <a:lnTo>
-                      <a:pt x="2135187" y="1153001"/>
-                    </a:lnTo>
-                    <a:cubicBezTo>
-                      <a:pt x="2135187" y="1223755"/>
-                      <a:pt x="2077830" y="1281112"/>
-                      <a:pt x="2007076" y="1281112"/>
-                    </a:cubicBezTo>
-                    <a:lnTo>
-                      <a:pt x="128111" y="1281112"/>
-                    </a:lnTo>
-                    <a:cubicBezTo>
-                      <a:pt x="57357" y="1281112"/>
-                      <a:pt x="0" y="1223755"/>
-                      <a:pt x="0" y="1153001"/>
-                    </a:cubicBezTo>
-                    <a:lnTo>
-                      <a:pt x="0" y="128111"/>
-                    </a:lnTo>
-                    <a:close/>
-                  </a:path>
-                </a:pathLst>
-              </a:custGeom>
-              <a:ln>
-                <a:solidFill>
-                  <a:scrgbClr r="0" g="0" b="0"/>
-                </a:solidFill>
-              </a:ln>
-              <a:scene3d>
-                <a:camera prst="orthographicFront"/>
-                <a:lightRig rig="flat" dir="t"/>
-              </a:scene3d>
-              <a:sp3d prstMaterial="dkEdge">
-                <a:bevelT w="8200" h="38100"/>
-              </a:sp3d>
-            </p:spPr>
-            <p:style>
-              <a:lnRef idx="0">
-                <a:scrgbClr r="0" g="0" b="0"/>
-              </a:lnRef>
-              <a:fillRef idx="2">
-                <a:schemeClr val="accent4">
-                  <a:hueOff val="10395692"/>
-                  <a:satOff val="-47968"/>
-                  <a:lumOff val="1765"/>
-                  <a:alphaOff val="0"/>
-                </a:schemeClr>
-              </a:fillRef>
-              <a:effectRef idx="1">
-                <a:schemeClr val="accent4">
-                  <a:hueOff val="10395692"/>
-                  <a:satOff val="-47968"/>
-                  <a:lumOff val="1765"/>
-                  <a:alphaOff val="0"/>
-                </a:schemeClr>
-              </a:effectRef>
-              <a:fontRef idx="minor">
-                <a:schemeClr val="dk1"/>
-              </a:fontRef>
-            </p:style>
-            <p:txBody>
-              <a:bodyPr spcFirstLastPara="0" vert="horz" wrap="square" lIns="140392" tIns="140392" rIns="140392" bIns="140392" numCol="1" spcCol="1270" anchor="ctr" anchorCtr="0">
-                <a:noAutofit/>
-              </a:bodyPr>
-              <a:lstStyle/>
-              <a:p>
-                <a:pPr lvl="0" algn="ctr" defTabSz="1200150">
-                  <a:lnSpc>
-                    <a:spcPct val="90000"/>
-                  </a:lnSpc>
-                  <a:spcBef>
-                    <a:spcPct val="0"/>
-                  </a:spcBef>
-                  <a:spcAft>
-                    <a:spcPct val="35000"/>
-                  </a:spcAft>
-                </a:pPr>
-                <a:r>
-                  <a:rPr lang="en-US" sz="1200" kern="1200" dirty="0" smtClean="0">
-                    <a:ln/>
-                  </a:rPr>
-                  <a:t>Terminal</a:t>
-                </a:r>
-                <a:br>
-                  <a:rPr lang="en-US" sz="1200" kern="1200" dirty="0" smtClean="0">
-                    <a:ln/>
-                  </a:rPr>
-                </a:br>
-                <a:r>
-                  <a:rPr lang="en-US" sz="1200" kern="1200" dirty="0" smtClean="0">
-                    <a:ln/>
-                  </a:rPr>
-                  <a:t>Form</a:t>
-                </a:r>
-                <a:br>
-                  <a:rPr lang="en-US" sz="1200" kern="1200" dirty="0" smtClean="0">
-                    <a:ln/>
-                  </a:rPr>
-                </a:br>
-                <a:r>
-                  <a:rPr lang="en-US" sz="1200" kern="1200" dirty="0" smtClean="0">
-                    <a:ln/>
-                  </a:rPr>
-                  <a:t>action</a:t>
-                </a:r>
-                <a:endParaRPr lang="en-US" sz="1200" kern="1200" dirty="0">
-                  <a:ln/>
-                </a:endParaRPr>
-              </a:p>
-            </p:txBody>
-          </p:sp>
-        </p:grpSp>
         <p:sp>
           <p:nvSpPr>
-            <p:cNvPr id="17" name="Freeform 16"/>
+            <p:cNvPr id="9" name="Freeform 8"/>
+            <p:cNvSpPr/>
+            <p:nvPr/>
+          </p:nvSpPr>
+          <p:spPr>
+            <a:xfrm rot="44765">
+              <a:off x="7310420" y="1507040"/>
+              <a:ext cx="419040" cy="529526"/>
+            </a:xfrm>
+            <a:custGeom>
+              <a:avLst/>
+              <a:gdLst>
+                <a:gd name="connsiteX0" fmla="*/ 0 w 419040"/>
+                <a:gd name="connsiteY0" fmla="*/ 105905 h 529526"/>
+                <a:gd name="connsiteX1" fmla="*/ 209520 w 419040"/>
+                <a:gd name="connsiteY1" fmla="*/ 105905 h 529526"/>
+                <a:gd name="connsiteX2" fmla="*/ 209520 w 419040"/>
+                <a:gd name="connsiteY2" fmla="*/ 0 h 529526"/>
+                <a:gd name="connsiteX3" fmla="*/ 419040 w 419040"/>
+                <a:gd name="connsiteY3" fmla="*/ 264763 h 529526"/>
+                <a:gd name="connsiteX4" fmla="*/ 209520 w 419040"/>
+                <a:gd name="connsiteY4" fmla="*/ 529526 h 529526"/>
+                <a:gd name="connsiteX5" fmla="*/ 209520 w 419040"/>
+                <a:gd name="connsiteY5" fmla="*/ 423621 h 529526"/>
+                <a:gd name="connsiteX6" fmla="*/ 0 w 419040"/>
+                <a:gd name="connsiteY6" fmla="*/ 423621 h 529526"/>
+                <a:gd name="connsiteX7" fmla="*/ 0 w 419040"/>
+                <a:gd name="connsiteY7" fmla="*/ 105905 h 529526"/>
+              </a:gdLst>
+              <a:ahLst/>
+              <a:cxnLst>
+                <a:cxn ang="0">
+                  <a:pos x="connsiteX0" y="connsiteY0"/>
+                </a:cxn>
+                <a:cxn ang="0">
+                  <a:pos x="connsiteX1" y="connsiteY1"/>
+                </a:cxn>
+                <a:cxn ang="0">
+                  <a:pos x="connsiteX2" y="connsiteY2"/>
+                </a:cxn>
+                <a:cxn ang="0">
+                  <a:pos x="connsiteX3" y="connsiteY3"/>
+                </a:cxn>
+                <a:cxn ang="0">
+                  <a:pos x="connsiteX4" y="connsiteY4"/>
+                </a:cxn>
+                <a:cxn ang="0">
+                  <a:pos x="connsiteX5" y="connsiteY5"/>
+                </a:cxn>
+                <a:cxn ang="0">
+                  <a:pos x="connsiteX6" y="connsiteY6"/>
+                </a:cxn>
+                <a:cxn ang="0">
+                  <a:pos x="connsiteX7" y="connsiteY7"/>
+                </a:cxn>
+              </a:cxnLst>
+              <a:rect l="l" t="t" r="r" b="b"/>
+              <a:pathLst>
+                <a:path w="419040" h="529526">
+                  <a:moveTo>
+                    <a:pt x="0" y="105905"/>
+                  </a:moveTo>
+                  <a:lnTo>
+                    <a:pt x="209520" y="105905"/>
+                  </a:lnTo>
+                  <a:lnTo>
+                    <a:pt x="209520" y="0"/>
+                  </a:lnTo>
+                  <a:lnTo>
+                    <a:pt x="419040" y="264763"/>
+                  </a:lnTo>
+                  <a:lnTo>
+                    <a:pt x="209520" y="529526"/>
+                  </a:lnTo>
+                  <a:lnTo>
+                    <a:pt x="209520" y="423621"/>
+                  </a:lnTo>
+                  <a:lnTo>
+                    <a:pt x="0" y="423621"/>
+                  </a:lnTo>
+                  <a:lnTo>
+                    <a:pt x="0" y="105905"/>
+                  </a:lnTo>
+                  <a:close/>
+                </a:path>
+              </a:pathLst>
+            </a:custGeom>
+            <a:ln>
+              <a:solidFill>
+                <a:schemeClr val="tx1"/>
+              </a:solidFill>
+            </a:ln>
+          </p:spPr>
+          <p:style>
+            <a:lnRef idx="0">
+              <a:schemeClr val="lt1">
+                <a:hueOff val="0"/>
+                <a:satOff val="0"/>
+                <a:lumOff val="0"/>
+                <a:alphaOff val="0"/>
+              </a:schemeClr>
+            </a:lnRef>
+            <a:fillRef idx="2">
+              <a:schemeClr val="accent4">
+                <a:hueOff val="10395692"/>
+                <a:satOff val="-47968"/>
+                <a:lumOff val="1765"/>
+                <a:alphaOff val="0"/>
+              </a:schemeClr>
+            </a:fillRef>
+            <a:effectRef idx="1">
+              <a:schemeClr val="accent4">
+                <a:hueOff val="10395692"/>
+                <a:satOff val="-47968"/>
+                <a:lumOff val="1765"/>
+                <a:alphaOff val="0"/>
+              </a:schemeClr>
+            </a:effectRef>
+            <a:fontRef idx="minor">
+              <a:schemeClr val="dk1"/>
+            </a:fontRef>
+          </p:style>
+          <p:txBody>
+            <a:bodyPr spcFirstLastPara="0" vert="horz" wrap="square" lIns="-1" tIns="105905" rIns="125712" bIns="105904" numCol="1" spcCol="1270" anchor="ctr" anchorCtr="0">
+              <a:noAutofit/>
+            </a:bodyPr>
+            <a:lstStyle/>
+            <a:p>
+              <a:pPr lvl="0" algn="ctr" defTabSz="977900">
+                <a:lnSpc>
+                  <a:spcPct val="90000"/>
+                </a:lnSpc>
+                <a:spcBef>
+                  <a:spcPct val="0"/>
+                </a:spcBef>
+                <a:spcAft>
+                  <a:spcPct val="35000"/>
+                </a:spcAft>
+              </a:pPr>
+              <a:endParaRPr lang="en-US" sz="2200" kern="1200"/>
+            </a:p>
+          </p:txBody>
+        </p:sp>
+        <p:sp>
+          <p:nvSpPr>
+            <p:cNvPr id="10" name="Freeform 9"/>
             <p:cNvSpPr/>
             <p:nvPr/>
           </p:nvSpPr>
           <p:spPr>
             <a:xfrm>
-              <a:off x="2032000" y="2498379"/>
-              <a:ext cx="1869440" cy="838160"/>
+              <a:off x="7903368" y="1150143"/>
+              <a:ext cx="2135187" cy="1281112"/>
             </a:xfrm>
             <a:custGeom>
               <a:avLst/>
               <a:gdLst>
-                <a:gd name="connsiteX0" fmla="*/ 0 w 1869440"/>
-                <a:gd name="connsiteY0" fmla="*/ 139696 h 838160"/>
-                <a:gd name="connsiteX1" fmla="*/ 139696 w 1869440"/>
-                <a:gd name="connsiteY1" fmla="*/ 0 h 838160"/>
-                <a:gd name="connsiteX2" fmla="*/ 1729744 w 1869440"/>
-                <a:gd name="connsiteY2" fmla="*/ 0 h 838160"/>
-                <a:gd name="connsiteX3" fmla="*/ 1869440 w 1869440"/>
-                <a:gd name="connsiteY3" fmla="*/ 139696 h 838160"/>
-                <a:gd name="connsiteX4" fmla="*/ 1869440 w 1869440"/>
-                <a:gd name="connsiteY4" fmla="*/ 698464 h 838160"/>
-                <a:gd name="connsiteX5" fmla="*/ 1729744 w 1869440"/>
-                <a:gd name="connsiteY5" fmla="*/ 838160 h 838160"/>
-                <a:gd name="connsiteX6" fmla="*/ 139696 w 1869440"/>
-                <a:gd name="connsiteY6" fmla="*/ 838160 h 838160"/>
-                <a:gd name="connsiteX7" fmla="*/ 0 w 1869440"/>
-                <a:gd name="connsiteY7" fmla="*/ 698464 h 838160"/>
-                <a:gd name="connsiteX8" fmla="*/ 0 w 1869440"/>
-                <a:gd name="connsiteY8" fmla="*/ 139696 h 838160"/>
+                <a:gd name="connsiteX0" fmla="*/ 0 w 2135187"/>
+                <a:gd name="connsiteY0" fmla="*/ 128111 h 1281112"/>
+                <a:gd name="connsiteX1" fmla="*/ 128111 w 2135187"/>
+                <a:gd name="connsiteY1" fmla="*/ 0 h 1281112"/>
+                <a:gd name="connsiteX2" fmla="*/ 2007076 w 2135187"/>
+                <a:gd name="connsiteY2" fmla="*/ 0 h 1281112"/>
+                <a:gd name="connsiteX3" fmla="*/ 2135187 w 2135187"/>
+                <a:gd name="connsiteY3" fmla="*/ 128111 h 1281112"/>
+                <a:gd name="connsiteX4" fmla="*/ 2135187 w 2135187"/>
+                <a:gd name="connsiteY4" fmla="*/ 1153001 h 1281112"/>
+                <a:gd name="connsiteX5" fmla="*/ 2007076 w 2135187"/>
+                <a:gd name="connsiteY5" fmla="*/ 1281112 h 1281112"/>
+                <a:gd name="connsiteX6" fmla="*/ 128111 w 2135187"/>
+                <a:gd name="connsiteY6" fmla="*/ 1281112 h 1281112"/>
+                <a:gd name="connsiteX7" fmla="*/ 0 w 2135187"/>
+                <a:gd name="connsiteY7" fmla="*/ 1153001 h 1281112"/>
+                <a:gd name="connsiteX8" fmla="*/ 0 w 2135187"/>
+                <a:gd name="connsiteY8" fmla="*/ 128111 h 1281112"/>
               </a:gdLst>
               <a:ahLst/>
               <a:cxnLst>
@@ -13583,73 +13375,90 @@
               </a:cxnLst>
               <a:rect l="l" t="t" r="r" b="b"/>
               <a:pathLst>
-                <a:path w="1869440" h="838160">
+                <a:path w="2135187" h="1281112">
                   <a:moveTo>
-                    <a:pt x="0" y="139696"/>
+                    <a:pt x="0" y="128111"/>
                   </a:moveTo>
                   <a:cubicBezTo>
-                    <a:pt x="0" y="62544"/>
-                    <a:pt x="62544" y="0"/>
-                    <a:pt x="139696" y="0"/>
+                    <a:pt x="0" y="57357"/>
+                    <a:pt x="57357" y="0"/>
+                    <a:pt x="128111" y="0"/>
                   </a:cubicBezTo>
                   <a:lnTo>
-                    <a:pt x="1729744" y="0"/>
+                    <a:pt x="2007076" y="0"/>
                   </a:lnTo>
                   <a:cubicBezTo>
-                    <a:pt x="1806896" y="0"/>
-                    <a:pt x="1869440" y="62544"/>
-                    <a:pt x="1869440" y="139696"/>
+                    <a:pt x="2077830" y="0"/>
+                    <a:pt x="2135187" y="57357"/>
+                    <a:pt x="2135187" y="128111"/>
                   </a:cubicBezTo>
                   <a:lnTo>
-                    <a:pt x="1869440" y="698464"/>
+                    <a:pt x="2135187" y="1153001"/>
                   </a:lnTo>
                   <a:cubicBezTo>
-                    <a:pt x="1869440" y="775616"/>
-                    <a:pt x="1806896" y="838160"/>
-                    <a:pt x="1729744" y="838160"/>
+                    <a:pt x="2135187" y="1223755"/>
+                    <a:pt x="2077830" y="1281112"/>
+                    <a:pt x="2007076" y="1281112"/>
                   </a:cubicBezTo>
                   <a:lnTo>
-                    <a:pt x="139696" y="838160"/>
+                    <a:pt x="128111" y="1281112"/>
                   </a:lnTo>
                   <a:cubicBezTo>
-                    <a:pt x="62544" y="838160"/>
-                    <a:pt x="0" y="775616"/>
-                    <a:pt x="0" y="698464"/>
+                    <a:pt x="57357" y="1281112"/>
+                    <a:pt x="0" y="1223755"/>
+                    <a:pt x="0" y="1153001"/>
                   </a:cubicBezTo>
                   <a:lnTo>
-                    <a:pt x="0" y="139696"/>
+                    <a:pt x="0" y="128111"/>
                   </a:lnTo>
                   <a:close/>
                 </a:path>
               </a:pathLst>
             </a:custGeom>
-            <a:ln w="12700">
+            <a:ln>
               <a:solidFill>
-                <a:schemeClr val="tx1"/>
+                <a:scrgbClr r="0" g="0" b="0"/>
               </a:solidFill>
             </a:ln>
+            <a:scene3d>
+              <a:camera prst="orthographicFront"/>
+              <a:lightRig rig="flat" dir="t"/>
+            </a:scene3d>
+            <a:sp3d prstMaterial="dkEdge">
+              <a:bevelT w="8200" h="38100"/>
+            </a:sp3d>
           </p:spPr>
           <p:style>
-            <a:lnRef idx="1">
-              <a:schemeClr val="accent4"/>
+            <a:lnRef idx="0">
+              <a:scrgbClr r="0" g="0" b="0"/>
             </a:lnRef>
             <a:fillRef idx="2">
-              <a:schemeClr val="accent4"/>
+              <a:schemeClr val="accent4">
+                <a:hueOff val="10395692"/>
+                <a:satOff val="-47968"/>
+                <a:lumOff val="1765"/>
+                <a:alphaOff val="0"/>
+              </a:schemeClr>
             </a:fillRef>
             <a:effectRef idx="1">
-              <a:schemeClr val="accent4"/>
+              <a:schemeClr val="accent4">
+                <a:hueOff val="10395692"/>
+                <a:satOff val="-47968"/>
+                <a:lumOff val="1765"/>
+                <a:alphaOff val="0"/>
+              </a:schemeClr>
             </a:effectRef>
             <a:fontRef idx="minor">
               <a:schemeClr val="dk1"/>
             </a:fontRef>
           </p:style>
           <p:txBody>
-            <a:bodyPr spcFirstLastPara="0" vert="horz" wrap="square" lIns="200936" tIns="120926" rIns="200936" bIns="120926" numCol="1" spcCol="1270" anchor="ctr" anchorCtr="0">
+            <a:bodyPr spcFirstLastPara="0" vert="horz" wrap="square" lIns="140392" tIns="140392" rIns="140392" bIns="140392" numCol="1" spcCol="1270" anchor="ctr" anchorCtr="0">
               <a:noAutofit/>
             </a:bodyPr>
             <a:lstStyle/>
             <a:p>
-              <a:pPr lvl="0" algn="ctr" defTabSz="1866900">
+              <a:pPr lvl="0" algn="ctr" defTabSz="1200150">
                 <a:lnSpc>
                   <a:spcPct val="90000"/>
                 </a:lnSpc>
@@ -13661,1168 +13470,1725 @@
                 </a:spcAft>
               </a:pPr>
               <a:r>
-                <a:rPr lang="en-US" sz="2400" dirty="0" smtClean="0">
-                  <a:ln w="12700">
-                    <a:noFill/>
-                  </a:ln>
+                <a:rPr lang="en-US" sz="1200" kern="1200" dirty="0" smtClean="0">
+                  <a:ln/>
                 </a:rPr>
-                <a:t>CAS</a:t>
+                <a:t>Terminal</a:t>
               </a:r>
-              <a:endParaRPr lang="en-US" sz="2400" kern="1200" dirty="0">
-                <a:ln w="12700">
-                  <a:noFill/>
-                </a:ln>
+              <a:br>
+                <a:rPr lang="en-US" sz="1200" kern="1200" dirty="0" smtClean="0">
+                  <a:ln/>
+                </a:rPr>
+              </a:br>
+              <a:r>
+                <a:rPr lang="en-US" sz="1200" kern="1200" dirty="0" smtClean="0">
+                  <a:ln/>
+                </a:rPr>
+                <a:t>Form</a:t>
+              </a:r>
+              <a:br>
+                <a:rPr lang="en-US" sz="1200" kern="1200" dirty="0" smtClean="0">
+                  <a:ln/>
+                </a:rPr>
+              </a:br>
+              <a:r>
+                <a:rPr lang="en-US" sz="1200" kern="1200" dirty="0" smtClean="0">
+                  <a:ln/>
+                </a:rPr>
+                <a:t>action</a:t>
+              </a:r>
+              <a:endParaRPr lang="en-US" sz="1200" kern="1200" dirty="0">
+                <a:ln/>
               </a:endParaRPr>
             </a:p>
           </p:txBody>
         </p:sp>
-        <p:sp>
-          <p:nvSpPr>
-            <p:cNvPr id="19" name="Freeform 18"/>
-            <p:cNvSpPr/>
-            <p:nvPr/>
-          </p:nvSpPr>
-          <p:spPr>
-            <a:xfrm>
-              <a:off x="2032000" y="3416403"/>
-              <a:ext cx="1869440" cy="838160"/>
-            </a:xfrm>
-            <a:custGeom>
-              <a:avLst/>
-              <a:gdLst>
-                <a:gd name="connsiteX0" fmla="*/ 0 w 1869440"/>
-                <a:gd name="connsiteY0" fmla="*/ 139696 h 838160"/>
-                <a:gd name="connsiteX1" fmla="*/ 139696 w 1869440"/>
-                <a:gd name="connsiteY1" fmla="*/ 0 h 838160"/>
-                <a:gd name="connsiteX2" fmla="*/ 1729744 w 1869440"/>
-                <a:gd name="connsiteY2" fmla="*/ 0 h 838160"/>
-                <a:gd name="connsiteX3" fmla="*/ 1869440 w 1869440"/>
-                <a:gd name="connsiteY3" fmla="*/ 139696 h 838160"/>
-                <a:gd name="connsiteX4" fmla="*/ 1869440 w 1869440"/>
-                <a:gd name="connsiteY4" fmla="*/ 698464 h 838160"/>
-                <a:gd name="connsiteX5" fmla="*/ 1729744 w 1869440"/>
-                <a:gd name="connsiteY5" fmla="*/ 838160 h 838160"/>
-                <a:gd name="connsiteX6" fmla="*/ 139696 w 1869440"/>
-                <a:gd name="connsiteY6" fmla="*/ 838160 h 838160"/>
-                <a:gd name="connsiteX7" fmla="*/ 0 w 1869440"/>
-                <a:gd name="connsiteY7" fmla="*/ 698464 h 838160"/>
-                <a:gd name="connsiteX8" fmla="*/ 0 w 1869440"/>
-                <a:gd name="connsiteY8" fmla="*/ 139696 h 838160"/>
-              </a:gdLst>
-              <a:ahLst/>
-              <a:cxnLst>
-                <a:cxn ang="0">
-                  <a:pos x="connsiteX0" y="connsiteY0"/>
-                </a:cxn>
-                <a:cxn ang="0">
-                  <a:pos x="connsiteX1" y="connsiteY1"/>
-                </a:cxn>
-                <a:cxn ang="0">
-                  <a:pos x="connsiteX2" y="connsiteY2"/>
-                </a:cxn>
-                <a:cxn ang="0">
-                  <a:pos x="connsiteX3" y="connsiteY3"/>
-                </a:cxn>
-                <a:cxn ang="0">
-                  <a:pos x="connsiteX4" y="connsiteY4"/>
-                </a:cxn>
-                <a:cxn ang="0">
-                  <a:pos x="connsiteX5" y="connsiteY5"/>
-                </a:cxn>
-                <a:cxn ang="0">
-                  <a:pos x="connsiteX6" y="connsiteY6"/>
-                </a:cxn>
-                <a:cxn ang="0">
-                  <a:pos x="connsiteX7" y="connsiteY7"/>
-                </a:cxn>
-                <a:cxn ang="0">
-                  <a:pos x="connsiteX8" y="connsiteY8"/>
-                </a:cxn>
-              </a:cxnLst>
-              <a:rect l="l" t="t" r="r" b="b"/>
-              <a:pathLst>
-                <a:path w="1869440" h="838160">
-                  <a:moveTo>
-                    <a:pt x="0" y="139696"/>
-                  </a:moveTo>
-                  <a:cubicBezTo>
-                    <a:pt x="0" y="62544"/>
-                    <a:pt x="62544" y="0"/>
-                    <a:pt x="139696" y="0"/>
-                  </a:cubicBezTo>
-                  <a:lnTo>
-                    <a:pt x="1729744" y="0"/>
-                  </a:lnTo>
-                  <a:cubicBezTo>
-                    <a:pt x="1806896" y="0"/>
-                    <a:pt x="1869440" y="62544"/>
-                    <a:pt x="1869440" y="139696"/>
-                  </a:cubicBezTo>
-                  <a:lnTo>
-                    <a:pt x="1869440" y="698464"/>
-                  </a:lnTo>
-                  <a:cubicBezTo>
-                    <a:pt x="1869440" y="775616"/>
-                    <a:pt x="1806896" y="838160"/>
-                    <a:pt x="1729744" y="838160"/>
-                  </a:cubicBezTo>
-                  <a:lnTo>
-                    <a:pt x="139696" y="838160"/>
-                  </a:lnTo>
-                  <a:cubicBezTo>
-                    <a:pt x="62544" y="838160"/>
-                    <a:pt x="0" y="775616"/>
-                    <a:pt x="0" y="698464"/>
-                  </a:cubicBezTo>
-                  <a:lnTo>
-                    <a:pt x="0" y="139696"/>
-                  </a:lnTo>
-                  <a:close/>
-                </a:path>
-              </a:pathLst>
-            </a:custGeom>
-            <a:ln w="12700">
-              <a:solidFill>
-                <a:schemeClr val="tx1"/>
-              </a:solidFill>
-            </a:ln>
-          </p:spPr>
-          <p:style>
-            <a:lnRef idx="1">
-              <a:schemeClr val="accent4"/>
-            </a:lnRef>
-            <a:fillRef idx="2">
-              <a:schemeClr val="accent4"/>
-            </a:fillRef>
-            <a:effectRef idx="1">
-              <a:schemeClr val="accent4"/>
-            </a:effectRef>
-            <a:fontRef idx="minor">
-              <a:schemeClr val="dk1"/>
-            </a:fontRef>
-          </p:style>
-          <p:txBody>
-            <a:bodyPr spcFirstLastPara="0" vert="horz" wrap="square" lIns="200936" tIns="120926" rIns="200936" bIns="120926" numCol="1" spcCol="1270" anchor="ctr" anchorCtr="0">
-              <a:noAutofit/>
-            </a:bodyPr>
-            <a:lstStyle/>
-            <a:p>
-              <a:pPr lvl="0" algn="ctr" defTabSz="1866900">
-                <a:lnSpc>
-                  <a:spcPct val="90000"/>
-                </a:lnSpc>
-                <a:spcBef>
-                  <a:spcPct val="0"/>
-                </a:spcBef>
-                <a:spcAft>
-                  <a:spcPct val="35000"/>
-                </a:spcAft>
-              </a:pPr>
-              <a:r>
-                <a:rPr lang="en-US" sz="2400" kern="1200" dirty="0" smtClean="0">
-                  <a:ln w="12700">
-                    <a:noFill/>
-                  </a:ln>
-                </a:rPr>
-                <a:t>Index</a:t>
-              </a:r>
-              <a:endParaRPr lang="en-US" sz="2400" kern="1200" dirty="0">
+      </p:grpSp>
+      <p:sp>
+        <p:nvSpPr>
+          <p:cNvPr id="17" name="Freeform 16"/>
+          <p:cNvSpPr/>
+          <p:nvPr/>
+        </p:nvSpPr>
+        <p:spPr>
+          <a:xfrm>
+            <a:off x="4166756" y="2003839"/>
+            <a:ext cx="1437190" cy="644362"/>
+          </a:xfrm>
+          <a:custGeom>
+            <a:avLst/>
+            <a:gdLst>
+              <a:gd name="connsiteX0" fmla="*/ 0 w 1869440"/>
+              <a:gd name="connsiteY0" fmla="*/ 139696 h 838160"/>
+              <a:gd name="connsiteX1" fmla="*/ 139696 w 1869440"/>
+              <a:gd name="connsiteY1" fmla="*/ 0 h 838160"/>
+              <a:gd name="connsiteX2" fmla="*/ 1729744 w 1869440"/>
+              <a:gd name="connsiteY2" fmla="*/ 0 h 838160"/>
+              <a:gd name="connsiteX3" fmla="*/ 1869440 w 1869440"/>
+              <a:gd name="connsiteY3" fmla="*/ 139696 h 838160"/>
+              <a:gd name="connsiteX4" fmla="*/ 1869440 w 1869440"/>
+              <a:gd name="connsiteY4" fmla="*/ 698464 h 838160"/>
+              <a:gd name="connsiteX5" fmla="*/ 1729744 w 1869440"/>
+              <a:gd name="connsiteY5" fmla="*/ 838160 h 838160"/>
+              <a:gd name="connsiteX6" fmla="*/ 139696 w 1869440"/>
+              <a:gd name="connsiteY6" fmla="*/ 838160 h 838160"/>
+              <a:gd name="connsiteX7" fmla="*/ 0 w 1869440"/>
+              <a:gd name="connsiteY7" fmla="*/ 698464 h 838160"/>
+              <a:gd name="connsiteX8" fmla="*/ 0 w 1869440"/>
+              <a:gd name="connsiteY8" fmla="*/ 139696 h 838160"/>
+            </a:gdLst>
+            <a:ahLst/>
+            <a:cxnLst>
+              <a:cxn ang="0">
+                <a:pos x="connsiteX0" y="connsiteY0"/>
+              </a:cxn>
+              <a:cxn ang="0">
+                <a:pos x="connsiteX1" y="connsiteY1"/>
+              </a:cxn>
+              <a:cxn ang="0">
+                <a:pos x="connsiteX2" y="connsiteY2"/>
+              </a:cxn>
+              <a:cxn ang="0">
+                <a:pos x="connsiteX3" y="connsiteY3"/>
+              </a:cxn>
+              <a:cxn ang="0">
+                <a:pos x="connsiteX4" y="connsiteY4"/>
+              </a:cxn>
+              <a:cxn ang="0">
+                <a:pos x="connsiteX5" y="connsiteY5"/>
+              </a:cxn>
+              <a:cxn ang="0">
+                <a:pos x="connsiteX6" y="connsiteY6"/>
+              </a:cxn>
+              <a:cxn ang="0">
+                <a:pos x="connsiteX7" y="connsiteY7"/>
+              </a:cxn>
+              <a:cxn ang="0">
+                <a:pos x="connsiteX8" y="connsiteY8"/>
+              </a:cxn>
+            </a:cxnLst>
+            <a:rect l="l" t="t" r="r" b="b"/>
+            <a:pathLst>
+              <a:path w="1869440" h="838160">
+                <a:moveTo>
+                  <a:pt x="0" y="139696"/>
+                </a:moveTo>
+                <a:cubicBezTo>
+                  <a:pt x="0" y="62544"/>
+                  <a:pt x="62544" y="0"/>
+                  <a:pt x="139696" y="0"/>
+                </a:cubicBezTo>
+                <a:lnTo>
+                  <a:pt x="1729744" y="0"/>
+                </a:lnTo>
+                <a:cubicBezTo>
+                  <a:pt x="1806896" y="0"/>
+                  <a:pt x="1869440" y="62544"/>
+                  <a:pt x="1869440" y="139696"/>
+                </a:cubicBezTo>
+                <a:lnTo>
+                  <a:pt x="1869440" y="698464"/>
+                </a:lnTo>
+                <a:cubicBezTo>
+                  <a:pt x="1869440" y="775616"/>
+                  <a:pt x="1806896" y="838160"/>
+                  <a:pt x="1729744" y="838160"/>
+                </a:cubicBezTo>
+                <a:lnTo>
+                  <a:pt x="139696" y="838160"/>
+                </a:lnTo>
+                <a:cubicBezTo>
+                  <a:pt x="62544" y="838160"/>
+                  <a:pt x="0" y="775616"/>
+                  <a:pt x="0" y="698464"/>
+                </a:cubicBezTo>
+                <a:lnTo>
+                  <a:pt x="0" y="139696"/>
+                </a:lnTo>
+                <a:close/>
+              </a:path>
+            </a:pathLst>
+          </a:custGeom>
+          <a:gradFill flip="none" rotWithShape="1">
+            <a:gsLst>
+              <a:gs pos="0">
+                <a:srgbClr val="FFAF99">
+                  <a:alpha val="48000"/>
+                  <a:lumMod val="54000"/>
+                  <a:lumOff val="46000"/>
+                </a:srgbClr>
+              </a:gs>
+              <a:gs pos="100000">
+                <a:srgbClr val="FFAF99"/>
+              </a:gs>
+            </a:gsLst>
+            <a:lin ang="2700000" scaled="1"/>
+            <a:tileRect/>
+          </a:gradFill>
+          <a:ln w="12700">
+            <a:solidFill>
+              <a:schemeClr val="tx1"/>
+            </a:solidFill>
+          </a:ln>
+        </p:spPr>
+        <p:style>
+          <a:lnRef idx="1">
+            <a:schemeClr val="accent4"/>
+          </a:lnRef>
+          <a:fillRef idx="2">
+            <a:schemeClr val="accent4"/>
+          </a:fillRef>
+          <a:effectRef idx="1">
+            <a:schemeClr val="accent4"/>
+          </a:effectRef>
+          <a:fontRef idx="minor">
+            <a:schemeClr val="dk1"/>
+          </a:fontRef>
+        </p:style>
+        <p:txBody>
+          <a:bodyPr spcFirstLastPara="0" vert="horz" wrap="square" lIns="200936" tIns="120926" rIns="200936" bIns="120926" numCol="1" spcCol="1270" anchor="ctr" anchorCtr="0">
+            <a:noAutofit/>
+          </a:bodyPr>
+          <a:lstStyle/>
+          <a:p>
+            <a:pPr lvl="0" algn="ctr" defTabSz="1866900">
+              <a:lnSpc>
+                <a:spcPct val="90000"/>
+              </a:lnSpc>
+              <a:spcBef>
+                <a:spcPct val="0"/>
+              </a:spcBef>
+              <a:spcAft>
+                <a:spcPct val="35000"/>
+              </a:spcAft>
+            </a:pPr>
+            <a:r>
+              <a:rPr lang="en-US" sz="2400" dirty="0" smtClean="0">
                 <a:ln w="12700">
                   <a:noFill/>
                 </a:ln>
-              </a:endParaRPr>
-            </a:p>
-          </p:txBody>
-        </p:sp>
-        <p:sp>
-          <p:nvSpPr>
-            <p:cNvPr id="21" name="Freeform 20"/>
-            <p:cNvSpPr/>
-            <p:nvPr/>
-          </p:nvSpPr>
-          <p:spPr>
-            <a:xfrm>
-              <a:off x="2032000" y="4557377"/>
-              <a:ext cx="1869440" cy="838160"/>
-            </a:xfrm>
-            <a:custGeom>
-              <a:avLst/>
-              <a:gdLst>
-                <a:gd name="connsiteX0" fmla="*/ 0 w 1869440"/>
-                <a:gd name="connsiteY0" fmla="*/ 139696 h 838160"/>
-                <a:gd name="connsiteX1" fmla="*/ 139696 w 1869440"/>
-                <a:gd name="connsiteY1" fmla="*/ 0 h 838160"/>
-                <a:gd name="connsiteX2" fmla="*/ 1729744 w 1869440"/>
-                <a:gd name="connsiteY2" fmla="*/ 0 h 838160"/>
-                <a:gd name="connsiteX3" fmla="*/ 1869440 w 1869440"/>
-                <a:gd name="connsiteY3" fmla="*/ 139696 h 838160"/>
-                <a:gd name="connsiteX4" fmla="*/ 1869440 w 1869440"/>
-                <a:gd name="connsiteY4" fmla="*/ 698464 h 838160"/>
-                <a:gd name="connsiteX5" fmla="*/ 1729744 w 1869440"/>
-                <a:gd name="connsiteY5" fmla="*/ 838160 h 838160"/>
-                <a:gd name="connsiteX6" fmla="*/ 139696 w 1869440"/>
-                <a:gd name="connsiteY6" fmla="*/ 838160 h 838160"/>
-                <a:gd name="connsiteX7" fmla="*/ 0 w 1869440"/>
-                <a:gd name="connsiteY7" fmla="*/ 698464 h 838160"/>
-                <a:gd name="connsiteX8" fmla="*/ 0 w 1869440"/>
-                <a:gd name="connsiteY8" fmla="*/ 139696 h 838160"/>
-              </a:gdLst>
-              <a:ahLst/>
-              <a:cxnLst>
-                <a:cxn ang="0">
-                  <a:pos x="connsiteX0" y="connsiteY0"/>
-                </a:cxn>
-                <a:cxn ang="0">
-                  <a:pos x="connsiteX1" y="connsiteY1"/>
-                </a:cxn>
-                <a:cxn ang="0">
-                  <a:pos x="connsiteX2" y="connsiteY2"/>
-                </a:cxn>
-                <a:cxn ang="0">
-                  <a:pos x="connsiteX3" y="connsiteY3"/>
-                </a:cxn>
-                <a:cxn ang="0">
-                  <a:pos x="connsiteX4" y="connsiteY4"/>
-                </a:cxn>
-                <a:cxn ang="0">
-                  <a:pos x="connsiteX5" y="connsiteY5"/>
-                </a:cxn>
-                <a:cxn ang="0">
-                  <a:pos x="connsiteX6" y="connsiteY6"/>
-                </a:cxn>
-                <a:cxn ang="0">
-                  <a:pos x="connsiteX7" y="connsiteY7"/>
-                </a:cxn>
-                <a:cxn ang="0">
-                  <a:pos x="connsiteX8" y="connsiteY8"/>
-                </a:cxn>
-              </a:cxnLst>
-              <a:rect l="l" t="t" r="r" b="b"/>
-              <a:pathLst>
-                <a:path w="1869440" h="838160">
-                  <a:moveTo>
-                    <a:pt x="0" y="139696"/>
-                  </a:moveTo>
-                  <a:cubicBezTo>
-                    <a:pt x="0" y="62544"/>
-                    <a:pt x="62544" y="0"/>
-                    <a:pt x="139696" y="0"/>
-                  </a:cubicBezTo>
-                  <a:lnTo>
-                    <a:pt x="1729744" y="0"/>
-                  </a:lnTo>
-                  <a:cubicBezTo>
-                    <a:pt x="1806896" y="0"/>
-                    <a:pt x="1869440" y="62544"/>
-                    <a:pt x="1869440" y="139696"/>
-                  </a:cubicBezTo>
-                  <a:lnTo>
-                    <a:pt x="1869440" y="698464"/>
-                  </a:lnTo>
-                  <a:cubicBezTo>
-                    <a:pt x="1869440" y="775616"/>
-                    <a:pt x="1806896" y="838160"/>
-                    <a:pt x="1729744" y="838160"/>
-                  </a:cubicBezTo>
-                  <a:lnTo>
-                    <a:pt x="139696" y="838160"/>
-                  </a:lnTo>
-                  <a:cubicBezTo>
-                    <a:pt x="62544" y="838160"/>
-                    <a:pt x="0" y="775616"/>
-                    <a:pt x="0" y="698464"/>
-                  </a:cubicBezTo>
-                  <a:lnTo>
-                    <a:pt x="0" y="139696"/>
-                  </a:lnTo>
-                  <a:close/>
-                </a:path>
-              </a:pathLst>
-            </a:custGeom>
-            <a:ln w="12700">
-              <a:solidFill>
-                <a:schemeClr val="tx1"/>
-              </a:solidFill>
-            </a:ln>
-          </p:spPr>
-          <p:style>
-            <a:lnRef idx="1">
-              <a:schemeClr val="accent4"/>
-            </a:lnRef>
-            <a:fillRef idx="2">
-              <a:schemeClr val="accent4"/>
-            </a:fillRef>
-            <a:effectRef idx="1">
-              <a:schemeClr val="accent4"/>
-            </a:effectRef>
-            <a:fontRef idx="minor">
-              <a:schemeClr val="dk1"/>
-            </a:fontRef>
-          </p:style>
-          <p:txBody>
-            <a:bodyPr spcFirstLastPara="0" vert="horz" wrap="square" lIns="200936" tIns="120926" rIns="200936" bIns="120926" numCol="1" spcCol="1270" anchor="ctr" anchorCtr="0">
-              <a:noAutofit/>
-            </a:bodyPr>
-            <a:lstStyle/>
-            <a:p>
-              <a:pPr lvl="0" algn="ctr" defTabSz="1866900">
-                <a:lnSpc>
-                  <a:spcPct val="90000"/>
-                </a:lnSpc>
-                <a:spcBef>
-                  <a:spcPct val="0"/>
-                </a:spcBef>
-                <a:spcAft>
-                  <a:spcPct val="35000"/>
-                </a:spcAft>
-              </a:pPr>
-              <a:r>
-                <a:rPr lang="en-US" sz="2400" kern="1200" dirty="0" err="1" smtClean="0">
-                  <a:ln w="12700">
-                    <a:noFill/>
-                  </a:ln>
-                </a:rPr>
-                <a:t>FSArray</a:t>
-              </a:r>
-              <a:endParaRPr lang="en-US" sz="2400" kern="1200" dirty="0">
+              </a:rPr>
+              <a:t>CAS</a:t>
+            </a:r>
+            <a:endParaRPr lang="en-US" sz="2400" kern="1200" dirty="0">
+              <a:ln w="12700">
+                <a:noFill/>
+              </a:ln>
+            </a:endParaRPr>
+          </a:p>
+        </p:txBody>
+      </p:sp>
+      <p:sp>
+        <p:nvSpPr>
+          <p:cNvPr id="19" name="Freeform 18"/>
+          <p:cNvSpPr/>
+          <p:nvPr/>
+        </p:nvSpPr>
+        <p:spPr>
+          <a:xfrm>
+            <a:off x="4166756" y="2709599"/>
+            <a:ext cx="1437190" cy="644362"/>
+          </a:xfrm>
+          <a:custGeom>
+            <a:avLst/>
+            <a:gdLst>
+              <a:gd name="connsiteX0" fmla="*/ 0 w 1869440"/>
+              <a:gd name="connsiteY0" fmla="*/ 139696 h 838160"/>
+              <a:gd name="connsiteX1" fmla="*/ 139696 w 1869440"/>
+              <a:gd name="connsiteY1" fmla="*/ 0 h 838160"/>
+              <a:gd name="connsiteX2" fmla="*/ 1729744 w 1869440"/>
+              <a:gd name="connsiteY2" fmla="*/ 0 h 838160"/>
+              <a:gd name="connsiteX3" fmla="*/ 1869440 w 1869440"/>
+              <a:gd name="connsiteY3" fmla="*/ 139696 h 838160"/>
+              <a:gd name="connsiteX4" fmla="*/ 1869440 w 1869440"/>
+              <a:gd name="connsiteY4" fmla="*/ 698464 h 838160"/>
+              <a:gd name="connsiteX5" fmla="*/ 1729744 w 1869440"/>
+              <a:gd name="connsiteY5" fmla="*/ 838160 h 838160"/>
+              <a:gd name="connsiteX6" fmla="*/ 139696 w 1869440"/>
+              <a:gd name="connsiteY6" fmla="*/ 838160 h 838160"/>
+              <a:gd name="connsiteX7" fmla="*/ 0 w 1869440"/>
+              <a:gd name="connsiteY7" fmla="*/ 698464 h 838160"/>
+              <a:gd name="connsiteX8" fmla="*/ 0 w 1869440"/>
+              <a:gd name="connsiteY8" fmla="*/ 139696 h 838160"/>
+            </a:gdLst>
+            <a:ahLst/>
+            <a:cxnLst>
+              <a:cxn ang="0">
+                <a:pos x="connsiteX0" y="connsiteY0"/>
+              </a:cxn>
+              <a:cxn ang="0">
+                <a:pos x="connsiteX1" y="connsiteY1"/>
+              </a:cxn>
+              <a:cxn ang="0">
+                <a:pos x="connsiteX2" y="connsiteY2"/>
+              </a:cxn>
+              <a:cxn ang="0">
+                <a:pos x="connsiteX3" y="connsiteY3"/>
+              </a:cxn>
+              <a:cxn ang="0">
+                <a:pos x="connsiteX4" y="connsiteY4"/>
+              </a:cxn>
+              <a:cxn ang="0">
+                <a:pos x="connsiteX5" y="connsiteY5"/>
+              </a:cxn>
+              <a:cxn ang="0">
+                <a:pos x="connsiteX6" y="connsiteY6"/>
+              </a:cxn>
+              <a:cxn ang="0">
+                <a:pos x="connsiteX7" y="connsiteY7"/>
+              </a:cxn>
+              <a:cxn ang="0">
+                <a:pos x="connsiteX8" y="connsiteY8"/>
+              </a:cxn>
+            </a:cxnLst>
+            <a:rect l="l" t="t" r="r" b="b"/>
+            <a:pathLst>
+              <a:path w="1869440" h="838160">
+                <a:moveTo>
+                  <a:pt x="0" y="139696"/>
+                </a:moveTo>
+                <a:cubicBezTo>
+                  <a:pt x="0" y="62544"/>
+                  <a:pt x="62544" y="0"/>
+                  <a:pt x="139696" y="0"/>
+                </a:cubicBezTo>
+                <a:lnTo>
+                  <a:pt x="1729744" y="0"/>
+                </a:lnTo>
+                <a:cubicBezTo>
+                  <a:pt x="1806896" y="0"/>
+                  <a:pt x="1869440" y="62544"/>
+                  <a:pt x="1869440" y="139696"/>
+                </a:cubicBezTo>
+                <a:lnTo>
+                  <a:pt x="1869440" y="698464"/>
+                </a:lnTo>
+                <a:cubicBezTo>
+                  <a:pt x="1869440" y="775616"/>
+                  <a:pt x="1806896" y="838160"/>
+                  <a:pt x="1729744" y="838160"/>
+                </a:cubicBezTo>
+                <a:lnTo>
+                  <a:pt x="139696" y="838160"/>
+                </a:lnTo>
+                <a:cubicBezTo>
+                  <a:pt x="62544" y="838160"/>
+                  <a:pt x="0" y="775616"/>
+                  <a:pt x="0" y="698464"/>
+                </a:cubicBezTo>
+                <a:lnTo>
+                  <a:pt x="0" y="139696"/>
+                </a:lnTo>
+                <a:close/>
+              </a:path>
+            </a:pathLst>
+          </a:custGeom>
+          <a:gradFill flip="none" rotWithShape="1">
+            <a:gsLst>
+              <a:gs pos="0">
+                <a:srgbClr val="FFFF00">
+                  <a:lumMod val="48000"/>
+                  <a:lumOff val="52000"/>
+                  <a:alpha val="52000"/>
+                </a:srgbClr>
+              </a:gs>
+              <a:gs pos="100000">
+                <a:srgbClr val="FFFF00"/>
+              </a:gs>
+            </a:gsLst>
+            <a:lin ang="2700000" scaled="1"/>
+            <a:tileRect/>
+          </a:gradFill>
+          <a:ln w="12700">
+            <a:solidFill>
+              <a:schemeClr val="tx1"/>
+            </a:solidFill>
+          </a:ln>
+        </p:spPr>
+        <p:style>
+          <a:lnRef idx="1">
+            <a:schemeClr val="accent4"/>
+          </a:lnRef>
+          <a:fillRef idx="2">
+            <a:schemeClr val="accent4"/>
+          </a:fillRef>
+          <a:effectRef idx="1">
+            <a:schemeClr val="accent4"/>
+          </a:effectRef>
+          <a:fontRef idx="minor">
+            <a:schemeClr val="dk1"/>
+          </a:fontRef>
+        </p:style>
+        <p:txBody>
+          <a:bodyPr spcFirstLastPara="0" vert="horz" wrap="square" lIns="200936" tIns="120926" rIns="200936" bIns="120926" numCol="1" spcCol="1270" anchor="ctr" anchorCtr="0">
+            <a:noAutofit/>
+          </a:bodyPr>
+          <a:lstStyle/>
+          <a:p>
+            <a:pPr lvl="0" algn="ctr" defTabSz="1866900">
+              <a:lnSpc>
+                <a:spcPct val="90000"/>
+              </a:lnSpc>
+              <a:spcBef>
+                <a:spcPct val="0"/>
+              </a:spcBef>
+              <a:spcAft>
+                <a:spcPct val="35000"/>
+              </a:spcAft>
+            </a:pPr>
+            <a:r>
+              <a:rPr lang="en-US" sz="2400" kern="1200" dirty="0" smtClean="0">
                 <a:ln w="12700">
                   <a:noFill/>
                 </a:ln>
-              </a:endParaRPr>
-            </a:p>
-          </p:txBody>
-        </p:sp>
-        <p:sp>
-          <p:nvSpPr>
-            <p:cNvPr id="22" name="Freeform 21"/>
-            <p:cNvSpPr/>
-            <p:nvPr/>
-          </p:nvSpPr>
-          <p:spPr>
-            <a:xfrm>
-              <a:off x="5099164" y="3219243"/>
-              <a:ext cx="4806836" cy="2176294"/>
-            </a:xfrm>
-            <a:custGeom>
-              <a:avLst/>
-              <a:gdLst>
-                <a:gd name="connsiteX0" fmla="*/ 0 w 1869440"/>
-                <a:gd name="connsiteY0" fmla="*/ 139696 h 838160"/>
-                <a:gd name="connsiteX1" fmla="*/ 139696 w 1869440"/>
-                <a:gd name="connsiteY1" fmla="*/ 0 h 838160"/>
-                <a:gd name="connsiteX2" fmla="*/ 1729744 w 1869440"/>
-                <a:gd name="connsiteY2" fmla="*/ 0 h 838160"/>
-                <a:gd name="connsiteX3" fmla="*/ 1869440 w 1869440"/>
-                <a:gd name="connsiteY3" fmla="*/ 139696 h 838160"/>
-                <a:gd name="connsiteX4" fmla="*/ 1869440 w 1869440"/>
-                <a:gd name="connsiteY4" fmla="*/ 698464 h 838160"/>
-                <a:gd name="connsiteX5" fmla="*/ 1729744 w 1869440"/>
-                <a:gd name="connsiteY5" fmla="*/ 838160 h 838160"/>
-                <a:gd name="connsiteX6" fmla="*/ 139696 w 1869440"/>
-                <a:gd name="connsiteY6" fmla="*/ 838160 h 838160"/>
-                <a:gd name="connsiteX7" fmla="*/ 0 w 1869440"/>
-                <a:gd name="connsiteY7" fmla="*/ 698464 h 838160"/>
-                <a:gd name="connsiteX8" fmla="*/ 0 w 1869440"/>
-                <a:gd name="connsiteY8" fmla="*/ 139696 h 838160"/>
-              </a:gdLst>
-              <a:ahLst/>
-              <a:cxnLst>
-                <a:cxn ang="0">
-                  <a:pos x="connsiteX0" y="connsiteY0"/>
-                </a:cxn>
-                <a:cxn ang="0">
-                  <a:pos x="connsiteX1" y="connsiteY1"/>
-                </a:cxn>
-                <a:cxn ang="0">
-                  <a:pos x="connsiteX2" y="connsiteY2"/>
-                </a:cxn>
-                <a:cxn ang="0">
-                  <a:pos x="connsiteX3" y="connsiteY3"/>
-                </a:cxn>
-                <a:cxn ang="0">
-                  <a:pos x="connsiteX4" y="connsiteY4"/>
-                </a:cxn>
-                <a:cxn ang="0">
-                  <a:pos x="connsiteX5" y="connsiteY5"/>
-                </a:cxn>
-                <a:cxn ang="0">
-                  <a:pos x="connsiteX6" y="connsiteY6"/>
-                </a:cxn>
-                <a:cxn ang="0">
-                  <a:pos x="connsiteX7" y="connsiteY7"/>
-                </a:cxn>
-                <a:cxn ang="0">
-                  <a:pos x="connsiteX8" y="connsiteY8"/>
-                </a:cxn>
-              </a:cxnLst>
-              <a:rect l="l" t="t" r="r" b="b"/>
-              <a:pathLst>
-                <a:path w="1869440" h="838160">
-                  <a:moveTo>
-                    <a:pt x="0" y="139696"/>
-                  </a:moveTo>
-                  <a:cubicBezTo>
-                    <a:pt x="0" y="62544"/>
-                    <a:pt x="62544" y="0"/>
-                    <a:pt x="139696" y="0"/>
-                  </a:cubicBezTo>
-                  <a:lnTo>
-                    <a:pt x="1729744" y="0"/>
-                  </a:lnTo>
-                  <a:cubicBezTo>
-                    <a:pt x="1806896" y="0"/>
-                    <a:pt x="1869440" y="62544"/>
-                    <a:pt x="1869440" y="139696"/>
-                  </a:cubicBezTo>
-                  <a:lnTo>
-                    <a:pt x="1869440" y="698464"/>
-                  </a:lnTo>
-                  <a:cubicBezTo>
-                    <a:pt x="1869440" y="775616"/>
-                    <a:pt x="1806896" y="838160"/>
-                    <a:pt x="1729744" y="838160"/>
-                  </a:cubicBezTo>
-                  <a:lnTo>
-                    <a:pt x="139696" y="838160"/>
-                  </a:lnTo>
-                  <a:cubicBezTo>
-                    <a:pt x="62544" y="838160"/>
-                    <a:pt x="0" y="775616"/>
-                    <a:pt x="0" y="698464"/>
-                  </a:cubicBezTo>
-                  <a:lnTo>
-                    <a:pt x="0" y="139696"/>
-                  </a:lnTo>
-                  <a:close/>
-                </a:path>
-              </a:pathLst>
-            </a:custGeom>
-            <a:gradFill>
-              <a:gsLst>
-                <a:gs pos="0">
-                  <a:schemeClr val="accent2">
-                    <a:satMod val="105000"/>
-                    <a:tint val="67000"/>
-                    <a:alpha val="56000"/>
-                    <a:lumMod val="81000"/>
-                    <a:lumOff val="19000"/>
-                  </a:schemeClr>
-                </a:gs>
-                <a:gs pos="45000">
-                  <a:schemeClr val="accent2">
-                    <a:satMod val="103000"/>
-                    <a:tint val="73000"/>
-                    <a:lumMod val="90000"/>
-                    <a:lumOff val="10000"/>
-                    <a:alpha val="60000"/>
-                  </a:schemeClr>
-                </a:gs>
-                <a:gs pos="100000">
-                  <a:schemeClr val="accent2">
-                    <a:satMod val="109000"/>
-                    <a:tint val="81000"/>
-                    <a:alpha val="54000"/>
-                    <a:lumMod val="100000"/>
-                  </a:schemeClr>
-                </a:gs>
-              </a:gsLst>
-            </a:gradFill>
-            <a:ln>
-              <a:solidFill>
-                <a:schemeClr val="tx1"/>
-              </a:solidFill>
-            </a:ln>
-          </p:spPr>
-          <p:style>
-            <a:lnRef idx="1">
-              <a:schemeClr val="accent2"/>
-            </a:lnRef>
-            <a:fillRef idx="2">
-              <a:schemeClr val="accent2"/>
-            </a:fillRef>
-            <a:effectRef idx="1">
-              <a:schemeClr val="accent2"/>
-            </a:effectRef>
-            <a:fontRef idx="minor">
-              <a:schemeClr val="dk1"/>
-            </a:fontRef>
-          </p:style>
-          <p:txBody>
-            <a:bodyPr spcFirstLastPara="0" vert="horz" wrap="square" lIns="200936" tIns="120926" rIns="200936" bIns="120926" numCol="1" spcCol="1270" anchor="ctr" anchorCtr="0">
-              <a:noAutofit/>
-            </a:bodyPr>
-            <a:lstStyle/>
-            <a:p>
-              <a:pPr lvl="0" defTabSz="1866900">
-                <a:lnSpc>
-                  <a:spcPct val="90000"/>
-                </a:lnSpc>
-                <a:spcBef>
-                  <a:spcPct val="0"/>
-                </a:spcBef>
-                <a:spcAft>
-                  <a:spcPct val="35000"/>
-                </a:spcAft>
-              </a:pPr>
-              <a:r>
-                <a:rPr lang="en-US" sz="1600" dirty="0" smtClean="0">
-                  <a:ln w="12700">
-                    <a:noFill/>
-                  </a:ln>
-                </a:rPr>
-                <a:t>Type:</a:t>
-              </a:r>
-            </a:p>
-            <a:p>
-              <a:pPr defTabSz="1866900">
-                <a:lnSpc>
-                  <a:spcPct val="90000"/>
-                </a:lnSpc>
-                <a:spcBef>
-                  <a:spcPct val="0"/>
-                </a:spcBef>
-                <a:spcAft>
-                  <a:spcPct val="35000"/>
-                </a:spcAft>
-              </a:pPr>
-              <a:r>
-                <a:rPr lang="en-US" sz="1600" dirty="0" smtClean="0">
-                  <a:ln w="12700">
-                    <a:noFill/>
-                  </a:ln>
-                </a:rPr>
-                <a:t>- (omitted)   </a:t>
-              </a:r>
-              <a:r>
-                <a:rPr lang="en-US" sz="1600" dirty="0">
-                  <a:ln w="12700">
-                    <a:noFill/>
-                  </a:ln>
-                </a:rPr>
-                <a:t> </a:t>
-              </a:r>
-              <a:r>
-                <a:rPr lang="en-US" sz="1600" dirty="0" smtClean="0">
-                  <a:ln w="12700">
-                    <a:noFill/>
-                  </a:ln>
-                </a:rPr>
-                <a:t> </a:t>
-              </a:r>
-              <a:r>
-                <a:rPr lang="en-US" sz="1600" dirty="0" err="1" smtClean="0">
-                  <a:ln w="12700">
-                    <a:noFill/>
-                  </a:ln>
-                </a:rPr>
-                <a:t>xx.select</a:t>
-              </a:r>
-              <a:r>
-                <a:rPr lang="en-US" sz="1600" dirty="0" smtClean="0">
-                  <a:ln w="12700">
-                    <a:noFill/>
-                  </a:ln>
-                </a:rPr>
-                <a:t>()</a:t>
-              </a:r>
-              <a:br>
-                <a:rPr lang="en-US" sz="1600" dirty="0" smtClean="0">
-                  <a:ln w="12700">
-                    <a:noFill/>
-                  </a:ln>
-                </a:rPr>
-              </a:br>
-              <a:r>
-                <a:rPr lang="en-US" sz="1600" dirty="0" smtClean="0">
-                  <a:ln w="12700">
-                    <a:noFill/>
-                  </a:ln>
-                </a:rPr>
-                <a:t>-</a:t>
-              </a:r>
-              <a:r>
-                <a:rPr lang="en-US" sz="1600" kern="1200" dirty="0" smtClean="0">
-                  <a:ln w="12700">
-                    <a:noFill/>
-                  </a:ln>
-                </a:rPr>
-                <a:t> Class           </a:t>
-              </a:r>
-              <a:r>
-                <a:rPr lang="en-US" sz="1600" dirty="0">
-                  <a:ln w="12700">
-                    <a:noFill/>
-                  </a:ln>
-                </a:rPr>
-                <a:t> </a:t>
-              </a:r>
-              <a:r>
-                <a:rPr lang="en-US" sz="1600" dirty="0" smtClean="0">
-                  <a:ln w="12700">
-                    <a:noFill/>
-                  </a:ln>
-                </a:rPr>
-                <a:t> </a:t>
-              </a:r>
-              <a:r>
-                <a:rPr lang="en-US" sz="1600" kern="1200" dirty="0" err="1" smtClean="0">
-                  <a:ln w="12700">
-                    <a:noFill/>
-                  </a:ln>
-                </a:rPr>
-                <a:t>xx.select</a:t>
-              </a:r>
-              <a:r>
-                <a:rPr lang="en-US" sz="1600" kern="1200" dirty="0" smtClean="0">
-                  <a:ln w="12700">
-                    <a:noFill/>
-                  </a:ln>
-                </a:rPr>
-                <a:t>(</a:t>
-              </a:r>
-              <a:r>
-                <a:rPr lang="en-US" sz="1600" kern="1200" dirty="0" err="1" smtClean="0">
-                  <a:ln w="12700">
-                    <a:noFill/>
-                  </a:ln>
-                </a:rPr>
-                <a:t>Token.class</a:t>
-              </a:r>
-              <a:r>
-                <a:rPr lang="en-US" sz="1600" kern="1200" dirty="0" smtClean="0">
-                  <a:ln w="12700">
-                    <a:noFill/>
-                  </a:ln>
-                </a:rPr>
-                <a:t>)</a:t>
-              </a:r>
-              <a:br>
-                <a:rPr lang="en-US" sz="1600" kern="1200" dirty="0" smtClean="0">
-                  <a:ln w="12700">
-                    <a:noFill/>
-                  </a:ln>
-                </a:rPr>
-              </a:br>
-              <a:r>
-                <a:rPr lang="en-US" sz="1600" kern="1200" dirty="0" smtClean="0">
-                  <a:ln w="12700">
-                    <a:noFill/>
-                  </a:ln>
-                </a:rPr>
-                <a:t>- </a:t>
-              </a:r>
-              <a:r>
-                <a:rPr lang="en-US" sz="1600" dirty="0" err="1" smtClean="0">
-                  <a:ln w="12700">
-                    <a:noFill/>
-                  </a:ln>
-                </a:rPr>
-                <a:t>uima_Type</a:t>
-              </a:r>
-              <a:r>
-                <a:rPr lang="en-US" sz="1600" dirty="0" smtClean="0">
-                  <a:ln w="12700">
-                    <a:noFill/>
-                  </a:ln>
-                </a:rPr>
-                <a:t>  </a:t>
-              </a:r>
-              <a:r>
-                <a:rPr lang="en-US" sz="1600" dirty="0" err="1" smtClean="0">
-                  <a:ln w="12700">
-                    <a:noFill/>
-                  </a:ln>
-                </a:rPr>
-                <a:t>xx.select</a:t>
-              </a:r>
-              <a:r>
-                <a:rPr lang="en-US" sz="1600" dirty="0" smtClean="0">
-                  <a:ln w="12700">
-                    <a:noFill/>
-                  </a:ln>
-                </a:rPr>
-                <a:t>(token)</a:t>
-              </a:r>
-              <a:br>
-                <a:rPr lang="en-US" sz="1600" dirty="0" smtClean="0">
-                  <a:ln w="12700">
-                    <a:noFill/>
-                  </a:ln>
-                </a:rPr>
-              </a:br>
-              <a:r>
-                <a:rPr lang="en-US" sz="1600" dirty="0" smtClean="0">
-                  <a:ln w="12700">
-                    <a:noFill/>
-                  </a:ln>
-                </a:rPr>
-                <a:t>- </a:t>
-              </a:r>
-              <a:r>
-                <a:rPr lang="en-US" sz="1600" dirty="0" err="1" smtClean="0">
-                  <a:ln w="12700">
-                    <a:noFill/>
-                  </a:ln>
-                </a:rPr>
-                <a:t>JCas.type</a:t>
-              </a:r>
-              <a:r>
-                <a:rPr lang="en-US" sz="1600" dirty="0" smtClean="0">
-                  <a:ln w="12700">
-                    <a:noFill/>
-                  </a:ln>
-                </a:rPr>
-                <a:t>     </a:t>
-              </a:r>
-              <a:r>
-                <a:rPr lang="en-US" sz="1600" dirty="0" err="1" smtClean="0">
-                  <a:ln w="12700">
-                    <a:noFill/>
-                  </a:ln>
-                </a:rPr>
-                <a:t>xx.select</a:t>
-              </a:r>
-              <a:r>
-                <a:rPr lang="en-US" sz="1600" dirty="0" smtClean="0">
-                  <a:ln w="12700">
-                    <a:noFill/>
-                  </a:ln>
-                </a:rPr>
-                <a:t>(</a:t>
-              </a:r>
-              <a:r>
-                <a:rPr lang="en-US" sz="1600" dirty="0" err="1" smtClean="0">
-                  <a:ln w="12700">
-                    <a:noFill/>
-                  </a:ln>
-                </a:rPr>
-                <a:t>Token.type</a:t>
-              </a:r>
-              <a:r>
-                <a:rPr lang="en-US" sz="1600" dirty="0" smtClean="0">
-                  <a:ln w="12700">
-                    <a:noFill/>
-                  </a:ln>
-                </a:rPr>
-                <a:t>)</a:t>
-              </a:r>
-              <a:r>
-                <a:rPr lang="en-US" sz="1600" kern="1200" dirty="0" smtClean="0">
-                  <a:ln w="12700">
-                    <a:noFill/>
-                  </a:ln>
-                </a:rPr>
-                <a:t/>
-              </a:r>
-              <a:br>
-                <a:rPr lang="en-US" sz="1600" kern="1200" dirty="0" smtClean="0">
-                  <a:ln w="12700">
-                    <a:noFill/>
-                  </a:ln>
-                </a:rPr>
-              </a:br>
-              <a:r>
-                <a:rPr lang="en-US" sz="1600" kern="1200" dirty="0" smtClean="0">
-                  <a:ln w="12700">
-                    <a:noFill/>
-                  </a:ln>
-                </a:rPr>
-                <a:t>- </a:t>
-              </a:r>
-              <a:r>
-                <a:rPr lang="en-US" sz="1600" dirty="0" smtClean="0">
-                  <a:ln w="12700">
-                    <a:noFill/>
-                  </a:ln>
-                </a:rPr>
-                <a:t>“name”        </a:t>
-              </a:r>
-              <a:r>
-                <a:rPr lang="en-US" sz="1600" dirty="0" err="1" smtClean="0">
-                  <a:ln w="12700">
-                    <a:noFill/>
-                  </a:ln>
-                </a:rPr>
-                <a:t>xx.select</a:t>
-              </a:r>
-              <a:r>
-                <a:rPr lang="en-US" sz="1600" dirty="0" smtClean="0">
-                  <a:ln w="12700">
-                    <a:noFill/>
-                  </a:ln>
-                </a:rPr>
-                <a:t>(“</a:t>
-              </a:r>
-              <a:r>
-                <a:rPr lang="en-US" sz="1600" dirty="0" err="1" smtClean="0">
-                  <a:ln w="12700">
-                    <a:noFill/>
-                  </a:ln>
-                </a:rPr>
-                <a:t>pkg.Token</a:t>
-              </a:r>
-              <a:r>
-                <a:rPr lang="en-US" sz="1600" dirty="0" smtClean="0">
-                  <a:ln w="12700">
-                    <a:noFill/>
-                  </a:ln>
-                </a:rPr>
-                <a:t>”)</a:t>
-              </a:r>
-              <a:endParaRPr lang="en-US" sz="1600" kern="1200" dirty="0">
+              </a:rPr>
+              <a:t>Index</a:t>
+            </a:r>
+            <a:endParaRPr lang="en-US" sz="2400" kern="1200" dirty="0">
+              <a:ln w="12700">
+                <a:noFill/>
+              </a:ln>
+            </a:endParaRPr>
+          </a:p>
+        </p:txBody>
+      </p:sp>
+      <p:sp>
+        <p:nvSpPr>
+          <p:cNvPr id="21" name="Freeform 20"/>
+          <p:cNvSpPr/>
+          <p:nvPr/>
+        </p:nvSpPr>
+        <p:spPr>
+          <a:xfrm>
+            <a:off x="5974957" y="3244109"/>
+            <a:ext cx="1437190" cy="1038301"/>
+          </a:xfrm>
+          <a:custGeom>
+            <a:avLst/>
+            <a:gdLst>
+              <a:gd name="connsiteX0" fmla="*/ 0 w 1869440"/>
+              <a:gd name="connsiteY0" fmla="*/ 139696 h 838160"/>
+              <a:gd name="connsiteX1" fmla="*/ 139696 w 1869440"/>
+              <a:gd name="connsiteY1" fmla="*/ 0 h 838160"/>
+              <a:gd name="connsiteX2" fmla="*/ 1729744 w 1869440"/>
+              <a:gd name="connsiteY2" fmla="*/ 0 h 838160"/>
+              <a:gd name="connsiteX3" fmla="*/ 1869440 w 1869440"/>
+              <a:gd name="connsiteY3" fmla="*/ 139696 h 838160"/>
+              <a:gd name="connsiteX4" fmla="*/ 1869440 w 1869440"/>
+              <a:gd name="connsiteY4" fmla="*/ 698464 h 838160"/>
+              <a:gd name="connsiteX5" fmla="*/ 1729744 w 1869440"/>
+              <a:gd name="connsiteY5" fmla="*/ 838160 h 838160"/>
+              <a:gd name="connsiteX6" fmla="*/ 139696 w 1869440"/>
+              <a:gd name="connsiteY6" fmla="*/ 838160 h 838160"/>
+              <a:gd name="connsiteX7" fmla="*/ 0 w 1869440"/>
+              <a:gd name="connsiteY7" fmla="*/ 698464 h 838160"/>
+              <a:gd name="connsiteX8" fmla="*/ 0 w 1869440"/>
+              <a:gd name="connsiteY8" fmla="*/ 139696 h 838160"/>
+            </a:gdLst>
+            <a:ahLst/>
+            <a:cxnLst>
+              <a:cxn ang="0">
+                <a:pos x="connsiteX0" y="connsiteY0"/>
+              </a:cxn>
+              <a:cxn ang="0">
+                <a:pos x="connsiteX1" y="connsiteY1"/>
+              </a:cxn>
+              <a:cxn ang="0">
+                <a:pos x="connsiteX2" y="connsiteY2"/>
+              </a:cxn>
+              <a:cxn ang="0">
+                <a:pos x="connsiteX3" y="connsiteY3"/>
+              </a:cxn>
+              <a:cxn ang="0">
+                <a:pos x="connsiteX4" y="connsiteY4"/>
+              </a:cxn>
+              <a:cxn ang="0">
+                <a:pos x="connsiteX5" y="connsiteY5"/>
+              </a:cxn>
+              <a:cxn ang="0">
+                <a:pos x="connsiteX6" y="connsiteY6"/>
+              </a:cxn>
+              <a:cxn ang="0">
+                <a:pos x="connsiteX7" y="connsiteY7"/>
+              </a:cxn>
+              <a:cxn ang="0">
+                <a:pos x="connsiteX8" y="connsiteY8"/>
+              </a:cxn>
+            </a:cxnLst>
+            <a:rect l="l" t="t" r="r" b="b"/>
+            <a:pathLst>
+              <a:path w="1869440" h="838160">
+                <a:moveTo>
+                  <a:pt x="0" y="139696"/>
+                </a:moveTo>
+                <a:cubicBezTo>
+                  <a:pt x="0" y="62544"/>
+                  <a:pt x="62544" y="0"/>
+                  <a:pt x="139696" y="0"/>
+                </a:cubicBezTo>
+                <a:lnTo>
+                  <a:pt x="1729744" y="0"/>
+                </a:lnTo>
+                <a:cubicBezTo>
+                  <a:pt x="1806896" y="0"/>
+                  <a:pt x="1869440" y="62544"/>
+                  <a:pt x="1869440" y="139696"/>
+                </a:cubicBezTo>
+                <a:lnTo>
+                  <a:pt x="1869440" y="698464"/>
+                </a:lnTo>
+                <a:cubicBezTo>
+                  <a:pt x="1869440" y="775616"/>
+                  <a:pt x="1806896" y="838160"/>
+                  <a:pt x="1729744" y="838160"/>
+                </a:cubicBezTo>
+                <a:lnTo>
+                  <a:pt x="139696" y="838160"/>
+                </a:lnTo>
+                <a:cubicBezTo>
+                  <a:pt x="62544" y="838160"/>
+                  <a:pt x="0" y="775616"/>
+                  <a:pt x="0" y="698464"/>
+                </a:cubicBezTo>
+                <a:lnTo>
+                  <a:pt x="0" y="139696"/>
+                </a:lnTo>
+                <a:close/>
+              </a:path>
+            </a:pathLst>
+          </a:custGeom>
+          <a:gradFill flip="none" rotWithShape="1">
+            <a:gsLst>
+              <a:gs pos="0">
+                <a:srgbClr val="00B050">
+                  <a:lumMod val="53000"/>
+                  <a:lumOff val="47000"/>
+                  <a:alpha val="52000"/>
+                </a:srgbClr>
+              </a:gs>
+              <a:gs pos="100000">
+                <a:srgbClr val="00B050"/>
+              </a:gs>
+            </a:gsLst>
+            <a:lin ang="2700000" scaled="1"/>
+            <a:tileRect/>
+          </a:gradFill>
+          <a:ln w="12700">
+            <a:solidFill>
+              <a:schemeClr val="tx1"/>
+            </a:solidFill>
+          </a:ln>
+        </p:spPr>
+        <p:style>
+          <a:lnRef idx="1">
+            <a:schemeClr val="accent4"/>
+          </a:lnRef>
+          <a:fillRef idx="2">
+            <a:schemeClr val="accent4"/>
+          </a:fillRef>
+          <a:effectRef idx="1">
+            <a:schemeClr val="accent4"/>
+          </a:effectRef>
+          <a:fontRef idx="minor">
+            <a:schemeClr val="dk1"/>
+          </a:fontRef>
+        </p:style>
+        <p:txBody>
+          <a:bodyPr spcFirstLastPara="0" vert="horz" wrap="square" lIns="200936" tIns="120926" rIns="200936" bIns="120926" numCol="1" spcCol="1270" anchor="ctr" anchorCtr="0">
+            <a:noAutofit/>
+          </a:bodyPr>
+          <a:lstStyle/>
+          <a:p>
+            <a:pPr lvl="0" algn="ctr" defTabSz="1866900">
+              <a:lnSpc>
+                <a:spcPct val="90000"/>
+              </a:lnSpc>
+              <a:spcBef>
+                <a:spcPct val="0"/>
+              </a:spcBef>
+              <a:spcAft>
+                <a:spcPct val="35000"/>
+              </a:spcAft>
+            </a:pPr>
+            <a:r>
+              <a:rPr lang="en-US" kern="1200" dirty="0" err="1" smtClean="0">
                 <a:ln w="12700">
                   <a:noFill/>
                 </a:ln>
-              </a:endParaRPr>
-            </a:p>
-          </p:txBody>
-        </p:sp>
-        <p:sp>
-          <p:nvSpPr>
-            <p:cNvPr id="23" name="Freeform 22"/>
-            <p:cNvSpPr/>
-            <p:nvPr/>
-          </p:nvSpPr>
-          <p:spPr>
-            <a:xfrm>
-              <a:off x="2031999" y="5467414"/>
-              <a:ext cx="1869440" cy="838160"/>
-            </a:xfrm>
-            <a:custGeom>
-              <a:avLst/>
-              <a:gdLst>
-                <a:gd name="connsiteX0" fmla="*/ 0 w 1869440"/>
-                <a:gd name="connsiteY0" fmla="*/ 139696 h 838160"/>
-                <a:gd name="connsiteX1" fmla="*/ 139696 w 1869440"/>
-                <a:gd name="connsiteY1" fmla="*/ 0 h 838160"/>
-                <a:gd name="connsiteX2" fmla="*/ 1729744 w 1869440"/>
-                <a:gd name="connsiteY2" fmla="*/ 0 h 838160"/>
-                <a:gd name="connsiteX3" fmla="*/ 1869440 w 1869440"/>
-                <a:gd name="connsiteY3" fmla="*/ 139696 h 838160"/>
-                <a:gd name="connsiteX4" fmla="*/ 1869440 w 1869440"/>
-                <a:gd name="connsiteY4" fmla="*/ 698464 h 838160"/>
-                <a:gd name="connsiteX5" fmla="*/ 1729744 w 1869440"/>
-                <a:gd name="connsiteY5" fmla="*/ 838160 h 838160"/>
-                <a:gd name="connsiteX6" fmla="*/ 139696 w 1869440"/>
-                <a:gd name="connsiteY6" fmla="*/ 838160 h 838160"/>
-                <a:gd name="connsiteX7" fmla="*/ 0 w 1869440"/>
-                <a:gd name="connsiteY7" fmla="*/ 698464 h 838160"/>
-                <a:gd name="connsiteX8" fmla="*/ 0 w 1869440"/>
-                <a:gd name="connsiteY8" fmla="*/ 139696 h 838160"/>
-              </a:gdLst>
-              <a:ahLst/>
-              <a:cxnLst>
-                <a:cxn ang="0">
-                  <a:pos x="connsiteX0" y="connsiteY0"/>
-                </a:cxn>
-                <a:cxn ang="0">
-                  <a:pos x="connsiteX1" y="connsiteY1"/>
-                </a:cxn>
-                <a:cxn ang="0">
-                  <a:pos x="connsiteX2" y="connsiteY2"/>
-                </a:cxn>
-                <a:cxn ang="0">
-                  <a:pos x="connsiteX3" y="connsiteY3"/>
-                </a:cxn>
-                <a:cxn ang="0">
-                  <a:pos x="connsiteX4" y="connsiteY4"/>
-                </a:cxn>
-                <a:cxn ang="0">
-                  <a:pos x="connsiteX5" y="connsiteY5"/>
-                </a:cxn>
-                <a:cxn ang="0">
-                  <a:pos x="connsiteX6" y="connsiteY6"/>
-                </a:cxn>
-                <a:cxn ang="0">
-                  <a:pos x="connsiteX7" y="connsiteY7"/>
-                </a:cxn>
-                <a:cxn ang="0">
-                  <a:pos x="connsiteX8" y="connsiteY8"/>
-                </a:cxn>
-              </a:cxnLst>
-              <a:rect l="l" t="t" r="r" b="b"/>
-              <a:pathLst>
-                <a:path w="1869440" h="838160">
-                  <a:moveTo>
-                    <a:pt x="0" y="139696"/>
-                  </a:moveTo>
-                  <a:cubicBezTo>
-                    <a:pt x="0" y="62544"/>
-                    <a:pt x="62544" y="0"/>
-                    <a:pt x="139696" y="0"/>
-                  </a:cubicBezTo>
-                  <a:lnTo>
-                    <a:pt x="1729744" y="0"/>
-                  </a:lnTo>
-                  <a:cubicBezTo>
-                    <a:pt x="1806896" y="0"/>
-                    <a:pt x="1869440" y="62544"/>
-                    <a:pt x="1869440" y="139696"/>
-                  </a:cubicBezTo>
-                  <a:lnTo>
-                    <a:pt x="1869440" y="698464"/>
-                  </a:lnTo>
-                  <a:cubicBezTo>
-                    <a:pt x="1869440" y="775616"/>
-                    <a:pt x="1806896" y="838160"/>
-                    <a:pt x="1729744" y="838160"/>
-                  </a:cubicBezTo>
-                  <a:lnTo>
-                    <a:pt x="139696" y="838160"/>
-                  </a:lnTo>
-                  <a:cubicBezTo>
-                    <a:pt x="62544" y="838160"/>
-                    <a:pt x="0" y="775616"/>
-                    <a:pt x="0" y="698464"/>
-                  </a:cubicBezTo>
-                  <a:lnTo>
-                    <a:pt x="0" y="139696"/>
-                  </a:lnTo>
-                  <a:close/>
-                </a:path>
-              </a:pathLst>
-            </a:custGeom>
-            <a:ln w="12700">
-              <a:solidFill>
-                <a:schemeClr val="tx1"/>
-              </a:solidFill>
-            </a:ln>
-          </p:spPr>
-          <p:style>
-            <a:lnRef idx="1">
-              <a:schemeClr val="accent4"/>
-            </a:lnRef>
-            <a:fillRef idx="2">
-              <a:schemeClr val="accent4"/>
-            </a:fillRef>
-            <a:effectRef idx="1">
-              <a:schemeClr val="accent4"/>
-            </a:effectRef>
-            <a:fontRef idx="minor">
-              <a:schemeClr val="dk1"/>
-            </a:fontRef>
-          </p:style>
-          <p:txBody>
-            <a:bodyPr spcFirstLastPara="0" vert="horz" wrap="square" lIns="200936" tIns="120926" rIns="200936" bIns="120926" numCol="1" spcCol="1270" anchor="ctr" anchorCtr="0">
-              <a:noAutofit/>
-            </a:bodyPr>
-            <a:lstStyle/>
-            <a:p>
-              <a:pPr lvl="0" algn="ctr" defTabSz="1866900">
-                <a:lnSpc>
-                  <a:spcPct val="90000"/>
-                </a:lnSpc>
-                <a:spcBef>
-                  <a:spcPct val="0"/>
-                </a:spcBef>
-                <a:spcAft>
-                  <a:spcPct val="35000"/>
-                </a:spcAft>
-              </a:pPr>
-              <a:r>
-                <a:rPr lang="en-US" sz="2400" kern="1200" dirty="0" err="1" smtClean="0">
-                  <a:ln w="12700">
-                    <a:noFill/>
-                  </a:ln>
-                </a:rPr>
-                <a:t>FSList</a:t>
-              </a:r>
-              <a:endParaRPr lang="en-US" sz="2400" kern="1200" dirty="0">
+              </a:rPr>
+              <a:t>FSArray</a:t>
+            </a:r>
+            <a:r>
+              <a:rPr lang="en-US" kern="1200" dirty="0" smtClean="0">
                 <a:ln w="12700">
                   <a:noFill/>
                 </a:ln>
-              </a:endParaRPr>
-            </a:p>
-          </p:txBody>
-        </p:sp>
-        <p:cxnSp>
-          <p:nvCxnSpPr>
-            <p:cNvPr id="26" name="Straight Arrow Connector 25"/>
-            <p:cNvCxnSpPr/>
-            <p:nvPr/>
-          </p:nvCxnSpPr>
-          <p:spPr>
-            <a:xfrm>
-              <a:off x="3901439" y="2882900"/>
-              <a:ext cx="1197725" cy="1016000"/>
-            </a:xfrm>
-            <a:prstGeom prst="straightConnector1">
-              <a:avLst/>
-            </a:prstGeom>
-            <a:ln w="19050">
-              <a:tailEnd type="triangle"/>
-            </a:ln>
-          </p:spPr>
-          <p:style>
-            <a:lnRef idx="1">
-              <a:schemeClr val="accent1"/>
-            </a:lnRef>
-            <a:fillRef idx="0">
-              <a:schemeClr val="accent1"/>
-            </a:fillRef>
-            <a:effectRef idx="0">
-              <a:schemeClr val="accent1"/>
-            </a:effectRef>
-            <a:fontRef idx="minor">
+              </a:rPr>
+              <a:t/>
+            </a:r>
+            <a:br>
+              <a:rPr lang="en-US" kern="1200" dirty="0" smtClean="0">
+                <a:ln w="12700">
+                  <a:noFill/>
+                </a:ln>
+              </a:rPr>
+            </a:br>
+            <a:r>
+              <a:rPr lang="en-US" kern="1200" dirty="0" err="1" smtClean="0">
+                <a:ln w="12700">
+                  <a:noFill/>
+                </a:ln>
+              </a:rPr>
+              <a:t>FSArrayList</a:t>
+            </a:r>
+            <a:r>
+              <a:rPr lang="en-US" kern="1200" dirty="0" smtClean="0">
+                <a:ln w="12700">
+                  <a:noFill/>
+                </a:ln>
+              </a:rPr>
+              <a:t/>
+            </a:r>
+            <a:br>
+              <a:rPr lang="en-US" kern="1200" dirty="0" smtClean="0">
+                <a:ln w="12700">
+                  <a:noFill/>
+                </a:ln>
+              </a:rPr>
+            </a:br>
+            <a:r>
+              <a:rPr lang="en-US" kern="1200" dirty="0" err="1" smtClean="0">
+                <a:ln w="12700">
+                  <a:noFill/>
+                </a:ln>
+              </a:rPr>
+              <a:t>FSList</a:t>
+            </a:r>
+            <a:r>
+              <a:rPr lang="en-US" kern="1200" dirty="0" smtClean="0">
+                <a:ln w="12700">
+                  <a:noFill/>
+                </a:ln>
+              </a:rPr>
+              <a:t/>
+            </a:r>
+            <a:br>
+              <a:rPr lang="en-US" kern="1200" dirty="0" smtClean="0">
+                <a:ln w="12700">
+                  <a:noFill/>
+                </a:ln>
+              </a:rPr>
+            </a:br>
+            <a:r>
+              <a:rPr lang="en-US" kern="1200" dirty="0" err="1" smtClean="0">
+                <a:ln w="12700">
+                  <a:noFill/>
+                </a:ln>
+              </a:rPr>
+              <a:t>FSHashSet</a:t>
+            </a:r>
+            <a:endParaRPr lang="en-US" kern="1200" dirty="0">
+              <a:ln w="12700">
+                <a:noFill/>
+              </a:ln>
+            </a:endParaRPr>
+          </a:p>
+        </p:txBody>
+      </p:sp>
+      <p:sp>
+        <p:nvSpPr>
+          <p:cNvPr id="22" name="Freeform 21"/>
+          <p:cNvSpPr/>
+          <p:nvPr/>
+        </p:nvSpPr>
+        <p:spPr>
+          <a:xfrm>
+            <a:off x="7957751" y="2014326"/>
+            <a:ext cx="3306868" cy="1673094"/>
+          </a:xfrm>
+          <a:custGeom>
+            <a:avLst/>
+            <a:gdLst>
+              <a:gd name="connsiteX0" fmla="*/ 0 w 1869440"/>
+              <a:gd name="connsiteY0" fmla="*/ 139696 h 838160"/>
+              <a:gd name="connsiteX1" fmla="*/ 139696 w 1869440"/>
+              <a:gd name="connsiteY1" fmla="*/ 0 h 838160"/>
+              <a:gd name="connsiteX2" fmla="*/ 1729744 w 1869440"/>
+              <a:gd name="connsiteY2" fmla="*/ 0 h 838160"/>
+              <a:gd name="connsiteX3" fmla="*/ 1869440 w 1869440"/>
+              <a:gd name="connsiteY3" fmla="*/ 139696 h 838160"/>
+              <a:gd name="connsiteX4" fmla="*/ 1869440 w 1869440"/>
+              <a:gd name="connsiteY4" fmla="*/ 698464 h 838160"/>
+              <a:gd name="connsiteX5" fmla="*/ 1729744 w 1869440"/>
+              <a:gd name="connsiteY5" fmla="*/ 838160 h 838160"/>
+              <a:gd name="connsiteX6" fmla="*/ 139696 w 1869440"/>
+              <a:gd name="connsiteY6" fmla="*/ 838160 h 838160"/>
+              <a:gd name="connsiteX7" fmla="*/ 0 w 1869440"/>
+              <a:gd name="connsiteY7" fmla="*/ 698464 h 838160"/>
+              <a:gd name="connsiteX8" fmla="*/ 0 w 1869440"/>
+              <a:gd name="connsiteY8" fmla="*/ 139696 h 838160"/>
+            </a:gdLst>
+            <a:ahLst/>
+            <a:cxnLst>
+              <a:cxn ang="0">
+                <a:pos x="connsiteX0" y="connsiteY0"/>
+              </a:cxn>
+              <a:cxn ang="0">
+                <a:pos x="connsiteX1" y="connsiteY1"/>
+              </a:cxn>
+              <a:cxn ang="0">
+                <a:pos x="connsiteX2" y="connsiteY2"/>
+              </a:cxn>
+              <a:cxn ang="0">
+                <a:pos x="connsiteX3" y="connsiteY3"/>
+              </a:cxn>
+              <a:cxn ang="0">
+                <a:pos x="connsiteX4" y="connsiteY4"/>
+              </a:cxn>
+              <a:cxn ang="0">
+                <a:pos x="connsiteX5" y="connsiteY5"/>
+              </a:cxn>
+              <a:cxn ang="0">
+                <a:pos x="connsiteX6" y="connsiteY6"/>
+              </a:cxn>
+              <a:cxn ang="0">
+                <a:pos x="connsiteX7" y="connsiteY7"/>
+              </a:cxn>
+              <a:cxn ang="0">
+                <a:pos x="connsiteX8" y="connsiteY8"/>
+              </a:cxn>
+            </a:cxnLst>
+            <a:rect l="l" t="t" r="r" b="b"/>
+            <a:pathLst>
+              <a:path w="1869440" h="838160">
+                <a:moveTo>
+                  <a:pt x="0" y="139696"/>
+                </a:moveTo>
+                <a:cubicBezTo>
+                  <a:pt x="0" y="62544"/>
+                  <a:pt x="62544" y="0"/>
+                  <a:pt x="139696" y="0"/>
+                </a:cubicBezTo>
+                <a:lnTo>
+                  <a:pt x="1729744" y="0"/>
+                </a:lnTo>
+                <a:cubicBezTo>
+                  <a:pt x="1806896" y="0"/>
+                  <a:pt x="1869440" y="62544"/>
+                  <a:pt x="1869440" y="139696"/>
+                </a:cubicBezTo>
+                <a:lnTo>
+                  <a:pt x="1869440" y="698464"/>
+                </a:lnTo>
+                <a:cubicBezTo>
+                  <a:pt x="1869440" y="775616"/>
+                  <a:pt x="1806896" y="838160"/>
+                  <a:pt x="1729744" y="838160"/>
+                </a:cubicBezTo>
+                <a:lnTo>
+                  <a:pt x="139696" y="838160"/>
+                </a:lnTo>
+                <a:cubicBezTo>
+                  <a:pt x="62544" y="838160"/>
+                  <a:pt x="0" y="775616"/>
+                  <a:pt x="0" y="698464"/>
+                </a:cubicBezTo>
+                <a:lnTo>
+                  <a:pt x="0" y="139696"/>
+                </a:lnTo>
+                <a:close/>
+              </a:path>
+            </a:pathLst>
+          </a:custGeom>
+          <a:gradFill>
+            <a:gsLst>
+              <a:gs pos="0">
+                <a:schemeClr val="accent2">
+                  <a:satMod val="105000"/>
+                  <a:tint val="67000"/>
+                  <a:alpha val="56000"/>
+                  <a:lumMod val="81000"/>
+                  <a:lumOff val="19000"/>
+                </a:schemeClr>
+              </a:gs>
+              <a:gs pos="45000">
+                <a:schemeClr val="accent2">
+                  <a:satMod val="103000"/>
+                  <a:tint val="73000"/>
+                  <a:lumMod val="90000"/>
+                  <a:lumOff val="10000"/>
+                  <a:alpha val="60000"/>
+                </a:schemeClr>
+              </a:gs>
+              <a:gs pos="100000">
+                <a:schemeClr val="accent2">
+                  <a:satMod val="109000"/>
+                  <a:tint val="81000"/>
+                  <a:alpha val="54000"/>
+                  <a:lumMod val="100000"/>
+                </a:schemeClr>
+              </a:gs>
+            </a:gsLst>
+          </a:gradFill>
+          <a:ln>
+            <a:solidFill>
               <a:schemeClr val="tx1"/>
-            </a:fontRef>
-          </p:style>
-        </p:cxnSp>
-        <p:cxnSp>
-          <p:nvCxnSpPr>
-            <p:cNvPr id="28" name="Straight Arrow Connector 27"/>
-            <p:cNvCxnSpPr/>
-            <p:nvPr/>
-          </p:nvCxnSpPr>
-          <p:spPr>
-            <a:xfrm>
-              <a:off x="3901439" y="3822700"/>
-              <a:ext cx="1197725" cy="353502"/>
-            </a:xfrm>
-            <a:prstGeom prst="straightConnector1">
-              <a:avLst/>
-            </a:prstGeom>
-            <a:ln w="19050">
-              <a:tailEnd type="triangle"/>
-            </a:ln>
-          </p:spPr>
-          <p:style>
-            <a:lnRef idx="1">
-              <a:schemeClr val="accent1"/>
-            </a:lnRef>
-            <a:fillRef idx="0">
-              <a:schemeClr val="accent1"/>
-            </a:fillRef>
-            <a:effectRef idx="0">
-              <a:schemeClr val="accent1"/>
-            </a:effectRef>
-            <a:fontRef idx="minor">
+            </a:solidFill>
+          </a:ln>
+        </p:spPr>
+        <p:style>
+          <a:lnRef idx="1">
+            <a:schemeClr val="accent2"/>
+          </a:lnRef>
+          <a:fillRef idx="2">
+            <a:schemeClr val="accent2"/>
+          </a:fillRef>
+          <a:effectRef idx="1">
+            <a:schemeClr val="accent2"/>
+          </a:effectRef>
+          <a:fontRef idx="minor">
+            <a:schemeClr val="dk1"/>
+          </a:fontRef>
+        </p:style>
+        <p:txBody>
+          <a:bodyPr spcFirstLastPara="0" vert="horz" wrap="square" lIns="200936" tIns="120926" rIns="200936" bIns="120926" numCol="1" spcCol="1270" anchor="ctr" anchorCtr="0">
+            <a:noAutofit/>
+          </a:bodyPr>
+          <a:lstStyle/>
+          <a:p>
+            <a:pPr lvl="0" defTabSz="1866900">
+              <a:lnSpc>
+                <a:spcPct val="90000"/>
+              </a:lnSpc>
+              <a:spcBef>
+                <a:spcPct val="0"/>
+              </a:spcBef>
+              <a:spcAft>
+                <a:spcPct val="35000"/>
+              </a:spcAft>
+            </a:pPr>
+            <a:r>
+              <a:rPr lang="en-US" sz="1600" dirty="0" smtClean="0">
+                <a:ln w="12700">
+                  <a:noFill/>
+                </a:ln>
+              </a:rPr>
+              <a:t>Type:</a:t>
+            </a:r>
+          </a:p>
+          <a:p>
+            <a:pPr defTabSz="1866900">
+              <a:lnSpc>
+                <a:spcPct val="90000"/>
+              </a:lnSpc>
+              <a:spcBef>
+                <a:spcPct val="0"/>
+              </a:spcBef>
+              <a:spcAft>
+                <a:spcPct val="35000"/>
+              </a:spcAft>
+            </a:pPr>
+            <a:r>
+              <a:rPr lang="en-US" sz="1600" dirty="0" smtClean="0">
+                <a:ln w="12700">
+                  <a:noFill/>
+                </a:ln>
+              </a:rPr>
+              <a:t>- (omitted)   </a:t>
+            </a:r>
+            <a:r>
+              <a:rPr lang="en-US" sz="1600" dirty="0">
+                <a:ln w="12700">
+                  <a:noFill/>
+                </a:ln>
+              </a:rPr>
+              <a:t> </a:t>
+            </a:r>
+            <a:r>
+              <a:rPr lang="en-US" sz="1600" dirty="0" smtClean="0">
+                <a:ln w="12700">
+                  <a:noFill/>
+                </a:ln>
+              </a:rPr>
+              <a:t> </a:t>
+            </a:r>
+            <a:r>
+              <a:rPr lang="en-US" sz="1600" dirty="0" err="1" smtClean="0">
+                <a:ln w="12700">
+                  <a:noFill/>
+                </a:ln>
+              </a:rPr>
+              <a:t>xx.select</a:t>
+            </a:r>
+            <a:r>
+              <a:rPr lang="en-US" sz="1600" dirty="0" smtClean="0">
+                <a:ln w="12700">
+                  <a:noFill/>
+                </a:ln>
+              </a:rPr>
+              <a:t>()</a:t>
+            </a:r>
+            <a:br>
+              <a:rPr lang="en-US" sz="1600" dirty="0" smtClean="0">
+                <a:ln w="12700">
+                  <a:noFill/>
+                </a:ln>
+              </a:rPr>
+            </a:br>
+            <a:r>
+              <a:rPr lang="en-US" sz="1600" dirty="0" smtClean="0">
+                <a:ln w="12700">
+                  <a:noFill/>
+                </a:ln>
+              </a:rPr>
+              <a:t>-</a:t>
+            </a:r>
+            <a:r>
+              <a:rPr lang="en-US" sz="1600" kern="1200" dirty="0" smtClean="0">
+                <a:ln w="12700">
+                  <a:noFill/>
+                </a:ln>
+              </a:rPr>
+              <a:t> Class           </a:t>
+            </a:r>
+            <a:r>
+              <a:rPr lang="en-US" sz="1600" dirty="0">
+                <a:ln w="12700">
+                  <a:noFill/>
+                </a:ln>
+              </a:rPr>
+              <a:t> </a:t>
+            </a:r>
+            <a:r>
+              <a:rPr lang="en-US" sz="1600" dirty="0" smtClean="0">
+                <a:ln w="12700">
+                  <a:noFill/>
+                </a:ln>
+              </a:rPr>
+              <a:t> </a:t>
+            </a:r>
+            <a:r>
+              <a:rPr lang="en-US" sz="1600" kern="1200" dirty="0" err="1" smtClean="0">
+                <a:ln w="12700">
+                  <a:noFill/>
+                </a:ln>
+              </a:rPr>
+              <a:t>xx.select</a:t>
+            </a:r>
+            <a:r>
+              <a:rPr lang="en-US" sz="1600" kern="1200" dirty="0" smtClean="0">
+                <a:ln w="12700">
+                  <a:noFill/>
+                </a:ln>
+              </a:rPr>
+              <a:t>(</a:t>
+            </a:r>
+            <a:r>
+              <a:rPr lang="en-US" sz="1600" kern="1200" dirty="0" err="1" smtClean="0">
+                <a:ln w="12700">
+                  <a:noFill/>
+                </a:ln>
+              </a:rPr>
+              <a:t>Token.class</a:t>
+            </a:r>
+            <a:r>
+              <a:rPr lang="en-US" sz="1600" kern="1200" dirty="0" smtClean="0">
+                <a:ln w="12700">
+                  <a:noFill/>
+                </a:ln>
+              </a:rPr>
+              <a:t>)</a:t>
+            </a:r>
+            <a:br>
+              <a:rPr lang="en-US" sz="1600" kern="1200" dirty="0" smtClean="0">
+                <a:ln w="12700">
+                  <a:noFill/>
+                </a:ln>
+              </a:rPr>
+            </a:br>
+            <a:r>
+              <a:rPr lang="en-US" sz="1600" kern="1200" dirty="0" smtClean="0">
+                <a:ln w="12700">
+                  <a:noFill/>
+                </a:ln>
+              </a:rPr>
+              <a:t>- </a:t>
+            </a:r>
+            <a:r>
+              <a:rPr lang="en-US" sz="1600" dirty="0" err="1" smtClean="0">
+                <a:ln w="12700">
+                  <a:noFill/>
+                </a:ln>
+              </a:rPr>
+              <a:t>uima_Type</a:t>
+            </a:r>
+            <a:r>
+              <a:rPr lang="en-US" sz="1600" dirty="0" smtClean="0">
+                <a:ln w="12700">
+                  <a:noFill/>
+                </a:ln>
+              </a:rPr>
+              <a:t>  </a:t>
+            </a:r>
+            <a:r>
+              <a:rPr lang="en-US" sz="1600" dirty="0" err="1" smtClean="0">
+                <a:ln w="12700">
+                  <a:noFill/>
+                </a:ln>
+              </a:rPr>
+              <a:t>xx.select</a:t>
+            </a:r>
+            <a:r>
+              <a:rPr lang="en-US" sz="1600" dirty="0" smtClean="0">
+                <a:ln w="12700">
+                  <a:noFill/>
+                </a:ln>
+              </a:rPr>
+              <a:t>(token)</a:t>
+            </a:r>
+            <a:br>
+              <a:rPr lang="en-US" sz="1600" dirty="0" smtClean="0">
+                <a:ln w="12700">
+                  <a:noFill/>
+                </a:ln>
+              </a:rPr>
+            </a:br>
+            <a:r>
+              <a:rPr lang="en-US" sz="1600" dirty="0" smtClean="0">
+                <a:ln w="12700">
+                  <a:noFill/>
+                </a:ln>
+              </a:rPr>
+              <a:t>- </a:t>
+            </a:r>
+            <a:r>
+              <a:rPr lang="en-US" sz="1600" dirty="0" err="1" smtClean="0">
+                <a:ln w="12700">
+                  <a:noFill/>
+                </a:ln>
+              </a:rPr>
+              <a:t>JCas.type</a:t>
+            </a:r>
+            <a:r>
+              <a:rPr lang="en-US" sz="1600" dirty="0" smtClean="0">
+                <a:ln w="12700">
+                  <a:noFill/>
+                </a:ln>
+              </a:rPr>
+              <a:t>     </a:t>
+            </a:r>
+            <a:r>
+              <a:rPr lang="en-US" sz="1600" dirty="0" err="1" smtClean="0">
+                <a:ln w="12700">
+                  <a:noFill/>
+                </a:ln>
+              </a:rPr>
+              <a:t>xx.select</a:t>
+            </a:r>
+            <a:r>
+              <a:rPr lang="en-US" sz="1600" dirty="0" smtClean="0">
+                <a:ln w="12700">
+                  <a:noFill/>
+                </a:ln>
+              </a:rPr>
+              <a:t>(</a:t>
+            </a:r>
+            <a:r>
+              <a:rPr lang="en-US" sz="1600" dirty="0" err="1" smtClean="0">
+                <a:ln w="12700">
+                  <a:noFill/>
+                </a:ln>
+              </a:rPr>
+              <a:t>Token.type</a:t>
+            </a:r>
+            <a:r>
+              <a:rPr lang="en-US" sz="1600" dirty="0" smtClean="0">
+                <a:ln w="12700">
+                  <a:noFill/>
+                </a:ln>
+              </a:rPr>
+              <a:t>)</a:t>
+            </a:r>
+            <a:r>
+              <a:rPr lang="en-US" sz="1600" kern="1200" dirty="0" smtClean="0">
+                <a:ln w="12700">
+                  <a:noFill/>
+                </a:ln>
+              </a:rPr>
+              <a:t/>
+            </a:r>
+            <a:br>
+              <a:rPr lang="en-US" sz="1600" kern="1200" dirty="0" smtClean="0">
+                <a:ln w="12700">
+                  <a:noFill/>
+                </a:ln>
+              </a:rPr>
+            </a:br>
+            <a:r>
+              <a:rPr lang="en-US" sz="1600" kern="1200" dirty="0" smtClean="0">
+                <a:ln w="12700">
+                  <a:noFill/>
+                </a:ln>
+              </a:rPr>
+              <a:t>- </a:t>
+            </a:r>
+            <a:r>
+              <a:rPr lang="en-US" sz="1600" dirty="0" smtClean="0">
+                <a:ln w="12700">
+                  <a:noFill/>
+                </a:ln>
+              </a:rPr>
+              <a:t>“name”        </a:t>
+            </a:r>
+            <a:r>
+              <a:rPr lang="en-US" sz="1600" dirty="0" err="1" smtClean="0">
+                <a:ln w="12700">
+                  <a:noFill/>
+                </a:ln>
+              </a:rPr>
+              <a:t>xx.select</a:t>
+            </a:r>
+            <a:r>
+              <a:rPr lang="en-US" sz="1600" dirty="0" smtClean="0">
+                <a:ln w="12700">
+                  <a:noFill/>
+                </a:ln>
+              </a:rPr>
+              <a:t>(“</a:t>
+            </a:r>
+            <a:r>
+              <a:rPr lang="en-US" sz="1400" dirty="0" err="1" smtClean="0">
+                <a:ln w="12700">
+                  <a:noFill/>
+                </a:ln>
+              </a:rPr>
+              <a:t>pkg.Token</a:t>
+            </a:r>
+            <a:r>
+              <a:rPr lang="en-US" sz="1600" dirty="0" smtClean="0">
+                <a:ln w="12700">
+                  <a:noFill/>
+                </a:ln>
+              </a:rPr>
+              <a:t>”)</a:t>
+            </a:r>
+            <a:endParaRPr lang="en-US" sz="1600" kern="1200" dirty="0">
+              <a:ln w="12700">
+                <a:noFill/>
+              </a:ln>
+            </a:endParaRPr>
+          </a:p>
+        </p:txBody>
+      </p:sp>
+      <p:sp>
+        <p:nvSpPr>
+          <p:cNvPr id="37" name="Flowchart: Extract 36"/>
+          <p:cNvSpPr/>
+          <p:nvPr/>
+        </p:nvSpPr>
+        <p:spPr>
+          <a:xfrm>
+            <a:off x="4166755" y="1363552"/>
+            <a:ext cx="6053384" cy="552727"/>
+          </a:xfrm>
+          <a:prstGeom prst="flowChartExtract">
+            <a:avLst/>
+          </a:prstGeom>
+          <a:pattFill prst="pct60">
+            <a:fgClr>
+              <a:schemeClr val="bg2">
+                <a:lumMod val="90000"/>
+              </a:schemeClr>
+            </a:fgClr>
+            <a:bgClr>
+              <a:srgbClr val="92D050"/>
+            </a:bgClr>
+          </a:pattFill>
+          <a:ln>
+            <a:solidFill>
               <a:schemeClr val="tx1"/>
-            </a:fontRef>
-          </p:style>
-        </p:cxnSp>
-        <p:cxnSp>
-          <p:nvCxnSpPr>
-            <p:cNvPr id="30" name="Straight Arrow Connector 29"/>
-            <p:cNvCxnSpPr/>
-            <p:nvPr/>
-          </p:nvCxnSpPr>
-          <p:spPr>
-            <a:xfrm flipV="1">
-              <a:off x="3901439" y="4502357"/>
-              <a:ext cx="1197725" cy="448205"/>
-            </a:xfrm>
-            <a:prstGeom prst="straightConnector1">
-              <a:avLst/>
-            </a:prstGeom>
-            <a:ln w="19050">
-              <a:tailEnd type="triangle"/>
-            </a:ln>
-          </p:spPr>
-          <p:style>
-            <a:lnRef idx="1">
-              <a:schemeClr val="accent1"/>
-            </a:lnRef>
-            <a:fillRef idx="0">
-              <a:schemeClr val="accent1"/>
-            </a:fillRef>
-            <a:effectRef idx="0">
-              <a:schemeClr val="accent1"/>
-            </a:effectRef>
-            <a:fontRef idx="minor">
+            </a:solidFill>
+          </a:ln>
+        </p:spPr>
+        <p:style>
+          <a:lnRef idx="2">
+            <a:schemeClr val="accent1">
+              <a:shade val="50000"/>
+            </a:schemeClr>
+          </a:lnRef>
+          <a:fillRef idx="1">
+            <a:schemeClr val="accent1"/>
+          </a:fillRef>
+          <a:effectRef idx="0">
+            <a:schemeClr val="accent1"/>
+          </a:effectRef>
+          <a:fontRef idx="minor">
+            <a:schemeClr val="lt1"/>
+          </a:fontRef>
+        </p:style>
+        <p:txBody>
+          <a:bodyPr rtlCol="0" anchor="ctr"/>
+          <a:lstStyle/>
+          <a:p>
+            <a:pPr algn="ctr"/>
+            <a:endParaRPr lang="en-US"/>
+          </a:p>
+        </p:txBody>
+      </p:sp>
+      <p:sp>
+        <p:nvSpPr>
+          <p:cNvPr id="20" name="Freeform 19"/>
+          <p:cNvSpPr/>
+          <p:nvPr/>
+        </p:nvSpPr>
+        <p:spPr>
+          <a:xfrm>
+            <a:off x="4166756" y="3621623"/>
+            <a:ext cx="1437190" cy="644362"/>
+          </a:xfrm>
+          <a:custGeom>
+            <a:avLst/>
+            <a:gdLst>
+              <a:gd name="connsiteX0" fmla="*/ 0 w 1869440"/>
+              <a:gd name="connsiteY0" fmla="*/ 139696 h 838160"/>
+              <a:gd name="connsiteX1" fmla="*/ 139696 w 1869440"/>
+              <a:gd name="connsiteY1" fmla="*/ 0 h 838160"/>
+              <a:gd name="connsiteX2" fmla="*/ 1729744 w 1869440"/>
+              <a:gd name="connsiteY2" fmla="*/ 0 h 838160"/>
+              <a:gd name="connsiteX3" fmla="*/ 1869440 w 1869440"/>
+              <a:gd name="connsiteY3" fmla="*/ 139696 h 838160"/>
+              <a:gd name="connsiteX4" fmla="*/ 1869440 w 1869440"/>
+              <a:gd name="connsiteY4" fmla="*/ 698464 h 838160"/>
+              <a:gd name="connsiteX5" fmla="*/ 1729744 w 1869440"/>
+              <a:gd name="connsiteY5" fmla="*/ 838160 h 838160"/>
+              <a:gd name="connsiteX6" fmla="*/ 139696 w 1869440"/>
+              <a:gd name="connsiteY6" fmla="*/ 838160 h 838160"/>
+              <a:gd name="connsiteX7" fmla="*/ 0 w 1869440"/>
+              <a:gd name="connsiteY7" fmla="*/ 698464 h 838160"/>
+              <a:gd name="connsiteX8" fmla="*/ 0 w 1869440"/>
+              <a:gd name="connsiteY8" fmla="*/ 139696 h 838160"/>
+            </a:gdLst>
+            <a:ahLst/>
+            <a:cxnLst>
+              <a:cxn ang="0">
+                <a:pos x="connsiteX0" y="connsiteY0"/>
+              </a:cxn>
+              <a:cxn ang="0">
+                <a:pos x="connsiteX1" y="connsiteY1"/>
+              </a:cxn>
+              <a:cxn ang="0">
+                <a:pos x="connsiteX2" y="connsiteY2"/>
+              </a:cxn>
+              <a:cxn ang="0">
+                <a:pos x="connsiteX3" y="connsiteY3"/>
+              </a:cxn>
+              <a:cxn ang="0">
+                <a:pos x="connsiteX4" y="connsiteY4"/>
+              </a:cxn>
+              <a:cxn ang="0">
+                <a:pos x="connsiteX5" y="connsiteY5"/>
+              </a:cxn>
+              <a:cxn ang="0">
+                <a:pos x="connsiteX6" y="connsiteY6"/>
+              </a:cxn>
+              <a:cxn ang="0">
+                <a:pos x="connsiteX7" y="connsiteY7"/>
+              </a:cxn>
+              <a:cxn ang="0">
+                <a:pos x="connsiteX8" y="connsiteY8"/>
+              </a:cxn>
+            </a:cxnLst>
+            <a:rect l="l" t="t" r="r" b="b"/>
+            <a:pathLst>
+              <a:path w="1869440" h="838160">
+                <a:moveTo>
+                  <a:pt x="0" y="139696"/>
+                </a:moveTo>
+                <a:cubicBezTo>
+                  <a:pt x="0" y="62544"/>
+                  <a:pt x="62544" y="0"/>
+                  <a:pt x="139696" y="0"/>
+                </a:cubicBezTo>
+                <a:lnTo>
+                  <a:pt x="1729744" y="0"/>
+                </a:lnTo>
+                <a:cubicBezTo>
+                  <a:pt x="1806896" y="0"/>
+                  <a:pt x="1869440" y="62544"/>
+                  <a:pt x="1869440" y="139696"/>
+                </a:cubicBezTo>
+                <a:lnTo>
+                  <a:pt x="1869440" y="698464"/>
+                </a:lnTo>
+                <a:cubicBezTo>
+                  <a:pt x="1869440" y="775616"/>
+                  <a:pt x="1806896" y="838160"/>
+                  <a:pt x="1729744" y="838160"/>
+                </a:cubicBezTo>
+                <a:lnTo>
+                  <a:pt x="139696" y="838160"/>
+                </a:lnTo>
+                <a:cubicBezTo>
+                  <a:pt x="62544" y="838160"/>
+                  <a:pt x="0" y="775616"/>
+                  <a:pt x="0" y="698464"/>
+                </a:cubicBezTo>
+                <a:lnTo>
+                  <a:pt x="0" y="139696"/>
+                </a:lnTo>
+                <a:close/>
+              </a:path>
+            </a:pathLst>
+          </a:custGeom>
+          <a:gradFill flip="none" rotWithShape="1">
+            <a:gsLst>
+              <a:gs pos="0">
+                <a:srgbClr val="92D050">
+                  <a:alpha val="49000"/>
+                  <a:lumMod val="50000"/>
+                  <a:lumOff val="50000"/>
+                </a:srgbClr>
+              </a:gs>
+              <a:gs pos="100000">
+                <a:srgbClr val="92D050"/>
+              </a:gs>
+            </a:gsLst>
+            <a:lin ang="2700000" scaled="1"/>
+            <a:tileRect/>
+          </a:gradFill>
+          <a:ln w="12700">
+            <a:solidFill>
               <a:schemeClr val="tx1"/>
-            </a:fontRef>
-          </p:style>
-        </p:cxnSp>
-        <p:cxnSp>
-          <p:nvCxnSpPr>
-            <p:cNvPr id="32" name="Straight Arrow Connector 31"/>
-            <p:cNvCxnSpPr/>
-            <p:nvPr/>
-          </p:nvCxnSpPr>
-          <p:spPr>
-            <a:xfrm flipV="1">
-              <a:off x="3901439" y="4838700"/>
-              <a:ext cx="1197725" cy="1104900"/>
-            </a:xfrm>
-            <a:prstGeom prst="straightConnector1">
-              <a:avLst/>
-            </a:prstGeom>
-            <a:ln w="19050">
-              <a:tailEnd type="triangle"/>
-            </a:ln>
-          </p:spPr>
-          <p:style>
-            <a:lnRef idx="1">
-              <a:schemeClr val="accent1"/>
-            </a:lnRef>
-            <a:fillRef idx="0">
-              <a:schemeClr val="accent1"/>
-            </a:fillRef>
-            <a:effectRef idx="0">
-              <a:schemeClr val="accent1"/>
-            </a:effectRef>
-            <a:fontRef idx="minor">
+            </a:solidFill>
+          </a:ln>
+        </p:spPr>
+        <p:style>
+          <a:lnRef idx="1">
+            <a:schemeClr val="accent4"/>
+          </a:lnRef>
+          <a:fillRef idx="2">
+            <a:schemeClr val="accent4"/>
+          </a:fillRef>
+          <a:effectRef idx="1">
+            <a:schemeClr val="accent4"/>
+          </a:effectRef>
+          <a:fontRef idx="minor">
+            <a:schemeClr val="dk1"/>
+          </a:fontRef>
+        </p:style>
+        <p:txBody>
+          <a:bodyPr spcFirstLastPara="0" vert="horz" wrap="square" lIns="200936" tIns="120926" rIns="200936" bIns="120926" numCol="1" spcCol="1270" anchor="ctr" anchorCtr="0">
+            <a:noAutofit/>
+          </a:bodyPr>
+          <a:lstStyle/>
+          <a:p>
+            <a:pPr lvl="0" algn="ctr" defTabSz="1866900">
+              <a:lnSpc>
+                <a:spcPct val="90000"/>
+              </a:lnSpc>
+              <a:spcBef>
+                <a:spcPct val="0"/>
+              </a:spcBef>
+              <a:spcAft>
+                <a:spcPct val="35000"/>
+              </a:spcAft>
+            </a:pPr>
+            <a:r>
+              <a:rPr lang="en-US" dirty="0" smtClean="0">
+                <a:ln w="12700">
+                  <a:noFill/>
+                </a:ln>
+              </a:rPr>
+              <a:t>Collections</a:t>
+            </a:r>
+            <a:r>
+              <a:rPr lang="en-US" dirty="0">
+                <a:ln w="12700">
+                  <a:noFill/>
+                </a:ln>
+              </a:rPr>
+              <a:t/>
+            </a:r>
+            <a:br>
+              <a:rPr lang="en-US" dirty="0">
+                <a:ln w="12700">
+                  <a:noFill/>
+                </a:ln>
+              </a:rPr>
+            </a:br>
+            <a:r>
+              <a:rPr lang="en-US" dirty="0" smtClean="0">
+                <a:ln w="12700">
+                  <a:noFill/>
+                </a:ln>
+              </a:rPr>
+              <a:t>built-in</a:t>
+            </a:r>
+          </a:p>
+        </p:txBody>
+      </p:sp>
+      <p:sp>
+        <p:nvSpPr>
+          <p:cNvPr id="25" name="Freeform 24"/>
+          <p:cNvSpPr/>
+          <p:nvPr/>
+        </p:nvSpPr>
+        <p:spPr>
+          <a:xfrm>
+            <a:off x="4166755" y="4515818"/>
+            <a:ext cx="2116811" cy="556649"/>
+          </a:xfrm>
+          <a:custGeom>
+            <a:avLst/>
+            <a:gdLst>
+              <a:gd name="connsiteX0" fmla="*/ 0 w 1869440"/>
+              <a:gd name="connsiteY0" fmla="*/ 139696 h 838160"/>
+              <a:gd name="connsiteX1" fmla="*/ 139696 w 1869440"/>
+              <a:gd name="connsiteY1" fmla="*/ 0 h 838160"/>
+              <a:gd name="connsiteX2" fmla="*/ 1729744 w 1869440"/>
+              <a:gd name="connsiteY2" fmla="*/ 0 h 838160"/>
+              <a:gd name="connsiteX3" fmla="*/ 1869440 w 1869440"/>
+              <a:gd name="connsiteY3" fmla="*/ 139696 h 838160"/>
+              <a:gd name="connsiteX4" fmla="*/ 1869440 w 1869440"/>
+              <a:gd name="connsiteY4" fmla="*/ 698464 h 838160"/>
+              <a:gd name="connsiteX5" fmla="*/ 1729744 w 1869440"/>
+              <a:gd name="connsiteY5" fmla="*/ 838160 h 838160"/>
+              <a:gd name="connsiteX6" fmla="*/ 139696 w 1869440"/>
+              <a:gd name="connsiteY6" fmla="*/ 838160 h 838160"/>
+              <a:gd name="connsiteX7" fmla="*/ 0 w 1869440"/>
+              <a:gd name="connsiteY7" fmla="*/ 698464 h 838160"/>
+              <a:gd name="connsiteX8" fmla="*/ 0 w 1869440"/>
+              <a:gd name="connsiteY8" fmla="*/ 139696 h 838160"/>
+            </a:gdLst>
+            <a:ahLst/>
+            <a:cxnLst>
+              <a:cxn ang="0">
+                <a:pos x="connsiteX0" y="connsiteY0"/>
+              </a:cxn>
+              <a:cxn ang="0">
+                <a:pos x="connsiteX1" y="connsiteY1"/>
+              </a:cxn>
+              <a:cxn ang="0">
+                <a:pos x="connsiteX2" y="connsiteY2"/>
+              </a:cxn>
+              <a:cxn ang="0">
+                <a:pos x="connsiteX3" y="connsiteY3"/>
+              </a:cxn>
+              <a:cxn ang="0">
+                <a:pos x="connsiteX4" y="connsiteY4"/>
+              </a:cxn>
+              <a:cxn ang="0">
+                <a:pos x="connsiteX5" y="connsiteY5"/>
+              </a:cxn>
+              <a:cxn ang="0">
+                <a:pos x="connsiteX6" y="connsiteY6"/>
+              </a:cxn>
+              <a:cxn ang="0">
+                <a:pos x="connsiteX7" y="connsiteY7"/>
+              </a:cxn>
+              <a:cxn ang="0">
+                <a:pos x="connsiteX8" y="connsiteY8"/>
+              </a:cxn>
+            </a:cxnLst>
+            <a:rect l="l" t="t" r="r" b="b"/>
+            <a:pathLst>
+              <a:path w="1869440" h="838160">
+                <a:moveTo>
+                  <a:pt x="0" y="139696"/>
+                </a:moveTo>
+                <a:cubicBezTo>
+                  <a:pt x="0" y="62544"/>
+                  <a:pt x="62544" y="0"/>
+                  <a:pt x="139696" y="0"/>
+                </a:cubicBezTo>
+                <a:lnTo>
+                  <a:pt x="1729744" y="0"/>
+                </a:lnTo>
+                <a:cubicBezTo>
+                  <a:pt x="1806896" y="0"/>
+                  <a:pt x="1869440" y="62544"/>
+                  <a:pt x="1869440" y="139696"/>
+                </a:cubicBezTo>
+                <a:lnTo>
+                  <a:pt x="1869440" y="698464"/>
+                </a:lnTo>
+                <a:cubicBezTo>
+                  <a:pt x="1869440" y="775616"/>
+                  <a:pt x="1806896" y="838160"/>
+                  <a:pt x="1729744" y="838160"/>
+                </a:cubicBezTo>
+                <a:lnTo>
+                  <a:pt x="139696" y="838160"/>
+                </a:lnTo>
+                <a:cubicBezTo>
+                  <a:pt x="62544" y="838160"/>
+                  <a:pt x="0" y="775616"/>
+                  <a:pt x="0" y="698464"/>
+                </a:cubicBezTo>
+                <a:lnTo>
+                  <a:pt x="0" y="139696"/>
+                </a:lnTo>
+                <a:close/>
+              </a:path>
+            </a:pathLst>
+          </a:custGeom>
+          <a:gradFill flip="none" rotWithShape="1">
+            <a:gsLst>
+              <a:gs pos="0">
+                <a:srgbClr val="00B0F0">
+                  <a:lumMod val="53000"/>
+                  <a:lumOff val="47000"/>
+                  <a:alpha val="49000"/>
+                </a:srgbClr>
+              </a:gs>
+              <a:gs pos="100000">
+                <a:srgbClr val="00B0F0"/>
+              </a:gs>
+            </a:gsLst>
+            <a:lin ang="2700000" scaled="1"/>
+            <a:tileRect/>
+          </a:gradFill>
+          <a:ln w="12700">
+            <a:solidFill>
               <a:schemeClr val="tx1"/>
-            </a:fontRef>
-          </p:style>
-        </p:cxnSp>
-        <p:sp>
-          <p:nvSpPr>
-            <p:cNvPr id="37" name="Flowchart: Extract 36"/>
-            <p:cNvSpPr/>
-            <p:nvPr/>
-          </p:nvSpPr>
-          <p:spPr>
-            <a:xfrm>
-              <a:off x="2031999" y="1665519"/>
-              <a:ext cx="7874002" cy="718965"/>
-            </a:xfrm>
-            <a:prstGeom prst="flowChartExtract">
-              <a:avLst/>
-            </a:prstGeom>
-            <a:pattFill prst="pct60">
-              <a:fgClr>
-                <a:schemeClr val="bg2">
-                  <a:lumMod val="90000"/>
-                </a:schemeClr>
-              </a:fgClr>
-              <a:bgClr>
-                <a:srgbClr val="92D050"/>
-              </a:bgClr>
-            </a:pattFill>
-            <a:ln>
-              <a:solidFill>
-                <a:schemeClr val="tx1"/>
-              </a:solidFill>
-            </a:ln>
-          </p:spPr>
-          <p:style>
-            <a:lnRef idx="2">
-              <a:schemeClr val="accent1">
-                <a:shade val="50000"/>
-              </a:schemeClr>
-            </a:lnRef>
-            <a:fillRef idx="1">
-              <a:schemeClr val="accent1"/>
-            </a:fillRef>
-            <a:effectRef idx="0">
-              <a:schemeClr val="accent1"/>
-            </a:effectRef>
-            <a:fontRef idx="minor">
-              <a:schemeClr val="lt1"/>
-            </a:fontRef>
-          </p:style>
-          <p:txBody>
-            <a:bodyPr rtlCol="0" anchor="ctr"/>
-            <a:lstStyle/>
-            <a:p>
-              <a:pPr algn="ctr"/>
-              <a:endParaRPr lang="en-US"/>
-            </a:p>
-          </p:txBody>
-        </p:sp>
-      </p:grpSp>
+            </a:solidFill>
+          </a:ln>
+        </p:spPr>
+        <p:style>
+          <a:lnRef idx="1">
+            <a:schemeClr val="accent4"/>
+          </a:lnRef>
+          <a:fillRef idx="2">
+            <a:schemeClr val="accent4"/>
+          </a:fillRef>
+          <a:effectRef idx="1">
+            <a:schemeClr val="accent4"/>
+          </a:effectRef>
+          <a:fontRef idx="minor">
+            <a:schemeClr val="dk1"/>
+          </a:fontRef>
+        </p:style>
+        <p:txBody>
+          <a:bodyPr spcFirstLastPara="0" vert="horz" wrap="square" lIns="200936" tIns="120926" rIns="200936" bIns="120926" numCol="1" spcCol="1270" anchor="ctr" anchorCtr="0">
+            <a:noAutofit/>
+          </a:bodyPr>
+          <a:lstStyle/>
+          <a:p>
+            <a:pPr lvl="0" algn="ctr" defTabSz="1866900">
+              <a:lnSpc>
+                <a:spcPct val="90000"/>
+              </a:lnSpc>
+              <a:spcBef>
+                <a:spcPct val="0"/>
+              </a:spcBef>
+              <a:spcAft>
+                <a:spcPct val="35000"/>
+              </a:spcAft>
+            </a:pPr>
+            <a:r>
+              <a:rPr lang="en-US" dirty="0" smtClean="0">
+                <a:ln w="12700">
+                  <a:noFill/>
+                </a:ln>
+              </a:rPr>
+              <a:t>User-defined JCas collections</a:t>
+            </a:r>
+            <a:endParaRPr lang="en-US" kern="1200" dirty="0">
+              <a:ln w="12700">
+                <a:noFill/>
+              </a:ln>
+            </a:endParaRPr>
+          </a:p>
+        </p:txBody>
+      </p:sp>
+      <p:cxnSp>
+        <p:nvCxnSpPr>
+          <p:cNvPr id="4" name="Straight Arrow Connector 3"/>
+          <p:cNvCxnSpPr>
+            <a:endCxn id="22" idx="0"/>
+          </p:cNvCxnSpPr>
+          <p:nvPr/>
+        </p:nvCxnSpPr>
+        <p:spPr>
+          <a:xfrm flipV="1">
+            <a:off x="5603946" y="2293180"/>
+            <a:ext cx="2353805" cy="25356"/>
+          </a:xfrm>
+          <a:prstGeom prst="straightConnector1">
+            <a:avLst/>
+          </a:prstGeom>
+          <a:ln>
+            <a:solidFill>
+              <a:schemeClr val="tx1"/>
+            </a:solidFill>
+            <a:tailEnd type="triangle" w="lg" len="lg"/>
+          </a:ln>
+        </p:spPr>
+        <p:style>
+          <a:lnRef idx="1">
+            <a:schemeClr val="accent1"/>
+          </a:lnRef>
+          <a:fillRef idx="0">
+            <a:schemeClr val="accent1"/>
+          </a:fillRef>
+          <a:effectRef idx="0">
+            <a:schemeClr val="accent1"/>
+          </a:effectRef>
+          <a:fontRef idx="minor">
+            <a:schemeClr val="tx1"/>
+          </a:fontRef>
+        </p:style>
+      </p:cxnSp>
+      <p:cxnSp>
+        <p:nvCxnSpPr>
+          <p:cNvPr id="12" name="Straight Arrow Connector 11"/>
+          <p:cNvCxnSpPr/>
+          <p:nvPr/>
+        </p:nvCxnSpPr>
+        <p:spPr>
+          <a:xfrm flipV="1">
+            <a:off x="5603946" y="2516589"/>
+            <a:ext cx="2353805" cy="515191"/>
+          </a:xfrm>
+          <a:prstGeom prst="straightConnector1">
+            <a:avLst/>
+          </a:prstGeom>
+          <a:ln>
+            <a:solidFill>
+              <a:schemeClr val="tx1"/>
+            </a:solidFill>
+            <a:tailEnd type="triangle" w="lg" len="lg"/>
+          </a:ln>
+        </p:spPr>
+        <p:style>
+          <a:lnRef idx="1">
+            <a:schemeClr val="accent1"/>
+          </a:lnRef>
+          <a:fillRef idx="0">
+            <a:schemeClr val="accent1"/>
+          </a:fillRef>
+          <a:effectRef idx="0">
+            <a:schemeClr val="accent1"/>
+          </a:effectRef>
+          <a:fontRef idx="minor">
+            <a:schemeClr val="tx1"/>
+          </a:fontRef>
+        </p:style>
+      </p:cxnSp>
+      <p:cxnSp>
+        <p:nvCxnSpPr>
+          <p:cNvPr id="16" name="Straight Arrow Connector 15"/>
+          <p:cNvCxnSpPr/>
+          <p:nvPr/>
+        </p:nvCxnSpPr>
+        <p:spPr>
+          <a:xfrm flipV="1">
+            <a:off x="5603946" y="3787030"/>
+            <a:ext cx="371011" cy="150403"/>
+          </a:xfrm>
+          <a:prstGeom prst="straightConnector1">
+            <a:avLst/>
+          </a:prstGeom>
+          <a:ln>
+            <a:solidFill>
+              <a:schemeClr val="tx1"/>
+            </a:solidFill>
+            <a:tailEnd type="triangle" w="lg" len="lg"/>
+          </a:ln>
+        </p:spPr>
+        <p:style>
+          <a:lnRef idx="1">
+            <a:schemeClr val="accent1"/>
+          </a:lnRef>
+          <a:fillRef idx="0">
+            <a:schemeClr val="accent1"/>
+          </a:fillRef>
+          <a:effectRef idx="0">
+            <a:schemeClr val="accent1"/>
+          </a:effectRef>
+          <a:fontRef idx="minor">
+            <a:schemeClr val="tx1"/>
+          </a:fontRef>
+        </p:style>
+      </p:cxnSp>
+      <p:cxnSp>
+        <p:nvCxnSpPr>
+          <p:cNvPr id="31" name="Straight Arrow Connector 30"/>
+          <p:cNvCxnSpPr>
+            <a:stCxn id="21" idx="3"/>
+          </p:cNvCxnSpPr>
+          <p:nvPr/>
+        </p:nvCxnSpPr>
+        <p:spPr>
+          <a:xfrm flipV="1">
+            <a:off x="7412147" y="2776796"/>
+            <a:ext cx="537362" cy="640366"/>
+          </a:xfrm>
+          <a:prstGeom prst="straightConnector1">
+            <a:avLst/>
+          </a:prstGeom>
+          <a:ln>
+            <a:solidFill>
+              <a:schemeClr val="tx1"/>
+            </a:solidFill>
+            <a:tailEnd type="triangle" w="lg" len="lg"/>
+          </a:ln>
+        </p:spPr>
+        <p:style>
+          <a:lnRef idx="1">
+            <a:schemeClr val="accent1"/>
+          </a:lnRef>
+          <a:fillRef idx="0">
+            <a:schemeClr val="accent1"/>
+          </a:fillRef>
+          <a:effectRef idx="0">
+            <a:schemeClr val="accent1"/>
+          </a:effectRef>
+          <a:fontRef idx="minor">
+            <a:schemeClr val="tx1"/>
+          </a:fontRef>
+        </p:style>
+      </p:cxnSp>
+      <p:cxnSp>
+        <p:nvCxnSpPr>
+          <p:cNvPr id="39" name="Elbow Connector 38"/>
+          <p:cNvCxnSpPr>
+            <a:endCxn id="22" idx="7"/>
+          </p:cNvCxnSpPr>
+          <p:nvPr/>
+        </p:nvCxnSpPr>
+        <p:spPr>
+          <a:xfrm flipV="1">
+            <a:off x="6283566" y="3408566"/>
+            <a:ext cx="1674185" cy="1440711"/>
+          </a:xfrm>
+          <a:prstGeom prst="bentConnector3">
+            <a:avLst>
+              <a:gd name="adj1" fmla="val 82372"/>
+            </a:avLst>
+          </a:prstGeom>
+          <a:ln>
+            <a:solidFill>
+              <a:schemeClr val="tx1"/>
+            </a:solidFill>
+            <a:tailEnd type="triangle" w="lg" len="lg"/>
+          </a:ln>
+        </p:spPr>
+        <p:style>
+          <a:lnRef idx="1">
+            <a:schemeClr val="accent1"/>
+          </a:lnRef>
+          <a:fillRef idx="0">
+            <a:schemeClr val="accent1"/>
+          </a:fillRef>
+          <a:effectRef idx="0">
+            <a:schemeClr val="accent1"/>
+          </a:effectRef>
+          <a:fontRef idx="minor">
+            <a:schemeClr val="tx1"/>
+          </a:fontRef>
+        </p:style>
+      </p:cxnSp>
     </p:spTree>
     <p:extLst>
       <p:ext uri="{BB962C8B-B14F-4D97-AF65-F5344CB8AC3E}">

--- a/uima-docbook-v3-users-guide/src/image-source/source.pptx
+++ b/uima-docbook-v3-users-guide/src/image-source/source.pptx
@@ -4795,15 +4795,7 @@
         <a:p>
           <a:r>
             <a:rPr lang="en-US" dirty="0" smtClean="0"/>
-            <a:t>Run </a:t>
-          </a:r>
-          <a:r>
-            <a:rPr lang="en-US" dirty="0" err="1" smtClean="0"/>
-            <a:t>JcasGen</a:t>
-          </a:r>
-          <a:r>
-            <a:rPr lang="en-US" dirty="0" smtClean="0"/>
-            <a:t> to get the initial prototype for this class</a:t>
+            <a:t>Run JCasGen to get the initial prototype for this class</a:t>
           </a:r>
           <a:endParaRPr lang="en-US" dirty="0"/>
         </a:p>
@@ -5043,10 +5035,235 @@
     <dgm:pt modelId="{610CFC5F-F71C-4609-85E3-4E91E6BA23BD}" type="parTrans" cxnId="{7BDA078E-243E-45A0-9FB4-5D016FD867D9}">
       <dgm:prSet/>
       <dgm:spPr/>
+      <dgm:t>
+        <a:bodyPr/>
+        <a:lstStyle/>
+        <a:p>
+          <a:endParaRPr lang="en-US"/>
+        </a:p>
+      </dgm:t>
     </dgm:pt>
     <dgm:pt modelId="{E3EEB503-89BB-4F57-ABCB-E98D699C4B6A}" type="sibTrans" cxnId="{7BDA078E-243E-45A0-9FB4-5D016FD867D9}">
       <dgm:prSet/>
       <dgm:spPr/>
+      <dgm:t>
+        <a:bodyPr/>
+        <a:lstStyle/>
+        <a:p>
+          <a:endParaRPr lang="en-US"/>
+        </a:p>
+      </dgm:t>
+    </dgm:pt>
+    <dgm:pt modelId="{24646FDE-A7A6-49C9-B6D3-A7746FBE23FD}">
+      <dgm:prSet phldrT="[Text]">
+        <dgm:style>
+          <a:lnRef idx="1">
+            <a:schemeClr val="accent1"/>
+          </a:lnRef>
+          <a:fillRef idx="2">
+            <a:schemeClr val="accent1"/>
+          </a:fillRef>
+          <a:effectRef idx="1">
+            <a:schemeClr val="accent1"/>
+          </a:effectRef>
+          <a:fontRef idx="minor">
+            <a:schemeClr val="dk1"/>
+          </a:fontRef>
+        </dgm:style>
+      </dgm:prSet>
+      <dgm:spPr>
+        <a:noFill/>
+        <a:ln w="12700">
+          <a:noFill/>
+        </a:ln>
+      </dgm:spPr>
+      <dgm:t>
+        <a:bodyPr/>
+        <a:lstStyle/>
+        <a:p>
+          <a:r>
+            <a:rPr lang="en-US" dirty="0" smtClean="0"/>
+            <a:t>(optional)</a:t>
+          </a:r>
+          <a:endParaRPr lang="en-US" dirty="0"/>
+        </a:p>
+      </dgm:t>
+    </dgm:pt>
+    <dgm:pt modelId="{F2C4528D-A411-4968-8DE0-CE26438227E0}" type="parTrans" cxnId="{C881AC3F-7B2C-4328-8138-82D51AEAF5B8}">
+      <dgm:prSet/>
+      <dgm:spPr/>
+      <dgm:t>
+        <a:bodyPr/>
+        <a:lstStyle/>
+        <a:p>
+          <a:endParaRPr lang="en-US"/>
+        </a:p>
+      </dgm:t>
+    </dgm:pt>
+    <dgm:pt modelId="{6EF50196-3068-4C6C-BE7E-721736B91853}" type="sibTrans" cxnId="{C881AC3F-7B2C-4328-8138-82D51AEAF5B8}">
+      <dgm:prSet/>
+      <dgm:spPr/>
+      <dgm:t>
+        <a:bodyPr/>
+        <a:lstStyle/>
+        <a:p>
+          <a:endParaRPr lang="en-US"/>
+        </a:p>
+      </dgm:t>
+    </dgm:pt>
+    <dgm:pt modelId="{573A4C89-B15D-436D-AD79-383E719631BF}">
+      <dgm:prSet phldrT="[Text]">
+        <dgm:style>
+          <a:lnRef idx="1">
+            <a:schemeClr val="accent1"/>
+          </a:lnRef>
+          <a:fillRef idx="2">
+            <a:schemeClr val="accent1"/>
+          </a:fillRef>
+          <a:effectRef idx="1">
+            <a:schemeClr val="accent1"/>
+          </a:effectRef>
+          <a:fontRef idx="minor">
+            <a:schemeClr val="dk1"/>
+          </a:fontRef>
+        </dgm:style>
+      </dgm:prSet>
+      <dgm:spPr>
+        <a:gradFill rotWithShape="0">
+          <a:gsLst>
+            <a:gs pos="0">
+              <a:srgbClr val="00B0F0">
+                <a:alpha val="25000"/>
+                <a:lumMod val="50000"/>
+                <a:lumOff val="50000"/>
+              </a:srgbClr>
+            </a:gs>
+            <a:gs pos="100000">
+              <a:srgbClr val="00B0F0">
+                <a:alpha val="50000"/>
+                <a:lumMod val="75000"/>
+                <a:lumOff val="25000"/>
+              </a:srgbClr>
+            </a:gs>
+          </a:gsLst>
+          <a:lin ang="2400000" scaled="0"/>
+        </a:gradFill>
+        <a:ln w="12700">
+          <a:solidFill>
+            <a:schemeClr val="tx1"/>
+          </a:solidFill>
+        </a:ln>
+      </dgm:spPr>
+      <dgm:t>
+        <a:bodyPr/>
+        <a:lstStyle/>
+        <a:p>
+          <a:r>
+            <a:rPr lang="en-US" dirty="0" smtClean="0"/>
+            <a:t>Support Select</a:t>
+          </a:r>
+          <a:endParaRPr lang="en-US" dirty="0"/>
+        </a:p>
+      </dgm:t>
+    </dgm:pt>
+    <dgm:pt modelId="{FBABB7F8-7BB2-4F2B-9D7D-794C04E8475E}" type="parTrans" cxnId="{E974D44E-55F7-4455-8565-A8AA0E6A338B}">
+      <dgm:prSet/>
+      <dgm:spPr/>
+      <dgm:t>
+        <a:bodyPr/>
+        <a:lstStyle/>
+        <a:p>
+          <a:endParaRPr lang="en-US"/>
+        </a:p>
+      </dgm:t>
+    </dgm:pt>
+    <dgm:pt modelId="{F6E17F33-A769-4554-8809-8A4F4FB5CD71}" type="sibTrans" cxnId="{E974D44E-55F7-4455-8565-A8AA0E6A338B}">
+      <dgm:prSet/>
+      <dgm:spPr/>
+      <dgm:t>
+        <a:bodyPr/>
+        <a:lstStyle/>
+        <a:p>
+          <a:endParaRPr lang="en-US"/>
+        </a:p>
+      </dgm:t>
+    </dgm:pt>
+    <dgm:pt modelId="{881A90BF-7FCA-4536-A458-EBB6A0309B15}">
+      <dgm:prSet phldrT="[Text]">
+        <dgm:style>
+          <a:lnRef idx="1">
+            <a:schemeClr val="accent1"/>
+          </a:lnRef>
+          <a:fillRef idx="2">
+            <a:schemeClr val="accent1"/>
+          </a:fillRef>
+          <a:effectRef idx="1">
+            <a:schemeClr val="accent1"/>
+          </a:effectRef>
+          <a:fontRef idx="minor">
+            <a:schemeClr val="dk1"/>
+          </a:fontRef>
+        </dgm:style>
+      </dgm:prSet>
+      <dgm:spPr>
+        <a:gradFill rotWithShape="0">
+          <a:gsLst>
+            <a:gs pos="0">
+              <a:srgbClr val="00B0F0">
+                <a:alpha val="25000"/>
+                <a:lumMod val="50000"/>
+                <a:lumOff val="50000"/>
+              </a:srgbClr>
+            </a:gs>
+            <a:gs pos="100000">
+              <a:srgbClr val="00B0F0">
+                <a:alpha val="50000"/>
+                <a:lumMod val="75000"/>
+                <a:lumOff val="25000"/>
+              </a:srgbClr>
+            </a:gs>
+          </a:gsLst>
+          <a:lin ang="2400000" scaled="0"/>
+        </a:gradFill>
+        <a:ln w="12700">
+          <a:solidFill>
+            <a:schemeClr val="tx1"/>
+          </a:solidFill>
+        </a:ln>
+      </dgm:spPr>
+      <dgm:t>
+        <a:bodyPr/>
+        <a:lstStyle/>
+        <a:p>
+          <a:r>
+            <a:rPr lang="en-US" smtClean="0"/>
+            <a:t>Implement SelectViaCopyToArray</a:t>
+          </a:r>
+          <a:endParaRPr lang="en-US" dirty="0"/>
+        </a:p>
+      </dgm:t>
+    </dgm:pt>
+    <dgm:pt modelId="{5B06E933-CF23-4DE2-AA71-A572D9BD2215}" type="parTrans" cxnId="{BC6F89CC-641D-4584-9884-9BDE13E7F31D}">
+      <dgm:prSet/>
+      <dgm:spPr/>
+      <dgm:t>
+        <a:bodyPr/>
+        <a:lstStyle/>
+        <a:p>
+          <a:endParaRPr lang="en-US"/>
+        </a:p>
+      </dgm:t>
+    </dgm:pt>
+    <dgm:pt modelId="{B696E601-4C26-469A-886E-60122FC4CA59}" type="sibTrans" cxnId="{BC6F89CC-641D-4584-9884-9BDE13E7F31D}">
+      <dgm:prSet/>
+      <dgm:spPr/>
+      <dgm:t>
+        <a:bodyPr/>
+        <a:lstStyle/>
+        <a:p>
+          <a:endParaRPr lang="en-US"/>
+        </a:p>
+      </dgm:t>
     </dgm:pt>
     <dgm:pt modelId="{3FB101F4-D626-4CB9-B46F-A5D1E728A3EF}" type="pres">
       <dgm:prSet presAssocID="{71C4F53D-73F7-43C0-8068-C97792B04C36}" presName="Name0" presStyleCnt="0">
@@ -5070,7 +5287,7 @@
       <dgm:spPr/>
     </dgm:pt>
     <dgm:pt modelId="{7750B759-A213-40FA-BEB4-4C184A1AF0F6}" type="pres">
-      <dgm:prSet presAssocID="{DE6D2516-4118-4481-9AE1-239E68CF98D2}" presName="parTx" presStyleLbl="revTx" presStyleIdx="0" presStyleCnt="5">
+      <dgm:prSet presAssocID="{DE6D2516-4118-4481-9AE1-239E68CF98D2}" presName="parTx" presStyleLbl="revTx" presStyleIdx="0" presStyleCnt="6">
         <dgm:presLayoutVars>
           <dgm:chMax val="1"/>
           <dgm:bulletEnabled val="1"/>
@@ -5086,7 +5303,7 @@
       </dgm:t>
     </dgm:pt>
     <dgm:pt modelId="{43C750AB-DAD2-4C07-9CAF-0A2F6A1FA388}" type="pres">
-      <dgm:prSet presAssocID="{DE6D2516-4118-4481-9AE1-239E68CF98D2}" presName="bracket" presStyleLbl="parChTrans1D1" presStyleIdx="0" presStyleCnt="5"/>
+      <dgm:prSet presAssocID="{DE6D2516-4118-4481-9AE1-239E68CF98D2}" presName="bracket" presStyleLbl="parChTrans1D1" presStyleIdx="0" presStyleCnt="6"/>
       <dgm:spPr/>
     </dgm:pt>
     <dgm:pt modelId="{BECBF111-CED3-47AA-B4FC-C2FF52F882A2}" type="pres">
@@ -5094,7 +5311,7 @@
       <dgm:spPr/>
     </dgm:pt>
     <dgm:pt modelId="{446D2CC6-7E84-42BD-AD30-32D47A0F0399}" type="pres">
-      <dgm:prSet presAssocID="{DE6D2516-4118-4481-9AE1-239E68CF98D2}" presName="desTx" presStyleLbl="node1" presStyleIdx="0" presStyleCnt="5">
+      <dgm:prSet presAssocID="{DE6D2516-4118-4481-9AE1-239E68CF98D2}" presName="desTx" presStyleLbl="node1" presStyleIdx="0" presStyleCnt="6">
         <dgm:presLayoutVars>
           <dgm:bulletEnabled val="1"/>
         </dgm:presLayoutVars>
@@ -5117,7 +5334,7 @@
       <dgm:spPr/>
     </dgm:pt>
     <dgm:pt modelId="{F7B03BAF-4A61-4897-885F-5DEDC69024C3}" type="pres">
-      <dgm:prSet presAssocID="{21C4817F-65F1-42DC-AEC0-8A3876F5CF6B}" presName="parTx" presStyleLbl="revTx" presStyleIdx="1" presStyleCnt="5">
+      <dgm:prSet presAssocID="{21C4817F-65F1-42DC-AEC0-8A3876F5CF6B}" presName="parTx" presStyleLbl="revTx" presStyleIdx="1" presStyleCnt="6">
         <dgm:presLayoutVars>
           <dgm:chMax val="1"/>
           <dgm:bulletEnabled val="1"/>
@@ -5133,7 +5350,7 @@
       </dgm:t>
     </dgm:pt>
     <dgm:pt modelId="{BEB0E3EA-8B29-4C3D-AD33-C275354954B4}" type="pres">
-      <dgm:prSet presAssocID="{21C4817F-65F1-42DC-AEC0-8A3876F5CF6B}" presName="bracket" presStyleLbl="parChTrans1D1" presStyleIdx="1" presStyleCnt="5"/>
+      <dgm:prSet presAssocID="{21C4817F-65F1-42DC-AEC0-8A3876F5CF6B}" presName="bracket" presStyleLbl="parChTrans1D1" presStyleIdx="1" presStyleCnt="6"/>
       <dgm:spPr/>
     </dgm:pt>
     <dgm:pt modelId="{7ADAD0CA-BB6E-497F-8FCB-C0AAD91049E5}" type="pres">
@@ -5141,7 +5358,7 @@
       <dgm:spPr/>
     </dgm:pt>
     <dgm:pt modelId="{D35AC0B4-0EA2-4E5A-8208-E9F15E287E2B}" type="pres">
-      <dgm:prSet presAssocID="{21C4817F-65F1-42DC-AEC0-8A3876F5CF6B}" presName="desTx" presStyleLbl="node1" presStyleIdx="1" presStyleCnt="5">
+      <dgm:prSet presAssocID="{21C4817F-65F1-42DC-AEC0-8A3876F5CF6B}" presName="desTx" presStyleLbl="node1" presStyleIdx="1" presStyleCnt="6">
         <dgm:presLayoutVars>
           <dgm:bulletEnabled val="1"/>
         </dgm:presLayoutVars>
@@ -5164,7 +5381,7 @@
       <dgm:spPr/>
     </dgm:pt>
     <dgm:pt modelId="{786962EE-063A-444D-9F24-DA8806182FC3}" type="pres">
-      <dgm:prSet presAssocID="{0A2BB538-E9A2-40F3-BA82-76728829BBBF}" presName="parTx" presStyleLbl="revTx" presStyleIdx="2" presStyleCnt="5">
+      <dgm:prSet presAssocID="{0A2BB538-E9A2-40F3-BA82-76728829BBBF}" presName="parTx" presStyleLbl="revTx" presStyleIdx="2" presStyleCnt="6">
         <dgm:presLayoutVars>
           <dgm:chMax val="1"/>
           <dgm:bulletEnabled val="1"/>
@@ -5180,7 +5397,7 @@
       </dgm:t>
     </dgm:pt>
     <dgm:pt modelId="{15C7BA9C-CF1F-4900-91E5-B2B5C4E3CC1C}" type="pres">
-      <dgm:prSet presAssocID="{0A2BB538-E9A2-40F3-BA82-76728829BBBF}" presName="bracket" presStyleLbl="parChTrans1D1" presStyleIdx="2" presStyleCnt="5"/>
+      <dgm:prSet presAssocID="{0A2BB538-E9A2-40F3-BA82-76728829BBBF}" presName="bracket" presStyleLbl="parChTrans1D1" presStyleIdx="2" presStyleCnt="6"/>
       <dgm:spPr/>
     </dgm:pt>
     <dgm:pt modelId="{3E495D8E-5B38-4DBA-878D-9CE1A5D1112E}" type="pres">
@@ -5188,7 +5405,7 @@
       <dgm:spPr/>
     </dgm:pt>
     <dgm:pt modelId="{79FE4C6C-0939-4E76-8471-EC38D3CAFE0F}" type="pres">
-      <dgm:prSet presAssocID="{0A2BB538-E9A2-40F3-BA82-76728829BBBF}" presName="desTx" presStyleLbl="node1" presStyleIdx="2" presStyleCnt="5">
+      <dgm:prSet presAssocID="{0A2BB538-E9A2-40F3-BA82-76728829BBBF}" presName="desTx" presStyleLbl="node1" presStyleIdx="2" presStyleCnt="6">
         <dgm:presLayoutVars>
           <dgm:bulletEnabled val="1"/>
         </dgm:presLayoutVars>
@@ -5211,7 +5428,7 @@
       <dgm:spPr/>
     </dgm:pt>
     <dgm:pt modelId="{BA2B4D5C-F1D5-4206-89F2-1A674F6ECC6F}" type="pres">
-      <dgm:prSet presAssocID="{B442EC3C-8DB9-4C63-A99D-58A8EAEE2802}" presName="parTx" presStyleLbl="revTx" presStyleIdx="3" presStyleCnt="5">
+      <dgm:prSet presAssocID="{B442EC3C-8DB9-4C63-A99D-58A8EAEE2802}" presName="parTx" presStyleLbl="revTx" presStyleIdx="3" presStyleCnt="6">
         <dgm:presLayoutVars>
           <dgm:chMax val="1"/>
           <dgm:bulletEnabled val="1"/>
@@ -5227,7 +5444,7 @@
       </dgm:t>
     </dgm:pt>
     <dgm:pt modelId="{D66DA694-36E9-4D92-82B6-8C5FDBDB073A}" type="pres">
-      <dgm:prSet presAssocID="{B442EC3C-8DB9-4C63-A99D-58A8EAEE2802}" presName="bracket" presStyleLbl="parChTrans1D1" presStyleIdx="3" presStyleCnt="5"/>
+      <dgm:prSet presAssocID="{B442EC3C-8DB9-4C63-A99D-58A8EAEE2802}" presName="bracket" presStyleLbl="parChTrans1D1" presStyleIdx="3" presStyleCnt="6"/>
       <dgm:spPr/>
     </dgm:pt>
     <dgm:pt modelId="{ADE4C9D3-BFE9-4E5E-ACD4-56E0B92931C8}" type="pres">
@@ -5235,7 +5452,7 @@
       <dgm:spPr/>
     </dgm:pt>
     <dgm:pt modelId="{CAF7A30C-32B5-439A-AD55-840996077434}" type="pres">
-      <dgm:prSet presAssocID="{B442EC3C-8DB9-4C63-A99D-58A8EAEE2802}" presName="desTx" presStyleLbl="node1" presStyleIdx="3" presStyleCnt="5">
+      <dgm:prSet presAssocID="{B442EC3C-8DB9-4C63-A99D-58A8EAEE2802}" presName="desTx" presStyleLbl="node1" presStyleIdx="3" presStyleCnt="6">
         <dgm:presLayoutVars>
           <dgm:bulletEnabled val="1"/>
         </dgm:presLayoutVars>
@@ -5258,7 +5475,7 @@
       <dgm:spPr/>
     </dgm:pt>
     <dgm:pt modelId="{FF5960F5-4FEE-476C-A20A-30D655E9D5D1}" type="pres">
-      <dgm:prSet presAssocID="{1E4B0BD3-5642-4823-B6A4-04352150942B}" presName="parTx" presStyleLbl="revTx" presStyleIdx="4" presStyleCnt="5">
+      <dgm:prSet presAssocID="{1E4B0BD3-5642-4823-B6A4-04352150942B}" presName="parTx" presStyleLbl="revTx" presStyleIdx="4" presStyleCnt="6">
         <dgm:presLayoutVars>
           <dgm:chMax val="1"/>
           <dgm:bulletEnabled val="1"/>
@@ -5274,7 +5491,7 @@
       </dgm:t>
     </dgm:pt>
     <dgm:pt modelId="{50D48225-666A-40A3-BF9F-60CC702DB955}" type="pres">
-      <dgm:prSet presAssocID="{1E4B0BD3-5642-4823-B6A4-04352150942B}" presName="bracket" presStyleLbl="parChTrans1D1" presStyleIdx="4" presStyleCnt="5"/>
+      <dgm:prSet presAssocID="{1E4B0BD3-5642-4823-B6A4-04352150942B}" presName="bracket" presStyleLbl="parChTrans1D1" presStyleIdx="4" presStyleCnt="6"/>
       <dgm:spPr/>
     </dgm:pt>
     <dgm:pt modelId="{C582106F-D2C2-490B-AD2A-ACD26BC0D750}" type="pres">
@@ -5282,7 +5499,54 @@
       <dgm:spPr/>
     </dgm:pt>
     <dgm:pt modelId="{82C1E690-C8C5-481D-98BD-DA98E4A16FE5}" type="pres">
-      <dgm:prSet presAssocID="{1E4B0BD3-5642-4823-B6A4-04352150942B}" presName="desTx" presStyleLbl="node1" presStyleIdx="4" presStyleCnt="5">
+      <dgm:prSet presAssocID="{1E4B0BD3-5642-4823-B6A4-04352150942B}" presName="desTx" presStyleLbl="node1" presStyleIdx="4" presStyleCnt="6">
+        <dgm:presLayoutVars>
+          <dgm:bulletEnabled val="1"/>
+        </dgm:presLayoutVars>
+      </dgm:prSet>
+      <dgm:spPr/>
+      <dgm:t>
+        <a:bodyPr/>
+        <a:lstStyle/>
+        <a:p>
+          <a:endParaRPr lang="en-US"/>
+        </a:p>
+      </dgm:t>
+    </dgm:pt>
+    <dgm:pt modelId="{3D1BBA5C-FB3C-4CBE-84BD-4456BF042B20}" type="pres">
+      <dgm:prSet presAssocID="{F559ED90-7F33-4E03-9F77-C34595E03981}" presName="spV" presStyleCnt="0"/>
+      <dgm:spPr/>
+    </dgm:pt>
+    <dgm:pt modelId="{BB7620A0-7830-45D8-B1D1-5BE0854AD1FC}" type="pres">
+      <dgm:prSet presAssocID="{24646FDE-A7A6-49C9-B6D3-A7746FBE23FD}" presName="linNode" presStyleCnt="0"/>
+      <dgm:spPr/>
+    </dgm:pt>
+    <dgm:pt modelId="{865354EB-F09A-4BEF-9288-CED6E42B7F5F}" type="pres">
+      <dgm:prSet presAssocID="{24646FDE-A7A6-49C9-B6D3-A7746FBE23FD}" presName="parTx" presStyleLbl="revTx" presStyleIdx="5" presStyleCnt="6">
+        <dgm:presLayoutVars>
+          <dgm:chMax val="1"/>
+          <dgm:bulletEnabled val="1"/>
+        </dgm:presLayoutVars>
+      </dgm:prSet>
+      <dgm:spPr/>
+      <dgm:t>
+        <a:bodyPr/>
+        <a:lstStyle/>
+        <a:p>
+          <a:endParaRPr lang="en-US"/>
+        </a:p>
+      </dgm:t>
+    </dgm:pt>
+    <dgm:pt modelId="{EBE01F4D-61AC-4040-9EDE-4466A6279156}" type="pres">
+      <dgm:prSet presAssocID="{24646FDE-A7A6-49C9-B6D3-A7746FBE23FD}" presName="bracket" presStyleLbl="parChTrans1D1" presStyleIdx="5" presStyleCnt="6"/>
+      <dgm:spPr/>
+    </dgm:pt>
+    <dgm:pt modelId="{61088FF2-9756-4606-AB52-1FF293EED3D0}" type="pres">
+      <dgm:prSet presAssocID="{24646FDE-A7A6-49C9-B6D3-A7746FBE23FD}" presName="spH" presStyleCnt="0"/>
+      <dgm:spPr/>
+    </dgm:pt>
+    <dgm:pt modelId="{8BBB3DE3-53A4-455F-BA3A-A24D00B6F76E}" type="pres">
+      <dgm:prSet presAssocID="{24646FDE-A7A6-49C9-B6D3-A7746FBE23FD}" presName="desTx" presStyleLbl="node1" presStyleIdx="5" presStyleCnt="6">
         <dgm:presLayoutVars>
           <dgm:bulletEnabled val="1"/>
         </dgm:presLayoutVars>
@@ -5298,35 +5562,41 @@
     </dgm:pt>
   </dgm:ptLst>
   <dgm:cxnLst>
+    <dgm:cxn modelId="{0CD0F2D8-6DCD-4F3D-8ADE-ABB364EBC543}" srcId="{71C4F53D-73F7-43C0-8068-C97792B04C36}" destId="{1E4B0BD3-5642-4823-B6A4-04352150942B}" srcOrd="4" destOrd="0" parTransId="{E79CB9DB-6B06-4ABA-8770-B4212675838B}" sibTransId="{F559ED90-7F33-4E03-9F77-C34595E03981}"/>
+    <dgm:cxn modelId="{C881AC3F-7B2C-4328-8138-82D51AEAF5B8}" srcId="{71C4F53D-73F7-43C0-8068-C97792B04C36}" destId="{24646FDE-A7A6-49C9-B6D3-A7746FBE23FD}" srcOrd="5" destOrd="0" parTransId="{F2C4528D-A411-4968-8DE0-CE26438227E0}" sibTransId="{6EF50196-3068-4C6C-BE7E-721736B91853}"/>
+    <dgm:cxn modelId="{0B7039BD-7F96-4664-9AC3-77425F9607C6}" srcId="{71C4F53D-73F7-43C0-8068-C97792B04C36}" destId="{21C4817F-65F1-42DC-AEC0-8A3876F5CF6B}" srcOrd="1" destOrd="0" parTransId="{BCFF8BE3-7893-4363-92EB-DB424B6C8284}" sibTransId="{49C5D47E-F908-429B-A1A4-3B10CF93975A}"/>
+    <dgm:cxn modelId="{E974D44E-55F7-4455-8565-A8AA0E6A338B}" srcId="{24646FDE-A7A6-49C9-B6D3-A7746FBE23FD}" destId="{573A4C89-B15D-436D-AD79-383E719631BF}" srcOrd="0" destOrd="0" parTransId="{FBABB7F8-7BB2-4F2B-9D7D-794C04E8475E}" sibTransId="{F6E17F33-A769-4554-8809-8A4F4FB5CD71}"/>
+    <dgm:cxn modelId="{79CDB838-F679-4B1C-A773-E10676986FA3}" type="presOf" srcId="{699459BF-9F52-4253-B5ED-310473273EAB}" destId="{446D2CC6-7E84-42BD-AD30-32D47A0F0399}" srcOrd="0" destOrd="0" presId="urn:diagrams.loki3.com/BracketList"/>
+    <dgm:cxn modelId="{B42CF900-1AF2-40E5-BC06-6E0C0807F12F}" srcId="{DE6D2516-4118-4481-9AE1-239E68CF98D2}" destId="{C8E40756-9366-4A5B-9723-0598A69970E0}" srcOrd="2" destOrd="0" parTransId="{128A2309-F248-4823-A0B9-D7CB12CC1775}" sibTransId="{057B20A8-F038-437E-81E3-4AF3FAEBB302}"/>
+    <dgm:cxn modelId="{CB4426B8-C639-4F8B-916C-E9126ABB2581}" type="presOf" srcId="{05964A79-4725-4883-B839-DB50CA2A0D19}" destId="{D35AC0B4-0EA2-4E5A-8208-E9F15E287E2B}" srcOrd="0" destOrd="0" presId="urn:diagrams.loki3.com/BracketList"/>
+    <dgm:cxn modelId="{532888F1-D219-4FD3-8122-0B00C0AEB935}" srcId="{21C4817F-65F1-42DC-AEC0-8A3876F5CF6B}" destId="{05964A79-4725-4883-B839-DB50CA2A0D19}" srcOrd="0" destOrd="0" parTransId="{040CD8DF-5FD5-4DAB-8A45-F1DB1554849C}" sibTransId="{35CB8696-C443-418A-B1F0-94EB8919A29F}"/>
+    <dgm:cxn modelId="{D672D515-0195-46DF-84B2-580C0353061E}" srcId="{1E4B0BD3-5642-4823-B6A4-04352150942B}" destId="{497D0993-E84E-4510-AD28-62C51A318D82}" srcOrd="2" destOrd="0" parTransId="{79DA9500-5861-468E-99B2-0842D723D03C}" sibTransId="{2574475E-935E-4511-9547-7D5ACDB4FA29}"/>
+    <dgm:cxn modelId="{4CC13B6B-0E6E-432D-9108-128E5D91DE05}" srcId="{DE6D2516-4118-4481-9AE1-239E68CF98D2}" destId="{699459BF-9F52-4253-B5ED-310473273EAB}" srcOrd="0" destOrd="0" parTransId="{F8AB79B3-5B8A-49DD-8D81-C7C4BCD66DDD}" sibTransId="{78AE9A96-D090-4F74-8A5A-6706E6A31281}"/>
+    <dgm:cxn modelId="{6E70C445-2C7B-44D2-A1D4-23AE6EEC0801}" type="presOf" srcId="{573A4C89-B15D-436D-AD79-383E719631BF}" destId="{8BBB3DE3-53A4-455F-BA3A-A24D00B6F76E}" srcOrd="0" destOrd="0" presId="urn:diagrams.loki3.com/BracketList"/>
+    <dgm:cxn modelId="{D893A8DA-7E8E-465B-9619-FCF50A16B90F}" type="presOf" srcId="{24646FDE-A7A6-49C9-B6D3-A7746FBE23FD}" destId="{865354EB-F09A-4BEF-9288-CED6E42B7F5F}" srcOrd="0" destOrd="0" presId="urn:diagrams.loki3.com/BracketList"/>
     <dgm:cxn modelId="{F5B3F094-AACC-4C56-AA31-CCDF3304A544}" type="presOf" srcId="{1E4B0BD3-5642-4823-B6A4-04352150942B}" destId="{FF5960F5-4FEE-476C-A20A-30D655E9D5D1}" srcOrd="0" destOrd="0" presId="urn:diagrams.loki3.com/BracketList"/>
+    <dgm:cxn modelId="{96738B1D-A52D-4037-BD62-F43BE962A4C8}" type="presOf" srcId="{4A0F1DA1-DE38-4685-BB51-5B84C5F89053}" destId="{79FE4C6C-0939-4E76-8471-EC38D3CAFE0F}" srcOrd="0" destOrd="0" presId="urn:diagrams.loki3.com/BracketList"/>
+    <dgm:cxn modelId="{BE13A29D-4F5C-4A70-AD6D-72E3992DDA3B}" type="presOf" srcId="{B442EC3C-8DB9-4C63-A99D-58A8EAEE2802}" destId="{BA2B4D5C-F1D5-4206-89F2-1A674F6ECC6F}" srcOrd="0" destOrd="0" presId="urn:diagrams.loki3.com/BracketList"/>
     <dgm:cxn modelId="{FE54E0F5-D8DF-471D-85F0-76BDF08471AE}" type="presOf" srcId="{8A0E79FD-2837-4BFD-AC46-A82EA174AC4A}" destId="{CAF7A30C-32B5-439A-AD55-840996077434}" srcOrd="0" destOrd="0" presId="urn:diagrams.loki3.com/BracketList"/>
+    <dgm:cxn modelId="{2273A345-52DF-4A8B-9E47-08AA4E347DFA}" type="presOf" srcId="{21C4817F-65F1-42DC-AEC0-8A3876F5CF6B}" destId="{F7B03BAF-4A61-4897-885F-5DEDC69024C3}" srcOrd="0" destOrd="0" presId="urn:diagrams.loki3.com/BracketList"/>
+    <dgm:cxn modelId="{E708F748-6CB1-43D8-BE76-57A8EA7A9D98}" type="presOf" srcId="{881A90BF-7FCA-4536-A458-EBB6A0309B15}" destId="{8BBB3DE3-53A4-455F-BA3A-A24D00B6F76E}" srcOrd="0" destOrd="1" presId="urn:diagrams.loki3.com/BracketList"/>
+    <dgm:cxn modelId="{CDC8B92B-465A-4DF0-AABA-F04E27DA36F8}" srcId="{71C4F53D-73F7-43C0-8068-C97792B04C36}" destId="{DE6D2516-4118-4481-9AE1-239E68CF98D2}" srcOrd="0" destOrd="0" parTransId="{A4C3CBF8-74E7-4C81-A89F-610B6D1D3679}" sibTransId="{12AE46C6-7A59-448D-B86D-4297AEB7A754}"/>
+    <dgm:cxn modelId="{6C5CFD74-18E3-4EB1-B7FD-EEE4A1EC4E08}" type="presOf" srcId="{0A2BB538-E9A2-40F3-BA82-76728829BBBF}" destId="{786962EE-063A-444D-9F24-DA8806182FC3}" srcOrd="0" destOrd="0" presId="urn:diagrams.loki3.com/BracketList"/>
+    <dgm:cxn modelId="{B194201A-6F4A-4426-91A6-02F91E3EEA1F}" type="presOf" srcId="{DE6D2516-4118-4481-9AE1-239E68CF98D2}" destId="{7750B759-A213-40FA-BEB4-4C184A1AF0F6}" srcOrd="0" destOrd="0" presId="urn:diagrams.loki3.com/BracketList"/>
+    <dgm:cxn modelId="{55132EF4-AF34-467D-81C9-92CE7CD5C56C}" srcId="{B442EC3C-8DB9-4C63-A99D-58A8EAEE2802}" destId="{8A0E79FD-2837-4BFD-AC46-A82EA174AC4A}" srcOrd="0" destOrd="0" parTransId="{AD3B7FEB-B437-40F8-826B-CF4876EB1F3F}" sibTransId="{CCE41D1F-C35B-4D30-80B4-3CB0F19C92A4}"/>
+    <dgm:cxn modelId="{BCE7DD19-A062-479F-AC95-179080679FA3}" type="presOf" srcId="{774E5BB6-F157-406A-9CD7-C68B5D201872}" destId="{82C1E690-C8C5-481D-98BD-DA98E4A16FE5}" srcOrd="0" destOrd="1" presId="urn:diagrams.loki3.com/BracketList"/>
+    <dgm:cxn modelId="{7BDA078E-243E-45A0-9FB4-5D016FD867D9}" srcId="{1E4B0BD3-5642-4823-B6A4-04352150942B}" destId="{774E5BB6-F157-406A-9CD7-C68B5D201872}" srcOrd="1" destOrd="0" parTransId="{610CFC5F-F71C-4609-85E3-4E91E6BA23BD}" sibTransId="{E3EEB503-89BB-4F57-ABCB-E98D699C4B6A}"/>
+    <dgm:cxn modelId="{70FB38AE-14C2-4F49-9C69-6E0770251A65}" srcId="{DE6D2516-4118-4481-9AE1-239E68CF98D2}" destId="{A171A341-94B2-4D0E-A907-28EEDFED180C}" srcOrd="1" destOrd="0" parTransId="{794BA199-F8B9-420C-BC82-438436E7615C}" sibTransId="{A5867818-EBD0-4C68-B512-B0ED2157ED5B}"/>
     <dgm:cxn modelId="{45282E5A-FF3E-4E5C-A35F-EF95318CE13F}" type="presOf" srcId="{C8E40756-9366-4A5B-9723-0598A69970E0}" destId="{446D2CC6-7E84-42BD-AD30-32D47A0F0399}" srcOrd="0" destOrd="2" presId="urn:diagrams.loki3.com/BracketList"/>
-    <dgm:cxn modelId="{0CD0F2D8-6DCD-4F3D-8ADE-ABB364EBC543}" srcId="{71C4F53D-73F7-43C0-8068-C97792B04C36}" destId="{1E4B0BD3-5642-4823-B6A4-04352150942B}" srcOrd="4" destOrd="0" parTransId="{E79CB9DB-6B06-4ABA-8770-B4212675838B}" sibTransId="{F559ED90-7F33-4E03-9F77-C34595E03981}"/>
-    <dgm:cxn modelId="{532888F1-D219-4FD3-8122-0B00C0AEB935}" srcId="{21C4817F-65F1-42DC-AEC0-8A3876F5CF6B}" destId="{05964A79-4725-4883-B839-DB50CA2A0D19}" srcOrd="0" destOrd="0" parTransId="{040CD8DF-5FD5-4DAB-8A45-F1DB1554849C}" sibTransId="{35CB8696-C443-418A-B1F0-94EB8919A29F}"/>
-    <dgm:cxn modelId="{CB4426B8-C639-4F8B-916C-E9126ABB2581}" type="presOf" srcId="{05964A79-4725-4883-B839-DB50CA2A0D19}" destId="{D35AC0B4-0EA2-4E5A-8208-E9F15E287E2B}" srcOrd="0" destOrd="0" presId="urn:diagrams.loki3.com/BracketList"/>
-    <dgm:cxn modelId="{2273A345-52DF-4A8B-9E47-08AA4E347DFA}" type="presOf" srcId="{21C4817F-65F1-42DC-AEC0-8A3876F5CF6B}" destId="{F7B03BAF-4A61-4897-885F-5DEDC69024C3}" srcOrd="0" destOrd="0" presId="urn:diagrams.loki3.com/BracketList"/>
-    <dgm:cxn modelId="{BE13A29D-4F5C-4A70-AD6D-72E3992DDA3B}" type="presOf" srcId="{B442EC3C-8DB9-4C63-A99D-58A8EAEE2802}" destId="{BA2B4D5C-F1D5-4206-89F2-1A674F6ECC6F}" srcOrd="0" destOrd="0" presId="urn:diagrams.loki3.com/BracketList"/>
+    <dgm:cxn modelId="{CB4D371E-7619-41CC-8393-2BD5205FC1D4}" type="presOf" srcId="{3ECF5029-6465-4278-B12D-C24019B5ABED}" destId="{82C1E690-C8C5-481D-98BD-DA98E4A16FE5}" srcOrd="0" destOrd="0" presId="urn:diagrams.loki3.com/BracketList"/>
+    <dgm:cxn modelId="{C332B8DE-D2C8-4439-A58D-F94BA8E99C12}" srcId="{0A2BB538-E9A2-40F3-BA82-76728829BBBF}" destId="{4A0F1DA1-DE38-4685-BB51-5B84C5F89053}" srcOrd="0" destOrd="0" parTransId="{641B1121-467B-4A8B-9663-8649557FB65A}" sibTransId="{FFFC0C6C-F03B-4B7B-9781-ADA4B3AA4DCB}"/>
+    <dgm:cxn modelId="{4ACA428F-439F-447A-9419-7D258E36BA2C}" srcId="{71C4F53D-73F7-43C0-8068-C97792B04C36}" destId="{0A2BB538-E9A2-40F3-BA82-76728829BBBF}" srcOrd="2" destOrd="0" parTransId="{5043B0DE-DBFC-4188-BDC2-B808304C89B4}" sibTransId="{DDD00D69-B8C3-48AD-B53E-FE038DACC3AA}"/>
+    <dgm:cxn modelId="{866BA3BD-CBFD-49DB-B175-2CDDF4A7DD74}" type="presOf" srcId="{497D0993-E84E-4510-AD28-62C51A318D82}" destId="{82C1E690-C8C5-481D-98BD-DA98E4A16FE5}" srcOrd="0" destOrd="2" presId="urn:diagrams.loki3.com/BracketList"/>
     <dgm:cxn modelId="{6B6C317A-8573-404F-B7CF-4B3DC9C38DAD}" srcId="{71C4F53D-73F7-43C0-8068-C97792B04C36}" destId="{B442EC3C-8DB9-4C63-A99D-58A8EAEE2802}" srcOrd="3" destOrd="0" parTransId="{A1F5A16F-D5EE-4451-A9E0-C05030724E91}" sibTransId="{FA7938D0-BFA7-440A-8DB1-03BB25DAE2B1}"/>
-    <dgm:cxn modelId="{866BA3BD-CBFD-49DB-B175-2CDDF4A7DD74}" type="presOf" srcId="{497D0993-E84E-4510-AD28-62C51A318D82}" destId="{82C1E690-C8C5-481D-98BD-DA98E4A16FE5}" srcOrd="0" destOrd="2" presId="urn:diagrams.loki3.com/BracketList"/>
-    <dgm:cxn modelId="{70FB38AE-14C2-4F49-9C69-6E0770251A65}" srcId="{DE6D2516-4118-4481-9AE1-239E68CF98D2}" destId="{A171A341-94B2-4D0E-A907-28EEDFED180C}" srcOrd="1" destOrd="0" parTransId="{794BA199-F8B9-420C-BC82-438436E7615C}" sibTransId="{A5867818-EBD0-4C68-B512-B0ED2157ED5B}"/>
-    <dgm:cxn modelId="{4CC13B6B-0E6E-432D-9108-128E5D91DE05}" srcId="{DE6D2516-4118-4481-9AE1-239E68CF98D2}" destId="{699459BF-9F52-4253-B5ED-310473273EAB}" srcOrd="0" destOrd="0" parTransId="{F8AB79B3-5B8A-49DD-8D81-C7C4BCD66DDD}" sibTransId="{78AE9A96-D090-4F74-8A5A-6706E6A31281}"/>
-    <dgm:cxn modelId="{55132EF4-AF34-467D-81C9-92CE7CD5C56C}" srcId="{B442EC3C-8DB9-4C63-A99D-58A8EAEE2802}" destId="{8A0E79FD-2837-4BFD-AC46-A82EA174AC4A}" srcOrd="0" destOrd="0" parTransId="{AD3B7FEB-B437-40F8-826B-CF4876EB1F3F}" sibTransId="{CCE41D1F-C35B-4D30-80B4-3CB0F19C92A4}"/>
+    <dgm:cxn modelId="{BC6F89CC-641D-4584-9884-9BDE13E7F31D}" srcId="{573A4C89-B15D-436D-AD79-383E719631BF}" destId="{881A90BF-7FCA-4536-A458-EBB6A0309B15}" srcOrd="0" destOrd="0" parTransId="{5B06E933-CF23-4DE2-AA71-A572D9BD2215}" sibTransId="{B696E601-4C26-469A-886E-60122FC4CA59}"/>
+    <dgm:cxn modelId="{E42D2982-F621-4BDD-B985-53B4A3B91981}" srcId="{1E4B0BD3-5642-4823-B6A4-04352150942B}" destId="{3ECF5029-6465-4278-B12D-C24019B5ABED}" srcOrd="0" destOrd="0" parTransId="{18F02463-1224-4093-924E-5328E8169987}" sibTransId="{E2ABAD00-7A9A-4A4D-B190-95A5DD72979A}"/>
     <dgm:cxn modelId="{4154886C-0FAD-493B-AB1B-199296681F54}" type="presOf" srcId="{71C4F53D-73F7-43C0-8068-C97792B04C36}" destId="{3FB101F4-D626-4CB9-B46F-A5D1E728A3EF}" srcOrd="0" destOrd="0" presId="urn:diagrams.loki3.com/BracketList"/>
-    <dgm:cxn modelId="{BCE7DD19-A062-479F-AC95-179080679FA3}" type="presOf" srcId="{774E5BB6-F157-406A-9CD7-C68B5D201872}" destId="{82C1E690-C8C5-481D-98BD-DA98E4A16FE5}" srcOrd="0" destOrd="1" presId="urn:diagrams.loki3.com/BracketList"/>
-    <dgm:cxn modelId="{CDC8B92B-465A-4DF0-AABA-F04E27DA36F8}" srcId="{71C4F53D-73F7-43C0-8068-C97792B04C36}" destId="{DE6D2516-4118-4481-9AE1-239E68CF98D2}" srcOrd="0" destOrd="0" parTransId="{A4C3CBF8-74E7-4C81-A89F-610B6D1D3679}" sibTransId="{12AE46C6-7A59-448D-B86D-4297AEB7A754}"/>
-    <dgm:cxn modelId="{B194201A-6F4A-4426-91A6-02F91E3EEA1F}" type="presOf" srcId="{DE6D2516-4118-4481-9AE1-239E68CF98D2}" destId="{7750B759-A213-40FA-BEB4-4C184A1AF0F6}" srcOrd="0" destOrd="0" presId="urn:diagrams.loki3.com/BracketList"/>
-    <dgm:cxn modelId="{B42CF900-1AF2-40E5-BC06-6E0C0807F12F}" srcId="{DE6D2516-4118-4481-9AE1-239E68CF98D2}" destId="{C8E40756-9366-4A5B-9723-0598A69970E0}" srcOrd="2" destOrd="0" parTransId="{128A2309-F248-4823-A0B9-D7CB12CC1775}" sibTransId="{057B20A8-F038-437E-81E3-4AF3FAEBB302}"/>
-    <dgm:cxn modelId="{79CDB838-F679-4B1C-A773-E10676986FA3}" type="presOf" srcId="{699459BF-9F52-4253-B5ED-310473273EAB}" destId="{446D2CC6-7E84-42BD-AD30-32D47A0F0399}" srcOrd="0" destOrd="0" presId="urn:diagrams.loki3.com/BracketList"/>
-    <dgm:cxn modelId="{CB4D371E-7619-41CC-8393-2BD5205FC1D4}" type="presOf" srcId="{3ECF5029-6465-4278-B12D-C24019B5ABED}" destId="{82C1E690-C8C5-481D-98BD-DA98E4A16FE5}" srcOrd="0" destOrd="0" presId="urn:diagrams.loki3.com/BracketList"/>
-    <dgm:cxn modelId="{E42D2982-F621-4BDD-B985-53B4A3B91981}" srcId="{1E4B0BD3-5642-4823-B6A4-04352150942B}" destId="{3ECF5029-6465-4278-B12D-C24019B5ABED}" srcOrd="0" destOrd="0" parTransId="{18F02463-1224-4093-924E-5328E8169987}" sibTransId="{E2ABAD00-7A9A-4A4D-B190-95A5DD72979A}"/>
-    <dgm:cxn modelId="{0B7039BD-7F96-4664-9AC3-77425F9607C6}" srcId="{71C4F53D-73F7-43C0-8068-C97792B04C36}" destId="{21C4817F-65F1-42DC-AEC0-8A3876F5CF6B}" srcOrd="1" destOrd="0" parTransId="{BCFF8BE3-7893-4363-92EB-DB424B6C8284}" sibTransId="{49C5D47E-F908-429B-A1A4-3B10CF93975A}"/>
-    <dgm:cxn modelId="{D672D515-0195-46DF-84B2-580C0353061E}" srcId="{1E4B0BD3-5642-4823-B6A4-04352150942B}" destId="{497D0993-E84E-4510-AD28-62C51A318D82}" srcOrd="2" destOrd="0" parTransId="{79DA9500-5861-468E-99B2-0842D723D03C}" sibTransId="{2574475E-935E-4511-9547-7D5ACDB4FA29}"/>
-    <dgm:cxn modelId="{7BDA078E-243E-45A0-9FB4-5D016FD867D9}" srcId="{1E4B0BD3-5642-4823-B6A4-04352150942B}" destId="{774E5BB6-F157-406A-9CD7-C68B5D201872}" srcOrd="1" destOrd="0" parTransId="{610CFC5F-F71C-4609-85E3-4E91E6BA23BD}" sibTransId="{E3EEB503-89BB-4F57-ABCB-E98D699C4B6A}"/>
     <dgm:cxn modelId="{2FC1D945-5346-47DF-A4E2-ADCDB0C4B37E}" type="presOf" srcId="{A171A341-94B2-4D0E-A907-28EEDFED180C}" destId="{446D2CC6-7E84-42BD-AD30-32D47A0F0399}" srcOrd="0" destOrd="1" presId="urn:diagrams.loki3.com/BracketList"/>
-    <dgm:cxn modelId="{4ACA428F-439F-447A-9419-7D258E36BA2C}" srcId="{71C4F53D-73F7-43C0-8068-C97792B04C36}" destId="{0A2BB538-E9A2-40F3-BA82-76728829BBBF}" srcOrd="2" destOrd="0" parTransId="{5043B0DE-DBFC-4188-BDC2-B808304C89B4}" sibTransId="{DDD00D69-B8C3-48AD-B53E-FE038DACC3AA}"/>
-    <dgm:cxn modelId="{C332B8DE-D2C8-4439-A58D-F94BA8E99C12}" srcId="{0A2BB538-E9A2-40F3-BA82-76728829BBBF}" destId="{4A0F1DA1-DE38-4685-BB51-5B84C5F89053}" srcOrd="0" destOrd="0" parTransId="{641B1121-467B-4A8B-9663-8649557FB65A}" sibTransId="{FFFC0C6C-F03B-4B7B-9781-ADA4B3AA4DCB}"/>
-    <dgm:cxn modelId="{6C5CFD74-18E3-4EB1-B7FD-EEE4A1EC4E08}" type="presOf" srcId="{0A2BB538-E9A2-40F3-BA82-76728829BBBF}" destId="{786962EE-063A-444D-9F24-DA8806182FC3}" srcOrd="0" destOrd="0" presId="urn:diagrams.loki3.com/BracketList"/>
-    <dgm:cxn modelId="{96738B1D-A52D-4037-BD62-F43BE962A4C8}" type="presOf" srcId="{4A0F1DA1-DE38-4685-BB51-5B84C5F89053}" destId="{79FE4C6C-0939-4E76-8471-EC38D3CAFE0F}" srcOrd="0" destOrd="0" presId="urn:diagrams.loki3.com/BracketList"/>
     <dgm:cxn modelId="{B904621D-F8DF-4513-8C10-1C9A166DC18B}" type="presParOf" srcId="{3FB101F4-D626-4CB9-B46F-A5D1E728A3EF}" destId="{F98A47C1-84A5-4B2A-A53D-7AEAF6CEB80C}" srcOrd="0" destOrd="0" presId="urn:diagrams.loki3.com/BracketList"/>
     <dgm:cxn modelId="{E94CFDF8-F494-4A74-A039-CCC7735480DC}" type="presParOf" srcId="{F98A47C1-84A5-4B2A-A53D-7AEAF6CEB80C}" destId="{7750B759-A213-40FA-BEB4-4C184A1AF0F6}" srcOrd="0" destOrd="0" presId="urn:diagrams.loki3.com/BracketList"/>
     <dgm:cxn modelId="{CE13D388-5A36-4028-A286-9DD1D612FC58}" type="presParOf" srcId="{F98A47C1-84A5-4B2A-A53D-7AEAF6CEB80C}" destId="{43C750AB-DAD2-4C07-9CAF-0A2F6A1FA388}" srcOrd="1" destOrd="0" presId="urn:diagrams.loki3.com/BracketList"/>
@@ -5356,6 +5626,12 @@
     <dgm:cxn modelId="{DE15BC4E-542F-4605-B3C2-D078C3443C11}" type="presParOf" srcId="{DD1ED7DA-B442-4D08-BF55-D7ADFD08A7EE}" destId="{50D48225-666A-40A3-BF9F-60CC702DB955}" srcOrd="1" destOrd="0" presId="urn:diagrams.loki3.com/BracketList"/>
     <dgm:cxn modelId="{C44D31CA-546E-4456-8C24-F2669D40C1FE}" type="presParOf" srcId="{DD1ED7DA-B442-4D08-BF55-D7ADFD08A7EE}" destId="{C582106F-D2C2-490B-AD2A-ACD26BC0D750}" srcOrd="2" destOrd="0" presId="urn:diagrams.loki3.com/BracketList"/>
     <dgm:cxn modelId="{A6BF2541-BD2A-4FD5-B6D3-B6776112A4CA}" type="presParOf" srcId="{DD1ED7DA-B442-4D08-BF55-D7ADFD08A7EE}" destId="{82C1E690-C8C5-481D-98BD-DA98E4A16FE5}" srcOrd="3" destOrd="0" presId="urn:diagrams.loki3.com/BracketList"/>
+    <dgm:cxn modelId="{8F3017A1-3451-405C-8DB6-38E84E24EE36}" type="presParOf" srcId="{3FB101F4-D626-4CB9-B46F-A5D1E728A3EF}" destId="{3D1BBA5C-FB3C-4CBE-84BD-4456BF042B20}" srcOrd="9" destOrd="0" presId="urn:diagrams.loki3.com/BracketList"/>
+    <dgm:cxn modelId="{B492A80B-1DFF-4EF8-A82B-BF6B865C3F32}" type="presParOf" srcId="{3FB101F4-D626-4CB9-B46F-A5D1E728A3EF}" destId="{BB7620A0-7830-45D8-B1D1-5BE0854AD1FC}" srcOrd="10" destOrd="0" presId="urn:diagrams.loki3.com/BracketList"/>
+    <dgm:cxn modelId="{50ABA693-82FE-48D0-902C-9A3F7E34DCB8}" type="presParOf" srcId="{BB7620A0-7830-45D8-B1D1-5BE0854AD1FC}" destId="{865354EB-F09A-4BEF-9288-CED6E42B7F5F}" srcOrd="0" destOrd="0" presId="urn:diagrams.loki3.com/BracketList"/>
+    <dgm:cxn modelId="{96E2153B-6022-47D6-A291-F06A85338484}" type="presParOf" srcId="{BB7620A0-7830-45D8-B1D1-5BE0854AD1FC}" destId="{EBE01F4D-61AC-4040-9EDE-4466A6279156}" srcOrd="1" destOrd="0" presId="urn:diagrams.loki3.com/BracketList"/>
+    <dgm:cxn modelId="{AF276733-8527-4823-B4DB-392FC1A8AFA7}" type="presParOf" srcId="{BB7620A0-7830-45D8-B1D1-5BE0854AD1FC}" destId="{61088FF2-9756-4606-AB52-1FF293EED3D0}" srcOrd="2" destOrd="0" presId="urn:diagrams.loki3.com/BracketList"/>
+    <dgm:cxn modelId="{2A66F5F8-D496-46E7-88F2-BBF6CF6C9BEF}" type="presParOf" srcId="{BB7620A0-7830-45D8-B1D1-5BE0854AD1FC}" destId="{8BBB3DE3-53A4-455F-BA3A-A24D00B6F76E}" srcOrd="3" destOrd="0" presId="urn:diagrams.loki3.com/BracketList"/>
   </dgm:cxnLst>
   <dgm:bg/>
   <dgm:whole/>
@@ -5970,6 +6246,1243 @@
       <dsp:cNvGrpSpPr/>
     </dsp:nvGrpSpPr>
     <dsp:grpSpPr/>
+    <dsp:sp modelId="{7750B759-A213-40FA-BEB4-4C184A1AF0F6}">
+      <dsp:nvSpPr>
+        <dsp:cNvPr id="0" name=""/>
+        <dsp:cNvSpPr/>
+      </dsp:nvSpPr>
+      <dsp:spPr>
+        <a:xfrm>
+          <a:off x="2761" y="448060"/>
+          <a:ext cx="1412470" cy="237600"/>
+        </a:xfrm>
+        <a:prstGeom prst="rect">
+          <a:avLst/>
+        </a:prstGeom>
+        <a:noFill/>
+        <a:ln>
+          <a:noFill/>
+        </a:ln>
+        <a:effectLst/>
+      </dsp:spPr>
+      <dsp:style>
+        <a:lnRef idx="0">
+          <a:scrgbClr r="0" g="0" b="0"/>
+        </a:lnRef>
+        <a:fillRef idx="0">
+          <a:scrgbClr r="0" g="0" b="0"/>
+        </a:fillRef>
+        <a:effectRef idx="0">
+          <a:scrgbClr r="0" g="0" b="0"/>
+        </a:effectRef>
+        <a:fontRef idx="minor"/>
+      </dsp:style>
+      <dsp:txBody>
+        <a:bodyPr spcFirstLastPara="0" vert="horz" wrap="square" lIns="85344" tIns="30480" rIns="85344" bIns="30480" numCol="1" spcCol="1270" anchor="ctr" anchorCtr="0">
+          <a:noAutofit/>
+        </a:bodyPr>
+        <a:lstStyle/>
+        <a:p>
+          <a:pPr lvl="0" algn="r" defTabSz="533400">
+            <a:lnSpc>
+              <a:spcPct val="90000"/>
+            </a:lnSpc>
+            <a:spcBef>
+              <a:spcPct val="0"/>
+            </a:spcBef>
+            <a:spcAft>
+              <a:spcPct val="35000"/>
+            </a:spcAft>
+          </a:pPr>
+          <a:r>
+            <a:rPr lang="en-US" sz="1200" kern="1200" dirty="0" smtClean="0"/>
+            <a:t>Step 1</a:t>
+          </a:r>
+          <a:endParaRPr lang="en-US" sz="1200" kern="1200" dirty="0"/>
+        </a:p>
+      </dsp:txBody>
+      <dsp:txXfrm>
+        <a:off x="2761" y="448060"/>
+        <a:ext cx="1412470" cy="237600"/>
+      </dsp:txXfrm>
+    </dsp:sp>
+    <dsp:sp modelId="{43C750AB-DAD2-4C07-9CAF-0A2F6A1FA388}">
+      <dsp:nvSpPr>
+        <dsp:cNvPr id="0" name=""/>
+        <dsp:cNvSpPr/>
+      </dsp:nvSpPr>
+      <dsp:spPr>
+        <a:xfrm>
+          <a:off x="1415232" y="151060"/>
+          <a:ext cx="282494" cy="831600"/>
+        </a:xfrm>
+        <a:prstGeom prst="leftBrace">
+          <a:avLst>
+            <a:gd name="adj1" fmla="val 35000"/>
+            <a:gd name="adj2" fmla="val 50000"/>
+          </a:avLst>
+        </a:prstGeom>
+        <a:noFill/>
+        <a:ln w="12700" cap="flat" cmpd="sng" algn="ctr">
+          <a:solidFill>
+            <a:schemeClr val="accent1">
+              <a:hueOff val="0"/>
+              <a:satOff val="0"/>
+              <a:lumOff val="0"/>
+              <a:alphaOff val="0"/>
+            </a:schemeClr>
+          </a:solidFill>
+          <a:prstDash val="solid"/>
+          <a:miter lim="800000"/>
+        </a:ln>
+        <a:effectLst/>
+      </dsp:spPr>
+      <dsp:style>
+        <a:lnRef idx="2">
+          <a:scrgbClr r="0" g="0" b="0"/>
+        </a:lnRef>
+        <a:fillRef idx="0">
+          <a:scrgbClr r="0" g="0" b="0"/>
+        </a:fillRef>
+        <a:effectRef idx="0">
+          <a:scrgbClr r="0" g="0" b="0"/>
+        </a:effectRef>
+        <a:fontRef idx="minor"/>
+      </dsp:style>
+    </dsp:sp>
+    <dsp:sp modelId="{446D2CC6-7E84-42BD-AD30-32D47A0F0399}">
+      <dsp:nvSpPr>
+        <dsp:cNvPr id="0" name=""/>
+        <dsp:cNvSpPr/>
+      </dsp:nvSpPr>
+      <dsp:spPr>
+        <a:xfrm>
+          <a:off x="1810724" y="151060"/>
+          <a:ext cx="3841920" cy="831600"/>
+        </a:xfrm>
+        <a:prstGeom prst="rect">
+          <a:avLst/>
+        </a:prstGeom>
+        <a:gradFill rotWithShape="0">
+          <a:gsLst>
+            <a:gs pos="0">
+              <a:srgbClr val="FF0000">
+                <a:lumMod val="50000"/>
+                <a:lumOff val="50000"/>
+                <a:alpha val="47000"/>
+              </a:srgbClr>
+            </a:gs>
+            <a:gs pos="100000">
+              <a:srgbClr val="FF0000">
+                <a:lumMod val="75000"/>
+                <a:lumOff val="25000"/>
+                <a:alpha val="75000"/>
+              </a:srgbClr>
+            </a:gs>
+          </a:gsLst>
+          <a:lin ang="2400000" scaled="0"/>
+        </a:gradFill>
+        <a:ln w="12700" cap="flat" cmpd="sng" algn="ctr">
+          <a:solidFill>
+            <a:schemeClr val="tx1"/>
+          </a:solidFill>
+          <a:prstDash val="solid"/>
+          <a:miter lim="800000"/>
+        </a:ln>
+        <a:effectLst/>
+      </dsp:spPr>
+      <dsp:style>
+        <a:lnRef idx="1">
+          <a:schemeClr val="accent1"/>
+        </a:lnRef>
+        <a:fillRef idx="2">
+          <a:schemeClr val="accent1"/>
+        </a:fillRef>
+        <a:effectRef idx="1">
+          <a:schemeClr val="accent1"/>
+        </a:effectRef>
+        <a:fontRef idx="minor">
+          <a:schemeClr val="dk1"/>
+        </a:fontRef>
+      </dsp:style>
+      <dsp:txBody>
+        <a:bodyPr spcFirstLastPara="0" vert="horz" wrap="square" lIns="45720" tIns="45720" rIns="45720" bIns="45720" numCol="1" spcCol="1270" anchor="ctr" anchorCtr="0">
+          <a:noAutofit/>
+        </a:bodyPr>
+        <a:lstStyle/>
+        <a:p>
+          <a:pPr marL="114300" lvl="1" indent="-114300" algn="l" defTabSz="533400">
+            <a:lnSpc>
+              <a:spcPct val="90000"/>
+            </a:lnSpc>
+            <a:spcBef>
+              <a:spcPct val="0"/>
+            </a:spcBef>
+            <a:spcAft>
+              <a:spcPct val="15000"/>
+            </a:spcAft>
+            <a:buChar char="••"/>
+          </a:pPr>
+          <a:r>
+            <a:rPr lang="en-US" sz="1200" kern="1200" dirty="0" smtClean="0"/>
+            <a:t>Decide on Java Object</a:t>
+          </a:r>
+          <a:endParaRPr lang="en-US" sz="1200" kern="1200" dirty="0"/>
+        </a:p>
+        <a:p>
+          <a:pPr marL="114300" lvl="1" indent="-114300" algn="l" defTabSz="533400">
+            <a:lnSpc>
+              <a:spcPct val="90000"/>
+            </a:lnSpc>
+            <a:spcBef>
+              <a:spcPct val="0"/>
+            </a:spcBef>
+            <a:spcAft>
+              <a:spcPct val="15000"/>
+            </a:spcAft>
+            <a:buChar char="••"/>
+          </a:pPr>
+          <a:r>
+            <a:rPr lang="en-US" sz="1200" kern="1200" dirty="0" smtClean="0"/>
+            <a:t>Can be standard Java library class like a </a:t>
+          </a:r>
+          <a:r>
+            <a:rPr lang="en-US" sz="1200" kern="1200" dirty="0" err="1" smtClean="0"/>
+            <a:t>ConcurrentSkipListSet</a:t>
+          </a:r>
+          <a:endParaRPr lang="en-US" sz="1200" kern="1200" dirty="0"/>
+        </a:p>
+        <a:p>
+          <a:pPr marL="114300" lvl="1" indent="-114300" algn="l" defTabSz="533400">
+            <a:lnSpc>
+              <a:spcPct val="90000"/>
+            </a:lnSpc>
+            <a:spcBef>
+              <a:spcPct val="0"/>
+            </a:spcBef>
+            <a:spcAft>
+              <a:spcPct val="15000"/>
+            </a:spcAft>
+            <a:buChar char="••"/>
+          </a:pPr>
+          <a:r>
+            <a:rPr lang="en-US" sz="1200" kern="1200" dirty="0" smtClean="0"/>
+            <a:t>Can be custom user-defined class</a:t>
+          </a:r>
+          <a:endParaRPr lang="en-US" sz="1200" kern="1200" dirty="0"/>
+        </a:p>
+      </dsp:txBody>
+      <dsp:txXfrm>
+        <a:off x="1810724" y="151060"/>
+        <a:ext cx="3841920" cy="831600"/>
+      </dsp:txXfrm>
+    </dsp:sp>
+    <dsp:sp modelId="{F7B03BAF-4A61-4897-885F-5DEDC69024C3}">
+      <dsp:nvSpPr>
+        <dsp:cNvPr id="0" name=""/>
+        <dsp:cNvSpPr/>
+      </dsp:nvSpPr>
+      <dsp:spPr>
+        <a:xfrm>
+          <a:off x="2761" y="1036998"/>
+          <a:ext cx="1412470" cy="237600"/>
+        </a:xfrm>
+        <a:prstGeom prst="rect">
+          <a:avLst/>
+        </a:prstGeom>
+        <a:noFill/>
+        <a:ln>
+          <a:noFill/>
+        </a:ln>
+        <a:effectLst/>
+      </dsp:spPr>
+      <dsp:style>
+        <a:lnRef idx="0">
+          <a:scrgbClr r="0" g="0" b="0"/>
+        </a:lnRef>
+        <a:fillRef idx="0">
+          <a:scrgbClr r="0" g="0" b="0"/>
+        </a:fillRef>
+        <a:effectRef idx="0">
+          <a:scrgbClr r="0" g="0" b="0"/>
+        </a:effectRef>
+        <a:fontRef idx="minor"/>
+      </dsp:style>
+      <dsp:txBody>
+        <a:bodyPr spcFirstLastPara="0" vert="horz" wrap="square" lIns="85344" tIns="30480" rIns="85344" bIns="30480" numCol="1" spcCol="1270" anchor="ctr" anchorCtr="0">
+          <a:noAutofit/>
+        </a:bodyPr>
+        <a:lstStyle/>
+        <a:p>
+          <a:pPr lvl="0" algn="r" defTabSz="533400">
+            <a:lnSpc>
+              <a:spcPct val="90000"/>
+            </a:lnSpc>
+            <a:spcBef>
+              <a:spcPct val="0"/>
+            </a:spcBef>
+            <a:spcAft>
+              <a:spcPct val="35000"/>
+            </a:spcAft>
+          </a:pPr>
+          <a:r>
+            <a:rPr lang="en-US" sz="1200" kern="1200" dirty="0" smtClean="0"/>
+            <a:t>Step 2</a:t>
+          </a:r>
+          <a:endParaRPr lang="en-US" sz="1200" kern="1200" dirty="0"/>
+        </a:p>
+      </dsp:txBody>
+      <dsp:txXfrm>
+        <a:off x="2761" y="1036998"/>
+        <a:ext cx="1412470" cy="237600"/>
+      </dsp:txXfrm>
+    </dsp:sp>
+    <dsp:sp modelId="{BEB0E3EA-8B29-4C3D-AD33-C275354954B4}">
+      <dsp:nvSpPr>
+        <dsp:cNvPr id="0" name=""/>
+        <dsp:cNvSpPr/>
+      </dsp:nvSpPr>
+      <dsp:spPr>
+        <a:xfrm>
+          <a:off x="1415232" y="1025860"/>
+          <a:ext cx="282494" cy="259875"/>
+        </a:xfrm>
+        <a:prstGeom prst="leftBrace">
+          <a:avLst>
+            <a:gd name="adj1" fmla="val 35000"/>
+            <a:gd name="adj2" fmla="val 50000"/>
+          </a:avLst>
+        </a:prstGeom>
+        <a:noFill/>
+        <a:ln w="12700" cap="flat" cmpd="sng" algn="ctr">
+          <a:solidFill>
+            <a:schemeClr val="accent1">
+              <a:hueOff val="0"/>
+              <a:satOff val="0"/>
+              <a:lumOff val="0"/>
+              <a:alphaOff val="0"/>
+            </a:schemeClr>
+          </a:solidFill>
+          <a:prstDash val="solid"/>
+          <a:miter lim="800000"/>
+        </a:ln>
+        <a:effectLst/>
+      </dsp:spPr>
+      <dsp:style>
+        <a:lnRef idx="2">
+          <a:scrgbClr r="0" g="0" b="0"/>
+        </a:lnRef>
+        <a:fillRef idx="0">
+          <a:scrgbClr r="0" g="0" b="0"/>
+        </a:fillRef>
+        <a:effectRef idx="0">
+          <a:scrgbClr r="0" g="0" b="0"/>
+        </a:effectRef>
+        <a:fontRef idx="minor"/>
+      </dsp:style>
+    </dsp:sp>
+    <dsp:sp modelId="{D35AC0B4-0EA2-4E5A-8208-E9F15E287E2B}">
+      <dsp:nvSpPr>
+        <dsp:cNvPr id="0" name=""/>
+        <dsp:cNvSpPr/>
+      </dsp:nvSpPr>
+      <dsp:spPr>
+        <a:xfrm>
+          <a:off x="1810724" y="1025860"/>
+          <a:ext cx="3841920" cy="259875"/>
+        </a:xfrm>
+        <a:prstGeom prst="rect">
+          <a:avLst/>
+        </a:prstGeom>
+        <a:gradFill rotWithShape="0">
+          <a:gsLst>
+            <a:gs pos="0">
+              <a:srgbClr val="FFC000">
+                <a:alpha val="50000"/>
+                <a:lumMod val="50000"/>
+                <a:lumOff val="50000"/>
+              </a:srgbClr>
+            </a:gs>
+            <a:gs pos="100000">
+              <a:srgbClr val="FFC000">
+                <a:lumMod val="75000"/>
+                <a:lumOff val="25000"/>
+                <a:alpha val="86000"/>
+              </a:srgbClr>
+            </a:gs>
+          </a:gsLst>
+          <a:lin ang="2400000" scaled="0"/>
+        </a:gradFill>
+        <a:ln w="12700" cap="flat" cmpd="sng" algn="ctr">
+          <a:solidFill>
+            <a:schemeClr val="tx1"/>
+          </a:solidFill>
+          <a:prstDash val="solid"/>
+          <a:miter lim="800000"/>
+        </a:ln>
+        <a:effectLst/>
+      </dsp:spPr>
+      <dsp:style>
+        <a:lnRef idx="1">
+          <a:schemeClr val="accent1"/>
+        </a:lnRef>
+        <a:fillRef idx="2">
+          <a:schemeClr val="accent1"/>
+        </a:fillRef>
+        <a:effectRef idx="1">
+          <a:schemeClr val="accent1"/>
+        </a:effectRef>
+        <a:fontRef idx="minor">
+          <a:schemeClr val="dk1"/>
+        </a:fontRef>
+      </dsp:style>
+      <dsp:txBody>
+        <a:bodyPr spcFirstLastPara="0" vert="horz" wrap="square" lIns="45720" tIns="45720" rIns="45720" bIns="45720" numCol="1" spcCol="1270" anchor="ctr" anchorCtr="0">
+          <a:noAutofit/>
+        </a:bodyPr>
+        <a:lstStyle/>
+        <a:p>
+          <a:pPr marL="114300" lvl="1" indent="-114300" algn="l" defTabSz="533400">
+            <a:lnSpc>
+              <a:spcPct val="90000"/>
+            </a:lnSpc>
+            <a:spcBef>
+              <a:spcPct val="0"/>
+            </a:spcBef>
+            <a:spcAft>
+              <a:spcPct val="15000"/>
+            </a:spcAft>
+            <a:buChar char="••"/>
+          </a:pPr>
+          <a:r>
+            <a:rPr lang="en-US" sz="1200" kern="1200" dirty="0" smtClean="0"/>
+            <a:t>Decide on CAS representation for the data in this object</a:t>
+          </a:r>
+          <a:endParaRPr lang="en-US" sz="1200" kern="1200" dirty="0"/>
+        </a:p>
+      </dsp:txBody>
+      <dsp:txXfrm>
+        <a:off x="1810724" y="1025860"/>
+        <a:ext cx="3841920" cy="259875"/>
+      </dsp:txXfrm>
+    </dsp:sp>
+    <dsp:sp modelId="{786962EE-063A-444D-9F24-DA8806182FC3}">
+      <dsp:nvSpPr>
+        <dsp:cNvPr id="0" name=""/>
+        <dsp:cNvSpPr/>
+      </dsp:nvSpPr>
+      <dsp:spPr>
+        <a:xfrm>
+          <a:off x="2761" y="1425460"/>
+          <a:ext cx="1412470" cy="237600"/>
+        </a:xfrm>
+        <a:prstGeom prst="rect">
+          <a:avLst/>
+        </a:prstGeom>
+        <a:noFill/>
+        <a:ln>
+          <a:noFill/>
+        </a:ln>
+        <a:effectLst/>
+      </dsp:spPr>
+      <dsp:style>
+        <a:lnRef idx="0">
+          <a:scrgbClr r="0" g="0" b="0"/>
+        </a:lnRef>
+        <a:fillRef idx="0">
+          <a:scrgbClr r="0" g="0" b="0"/>
+        </a:fillRef>
+        <a:effectRef idx="0">
+          <a:scrgbClr r="0" g="0" b="0"/>
+        </a:effectRef>
+        <a:fontRef idx="minor"/>
+      </dsp:style>
+      <dsp:txBody>
+        <a:bodyPr spcFirstLastPara="0" vert="horz" wrap="square" lIns="85344" tIns="30480" rIns="85344" bIns="30480" numCol="1" spcCol="1270" anchor="ctr" anchorCtr="0">
+          <a:noAutofit/>
+        </a:bodyPr>
+        <a:lstStyle/>
+        <a:p>
+          <a:pPr lvl="0" algn="r" defTabSz="533400">
+            <a:lnSpc>
+              <a:spcPct val="90000"/>
+            </a:lnSpc>
+            <a:spcBef>
+              <a:spcPct val="0"/>
+            </a:spcBef>
+            <a:spcAft>
+              <a:spcPct val="35000"/>
+            </a:spcAft>
+          </a:pPr>
+          <a:r>
+            <a:rPr lang="en-US" sz="1200" kern="1200" dirty="0" smtClean="0"/>
+            <a:t>Step 3</a:t>
+          </a:r>
+          <a:endParaRPr lang="en-US" sz="1200" kern="1200" dirty="0"/>
+        </a:p>
+      </dsp:txBody>
+      <dsp:txXfrm>
+        <a:off x="2761" y="1425460"/>
+        <a:ext cx="1412470" cy="237600"/>
+      </dsp:txXfrm>
+    </dsp:sp>
+    <dsp:sp modelId="{15C7BA9C-CF1F-4900-91E5-B2B5C4E3CC1C}">
+      <dsp:nvSpPr>
+        <dsp:cNvPr id="0" name=""/>
+        <dsp:cNvSpPr/>
+      </dsp:nvSpPr>
+      <dsp:spPr>
+        <a:xfrm>
+          <a:off x="1415232" y="1328935"/>
+          <a:ext cx="282494" cy="430650"/>
+        </a:xfrm>
+        <a:prstGeom prst="leftBrace">
+          <a:avLst>
+            <a:gd name="adj1" fmla="val 35000"/>
+            <a:gd name="adj2" fmla="val 50000"/>
+          </a:avLst>
+        </a:prstGeom>
+        <a:noFill/>
+        <a:ln w="12700" cap="flat" cmpd="sng" algn="ctr">
+          <a:solidFill>
+            <a:schemeClr val="accent1">
+              <a:hueOff val="0"/>
+              <a:satOff val="0"/>
+              <a:lumOff val="0"/>
+              <a:alphaOff val="0"/>
+            </a:schemeClr>
+          </a:solidFill>
+          <a:prstDash val="solid"/>
+          <a:miter lim="800000"/>
+        </a:ln>
+        <a:effectLst/>
+      </dsp:spPr>
+      <dsp:style>
+        <a:lnRef idx="2">
+          <a:scrgbClr r="0" g="0" b="0"/>
+        </a:lnRef>
+        <a:fillRef idx="0">
+          <a:scrgbClr r="0" g="0" b="0"/>
+        </a:fillRef>
+        <a:effectRef idx="0">
+          <a:scrgbClr r="0" g="0" b="0"/>
+        </a:effectRef>
+        <a:fontRef idx="minor"/>
+      </dsp:style>
+    </dsp:sp>
+    <dsp:sp modelId="{79FE4C6C-0939-4E76-8471-EC38D3CAFE0F}">
+      <dsp:nvSpPr>
+        <dsp:cNvPr id="0" name=""/>
+        <dsp:cNvSpPr/>
+      </dsp:nvSpPr>
+      <dsp:spPr>
+        <a:xfrm>
+          <a:off x="1810724" y="1328935"/>
+          <a:ext cx="3841920" cy="430650"/>
+        </a:xfrm>
+        <a:prstGeom prst="rect">
+          <a:avLst/>
+        </a:prstGeom>
+        <a:gradFill rotWithShape="0">
+          <a:gsLst>
+            <a:gs pos="0">
+              <a:srgbClr val="FFFF00">
+                <a:lumMod val="50000"/>
+                <a:lumOff val="50000"/>
+                <a:alpha val="35000"/>
+              </a:srgbClr>
+            </a:gs>
+            <a:gs pos="100000">
+              <a:srgbClr val="FFFF00">
+                <a:lumMod val="75000"/>
+                <a:lumOff val="25000"/>
+                <a:alpha val="82000"/>
+              </a:srgbClr>
+            </a:gs>
+          </a:gsLst>
+          <a:lin ang="2400000" scaled="0"/>
+        </a:gradFill>
+        <a:ln w="12700" cap="flat" cmpd="sng" algn="ctr">
+          <a:solidFill>
+            <a:schemeClr val="tx1"/>
+          </a:solidFill>
+          <a:prstDash val="solid"/>
+          <a:miter lim="800000"/>
+        </a:ln>
+        <a:effectLst/>
+      </dsp:spPr>
+      <dsp:style>
+        <a:lnRef idx="1">
+          <a:schemeClr val="accent1"/>
+        </a:lnRef>
+        <a:fillRef idx="2">
+          <a:schemeClr val="accent1"/>
+        </a:fillRef>
+        <a:effectRef idx="1">
+          <a:schemeClr val="accent1"/>
+        </a:effectRef>
+        <a:fontRef idx="minor">
+          <a:schemeClr val="dk1"/>
+        </a:fontRef>
+      </dsp:style>
+      <dsp:txBody>
+        <a:bodyPr spcFirstLastPara="0" vert="horz" wrap="square" lIns="45720" tIns="45720" rIns="45720" bIns="45720" numCol="1" spcCol="1270" anchor="ctr" anchorCtr="0">
+          <a:noAutofit/>
+        </a:bodyPr>
+        <a:lstStyle/>
+        <a:p>
+          <a:pPr marL="114300" lvl="1" indent="-114300" algn="l" defTabSz="533400">
+            <a:lnSpc>
+              <a:spcPct val="90000"/>
+            </a:lnSpc>
+            <a:spcBef>
+              <a:spcPct val="0"/>
+            </a:spcBef>
+            <a:spcAft>
+              <a:spcPct val="15000"/>
+            </a:spcAft>
+            <a:buChar char="••"/>
+          </a:pPr>
+          <a:r>
+            <a:rPr lang="en-US" sz="1200" kern="1200" dirty="0" smtClean="0"/>
+            <a:t>Define the UIMA type with features for the CAS representation of the data</a:t>
+          </a:r>
+          <a:endParaRPr lang="en-US" sz="1200" kern="1200" dirty="0"/>
+        </a:p>
+      </dsp:txBody>
+      <dsp:txXfrm>
+        <a:off x="1810724" y="1328935"/>
+        <a:ext cx="3841920" cy="430650"/>
+      </dsp:txXfrm>
+    </dsp:sp>
+    <dsp:sp modelId="{BA2B4D5C-F1D5-4206-89F2-1A674F6ECC6F}">
+      <dsp:nvSpPr>
+        <dsp:cNvPr id="0" name=""/>
+        <dsp:cNvSpPr/>
+      </dsp:nvSpPr>
+      <dsp:spPr>
+        <a:xfrm>
+          <a:off x="2761" y="1813923"/>
+          <a:ext cx="1412470" cy="237600"/>
+        </a:xfrm>
+        <a:prstGeom prst="rect">
+          <a:avLst/>
+        </a:prstGeom>
+        <a:noFill/>
+        <a:ln>
+          <a:noFill/>
+        </a:ln>
+        <a:effectLst/>
+      </dsp:spPr>
+      <dsp:style>
+        <a:lnRef idx="0">
+          <a:scrgbClr r="0" g="0" b="0"/>
+        </a:lnRef>
+        <a:fillRef idx="0">
+          <a:scrgbClr r="0" g="0" b="0"/>
+        </a:fillRef>
+        <a:effectRef idx="0">
+          <a:scrgbClr r="0" g="0" b="0"/>
+        </a:effectRef>
+        <a:fontRef idx="minor"/>
+      </dsp:style>
+      <dsp:txBody>
+        <a:bodyPr spcFirstLastPara="0" vert="horz" wrap="square" lIns="85344" tIns="30480" rIns="85344" bIns="30480" numCol="1" spcCol="1270" anchor="ctr" anchorCtr="0">
+          <a:noAutofit/>
+        </a:bodyPr>
+        <a:lstStyle/>
+        <a:p>
+          <a:pPr lvl="0" algn="r" defTabSz="533400">
+            <a:lnSpc>
+              <a:spcPct val="90000"/>
+            </a:lnSpc>
+            <a:spcBef>
+              <a:spcPct val="0"/>
+            </a:spcBef>
+            <a:spcAft>
+              <a:spcPct val="35000"/>
+            </a:spcAft>
+          </a:pPr>
+          <a:r>
+            <a:rPr lang="en-US" sz="1200" kern="1200" dirty="0" smtClean="0"/>
+            <a:t>Step 4</a:t>
+          </a:r>
+          <a:endParaRPr lang="en-US" sz="1200" kern="1200" dirty="0"/>
+        </a:p>
+      </dsp:txBody>
+      <dsp:txXfrm>
+        <a:off x="2761" y="1813923"/>
+        <a:ext cx="1412470" cy="237600"/>
+      </dsp:txXfrm>
+    </dsp:sp>
+    <dsp:sp modelId="{D66DA694-36E9-4D92-82B6-8C5FDBDB073A}">
+      <dsp:nvSpPr>
+        <dsp:cNvPr id="0" name=""/>
+        <dsp:cNvSpPr/>
+      </dsp:nvSpPr>
+      <dsp:spPr>
+        <a:xfrm>
+          <a:off x="1415232" y="1802785"/>
+          <a:ext cx="282494" cy="259875"/>
+        </a:xfrm>
+        <a:prstGeom prst="leftBrace">
+          <a:avLst>
+            <a:gd name="adj1" fmla="val 35000"/>
+            <a:gd name="adj2" fmla="val 50000"/>
+          </a:avLst>
+        </a:prstGeom>
+        <a:noFill/>
+        <a:ln w="12700" cap="flat" cmpd="sng" algn="ctr">
+          <a:solidFill>
+            <a:schemeClr val="accent1">
+              <a:hueOff val="0"/>
+              <a:satOff val="0"/>
+              <a:lumOff val="0"/>
+              <a:alphaOff val="0"/>
+            </a:schemeClr>
+          </a:solidFill>
+          <a:prstDash val="solid"/>
+          <a:miter lim="800000"/>
+        </a:ln>
+        <a:effectLst/>
+      </dsp:spPr>
+      <dsp:style>
+        <a:lnRef idx="2">
+          <a:scrgbClr r="0" g="0" b="0"/>
+        </a:lnRef>
+        <a:fillRef idx="0">
+          <a:scrgbClr r="0" g="0" b="0"/>
+        </a:fillRef>
+        <a:effectRef idx="0">
+          <a:scrgbClr r="0" g="0" b="0"/>
+        </a:effectRef>
+        <a:fontRef idx="minor"/>
+      </dsp:style>
+    </dsp:sp>
+    <dsp:sp modelId="{CAF7A30C-32B5-439A-AD55-840996077434}">
+      <dsp:nvSpPr>
+        <dsp:cNvPr id="0" name=""/>
+        <dsp:cNvSpPr/>
+      </dsp:nvSpPr>
+      <dsp:spPr>
+        <a:xfrm>
+          <a:off x="1810724" y="1802785"/>
+          <a:ext cx="3841920" cy="259875"/>
+        </a:xfrm>
+        <a:prstGeom prst="rect">
+          <a:avLst/>
+        </a:prstGeom>
+        <a:gradFill rotWithShape="0">
+          <a:gsLst>
+            <a:gs pos="0">
+              <a:srgbClr val="92D050">
+                <a:lumMod val="50000"/>
+                <a:lumOff val="50000"/>
+                <a:alpha val="50000"/>
+              </a:srgbClr>
+            </a:gs>
+            <a:gs pos="100000">
+              <a:srgbClr val="92D050">
+                <a:lumMod val="75000"/>
+                <a:lumOff val="25000"/>
+                <a:alpha val="80000"/>
+              </a:srgbClr>
+            </a:gs>
+          </a:gsLst>
+          <a:lin ang="2400000" scaled="0"/>
+        </a:gradFill>
+        <a:ln w="6350" cap="flat" cmpd="sng" algn="ctr">
+          <a:solidFill>
+            <a:schemeClr val="accent1"/>
+          </a:solidFill>
+          <a:prstDash val="solid"/>
+          <a:miter lim="800000"/>
+        </a:ln>
+        <a:effectLst/>
+      </dsp:spPr>
+      <dsp:style>
+        <a:lnRef idx="1">
+          <a:schemeClr val="accent1"/>
+        </a:lnRef>
+        <a:fillRef idx="2">
+          <a:schemeClr val="accent1"/>
+        </a:fillRef>
+        <a:effectRef idx="1">
+          <a:schemeClr val="accent1"/>
+        </a:effectRef>
+        <a:fontRef idx="minor">
+          <a:schemeClr val="dk1"/>
+        </a:fontRef>
+      </dsp:style>
+      <dsp:txBody>
+        <a:bodyPr spcFirstLastPara="0" vert="horz" wrap="square" lIns="45720" tIns="45720" rIns="45720" bIns="45720" numCol="1" spcCol="1270" anchor="ctr" anchorCtr="0">
+          <a:noAutofit/>
+        </a:bodyPr>
+        <a:lstStyle/>
+        <a:p>
+          <a:pPr marL="114300" lvl="1" indent="-114300" algn="l" defTabSz="533400">
+            <a:lnSpc>
+              <a:spcPct val="90000"/>
+            </a:lnSpc>
+            <a:spcBef>
+              <a:spcPct val="0"/>
+            </a:spcBef>
+            <a:spcAft>
+              <a:spcPct val="15000"/>
+            </a:spcAft>
+            <a:buChar char="••"/>
+          </a:pPr>
+          <a:r>
+            <a:rPr lang="en-US" sz="1200" kern="1200" dirty="0" smtClean="0"/>
+            <a:t>Run JCasGen to get the initial prototype for this class</a:t>
+          </a:r>
+          <a:endParaRPr lang="en-US" sz="1200" kern="1200" dirty="0"/>
+        </a:p>
+      </dsp:txBody>
+      <dsp:txXfrm>
+        <a:off x="1810724" y="1802785"/>
+        <a:ext cx="3841920" cy="259875"/>
+      </dsp:txXfrm>
+    </dsp:sp>
+    <dsp:sp modelId="{FF5960F5-4FEE-476C-A20A-30D655E9D5D1}">
+      <dsp:nvSpPr>
+        <dsp:cNvPr id="0" name=""/>
+        <dsp:cNvSpPr/>
+      </dsp:nvSpPr>
+      <dsp:spPr>
+        <a:xfrm>
+          <a:off x="2761" y="2491960"/>
+          <a:ext cx="1412470" cy="237600"/>
+        </a:xfrm>
+        <a:prstGeom prst="rect">
+          <a:avLst/>
+        </a:prstGeom>
+        <a:noFill/>
+        <a:ln>
+          <a:noFill/>
+        </a:ln>
+        <a:effectLst/>
+      </dsp:spPr>
+      <dsp:style>
+        <a:lnRef idx="0">
+          <a:scrgbClr r="0" g="0" b="0"/>
+        </a:lnRef>
+        <a:fillRef idx="0">
+          <a:scrgbClr r="0" g="0" b="0"/>
+        </a:fillRef>
+        <a:effectRef idx="0">
+          <a:scrgbClr r="0" g="0" b="0"/>
+        </a:effectRef>
+        <a:fontRef idx="minor"/>
+      </dsp:style>
+      <dsp:txBody>
+        <a:bodyPr spcFirstLastPara="0" vert="horz" wrap="square" lIns="85344" tIns="30480" rIns="85344" bIns="30480" numCol="1" spcCol="1270" anchor="ctr" anchorCtr="0">
+          <a:noAutofit/>
+        </a:bodyPr>
+        <a:lstStyle/>
+        <a:p>
+          <a:pPr lvl="0" algn="r" defTabSz="533400">
+            <a:lnSpc>
+              <a:spcPct val="90000"/>
+            </a:lnSpc>
+            <a:spcBef>
+              <a:spcPct val="0"/>
+            </a:spcBef>
+            <a:spcAft>
+              <a:spcPct val="35000"/>
+            </a:spcAft>
+          </a:pPr>
+          <a:r>
+            <a:rPr lang="en-US" sz="1200" kern="1200" dirty="0" smtClean="0"/>
+            <a:t>Step 5</a:t>
+          </a:r>
+          <a:endParaRPr lang="en-US" sz="1200" kern="1200" dirty="0"/>
+        </a:p>
+      </dsp:txBody>
+      <dsp:txXfrm>
+        <a:off x="2761" y="2491960"/>
+        <a:ext cx="1412470" cy="237600"/>
+      </dsp:txXfrm>
+    </dsp:sp>
+    <dsp:sp modelId="{50D48225-666A-40A3-BF9F-60CC702DB955}">
+      <dsp:nvSpPr>
+        <dsp:cNvPr id="0" name=""/>
+        <dsp:cNvSpPr/>
+      </dsp:nvSpPr>
+      <dsp:spPr>
+        <a:xfrm>
+          <a:off x="1415232" y="2105860"/>
+          <a:ext cx="282494" cy="1009800"/>
+        </a:xfrm>
+        <a:prstGeom prst="leftBrace">
+          <a:avLst>
+            <a:gd name="adj1" fmla="val 35000"/>
+            <a:gd name="adj2" fmla="val 50000"/>
+          </a:avLst>
+        </a:prstGeom>
+        <a:noFill/>
+        <a:ln w="12700" cap="flat" cmpd="sng" algn="ctr">
+          <a:solidFill>
+            <a:schemeClr val="accent1">
+              <a:hueOff val="0"/>
+              <a:satOff val="0"/>
+              <a:lumOff val="0"/>
+              <a:alphaOff val="0"/>
+            </a:schemeClr>
+          </a:solidFill>
+          <a:prstDash val="solid"/>
+          <a:miter lim="800000"/>
+        </a:ln>
+        <a:effectLst/>
+      </dsp:spPr>
+      <dsp:style>
+        <a:lnRef idx="2">
+          <a:scrgbClr r="0" g="0" b="0"/>
+        </a:lnRef>
+        <a:fillRef idx="0">
+          <a:scrgbClr r="0" g="0" b="0"/>
+        </a:fillRef>
+        <a:effectRef idx="0">
+          <a:scrgbClr r="0" g="0" b="0"/>
+        </a:effectRef>
+        <a:fontRef idx="minor"/>
+      </dsp:style>
+    </dsp:sp>
+    <dsp:sp modelId="{82C1E690-C8C5-481D-98BD-DA98E4A16FE5}">
+      <dsp:nvSpPr>
+        <dsp:cNvPr id="0" name=""/>
+        <dsp:cNvSpPr/>
+      </dsp:nvSpPr>
+      <dsp:spPr>
+        <a:xfrm>
+          <a:off x="1810724" y="2105860"/>
+          <a:ext cx="3841920" cy="1009800"/>
+        </a:xfrm>
+        <a:prstGeom prst="rect">
+          <a:avLst/>
+        </a:prstGeom>
+        <a:gradFill rotWithShape="0">
+          <a:gsLst>
+            <a:gs pos="0">
+              <a:srgbClr val="00B050">
+                <a:lumMod val="50000"/>
+                <a:lumOff val="50000"/>
+                <a:alpha val="25000"/>
+              </a:srgbClr>
+            </a:gs>
+            <a:gs pos="100000">
+              <a:srgbClr val="00B050">
+                <a:lumMod val="75000"/>
+                <a:lumOff val="25000"/>
+                <a:alpha val="50000"/>
+              </a:srgbClr>
+            </a:gs>
+          </a:gsLst>
+          <a:lin ang="2400000" scaled="0"/>
+        </a:gradFill>
+        <a:ln w="12700" cap="flat" cmpd="sng" algn="ctr">
+          <a:solidFill>
+            <a:schemeClr val="tx1"/>
+          </a:solidFill>
+          <a:prstDash val="solid"/>
+          <a:miter lim="800000"/>
+        </a:ln>
+        <a:effectLst/>
+      </dsp:spPr>
+      <dsp:style>
+        <a:lnRef idx="1">
+          <a:schemeClr val="accent1"/>
+        </a:lnRef>
+        <a:fillRef idx="2">
+          <a:schemeClr val="accent1"/>
+        </a:fillRef>
+        <a:effectRef idx="1">
+          <a:schemeClr val="accent1"/>
+        </a:effectRef>
+        <a:fontRef idx="minor">
+          <a:schemeClr val="dk1"/>
+        </a:fontRef>
+      </dsp:style>
+      <dsp:txBody>
+        <a:bodyPr spcFirstLastPara="0" vert="horz" wrap="square" lIns="45720" tIns="45720" rIns="45720" bIns="45720" numCol="1" spcCol="1270" anchor="ctr" anchorCtr="0">
+          <a:noAutofit/>
+        </a:bodyPr>
+        <a:lstStyle/>
+        <a:p>
+          <a:pPr marL="114300" lvl="1" indent="-114300" algn="l" defTabSz="533400">
+            <a:lnSpc>
+              <a:spcPct val="90000"/>
+            </a:lnSpc>
+            <a:spcBef>
+              <a:spcPct val="0"/>
+            </a:spcBef>
+            <a:spcAft>
+              <a:spcPct val="15000"/>
+            </a:spcAft>
+            <a:buChar char="••"/>
+          </a:pPr>
+          <a:r>
+            <a:rPr lang="en-US" sz="1200" kern="1200" dirty="0" smtClean="0"/>
+            <a:t>Mark the JCas class with a special interface</a:t>
+          </a:r>
+          <a:endParaRPr lang="en-US" sz="1200" kern="1200" dirty="0"/>
+        </a:p>
+        <a:p>
+          <a:pPr marL="114300" lvl="1" indent="-114300" algn="l" defTabSz="533400">
+            <a:lnSpc>
+              <a:spcPct val="90000"/>
+            </a:lnSpc>
+            <a:spcBef>
+              <a:spcPct val="0"/>
+            </a:spcBef>
+            <a:spcAft>
+              <a:spcPct val="15000"/>
+            </a:spcAft>
+            <a:buChar char="••"/>
+          </a:pPr>
+          <a:r>
+            <a:rPr lang="en-US" sz="1200" kern="1200" dirty="0" smtClean="0"/>
+            <a:t>Modify the JCas class: add an additional field representing the new Java Object</a:t>
+          </a:r>
+          <a:endParaRPr lang="en-US" sz="1200" kern="1200" dirty="0"/>
+        </a:p>
+        <a:p>
+          <a:pPr marL="114300" lvl="1" indent="-114300" algn="l" defTabSz="533400">
+            <a:lnSpc>
+              <a:spcPct val="90000"/>
+            </a:lnSpc>
+            <a:spcBef>
+              <a:spcPct val="0"/>
+            </a:spcBef>
+            <a:spcAft>
+              <a:spcPct val="15000"/>
+            </a:spcAft>
+            <a:buChar char="••"/>
+          </a:pPr>
+          <a:r>
+            <a:rPr lang="en-US" sz="1200" kern="1200" dirty="0" smtClean="0"/>
+            <a:t>Write 2 methods to transfer data to/from the object and the CAS data</a:t>
+          </a:r>
+          <a:endParaRPr lang="en-US" sz="1200" kern="1200" dirty="0"/>
+        </a:p>
+      </dsp:txBody>
+      <dsp:txXfrm>
+        <a:off x="1810724" y="2105860"/>
+        <a:ext cx="3841920" cy="1009800"/>
+      </dsp:txXfrm>
+    </dsp:sp>
+    <dsp:sp modelId="{865354EB-F09A-4BEF-9288-CED6E42B7F5F}">
+      <dsp:nvSpPr>
+        <dsp:cNvPr id="0" name=""/>
+        <dsp:cNvSpPr/>
+      </dsp:nvSpPr>
+      <dsp:spPr>
+        <a:xfrm>
+          <a:off x="2761" y="3270235"/>
+          <a:ext cx="1412470" cy="237600"/>
+        </a:xfrm>
+        <a:prstGeom prst="rect">
+          <a:avLst/>
+        </a:prstGeom>
+        <a:noFill/>
+        <a:ln w="12700" cap="flat" cmpd="sng" algn="ctr">
+          <a:noFill/>
+          <a:prstDash val="solid"/>
+          <a:miter lim="800000"/>
+        </a:ln>
+        <a:effectLst/>
+      </dsp:spPr>
+      <dsp:style>
+        <a:lnRef idx="1">
+          <a:schemeClr val="accent1"/>
+        </a:lnRef>
+        <a:fillRef idx="2">
+          <a:schemeClr val="accent1"/>
+        </a:fillRef>
+        <a:effectRef idx="1">
+          <a:schemeClr val="accent1"/>
+        </a:effectRef>
+        <a:fontRef idx="minor">
+          <a:schemeClr val="dk1"/>
+        </a:fontRef>
+      </dsp:style>
+      <dsp:txBody>
+        <a:bodyPr spcFirstLastPara="0" vert="horz" wrap="square" lIns="85344" tIns="30480" rIns="85344" bIns="30480" numCol="1" spcCol="1270" anchor="ctr" anchorCtr="0">
+          <a:noAutofit/>
+        </a:bodyPr>
+        <a:lstStyle/>
+        <a:p>
+          <a:pPr lvl="0" algn="r" defTabSz="533400">
+            <a:lnSpc>
+              <a:spcPct val="90000"/>
+            </a:lnSpc>
+            <a:spcBef>
+              <a:spcPct val="0"/>
+            </a:spcBef>
+            <a:spcAft>
+              <a:spcPct val="35000"/>
+            </a:spcAft>
+          </a:pPr>
+          <a:r>
+            <a:rPr lang="en-US" sz="1200" kern="1200" dirty="0" smtClean="0"/>
+            <a:t>(optional)</a:t>
+          </a:r>
+          <a:endParaRPr lang="en-US" sz="1200" kern="1200" dirty="0"/>
+        </a:p>
+      </dsp:txBody>
+      <dsp:txXfrm>
+        <a:off x="2761" y="3270235"/>
+        <a:ext cx="1412470" cy="237600"/>
+      </dsp:txXfrm>
+    </dsp:sp>
+    <dsp:sp modelId="{EBE01F4D-61AC-4040-9EDE-4466A6279156}">
+      <dsp:nvSpPr>
+        <dsp:cNvPr id="0" name=""/>
+        <dsp:cNvSpPr/>
+      </dsp:nvSpPr>
+      <dsp:spPr>
+        <a:xfrm>
+          <a:off x="1415232" y="3158860"/>
+          <a:ext cx="282494" cy="460350"/>
+        </a:xfrm>
+        <a:prstGeom prst="leftBrace">
+          <a:avLst>
+            <a:gd name="adj1" fmla="val 35000"/>
+            <a:gd name="adj2" fmla="val 50000"/>
+          </a:avLst>
+        </a:prstGeom>
+        <a:noFill/>
+        <a:ln w="12700" cap="flat" cmpd="sng" algn="ctr">
+          <a:solidFill>
+            <a:schemeClr val="accent1">
+              <a:hueOff val="0"/>
+              <a:satOff val="0"/>
+              <a:lumOff val="0"/>
+              <a:alphaOff val="0"/>
+            </a:schemeClr>
+          </a:solidFill>
+          <a:prstDash val="solid"/>
+          <a:miter lim="800000"/>
+        </a:ln>
+        <a:effectLst/>
+      </dsp:spPr>
+      <dsp:style>
+        <a:lnRef idx="2">
+          <a:scrgbClr r="0" g="0" b="0"/>
+        </a:lnRef>
+        <a:fillRef idx="0">
+          <a:scrgbClr r="0" g="0" b="0"/>
+        </a:fillRef>
+        <a:effectRef idx="0">
+          <a:scrgbClr r="0" g="0" b="0"/>
+        </a:effectRef>
+        <a:fontRef idx="minor"/>
+      </dsp:style>
+    </dsp:sp>
+    <dsp:sp modelId="{8BBB3DE3-53A4-455F-BA3A-A24D00B6F76E}">
+      <dsp:nvSpPr>
+        <dsp:cNvPr id="0" name=""/>
+        <dsp:cNvSpPr/>
+      </dsp:nvSpPr>
+      <dsp:spPr>
+        <a:xfrm>
+          <a:off x="1810724" y="3158860"/>
+          <a:ext cx="3841920" cy="460350"/>
+        </a:xfrm>
+        <a:prstGeom prst="rect">
+          <a:avLst/>
+        </a:prstGeom>
+        <a:gradFill rotWithShape="0">
+          <a:gsLst>
+            <a:gs pos="0">
+              <a:srgbClr val="00B0F0">
+                <a:alpha val="25000"/>
+                <a:lumMod val="50000"/>
+                <a:lumOff val="50000"/>
+              </a:srgbClr>
+            </a:gs>
+            <a:gs pos="100000">
+              <a:srgbClr val="00B0F0">
+                <a:alpha val="50000"/>
+                <a:lumMod val="75000"/>
+                <a:lumOff val="25000"/>
+              </a:srgbClr>
+            </a:gs>
+          </a:gsLst>
+          <a:lin ang="2400000" scaled="0"/>
+        </a:gradFill>
+        <a:ln w="12700" cap="flat" cmpd="sng" algn="ctr">
+          <a:solidFill>
+            <a:schemeClr val="tx1"/>
+          </a:solidFill>
+          <a:prstDash val="solid"/>
+          <a:miter lim="800000"/>
+        </a:ln>
+        <a:effectLst/>
+      </dsp:spPr>
+      <dsp:style>
+        <a:lnRef idx="1">
+          <a:schemeClr val="accent1"/>
+        </a:lnRef>
+        <a:fillRef idx="2">
+          <a:schemeClr val="accent1"/>
+        </a:fillRef>
+        <a:effectRef idx="1">
+          <a:schemeClr val="accent1"/>
+        </a:effectRef>
+        <a:fontRef idx="minor">
+          <a:schemeClr val="dk1"/>
+        </a:fontRef>
+      </dsp:style>
+      <dsp:txBody>
+        <a:bodyPr spcFirstLastPara="0" vert="horz" wrap="square" lIns="45720" tIns="45720" rIns="45720" bIns="45720" numCol="1" spcCol="1270" anchor="ctr" anchorCtr="0">
+          <a:noAutofit/>
+        </a:bodyPr>
+        <a:lstStyle/>
+        <a:p>
+          <a:pPr marL="114300" lvl="1" indent="-114300" algn="l" defTabSz="533400">
+            <a:lnSpc>
+              <a:spcPct val="90000"/>
+            </a:lnSpc>
+            <a:spcBef>
+              <a:spcPct val="0"/>
+            </a:spcBef>
+            <a:spcAft>
+              <a:spcPct val="15000"/>
+            </a:spcAft>
+            <a:buChar char="••"/>
+          </a:pPr>
+          <a:r>
+            <a:rPr lang="en-US" sz="1200" kern="1200" dirty="0" smtClean="0"/>
+            <a:t>Support Select</a:t>
+          </a:r>
+          <a:endParaRPr lang="en-US" sz="1200" kern="1200" dirty="0"/>
+        </a:p>
+        <a:p>
+          <a:pPr marL="228600" lvl="2" indent="-114300" algn="l" defTabSz="533400">
+            <a:lnSpc>
+              <a:spcPct val="90000"/>
+            </a:lnSpc>
+            <a:spcBef>
+              <a:spcPct val="0"/>
+            </a:spcBef>
+            <a:spcAft>
+              <a:spcPct val="15000"/>
+            </a:spcAft>
+            <a:buChar char="••"/>
+          </a:pPr>
+          <a:r>
+            <a:rPr lang="en-US" sz="1200" kern="1200" smtClean="0"/>
+            <a:t>Implement SelectViaCopyToArray</a:t>
+          </a:r>
+          <a:endParaRPr lang="en-US" sz="1200" kern="1200" dirty="0"/>
+        </a:p>
+      </dsp:txBody>
+      <dsp:txXfrm>
+        <a:off x="1810724" y="3158860"/>
+        <a:ext cx="3841920" cy="460350"/>
+      </dsp:txXfrm>
+    </dsp:sp>
   </dsp:spTree>
 </dsp:drawing>
 </file>
@@ -9876,7 +11389,7 @@
           <a:p>
             <a:fld id="{FA88A723-210D-49FB-911D-CC70F62696A5}" type="datetimeFigureOut">
               <a:rPr lang="en-US" smtClean="0"/>
-              <a:t>11/14/2016</a:t>
+              <a:t>1/26/2017</a:t>
             </a:fld>
             <a:endParaRPr lang="en-US"/>
           </a:p>
@@ -10046,7 +11559,7 @@
           <a:p>
             <a:fld id="{FA88A723-210D-49FB-911D-CC70F62696A5}" type="datetimeFigureOut">
               <a:rPr lang="en-US" smtClean="0"/>
-              <a:t>11/14/2016</a:t>
+              <a:t>1/26/2017</a:t>
             </a:fld>
             <a:endParaRPr lang="en-US"/>
           </a:p>
@@ -10226,7 +11739,7 @@
           <a:p>
             <a:fld id="{FA88A723-210D-49FB-911D-CC70F62696A5}" type="datetimeFigureOut">
               <a:rPr lang="en-US" smtClean="0"/>
-              <a:t>11/14/2016</a:t>
+              <a:t>1/26/2017</a:t>
             </a:fld>
             <a:endParaRPr lang="en-US"/>
           </a:p>
@@ -10396,7 +11909,7 @@
           <a:p>
             <a:fld id="{FA88A723-210D-49FB-911D-CC70F62696A5}" type="datetimeFigureOut">
               <a:rPr lang="en-US" smtClean="0"/>
-              <a:t>11/14/2016</a:t>
+              <a:t>1/26/2017</a:t>
             </a:fld>
             <a:endParaRPr lang="en-US"/>
           </a:p>
@@ -10642,7 +12155,7 @@
           <a:p>
             <a:fld id="{FA88A723-210D-49FB-911D-CC70F62696A5}" type="datetimeFigureOut">
               <a:rPr lang="en-US" smtClean="0"/>
-              <a:t>11/14/2016</a:t>
+              <a:t>1/26/2017</a:t>
             </a:fld>
             <a:endParaRPr lang="en-US"/>
           </a:p>
@@ -10874,7 +12387,7 @@
           <a:p>
             <a:fld id="{FA88A723-210D-49FB-911D-CC70F62696A5}" type="datetimeFigureOut">
               <a:rPr lang="en-US" smtClean="0"/>
-              <a:t>11/14/2016</a:t>
+              <a:t>1/26/2017</a:t>
             </a:fld>
             <a:endParaRPr lang="en-US"/>
           </a:p>
@@ -11241,7 +12754,7 @@
           <a:p>
             <a:fld id="{FA88A723-210D-49FB-911D-CC70F62696A5}" type="datetimeFigureOut">
               <a:rPr lang="en-US" smtClean="0"/>
-              <a:t>11/14/2016</a:t>
+              <a:t>1/26/2017</a:t>
             </a:fld>
             <a:endParaRPr lang="en-US"/>
           </a:p>
@@ -11359,7 +12872,7 @@
           <a:p>
             <a:fld id="{FA88A723-210D-49FB-911D-CC70F62696A5}" type="datetimeFigureOut">
               <a:rPr lang="en-US" smtClean="0"/>
-              <a:t>11/14/2016</a:t>
+              <a:t>1/26/2017</a:t>
             </a:fld>
             <a:endParaRPr lang="en-US"/>
           </a:p>
@@ -11454,7 +12967,7 @@
           <a:p>
             <a:fld id="{FA88A723-210D-49FB-911D-CC70F62696A5}" type="datetimeFigureOut">
               <a:rPr lang="en-US" smtClean="0"/>
-              <a:t>11/14/2016</a:t>
+              <a:t>1/26/2017</a:t>
             </a:fld>
             <a:endParaRPr lang="en-US"/>
           </a:p>
@@ -11731,7 +13244,7 @@
           <a:p>
             <a:fld id="{FA88A723-210D-49FB-911D-CC70F62696A5}" type="datetimeFigureOut">
               <a:rPr lang="en-US" smtClean="0"/>
-              <a:t>11/14/2016</a:t>
+              <a:t>1/26/2017</a:t>
             </a:fld>
             <a:endParaRPr lang="en-US"/>
           </a:p>
@@ -11984,7 +13497,7 @@
           <a:p>
             <a:fld id="{FA88A723-210D-49FB-911D-CC70F62696A5}" type="datetimeFigureOut">
               <a:rPr lang="en-US" smtClean="0"/>
-              <a:t>11/14/2016</a:t>
+              <a:t>1/26/2017</a:t>
             </a:fld>
             <a:endParaRPr lang="en-US"/>
           </a:p>
@@ -12197,7 +13710,7 @@
           <a:p>
             <a:fld id="{FA88A723-210D-49FB-911D-CC70F62696A5}" type="datetimeFigureOut">
               <a:rPr lang="en-US" smtClean="0"/>
-              <a:t>11/14/2016</a:t>
+              <a:t>1/26/2017</a:t>
             </a:fld>
             <a:endParaRPr lang="en-US"/>
           </a:p>
@@ -22719,7 +24232,7 @@
           <p:nvPr>
             <p:extLst>
               <p:ext uri="{D42A27DB-BD31-4B8C-83A1-F6EECF244321}">
-                <p14:modId xmlns:p14="http://schemas.microsoft.com/office/powerpoint/2010/main" val="1663175443"/>
+                <p14:modId xmlns:p14="http://schemas.microsoft.com/office/powerpoint/2010/main" val="2563742591"/>
               </p:ext>
             </p:extLst>
           </p:nvPr>

--- a/uima-docbook-v3-users-guide/src/image-source/source.pptx
+++ b/uima-docbook-v3-users-guide/src/image-source/source.pptx
@@ -6234,6 +6234,1826 @@
       <dsp:cNvGrpSpPr/>
     </dsp:nvGrpSpPr>
     <dsp:grpSpPr/>
+    <dsp:sp modelId="{FA3637AE-5E0F-478A-BA47-28082756EE59}">
+      <dsp:nvSpPr>
+        <dsp:cNvPr id="0" name=""/>
+        <dsp:cNvSpPr/>
+      </dsp:nvSpPr>
+      <dsp:spPr>
+        <a:xfrm>
+          <a:off x="112154" y="39361"/>
+          <a:ext cx="1646967" cy="718258"/>
+        </a:xfrm>
+        <a:prstGeom prst="roundRect">
+          <a:avLst>
+            <a:gd name="adj" fmla="val 10000"/>
+          </a:avLst>
+        </a:prstGeom>
+        <a:gradFill rotWithShape="0">
+          <a:gsLst>
+            <a:gs pos="0">
+              <a:srgbClr val="FFCCFF">
+                <a:lumMod val="50000"/>
+                <a:lumOff val="50000"/>
+              </a:srgbClr>
+            </a:gs>
+            <a:gs pos="100000">
+              <a:srgbClr val="FFCCFF"/>
+            </a:gs>
+          </a:gsLst>
+          <a:lin ang="5400000" scaled="0"/>
+        </a:gradFill>
+        <a:ln w="6350" cap="flat" cmpd="sng" algn="ctr">
+          <a:solidFill>
+            <a:schemeClr val="accent2"/>
+          </a:solidFill>
+          <a:prstDash val="solid"/>
+          <a:miter lim="800000"/>
+        </a:ln>
+        <a:effectLst/>
+      </dsp:spPr>
+      <dsp:style>
+        <a:lnRef idx="1">
+          <a:schemeClr val="accent2"/>
+        </a:lnRef>
+        <a:fillRef idx="2">
+          <a:schemeClr val="accent2"/>
+        </a:fillRef>
+        <a:effectRef idx="1">
+          <a:schemeClr val="accent2"/>
+        </a:effectRef>
+        <a:fontRef idx="minor">
+          <a:schemeClr val="dk1"/>
+        </a:fontRef>
+      </dsp:style>
+      <dsp:txBody>
+        <a:bodyPr spcFirstLastPara="0" vert="horz" wrap="square" lIns="28575" tIns="19050" rIns="28575" bIns="19050" numCol="1" spcCol="1270" anchor="ctr" anchorCtr="0">
+          <a:noAutofit/>
+        </a:bodyPr>
+        <a:lstStyle/>
+        <a:p>
+          <a:pPr lvl="0" algn="ctr" defTabSz="666750">
+            <a:lnSpc>
+              <a:spcPct val="90000"/>
+            </a:lnSpc>
+            <a:spcBef>
+              <a:spcPct val="0"/>
+            </a:spcBef>
+            <a:spcAft>
+              <a:spcPct val="35000"/>
+            </a:spcAft>
+          </a:pPr>
+          <a:r>
+            <a:rPr lang="en-US" sz="1500" kern="1200" dirty="0" smtClean="0"/>
+            <a:t>Annotation index - </a:t>
+          </a:r>
+          <a:r>
+            <a:rPr lang="en-US" sz="1500" kern="1200" dirty="0" err="1" smtClean="0"/>
+            <a:t>subselect</a:t>
+          </a:r>
+          <a:endParaRPr lang="en-US" sz="1500" kern="1200" dirty="0"/>
+        </a:p>
+      </dsp:txBody>
+      <dsp:txXfrm>
+        <a:off x="133191" y="60398"/>
+        <a:ext cx="1604893" cy="676184"/>
+      </dsp:txXfrm>
+    </dsp:sp>
+    <dsp:sp modelId="{8C37D885-6593-462C-AA05-6CD8EA638401}">
+      <dsp:nvSpPr>
+        <dsp:cNvPr id="0" name=""/>
+        <dsp:cNvSpPr/>
+      </dsp:nvSpPr>
+      <dsp:spPr>
+        <a:xfrm>
+          <a:off x="231131" y="757619"/>
+          <a:ext cx="91440" cy="384961"/>
+        </a:xfrm>
+        <a:custGeom>
+          <a:avLst/>
+          <a:gdLst/>
+          <a:ahLst/>
+          <a:cxnLst/>
+          <a:rect l="0" t="0" r="0" b="0"/>
+          <a:pathLst>
+            <a:path>
+              <a:moveTo>
+                <a:pt x="45720" y="0"/>
+              </a:moveTo>
+              <a:lnTo>
+                <a:pt x="45720" y="384961"/>
+              </a:lnTo>
+              <a:lnTo>
+                <a:pt x="130868" y="384961"/>
+              </a:lnTo>
+            </a:path>
+          </a:pathLst>
+        </a:custGeom>
+        <a:noFill/>
+        <a:ln w="12700" cap="flat" cmpd="sng" algn="ctr">
+          <a:solidFill>
+            <a:schemeClr val="accent1">
+              <a:shade val="60000"/>
+              <a:hueOff val="0"/>
+              <a:satOff val="0"/>
+              <a:lumOff val="0"/>
+              <a:alphaOff val="0"/>
+            </a:schemeClr>
+          </a:solidFill>
+          <a:prstDash val="solid"/>
+          <a:miter lim="800000"/>
+        </a:ln>
+        <a:effectLst/>
+      </dsp:spPr>
+      <dsp:style>
+        <a:lnRef idx="2">
+          <a:scrgbClr r="0" g="0" b="0"/>
+        </a:lnRef>
+        <a:fillRef idx="0">
+          <a:scrgbClr r="0" g="0" b="0"/>
+        </a:fillRef>
+        <a:effectRef idx="0">
+          <a:scrgbClr r="0" g="0" b="0"/>
+        </a:effectRef>
+        <a:fontRef idx="minor"/>
+      </dsp:style>
+    </dsp:sp>
+    <dsp:sp modelId="{3AC43A25-BC81-4A6B-BE8D-FB2B2029355A}">
+      <dsp:nvSpPr>
+        <dsp:cNvPr id="0" name=""/>
+        <dsp:cNvSpPr/>
+      </dsp:nvSpPr>
+      <dsp:spPr>
+        <a:xfrm>
+          <a:off x="361999" y="1012659"/>
+          <a:ext cx="1067665" cy="259844"/>
+        </a:xfrm>
+        <a:prstGeom prst="roundRect">
+          <a:avLst>
+            <a:gd name="adj" fmla="val 10000"/>
+          </a:avLst>
+        </a:prstGeom>
+        <a:gradFill rotWithShape="0">
+          <a:gsLst>
+            <a:gs pos="0">
+              <a:srgbClr val="FFD9D1">
+                <a:alpha val="49804"/>
+              </a:srgbClr>
+            </a:gs>
+            <a:gs pos="100000">
+              <a:srgbClr val="FFD9D1"/>
+            </a:gs>
+          </a:gsLst>
+          <a:lin ang="5400000" scaled="0"/>
+        </a:gradFill>
+        <a:ln w="6350" cap="flat" cmpd="sng" algn="ctr">
+          <a:solidFill>
+            <a:schemeClr val="accent1">
+              <a:hueOff val="0"/>
+              <a:satOff val="0"/>
+              <a:lumOff val="0"/>
+              <a:alphaOff val="0"/>
+            </a:schemeClr>
+          </a:solidFill>
+          <a:prstDash val="solid"/>
+          <a:miter lim="800000"/>
+        </a:ln>
+        <a:effectLst/>
+      </dsp:spPr>
+      <dsp:style>
+        <a:lnRef idx="1">
+          <a:scrgbClr r="0" g="0" b="0"/>
+        </a:lnRef>
+        <a:fillRef idx="1">
+          <a:scrgbClr r="0" g="0" b="0"/>
+        </a:fillRef>
+        <a:effectRef idx="2">
+          <a:scrgbClr r="0" g="0" b="0"/>
+        </a:effectRef>
+        <a:fontRef idx="minor"/>
+      </dsp:style>
+      <dsp:txBody>
+        <a:bodyPr spcFirstLastPara="0" vert="horz" wrap="square" lIns="26670" tIns="17780" rIns="26670" bIns="17780" numCol="1" spcCol="1270" anchor="ctr" anchorCtr="0">
+          <a:noAutofit/>
+        </a:bodyPr>
+        <a:lstStyle/>
+        <a:p>
+          <a:pPr lvl="0" algn="ctr" defTabSz="622300">
+            <a:lnSpc>
+              <a:spcPct val="90000"/>
+            </a:lnSpc>
+            <a:spcBef>
+              <a:spcPct val="0"/>
+            </a:spcBef>
+            <a:spcAft>
+              <a:spcPct val="35000"/>
+            </a:spcAft>
+          </a:pPr>
+          <a:r>
+            <a:rPr lang="en-US" sz="1400" kern="1200" dirty="0" err="1" smtClean="0"/>
+            <a:t>coveredBy</a:t>
+          </a:r>
+          <a:endParaRPr lang="en-US" sz="1400" kern="1200" dirty="0"/>
+        </a:p>
+      </dsp:txBody>
+      <dsp:txXfrm>
+        <a:off x="369610" y="1020270"/>
+        <a:ext cx="1052443" cy="244622"/>
+      </dsp:txXfrm>
+    </dsp:sp>
+    <dsp:sp modelId="{5FA849F3-2870-4117-B35F-44C7C5D9D3F5}">
+      <dsp:nvSpPr>
+        <dsp:cNvPr id="0" name=""/>
+        <dsp:cNvSpPr/>
+      </dsp:nvSpPr>
+      <dsp:spPr>
+        <a:xfrm>
+          <a:off x="231131" y="757619"/>
+          <a:ext cx="91440" cy="793449"/>
+        </a:xfrm>
+        <a:custGeom>
+          <a:avLst/>
+          <a:gdLst/>
+          <a:ahLst/>
+          <a:cxnLst/>
+          <a:rect l="0" t="0" r="0" b="0"/>
+          <a:pathLst>
+            <a:path>
+              <a:moveTo>
+                <a:pt x="45720" y="0"/>
+              </a:moveTo>
+              <a:lnTo>
+                <a:pt x="45720" y="793449"/>
+              </a:lnTo>
+              <a:lnTo>
+                <a:pt x="120168" y="793449"/>
+              </a:lnTo>
+            </a:path>
+          </a:pathLst>
+        </a:custGeom>
+        <a:noFill/>
+        <a:ln w="12700" cap="flat" cmpd="sng" algn="ctr">
+          <a:solidFill>
+            <a:schemeClr val="accent1">
+              <a:shade val="60000"/>
+              <a:hueOff val="0"/>
+              <a:satOff val="0"/>
+              <a:lumOff val="0"/>
+              <a:alphaOff val="0"/>
+            </a:schemeClr>
+          </a:solidFill>
+          <a:prstDash val="solid"/>
+          <a:miter lim="800000"/>
+        </a:ln>
+        <a:effectLst/>
+      </dsp:spPr>
+      <dsp:style>
+        <a:lnRef idx="2">
+          <a:scrgbClr r="0" g="0" b="0"/>
+        </a:lnRef>
+        <a:fillRef idx="0">
+          <a:scrgbClr r="0" g="0" b="0"/>
+        </a:fillRef>
+        <a:effectRef idx="0">
+          <a:scrgbClr r="0" g="0" b="0"/>
+        </a:effectRef>
+        <a:fontRef idx="minor"/>
+      </dsp:style>
+    </dsp:sp>
+    <dsp:sp modelId="{D87CF371-4165-4ECD-9CC4-97F516956AB5}">
+      <dsp:nvSpPr>
+        <dsp:cNvPr id="0" name=""/>
+        <dsp:cNvSpPr/>
+      </dsp:nvSpPr>
+      <dsp:spPr>
+        <a:xfrm>
+          <a:off x="351300" y="1421147"/>
+          <a:ext cx="1067665" cy="259844"/>
+        </a:xfrm>
+        <a:prstGeom prst="roundRect">
+          <a:avLst>
+            <a:gd name="adj" fmla="val 10000"/>
+          </a:avLst>
+        </a:prstGeom>
+        <a:gradFill rotWithShape="0">
+          <a:gsLst>
+            <a:gs pos="0">
+              <a:srgbClr val="FFD9D1">
+                <a:alpha val="49804"/>
+              </a:srgbClr>
+            </a:gs>
+            <a:gs pos="100000">
+              <a:srgbClr val="FFD9D1"/>
+            </a:gs>
+          </a:gsLst>
+          <a:lin ang="5400000" scaled="0"/>
+        </a:gradFill>
+        <a:ln w="6350" cap="flat" cmpd="sng" algn="ctr">
+          <a:solidFill>
+            <a:schemeClr val="accent1">
+              <a:hueOff val="0"/>
+              <a:satOff val="0"/>
+              <a:lumOff val="0"/>
+              <a:alphaOff val="0"/>
+            </a:schemeClr>
+          </a:solidFill>
+          <a:prstDash val="solid"/>
+          <a:miter lim="800000"/>
+        </a:ln>
+        <a:effectLst/>
+      </dsp:spPr>
+      <dsp:style>
+        <a:lnRef idx="1">
+          <a:scrgbClr r="0" g="0" b="0"/>
+        </a:lnRef>
+        <a:fillRef idx="1">
+          <a:scrgbClr r="0" g="0" b="0"/>
+        </a:fillRef>
+        <a:effectRef idx="2">
+          <a:scrgbClr r="0" g="0" b="0"/>
+        </a:effectRef>
+        <a:fontRef idx="minor"/>
+      </dsp:style>
+      <dsp:txBody>
+        <a:bodyPr spcFirstLastPara="0" vert="horz" wrap="square" lIns="26670" tIns="17780" rIns="26670" bIns="17780" numCol="1" spcCol="1270" anchor="ctr" anchorCtr="0">
+          <a:noAutofit/>
+        </a:bodyPr>
+        <a:lstStyle/>
+        <a:p>
+          <a:pPr lvl="0" algn="ctr" defTabSz="622300">
+            <a:lnSpc>
+              <a:spcPct val="90000"/>
+            </a:lnSpc>
+            <a:spcBef>
+              <a:spcPct val="0"/>
+            </a:spcBef>
+            <a:spcAft>
+              <a:spcPct val="35000"/>
+            </a:spcAft>
+          </a:pPr>
+          <a:r>
+            <a:rPr lang="en-US" sz="1400" kern="1200" dirty="0" smtClean="0"/>
+            <a:t>covering</a:t>
+          </a:r>
+          <a:endParaRPr lang="en-US" sz="1400" kern="1200" dirty="0"/>
+        </a:p>
+      </dsp:txBody>
+      <dsp:txXfrm>
+        <a:off x="358911" y="1428758"/>
+        <a:ext cx="1052443" cy="244622"/>
+      </dsp:txXfrm>
+    </dsp:sp>
+    <dsp:sp modelId="{7292F0EE-BF4C-4928-999E-A35FCFE0A11A}">
+      <dsp:nvSpPr>
+        <dsp:cNvPr id="0" name=""/>
+        <dsp:cNvSpPr/>
+      </dsp:nvSpPr>
+      <dsp:spPr>
+        <a:xfrm>
+          <a:off x="231131" y="757619"/>
+          <a:ext cx="91440" cy="1197663"/>
+        </a:xfrm>
+        <a:custGeom>
+          <a:avLst/>
+          <a:gdLst/>
+          <a:ahLst/>
+          <a:cxnLst/>
+          <a:rect l="0" t="0" r="0" b="0"/>
+          <a:pathLst>
+            <a:path>
+              <a:moveTo>
+                <a:pt x="45720" y="0"/>
+              </a:moveTo>
+              <a:lnTo>
+                <a:pt x="45720" y="1197663"/>
+              </a:lnTo>
+              <a:lnTo>
+                <a:pt x="130063" y="1197663"/>
+              </a:lnTo>
+            </a:path>
+          </a:pathLst>
+        </a:custGeom>
+        <a:noFill/>
+        <a:ln w="12700" cap="flat" cmpd="sng" algn="ctr">
+          <a:solidFill>
+            <a:schemeClr val="accent1">
+              <a:shade val="60000"/>
+              <a:hueOff val="0"/>
+              <a:satOff val="0"/>
+              <a:lumOff val="0"/>
+              <a:alphaOff val="0"/>
+            </a:schemeClr>
+          </a:solidFill>
+          <a:prstDash val="solid"/>
+          <a:miter lim="800000"/>
+        </a:ln>
+        <a:effectLst/>
+      </dsp:spPr>
+      <dsp:style>
+        <a:lnRef idx="2">
+          <a:scrgbClr r="0" g="0" b="0"/>
+        </a:lnRef>
+        <a:fillRef idx="0">
+          <a:scrgbClr r="0" g="0" b="0"/>
+        </a:fillRef>
+        <a:effectRef idx="0">
+          <a:scrgbClr r="0" g="0" b="0"/>
+        </a:effectRef>
+        <a:fontRef idx="minor"/>
+      </dsp:style>
+    </dsp:sp>
+    <dsp:sp modelId="{902E56C3-7153-4967-A765-4755747B76A3}">
+      <dsp:nvSpPr>
+        <dsp:cNvPr id="0" name=""/>
+        <dsp:cNvSpPr/>
+      </dsp:nvSpPr>
+      <dsp:spPr>
+        <a:xfrm>
+          <a:off x="361195" y="1825361"/>
+          <a:ext cx="1067665" cy="259844"/>
+        </a:xfrm>
+        <a:prstGeom prst="roundRect">
+          <a:avLst>
+            <a:gd name="adj" fmla="val 10000"/>
+          </a:avLst>
+        </a:prstGeom>
+        <a:gradFill rotWithShape="0">
+          <a:gsLst>
+            <a:gs pos="0">
+              <a:srgbClr val="FFD9D1">
+                <a:alpha val="49804"/>
+              </a:srgbClr>
+            </a:gs>
+            <a:gs pos="100000">
+              <a:srgbClr val="FFD9D1"/>
+            </a:gs>
+          </a:gsLst>
+          <a:lin ang="5400000" scaled="0"/>
+        </a:gradFill>
+        <a:ln w="6350" cap="flat" cmpd="sng" algn="ctr">
+          <a:solidFill>
+            <a:schemeClr val="accent1">
+              <a:hueOff val="0"/>
+              <a:satOff val="0"/>
+              <a:lumOff val="0"/>
+              <a:alphaOff val="0"/>
+            </a:schemeClr>
+          </a:solidFill>
+          <a:prstDash val="solid"/>
+          <a:miter lim="800000"/>
+        </a:ln>
+        <a:effectLst/>
+      </dsp:spPr>
+      <dsp:style>
+        <a:lnRef idx="1">
+          <a:scrgbClr r="0" g="0" b="0"/>
+        </a:lnRef>
+        <a:fillRef idx="1">
+          <a:scrgbClr r="0" g="0" b="0"/>
+        </a:fillRef>
+        <a:effectRef idx="2">
+          <a:scrgbClr r="0" g="0" b="0"/>
+        </a:effectRef>
+        <a:fontRef idx="minor"/>
+      </dsp:style>
+      <dsp:txBody>
+        <a:bodyPr spcFirstLastPara="0" vert="horz" wrap="square" lIns="26670" tIns="17780" rIns="26670" bIns="17780" numCol="1" spcCol="1270" anchor="ctr" anchorCtr="0">
+          <a:noAutofit/>
+        </a:bodyPr>
+        <a:lstStyle/>
+        <a:p>
+          <a:pPr lvl="0" algn="ctr" defTabSz="622300">
+            <a:lnSpc>
+              <a:spcPct val="90000"/>
+            </a:lnSpc>
+            <a:spcBef>
+              <a:spcPct val="0"/>
+            </a:spcBef>
+            <a:spcAft>
+              <a:spcPct val="35000"/>
+            </a:spcAft>
+          </a:pPr>
+          <a:r>
+            <a:rPr lang="en-US" sz="1400" kern="1200" dirty="0" smtClean="0"/>
+            <a:t>at</a:t>
+          </a:r>
+          <a:endParaRPr lang="en-US" sz="1400" kern="1200" dirty="0"/>
+        </a:p>
+      </dsp:txBody>
+      <dsp:txXfrm>
+        <a:off x="368806" y="1832972"/>
+        <a:ext cx="1052443" cy="244622"/>
+      </dsp:txXfrm>
+    </dsp:sp>
+    <dsp:sp modelId="{CCEF3560-3C73-4128-89F8-DC7E6E2E204B}">
+      <dsp:nvSpPr>
+        <dsp:cNvPr id="0" name=""/>
+        <dsp:cNvSpPr/>
+      </dsp:nvSpPr>
+      <dsp:spPr>
+        <a:xfrm>
+          <a:off x="231131" y="757619"/>
+          <a:ext cx="91440" cy="1661070"/>
+        </a:xfrm>
+        <a:custGeom>
+          <a:avLst/>
+          <a:gdLst/>
+          <a:ahLst/>
+          <a:cxnLst/>
+          <a:rect l="0" t="0" r="0" b="0"/>
+          <a:pathLst>
+            <a:path>
+              <a:moveTo>
+                <a:pt x="45720" y="0"/>
+              </a:moveTo>
+              <a:lnTo>
+                <a:pt x="45720" y="1661070"/>
+              </a:lnTo>
+              <a:lnTo>
+                <a:pt x="130063" y="1661070"/>
+              </a:lnTo>
+            </a:path>
+          </a:pathLst>
+        </a:custGeom>
+        <a:noFill/>
+        <a:ln w="12700" cap="flat" cmpd="sng" algn="ctr">
+          <a:solidFill>
+            <a:schemeClr val="accent1">
+              <a:shade val="60000"/>
+              <a:hueOff val="0"/>
+              <a:satOff val="0"/>
+              <a:lumOff val="0"/>
+              <a:alphaOff val="0"/>
+            </a:schemeClr>
+          </a:solidFill>
+          <a:prstDash val="solid"/>
+          <a:miter lim="800000"/>
+        </a:ln>
+        <a:effectLst/>
+      </dsp:spPr>
+      <dsp:style>
+        <a:lnRef idx="2">
+          <a:scrgbClr r="0" g="0" b="0"/>
+        </a:lnRef>
+        <a:fillRef idx="0">
+          <a:scrgbClr r="0" g="0" b="0"/>
+        </a:fillRef>
+        <a:effectRef idx="0">
+          <a:scrgbClr r="0" g="0" b="0"/>
+        </a:effectRef>
+        <a:fontRef idx="minor"/>
+      </dsp:style>
+    </dsp:sp>
+    <dsp:sp modelId="{964BD0A1-575D-4561-A934-3A5596A69899}">
+      <dsp:nvSpPr>
+        <dsp:cNvPr id="0" name=""/>
+        <dsp:cNvSpPr/>
+      </dsp:nvSpPr>
+      <dsp:spPr>
+        <a:xfrm>
+          <a:off x="361195" y="2288767"/>
+          <a:ext cx="1067665" cy="259844"/>
+        </a:xfrm>
+        <a:prstGeom prst="roundRect">
+          <a:avLst>
+            <a:gd name="adj" fmla="val 10000"/>
+          </a:avLst>
+        </a:prstGeom>
+        <a:gradFill rotWithShape="0">
+          <a:gsLst>
+            <a:gs pos="0">
+              <a:srgbClr val="FFD9D1">
+                <a:alpha val="49804"/>
+              </a:srgbClr>
+            </a:gs>
+            <a:gs pos="100000">
+              <a:srgbClr val="FFD9D1"/>
+            </a:gs>
+          </a:gsLst>
+          <a:lin ang="5400000" scaled="0"/>
+        </a:gradFill>
+        <a:ln w="6350" cap="flat" cmpd="sng" algn="ctr">
+          <a:solidFill>
+            <a:schemeClr val="accent1">
+              <a:hueOff val="0"/>
+              <a:satOff val="0"/>
+              <a:lumOff val="0"/>
+              <a:alphaOff val="0"/>
+            </a:schemeClr>
+          </a:solidFill>
+          <a:prstDash val="solid"/>
+          <a:miter lim="800000"/>
+        </a:ln>
+        <a:effectLst/>
+      </dsp:spPr>
+      <dsp:style>
+        <a:lnRef idx="1">
+          <a:scrgbClr r="0" g="0" b="0"/>
+        </a:lnRef>
+        <a:fillRef idx="1">
+          <a:scrgbClr r="0" g="0" b="0"/>
+        </a:fillRef>
+        <a:effectRef idx="2">
+          <a:scrgbClr r="0" g="0" b="0"/>
+        </a:effectRef>
+        <a:fontRef idx="minor"/>
+      </dsp:style>
+      <dsp:txBody>
+        <a:bodyPr spcFirstLastPara="0" vert="horz" wrap="square" lIns="26670" tIns="17780" rIns="26670" bIns="17780" numCol="1" spcCol="1270" anchor="ctr" anchorCtr="0">
+          <a:noAutofit/>
+        </a:bodyPr>
+        <a:lstStyle/>
+        <a:p>
+          <a:pPr lvl="0" algn="ctr" defTabSz="622300">
+            <a:lnSpc>
+              <a:spcPct val="90000"/>
+            </a:lnSpc>
+            <a:spcBef>
+              <a:spcPct val="0"/>
+            </a:spcBef>
+            <a:spcAft>
+              <a:spcPct val="35000"/>
+            </a:spcAft>
+          </a:pPr>
+          <a:r>
+            <a:rPr lang="en-US" sz="1400" kern="1200" dirty="0" smtClean="0"/>
+            <a:t>between</a:t>
+          </a:r>
+          <a:endParaRPr lang="en-US" sz="1400" kern="1200" dirty="0"/>
+        </a:p>
+      </dsp:txBody>
+      <dsp:txXfrm>
+        <a:off x="368806" y="2296378"/>
+        <a:ext cx="1052443" cy="244622"/>
+      </dsp:txXfrm>
+    </dsp:sp>
+    <dsp:sp modelId="{508C05A8-918D-425D-B9FA-95D7693DA324}">
+      <dsp:nvSpPr>
+        <dsp:cNvPr id="0" name=""/>
+        <dsp:cNvSpPr/>
+      </dsp:nvSpPr>
+      <dsp:spPr>
+        <a:xfrm>
+          <a:off x="1987844" y="48885"/>
+          <a:ext cx="1436517" cy="718258"/>
+        </a:xfrm>
+        <a:prstGeom prst="roundRect">
+          <a:avLst>
+            <a:gd name="adj" fmla="val 10000"/>
+          </a:avLst>
+        </a:prstGeom>
+        <a:gradFill rotWithShape="0">
+          <a:gsLst>
+            <a:gs pos="0">
+              <a:srgbClr val="FFCCFF">
+                <a:lumMod val="50000"/>
+                <a:lumOff val="50000"/>
+              </a:srgbClr>
+            </a:gs>
+            <a:gs pos="100000">
+              <a:srgbClr val="FFCCFF"/>
+            </a:gs>
+          </a:gsLst>
+          <a:lin ang="5400000" scaled="0"/>
+        </a:gradFill>
+        <a:ln w="6350" cap="flat" cmpd="sng" algn="ctr">
+          <a:solidFill>
+            <a:schemeClr val="accent2"/>
+          </a:solidFill>
+          <a:prstDash val="solid"/>
+          <a:miter lim="800000"/>
+        </a:ln>
+        <a:effectLst/>
+      </dsp:spPr>
+      <dsp:style>
+        <a:lnRef idx="1">
+          <a:schemeClr val="accent2"/>
+        </a:lnRef>
+        <a:fillRef idx="2">
+          <a:schemeClr val="accent2"/>
+        </a:fillRef>
+        <a:effectRef idx="1">
+          <a:schemeClr val="accent2"/>
+        </a:effectRef>
+        <a:fontRef idx="minor">
+          <a:schemeClr val="dk1"/>
+        </a:fontRef>
+      </dsp:style>
+      <dsp:txBody>
+        <a:bodyPr spcFirstLastPara="0" vert="horz" wrap="square" lIns="28575" tIns="19050" rIns="28575" bIns="19050" numCol="1" spcCol="1270" anchor="ctr" anchorCtr="0">
+          <a:noAutofit/>
+        </a:bodyPr>
+        <a:lstStyle/>
+        <a:p>
+          <a:pPr lvl="0" algn="ctr" defTabSz="666750">
+            <a:lnSpc>
+              <a:spcPct val="90000"/>
+            </a:lnSpc>
+            <a:spcBef>
+              <a:spcPct val="0"/>
+            </a:spcBef>
+            <a:spcAft>
+              <a:spcPct val="35000"/>
+            </a:spcAft>
+          </a:pPr>
+          <a:r>
+            <a:rPr lang="en-US" sz="1500" kern="1200" dirty="0" smtClean="0"/>
+            <a:t>Annotation index - variations</a:t>
+          </a:r>
+          <a:endParaRPr lang="en-US" sz="1500" kern="1200" dirty="0"/>
+        </a:p>
+      </dsp:txBody>
+      <dsp:txXfrm>
+        <a:off x="2008881" y="69922"/>
+        <a:ext cx="1394443" cy="676184"/>
+      </dsp:txXfrm>
+    </dsp:sp>
+    <dsp:sp modelId="{06ACC55D-1859-48B9-923E-41A7399F42ED}">
+      <dsp:nvSpPr>
+        <dsp:cNvPr id="0" name=""/>
+        <dsp:cNvSpPr/>
+      </dsp:nvSpPr>
+      <dsp:spPr>
+        <a:xfrm>
+          <a:off x="2131495" y="767143"/>
+          <a:ext cx="127028" cy="383050"/>
+        </a:xfrm>
+        <a:custGeom>
+          <a:avLst/>
+          <a:gdLst/>
+          <a:ahLst/>
+          <a:cxnLst/>
+          <a:rect l="0" t="0" r="0" b="0"/>
+          <a:pathLst>
+            <a:path>
+              <a:moveTo>
+                <a:pt x="0" y="0"/>
+              </a:moveTo>
+              <a:lnTo>
+                <a:pt x="0" y="383050"/>
+              </a:lnTo>
+              <a:lnTo>
+                <a:pt x="127028" y="383050"/>
+              </a:lnTo>
+            </a:path>
+          </a:pathLst>
+        </a:custGeom>
+        <a:noFill/>
+        <a:ln w="12700" cap="flat" cmpd="sng" algn="ctr">
+          <a:solidFill>
+            <a:schemeClr val="accent1">
+              <a:shade val="60000"/>
+              <a:hueOff val="0"/>
+              <a:satOff val="0"/>
+              <a:lumOff val="0"/>
+              <a:alphaOff val="0"/>
+            </a:schemeClr>
+          </a:solidFill>
+          <a:prstDash val="solid"/>
+          <a:miter lim="800000"/>
+        </a:ln>
+        <a:effectLst/>
+      </dsp:spPr>
+      <dsp:style>
+        <a:lnRef idx="2">
+          <a:scrgbClr r="0" g="0" b="0"/>
+        </a:lnRef>
+        <a:fillRef idx="0">
+          <a:scrgbClr r="0" g="0" b="0"/>
+        </a:fillRef>
+        <a:effectRef idx="0">
+          <a:scrgbClr r="0" g="0" b="0"/>
+        </a:effectRef>
+        <a:fontRef idx="minor"/>
+      </dsp:style>
+    </dsp:sp>
+    <dsp:sp modelId="{2AFCFA76-6F7A-4479-983C-FEF5916C6BD8}">
+      <dsp:nvSpPr>
+        <dsp:cNvPr id="0" name=""/>
+        <dsp:cNvSpPr/>
+      </dsp:nvSpPr>
+      <dsp:spPr>
+        <a:xfrm>
+          <a:off x="2258524" y="1020272"/>
+          <a:ext cx="1391514" cy="259844"/>
+        </a:xfrm>
+        <a:prstGeom prst="roundRect">
+          <a:avLst>
+            <a:gd name="adj" fmla="val 10000"/>
+          </a:avLst>
+        </a:prstGeom>
+        <a:gradFill rotWithShape="0">
+          <a:gsLst>
+            <a:gs pos="0">
+              <a:srgbClr val="FFD9D1">
+                <a:alpha val="49804"/>
+              </a:srgbClr>
+            </a:gs>
+            <a:gs pos="100000">
+              <a:srgbClr val="FFD9D1"/>
+            </a:gs>
+          </a:gsLst>
+          <a:lin ang="5400000" scaled="0"/>
+        </a:gradFill>
+        <a:ln w="6350" cap="flat" cmpd="sng" algn="ctr">
+          <a:solidFill>
+            <a:schemeClr val="accent1">
+              <a:hueOff val="0"/>
+              <a:satOff val="0"/>
+              <a:lumOff val="0"/>
+              <a:alphaOff val="0"/>
+            </a:schemeClr>
+          </a:solidFill>
+          <a:prstDash val="solid"/>
+          <a:miter lim="800000"/>
+        </a:ln>
+        <a:effectLst/>
+      </dsp:spPr>
+      <dsp:style>
+        <a:lnRef idx="1">
+          <a:scrgbClr r="0" g="0" b="0"/>
+        </a:lnRef>
+        <a:fillRef idx="1">
+          <a:scrgbClr r="0" g="0" b="0"/>
+        </a:fillRef>
+        <a:effectRef idx="2">
+          <a:scrgbClr r="0" g="0" b="0"/>
+        </a:effectRef>
+        <a:fontRef idx="minor"/>
+      </dsp:style>
+      <dsp:txBody>
+        <a:bodyPr spcFirstLastPara="0" vert="horz" wrap="square" lIns="26670" tIns="17780" rIns="26670" bIns="17780" numCol="1" spcCol="1270" anchor="ctr" anchorCtr="0">
+          <a:noAutofit/>
+        </a:bodyPr>
+        <a:lstStyle/>
+        <a:p>
+          <a:pPr lvl="0" algn="ctr" defTabSz="622300">
+            <a:lnSpc>
+              <a:spcPct val="90000"/>
+            </a:lnSpc>
+            <a:spcBef>
+              <a:spcPct val="0"/>
+            </a:spcBef>
+            <a:spcAft>
+              <a:spcPct val="35000"/>
+            </a:spcAft>
+          </a:pPr>
+          <a:r>
+            <a:rPr lang="en-US" sz="1400" kern="1200" dirty="0" err="1" smtClean="0"/>
+            <a:t>typePriority</a:t>
+          </a:r>
+          <a:endParaRPr lang="en-US" sz="1400" kern="1200" dirty="0"/>
+        </a:p>
+      </dsp:txBody>
+      <dsp:txXfrm>
+        <a:off x="2266135" y="1027883"/>
+        <a:ext cx="1376292" cy="244622"/>
+      </dsp:txXfrm>
+    </dsp:sp>
+    <dsp:sp modelId="{457EBE8C-597D-433F-966E-30FD815E5E2D}">
+      <dsp:nvSpPr>
+        <dsp:cNvPr id="0" name=""/>
+        <dsp:cNvSpPr/>
+      </dsp:nvSpPr>
+      <dsp:spPr>
+        <a:xfrm>
+          <a:off x="2131495" y="767143"/>
+          <a:ext cx="127545" cy="803749"/>
+        </a:xfrm>
+        <a:custGeom>
+          <a:avLst/>
+          <a:gdLst/>
+          <a:ahLst/>
+          <a:cxnLst/>
+          <a:rect l="0" t="0" r="0" b="0"/>
+          <a:pathLst>
+            <a:path>
+              <a:moveTo>
+                <a:pt x="0" y="0"/>
+              </a:moveTo>
+              <a:lnTo>
+                <a:pt x="0" y="803749"/>
+              </a:lnTo>
+              <a:lnTo>
+                <a:pt x="127545" y="803749"/>
+              </a:lnTo>
+            </a:path>
+          </a:pathLst>
+        </a:custGeom>
+        <a:noFill/>
+        <a:ln w="12700" cap="flat" cmpd="sng" algn="ctr">
+          <a:solidFill>
+            <a:schemeClr val="accent1">
+              <a:shade val="60000"/>
+              <a:hueOff val="0"/>
+              <a:satOff val="0"/>
+              <a:lumOff val="0"/>
+              <a:alphaOff val="0"/>
+            </a:schemeClr>
+          </a:solidFill>
+          <a:prstDash val="solid"/>
+          <a:miter lim="800000"/>
+        </a:ln>
+        <a:effectLst/>
+      </dsp:spPr>
+      <dsp:style>
+        <a:lnRef idx="2">
+          <a:scrgbClr r="0" g="0" b="0"/>
+        </a:lnRef>
+        <a:fillRef idx="0">
+          <a:scrgbClr r="0" g="0" b="0"/>
+        </a:fillRef>
+        <a:effectRef idx="0">
+          <a:scrgbClr r="0" g="0" b="0"/>
+        </a:effectRef>
+        <a:fontRef idx="minor"/>
+      </dsp:style>
+    </dsp:sp>
+    <dsp:sp modelId="{9A1BCF8B-3F39-4A73-B539-DCCD4108908A}">
+      <dsp:nvSpPr>
+        <dsp:cNvPr id="0" name=""/>
+        <dsp:cNvSpPr/>
+      </dsp:nvSpPr>
+      <dsp:spPr>
+        <a:xfrm>
+          <a:off x="2259041" y="1440971"/>
+          <a:ext cx="1391514" cy="259844"/>
+        </a:xfrm>
+        <a:prstGeom prst="roundRect">
+          <a:avLst>
+            <a:gd name="adj" fmla="val 10000"/>
+          </a:avLst>
+        </a:prstGeom>
+        <a:gradFill rotWithShape="0">
+          <a:gsLst>
+            <a:gs pos="0">
+              <a:srgbClr val="FFD9D1">
+                <a:alpha val="49804"/>
+              </a:srgbClr>
+            </a:gs>
+            <a:gs pos="100000">
+              <a:srgbClr val="FFD9D1"/>
+            </a:gs>
+          </a:gsLst>
+          <a:lin ang="5400000" scaled="0"/>
+        </a:gradFill>
+        <a:ln w="6350" cap="flat" cmpd="sng" algn="ctr">
+          <a:solidFill>
+            <a:schemeClr val="accent1">
+              <a:hueOff val="0"/>
+              <a:satOff val="0"/>
+              <a:lumOff val="0"/>
+              <a:alphaOff val="0"/>
+            </a:schemeClr>
+          </a:solidFill>
+          <a:prstDash val="solid"/>
+          <a:miter lim="800000"/>
+        </a:ln>
+        <a:effectLst/>
+      </dsp:spPr>
+      <dsp:style>
+        <a:lnRef idx="1">
+          <a:scrgbClr r="0" g="0" b="0"/>
+        </a:lnRef>
+        <a:fillRef idx="1">
+          <a:scrgbClr r="0" g="0" b="0"/>
+        </a:fillRef>
+        <a:effectRef idx="2">
+          <a:scrgbClr r="0" g="0" b="0"/>
+        </a:effectRef>
+        <a:fontRef idx="minor"/>
+      </dsp:style>
+      <dsp:txBody>
+        <a:bodyPr spcFirstLastPara="0" vert="horz" wrap="square" lIns="26670" tIns="17780" rIns="26670" bIns="17780" numCol="1" spcCol="1270" anchor="ctr" anchorCtr="0">
+          <a:noAutofit/>
+        </a:bodyPr>
+        <a:lstStyle/>
+        <a:p>
+          <a:pPr lvl="0" algn="ctr" defTabSz="622300">
+            <a:lnSpc>
+              <a:spcPct val="90000"/>
+            </a:lnSpc>
+            <a:spcBef>
+              <a:spcPct val="0"/>
+            </a:spcBef>
+            <a:spcAft>
+              <a:spcPct val="35000"/>
+            </a:spcAft>
+          </a:pPr>
+          <a:r>
+            <a:rPr lang="en-US" sz="1400" kern="1200" dirty="0" err="1" smtClean="0"/>
+            <a:t>positionUsesType</a:t>
+          </a:r>
+          <a:endParaRPr lang="en-US" sz="1400" kern="1200" dirty="0"/>
+        </a:p>
+      </dsp:txBody>
+      <dsp:txXfrm>
+        <a:off x="2266652" y="1448582"/>
+        <a:ext cx="1376292" cy="244622"/>
+      </dsp:txXfrm>
+    </dsp:sp>
+    <dsp:sp modelId="{11740182-5826-4EB6-9212-29EFE8CA856D}">
+      <dsp:nvSpPr>
+        <dsp:cNvPr id="0" name=""/>
+        <dsp:cNvSpPr/>
+      </dsp:nvSpPr>
+      <dsp:spPr>
+        <a:xfrm>
+          <a:off x="2131495" y="767143"/>
+          <a:ext cx="138761" cy="1188305"/>
+        </a:xfrm>
+        <a:custGeom>
+          <a:avLst/>
+          <a:gdLst/>
+          <a:ahLst/>
+          <a:cxnLst/>
+          <a:rect l="0" t="0" r="0" b="0"/>
+          <a:pathLst>
+            <a:path>
+              <a:moveTo>
+                <a:pt x="0" y="0"/>
+              </a:moveTo>
+              <a:lnTo>
+                <a:pt x="0" y="1188305"/>
+              </a:lnTo>
+              <a:lnTo>
+                <a:pt x="138761" y="1188305"/>
+              </a:lnTo>
+            </a:path>
+          </a:pathLst>
+        </a:custGeom>
+        <a:noFill/>
+        <a:ln w="12700" cap="flat" cmpd="sng" algn="ctr">
+          <a:solidFill>
+            <a:schemeClr val="accent1">
+              <a:shade val="60000"/>
+              <a:hueOff val="0"/>
+              <a:satOff val="0"/>
+              <a:lumOff val="0"/>
+              <a:alphaOff val="0"/>
+            </a:schemeClr>
+          </a:solidFill>
+          <a:prstDash val="solid"/>
+          <a:miter lim="800000"/>
+        </a:ln>
+        <a:effectLst/>
+      </dsp:spPr>
+      <dsp:style>
+        <a:lnRef idx="2">
+          <a:scrgbClr r="0" g="0" b="0"/>
+        </a:lnRef>
+        <a:fillRef idx="0">
+          <a:scrgbClr r="0" g="0" b="0"/>
+        </a:fillRef>
+        <a:effectRef idx="0">
+          <a:scrgbClr r="0" g="0" b="0"/>
+        </a:effectRef>
+        <a:fontRef idx="minor"/>
+      </dsp:style>
+    </dsp:sp>
+    <dsp:sp modelId="{DC9C9830-AE78-4B49-8B2D-0881B6509383}">
+      <dsp:nvSpPr>
+        <dsp:cNvPr id="0" name=""/>
+        <dsp:cNvSpPr/>
+      </dsp:nvSpPr>
+      <dsp:spPr>
+        <a:xfrm>
+          <a:off x="2270257" y="1825526"/>
+          <a:ext cx="1391514" cy="259844"/>
+        </a:xfrm>
+        <a:prstGeom prst="roundRect">
+          <a:avLst>
+            <a:gd name="adj" fmla="val 10000"/>
+          </a:avLst>
+        </a:prstGeom>
+        <a:gradFill rotWithShape="0">
+          <a:gsLst>
+            <a:gs pos="0">
+              <a:srgbClr val="FFD9D1">
+                <a:alpha val="49804"/>
+              </a:srgbClr>
+            </a:gs>
+            <a:gs pos="100000">
+              <a:srgbClr val="FFD9D1"/>
+            </a:gs>
+          </a:gsLst>
+          <a:lin ang="5400000" scaled="0"/>
+        </a:gradFill>
+        <a:ln w="6350" cap="flat" cmpd="sng" algn="ctr">
+          <a:solidFill>
+            <a:schemeClr val="accent1">
+              <a:hueOff val="0"/>
+              <a:satOff val="0"/>
+              <a:lumOff val="0"/>
+              <a:alphaOff val="0"/>
+            </a:schemeClr>
+          </a:solidFill>
+          <a:prstDash val="solid"/>
+          <a:miter lim="800000"/>
+        </a:ln>
+        <a:effectLst/>
+      </dsp:spPr>
+      <dsp:style>
+        <a:lnRef idx="1">
+          <a:scrgbClr r="0" g="0" b="0"/>
+        </a:lnRef>
+        <a:fillRef idx="1">
+          <a:scrgbClr r="0" g="0" b="0"/>
+        </a:fillRef>
+        <a:effectRef idx="2">
+          <a:scrgbClr r="0" g="0" b="0"/>
+        </a:effectRef>
+        <a:fontRef idx="minor"/>
+      </dsp:style>
+      <dsp:txBody>
+        <a:bodyPr spcFirstLastPara="0" vert="horz" wrap="square" lIns="26670" tIns="17780" rIns="26670" bIns="17780" numCol="1" spcCol="1270" anchor="ctr" anchorCtr="0">
+          <a:noAutofit/>
+        </a:bodyPr>
+        <a:lstStyle/>
+        <a:p>
+          <a:pPr lvl="0" algn="ctr" defTabSz="622300">
+            <a:lnSpc>
+              <a:spcPct val="90000"/>
+            </a:lnSpc>
+            <a:spcBef>
+              <a:spcPct val="0"/>
+            </a:spcBef>
+            <a:spcAft>
+              <a:spcPct val="35000"/>
+            </a:spcAft>
+          </a:pPr>
+          <a:r>
+            <a:rPr lang="en-US" sz="1400" kern="1200" dirty="0" err="1" smtClean="0"/>
+            <a:t>nonOverlapping</a:t>
+          </a:r>
+          <a:endParaRPr lang="en-US" sz="1400" kern="1200" dirty="0"/>
+        </a:p>
+      </dsp:txBody>
+      <dsp:txXfrm>
+        <a:off x="2277868" y="1833137"/>
+        <a:ext cx="1376292" cy="244622"/>
+      </dsp:txXfrm>
+    </dsp:sp>
+    <dsp:sp modelId="{C745C9FC-4960-4848-9000-F4D085284BD6}">
+      <dsp:nvSpPr>
+        <dsp:cNvPr id="0" name=""/>
+        <dsp:cNvSpPr/>
+      </dsp:nvSpPr>
+      <dsp:spPr>
+        <a:xfrm>
+          <a:off x="2131495" y="767143"/>
+          <a:ext cx="138761" cy="1634943"/>
+        </a:xfrm>
+        <a:custGeom>
+          <a:avLst/>
+          <a:gdLst/>
+          <a:ahLst/>
+          <a:cxnLst/>
+          <a:rect l="0" t="0" r="0" b="0"/>
+          <a:pathLst>
+            <a:path>
+              <a:moveTo>
+                <a:pt x="0" y="0"/>
+              </a:moveTo>
+              <a:lnTo>
+                <a:pt x="0" y="1634943"/>
+              </a:lnTo>
+              <a:lnTo>
+                <a:pt x="138761" y="1634943"/>
+              </a:lnTo>
+            </a:path>
+          </a:pathLst>
+        </a:custGeom>
+        <a:noFill/>
+        <a:ln w="12700" cap="flat" cmpd="sng" algn="ctr">
+          <a:solidFill>
+            <a:schemeClr val="accent1">
+              <a:shade val="60000"/>
+              <a:hueOff val="0"/>
+              <a:satOff val="0"/>
+              <a:lumOff val="0"/>
+              <a:alphaOff val="0"/>
+            </a:schemeClr>
+          </a:solidFill>
+          <a:prstDash val="solid"/>
+          <a:miter lim="800000"/>
+        </a:ln>
+        <a:effectLst/>
+      </dsp:spPr>
+      <dsp:style>
+        <a:lnRef idx="2">
+          <a:scrgbClr r="0" g="0" b="0"/>
+        </a:lnRef>
+        <a:fillRef idx="0">
+          <a:scrgbClr r="0" g="0" b="0"/>
+        </a:fillRef>
+        <a:effectRef idx="0">
+          <a:scrgbClr r="0" g="0" b="0"/>
+        </a:effectRef>
+        <a:fontRef idx="minor"/>
+      </dsp:style>
+    </dsp:sp>
+    <dsp:sp modelId="{3F8D49A2-3284-499F-B53F-A3C02EC0E048}">
+      <dsp:nvSpPr>
+        <dsp:cNvPr id="0" name=""/>
+        <dsp:cNvSpPr/>
+      </dsp:nvSpPr>
+      <dsp:spPr>
+        <a:xfrm>
+          <a:off x="2270257" y="2264935"/>
+          <a:ext cx="2783947" cy="274302"/>
+        </a:xfrm>
+        <a:prstGeom prst="roundRect">
+          <a:avLst>
+            <a:gd name="adj" fmla="val 10000"/>
+          </a:avLst>
+        </a:prstGeom>
+        <a:gradFill rotWithShape="0">
+          <a:gsLst>
+            <a:gs pos="0">
+              <a:srgbClr val="FFD9D1">
+                <a:alpha val="49804"/>
+              </a:srgbClr>
+            </a:gs>
+            <a:gs pos="100000">
+              <a:srgbClr val="FFD9D1"/>
+            </a:gs>
+          </a:gsLst>
+          <a:lin ang="5400000" scaled="0"/>
+        </a:gradFill>
+        <a:ln w="6350" cap="flat" cmpd="sng" algn="ctr">
+          <a:solidFill>
+            <a:schemeClr val="accent1">
+              <a:hueOff val="0"/>
+              <a:satOff val="0"/>
+              <a:lumOff val="0"/>
+              <a:alphaOff val="0"/>
+            </a:schemeClr>
+          </a:solidFill>
+          <a:prstDash val="solid"/>
+          <a:miter lim="800000"/>
+        </a:ln>
+        <a:effectLst/>
+      </dsp:spPr>
+      <dsp:style>
+        <a:lnRef idx="1">
+          <a:scrgbClr r="0" g="0" b="0"/>
+        </a:lnRef>
+        <a:fillRef idx="1">
+          <a:scrgbClr r="0" g="0" b="0"/>
+        </a:fillRef>
+        <a:effectRef idx="2">
+          <a:scrgbClr r="0" g="0" b="0"/>
+        </a:effectRef>
+        <a:fontRef idx="minor"/>
+      </dsp:style>
+      <dsp:txBody>
+        <a:bodyPr spcFirstLastPara="0" vert="horz" wrap="square" lIns="22860" tIns="15240" rIns="22860" bIns="15240" numCol="1" spcCol="1270" anchor="ctr" anchorCtr="0">
+          <a:noAutofit/>
+        </a:bodyPr>
+        <a:lstStyle/>
+        <a:p>
+          <a:pPr lvl="0" algn="ctr" defTabSz="533400">
+            <a:lnSpc>
+              <a:spcPct val="90000"/>
+            </a:lnSpc>
+            <a:spcBef>
+              <a:spcPct val="0"/>
+            </a:spcBef>
+            <a:spcAft>
+              <a:spcPct val="35000"/>
+            </a:spcAft>
+          </a:pPr>
+          <a:r>
+            <a:rPr lang="en-US" sz="1200" kern="1200" dirty="0" smtClean="0"/>
+            <a:t>includeAnnotationsWithEndBeyondBounds</a:t>
+          </a:r>
+          <a:endParaRPr lang="en-US" sz="1200" kern="1200" dirty="0"/>
+        </a:p>
+      </dsp:txBody>
+      <dsp:txXfrm>
+        <a:off x="2278291" y="2272969"/>
+        <a:ext cx="2767879" cy="258234"/>
+      </dsp:txXfrm>
+    </dsp:sp>
+    <dsp:sp modelId="{F693726E-1BD8-4CF5-A624-39208FF42DB3}">
+      <dsp:nvSpPr>
+        <dsp:cNvPr id="0" name=""/>
+        <dsp:cNvSpPr/>
+      </dsp:nvSpPr>
+      <dsp:spPr>
+        <a:xfrm>
+          <a:off x="2131495" y="767143"/>
+          <a:ext cx="144209" cy="2061998"/>
+        </a:xfrm>
+        <a:custGeom>
+          <a:avLst/>
+          <a:gdLst/>
+          <a:ahLst/>
+          <a:cxnLst/>
+          <a:rect l="0" t="0" r="0" b="0"/>
+          <a:pathLst>
+            <a:path>
+              <a:moveTo>
+                <a:pt x="0" y="0"/>
+              </a:moveTo>
+              <a:lnTo>
+                <a:pt x="0" y="2061998"/>
+              </a:lnTo>
+              <a:lnTo>
+                <a:pt x="144209" y="2061998"/>
+              </a:lnTo>
+            </a:path>
+          </a:pathLst>
+        </a:custGeom>
+        <a:noFill/>
+        <a:ln w="12700" cap="flat" cmpd="sng" algn="ctr">
+          <a:solidFill>
+            <a:schemeClr val="accent1">
+              <a:shade val="60000"/>
+              <a:hueOff val="0"/>
+              <a:satOff val="0"/>
+              <a:lumOff val="0"/>
+              <a:alphaOff val="0"/>
+            </a:schemeClr>
+          </a:solidFill>
+          <a:prstDash val="solid"/>
+          <a:miter lim="800000"/>
+        </a:ln>
+        <a:effectLst/>
+      </dsp:spPr>
+      <dsp:style>
+        <a:lnRef idx="2">
+          <a:scrgbClr r="0" g="0" b="0"/>
+        </a:lnRef>
+        <a:fillRef idx="0">
+          <a:scrgbClr r="0" g="0" b="0"/>
+        </a:fillRef>
+        <a:effectRef idx="0">
+          <a:scrgbClr r="0" g="0" b="0"/>
+        </a:effectRef>
+        <a:fontRef idx="minor"/>
+      </dsp:style>
+    </dsp:sp>
+    <dsp:sp modelId="{AC11EBD0-8383-469D-B57B-D8ABFF513D43}">
+      <dsp:nvSpPr>
+        <dsp:cNvPr id="0" name=""/>
+        <dsp:cNvSpPr/>
+      </dsp:nvSpPr>
+      <dsp:spPr>
+        <a:xfrm>
+          <a:off x="2275705" y="2708036"/>
+          <a:ext cx="1701663" cy="242211"/>
+        </a:xfrm>
+        <a:prstGeom prst="roundRect">
+          <a:avLst>
+            <a:gd name="adj" fmla="val 10000"/>
+          </a:avLst>
+        </a:prstGeom>
+        <a:gradFill rotWithShape="0">
+          <a:gsLst>
+            <a:gs pos="0">
+              <a:srgbClr val="FFD9D1">
+                <a:alpha val="49804"/>
+              </a:srgbClr>
+            </a:gs>
+            <a:gs pos="100000">
+              <a:srgbClr val="FFD9D1"/>
+            </a:gs>
+          </a:gsLst>
+          <a:lin ang="5400000" scaled="0"/>
+        </a:gradFill>
+        <a:ln w="6350" cap="flat" cmpd="sng" algn="ctr">
+          <a:solidFill>
+            <a:schemeClr val="accent1">
+              <a:hueOff val="0"/>
+              <a:satOff val="0"/>
+              <a:lumOff val="0"/>
+              <a:alphaOff val="0"/>
+            </a:schemeClr>
+          </a:solidFill>
+          <a:prstDash val="solid"/>
+          <a:miter lim="800000"/>
+        </a:ln>
+        <a:effectLst/>
+      </dsp:spPr>
+      <dsp:style>
+        <a:lnRef idx="1">
+          <a:scrgbClr r="0" g="0" b="0"/>
+        </a:lnRef>
+        <a:fillRef idx="1">
+          <a:scrgbClr r="0" g="0" b="0"/>
+        </a:fillRef>
+        <a:effectRef idx="2">
+          <a:scrgbClr r="0" g="0" b="0"/>
+        </a:effectRef>
+        <a:fontRef idx="minor"/>
+      </dsp:style>
+      <dsp:txBody>
+        <a:bodyPr spcFirstLastPara="0" vert="horz" wrap="square" lIns="26670" tIns="17780" rIns="26670" bIns="17780" numCol="1" spcCol="1270" anchor="ctr" anchorCtr="0">
+          <a:noAutofit/>
+        </a:bodyPr>
+        <a:lstStyle/>
+        <a:p>
+          <a:pPr lvl="0" algn="ctr" defTabSz="622300">
+            <a:lnSpc>
+              <a:spcPct val="90000"/>
+            </a:lnSpc>
+            <a:spcBef>
+              <a:spcPct val="0"/>
+            </a:spcBef>
+            <a:spcAft>
+              <a:spcPct val="35000"/>
+            </a:spcAft>
+          </a:pPr>
+          <a:r>
+            <a:rPr lang="en-US" sz="1400" kern="1200" dirty="0" err="1" smtClean="0"/>
+            <a:t>useAnnotationEquals</a:t>
+          </a:r>
+          <a:endParaRPr lang="en-US" sz="1400" kern="1200" dirty="0"/>
+        </a:p>
+      </dsp:txBody>
+      <dsp:txXfrm>
+        <a:off x="2282799" y="2715130"/>
+        <a:ext cx="1687475" cy="228023"/>
+      </dsp:txXfrm>
+    </dsp:sp>
+    <dsp:sp modelId="{3C8E8F72-4C43-4FFC-AEFF-219062D96DB2}">
+      <dsp:nvSpPr>
+        <dsp:cNvPr id="0" name=""/>
+        <dsp:cNvSpPr/>
+      </dsp:nvSpPr>
+      <dsp:spPr>
+        <a:xfrm>
+          <a:off x="3640629" y="48885"/>
+          <a:ext cx="1536024" cy="718258"/>
+        </a:xfrm>
+        <a:prstGeom prst="roundRect">
+          <a:avLst>
+            <a:gd name="adj" fmla="val 10000"/>
+          </a:avLst>
+        </a:prstGeom>
+        <a:gradFill rotWithShape="0">
+          <a:gsLst>
+            <a:gs pos="0">
+              <a:srgbClr val="FFCCFF">
+                <a:lumMod val="50000"/>
+                <a:lumOff val="50000"/>
+              </a:srgbClr>
+            </a:gs>
+            <a:gs pos="100000">
+              <a:srgbClr val="FFCCFF"/>
+            </a:gs>
+          </a:gsLst>
+          <a:lin ang="5400000" scaled="0"/>
+        </a:gradFill>
+        <a:ln w="6350" cap="flat" cmpd="sng" algn="ctr">
+          <a:solidFill>
+            <a:schemeClr val="accent2"/>
+          </a:solidFill>
+          <a:prstDash val="solid"/>
+          <a:miter lim="800000"/>
+        </a:ln>
+        <a:effectLst/>
+      </dsp:spPr>
+      <dsp:style>
+        <a:lnRef idx="1">
+          <a:schemeClr val="accent2"/>
+        </a:lnRef>
+        <a:fillRef idx="2">
+          <a:schemeClr val="accent2"/>
+        </a:fillRef>
+        <a:effectRef idx="1">
+          <a:schemeClr val="accent2"/>
+        </a:effectRef>
+        <a:fontRef idx="minor">
+          <a:schemeClr val="dk1"/>
+        </a:fontRef>
+      </dsp:style>
+      <dsp:txBody>
+        <a:bodyPr spcFirstLastPara="0" vert="horz" wrap="square" lIns="28575" tIns="19050" rIns="28575" bIns="19050" numCol="1" spcCol="1270" anchor="ctr" anchorCtr="0">
+          <a:noAutofit/>
+        </a:bodyPr>
+        <a:lstStyle/>
+        <a:p>
+          <a:pPr lvl="0" algn="ctr" defTabSz="666750">
+            <a:lnSpc>
+              <a:spcPct val="90000"/>
+            </a:lnSpc>
+            <a:spcBef>
+              <a:spcPct val="0"/>
+            </a:spcBef>
+            <a:spcAft>
+              <a:spcPct val="35000"/>
+            </a:spcAft>
+          </a:pPr>
+          <a:r>
+            <a:rPr lang="en-US" sz="1500" kern="1200" dirty="0" smtClean="0"/>
+            <a:t>Annotation index </a:t>
+          </a:r>
+          <a:br>
+            <a:rPr lang="en-US" sz="1500" kern="1200" dirty="0" smtClean="0"/>
+          </a:br>
+          <a:r>
+            <a:rPr lang="en-US" sz="1500" kern="1200" dirty="0" smtClean="0"/>
+            <a:t> follow / </a:t>
+          </a:r>
+          <a:r>
+            <a:rPr lang="en-US" sz="1500" kern="1200" smtClean="0"/>
+            <a:t>preceed</a:t>
+          </a:r>
+          <a:endParaRPr lang="en-US" sz="1500" kern="1200" dirty="0"/>
+        </a:p>
+      </dsp:txBody>
+      <dsp:txXfrm>
+        <a:off x="3661666" y="69922"/>
+        <a:ext cx="1493950" cy="676184"/>
+      </dsp:txXfrm>
+    </dsp:sp>
+    <dsp:sp modelId="{87CA1243-0E0D-4CB9-A20E-711DFC058565}">
+      <dsp:nvSpPr>
+        <dsp:cNvPr id="0" name=""/>
+        <dsp:cNvSpPr/>
+      </dsp:nvSpPr>
+      <dsp:spPr>
+        <a:xfrm>
+          <a:off x="3748511" y="767143"/>
+          <a:ext cx="91440" cy="371163"/>
+        </a:xfrm>
+        <a:custGeom>
+          <a:avLst/>
+          <a:gdLst/>
+          <a:ahLst/>
+          <a:cxnLst/>
+          <a:rect l="0" t="0" r="0" b="0"/>
+          <a:pathLst>
+            <a:path>
+              <a:moveTo>
+                <a:pt x="45720" y="0"/>
+              </a:moveTo>
+              <a:lnTo>
+                <a:pt x="45720" y="371163"/>
+              </a:lnTo>
+              <a:lnTo>
+                <a:pt x="123701" y="371163"/>
+              </a:lnTo>
+            </a:path>
+          </a:pathLst>
+        </a:custGeom>
+        <a:noFill/>
+        <a:ln w="12700" cap="flat" cmpd="sng" algn="ctr">
+          <a:solidFill>
+            <a:schemeClr val="accent1">
+              <a:shade val="60000"/>
+              <a:hueOff val="0"/>
+              <a:satOff val="0"/>
+              <a:lumOff val="0"/>
+              <a:alphaOff val="0"/>
+            </a:schemeClr>
+          </a:solidFill>
+          <a:prstDash val="solid"/>
+          <a:miter lim="800000"/>
+        </a:ln>
+        <a:effectLst/>
+      </dsp:spPr>
+      <dsp:style>
+        <a:lnRef idx="2">
+          <a:scrgbClr r="0" g="0" b="0"/>
+        </a:lnRef>
+        <a:fillRef idx="0">
+          <a:scrgbClr r="0" g="0" b="0"/>
+        </a:fillRef>
+        <a:effectRef idx="0">
+          <a:scrgbClr r="0" g="0" b="0"/>
+        </a:effectRef>
+        <a:fontRef idx="minor"/>
+      </dsp:style>
+    </dsp:sp>
+    <dsp:sp modelId="{AD96485D-9021-4AE3-9AF1-91BF9C7DC4A9}">
+      <dsp:nvSpPr>
+        <dsp:cNvPr id="0" name=""/>
+        <dsp:cNvSpPr/>
+      </dsp:nvSpPr>
+      <dsp:spPr>
+        <a:xfrm>
+          <a:off x="3872213" y="1008385"/>
+          <a:ext cx="1176093" cy="259844"/>
+        </a:xfrm>
+        <a:prstGeom prst="roundRect">
+          <a:avLst>
+            <a:gd name="adj" fmla="val 10000"/>
+          </a:avLst>
+        </a:prstGeom>
+        <a:gradFill rotWithShape="0">
+          <a:gsLst>
+            <a:gs pos="0">
+              <a:srgbClr val="FFD9D1">
+                <a:alpha val="49804"/>
+              </a:srgbClr>
+            </a:gs>
+            <a:gs pos="100000">
+              <a:srgbClr val="FFD9D1"/>
+            </a:gs>
+          </a:gsLst>
+          <a:lin ang="5400000" scaled="0"/>
+        </a:gradFill>
+        <a:ln w="6350" cap="flat" cmpd="sng" algn="ctr">
+          <a:solidFill>
+            <a:schemeClr val="accent1">
+              <a:hueOff val="0"/>
+              <a:satOff val="0"/>
+              <a:lumOff val="0"/>
+              <a:alphaOff val="0"/>
+            </a:schemeClr>
+          </a:solidFill>
+          <a:prstDash val="solid"/>
+          <a:miter lim="800000"/>
+        </a:ln>
+        <a:effectLst/>
+      </dsp:spPr>
+      <dsp:style>
+        <a:lnRef idx="1">
+          <a:scrgbClr r="0" g="0" b="0"/>
+        </a:lnRef>
+        <a:fillRef idx="1">
+          <a:scrgbClr r="0" g="0" b="0"/>
+        </a:fillRef>
+        <a:effectRef idx="2">
+          <a:scrgbClr r="0" g="0" b="0"/>
+        </a:effectRef>
+        <a:fontRef idx="minor"/>
+      </dsp:style>
+      <dsp:txBody>
+        <a:bodyPr spcFirstLastPara="0" vert="horz" wrap="square" lIns="26670" tIns="17780" rIns="26670" bIns="17780" numCol="1" spcCol="1270" anchor="ctr" anchorCtr="0">
+          <a:noAutofit/>
+        </a:bodyPr>
+        <a:lstStyle/>
+        <a:p>
+          <a:pPr lvl="0" algn="ctr" defTabSz="622300">
+            <a:lnSpc>
+              <a:spcPct val="90000"/>
+            </a:lnSpc>
+            <a:spcBef>
+              <a:spcPct val="0"/>
+            </a:spcBef>
+            <a:spcAft>
+              <a:spcPct val="35000"/>
+            </a:spcAft>
+          </a:pPr>
+          <a:r>
+            <a:rPr lang="en-US" sz="1400" kern="1200" dirty="0" smtClean="0"/>
+            <a:t>following</a:t>
+          </a:r>
+          <a:endParaRPr lang="en-US" sz="1400" kern="1200" dirty="0"/>
+        </a:p>
+      </dsp:txBody>
+      <dsp:txXfrm>
+        <a:off x="3879824" y="1015996"/>
+        <a:ext cx="1160871" cy="244622"/>
+      </dsp:txXfrm>
+    </dsp:sp>
+    <dsp:sp modelId="{EFA0C431-24CD-4099-9BAE-EC52CFA42898}">
+      <dsp:nvSpPr>
+        <dsp:cNvPr id="0" name=""/>
+        <dsp:cNvSpPr/>
+      </dsp:nvSpPr>
+      <dsp:spPr>
+        <a:xfrm>
+          <a:off x="3748511" y="767143"/>
+          <a:ext cx="91440" cy="810572"/>
+        </a:xfrm>
+        <a:custGeom>
+          <a:avLst/>
+          <a:gdLst/>
+          <a:ahLst/>
+          <a:cxnLst/>
+          <a:rect l="0" t="0" r="0" b="0"/>
+          <a:pathLst>
+            <a:path>
+              <a:moveTo>
+                <a:pt x="45720" y="0"/>
+              </a:moveTo>
+              <a:lnTo>
+                <a:pt x="45720" y="810572"/>
+              </a:lnTo>
+              <a:lnTo>
+                <a:pt x="123701" y="810572"/>
+              </a:lnTo>
+            </a:path>
+          </a:pathLst>
+        </a:custGeom>
+        <a:noFill/>
+        <a:ln w="12700" cap="flat" cmpd="sng" algn="ctr">
+          <a:solidFill>
+            <a:schemeClr val="accent1">
+              <a:shade val="60000"/>
+              <a:hueOff val="0"/>
+              <a:satOff val="0"/>
+              <a:lumOff val="0"/>
+              <a:alphaOff val="0"/>
+            </a:schemeClr>
+          </a:solidFill>
+          <a:prstDash val="solid"/>
+          <a:miter lim="800000"/>
+        </a:ln>
+        <a:effectLst/>
+      </dsp:spPr>
+      <dsp:style>
+        <a:lnRef idx="2">
+          <a:scrgbClr r="0" g="0" b="0"/>
+        </a:lnRef>
+        <a:fillRef idx="0">
+          <a:scrgbClr r="0" g="0" b="0"/>
+        </a:fillRef>
+        <a:effectRef idx="0">
+          <a:scrgbClr r="0" g="0" b="0"/>
+        </a:effectRef>
+        <a:fontRef idx="minor"/>
+      </dsp:style>
+    </dsp:sp>
+    <dsp:sp modelId="{E592C975-6A58-42A6-8A1C-546B354206FF}">
+      <dsp:nvSpPr>
+        <dsp:cNvPr id="0" name=""/>
+        <dsp:cNvSpPr/>
+      </dsp:nvSpPr>
+      <dsp:spPr>
+        <a:xfrm>
+          <a:off x="3872213" y="1447794"/>
+          <a:ext cx="1176093" cy="259844"/>
+        </a:xfrm>
+        <a:prstGeom prst="roundRect">
+          <a:avLst>
+            <a:gd name="adj" fmla="val 10000"/>
+          </a:avLst>
+        </a:prstGeom>
+        <a:gradFill rotWithShape="0">
+          <a:gsLst>
+            <a:gs pos="0">
+              <a:srgbClr val="FFD9D1">
+                <a:alpha val="49804"/>
+              </a:srgbClr>
+            </a:gs>
+            <a:gs pos="100000">
+              <a:srgbClr val="FFD9D1"/>
+            </a:gs>
+          </a:gsLst>
+          <a:lin ang="5400000" scaled="0"/>
+        </a:gradFill>
+        <a:ln w="6350" cap="flat" cmpd="sng" algn="ctr">
+          <a:solidFill>
+            <a:schemeClr val="accent1">
+              <a:hueOff val="0"/>
+              <a:satOff val="0"/>
+              <a:lumOff val="0"/>
+              <a:alphaOff val="0"/>
+            </a:schemeClr>
+          </a:solidFill>
+          <a:prstDash val="solid"/>
+          <a:miter lim="800000"/>
+        </a:ln>
+        <a:effectLst/>
+      </dsp:spPr>
+      <dsp:style>
+        <a:lnRef idx="1">
+          <a:scrgbClr r="0" g="0" b="0"/>
+        </a:lnRef>
+        <a:fillRef idx="1">
+          <a:scrgbClr r="0" g="0" b="0"/>
+        </a:fillRef>
+        <a:effectRef idx="2">
+          <a:scrgbClr r="0" g="0" b="0"/>
+        </a:effectRef>
+        <a:fontRef idx="minor"/>
+      </dsp:style>
+      <dsp:txBody>
+        <a:bodyPr spcFirstLastPara="0" vert="horz" wrap="square" lIns="26670" tIns="17780" rIns="26670" bIns="17780" numCol="1" spcCol="1270" anchor="ctr" anchorCtr="0">
+          <a:noAutofit/>
+        </a:bodyPr>
+        <a:lstStyle/>
+        <a:p>
+          <a:pPr lvl="0" algn="ctr" defTabSz="622300">
+            <a:lnSpc>
+              <a:spcPct val="90000"/>
+            </a:lnSpc>
+            <a:spcBef>
+              <a:spcPct val="0"/>
+            </a:spcBef>
+            <a:spcAft>
+              <a:spcPct val="35000"/>
+            </a:spcAft>
+          </a:pPr>
+          <a:r>
+            <a:rPr lang="en-US" sz="1400" kern="1200" dirty="0" smtClean="0"/>
+            <a:t>preceding</a:t>
+          </a:r>
+          <a:endParaRPr lang="en-US" sz="1400" kern="1200" dirty="0"/>
+        </a:p>
+      </dsp:txBody>
+      <dsp:txXfrm>
+        <a:off x="3879824" y="1455405"/>
+        <a:ext cx="1160871" cy="244622"/>
+      </dsp:txXfrm>
+    </dsp:sp>
   </dsp:spTree>
 </dsp:drawing>
 </file>
@@ -11389,7 +13209,7 @@
           <a:p>
             <a:fld id="{FA88A723-210D-49FB-911D-CC70F62696A5}" type="datetimeFigureOut">
               <a:rPr lang="en-US" smtClean="0"/>
-              <a:t>1/26/2017</a:t>
+              <a:t>2/1/2017</a:t>
             </a:fld>
             <a:endParaRPr lang="en-US"/>
           </a:p>
@@ -11559,7 +13379,7 @@
           <a:p>
             <a:fld id="{FA88A723-210D-49FB-911D-CC70F62696A5}" type="datetimeFigureOut">
               <a:rPr lang="en-US" smtClean="0"/>
-              <a:t>1/26/2017</a:t>
+              <a:t>2/1/2017</a:t>
             </a:fld>
             <a:endParaRPr lang="en-US"/>
           </a:p>
@@ -11739,7 +13559,7 @@
           <a:p>
             <a:fld id="{FA88A723-210D-49FB-911D-CC70F62696A5}" type="datetimeFigureOut">
               <a:rPr lang="en-US" smtClean="0"/>
-              <a:t>1/26/2017</a:t>
+              <a:t>2/1/2017</a:t>
             </a:fld>
             <a:endParaRPr lang="en-US"/>
           </a:p>
@@ -11909,7 +13729,7 @@
           <a:p>
             <a:fld id="{FA88A723-210D-49FB-911D-CC70F62696A5}" type="datetimeFigureOut">
               <a:rPr lang="en-US" smtClean="0"/>
-              <a:t>1/26/2017</a:t>
+              <a:t>2/1/2017</a:t>
             </a:fld>
             <a:endParaRPr lang="en-US"/>
           </a:p>
@@ -12155,7 +13975,7 @@
           <a:p>
             <a:fld id="{FA88A723-210D-49FB-911D-CC70F62696A5}" type="datetimeFigureOut">
               <a:rPr lang="en-US" smtClean="0"/>
-              <a:t>1/26/2017</a:t>
+              <a:t>2/1/2017</a:t>
             </a:fld>
             <a:endParaRPr lang="en-US"/>
           </a:p>
@@ -12387,7 +14207,7 @@
           <a:p>
             <a:fld id="{FA88A723-210D-49FB-911D-CC70F62696A5}" type="datetimeFigureOut">
               <a:rPr lang="en-US" smtClean="0"/>
-              <a:t>1/26/2017</a:t>
+              <a:t>2/1/2017</a:t>
             </a:fld>
             <a:endParaRPr lang="en-US"/>
           </a:p>
@@ -12754,7 +14574,7 @@
           <a:p>
             <a:fld id="{FA88A723-210D-49FB-911D-CC70F62696A5}" type="datetimeFigureOut">
               <a:rPr lang="en-US" smtClean="0"/>
-              <a:t>1/26/2017</a:t>
+              <a:t>2/1/2017</a:t>
             </a:fld>
             <a:endParaRPr lang="en-US"/>
           </a:p>
@@ -12872,7 +14692,7 @@
           <a:p>
             <a:fld id="{FA88A723-210D-49FB-911D-CC70F62696A5}" type="datetimeFigureOut">
               <a:rPr lang="en-US" smtClean="0"/>
-              <a:t>1/26/2017</a:t>
+              <a:t>2/1/2017</a:t>
             </a:fld>
             <a:endParaRPr lang="en-US"/>
           </a:p>
@@ -12967,7 +14787,7 @@
           <a:p>
             <a:fld id="{FA88A723-210D-49FB-911D-CC70F62696A5}" type="datetimeFigureOut">
               <a:rPr lang="en-US" smtClean="0"/>
-              <a:t>1/26/2017</a:t>
+              <a:t>2/1/2017</a:t>
             </a:fld>
             <a:endParaRPr lang="en-US"/>
           </a:p>
@@ -13244,7 +15064,7 @@
           <a:p>
             <a:fld id="{FA88A723-210D-49FB-911D-CC70F62696A5}" type="datetimeFigureOut">
               <a:rPr lang="en-US" smtClean="0"/>
-              <a:t>1/26/2017</a:t>
+              <a:t>2/1/2017</a:t>
             </a:fld>
             <a:endParaRPr lang="en-US"/>
           </a:p>
@@ -13497,7 +15317,7 @@
           <a:p>
             <a:fld id="{FA88A723-210D-49FB-911D-CC70F62696A5}" type="datetimeFigureOut">
               <a:rPr lang="en-US" smtClean="0"/>
-              <a:t>1/26/2017</a:t>
+              <a:t>2/1/2017</a:t>
             </a:fld>
             <a:endParaRPr lang="en-US"/>
           </a:p>
@@ -13710,7 +15530,7 @@
           <a:p>
             <a:fld id="{FA88A723-210D-49FB-911D-CC70F62696A5}" type="datetimeFigureOut">
               <a:rPr lang="en-US" smtClean="0"/>
-              <a:t>1/26/2017</a:t>
+              <a:t>2/1/2017</a:t>
             </a:fld>
             <a:endParaRPr lang="en-US"/>
           </a:p>
@@ -16156,8 +17976,8 @@
         </p:nvSpPr>
         <p:spPr>
           <a:xfrm>
-            <a:off x="4166756" y="3621623"/>
-            <a:ext cx="1437190" cy="644362"/>
+            <a:off x="4166755" y="3517383"/>
+            <a:ext cx="1437191" cy="869266"/>
           </a:xfrm>
           <a:custGeom>
             <a:avLst/>
@@ -16335,8 +18155,13 @@
                   <a:noFill/>
                 </a:ln>
               </a:rPr>
-              <a:t>built-in</a:t>
+              <a:t>(semi) built-in</a:t>
             </a:r>
+            <a:endParaRPr lang="en-US" dirty="0" smtClean="0">
+              <a:ln w="12700">
+                <a:noFill/>
+              </a:ln>
+            </a:endParaRPr>
           </a:p>
         </p:txBody>
       </p:sp>

--- a/uima-docbook-v3-users-guide/src/image-source/source.pptx
+++ b/uima-docbook-v3-users-guide/src/image-source/source.pptx
@@ -11,6 +11,7 @@
     <p:sldId id="262" r:id="rId5"/>
     <p:sldId id="264" r:id="rId6"/>
     <p:sldId id="263" r:id="rId7"/>
+    <p:sldId id="265" r:id="rId8"/>
   </p:sldIdLst>
   <p:sldSz cx="12192000" cy="6858000"/>
   <p:notesSz cx="6858000" cy="9144000"/>
@@ -6234,1826 +6235,6 @@
       <dsp:cNvGrpSpPr/>
     </dsp:nvGrpSpPr>
     <dsp:grpSpPr/>
-    <dsp:sp modelId="{FA3637AE-5E0F-478A-BA47-28082756EE59}">
-      <dsp:nvSpPr>
-        <dsp:cNvPr id="0" name=""/>
-        <dsp:cNvSpPr/>
-      </dsp:nvSpPr>
-      <dsp:spPr>
-        <a:xfrm>
-          <a:off x="112154" y="39361"/>
-          <a:ext cx="1646967" cy="718258"/>
-        </a:xfrm>
-        <a:prstGeom prst="roundRect">
-          <a:avLst>
-            <a:gd name="adj" fmla="val 10000"/>
-          </a:avLst>
-        </a:prstGeom>
-        <a:gradFill rotWithShape="0">
-          <a:gsLst>
-            <a:gs pos="0">
-              <a:srgbClr val="FFCCFF">
-                <a:lumMod val="50000"/>
-                <a:lumOff val="50000"/>
-              </a:srgbClr>
-            </a:gs>
-            <a:gs pos="100000">
-              <a:srgbClr val="FFCCFF"/>
-            </a:gs>
-          </a:gsLst>
-          <a:lin ang="5400000" scaled="0"/>
-        </a:gradFill>
-        <a:ln w="6350" cap="flat" cmpd="sng" algn="ctr">
-          <a:solidFill>
-            <a:schemeClr val="accent2"/>
-          </a:solidFill>
-          <a:prstDash val="solid"/>
-          <a:miter lim="800000"/>
-        </a:ln>
-        <a:effectLst/>
-      </dsp:spPr>
-      <dsp:style>
-        <a:lnRef idx="1">
-          <a:schemeClr val="accent2"/>
-        </a:lnRef>
-        <a:fillRef idx="2">
-          <a:schemeClr val="accent2"/>
-        </a:fillRef>
-        <a:effectRef idx="1">
-          <a:schemeClr val="accent2"/>
-        </a:effectRef>
-        <a:fontRef idx="minor">
-          <a:schemeClr val="dk1"/>
-        </a:fontRef>
-      </dsp:style>
-      <dsp:txBody>
-        <a:bodyPr spcFirstLastPara="0" vert="horz" wrap="square" lIns="28575" tIns="19050" rIns="28575" bIns="19050" numCol="1" spcCol="1270" anchor="ctr" anchorCtr="0">
-          <a:noAutofit/>
-        </a:bodyPr>
-        <a:lstStyle/>
-        <a:p>
-          <a:pPr lvl="0" algn="ctr" defTabSz="666750">
-            <a:lnSpc>
-              <a:spcPct val="90000"/>
-            </a:lnSpc>
-            <a:spcBef>
-              <a:spcPct val="0"/>
-            </a:spcBef>
-            <a:spcAft>
-              <a:spcPct val="35000"/>
-            </a:spcAft>
-          </a:pPr>
-          <a:r>
-            <a:rPr lang="en-US" sz="1500" kern="1200" dirty="0" smtClean="0"/>
-            <a:t>Annotation index - </a:t>
-          </a:r>
-          <a:r>
-            <a:rPr lang="en-US" sz="1500" kern="1200" dirty="0" err="1" smtClean="0"/>
-            <a:t>subselect</a:t>
-          </a:r>
-          <a:endParaRPr lang="en-US" sz="1500" kern="1200" dirty="0"/>
-        </a:p>
-      </dsp:txBody>
-      <dsp:txXfrm>
-        <a:off x="133191" y="60398"/>
-        <a:ext cx="1604893" cy="676184"/>
-      </dsp:txXfrm>
-    </dsp:sp>
-    <dsp:sp modelId="{8C37D885-6593-462C-AA05-6CD8EA638401}">
-      <dsp:nvSpPr>
-        <dsp:cNvPr id="0" name=""/>
-        <dsp:cNvSpPr/>
-      </dsp:nvSpPr>
-      <dsp:spPr>
-        <a:xfrm>
-          <a:off x="231131" y="757619"/>
-          <a:ext cx="91440" cy="384961"/>
-        </a:xfrm>
-        <a:custGeom>
-          <a:avLst/>
-          <a:gdLst/>
-          <a:ahLst/>
-          <a:cxnLst/>
-          <a:rect l="0" t="0" r="0" b="0"/>
-          <a:pathLst>
-            <a:path>
-              <a:moveTo>
-                <a:pt x="45720" y="0"/>
-              </a:moveTo>
-              <a:lnTo>
-                <a:pt x="45720" y="384961"/>
-              </a:lnTo>
-              <a:lnTo>
-                <a:pt x="130868" y="384961"/>
-              </a:lnTo>
-            </a:path>
-          </a:pathLst>
-        </a:custGeom>
-        <a:noFill/>
-        <a:ln w="12700" cap="flat" cmpd="sng" algn="ctr">
-          <a:solidFill>
-            <a:schemeClr val="accent1">
-              <a:shade val="60000"/>
-              <a:hueOff val="0"/>
-              <a:satOff val="0"/>
-              <a:lumOff val="0"/>
-              <a:alphaOff val="0"/>
-            </a:schemeClr>
-          </a:solidFill>
-          <a:prstDash val="solid"/>
-          <a:miter lim="800000"/>
-        </a:ln>
-        <a:effectLst/>
-      </dsp:spPr>
-      <dsp:style>
-        <a:lnRef idx="2">
-          <a:scrgbClr r="0" g="0" b="0"/>
-        </a:lnRef>
-        <a:fillRef idx="0">
-          <a:scrgbClr r="0" g="0" b="0"/>
-        </a:fillRef>
-        <a:effectRef idx="0">
-          <a:scrgbClr r="0" g="0" b="0"/>
-        </a:effectRef>
-        <a:fontRef idx="minor"/>
-      </dsp:style>
-    </dsp:sp>
-    <dsp:sp modelId="{3AC43A25-BC81-4A6B-BE8D-FB2B2029355A}">
-      <dsp:nvSpPr>
-        <dsp:cNvPr id="0" name=""/>
-        <dsp:cNvSpPr/>
-      </dsp:nvSpPr>
-      <dsp:spPr>
-        <a:xfrm>
-          <a:off x="361999" y="1012659"/>
-          <a:ext cx="1067665" cy="259844"/>
-        </a:xfrm>
-        <a:prstGeom prst="roundRect">
-          <a:avLst>
-            <a:gd name="adj" fmla="val 10000"/>
-          </a:avLst>
-        </a:prstGeom>
-        <a:gradFill rotWithShape="0">
-          <a:gsLst>
-            <a:gs pos="0">
-              <a:srgbClr val="FFD9D1">
-                <a:alpha val="49804"/>
-              </a:srgbClr>
-            </a:gs>
-            <a:gs pos="100000">
-              <a:srgbClr val="FFD9D1"/>
-            </a:gs>
-          </a:gsLst>
-          <a:lin ang="5400000" scaled="0"/>
-        </a:gradFill>
-        <a:ln w="6350" cap="flat" cmpd="sng" algn="ctr">
-          <a:solidFill>
-            <a:schemeClr val="accent1">
-              <a:hueOff val="0"/>
-              <a:satOff val="0"/>
-              <a:lumOff val="0"/>
-              <a:alphaOff val="0"/>
-            </a:schemeClr>
-          </a:solidFill>
-          <a:prstDash val="solid"/>
-          <a:miter lim="800000"/>
-        </a:ln>
-        <a:effectLst/>
-      </dsp:spPr>
-      <dsp:style>
-        <a:lnRef idx="1">
-          <a:scrgbClr r="0" g="0" b="0"/>
-        </a:lnRef>
-        <a:fillRef idx="1">
-          <a:scrgbClr r="0" g="0" b="0"/>
-        </a:fillRef>
-        <a:effectRef idx="2">
-          <a:scrgbClr r="0" g="0" b="0"/>
-        </a:effectRef>
-        <a:fontRef idx="minor"/>
-      </dsp:style>
-      <dsp:txBody>
-        <a:bodyPr spcFirstLastPara="0" vert="horz" wrap="square" lIns="26670" tIns="17780" rIns="26670" bIns="17780" numCol="1" spcCol="1270" anchor="ctr" anchorCtr="0">
-          <a:noAutofit/>
-        </a:bodyPr>
-        <a:lstStyle/>
-        <a:p>
-          <a:pPr lvl="0" algn="ctr" defTabSz="622300">
-            <a:lnSpc>
-              <a:spcPct val="90000"/>
-            </a:lnSpc>
-            <a:spcBef>
-              <a:spcPct val="0"/>
-            </a:spcBef>
-            <a:spcAft>
-              <a:spcPct val="35000"/>
-            </a:spcAft>
-          </a:pPr>
-          <a:r>
-            <a:rPr lang="en-US" sz="1400" kern="1200" dirty="0" err="1" smtClean="0"/>
-            <a:t>coveredBy</a:t>
-          </a:r>
-          <a:endParaRPr lang="en-US" sz="1400" kern="1200" dirty="0"/>
-        </a:p>
-      </dsp:txBody>
-      <dsp:txXfrm>
-        <a:off x="369610" y="1020270"/>
-        <a:ext cx="1052443" cy="244622"/>
-      </dsp:txXfrm>
-    </dsp:sp>
-    <dsp:sp modelId="{5FA849F3-2870-4117-B35F-44C7C5D9D3F5}">
-      <dsp:nvSpPr>
-        <dsp:cNvPr id="0" name=""/>
-        <dsp:cNvSpPr/>
-      </dsp:nvSpPr>
-      <dsp:spPr>
-        <a:xfrm>
-          <a:off x="231131" y="757619"/>
-          <a:ext cx="91440" cy="793449"/>
-        </a:xfrm>
-        <a:custGeom>
-          <a:avLst/>
-          <a:gdLst/>
-          <a:ahLst/>
-          <a:cxnLst/>
-          <a:rect l="0" t="0" r="0" b="0"/>
-          <a:pathLst>
-            <a:path>
-              <a:moveTo>
-                <a:pt x="45720" y="0"/>
-              </a:moveTo>
-              <a:lnTo>
-                <a:pt x="45720" y="793449"/>
-              </a:lnTo>
-              <a:lnTo>
-                <a:pt x="120168" y="793449"/>
-              </a:lnTo>
-            </a:path>
-          </a:pathLst>
-        </a:custGeom>
-        <a:noFill/>
-        <a:ln w="12700" cap="flat" cmpd="sng" algn="ctr">
-          <a:solidFill>
-            <a:schemeClr val="accent1">
-              <a:shade val="60000"/>
-              <a:hueOff val="0"/>
-              <a:satOff val="0"/>
-              <a:lumOff val="0"/>
-              <a:alphaOff val="0"/>
-            </a:schemeClr>
-          </a:solidFill>
-          <a:prstDash val="solid"/>
-          <a:miter lim="800000"/>
-        </a:ln>
-        <a:effectLst/>
-      </dsp:spPr>
-      <dsp:style>
-        <a:lnRef idx="2">
-          <a:scrgbClr r="0" g="0" b="0"/>
-        </a:lnRef>
-        <a:fillRef idx="0">
-          <a:scrgbClr r="0" g="0" b="0"/>
-        </a:fillRef>
-        <a:effectRef idx="0">
-          <a:scrgbClr r="0" g="0" b="0"/>
-        </a:effectRef>
-        <a:fontRef idx="minor"/>
-      </dsp:style>
-    </dsp:sp>
-    <dsp:sp modelId="{D87CF371-4165-4ECD-9CC4-97F516956AB5}">
-      <dsp:nvSpPr>
-        <dsp:cNvPr id="0" name=""/>
-        <dsp:cNvSpPr/>
-      </dsp:nvSpPr>
-      <dsp:spPr>
-        <a:xfrm>
-          <a:off x="351300" y="1421147"/>
-          <a:ext cx="1067665" cy="259844"/>
-        </a:xfrm>
-        <a:prstGeom prst="roundRect">
-          <a:avLst>
-            <a:gd name="adj" fmla="val 10000"/>
-          </a:avLst>
-        </a:prstGeom>
-        <a:gradFill rotWithShape="0">
-          <a:gsLst>
-            <a:gs pos="0">
-              <a:srgbClr val="FFD9D1">
-                <a:alpha val="49804"/>
-              </a:srgbClr>
-            </a:gs>
-            <a:gs pos="100000">
-              <a:srgbClr val="FFD9D1"/>
-            </a:gs>
-          </a:gsLst>
-          <a:lin ang="5400000" scaled="0"/>
-        </a:gradFill>
-        <a:ln w="6350" cap="flat" cmpd="sng" algn="ctr">
-          <a:solidFill>
-            <a:schemeClr val="accent1">
-              <a:hueOff val="0"/>
-              <a:satOff val="0"/>
-              <a:lumOff val="0"/>
-              <a:alphaOff val="0"/>
-            </a:schemeClr>
-          </a:solidFill>
-          <a:prstDash val="solid"/>
-          <a:miter lim="800000"/>
-        </a:ln>
-        <a:effectLst/>
-      </dsp:spPr>
-      <dsp:style>
-        <a:lnRef idx="1">
-          <a:scrgbClr r="0" g="0" b="0"/>
-        </a:lnRef>
-        <a:fillRef idx="1">
-          <a:scrgbClr r="0" g="0" b="0"/>
-        </a:fillRef>
-        <a:effectRef idx="2">
-          <a:scrgbClr r="0" g="0" b="0"/>
-        </a:effectRef>
-        <a:fontRef idx="minor"/>
-      </dsp:style>
-      <dsp:txBody>
-        <a:bodyPr spcFirstLastPara="0" vert="horz" wrap="square" lIns="26670" tIns="17780" rIns="26670" bIns="17780" numCol="1" spcCol="1270" anchor="ctr" anchorCtr="0">
-          <a:noAutofit/>
-        </a:bodyPr>
-        <a:lstStyle/>
-        <a:p>
-          <a:pPr lvl="0" algn="ctr" defTabSz="622300">
-            <a:lnSpc>
-              <a:spcPct val="90000"/>
-            </a:lnSpc>
-            <a:spcBef>
-              <a:spcPct val="0"/>
-            </a:spcBef>
-            <a:spcAft>
-              <a:spcPct val="35000"/>
-            </a:spcAft>
-          </a:pPr>
-          <a:r>
-            <a:rPr lang="en-US" sz="1400" kern="1200" dirty="0" smtClean="0"/>
-            <a:t>covering</a:t>
-          </a:r>
-          <a:endParaRPr lang="en-US" sz="1400" kern="1200" dirty="0"/>
-        </a:p>
-      </dsp:txBody>
-      <dsp:txXfrm>
-        <a:off x="358911" y="1428758"/>
-        <a:ext cx="1052443" cy="244622"/>
-      </dsp:txXfrm>
-    </dsp:sp>
-    <dsp:sp modelId="{7292F0EE-BF4C-4928-999E-A35FCFE0A11A}">
-      <dsp:nvSpPr>
-        <dsp:cNvPr id="0" name=""/>
-        <dsp:cNvSpPr/>
-      </dsp:nvSpPr>
-      <dsp:spPr>
-        <a:xfrm>
-          <a:off x="231131" y="757619"/>
-          <a:ext cx="91440" cy="1197663"/>
-        </a:xfrm>
-        <a:custGeom>
-          <a:avLst/>
-          <a:gdLst/>
-          <a:ahLst/>
-          <a:cxnLst/>
-          <a:rect l="0" t="0" r="0" b="0"/>
-          <a:pathLst>
-            <a:path>
-              <a:moveTo>
-                <a:pt x="45720" y="0"/>
-              </a:moveTo>
-              <a:lnTo>
-                <a:pt x="45720" y="1197663"/>
-              </a:lnTo>
-              <a:lnTo>
-                <a:pt x="130063" y="1197663"/>
-              </a:lnTo>
-            </a:path>
-          </a:pathLst>
-        </a:custGeom>
-        <a:noFill/>
-        <a:ln w="12700" cap="flat" cmpd="sng" algn="ctr">
-          <a:solidFill>
-            <a:schemeClr val="accent1">
-              <a:shade val="60000"/>
-              <a:hueOff val="0"/>
-              <a:satOff val="0"/>
-              <a:lumOff val="0"/>
-              <a:alphaOff val="0"/>
-            </a:schemeClr>
-          </a:solidFill>
-          <a:prstDash val="solid"/>
-          <a:miter lim="800000"/>
-        </a:ln>
-        <a:effectLst/>
-      </dsp:spPr>
-      <dsp:style>
-        <a:lnRef idx="2">
-          <a:scrgbClr r="0" g="0" b="0"/>
-        </a:lnRef>
-        <a:fillRef idx="0">
-          <a:scrgbClr r="0" g="0" b="0"/>
-        </a:fillRef>
-        <a:effectRef idx="0">
-          <a:scrgbClr r="0" g="0" b="0"/>
-        </a:effectRef>
-        <a:fontRef idx="minor"/>
-      </dsp:style>
-    </dsp:sp>
-    <dsp:sp modelId="{902E56C3-7153-4967-A765-4755747B76A3}">
-      <dsp:nvSpPr>
-        <dsp:cNvPr id="0" name=""/>
-        <dsp:cNvSpPr/>
-      </dsp:nvSpPr>
-      <dsp:spPr>
-        <a:xfrm>
-          <a:off x="361195" y="1825361"/>
-          <a:ext cx="1067665" cy="259844"/>
-        </a:xfrm>
-        <a:prstGeom prst="roundRect">
-          <a:avLst>
-            <a:gd name="adj" fmla="val 10000"/>
-          </a:avLst>
-        </a:prstGeom>
-        <a:gradFill rotWithShape="0">
-          <a:gsLst>
-            <a:gs pos="0">
-              <a:srgbClr val="FFD9D1">
-                <a:alpha val="49804"/>
-              </a:srgbClr>
-            </a:gs>
-            <a:gs pos="100000">
-              <a:srgbClr val="FFD9D1"/>
-            </a:gs>
-          </a:gsLst>
-          <a:lin ang="5400000" scaled="0"/>
-        </a:gradFill>
-        <a:ln w="6350" cap="flat" cmpd="sng" algn="ctr">
-          <a:solidFill>
-            <a:schemeClr val="accent1">
-              <a:hueOff val="0"/>
-              <a:satOff val="0"/>
-              <a:lumOff val="0"/>
-              <a:alphaOff val="0"/>
-            </a:schemeClr>
-          </a:solidFill>
-          <a:prstDash val="solid"/>
-          <a:miter lim="800000"/>
-        </a:ln>
-        <a:effectLst/>
-      </dsp:spPr>
-      <dsp:style>
-        <a:lnRef idx="1">
-          <a:scrgbClr r="0" g="0" b="0"/>
-        </a:lnRef>
-        <a:fillRef idx="1">
-          <a:scrgbClr r="0" g="0" b="0"/>
-        </a:fillRef>
-        <a:effectRef idx="2">
-          <a:scrgbClr r="0" g="0" b="0"/>
-        </a:effectRef>
-        <a:fontRef idx="minor"/>
-      </dsp:style>
-      <dsp:txBody>
-        <a:bodyPr spcFirstLastPara="0" vert="horz" wrap="square" lIns="26670" tIns="17780" rIns="26670" bIns="17780" numCol="1" spcCol="1270" anchor="ctr" anchorCtr="0">
-          <a:noAutofit/>
-        </a:bodyPr>
-        <a:lstStyle/>
-        <a:p>
-          <a:pPr lvl="0" algn="ctr" defTabSz="622300">
-            <a:lnSpc>
-              <a:spcPct val="90000"/>
-            </a:lnSpc>
-            <a:spcBef>
-              <a:spcPct val="0"/>
-            </a:spcBef>
-            <a:spcAft>
-              <a:spcPct val="35000"/>
-            </a:spcAft>
-          </a:pPr>
-          <a:r>
-            <a:rPr lang="en-US" sz="1400" kern="1200" dirty="0" smtClean="0"/>
-            <a:t>at</a:t>
-          </a:r>
-          <a:endParaRPr lang="en-US" sz="1400" kern="1200" dirty="0"/>
-        </a:p>
-      </dsp:txBody>
-      <dsp:txXfrm>
-        <a:off x="368806" y="1832972"/>
-        <a:ext cx="1052443" cy="244622"/>
-      </dsp:txXfrm>
-    </dsp:sp>
-    <dsp:sp modelId="{CCEF3560-3C73-4128-89F8-DC7E6E2E204B}">
-      <dsp:nvSpPr>
-        <dsp:cNvPr id="0" name=""/>
-        <dsp:cNvSpPr/>
-      </dsp:nvSpPr>
-      <dsp:spPr>
-        <a:xfrm>
-          <a:off x="231131" y="757619"/>
-          <a:ext cx="91440" cy="1661070"/>
-        </a:xfrm>
-        <a:custGeom>
-          <a:avLst/>
-          <a:gdLst/>
-          <a:ahLst/>
-          <a:cxnLst/>
-          <a:rect l="0" t="0" r="0" b="0"/>
-          <a:pathLst>
-            <a:path>
-              <a:moveTo>
-                <a:pt x="45720" y="0"/>
-              </a:moveTo>
-              <a:lnTo>
-                <a:pt x="45720" y="1661070"/>
-              </a:lnTo>
-              <a:lnTo>
-                <a:pt x="130063" y="1661070"/>
-              </a:lnTo>
-            </a:path>
-          </a:pathLst>
-        </a:custGeom>
-        <a:noFill/>
-        <a:ln w="12700" cap="flat" cmpd="sng" algn="ctr">
-          <a:solidFill>
-            <a:schemeClr val="accent1">
-              <a:shade val="60000"/>
-              <a:hueOff val="0"/>
-              <a:satOff val="0"/>
-              <a:lumOff val="0"/>
-              <a:alphaOff val="0"/>
-            </a:schemeClr>
-          </a:solidFill>
-          <a:prstDash val="solid"/>
-          <a:miter lim="800000"/>
-        </a:ln>
-        <a:effectLst/>
-      </dsp:spPr>
-      <dsp:style>
-        <a:lnRef idx="2">
-          <a:scrgbClr r="0" g="0" b="0"/>
-        </a:lnRef>
-        <a:fillRef idx="0">
-          <a:scrgbClr r="0" g="0" b="0"/>
-        </a:fillRef>
-        <a:effectRef idx="0">
-          <a:scrgbClr r="0" g="0" b="0"/>
-        </a:effectRef>
-        <a:fontRef idx="minor"/>
-      </dsp:style>
-    </dsp:sp>
-    <dsp:sp modelId="{964BD0A1-575D-4561-A934-3A5596A69899}">
-      <dsp:nvSpPr>
-        <dsp:cNvPr id="0" name=""/>
-        <dsp:cNvSpPr/>
-      </dsp:nvSpPr>
-      <dsp:spPr>
-        <a:xfrm>
-          <a:off x="361195" y="2288767"/>
-          <a:ext cx="1067665" cy="259844"/>
-        </a:xfrm>
-        <a:prstGeom prst="roundRect">
-          <a:avLst>
-            <a:gd name="adj" fmla="val 10000"/>
-          </a:avLst>
-        </a:prstGeom>
-        <a:gradFill rotWithShape="0">
-          <a:gsLst>
-            <a:gs pos="0">
-              <a:srgbClr val="FFD9D1">
-                <a:alpha val="49804"/>
-              </a:srgbClr>
-            </a:gs>
-            <a:gs pos="100000">
-              <a:srgbClr val="FFD9D1"/>
-            </a:gs>
-          </a:gsLst>
-          <a:lin ang="5400000" scaled="0"/>
-        </a:gradFill>
-        <a:ln w="6350" cap="flat" cmpd="sng" algn="ctr">
-          <a:solidFill>
-            <a:schemeClr val="accent1">
-              <a:hueOff val="0"/>
-              <a:satOff val="0"/>
-              <a:lumOff val="0"/>
-              <a:alphaOff val="0"/>
-            </a:schemeClr>
-          </a:solidFill>
-          <a:prstDash val="solid"/>
-          <a:miter lim="800000"/>
-        </a:ln>
-        <a:effectLst/>
-      </dsp:spPr>
-      <dsp:style>
-        <a:lnRef idx="1">
-          <a:scrgbClr r="0" g="0" b="0"/>
-        </a:lnRef>
-        <a:fillRef idx="1">
-          <a:scrgbClr r="0" g="0" b="0"/>
-        </a:fillRef>
-        <a:effectRef idx="2">
-          <a:scrgbClr r="0" g="0" b="0"/>
-        </a:effectRef>
-        <a:fontRef idx="minor"/>
-      </dsp:style>
-      <dsp:txBody>
-        <a:bodyPr spcFirstLastPara="0" vert="horz" wrap="square" lIns="26670" tIns="17780" rIns="26670" bIns="17780" numCol="1" spcCol="1270" anchor="ctr" anchorCtr="0">
-          <a:noAutofit/>
-        </a:bodyPr>
-        <a:lstStyle/>
-        <a:p>
-          <a:pPr lvl="0" algn="ctr" defTabSz="622300">
-            <a:lnSpc>
-              <a:spcPct val="90000"/>
-            </a:lnSpc>
-            <a:spcBef>
-              <a:spcPct val="0"/>
-            </a:spcBef>
-            <a:spcAft>
-              <a:spcPct val="35000"/>
-            </a:spcAft>
-          </a:pPr>
-          <a:r>
-            <a:rPr lang="en-US" sz="1400" kern="1200" dirty="0" smtClean="0"/>
-            <a:t>between</a:t>
-          </a:r>
-          <a:endParaRPr lang="en-US" sz="1400" kern="1200" dirty="0"/>
-        </a:p>
-      </dsp:txBody>
-      <dsp:txXfrm>
-        <a:off x="368806" y="2296378"/>
-        <a:ext cx="1052443" cy="244622"/>
-      </dsp:txXfrm>
-    </dsp:sp>
-    <dsp:sp modelId="{508C05A8-918D-425D-B9FA-95D7693DA324}">
-      <dsp:nvSpPr>
-        <dsp:cNvPr id="0" name=""/>
-        <dsp:cNvSpPr/>
-      </dsp:nvSpPr>
-      <dsp:spPr>
-        <a:xfrm>
-          <a:off x="1987844" y="48885"/>
-          <a:ext cx="1436517" cy="718258"/>
-        </a:xfrm>
-        <a:prstGeom prst="roundRect">
-          <a:avLst>
-            <a:gd name="adj" fmla="val 10000"/>
-          </a:avLst>
-        </a:prstGeom>
-        <a:gradFill rotWithShape="0">
-          <a:gsLst>
-            <a:gs pos="0">
-              <a:srgbClr val="FFCCFF">
-                <a:lumMod val="50000"/>
-                <a:lumOff val="50000"/>
-              </a:srgbClr>
-            </a:gs>
-            <a:gs pos="100000">
-              <a:srgbClr val="FFCCFF"/>
-            </a:gs>
-          </a:gsLst>
-          <a:lin ang="5400000" scaled="0"/>
-        </a:gradFill>
-        <a:ln w="6350" cap="flat" cmpd="sng" algn="ctr">
-          <a:solidFill>
-            <a:schemeClr val="accent2"/>
-          </a:solidFill>
-          <a:prstDash val="solid"/>
-          <a:miter lim="800000"/>
-        </a:ln>
-        <a:effectLst/>
-      </dsp:spPr>
-      <dsp:style>
-        <a:lnRef idx="1">
-          <a:schemeClr val="accent2"/>
-        </a:lnRef>
-        <a:fillRef idx="2">
-          <a:schemeClr val="accent2"/>
-        </a:fillRef>
-        <a:effectRef idx="1">
-          <a:schemeClr val="accent2"/>
-        </a:effectRef>
-        <a:fontRef idx="minor">
-          <a:schemeClr val="dk1"/>
-        </a:fontRef>
-      </dsp:style>
-      <dsp:txBody>
-        <a:bodyPr spcFirstLastPara="0" vert="horz" wrap="square" lIns="28575" tIns="19050" rIns="28575" bIns="19050" numCol="1" spcCol="1270" anchor="ctr" anchorCtr="0">
-          <a:noAutofit/>
-        </a:bodyPr>
-        <a:lstStyle/>
-        <a:p>
-          <a:pPr lvl="0" algn="ctr" defTabSz="666750">
-            <a:lnSpc>
-              <a:spcPct val="90000"/>
-            </a:lnSpc>
-            <a:spcBef>
-              <a:spcPct val="0"/>
-            </a:spcBef>
-            <a:spcAft>
-              <a:spcPct val="35000"/>
-            </a:spcAft>
-          </a:pPr>
-          <a:r>
-            <a:rPr lang="en-US" sz="1500" kern="1200" dirty="0" smtClean="0"/>
-            <a:t>Annotation index - variations</a:t>
-          </a:r>
-          <a:endParaRPr lang="en-US" sz="1500" kern="1200" dirty="0"/>
-        </a:p>
-      </dsp:txBody>
-      <dsp:txXfrm>
-        <a:off x="2008881" y="69922"/>
-        <a:ext cx="1394443" cy="676184"/>
-      </dsp:txXfrm>
-    </dsp:sp>
-    <dsp:sp modelId="{06ACC55D-1859-48B9-923E-41A7399F42ED}">
-      <dsp:nvSpPr>
-        <dsp:cNvPr id="0" name=""/>
-        <dsp:cNvSpPr/>
-      </dsp:nvSpPr>
-      <dsp:spPr>
-        <a:xfrm>
-          <a:off x="2131495" y="767143"/>
-          <a:ext cx="127028" cy="383050"/>
-        </a:xfrm>
-        <a:custGeom>
-          <a:avLst/>
-          <a:gdLst/>
-          <a:ahLst/>
-          <a:cxnLst/>
-          <a:rect l="0" t="0" r="0" b="0"/>
-          <a:pathLst>
-            <a:path>
-              <a:moveTo>
-                <a:pt x="0" y="0"/>
-              </a:moveTo>
-              <a:lnTo>
-                <a:pt x="0" y="383050"/>
-              </a:lnTo>
-              <a:lnTo>
-                <a:pt x="127028" y="383050"/>
-              </a:lnTo>
-            </a:path>
-          </a:pathLst>
-        </a:custGeom>
-        <a:noFill/>
-        <a:ln w="12700" cap="flat" cmpd="sng" algn="ctr">
-          <a:solidFill>
-            <a:schemeClr val="accent1">
-              <a:shade val="60000"/>
-              <a:hueOff val="0"/>
-              <a:satOff val="0"/>
-              <a:lumOff val="0"/>
-              <a:alphaOff val="0"/>
-            </a:schemeClr>
-          </a:solidFill>
-          <a:prstDash val="solid"/>
-          <a:miter lim="800000"/>
-        </a:ln>
-        <a:effectLst/>
-      </dsp:spPr>
-      <dsp:style>
-        <a:lnRef idx="2">
-          <a:scrgbClr r="0" g="0" b="0"/>
-        </a:lnRef>
-        <a:fillRef idx="0">
-          <a:scrgbClr r="0" g="0" b="0"/>
-        </a:fillRef>
-        <a:effectRef idx="0">
-          <a:scrgbClr r="0" g="0" b="0"/>
-        </a:effectRef>
-        <a:fontRef idx="minor"/>
-      </dsp:style>
-    </dsp:sp>
-    <dsp:sp modelId="{2AFCFA76-6F7A-4479-983C-FEF5916C6BD8}">
-      <dsp:nvSpPr>
-        <dsp:cNvPr id="0" name=""/>
-        <dsp:cNvSpPr/>
-      </dsp:nvSpPr>
-      <dsp:spPr>
-        <a:xfrm>
-          <a:off x="2258524" y="1020272"/>
-          <a:ext cx="1391514" cy="259844"/>
-        </a:xfrm>
-        <a:prstGeom prst="roundRect">
-          <a:avLst>
-            <a:gd name="adj" fmla="val 10000"/>
-          </a:avLst>
-        </a:prstGeom>
-        <a:gradFill rotWithShape="0">
-          <a:gsLst>
-            <a:gs pos="0">
-              <a:srgbClr val="FFD9D1">
-                <a:alpha val="49804"/>
-              </a:srgbClr>
-            </a:gs>
-            <a:gs pos="100000">
-              <a:srgbClr val="FFD9D1"/>
-            </a:gs>
-          </a:gsLst>
-          <a:lin ang="5400000" scaled="0"/>
-        </a:gradFill>
-        <a:ln w="6350" cap="flat" cmpd="sng" algn="ctr">
-          <a:solidFill>
-            <a:schemeClr val="accent1">
-              <a:hueOff val="0"/>
-              <a:satOff val="0"/>
-              <a:lumOff val="0"/>
-              <a:alphaOff val="0"/>
-            </a:schemeClr>
-          </a:solidFill>
-          <a:prstDash val="solid"/>
-          <a:miter lim="800000"/>
-        </a:ln>
-        <a:effectLst/>
-      </dsp:spPr>
-      <dsp:style>
-        <a:lnRef idx="1">
-          <a:scrgbClr r="0" g="0" b="0"/>
-        </a:lnRef>
-        <a:fillRef idx="1">
-          <a:scrgbClr r="0" g="0" b="0"/>
-        </a:fillRef>
-        <a:effectRef idx="2">
-          <a:scrgbClr r="0" g="0" b="0"/>
-        </a:effectRef>
-        <a:fontRef idx="minor"/>
-      </dsp:style>
-      <dsp:txBody>
-        <a:bodyPr spcFirstLastPara="0" vert="horz" wrap="square" lIns="26670" tIns="17780" rIns="26670" bIns="17780" numCol="1" spcCol="1270" anchor="ctr" anchorCtr="0">
-          <a:noAutofit/>
-        </a:bodyPr>
-        <a:lstStyle/>
-        <a:p>
-          <a:pPr lvl="0" algn="ctr" defTabSz="622300">
-            <a:lnSpc>
-              <a:spcPct val="90000"/>
-            </a:lnSpc>
-            <a:spcBef>
-              <a:spcPct val="0"/>
-            </a:spcBef>
-            <a:spcAft>
-              <a:spcPct val="35000"/>
-            </a:spcAft>
-          </a:pPr>
-          <a:r>
-            <a:rPr lang="en-US" sz="1400" kern="1200" dirty="0" err="1" smtClean="0"/>
-            <a:t>typePriority</a:t>
-          </a:r>
-          <a:endParaRPr lang="en-US" sz="1400" kern="1200" dirty="0"/>
-        </a:p>
-      </dsp:txBody>
-      <dsp:txXfrm>
-        <a:off x="2266135" y="1027883"/>
-        <a:ext cx="1376292" cy="244622"/>
-      </dsp:txXfrm>
-    </dsp:sp>
-    <dsp:sp modelId="{457EBE8C-597D-433F-966E-30FD815E5E2D}">
-      <dsp:nvSpPr>
-        <dsp:cNvPr id="0" name=""/>
-        <dsp:cNvSpPr/>
-      </dsp:nvSpPr>
-      <dsp:spPr>
-        <a:xfrm>
-          <a:off x="2131495" y="767143"/>
-          <a:ext cx="127545" cy="803749"/>
-        </a:xfrm>
-        <a:custGeom>
-          <a:avLst/>
-          <a:gdLst/>
-          <a:ahLst/>
-          <a:cxnLst/>
-          <a:rect l="0" t="0" r="0" b="0"/>
-          <a:pathLst>
-            <a:path>
-              <a:moveTo>
-                <a:pt x="0" y="0"/>
-              </a:moveTo>
-              <a:lnTo>
-                <a:pt x="0" y="803749"/>
-              </a:lnTo>
-              <a:lnTo>
-                <a:pt x="127545" y="803749"/>
-              </a:lnTo>
-            </a:path>
-          </a:pathLst>
-        </a:custGeom>
-        <a:noFill/>
-        <a:ln w="12700" cap="flat" cmpd="sng" algn="ctr">
-          <a:solidFill>
-            <a:schemeClr val="accent1">
-              <a:shade val="60000"/>
-              <a:hueOff val="0"/>
-              <a:satOff val="0"/>
-              <a:lumOff val="0"/>
-              <a:alphaOff val="0"/>
-            </a:schemeClr>
-          </a:solidFill>
-          <a:prstDash val="solid"/>
-          <a:miter lim="800000"/>
-        </a:ln>
-        <a:effectLst/>
-      </dsp:spPr>
-      <dsp:style>
-        <a:lnRef idx="2">
-          <a:scrgbClr r="0" g="0" b="0"/>
-        </a:lnRef>
-        <a:fillRef idx="0">
-          <a:scrgbClr r="0" g="0" b="0"/>
-        </a:fillRef>
-        <a:effectRef idx="0">
-          <a:scrgbClr r="0" g="0" b="0"/>
-        </a:effectRef>
-        <a:fontRef idx="minor"/>
-      </dsp:style>
-    </dsp:sp>
-    <dsp:sp modelId="{9A1BCF8B-3F39-4A73-B539-DCCD4108908A}">
-      <dsp:nvSpPr>
-        <dsp:cNvPr id="0" name=""/>
-        <dsp:cNvSpPr/>
-      </dsp:nvSpPr>
-      <dsp:spPr>
-        <a:xfrm>
-          <a:off x="2259041" y="1440971"/>
-          <a:ext cx="1391514" cy="259844"/>
-        </a:xfrm>
-        <a:prstGeom prst="roundRect">
-          <a:avLst>
-            <a:gd name="adj" fmla="val 10000"/>
-          </a:avLst>
-        </a:prstGeom>
-        <a:gradFill rotWithShape="0">
-          <a:gsLst>
-            <a:gs pos="0">
-              <a:srgbClr val="FFD9D1">
-                <a:alpha val="49804"/>
-              </a:srgbClr>
-            </a:gs>
-            <a:gs pos="100000">
-              <a:srgbClr val="FFD9D1"/>
-            </a:gs>
-          </a:gsLst>
-          <a:lin ang="5400000" scaled="0"/>
-        </a:gradFill>
-        <a:ln w="6350" cap="flat" cmpd="sng" algn="ctr">
-          <a:solidFill>
-            <a:schemeClr val="accent1">
-              <a:hueOff val="0"/>
-              <a:satOff val="0"/>
-              <a:lumOff val="0"/>
-              <a:alphaOff val="0"/>
-            </a:schemeClr>
-          </a:solidFill>
-          <a:prstDash val="solid"/>
-          <a:miter lim="800000"/>
-        </a:ln>
-        <a:effectLst/>
-      </dsp:spPr>
-      <dsp:style>
-        <a:lnRef idx="1">
-          <a:scrgbClr r="0" g="0" b="0"/>
-        </a:lnRef>
-        <a:fillRef idx="1">
-          <a:scrgbClr r="0" g="0" b="0"/>
-        </a:fillRef>
-        <a:effectRef idx="2">
-          <a:scrgbClr r="0" g="0" b="0"/>
-        </a:effectRef>
-        <a:fontRef idx="minor"/>
-      </dsp:style>
-      <dsp:txBody>
-        <a:bodyPr spcFirstLastPara="0" vert="horz" wrap="square" lIns="26670" tIns="17780" rIns="26670" bIns="17780" numCol="1" spcCol="1270" anchor="ctr" anchorCtr="0">
-          <a:noAutofit/>
-        </a:bodyPr>
-        <a:lstStyle/>
-        <a:p>
-          <a:pPr lvl="0" algn="ctr" defTabSz="622300">
-            <a:lnSpc>
-              <a:spcPct val="90000"/>
-            </a:lnSpc>
-            <a:spcBef>
-              <a:spcPct val="0"/>
-            </a:spcBef>
-            <a:spcAft>
-              <a:spcPct val="35000"/>
-            </a:spcAft>
-          </a:pPr>
-          <a:r>
-            <a:rPr lang="en-US" sz="1400" kern="1200" dirty="0" err="1" smtClean="0"/>
-            <a:t>positionUsesType</a:t>
-          </a:r>
-          <a:endParaRPr lang="en-US" sz="1400" kern="1200" dirty="0"/>
-        </a:p>
-      </dsp:txBody>
-      <dsp:txXfrm>
-        <a:off x="2266652" y="1448582"/>
-        <a:ext cx="1376292" cy="244622"/>
-      </dsp:txXfrm>
-    </dsp:sp>
-    <dsp:sp modelId="{11740182-5826-4EB6-9212-29EFE8CA856D}">
-      <dsp:nvSpPr>
-        <dsp:cNvPr id="0" name=""/>
-        <dsp:cNvSpPr/>
-      </dsp:nvSpPr>
-      <dsp:spPr>
-        <a:xfrm>
-          <a:off x="2131495" y="767143"/>
-          <a:ext cx="138761" cy="1188305"/>
-        </a:xfrm>
-        <a:custGeom>
-          <a:avLst/>
-          <a:gdLst/>
-          <a:ahLst/>
-          <a:cxnLst/>
-          <a:rect l="0" t="0" r="0" b="0"/>
-          <a:pathLst>
-            <a:path>
-              <a:moveTo>
-                <a:pt x="0" y="0"/>
-              </a:moveTo>
-              <a:lnTo>
-                <a:pt x="0" y="1188305"/>
-              </a:lnTo>
-              <a:lnTo>
-                <a:pt x="138761" y="1188305"/>
-              </a:lnTo>
-            </a:path>
-          </a:pathLst>
-        </a:custGeom>
-        <a:noFill/>
-        <a:ln w="12700" cap="flat" cmpd="sng" algn="ctr">
-          <a:solidFill>
-            <a:schemeClr val="accent1">
-              <a:shade val="60000"/>
-              <a:hueOff val="0"/>
-              <a:satOff val="0"/>
-              <a:lumOff val="0"/>
-              <a:alphaOff val="0"/>
-            </a:schemeClr>
-          </a:solidFill>
-          <a:prstDash val="solid"/>
-          <a:miter lim="800000"/>
-        </a:ln>
-        <a:effectLst/>
-      </dsp:spPr>
-      <dsp:style>
-        <a:lnRef idx="2">
-          <a:scrgbClr r="0" g="0" b="0"/>
-        </a:lnRef>
-        <a:fillRef idx="0">
-          <a:scrgbClr r="0" g="0" b="0"/>
-        </a:fillRef>
-        <a:effectRef idx="0">
-          <a:scrgbClr r="0" g="0" b="0"/>
-        </a:effectRef>
-        <a:fontRef idx="minor"/>
-      </dsp:style>
-    </dsp:sp>
-    <dsp:sp modelId="{DC9C9830-AE78-4B49-8B2D-0881B6509383}">
-      <dsp:nvSpPr>
-        <dsp:cNvPr id="0" name=""/>
-        <dsp:cNvSpPr/>
-      </dsp:nvSpPr>
-      <dsp:spPr>
-        <a:xfrm>
-          <a:off x="2270257" y="1825526"/>
-          <a:ext cx="1391514" cy="259844"/>
-        </a:xfrm>
-        <a:prstGeom prst="roundRect">
-          <a:avLst>
-            <a:gd name="adj" fmla="val 10000"/>
-          </a:avLst>
-        </a:prstGeom>
-        <a:gradFill rotWithShape="0">
-          <a:gsLst>
-            <a:gs pos="0">
-              <a:srgbClr val="FFD9D1">
-                <a:alpha val="49804"/>
-              </a:srgbClr>
-            </a:gs>
-            <a:gs pos="100000">
-              <a:srgbClr val="FFD9D1"/>
-            </a:gs>
-          </a:gsLst>
-          <a:lin ang="5400000" scaled="0"/>
-        </a:gradFill>
-        <a:ln w="6350" cap="flat" cmpd="sng" algn="ctr">
-          <a:solidFill>
-            <a:schemeClr val="accent1">
-              <a:hueOff val="0"/>
-              <a:satOff val="0"/>
-              <a:lumOff val="0"/>
-              <a:alphaOff val="0"/>
-            </a:schemeClr>
-          </a:solidFill>
-          <a:prstDash val="solid"/>
-          <a:miter lim="800000"/>
-        </a:ln>
-        <a:effectLst/>
-      </dsp:spPr>
-      <dsp:style>
-        <a:lnRef idx="1">
-          <a:scrgbClr r="0" g="0" b="0"/>
-        </a:lnRef>
-        <a:fillRef idx="1">
-          <a:scrgbClr r="0" g="0" b="0"/>
-        </a:fillRef>
-        <a:effectRef idx="2">
-          <a:scrgbClr r="0" g="0" b="0"/>
-        </a:effectRef>
-        <a:fontRef idx="minor"/>
-      </dsp:style>
-      <dsp:txBody>
-        <a:bodyPr spcFirstLastPara="0" vert="horz" wrap="square" lIns="26670" tIns="17780" rIns="26670" bIns="17780" numCol="1" spcCol="1270" anchor="ctr" anchorCtr="0">
-          <a:noAutofit/>
-        </a:bodyPr>
-        <a:lstStyle/>
-        <a:p>
-          <a:pPr lvl="0" algn="ctr" defTabSz="622300">
-            <a:lnSpc>
-              <a:spcPct val="90000"/>
-            </a:lnSpc>
-            <a:spcBef>
-              <a:spcPct val="0"/>
-            </a:spcBef>
-            <a:spcAft>
-              <a:spcPct val="35000"/>
-            </a:spcAft>
-          </a:pPr>
-          <a:r>
-            <a:rPr lang="en-US" sz="1400" kern="1200" dirty="0" err="1" smtClean="0"/>
-            <a:t>nonOverlapping</a:t>
-          </a:r>
-          <a:endParaRPr lang="en-US" sz="1400" kern="1200" dirty="0"/>
-        </a:p>
-      </dsp:txBody>
-      <dsp:txXfrm>
-        <a:off x="2277868" y="1833137"/>
-        <a:ext cx="1376292" cy="244622"/>
-      </dsp:txXfrm>
-    </dsp:sp>
-    <dsp:sp modelId="{C745C9FC-4960-4848-9000-F4D085284BD6}">
-      <dsp:nvSpPr>
-        <dsp:cNvPr id="0" name=""/>
-        <dsp:cNvSpPr/>
-      </dsp:nvSpPr>
-      <dsp:spPr>
-        <a:xfrm>
-          <a:off x="2131495" y="767143"/>
-          <a:ext cx="138761" cy="1634943"/>
-        </a:xfrm>
-        <a:custGeom>
-          <a:avLst/>
-          <a:gdLst/>
-          <a:ahLst/>
-          <a:cxnLst/>
-          <a:rect l="0" t="0" r="0" b="0"/>
-          <a:pathLst>
-            <a:path>
-              <a:moveTo>
-                <a:pt x="0" y="0"/>
-              </a:moveTo>
-              <a:lnTo>
-                <a:pt x="0" y="1634943"/>
-              </a:lnTo>
-              <a:lnTo>
-                <a:pt x="138761" y="1634943"/>
-              </a:lnTo>
-            </a:path>
-          </a:pathLst>
-        </a:custGeom>
-        <a:noFill/>
-        <a:ln w="12700" cap="flat" cmpd="sng" algn="ctr">
-          <a:solidFill>
-            <a:schemeClr val="accent1">
-              <a:shade val="60000"/>
-              <a:hueOff val="0"/>
-              <a:satOff val="0"/>
-              <a:lumOff val="0"/>
-              <a:alphaOff val="0"/>
-            </a:schemeClr>
-          </a:solidFill>
-          <a:prstDash val="solid"/>
-          <a:miter lim="800000"/>
-        </a:ln>
-        <a:effectLst/>
-      </dsp:spPr>
-      <dsp:style>
-        <a:lnRef idx="2">
-          <a:scrgbClr r="0" g="0" b="0"/>
-        </a:lnRef>
-        <a:fillRef idx="0">
-          <a:scrgbClr r="0" g="0" b="0"/>
-        </a:fillRef>
-        <a:effectRef idx="0">
-          <a:scrgbClr r="0" g="0" b="0"/>
-        </a:effectRef>
-        <a:fontRef idx="minor"/>
-      </dsp:style>
-    </dsp:sp>
-    <dsp:sp modelId="{3F8D49A2-3284-499F-B53F-A3C02EC0E048}">
-      <dsp:nvSpPr>
-        <dsp:cNvPr id="0" name=""/>
-        <dsp:cNvSpPr/>
-      </dsp:nvSpPr>
-      <dsp:spPr>
-        <a:xfrm>
-          <a:off x="2270257" y="2264935"/>
-          <a:ext cx="2783947" cy="274302"/>
-        </a:xfrm>
-        <a:prstGeom prst="roundRect">
-          <a:avLst>
-            <a:gd name="adj" fmla="val 10000"/>
-          </a:avLst>
-        </a:prstGeom>
-        <a:gradFill rotWithShape="0">
-          <a:gsLst>
-            <a:gs pos="0">
-              <a:srgbClr val="FFD9D1">
-                <a:alpha val="49804"/>
-              </a:srgbClr>
-            </a:gs>
-            <a:gs pos="100000">
-              <a:srgbClr val="FFD9D1"/>
-            </a:gs>
-          </a:gsLst>
-          <a:lin ang="5400000" scaled="0"/>
-        </a:gradFill>
-        <a:ln w="6350" cap="flat" cmpd="sng" algn="ctr">
-          <a:solidFill>
-            <a:schemeClr val="accent1">
-              <a:hueOff val="0"/>
-              <a:satOff val="0"/>
-              <a:lumOff val="0"/>
-              <a:alphaOff val="0"/>
-            </a:schemeClr>
-          </a:solidFill>
-          <a:prstDash val="solid"/>
-          <a:miter lim="800000"/>
-        </a:ln>
-        <a:effectLst/>
-      </dsp:spPr>
-      <dsp:style>
-        <a:lnRef idx="1">
-          <a:scrgbClr r="0" g="0" b="0"/>
-        </a:lnRef>
-        <a:fillRef idx="1">
-          <a:scrgbClr r="0" g="0" b="0"/>
-        </a:fillRef>
-        <a:effectRef idx="2">
-          <a:scrgbClr r="0" g="0" b="0"/>
-        </a:effectRef>
-        <a:fontRef idx="minor"/>
-      </dsp:style>
-      <dsp:txBody>
-        <a:bodyPr spcFirstLastPara="0" vert="horz" wrap="square" lIns="22860" tIns="15240" rIns="22860" bIns="15240" numCol="1" spcCol="1270" anchor="ctr" anchorCtr="0">
-          <a:noAutofit/>
-        </a:bodyPr>
-        <a:lstStyle/>
-        <a:p>
-          <a:pPr lvl="0" algn="ctr" defTabSz="533400">
-            <a:lnSpc>
-              <a:spcPct val="90000"/>
-            </a:lnSpc>
-            <a:spcBef>
-              <a:spcPct val="0"/>
-            </a:spcBef>
-            <a:spcAft>
-              <a:spcPct val="35000"/>
-            </a:spcAft>
-          </a:pPr>
-          <a:r>
-            <a:rPr lang="en-US" sz="1200" kern="1200" dirty="0" smtClean="0"/>
-            <a:t>includeAnnotationsWithEndBeyondBounds</a:t>
-          </a:r>
-          <a:endParaRPr lang="en-US" sz="1200" kern="1200" dirty="0"/>
-        </a:p>
-      </dsp:txBody>
-      <dsp:txXfrm>
-        <a:off x="2278291" y="2272969"/>
-        <a:ext cx="2767879" cy="258234"/>
-      </dsp:txXfrm>
-    </dsp:sp>
-    <dsp:sp modelId="{F693726E-1BD8-4CF5-A624-39208FF42DB3}">
-      <dsp:nvSpPr>
-        <dsp:cNvPr id="0" name=""/>
-        <dsp:cNvSpPr/>
-      </dsp:nvSpPr>
-      <dsp:spPr>
-        <a:xfrm>
-          <a:off x="2131495" y="767143"/>
-          <a:ext cx="144209" cy="2061998"/>
-        </a:xfrm>
-        <a:custGeom>
-          <a:avLst/>
-          <a:gdLst/>
-          <a:ahLst/>
-          <a:cxnLst/>
-          <a:rect l="0" t="0" r="0" b="0"/>
-          <a:pathLst>
-            <a:path>
-              <a:moveTo>
-                <a:pt x="0" y="0"/>
-              </a:moveTo>
-              <a:lnTo>
-                <a:pt x="0" y="2061998"/>
-              </a:lnTo>
-              <a:lnTo>
-                <a:pt x="144209" y="2061998"/>
-              </a:lnTo>
-            </a:path>
-          </a:pathLst>
-        </a:custGeom>
-        <a:noFill/>
-        <a:ln w="12700" cap="flat" cmpd="sng" algn="ctr">
-          <a:solidFill>
-            <a:schemeClr val="accent1">
-              <a:shade val="60000"/>
-              <a:hueOff val="0"/>
-              <a:satOff val="0"/>
-              <a:lumOff val="0"/>
-              <a:alphaOff val="0"/>
-            </a:schemeClr>
-          </a:solidFill>
-          <a:prstDash val="solid"/>
-          <a:miter lim="800000"/>
-        </a:ln>
-        <a:effectLst/>
-      </dsp:spPr>
-      <dsp:style>
-        <a:lnRef idx="2">
-          <a:scrgbClr r="0" g="0" b="0"/>
-        </a:lnRef>
-        <a:fillRef idx="0">
-          <a:scrgbClr r="0" g="0" b="0"/>
-        </a:fillRef>
-        <a:effectRef idx="0">
-          <a:scrgbClr r="0" g="0" b="0"/>
-        </a:effectRef>
-        <a:fontRef idx="minor"/>
-      </dsp:style>
-    </dsp:sp>
-    <dsp:sp modelId="{AC11EBD0-8383-469D-B57B-D8ABFF513D43}">
-      <dsp:nvSpPr>
-        <dsp:cNvPr id="0" name=""/>
-        <dsp:cNvSpPr/>
-      </dsp:nvSpPr>
-      <dsp:spPr>
-        <a:xfrm>
-          <a:off x="2275705" y="2708036"/>
-          <a:ext cx="1701663" cy="242211"/>
-        </a:xfrm>
-        <a:prstGeom prst="roundRect">
-          <a:avLst>
-            <a:gd name="adj" fmla="val 10000"/>
-          </a:avLst>
-        </a:prstGeom>
-        <a:gradFill rotWithShape="0">
-          <a:gsLst>
-            <a:gs pos="0">
-              <a:srgbClr val="FFD9D1">
-                <a:alpha val="49804"/>
-              </a:srgbClr>
-            </a:gs>
-            <a:gs pos="100000">
-              <a:srgbClr val="FFD9D1"/>
-            </a:gs>
-          </a:gsLst>
-          <a:lin ang="5400000" scaled="0"/>
-        </a:gradFill>
-        <a:ln w="6350" cap="flat" cmpd="sng" algn="ctr">
-          <a:solidFill>
-            <a:schemeClr val="accent1">
-              <a:hueOff val="0"/>
-              <a:satOff val="0"/>
-              <a:lumOff val="0"/>
-              <a:alphaOff val="0"/>
-            </a:schemeClr>
-          </a:solidFill>
-          <a:prstDash val="solid"/>
-          <a:miter lim="800000"/>
-        </a:ln>
-        <a:effectLst/>
-      </dsp:spPr>
-      <dsp:style>
-        <a:lnRef idx="1">
-          <a:scrgbClr r="0" g="0" b="0"/>
-        </a:lnRef>
-        <a:fillRef idx="1">
-          <a:scrgbClr r="0" g="0" b="0"/>
-        </a:fillRef>
-        <a:effectRef idx="2">
-          <a:scrgbClr r="0" g="0" b="0"/>
-        </a:effectRef>
-        <a:fontRef idx="minor"/>
-      </dsp:style>
-      <dsp:txBody>
-        <a:bodyPr spcFirstLastPara="0" vert="horz" wrap="square" lIns="26670" tIns="17780" rIns="26670" bIns="17780" numCol="1" spcCol="1270" anchor="ctr" anchorCtr="0">
-          <a:noAutofit/>
-        </a:bodyPr>
-        <a:lstStyle/>
-        <a:p>
-          <a:pPr lvl="0" algn="ctr" defTabSz="622300">
-            <a:lnSpc>
-              <a:spcPct val="90000"/>
-            </a:lnSpc>
-            <a:spcBef>
-              <a:spcPct val="0"/>
-            </a:spcBef>
-            <a:spcAft>
-              <a:spcPct val="35000"/>
-            </a:spcAft>
-          </a:pPr>
-          <a:r>
-            <a:rPr lang="en-US" sz="1400" kern="1200" dirty="0" err="1" smtClean="0"/>
-            <a:t>useAnnotationEquals</a:t>
-          </a:r>
-          <a:endParaRPr lang="en-US" sz="1400" kern="1200" dirty="0"/>
-        </a:p>
-      </dsp:txBody>
-      <dsp:txXfrm>
-        <a:off x="2282799" y="2715130"/>
-        <a:ext cx="1687475" cy="228023"/>
-      </dsp:txXfrm>
-    </dsp:sp>
-    <dsp:sp modelId="{3C8E8F72-4C43-4FFC-AEFF-219062D96DB2}">
-      <dsp:nvSpPr>
-        <dsp:cNvPr id="0" name=""/>
-        <dsp:cNvSpPr/>
-      </dsp:nvSpPr>
-      <dsp:spPr>
-        <a:xfrm>
-          <a:off x="3640629" y="48885"/>
-          <a:ext cx="1536024" cy="718258"/>
-        </a:xfrm>
-        <a:prstGeom prst="roundRect">
-          <a:avLst>
-            <a:gd name="adj" fmla="val 10000"/>
-          </a:avLst>
-        </a:prstGeom>
-        <a:gradFill rotWithShape="0">
-          <a:gsLst>
-            <a:gs pos="0">
-              <a:srgbClr val="FFCCFF">
-                <a:lumMod val="50000"/>
-                <a:lumOff val="50000"/>
-              </a:srgbClr>
-            </a:gs>
-            <a:gs pos="100000">
-              <a:srgbClr val="FFCCFF"/>
-            </a:gs>
-          </a:gsLst>
-          <a:lin ang="5400000" scaled="0"/>
-        </a:gradFill>
-        <a:ln w="6350" cap="flat" cmpd="sng" algn="ctr">
-          <a:solidFill>
-            <a:schemeClr val="accent2"/>
-          </a:solidFill>
-          <a:prstDash val="solid"/>
-          <a:miter lim="800000"/>
-        </a:ln>
-        <a:effectLst/>
-      </dsp:spPr>
-      <dsp:style>
-        <a:lnRef idx="1">
-          <a:schemeClr val="accent2"/>
-        </a:lnRef>
-        <a:fillRef idx="2">
-          <a:schemeClr val="accent2"/>
-        </a:fillRef>
-        <a:effectRef idx="1">
-          <a:schemeClr val="accent2"/>
-        </a:effectRef>
-        <a:fontRef idx="minor">
-          <a:schemeClr val="dk1"/>
-        </a:fontRef>
-      </dsp:style>
-      <dsp:txBody>
-        <a:bodyPr spcFirstLastPara="0" vert="horz" wrap="square" lIns="28575" tIns="19050" rIns="28575" bIns="19050" numCol="1" spcCol="1270" anchor="ctr" anchorCtr="0">
-          <a:noAutofit/>
-        </a:bodyPr>
-        <a:lstStyle/>
-        <a:p>
-          <a:pPr lvl="0" algn="ctr" defTabSz="666750">
-            <a:lnSpc>
-              <a:spcPct val="90000"/>
-            </a:lnSpc>
-            <a:spcBef>
-              <a:spcPct val="0"/>
-            </a:spcBef>
-            <a:spcAft>
-              <a:spcPct val="35000"/>
-            </a:spcAft>
-          </a:pPr>
-          <a:r>
-            <a:rPr lang="en-US" sz="1500" kern="1200" dirty="0" smtClean="0"/>
-            <a:t>Annotation index </a:t>
-          </a:r>
-          <a:br>
-            <a:rPr lang="en-US" sz="1500" kern="1200" dirty="0" smtClean="0"/>
-          </a:br>
-          <a:r>
-            <a:rPr lang="en-US" sz="1500" kern="1200" dirty="0" smtClean="0"/>
-            <a:t> follow / </a:t>
-          </a:r>
-          <a:r>
-            <a:rPr lang="en-US" sz="1500" kern="1200" smtClean="0"/>
-            <a:t>preceed</a:t>
-          </a:r>
-          <a:endParaRPr lang="en-US" sz="1500" kern="1200" dirty="0"/>
-        </a:p>
-      </dsp:txBody>
-      <dsp:txXfrm>
-        <a:off x="3661666" y="69922"/>
-        <a:ext cx="1493950" cy="676184"/>
-      </dsp:txXfrm>
-    </dsp:sp>
-    <dsp:sp modelId="{87CA1243-0E0D-4CB9-A20E-711DFC058565}">
-      <dsp:nvSpPr>
-        <dsp:cNvPr id="0" name=""/>
-        <dsp:cNvSpPr/>
-      </dsp:nvSpPr>
-      <dsp:spPr>
-        <a:xfrm>
-          <a:off x="3748511" y="767143"/>
-          <a:ext cx="91440" cy="371163"/>
-        </a:xfrm>
-        <a:custGeom>
-          <a:avLst/>
-          <a:gdLst/>
-          <a:ahLst/>
-          <a:cxnLst/>
-          <a:rect l="0" t="0" r="0" b="0"/>
-          <a:pathLst>
-            <a:path>
-              <a:moveTo>
-                <a:pt x="45720" y="0"/>
-              </a:moveTo>
-              <a:lnTo>
-                <a:pt x="45720" y="371163"/>
-              </a:lnTo>
-              <a:lnTo>
-                <a:pt x="123701" y="371163"/>
-              </a:lnTo>
-            </a:path>
-          </a:pathLst>
-        </a:custGeom>
-        <a:noFill/>
-        <a:ln w="12700" cap="flat" cmpd="sng" algn="ctr">
-          <a:solidFill>
-            <a:schemeClr val="accent1">
-              <a:shade val="60000"/>
-              <a:hueOff val="0"/>
-              <a:satOff val="0"/>
-              <a:lumOff val="0"/>
-              <a:alphaOff val="0"/>
-            </a:schemeClr>
-          </a:solidFill>
-          <a:prstDash val="solid"/>
-          <a:miter lim="800000"/>
-        </a:ln>
-        <a:effectLst/>
-      </dsp:spPr>
-      <dsp:style>
-        <a:lnRef idx="2">
-          <a:scrgbClr r="0" g="0" b="0"/>
-        </a:lnRef>
-        <a:fillRef idx="0">
-          <a:scrgbClr r="0" g="0" b="0"/>
-        </a:fillRef>
-        <a:effectRef idx="0">
-          <a:scrgbClr r="0" g="0" b="0"/>
-        </a:effectRef>
-        <a:fontRef idx="minor"/>
-      </dsp:style>
-    </dsp:sp>
-    <dsp:sp modelId="{AD96485D-9021-4AE3-9AF1-91BF9C7DC4A9}">
-      <dsp:nvSpPr>
-        <dsp:cNvPr id="0" name=""/>
-        <dsp:cNvSpPr/>
-      </dsp:nvSpPr>
-      <dsp:spPr>
-        <a:xfrm>
-          <a:off x="3872213" y="1008385"/>
-          <a:ext cx="1176093" cy="259844"/>
-        </a:xfrm>
-        <a:prstGeom prst="roundRect">
-          <a:avLst>
-            <a:gd name="adj" fmla="val 10000"/>
-          </a:avLst>
-        </a:prstGeom>
-        <a:gradFill rotWithShape="0">
-          <a:gsLst>
-            <a:gs pos="0">
-              <a:srgbClr val="FFD9D1">
-                <a:alpha val="49804"/>
-              </a:srgbClr>
-            </a:gs>
-            <a:gs pos="100000">
-              <a:srgbClr val="FFD9D1"/>
-            </a:gs>
-          </a:gsLst>
-          <a:lin ang="5400000" scaled="0"/>
-        </a:gradFill>
-        <a:ln w="6350" cap="flat" cmpd="sng" algn="ctr">
-          <a:solidFill>
-            <a:schemeClr val="accent1">
-              <a:hueOff val="0"/>
-              <a:satOff val="0"/>
-              <a:lumOff val="0"/>
-              <a:alphaOff val="0"/>
-            </a:schemeClr>
-          </a:solidFill>
-          <a:prstDash val="solid"/>
-          <a:miter lim="800000"/>
-        </a:ln>
-        <a:effectLst/>
-      </dsp:spPr>
-      <dsp:style>
-        <a:lnRef idx="1">
-          <a:scrgbClr r="0" g="0" b="0"/>
-        </a:lnRef>
-        <a:fillRef idx="1">
-          <a:scrgbClr r="0" g="0" b="0"/>
-        </a:fillRef>
-        <a:effectRef idx="2">
-          <a:scrgbClr r="0" g="0" b="0"/>
-        </a:effectRef>
-        <a:fontRef idx="minor"/>
-      </dsp:style>
-      <dsp:txBody>
-        <a:bodyPr spcFirstLastPara="0" vert="horz" wrap="square" lIns="26670" tIns="17780" rIns="26670" bIns="17780" numCol="1" spcCol="1270" anchor="ctr" anchorCtr="0">
-          <a:noAutofit/>
-        </a:bodyPr>
-        <a:lstStyle/>
-        <a:p>
-          <a:pPr lvl="0" algn="ctr" defTabSz="622300">
-            <a:lnSpc>
-              <a:spcPct val="90000"/>
-            </a:lnSpc>
-            <a:spcBef>
-              <a:spcPct val="0"/>
-            </a:spcBef>
-            <a:spcAft>
-              <a:spcPct val="35000"/>
-            </a:spcAft>
-          </a:pPr>
-          <a:r>
-            <a:rPr lang="en-US" sz="1400" kern="1200" dirty="0" smtClean="0"/>
-            <a:t>following</a:t>
-          </a:r>
-          <a:endParaRPr lang="en-US" sz="1400" kern="1200" dirty="0"/>
-        </a:p>
-      </dsp:txBody>
-      <dsp:txXfrm>
-        <a:off x="3879824" y="1015996"/>
-        <a:ext cx="1160871" cy="244622"/>
-      </dsp:txXfrm>
-    </dsp:sp>
-    <dsp:sp modelId="{EFA0C431-24CD-4099-9BAE-EC52CFA42898}">
-      <dsp:nvSpPr>
-        <dsp:cNvPr id="0" name=""/>
-        <dsp:cNvSpPr/>
-      </dsp:nvSpPr>
-      <dsp:spPr>
-        <a:xfrm>
-          <a:off x="3748511" y="767143"/>
-          <a:ext cx="91440" cy="810572"/>
-        </a:xfrm>
-        <a:custGeom>
-          <a:avLst/>
-          <a:gdLst/>
-          <a:ahLst/>
-          <a:cxnLst/>
-          <a:rect l="0" t="0" r="0" b="0"/>
-          <a:pathLst>
-            <a:path>
-              <a:moveTo>
-                <a:pt x="45720" y="0"/>
-              </a:moveTo>
-              <a:lnTo>
-                <a:pt x="45720" y="810572"/>
-              </a:lnTo>
-              <a:lnTo>
-                <a:pt x="123701" y="810572"/>
-              </a:lnTo>
-            </a:path>
-          </a:pathLst>
-        </a:custGeom>
-        <a:noFill/>
-        <a:ln w="12700" cap="flat" cmpd="sng" algn="ctr">
-          <a:solidFill>
-            <a:schemeClr val="accent1">
-              <a:shade val="60000"/>
-              <a:hueOff val="0"/>
-              <a:satOff val="0"/>
-              <a:lumOff val="0"/>
-              <a:alphaOff val="0"/>
-            </a:schemeClr>
-          </a:solidFill>
-          <a:prstDash val="solid"/>
-          <a:miter lim="800000"/>
-        </a:ln>
-        <a:effectLst/>
-      </dsp:spPr>
-      <dsp:style>
-        <a:lnRef idx="2">
-          <a:scrgbClr r="0" g="0" b="0"/>
-        </a:lnRef>
-        <a:fillRef idx="0">
-          <a:scrgbClr r="0" g="0" b="0"/>
-        </a:fillRef>
-        <a:effectRef idx="0">
-          <a:scrgbClr r="0" g="0" b="0"/>
-        </a:effectRef>
-        <a:fontRef idx="minor"/>
-      </dsp:style>
-    </dsp:sp>
-    <dsp:sp modelId="{E592C975-6A58-42A6-8A1C-546B354206FF}">
-      <dsp:nvSpPr>
-        <dsp:cNvPr id="0" name=""/>
-        <dsp:cNvSpPr/>
-      </dsp:nvSpPr>
-      <dsp:spPr>
-        <a:xfrm>
-          <a:off x="3872213" y="1447794"/>
-          <a:ext cx="1176093" cy="259844"/>
-        </a:xfrm>
-        <a:prstGeom prst="roundRect">
-          <a:avLst>
-            <a:gd name="adj" fmla="val 10000"/>
-          </a:avLst>
-        </a:prstGeom>
-        <a:gradFill rotWithShape="0">
-          <a:gsLst>
-            <a:gs pos="0">
-              <a:srgbClr val="FFD9D1">
-                <a:alpha val="49804"/>
-              </a:srgbClr>
-            </a:gs>
-            <a:gs pos="100000">
-              <a:srgbClr val="FFD9D1"/>
-            </a:gs>
-          </a:gsLst>
-          <a:lin ang="5400000" scaled="0"/>
-        </a:gradFill>
-        <a:ln w="6350" cap="flat" cmpd="sng" algn="ctr">
-          <a:solidFill>
-            <a:schemeClr val="accent1">
-              <a:hueOff val="0"/>
-              <a:satOff val="0"/>
-              <a:lumOff val="0"/>
-              <a:alphaOff val="0"/>
-            </a:schemeClr>
-          </a:solidFill>
-          <a:prstDash val="solid"/>
-          <a:miter lim="800000"/>
-        </a:ln>
-        <a:effectLst/>
-      </dsp:spPr>
-      <dsp:style>
-        <a:lnRef idx="1">
-          <a:scrgbClr r="0" g="0" b="0"/>
-        </a:lnRef>
-        <a:fillRef idx="1">
-          <a:scrgbClr r="0" g="0" b="0"/>
-        </a:fillRef>
-        <a:effectRef idx="2">
-          <a:scrgbClr r="0" g="0" b="0"/>
-        </a:effectRef>
-        <a:fontRef idx="minor"/>
-      </dsp:style>
-      <dsp:txBody>
-        <a:bodyPr spcFirstLastPara="0" vert="horz" wrap="square" lIns="26670" tIns="17780" rIns="26670" bIns="17780" numCol="1" spcCol="1270" anchor="ctr" anchorCtr="0">
-          <a:noAutofit/>
-        </a:bodyPr>
-        <a:lstStyle/>
-        <a:p>
-          <a:pPr lvl="0" algn="ctr" defTabSz="622300">
-            <a:lnSpc>
-              <a:spcPct val="90000"/>
-            </a:lnSpc>
-            <a:spcBef>
-              <a:spcPct val="0"/>
-            </a:spcBef>
-            <a:spcAft>
-              <a:spcPct val="35000"/>
-            </a:spcAft>
-          </a:pPr>
-          <a:r>
-            <a:rPr lang="en-US" sz="1400" kern="1200" dirty="0" smtClean="0"/>
-            <a:t>preceding</a:t>
-          </a:r>
-          <a:endParaRPr lang="en-US" sz="1400" kern="1200" dirty="0"/>
-        </a:p>
-      </dsp:txBody>
-      <dsp:txXfrm>
-        <a:off x="3879824" y="1455405"/>
-        <a:ext cx="1160871" cy="244622"/>
-      </dsp:txXfrm>
-    </dsp:sp>
   </dsp:spTree>
 </dsp:drawing>
 </file>
@@ -13209,7 +11390,7 @@
           <a:p>
             <a:fld id="{FA88A723-210D-49FB-911D-CC70F62696A5}" type="datetimeFigureOut">
               <a:rPr lang="en-US" smtClean="0"/>
-              <a:t>2/1/2017</a:t>
+              <a:t>5/30/2017</a:t>
             </a:fld>
             <a:endParaRPr lang="en-US"/>
           </a:p>
@@ -13379,7 +11560,7 @@
           <a:p>
             <a:fld id="{FA88A723-210D-49FB-911D-CC70F62696A5}" type="datetimeFigureOut">
               <a:rPr lang="en-US" smtClean="0"/>
-              <a:t>2/1/2017</a:t>
+              <a:t>5/30/2017</a:t>
             </a:fld>
             <a:endParaRPr lang="en-US"/>
           </a:p>
@@ -13559,7 +11740,7 @@
           <a:p>
             <a:fld id="{FA88A723-210D-49FB-911D-CC70F62696A5}" type="datetimeFigureOut">
               <a:rPr lang="en-US" smtClean="0"/>
-              <a:t>2/1/2017</a:t>
+              <a:t>5/30/2017</a:t>
             </a:fld>
             <a:endParaRPr lang="en-US"/>
           </a:p>
@@ -13729,7 +11910,7 @@
           <a:p>
             <a:fld id="{FA88A723-210D-49FB-911D-CC70F62696A5}" type="datetimeFigureOut">
               <a:rPr lang="en-US" smtClean="0"/>
-              <a:t>2/1/2017</a:t>
+              <a:t>5/30/2017</a:t>
             </a:fld>
             <a:endParaRPr lang="en-US"/>
           </a:p>
@@ -13975,7 +12156,7 @@
           <a:p>
             <a:fld id="{FA88A723-210D-49FB-911D-CC70F62696A5}" type="datetimeFigureOut">
               <a:rPr lang="en-US" smtClean="0"/>
-              <a:t>2/1/2017</a:t>
+              <a:t>5/30/2017</a:t>
             </a:fld>
             <a:endParaRPr lang="en-US"/>
           </a:p>
@@ -14207,7 +12388,7 @@
           <a:p>
             <a:fld id="{FA88A723-210D-49FB-911D-CC70F62696A5}" type="datetimeFigureOut">
               <a:rPr lang="en-US" smtClean="0"/>
-              <a:t>2/1/2017</a:t>
+              <a:t>5/30/2017</a:t>
             </a:fld>
             <a:endParaRPr lang="en-US"/>
           </a:p>
@@ -14574,7 +12755,7 @@
           <a:p>
             <a:fld id="{FA88A723-210D-49FB-911D-CC70F62696A5}" type="datetimeFigureOut">
               <a:rPr lang="en-US" smtClean="0"/>
-              <a:t>2/1/2017</a:t>
+              <a:t>5/30/2017</a:t>
             </a:fld>
             <a:endParaRPr lang="en-US"/>
           </a:p>
@@ -14692,7 +12873,7 @@
           <a:p>
             <a:fld id="{FA88A723-210D-49FB-911D-CC70F62696A5}" type="datetimeFigureOut">
               <a:rPr lang="en-US" smtClean="0"/>
-              <a:t>2/1/2017</a:t>
+              <a:t>5/30/2017</a:t>
             </a:fld>
             <a:endParaRPr lang="en-US"/>
           </a:p>
@@ -14787,7 +12968,7 @@
           <a:p>
             <a:fld id="{FA88A723-210D-49FB-911D-CC70F62696A5}" type="datetimeFigureOut">
               <a:rPr lang="en-US" smtClean="0"/>
-              <a:t>2/1/2017</a:t>
+              <a:t>5/30/2017</a:t>
             </a:fld>
             <a:endParaRPr lang="en-US"/>
           </a:p>
@@ -15064,7 +13245,7 @@
           <a:p>
             <a:fld id="{FA88A723-210D-49FB-911D-CC70F62696A5}" type="datetimeFigureOut">
               <a:rPr lang="en-US" smtClean="0"/>
-              <a:t>2/1/2017</a:t>
+              <a:t>5/30/2017</a:t>
             </a:fld>
             <a:endParaRPr lang="en-US"/>
           </a:p>
@@ -15317,7 +13498,7 @@
           <a:p>
             <a:fld id="{FA88A723-210D-49FB-911D-CC70F62696A5}" type="datetimeFigureOut">
               <a:rPr lang="en-US" smtClean="0"/>
-              <a:t>2/1/2017</a:t>
+              <a:t>5/30/2017</a:t>
             </a:fld>
             <a:endParaRPr lang="en-US"/>
           </a:p>
@@ -15530,7 +13711,7 @@
           <a:p>
             <a:fld id="{FA88A723-210D-49FB-911D-CC70F62696A5}" type="datetimeFigureOut">
               <a:rPr lang="en-US" smtClean="0"/>
-              <a:t>2/1/2017</a:t>
+              <a:t>5/30/2017</a:t>
             </a:fld>
             <a:endParaRPr lang="en-US"/>
           </a:p>
@@ -18157,11 +16338,6 @@
               </a:rPr>
               <a:t>(semi) built-in</a:t>
             </a:r>
-            <a:endParaRPr lang="en-US" dirty="0" smtClean="0">
-              <a:ln w="12700">
-                <a:noFill/>
-              </a:ln>
-            </a:endParaRPr>
           </a:p>
         </p:txBody>
       </p:sp>
@@ -26082,6 +24258,2203 @@
   <p:clrMapOvr>
     <a:masterClrMapping/>
   </p:clrMapOvr>
+  <p:timing>
+    <p:tnLst>
+      <p:par>
+        <p:cTn id="1" dur="indefinite" restart="never" nodeType="tmRoot"/>
+      </p:par>
+    </p:tnLst>
+  </p:timing>
+</p:sld>
+</file>
+
+<file path=ppt/slides/slide7.xml><?xml version="1.0" encoding="utf-8"?>
+<p:sld xmlns:a="http://schemas.openxmlformats.org/drawingml/2006/main" xmlns:r="http://schemas.openxmlformats.org/officeDocument/2006/relationships" xmlns:p="http://schemas.openxmlformats.org/presentationml/2006/main">
+  <p:cSld>
+    <p:spTree>
+      <p:nvGrpSpPr>
+        <p:cNvPr id="1" name=""/>
+        <p:cNvGrpSpPr/>
+        <p:nvPr/>
+      </p:nvGrpSpPr>
+      <p:grpSpPr>
+        <a:xfrm>
+          <a:off x="0" y="0"/>
+          <a:ext cx="0" cy="0"/>
+          <a:chOff x="0" y="0"/>
+          <a:chExt cx="0" cy="0"/>
+        </a:xfrm>
+      </p:grpSpPr>
+      <p:sp>
+        <p:nvSpPr>
+          <p:cNvPr id="2" name="Rounded Rectangle 1"/>
+          <p:cNvSpPr/>
+          <p:nvPr/>
+        </p:nvSpPr>
+        <p:spPr>
+          <a:xfrm>
+            <a:off x="1682592" y="742950"/>
+            <a:ext cx="818196" cy="400050"/>
+          </a:xfrm>
+          <a:prstGeom prst="roundRect">
+            <a:avLst/>
+          </a:prstGeom>
+        </p:spPr>
+        <p:style>
+          <a:lnRef idx="1">
+            <a:schemeClr val="accent1"/>
+          </a:lnRef>
+          <a:fillRef idx="2">
+            <a:schemeClr val="accent1"/>
+          </a:fillRef>
+          <a:effectRef idx="1">
+            <a:schemeClr val="accent1"/>
+          </a:effectRef>
+          <a:fontRef idx="minor">
+            <a:schemeClr val="dk1"/>
+          </a:fontRef>
+        </p:style>
+        <p:txBody>
+          <a:bodyPr rtlCol="0" anchor="ctr"/>
+          <a:lstStyle/>
+          <a:p>
+            <a:pPr algn="ctr"/>
+            <a:r>
+              <a:rPr lang="en-US" dirty="0" smtClean="0"/>
+              <a:t>Root1</a:t>
+            </a:r>
+            <a:endParaRPr lang="en-US" dirty="0"/>
+          </a:p>
+        </p:txBody>
+      </p:sp>
+      <p:sp>
+        <p:nvSpPr>
+          <p:cNvPr id="3" name="Rounded Rectangle 2"/>
+          <p:cNvSpPr/>
+          <p:nvPr/>
+        </p:nvSpPr>
+        <p:spPr>
+          <a:xfrm>
+            <a:off x="952500" y="1306830"/>
+            <a:ext cx="617220" cy="400050"/>
+          </a:xfrm>
+          <a:prstGeom prst="roundRect">
+            <a:avLst/>
+          </a:prstGeom>
+        </p:spPr>
+        <p:style>
+          <a:lnRef idx="1">
+            <a:schemeClr val="accent1"/>
+          </a:lnRef>
+          <a:fillRef idx="2">
+            <a:schemeClr val="accent1"/>
+          </a:fillRef>
+          <a:effectRef idx="1">
+            <a:schemeClr val="accent1"/>
+          </a:effectRef>
+          <a:fontRef idx="minor">
+            <a:schemeClr val="dk1"/>
+          </a:fontRef>
+        </p:style>
+        <p:txBody>
+          <a:bodyPr rtlCol="0" anchor="ctr"/>
+          <a:lstStyle/>
+          <a:p>
+            <a:pPr algn="ctr"/>
+            <a:endParaRPr lang="en-US"/>
+          </a:p>
+        </p:txBody>
+      </p:sp>
+      <p:sp>
+        <p:nvSpPr>
+          <p:cNvPr id="4" name="Rounded Rectangle 3"/>
+          <p:cNvSpPr/>
+          <p:nvPr/>
+        </p:nvSpPr>
+        <p:spPr>
+          <a:xfrm>
+            <a:off x="1783080" y="1306830"/>
+            <a:ext cx="617220" cy="400050"/>
+          </a:xfrm>
+          <a:prstGeom prst="roundRect">
+            <a:avLst/>
+          </a:prstGeom>
+        </p:spPr>
+        <p:style>
+          <a:lnRef idx="1">
+            <a:schemeClr val="accent2"/>
+          </a:lnRef>
+          <a:fillRef idx="2">
+            <a:schemeClr val="accent2"/>
+          </a:fillRef>
+          <a:effectRef idx="1">
+            <a:schemeClr val="accent2"/>
+          </a:effectRef>
+          <a:fontRef idx="minor">
+            <a:schemeClr val="dk1"/>
+          </a:fontRef>
+        </p:style>
+        <p:txBody>
+          <a:bodyPr rtlCol="0" anchor="ctr"/>
+          <a:lstStyle/>
+          <a:p>
+            <a:pPr algn="ctr"/>
+            <a:r>
+              <a:rPr lang="en-US" dirty="0"/>
+              <a:t>Cn1</a:t>
+            </a:r>
+          </a:p>
+        </p:txBody>
+      </p:sp>
+      <p:sp>
+        <p:nvSpPr>
+          <p:cNvPr id="5" name="Rounded Rectangle 4"/>
+          <p:cNvSpPr/>
+          <p:nvPr/>
+        </p:nvSpPr>
+        <p:spPr>
+          <a:xfrm>
+            <a:off x="2602230" y="1306830"/>
+            <a:ext cx="617220" cy="400050"/>
+          </a:xfrm>
+          <a:prstGeom prst="roundRect">
+            <a:avLst/>
+          </a:prstGeom>
+        </p:spPr>
+        <p:style>
+          <a:lnRef idx="1">
+            <a:schemeClr val="accent2"/>
+          </a:lnRef>
+          <a:fillRef idx="2">
+            <a:schemeClr val="accent2"/>
+          </a:fillRef>
+          <a:effectRef idx="1">
+            <a:schemeClr val="accent2"/>
+          </a:effectRef>
+          <a:fontRef idx="minor">
+            <a:schemeClr val="dk1"/>
+          </a:fontRef>
+        </p:style>
+        <p:txBody>
+          <a:bodyPr rtlCol="0" anchor="ctr"/>
+          <a:lstStyle/>
+          <a:p>
+            <a:pPr algn="ctr"/>
+            <a:r>
+              <a:rPr lang="en-US" dirty="0" smtClean="0">
+                <a:solidFill>
+                  <a:schemeClr val="dk1"/>
+                </a:solidFill>
+              </a:rPr>
+              <a:t>Cn2</a:t>
+            </a:r>
+            <a:endParaRPr lang="en-US" dirty="0">
+              <a:solidFill>
+                <a:schemeClr val="dk1"/>
+              </a:solidFill>
+            </a:endParaRPr>
+          </a:p>
+        </p:txBody>
+      </p:sp>
+      <p:sp>
+        <p:nvSpPr>
+          <p:cNvPr id="6" name="Rounded Rectangle 5"/>
+          <p:cNvSpPr/>
+          <p:nvPr/>
+        </p:nvSpPr>
+        <p:spPr>
+          <a:xfrm>
+            <a:off x="544830" y="1878330"/>
+            <a:ext cx="617220" cy="400050"/>
+          </a:xfrm>
+          <a:prstGeom prst="roundRect">
+            <a:avLst/>
+          </a:prstGeom>
+        </p:spPr>
+        <p:style>
+          <a:lnRef idx="1">
+            <a:schemeClr val="accent1"/>
+          </a:lnRef>
+          <a:fillRef idx="2">
+            <a:schemeClr val="accent1"/>
+          </a:fillRef>
+          <a:effectRef idx="1">
+            <a:schemeClr val="accent1"/>
+          </a:effectRef>
+          <a:fontRef idx="minor">
+            <a:schemeClr val="dk1"/>
+          </a:fontRef>
+        </p:style>
+        <p:txBody>
+          <a:bodyPr rtlCol="0" anchor="ctr"/>
+          <a:lstStyle/>
+          <a:p>
+            <a:pPr algn="ctr"/>
+            <a:endParaRPr lang="en-US"/>
+          </a:p>
+        </p:txBody>
+      </p:sp>
+      <p:sp>
+        <p:nvSpPr>
+          <p:cNvPr id="7" name="Rounded Rectangle 6"/>
+          <p:cNvSpPr/>
+          <p:nvPr/>
+        </p:nvSpPr>
+        <p:spPr>
+          <a:xfrm>
+            <a:off x="127635" y="2449830"/>
+            <a:ext cx="617220" cy="400050"/>
+          </a:xfrm>
+          <a:prstGeom prst="roundRect">
+            <a:avLst/>
+          </a:prstGeom>
+        </p:spPr>
+        <p:style>
+          <a:lnRef idx="1">
+            <a:schemeClr val="accent4"/>
+          </a:lnRef>
+          <a:fillRef idx="2">
+            <a:schemeClr val="accent4"/>
+          </a:fillRef>
+          <a:effectRef idx="1">
+            <a:schemeClr val="accent4"/>
+          </a:effectRef>
+          <a:fontRef idx="minor">
+            <a:schemeClr val="dk1"/>
+          </a:fontRef>
+        </p:style>
+        <p:txBody>
+          <a:bodyPr rtlCol="0" anchor="ctr"/>
+          <a:lstStyle/>
+          <a:p>
+            <a:pPr algn="ctr"/>
+            <a:r>
+              <a:rPr lang="en-US" dirty="0" smtClean="0">
+                <a:solidFill>
+                  <a:schemeClr val="dk1"/>
+                </a:solidFill>
+              </a:rPr>
+              <a:t>Cn1</a:t>
+            </a:r>
+            <a:endParaRPr lang="en-US" dirty="0">
+              <a:solidFill>
+                <a:schemeClr val="dk1"/>
+              </a:solidFill>
+            </a:endParaRPr>
+          </a:p>
+        </p:txBody>
+      </p:sp>
+      <p:sp>
+        <p:nvSpPr>
+          <p:cNvPr id="8" name="Rounded Rectangle 7"/>
+          <p:cNvSpPr/>
+          <p:nvPr/>
+        </p:nvSpPr>
+        <p:spPr>
+          <a:xfrm>
+            <a:off x="952500" y="2449830"/>
+            <a:ext cx="617220" cy="400050"/>
+          </a:xfrm>
+          <a:prstGeom prst="roundRect">
+            <a:avLst/>
+          </a:prstGeom>
+        </p:spPr>
+        <p:style>
+          <a:lnRef idx="1">
+            <a:schemeClr val="accent4"/>
+          </a:lnRef>
+          <a:fillRef idx="2">
+            <a:schemeClr val="accent4"/>
+          </a:fillRef>
+          <a:effectRef idx="1">
+            <a:schemeClr val="accent4"/>
+          </a:effectRef>
+          <a:fontRef idx="minor">
+            <a:schemeClr val="dk1"/>
+          </a:fontRef>
+        </p:style>
+        <p:txBody>
+          <a:bodyPr rtlCol="0" anchor="ctr"/>
+          <a:lstStyle/>
+          <a:p>
+            <a:pPr algn="ctr"/>
+            <a:r>
+              <a:rPr lang="en-US" dirty="0" smtClean="0">
+                <a:solidFill>
+                  <a:schemeClr val="dk1"/>
+                </a:solidFill>
+              </a:rPr>
+              <a:t>Cn2</a:t>
+            </a:r>
+            <a:endParaRPr lang="en-US" dirty="0">
+              <a:solidFill>
+                <a:schemeClr val="dk1"/>
+              </a:solidFill>
+            </a:endParaRPr>
+          </a:p>
+        </p:txBody>
+      </p:sp>
+      <p:cxnSp>
+        <p:nvCxnSpPr>
+          <p:cNvPr id="10" name="Straight Arrow Connector 9"/>
+          <p:cNvCxnSpPr>
+            <a:stCxn id="2" idx="2"/>
+            <a:endCxn id="3" idx="0"/>
+          </p:cNvCxnSpPr>
+          <p:nvPr/>
+        </p:nvCxnSpPr>
+        <p:spPr>
+          <a:xfrm flipH="1">
+            <a:off x="1261110" y="1143000"/>
+            <a:ext cx="830580" cy="163830"/>
+          </a:xfrm>
+          <a:prstGeom prst="straightConnector1">
+            <a:avLst/>
+          </a:prstGeom>
+          <a:ln>
+            <a:tailEnd type="triangle"/>
+          </a:ln>
+        </p:spPr>
+        <p:style>
+          <a:lnRef idx="3">
+            <a:schemeClr val="dk1"/>
+          </a:lnRef>
+          <a:fillRef idx="0">
+            <a:schemeClr val="dk1"/>
+          </a:fillRef>
+          <a:effectRef idx="2">
+            <a:schemeClr val="dk1"/>
+          </a:effectRef>
+          <a:fontRef idx="minor">
+            <a:schemeClr val="tx1"/>
+          </a:fontRef>
+        </p:style>
+      </p:cxnSp>
+      <p:cxnSp>
+        <p:nvCxnSpPr>
+          <p:cNvPr id="11" name="Straight Arrow Connector 10"/>
+          <p:cNvCxnSpPr>
+            <a:stCxn id="2" idx="2"/>
+            <a:endCxn id="4" idx="0"/>
+          </p:cNvCxnSpPr>
+          <p:nvPr/>
+        </p:nvCxnSpPr>
+        <p:spPr>
+          <a:xfrm>
+            <a:off x="2091690" y="1143000"/>
+            <a:ext cx="0" cy="163830"/>
+          </a:xfrm>
+          <a:prstGeom prst="straightConnector1">
+            <a:avLst/>
+          </a:prstGeom>
+          <a:ln>
+            <a:tailEnd type="triangle"/>
+          </a:ln>
+        </p:spPr>
+        <p:style>
+          <a:lnRef idx="3">
+            <a:schemeClr val="dk1"/>
+          </a:lnRef>
+          <a:fillRef idx="0">
+            <a:schemeClr val="dk1"/>
+          </a:fillRef>
+          <a:effectRef idx="2">
+            <a:schemeClr val="dk1"/>
+          </a:effectRef>
+          <a:fontRef idx="minor">
+            <a:schemeClr val="tx1"/>
+          </a:fontRef>
+        </p:style>
+      </p:cxnSp>
+      <p:cxnSp>
+        <p:nvCxnSpPr>
+          <p:cNvPr id="14" name="Straight Arrow Connector 13"/>
+          <p:cNvCxnSpPr>
+            <a:stCxn id="2" idx="2"/>
+            <a:endCxn id="5" idx="0"/>
+          </p:cNvCxnSpPr>
+          <p:nvPr/>
+        </p:nvCxnSpPr>
+        <p:spPr>
+          <a:xfrm>
+            <a:off x="2091690" y="1143000"/>
+            <a:ext cx="819150" cy="163830"/>
+          </a:xfrm>
+          <a:prstGeom prst="straightConnector1">
+            <a:avLst/>
+          </a:prstGeom>
+          <a:ln>
+            <a:tailEnd type="triangle"/>
+          </a:ln>
+        </p:spPr>
+        <p:style>
+          <a:lnRef idx="3">
+            <a:schemeClr val="dk1"/>
+          </a:lnRef>
+          <a:fillRef idx="0">
+            <a:schemeClr val="dk1"/>
+          </a:fillRef>
+          <a:effectRef idx="2">
+            <a:schemeClr val="dk1"/>
+          </a:effectRef>
+          <a:fontRef idx="minor">
+            <a:schemeClr val="tx1"/>
+          </a:fontRef>
+        </p:style>
+      </p:cxnSp>
+      <p:cxnSp>
+        <p:nvCxnSpPr>
+          <p:cNvPr id="17" name="Straight Arrow Connector 16"/>
+          <p:cNvCxnSpPr>
+            <a:stCxn id="3" idx="2"/>
+            <a:endCxn id="6" idx="0"/>
+          </p:cNvCxnSpPr>
+          <p:nvPr/>
+        </p:nvCxnSpPr>
+        <p:spPr>
+          <a:xfrm flipH="1">
+            <a:off x="853440" y="1706880"/>
+            <a:ext cx="407670" cy="171450"/>
+          </a:xfrm>
+          <a:prstGeom prst="straightConnector1">
+            <a:avLst/>
+          </a:prstGeom>
+          <a:ln>
+            <a:tailEnd type="triangle"/>
+          </a:ln>
+        </p:spPr>
+        <p:style>
+          <a:lnRef idx="3">
+            <a:schemeClr val="dk1"/>
+          </a:lnRef>
+          <a:fillRef idx="0">
+            <a:schemeClr val="dk1"/>
+          </a:fillRef>
+          <a:effectRef idx="2">
+            <a:schemeClr val="dk1"/>
+          </a:effectRef>
+          <a:fontRef idx="minor">
+            <a:schemeClr val="tx1"/>
+          </a:fontRef>
+        </p:style>
+      </p:cxnSp>
+      <p:cxnSp>
+        <p:nvCxnSpPr>
+          <p:cNvPr id="20" name="Straight Arrow Connector 19"/>
+          <p:cNvCxnSpPr>
+            <a:stCxn id="6" idx="2"/>
+          </p:cNvCxnSpPr>
+          <p:nvPr/>
+        </p:nvCxnSpPr>
+        <p:spPr>
+          <a:xfrm flipH="1">
+            <a:off x="445770" y="2278380"/>
+            <a:ext cx="407670" cy="171450"/>
+          </a:xfrm>
+          <a:prstGeom prst="straightConnector1">
+            <a:avLst/>
+          </a:prstGeom>
+          <a:ln>
+            <a:tailEnd type="triangle"/>
+          </a:ln>
+        </p:spPr>
+        <p:style>
+          <a:lnRef idx="3">
+            <a:schemeClr val="dk1"/>
+          </a:lnRef>
+          <a:fillRef idx="0">
+            <a:schemeClr val="dk1"/>
+          </a:fillRef>
+          <a:effectRef idx="2">
+            <a:schemeClr val="dk1"/>
+          </a:effectRef>
+          <a:fontRef idx="minor">
+            <a:schemeClr val="tx1"/>
+          </a:fontRef>
+        </p:style>
+      </p:cxnSp>
+      <p:cxnSp>
+        <p:nvCxnSpPr>
+          <p:cNvPr id="23" name="Straight Arrow Connector 22"/>
+          <p:cNvCxnSpPr>
+            <a:stCxn id="6" idx="2"/>
+            <a:endCxn id="8" idx="0"/>
+          </p:cNvCxnSpPr>
+          <p:nvPr/>
+        </p:nvCxnSpPr>
+        <p:spPr>
+          <a:xfrm>
+            <a:off x="853440" y="2278380"/>
+            <a:ext cx="407670" cy="171450"/>
+          </a:xfrm>
+          <a:prstGeom prst="straightConnector1">
+            <a:avLst/>
+          </a:prstGeom>
+          <a:ln>
+            <a:tailEnd type="triangle"/>
+          </a:ln>
+        </p:spPr>
+        <p:style>
+          <a:lnRef idx="3">
+            <a:schemeClr val="dk1"/>
+          </a:lnRef>
+          <a:fillRef idx="0">
+            <a:schemeClr val="dk1"/>
+          </a:fillRef>
+          <a:effectRef idx="2">
+            <a:schemeClr val="dk1"/>
+          </a:effectRef>
+          <a:fontRef idx="minor">
+            <a:schemeClr val="tx1"/>
+          </a:fontRef>
+        </p:style>
+      </p:cxnSp>
+      <p:sp>
+        <p:nvSpPr>
+          <p:cNvPr id="26" name="Rounded Rectangle 25"/>
+          <p:cNvSpPr/>
+          <p:nvPr/>
+        </p:nvSpPr>
+        <p:spPr>
+          <a:xfrm>
+            <a:off x="3540034" y="3114176"/>
+            <a:ext cx="368323" cy="238728"/>
+          </a:xfrm>
+          <a:prstGeom prst="roundRect">
+            <a:avLst/>
+          </a:prstGeom>
+        </p:spPr>
+        <p:style>
+          <a:lnRef idx="1">
+            <a:schemeClr val="accent1"/>
+          </a:lnRef>
+          <a:fillRef idx="2">
+            <a:schemeClr val="accent1"/>
+          </a:fillRef>
+          <a:effectRef idx="1">
+            <a:schemeClr val="accent1"/>
+          </a:effectRef>
+          <a:fontRef idx="minor">
+            <a:schemeClr val="dk1"/>
+          </a:fontRef>
+        </p:style>
+        <p:txBody>
+          <a:bodyPr rtlCol="0" anchor="ctr"/>
+          <a:lstStyle/>
+          <a:p>
+            <a:pPr algn="ctr"/>
+            <a:endParaRPr lang="en-US" sz="800"/>
+          </a:p>
+        </p:txBody>
+      </p:sp>
+      <p:sp>
+        <p:nvSpPr>
+          <p:cNvPr id="27" name="Rounded Rectangle 26"/>
+          <p:cNvSpPr/>
+          <p:nvPr/>
+        </p:nvSpPr>
+        <p:spPr>
+          <a:xfrm>
+            <a:off x="3044390" y="3450669"/>
+            <a:ext cx="368323" cy="238728"/>
+          </a:xfrm>
+          <a:prstGeom prst="roundRect">
+            <a:avLst/>
+          </a:prstGeom>
+        </p:spPr>
+        <p:style>
+          <a:lnRef idx="1">
+            <a:schemeClr val="accent1"/>
+          </a:lnRef>
+          <a:fillRef idx="2">
+            <a:schemeClr val="accent1"/>
+          </a:fillRef>
+          <a:effectRef idx="1">
+            <a:schemeClr val="accent1"/>
+          </a:effectRef>
+          <a:fontRef idx="minor">
+            <a:schemeClr val="dk1"/>
+          </a:fontRef>
+        </p:style>
+        <p:txBody>
+          <a:bodyPr rtlCol="0" anchor="ctr"/>
+          <a:lstStyle/>
+          <a:p>
+            <a:pPr algn="ctr"/>
+            <a:endParaRPr lang="en-US" sz="800"/>
+          </a:p>
+        </p:txBody>
+      </p:sp>
+      <p:sp>
+        <p:nvSpPr>
+          <p:cNvPr id="28" name="Rounded Rectangle 27"/>
+          <p:cNvSpPr/>
+          <p:nvPr/>
+        </p:nvSpPr>
+        <p:spPr>
+          <a:xfrm>
+            <a:off x="3540034" y="3450669"/>
+            <a:ext cx="368323" cy="238728"/>
+          </a:xfrm>
+          <a:prstGeom prst="roundRect">
+            <a:avLst/>
+          </a:prstGeom>
+        </p:spPr>
+        <p:style>
+          <a:lnRef idx="1">
+            <a:schemeClr val="accent4"/>
+          </a:lnRef>
+          <a:fillRef idx="2">
+            <a:schemeClr val="accent4"/>
+          </a:fillRef>
+          <a:effectRef idx="1">
+            <a:schemeClr val="accent4"/>
+          </a:effectRef>
+          <a:fontRef idx="minor">
+            <a:schemeClr val="dk1"/>
+          </a:fontRef>
+        </p:style>
+        <p:txBody>
+          <a:bodyPr rtlCol="0" anchor="ctr"/>
+          <a:lstStyle/>
+          <a:p>
+            <a:pPr algn="ctr"/>
+            <a:r>
+              <a:rPr lang="en-US" sz="800" dirty="0"/>
+              <a:t>Cn1</a:t>
+            </a:r>
+          </a:p>
+        </p:txBody>
+      </p:sp>
+      <p:sp>
+        <p:nvSpPr>
+          <p:cNvPr id="29" name="Rounded Rectangle 28"/>
+          <p:cNvSpPr/>
+          <p:nvPr/>
+        </p:nvSpPr>
+        <p:spPr>
+          <a:xfrm>
+            <a:off x="4028858" y="3450669"/>
+            <a:ext cx="368323" cy="238728"/>
+          </a:xfrm>
+          <a:prstGeom prst="roundRect">
+            <a:avLst/>
+          </a:prstGeom>
+        </p:spPr>
+        <p:style>
+          <a:lnRef idx="1">
+            <a:schemeClr val="accent4"/>
+          </a:lnRef>
+          <a:fillRef idx="2">
+            <a:schemeClr val="accent4"/>
+          </a:fillRef>
+          <a:effectRef idx="1">
+            <a:schemeClr val="accent4"/>
+          </a:effectRef>
+          <a:fontRef idx="minor">
+            <a:schemeClr val="dk1"/>
+          </a:fontRef>
+        </p:style>
+        <p:txBody>
+          <a:bodyPr rtlCol="0" anchor="ctr"/>
+          <a:lstStyle/>
+          <a:p>
+            <a:pPr algn="ctr"/>
+            <a:r>
+              <a:rPr lang="en-US" sz="800" dirty="0" smtClean="0">
+                <a:solidFill>
+                  <a:schemeClr val="dk1"/>
+                </a:solidFill>
+              </a:rPr>
+              <a:t>Cn2</a:t>
+            </a:r>
+            <a:endParaRPr lang="en-US" sz="800" dirty="0">
+              <a:solidFill>
+                <a:schemeClr val="dk1"/>
+              </a:solidFill>
+            </a:endParaRPr>
+          </a:p>
+        </p:txBody>
+      </p:sp>
+      <p:sp>
+        <p:nvSpPr>
+          <p:cNvPr id="30" name="Rounded Rectangle 29"/>
+          <p:cNvSpPr/>
+          <p:nvPr/>
+        </p:nvSpPr>
+        <p:spPr>
+          <a:xfrm>
+            <a:off x="2801115" y="3791708"/>
+            <a:ext cx="368323" cy="238728"/>
+          </a:xfrm>
+          <a:prstGeom prst="roundRect">
+            <a:avLst/>
+          </a:prstGeom>
+        </p:spPr>
+        <p:style>
+          <a:lnRef idx="1">
+            <a:schemeClr val="accent1"/>
+          </a:lnRef>
+          <a:fillRef idx="2">
+            <a:schemeClr val="accent1"/>
+          </a:fillRef>
+          <a:effectRef idx="1">
+            <a:schemeClr val="accent1"/>
+          </a:effectRef>
+          <a:fontRef idx="minor">
+            <a:schemeClr val="dk1"/>
+          </a:fontRef>
+        </p:style>
+        <p:txBody>
+          <a:bodyPr rtlCol="0" anchor="ctr"/>
+          <a:lstStyle/>
+          <a:p>
+            <a:pPr algn="ctr"/>
+            <a:endParaRPr lang="en-US" sz="800"/>
+          </a:p>
+        </p:txBody>
+      </p:sp>
+      <p:sp>
+        <p:nvSpPr>
+          <p:cNvPr id="31" name="Rounded Rectangle 30"/>
+          <p:cNvSpPr/>
+          <p:nvPr/>
+        </p:nvSpPr>
+        <p:spPr>
+          <a:xfrm>
+            <a:off x="2552156" y="4132748"/>
+            <a:ext cx="368323" cy="238728"/>
+          </a:xfrm>
+          <a:prstGeom prst="roundRect">
+            <a:avLst/>
+          </a:prstGeom>
+        </p:spPr>
+        <p:style>
+          <a:lnRef idx="1">
+            <a:schemeClr val="accent4"/>
+          </a:lnRef>
+          <a:fillRef idx="2">
+            <a:schemeClr val="accent4"/>
+          </a:fillRef>
+          <a:effectRef idx="1">
+            <a:schemeClr val="accent4"/>
+          </a:effectRef>
+          <a:fontRef idx="minor">
+            <a:schemeClr val="dk1"/>
+          </a:fontRef>
+        </p:style>
+        <p:txBody>
+          <a:bodyPr rtlCol="0" anchor="ctr"/>
+          <a:lstStyle/>
+          <a:p>
+            <a:pPr algn="ctr"/>
+            <a:r>
+              <a:rPr lang="en-US" sz="800" dirty="0" smtClean="0">
+                <a:solidFill>
+                  <a:schemeClr val="dk1"/>
+                </a:solidFill>
+              </a:rPr>
+              <a:t>Cn1</a:t>
+            </a:r>
+            <a:endParaRPr lang="en-US" sz="800" dirty="0">
+              <a:solidFill>
+                <a:schemeClr val="dk1"/>
+              </a:solidFill>
+            </a:endParaRPr>
+          </a:p>
+        </p:txBody>
+      </p:sp>
+      <p:sp>
+        <p:nvSpPr>
+          <p:cNvPr id="32" name="Rounded Rectangle 31"/>
+          <p:cNvSpPr/>
+          <p:nvPr/>
+        </p:nvSpPr>
+        <p:spPr>
+          <a:xfrm>
+            <a:off x="3044390" y="4132748"/>
+            <a:ext cx="368323" cy="238728"/>
+          </a:xfrm>
+          <a:prstGeom prst="roundRect">
+            <a:avLst/>
+          </a:prstGeom>
+        </p:spPr>
+        <p:style>
+          <a:lnRef idx="1">
+            <a:schemeClr val="accent4"/>
+          </a:lnRef>
+          <a:fillRef idx="2">
+            <a:schemeClr val="accent4"/>
+          </a:fillRef>
+          <a:effectRef idx="1">
+            <a:schemeClr val="accent4"/>
+          </a:effectRef>
+          <a:fontRef idx="minor">
+            <a:schemeClr val="dk1"/>
+          </a:fontRef>
+        </p:style>
+        <p:txBody>
+          <a:bodyPr rtlCol="0" anchor="ctr"/>
+          <a:lstStyle/>
+          <a:p>
+            <a:pPr algn="ctr"/>
+            <a:r>
+              <a:rPr lang="en-US" sz="800" dirty="0" smtClean="0">
+                <a:solidFill>
+                  <a:schemeClr val="dk1"/>
+                </a:solidFill>
+              </a:rPr>
+              <a:t>Cn2</a:t>
+            </a:r>
+            <a:endParaRPr lang="en-US" sz="800" dirty="0">
+              <a:solidFill>
+                <a:schemeClr val="dk1"/>
+              </a:solidFill>
+            </a:endParaRPr>
+          </a:p>
+        </p:txBody>
+      </p:sp>
+      <p:cxnSp>
+        <p:nvCxnSpPr>
+          <p:cNvPr id="33" name="Straight Arrow Connector 32"/>
+          <p:cNvCxnSpPr>
+            <a:stCxn id="26" idx="2"/>
+            <a:endCxn id="27" idx="0"/>
+          </p:cNvCxnSpPr>
+          <p:nvPr/>
+        </p:nvCxnSpPr>
+        <p:spPr>
+          <a:xfrm flipH="1">
+            <a:off x="3228551" y="3352904"/>
+            <a:ext cx="495644" cy="97765"/>
+          </a:xfrm>
+          <a:prstGeom prst="straightConnector1">
+            <a:avLst/>
+          </a:prstGeom>
+          <a:ln>
+            <a:tailEnd type="triangle"/>
+          </a:ln>
+        </p:spPr>
+        <p:style>
+          <a:lnRef idx="3">
+            <a:schemeClr val="dk1"/>
+          </a:lnRef>
+          <a:fillRef idx="0">
+            <a:schemeClr val="dk1"/>
+          </a:fillRef>
+          <a:effectRef idx="2">
+            <a:schemeClr val="dk1"/>
+          </a:effectRef>
+          <a:fontRef idx="minor">
+            <a:schemeClr val="tx1"/>
+          </a:fontRef>
+        </p:style>
+      </p:cxnSp>
+      <p:cxnSp>
+        <p:nvCxnSpPr>
+          <p:cNvPr id="34" name="Straight Arrow Connector 33"/>
+          <p:cNvCxnSpPr>
+            <a:stCxn id="26" idx="2"/>
+            <a:endCxn id="28" idx="0"/>
+          </p:cNvCxnSpPr>
+          <p:nvPr/>
+        </p:nvCxnSpPr>
+        <p:spPr>
+          <a:xfrm>
+            <a:off x="3724196" y="3352904"/>
+            <a:ext cx="0" cy="97765"/>
+          </a:xfrm>
+          <a:prstGeom prst="straightConnector1">
+            <a:avLst/>
+          </a:prstGeom>
+          <a:ln>
+            <a:tailEnd type="triangle"/>
+          </a:ln>
+        </p:spPr>
+        <p:style>
+          <a:lnRef idx="3">
+            <a:schemeClr val="dk1"/>
+          </a:lnRef>
+          <a:fillRef idx="0">
+            <a:schemeClr val="dk1"/>
+          </a:fillRef>
+          <a:effectRef idx="2">
+            <a:schemeClr val="dk1"/>
+          </a:effectRef>
+          <a:fontRef idx="minor">
+            <a:schemeClr val="tx1"/>
+          </a:fontRef>
+        </p:style>
+      </p:cxnSp>
+      <p:cxnSp>
+        <p:nvCxnSpPr>
+          <p:cNvPr id="35" name="Straight Arrow Connector 34"/>
+          <p:cNvCxnSpPr>
+            <a:stCxn id="26" idx="2"/>
+            <a:endCxn id="29" idx="0"/>
+          </p:cNvCxnSpPr>
+          <p:nvPr/>
+        </p:nvCxnSpPr>
+        <p:spPr>
+          <a:xfrm>
+            <a:off x="3724196" y="3352904"/>
+            <a:ext cx="488824" cy="97765"/>
+          </a:xfrm>
+          <a:prstGeom prst="straightConnector1">
+            <a:avLst/>
+          </a:prstGeom>
+          <a:ln>
+            <a:tailEnd type="triangle"/>
+          </a:ln>
+        </p:spPr>
+        <p:style>
+          <a:lnRef idx="3">
+            <a:schemeClr val="dk1"/>
+          </a:lnRef>
+          <a:fillRef idx="0">
+            <a:schemeClr val="dk1"/>
+          </a:fillRef>
+          <a:effectRef idx="2">
+            <a:schemeClr val="dk1"/>
+          </a:effectRef>
+          <a:fontRef idx="minor">
+            <a:schemeClr val="tx1"/>
+          </a:fontRef>
+        </p:style>
+      </p:cxnSp>
+      <p:cxnSp>
+        <p:nvCxnSpPr>
+          <p:cNvPr id="36" name="Straight Arrow Connector 35"/>
+          <p:cNvCxnSpPr>
+            <a:stCxn id="27" idx="2"/>
+            <a:endCxn id="30" idx="0"/>
+          </p:cNvCxnSpPr>
+          <p:nvPr/>
+        </p:nvCxnSpPr>
+        <p:spPr>
+          <a:xfrm flipH="1">
+            <a:off x="2985276" y="3689396"/>
+            <a:ext cx="243275" cy="102312"/>
+          </a:xfrm>
+          <a:prstGeom prst="straightConnector1">
+            <a:avLst/>
+          </a:prstGeom>
+          <a:ln>
+            <a:tailEnd type="triangle"/>
+          </a:ln>
+        </p:spPr>
+        <p:style>
+          <a:lnRef idx="3">
+            <a:schemeClr val="dk1"/>
+          </a:lnRef>
+          <a:fillRef idx="0">
+            <a:schemeClr val="dk1"/>
+          </a:fillRef>
+          <a:effectRef idx="2">
+            <a:schemeClr val="dk1"/>
+          </a:effectRef>
+          <a:fontRef idx="minor">
+            <a:schemeClr val="tx1"/>
+          </a:fontRef>
+        </p:style>
+      </p:cxnSp>
+      <p:cxnSp>
+        <p:nvCxnSpPr>
+          <p:cNvPr id="37" name="Straight Arrow Connector 36"/>
+          <p:cNvCxnSpPr>
+            <a:stCxn id="30" idx="2"/>
+          </p:cNvCxnSpPr>
+          <p:nvPr/>
+        </p:nvCxnSpPr>
+        <p:spPr>
+          <a:xfrm flipH="1">
+            <a:off x="2742001" y="4030436"/>
+            <a:ext cx="243275" cy="102312"/>
+          </a:xfrm>
+          <a:prstGeom prst="straightConnector1">
+            <a:avLst/>
+          </a:prstGeom>
+          <a:ln>
+            <a:tailEnd type="triangle"/>
+          </a:ln>
+        </p:spPr>
+        <p:style>
+          <a:lnRef idx="3">
+            <a:schemeClr val="dk1"/>
+          </a:lnRef>
+          <a:fillRef idx="0">
+            <a:schemeClr val="dk1"/>
+          </a:fillRef>
+          <a:effectRef idx="2">
+            <a:schemeClr val="dk1"/>
+          </a:effectRef>
+          <a:fontRef idx="minor">
+            <a:schemeClr val="tx1"/>
+          </a:fontRef>
+        </p:style>
+      </p:cxnSp>
+      <p:cxnSp>
+        <p:nvCxnSpPr>
+          <p:cNvPr id="38" name="Straight Arrow Connector 37"/>
+          <p:cNvCxnSpPr>
+            <a:stCxn id="30" idx="2"/>
+            <a:endCxn id="32" idx="0"/>
+          </p:cNvCxnSpPr>
+          <p:nvPr/>
+        </p:nvCxnSpPr>
+        <p:spPr>
+          <a:xfrm>
+            <a:off x="2985276" y="4030436"/>
+            <a:ext cx="243275" cy="102312"/>
+          </a:xfrm>
+          <a:prstGeom prst="straightConnector1">
+            <a:avLst/>
+          </a:prstGeom>
+          <a:ln>
+            <a:tailEnd type="triangle"/>
+          </a:ln>
+        </p:spPr>
+        <p:style>
+          <a:lnRef idx="3">
+            <a:schemeClr val="dk1"/>
+          </a:lnRef>
+          <a:fillRef idx="0">
+            <a:schemeClr val="dk1"/>
+          </a:fillRef>
+          <a:effectRef idx="2">
+            <a:schemeClr val="dk1"/>
+          </a:effectRef>
+          <a:fontRef idx="minor">
+            <a:schemeClr val="tx1"/>
+          </a:fontRef>
+        </p:style>
+      </p:cxnSp>
+      <p:sp>
+        <p:nvSpPr>
+          <p:cNvPr id="40" name="Rounded Rectangle 39"/>
+          <p:cNvSpPr/>
+          <p:nvPr/>
+        </p:nvSpPr>
+        <p:spPr>
+          <a:xfrm>
+            <a:off x="4159015" y="742950"/>
+            <a:ext cx="803522" cy="400050"/>
+          </a:xfrm>
+          <a:prstGeom prst="roundRect">
+            <a:avLst/>
+          </a:prstGeom>
+        </p:spPr>
+        <p:style>
+          <a:lnRef idx="1">
+            <a:schemeClr val="accent1"/>
+          </a:lnRef>
+          <a:fillRef idx="2">
+            <a:schemeClr val="accent1"/>
+          </a:fillRef>
+          <a:effectRef idx="1">
+            <a:schemeClr val="accent1"/>
+          </a:effectRef>
+          <a:fontRef idx="minor">
+            <a:schemeClr val="dk1"/>
+          </a:fontRef>
+        </p:style>
+        <p:txBody>
+          <a:bodyPr rtlCol="0" anchor="ctr"/>
+          <a:lstStyle/>
+          <a:p>
+            <a:pPr algn="ctr"/>
+            <a:r>
+              <a:rPr lang="en-US" dirty="0" smtClean="0"/>
+              <a:t>Root2</a:t>
+            </a:r>
+            <a:endParaRPr lang="en-US" dirty="0"/>
+          </a:p>
+        </p:txBody>
+      </p:sp>
+      <p:sp>
+        <p:nvSpPr>
+          <p:cNvPr id="41" name="Rounded Rectangle 40"/>
+          <p:cNvSpPr/>
+          <p:nvPr/>
+        </p:nvSpPr>
+        <p:spPr>
+          <a:xfrm>
+            <a:off x="3429231" y="1318305"/>
+            <a:ext cx="617220" cy="400050"/>
+          </a:xfrm>
+          <a:prstGeom prst="roundRect">
+            <a:avLst/>
+          </a:prstGeom>
+        </p:spPr>
+        <p:style>
+          <a:lnRef idx="1">
+            <a:schemeClr val="accent1"/>
+          </a:lnRef>
+          <a:fillRef idx="2">
+            <a:schemeClr val="accent1"/>
+          </a:fillRef>
+          <a:effectRef idx="1">
+            <a:schemeClr val="accent1"/>
+          </a:effectRef>
+          <a:fontRef idx="minor">
+            <a:schemeClr val="dk1"/>
+          </a:fontRef>
+        </p:style>
+        <p:txBody>
+          <a:bodyPr rtlCol="0" anchor="ctr"/>
+          <a:lstStyle/>
+          <a:p>
+            <a:pPr algn="ctr"/>
+            <a:endParaRPr lang="en-US"/>
+          </a:p>
+        </p:txBody>
+      </p:sp>
+      <p:sp>
+        <p:nvSpPr>
+          <p:cNvPr id="42" name="Rounded Rectangle 41"/>
+          <p:cNvSpPr/>
+          <p:nvPr/>
+        </p:nvSpPr>
+        <p:spPr>
+          <a:xfrm>
+            <a:off x="4252166" y="1955226"/>
+            <a:ext cx="617220" cy="400050"/>
+          </a:xfrm>
+          <a:prstGeom prst="roundRect">
+            <a:avLst/>
+          </a:prstGeom>
+        </p:spPr>
+        <p:style>
+          <a:lnRef idx="1">
+            <a:schemeClr val="accent4"/>
+          </a:lnRef>
+          <a:fillRef idx="2">
+            <a:schemeClr val="accent4"/>
+          </a:fillRef>
+          <a:effectRef idx="1">
+            <a:schemeClr val="accent4"/>
+          </a:effectRef>
+          <a:fontRef idx="minor">
+            <a:schemeClr val="dk1"/>
+          </a:fontRef>
+        </p:style>
+        <p:txBody>
+          <a:bodyPr rtlCol="0" anchor="ctr"/>
+          <a:lstStyle/>
+          <a:p>
+            <a:pPr algn="ctr"/>
+            <a:r>
+              <a:rPr lang="en-US" dirty="0"/>
+              <a:t>Cn1</a:t>
+            </a:r>
+          </a:p>
+        </p:txBody>
+      </p:sp>
+      <p:sp>
+        <p:nvSpPr>
+          <p:cNvPr id="43" name="Rounded Rectangle 42"/>
+          <p:cNvSpPr/>
+          <p:nvPr/>
+        </p:nvSpPr>
+        <p:spPr>
+          <a:xfrm>
+            <a:off x="5078961" y="1318305"/>
+            <a:ext cx="617220" cy="400050"/>
+          </a:xfrm>
+          <a:prstGeom prst="roundRect">
+            <a:avLst/>
+          </a:prstGeom>
+        </p:spPr>
+        <p:style>
+          <a:lnRef idx="1">
+            <a:schemeClr val="accent2"/>
+          </a:lnRef>
+          <a:fillRef idx="2">
+            <a:schemeClr val="accent2"/>
+          </a:fillRef>
+          <a:effectRef idx="1">
+            <a:schemeClr val="accent2"/>
+          </a:effectRef>
+          <a:fontRef idx="minor">
+            <a:schemeClr val="dk1"/>
+          </a:fontRef>
+        </p:style>
+        <p:txBody>
+          <a:bodyPr rtlCol="0" anchor="ctr"/>
+          <a:lstStyle/>
+          <a:p>
+            <a:pPr algn="ctr"/>
+            <a:r>
+              <a:rPr lang="en-US" dirty="0" smtClean="0">
+                <a:solidFill>
+                  <a:schemeClr val="dk1"/>
+                </a:solidFill>
+              </a:rPr>
+              <a:t>Cn2</a:t>
+            </a:r>
+            <a:endParaRPr lang="en-US" dirty="0">
+              <a:solidFill>
+                <a:schemeClr val="dk1"/>
+              </a:solidFill>
+            </a:endParaRPr>
+          </a:p>
+        </p:txBody>
+      </p:sp>
+      <p:cxnSp>
+        <p:nvCxnSpPr>
+          <p:cNvPr id="47" name="Straight Arrow Connector 46"/>
+          <p:cNvCxnSpPr>
+            <a:stCxn id="40" idx="2"/>
+            <a:endCxn id="41" idx="0"/>
+          </p:cNvCxnSpPr>
+          <p:nvPr/>
+        </p:nvCxnSpPr>
+        <p:spPr>
+          <a:xfrm flipH="1">
+            <a:off x="3737841" y="1143000"/>
+            <a:ext cx="822935" cy="175305"/>
+          </a:xfrm>
+          <a:prstGeom prst="straightConnector1">
+            <a:avLst/>
+          </a:prstGeom>
+          <a:ln>
+            <a:tailEnd type="triangle"/>
+          </a:ln>
+        </p:spPr>
+        <p:style>
+          <a:lnRef idx="3">
+            <a:schemeClr val="dk1"/>
+          </a:lnRef>
+          <a:fillRef idx="0">
+            <a:schemeClr val="dk1"/>
+          </a:fillRef>
+          <a:effectRef idx="2">
+            <a:schemeClr val="dk1"/>
+          </a:effectRef>
+          <a:fontRef idx="minor">
+            <a:schemeClr val="tx1"/>
+          </a:fontRef>
+        </p:style>
+      </p:cxnSp>
+      <p:cxnSp>
+        <p:nvCxnSpPr>
+          <p:cNvPr id="48" name="Straight Arrow Connector 47"/>
+          <p:cNvCxnSpPr>
+            <a:stCxn id="54" idx="2"/>
+            <a:endCxn id="42" idx="0"/>
+          </p:cNvCxnSpPr>
+          <p:nvPr/>
+        </p:nvCxnSpPr>
+        <p:spPr>
+          <a:xfrm flipH="1">
+            <a:off x="4560776" y="1718355"/>
+            <a:ext cx="4198" cy="236871"/>
+          </a:xfrm>
+          <a:prstGeom prst="straightConnector1">
+            <a:avLst/>
+          </a:prstGeom>
+          <a:ln>
+            <a:tailEnd type="triangle"/>
+          </a:ln>
+        </p:spPr>
+        <p:style>
+          <a:lnRef idx="3">
+            <a:schemeClr val="dk1"/>
+          </a:lnRef>
+          <a:fillRef idx="0">
+            <a:schemeClr val="dk1"/>
+          </a:fillRef>
+          <a:effectRef idx="2">
+            <a:schemeClr val="dk1"/>
+          </a:effectRef>
+          <a:fontRef idx="minor">
+            <a:schemeClr val="tx1"/>
+          </a:fontRef>
+        </p:style>
+      </p:cxnSp>
+      <p:cxnSp>
+        <p:nvCxnSpPr>
+          <p:cNvPr id="49" name="Straight Arrow Connector 48"/>
+          <p:cNvCxnSpPr>
+            <a:stCxn id="40" idx="2"/>
+            <a:endCxn id="43" idx="0"/>
+          </p:cNvCxnSpPr>
+          <p:nvPr/>
+        </p:nvCxnSpPr>
+        <p:spPr>
+          <a:xfrm>
+            <a:off x="4560776" y="1143000"/>
+            <a:ext cx="826795" cy="175305"/>
+          </a:xfrm>
+          <a:prstGeom prst="straightConnector1">
+            <a:avLst/>
+          </a:prstGeom>
+          <a:ln>
+            <a:tailEnd type="triangle"/>
+          </a:ln>
+        </p:spPr>
+        <p:style>
+          <a:lnRef idx="3">
+            <a:schemeClr val="dk1"/>
+          </a:lnRef>
+          <a:fillRef idx="0">
+            <a:schemeClr val="dk1"/>
+          </a:fillRef>
+          <a:effectRef idx="2">
+            <a:schemeClr val="dk1"/>
+          </a:effectRef>
+          <a:fontRef idx="minor">
+            <a:schemeClr val="tx1"/>
+          </a:fontRef>
+        </p:style>
+      </p:cxnSp>
+      <p:sp>
+        <p:nvSpPr>
+          <p:cNvPr id="54" name="Rounded Rectangle 53"/>
+          <p:cNvSpPr/>
+          <p:nvPr/>
+        </p:nvSpPr>
+        <p:spPr>
+          <a:xfrm>
+            <a:off x="4256364" y="1318305"/>
+            <a:ext cx="617220" cy="400050"/>
+          </a:xfrm>
+          <a:prstGeom prst="roundRect">
+            <a:avLst/>
+          </a:prstGeom>
+        </p:spPr>
+        <p:style>
+          <a:lnRef idx="1">
+            <a:schemeClr val="accent1"/>
+          </a:lnRef>
+          <a:fillRef idx="2">
+            <a:schemeClr val="accent1"/>
+          </a:fillRef>
+          <a:effectRef idx="1">
+            <a:schemeClr val="accent1"/>
+          </a:effectRef>
+          <a:fontRef idx="minor">
+            <a:schemeClr val="dk1"/>
+          </a:fontRef>
+        </p:style>
+        <p:txBody>
+          <a:bodyPr rtlCol="0" anchor="ctr"/>
+          <a:lstStyle/>
+          <a:p>
+            <a:pPr algn="ctr"/>
+            <a:endParaRPr lang="en-US"/>
+          </a:p>
+        </p:txBody>
+      </p:sp>
+      <p:cxnSp>
+        <p:nvCxnSpPr>
+          <p:cNvPr id="57" name="Straight Arrow Connector 56"/>
+          <p:cNvCxnSpPr>
+            <a:stCxn id="40" idx="2"/>
+            <a:endCxn id="54" idx="0"/>
+          </p:cNvCxnSpPr>
+          <p:nvPr/>
+        </p:nvCxnSpPr>
+        <p:spPr>
+          <a:xfrm>
+            <a:off x="4560776" y="1143000"/>
+            <a:ext cx="4198" cy="175305"/>
+          </a:xfrm>
+          <a:prstGeom prst="straightConnector1">
+            <a:avLst/>
+          </a:prstGeom>
+          <a:ln>
+            <a:tailEnd type="triangle"/>
+          </a:ln>
+        </p:spPr>
+        <p:style>
+          <a:lnRef idx="3">
+            <a:schemeClr val="dk1"/>
+          </a:lnRef>
+          <a:fillRef idx="0">
+            <a:schemeClr val="dk1"/>
+          </a:fillRef>
+          <a:effectRef idx="2">
+            <a:schemeClr val="dk1"/>
+          </a:effectRef>
+          <a:fontRef idx="minor">
+            <a:schemeClr val="tx1"/>
+          </a:fontRef>
+        </p:style>
+      </p:cxnSp>
+      <p:sp>
+        <p:nvSpPr>
+          <p:cNvPr id="72" name="Rounded Rectangle 71"/>
+          <p:cNvSpPr/>
+          <p:nvPr/>
+        </p:nvSpPr>
+        <p:spPr>
+          <a:xfrm>
+            <a:off x="3419387" y="2596109"/>
+            <a:ext cx="617220" cy="400050"/>
+          </a:xfrm>
+          <a:prstGeom prst="roundRect">
+            <a:avLst/>
+          </a:prstGeom>
+        </p:spPr>
+        <p:style>
+          <a:lnRef idx="1">
+            <a:schemeClr val="accent1"/>
+          </a:lnRef>
+          <a:fillRef idx="2">
+            <a:schemeClr val="accent1"/>
+          </a:fillRef>
+          <a:effectRef idx="1">
+            <a:schemeClr val="accent1"/>
+          </a:effectRef>
+          <a:fontRef idx="minor">
+            <a:schemeClr val="dk1"/>
+          </a:fontRef>
+        </p:style>
+        <p:txBody>
+          <a:bodyPr rtlCol="0" anchor="ctr"/>
+          <a:lstStyle/>
+          <a:p>
+            <a:pPr algn="ctr"/>
+            <a:r>
+              <a:rPr lang="en-US" dirty="0" smtClean="0"/>
+              <a:t>Jar1</a:t>
+            </a:r>
+            <a:endParaRPr lang="en-US" dirty="0"/>
+          </a:p>
+        </p:txBody>
+      </p:sp>
+      <p:cxnSp>
+        <p:nvCxnSpPr>
+          <p:cNvPr id="73" name="Straight Arrow Connector 72"/>
+          <p:cNvCxnSpPr>
+            <a:stCxn id="72" idx="2"/>
+            <a:endCxn id="26" idx="0"/>
+          </p:cNvCxnSpPr>
+          <p:nvPr/>
+        </p:nvCxnSpPr>
+        <p:spPr>
+          <a:xfrm flipH="1">
+            <a:off x="3724196" y="2996159"/>
+            <a:ext cx="3801" cy="118017"/>
+          </a:xfrm>
+          <a:prstGeom prst="straightConnector1">
+            <a:avLst/>
+          </a:prstGeom>
+          <a:ln>
+            <a:tailEnd type="triangle"/>
+          </a:ln>
+        </p:spPr>
+        <p:style>
+          <a:lnRef idx="3">
+            <a:schemeClr val="dk1"/>
+          </a:lnRef>
+          <a:fillRef idx="0">
+            <a:schemeClr val="dk1"/>
+          </a:fillRef>
+          <a:effectRef idx="2">
+            <a:schemeClr val="dk1"/>
+          </a:effectRef>
+          <a:fontRef idx="minor">
+            <a:schemeClr val="tx1"/>
+          </a:fontRef>
+        </p:style>
+      </p:cxnSp>
+      <p:cxnSp>
+        <p:nvCxnSpPr>
+          <p:cNvPr id="76" name="Straight Arrow Connector 75"/>
+          <p:cNvCxnSpPr>
+            <a:stCxn id="41" idx="2"/>
+            <a:endCxn id="72" idx="0"/>
+          </p:cNvCxnSpPr>
+          <p:nvPr/>
+        </p:nvCxnSpPr>
+        <p:spPr>
+          <a:xfrm flipH="1">
+            <a:off x="3727997" y="1718355"/>
+            <a:ext cx="9844" cy="877754"/>
+          </a:xfrm>
+          <a:prstGeom prst="straightConnector1">
+            <a:avLst/>
+          </a:prstGeom>
+          <a:ln>
+            <a:tailEnd type="triangle"/>
+          </a:ln>
+        </p:spPr>
+        <p:style>
+          <a:lnRef idx="3">
+            <a:schemeClr val="dk1"/>
+          </a:lnRef>
+          <a:fillRef idx="0">
+            <a:schemeClr val="dk1"/>
+          </a:fillRef>
+          <a:effectRef idx="2">
+            <a:schemeClr val="dk1"/>
+          </a:effectRef>
+          <a:fontRef idx="minor">
+            <a:schemeClr val="tx1"/>
+          </a:fontRef>
+        </p:style>
+      </p:cxnSp>
+      <p:sp>
+        <p:nvSpPr>
+          <p:cNvPr id="79" name="Rectangle 78"/>
+          <p:cNvSpPr/>
+          <p:nvPr/>
+        </p:nvSpPr>
+        <p:spPr>
+          <a:xfrm>
+            <a:off x="2552156" y="2563358"/>
+            <a:ext cx="1845025" cy="1851660"/>
+          </a:xfrm>
+          <a:prstGeom prst="rect">
+            <a:avLst/>
+          </a:prstGeom>
+          <a:noFill/>
+        </p:spPr>
+        <p:style>
+          <a:lnRef idx="2">
+            <a:schemeClr val="accent1">
+              <a:shade val="50000"/>
+            </a:schemeClr>
+          </a:lnRef>
+          <a:fillRef idx="1">
+            <a:schemeClr val="accent1"/>
+          </a:fillRef>
+          <a:effectRef idx="0">
+            <a:schemeClr val="accent1"/>
+          </a:effectRef>
+          <a:fontRef idx="minor">
+            <a:schemeClr val="lt1"/>
+          </a:fontRef>
+        </p:style>
+        <p:txBody>
+          <a:bodyPr rtlCol="0" anchor="ctr"/>
+          <a:lstStyle/>
+          <a:p>
+            <a:pPr algn="ctr"/>
+            <a:endParaRPr lang="en-US"/>
+          </a:p>
+        </p:txBody>
+      </p:sp>
+      <p:sp>
+        <p:nvSpPr>
+          <p:cNvPr id="82" name="Rounded Rectangle 81"/>
+          <p:cNvSpPr/>
+          <p:nvPr/>
+        </p:nvSpPr>
+        <p:spPr>
+          <a:xfrm>
+            <a:off x="3599389" y="4090018"/>
+            <a:ext cx="368323" cy="238728"/>
+          </a:xfrm>
+          <a:prstGeom prst="roundRect">
+            <a:avLst/>
+          </a:prstGeom>
+        </p:spPr>
+        <p:style>
+          <a:lnRef idx="1">
+            <a:schemeClr val="accent1"/>
+          </a:lnRef>
+          <a:fillRef idx="2">
+            <a:schemeClr val="accent1"/>
+          </a:fillRef>
+          <a:effectRef idx="1">
+            <a:schemeClr val="accent1"/>
+          </a:effectRef>
+          <a:fontRef idx="minor">
+            <a:schemeClr val="dk1"/>
+          </a:fontRef>
+        </p:style>
+        <p:txBody>
+          <a:bodyPr rtlCol="0" anchor="ctr"/>
+          <a:lstStyle/>
+          <a:p>
+            <a:pPr algn="ctr"/>
+            <a:r>
+              <a:rPr lang="en-US" sz="800" dirty="0" smtClean="0"/>
+              <a:t>Jar2</a:t>
+            </a:r>
+            <a:endParaRPr lang="en-US" sz="800" dirty="0"/>
+          </a:p>
+        </p:txBody>
+      </p:sp>
+      <p:cxnSp>
+        <p:nvCxnSpPr>
+          <p:cNvPr id="83" name="Straight Arrow Connector 82"/>
+          <p:cNvCxnSpPr>
+            <a:stCxn id="27" idx="2"/>
+            <a:endCxn id="82" idx="0"/>
+          </p:cNvCxnSpPr>
+          <p:nvPr/>
+        </p:nvCxnSpPr>
+        <p:spPr>
+          <a:xfrm>
+            <a:off x="3228552" y="3689397"/>
+            <a:ext cx="554999" cy="400621"/>
+          </a:xfrm>
+          <a:prstGeom prst="straightConnector1">
+            <a:avLst/>
+          </a:prstGeom>
+          <a:ln>
+            <a:tailEnd type="triangle"/>
+          </a:ln>
+        </p:spPr>
+        <p:style>
+          <a:lnRef idx="3">
+            <a:schemeClr val="dk1"/>
+          </a:lnRef>
+          <a:fillRef idx="0">
+            <a:schemeClr val="dk1"/>
+          </a:fillRef>
+          <a:effectRef idx="2">
+            <a:schemeClr val="dk1"/>
+          </a:effectRef>
+          <a:fontRef idx="minor">
+            <a:schemeClr val="tx1"/>
+          </a:fontRef>
+        </p:style>
+      </p:cxnSp>
+      <p:sp>
+        <p:nvSpPr>
+          <p:cNvPr id="86" name="Rounded Rectangle 85"/>
+          <p:cNvSpPr/>
+          <p:nvPr/>
+        </p:nvSpPr>
+        <p:spPr>
+          <a:xfrm>
+            <a:off x="3581973" y="5194365"/>
+            <a:ext cx="368323" cy="238728"/>
+          </a:xfrm>
+          <a:prstGeom prst="roundRect">
+            <a:avLst/>
+          </a:prstGeom>
+        </p:spPr>
+        <p:style>
+          <a:lnRef idx="1">
+            <a:schemeClr val="accent1"/>
+          </a:lnRef>
+          <a:fillRef idx="2">
+            <a:schemeClr val="accent1"/>
+          </a:fillRef>
+          <a:effectRef idx="1">
+            <a:schemeClr val="accent1"/>
+          </a:effectRef>
+          <a:fontRef idx="minor">
+            <a:schemeClr val="dk1"/>
+          </a:fontRef>
+        </p:style>
+        <p:txBody>
+          <a:bodyPr rtlCol="0" anchor="ctr"/>
+          <a:lstStyle/>
+          <a:p>
+            <a:pPr algn="ctr"/>
+            <a:endParaRPr lang="en-US" sz="800"/>
+          </a:p>
+        </p:txBody>
+      </p:sp>
+      <p:sp>
+        <p:nvSpPr>
+          <p:cNvPr id="89" name="Rounded Rectangle 88"/>
+          <p:cNvSpPr/>
+          <p:nvPr/>
+        </p:nvSpPr>
+        <p:spPr>
+          <a:xfrm>
+            <a:off x="3950296" y="5671546"/>
+            <a:ext cx="368323" cy="238728"/>
+          </a:xfrm>
+          <a:prstGeom prst="roundRect">
+            <a:avLst/>
+          </a:prstGeom>
+        </p:spPr>
+        <p:style>
+          <a:lnRef idx="1">
+            <a:schemeClr val="accent2"/>
+          </a:lnRef>
+          <a:fillRef idx="2">
+            <a:schemeClr val="accent2"/>
+          </a:fillRef>
+          <a:effectRef idx="1">
+            <a:schemeClr val="accent2"/>
+          </a:effectRef>
+          <a:fontRef idx="minor">
+            <a:schemeClr val="dk1"/>
+          </a:fontRef>
+        </p:style>
+        <p:txBody>
+          <a:bodyPr rtlCol="0" anchor="ctr"/>
+          <a:lstStyle/>
+          <a:p>
+            <a:pPr algn="ctr"/>
+            <a:r>
+              <a:rPr lang="en-US" sz="800" dirty="0" smtClean="0">
+                <a:solidFill>
+                  <a:schemeClr val="dk1"/>
+                </a:solidFill>
+              </a:rPr>
+              <a:t>Cn2</a:t>
+            </a:r>
+            <a:endParaRPr lang="en-US" sz="800" dirty="0">
+              <a:solidFill>
+                <a:schemeClr val="dk1"/>
+              </a:solidFill>
+            </a:endParaRPr>
+          </a:p>
+        </p:txBody>
+      </p:sp>
+      <p:sp>
+        <p:nvSpPr>
+          <p:cNvPr id="90" name="Rounded Rectangle 89"/>
+          <p:cNvSpPr/>
+          <p:nvPr/>
+        </p:nvSpPr>
+        <p:spPr>
+          <a:xfrm>
+            <a:off x="2843054" y="5871897"/>
+            <a:ext cx="368323" cy="238728"/>
+          </a:xfrm>
+          <a:prstGeom prst="roundRect">
+            <a:avLst/>
+          </a:prstGeom>
+        </p:spPr>
+        <p:style>
+          <a:lnRef idx="1">
+            <a:schemeClr val="accent1"/>
+          </a:lnRef>
+          <a:fillRef idx="2">
+            <a:schemeClr val="accent1"/>
+          </a:fillRef>
+          <a:effectRef idx="1">
+            <a:schemeClr val="accent1"/>
+          </a:effectRef>
+          <a:fontRef idx="minor">
+            <a:schemeClr val="dk1"/>
+          </a:fontRef>
+        </p:style>
+        <p:txBody>
+          <a:bodyPr rtlCol="0" anchor="ctr"/>
+          <a:lstStyle/>
+          <a:p>
+            <a:pPr algn="ctr"/>
+            <a:endParaRPr lang="en-US" sz="800"/>
+          </a:p>
+        </p:txBody>
+      </p:sp>
+      <p:sp>
+        <p:nvSpPr>
+          <p:cNvPr id="91" name="Rounded Rectangle 90"/>
+          <p:cNvSpPr/>
+          <p:nvPr/>
+        </p:nvSpPr>
+        <p:spPr>
+          <a:xfrm>
+            <a:off x="2594095" y="6212937"/>
+            <a:ext cx="368323" cy="238728"/>
+          </a:xfrm>
+          <a:prstGeom prst="roundRect">
+            <a:avLst/>
+          </a:prstGeom>
+        </p:spPr>
+        <p:style>
+          <a:lnRef idx="1">
+            <a:schemeClr val="accent4"/>
+          </a:lnRef>
+          <a:fillRef idx="2">
+            <a:schemeClr val="accent4"/>
+          </a:fillRef>
+          <a:effectRef idx="1">
+            <a:schemeClr val="accent4"/>
+          </a:effectRef>
+          <a:fontRef idx="minor">
+            <a:schemeClr val="dk1"/>
+          </a:fontRef>
+        </p:style>
+        <p:txBody>
+          <a:bodyPr rtlCol="0" anchor="ctr"/>
+          <a:lstStyle/>
+          <a:p>
+            <a:pPr algn="ctr"/>
+            <a:r>
+              <a:rPr lang="en-US" sz="800" dirty="0" smtClean="0">
+                <a:solidFill>
+                  <a:schemeClr val="dk1"/>
+                </a:solidFill>
+              </a:rPr>
+              <a:t>Cn1</a:t>
+            </a:r>
+            <a:endParaRPr lang="en-US" sz="800" dirty="0">
+              <a:solidFill>
+                <a:schemeClr val="dk1"/>
+              </a:solidFill>
+            </a:endParaRPr>
+          </a:p>
+        </p:txBody>
+      </p:sp>
+      <p:sp>
+        <p:nvSpPr>
+          <p:cNvPr id="92" name="Rounded Rectangle 91"/>
+          <p:cNvSpPr/>
+          <p:nvPr/>
+        </p:nvSpPr>
+        <p:spPr>
+          <a:xfrm>
+            <a:off x="3086329" y="6212937"/>
+            <a:ext cx="368323" cy="238728"/>
+          </a:xfrm>
+          <a:prstGeom prst="roundRect">
+            <a:avLst/>
+          </a:prstGeom>
+        </p:spPr>
+        <p:style>
+          <a:lnRef idx="1">
+            <a:schemeClr val="accent4"/>
+          </a:lnRef>
+          <a:fillRef idx="2">
+            <a:schemeClr val="accent4"/>
+          </a:fillRef>
+          <a:effectRef idx="1">
+            <a:schemeClr val="accent4"/>
+          </a:effectRef>
+          <a:fontRef idx="minor">
+            <a:schemeClr val="dk1"/>
+          </a:fontRef>
+        </p:style>
+        <p:txBody>
+          <a:bodyPr rtlCol="0" anchor="ctr"/>
+          <a:lstStyle/>
+          <a:p>
+            <a:pPr algn="ctr"/>
+            <a:r>
+              <a:rPr lang="en-US" sz="800" dirty="0" smtClean="0">
+                <a:solidFill>
+                  <a:schemeClr val="dk1"/>
+                </a:solidFill>
+              </a:rPr>
+              <a:t>Cn2</a:t>
+            </a:r>
+            <a:endParaRPr lang="en-US" sz="800" dirty="0">
+              <a:solidFill>
+                <a:schemeClr val="dk1"/>
+              </a:solidFill>
+            </a:endParaRPr>
+          </a:p>
+        </p:txBody>
+      </p:sp>
+      <p:cxnSp>
+        <p:nvCxnSpPr>
+          <p:cNvPr id="95" name="Straight Arrow Connector 94"/>
+          <p:cNvCxnSpPr>
+            <a:stCxn id="86" idx="2"/>
+            <a:endCxn id="89" idx="0"/>
+          </p:cNvCxnSpPr>
+          <p:nvPr/>
+        </p:nvCxnSpPr>
+        <p:spPr>
+          <a:xfrm>
+            <a:off x="3766135" y="5433093"/>
+            <a:ext cx="368323" cy="238453"/>
+          </a:xfrm>
+          <a:prstGeom prst="straightConnector1">
+            <a:avLst/>
+          </a:prstGeom>
+          <a:ln>
+            <a:tailEnd type="triangle"/>
+          </a:ln>
+        </p:spPr>
+        <p:style>
+          <a:lnRef idx="3">
+            <a:schemeClr val="dk1"/>
+          </a:lnRef>
+          <a:fillRef idx="0">
+            <a:schemeClr val="dk1"/>
+          </a:fillRef>
+          <a:effectRef idx="2">
+            <a:schemeClr val="dk1"/>
+          </a:effectRef>
+          <a:fontRef idx="minor">
+            <a:schemeClr val="tx1"/>
+          </a:fontRef>
+        </p:style>
+      </p:cxnSp>
+      <p:cxnSp>
+        <p:nvCxnSpPr>
+          <p:cNvPr id="96" name="Straight Arrow Connector 95"/>
+          <p:cNvCxnSpPr>
+            <a:stCxn id="86" idx="2"/>
+            <a:endCxn id="90" idx="0"/>
+          </p:cNvCxnSpPr>
+          <p:nvPr/>
+        </p:nvCxnSpPr>
+        <p:spPr>
+          <a:xfrm flipH="1">
+            <a:off x="3027216" y="5433093"/>
+            <a:ext cx="738919" cy="438804"/>
+          </a:xfrm>
+          <a:prstGeom prst="straightConnector1">
+            <a:avLst/>
+          </a:prstGeom>
+          <a:ln>
+            <a:tailEnd type="triangle"/>
+          </a:ln>
+        </p:spPr>
+        <p:style>
+          <a:lnRef idx="3">
+            <a:schemeClr val="dk1"/>
+          </a:lnRef>
+          <a:fillRef idx="0">
+            <a:schemeClr val="dk1"/>
+          </a:fillRef>
+          <a:effectRef idx="2">
+            <a:schemeClr val="dk1"/>
+          </a:effectRef>
+          <a:fontRef idx="minor">
+            <a:schemeClr val="tx1"/>
+          </a:fontRef>
+        </p:style>
+      </p:cxnSp>
+      <p:cxnSp>
+        <p:nvCxnSpPr>
+          <p:cNvPr id="97" name="Straight Arrow Connector 96"/>
+          <p:cNvCxnSpPr>
+            <a:stCxn id="90" idx="2"/>
+          </p:cNvCxnSpPr>
+          <p:nvPr/>
+        </p:nvCxnSpPr>
+        <p:spPr>
+          <a:xfrm flipH="1">
+            <a:off x="2783940" y="6110625"/>
+            <a:ext cx="243275" cy="102312"/>
+          </a:xfrm>
+          <a:prstGeom prst="straightConnector1">
+            <a:avLst/>
+          </a:prstGeom>
+          <a:ln>
+            <a:tailEnd type="triangle"/>
+          </a:ln>
+        </p:spPr>
+        <p:style>
+          <a:lnRef idx="3">
+            <a:schemeClr val="dk1"/>
+          </a:lnRef>
+          <a:fillRef idx="0">
+            <a:schemeClr val="dk1"/>
+          </a:fillRef>
+          <a:effectRef idx="2">
+            <a:schemeClr val="dk1"/>
+          </a:effectRef>
+          <a:fontRef idx="minor">
+            <a:schemeClr val="tx1"/>
+          </a:fontRef>
+        </p:style>
+      </p:cxnSp>
+      <p:cxnSp>
+        <p:nvCxnSpPr>
+          <p:cNvPr id="98" name="Straight Arrow Connector 97"/>
+          <p:cNvCxnSpPr>
+            <a:stCxn id="90" idx="2"/>
+            <a:endCxn id="92" idx="0"/>
+          </p:cNvCxnSpPr>
+          <p:nvPr/>
+        </p:nvCxnSpPr>
+        <p:spPr>
+          <a:xfrm>
+            <a:off x="3027215" y="6110625"/>
+            <a:ext cx="243275" cy="102312"/>
+          </a:xfrm>
+          <a:prstGeom prst="straightConnector1">
+            <a:avLst/>
+          </a:prstGeom>
+          <a:ln>
+            <a:tailEnd type="triangle"/>
+          </a:ln>
+        </p:spPr>
+        <p:style>
+          <a:lnRef idx="3">
+            <a:schemeClr val="dk1"/>
+          </a:lnRef>
+          <a:fillRef idx="0">
+            <a:schemeClr val="dk1"/>
+          </a:fillRef>
+          <a:effectRef idx="2">
+            <a:schemeClr val="dk1"/>
+          </a:effectRef>
+          <a:fontRef idx="minor">
+            <a:schemeClr val="tx1"/>
+          </a:fontRef>
+        </p:style>
+      </p:cxnSp>
+      <p:sp>
+        <p:nvSpPr>
+          <p:cNvPr id="99" name="Rounded Rectangle 98"/>
+          <p:cNvSpPr/>
+          <p:nvPr/>
+        </p:nvSpPr>
+        <p:spPr>
+          <a:xfrm>
+            <a:off x="3461326" y="4676298"/>
+            <a:ext cx="617220" cy="400050"/>
+          </a:xfrm>
+          <a:prstGeom prst="roundRect">
+            <a:avLst/>
+          </a:prstGeom>
+        </p:spPr>
+        <p:style>
+          <a:lnRef idx="1">
+            <a:schemeClr val="accent1"/>
+          </a:lnRef>
+          <a:fillRef idx="2">
+            <a:schemeClr val="accent1"/>
+          </a:fillRef>
+          <a:effectRef idx="1">
+            <a:schemeClr val="accent1"/>
+          </a:effectRef>
+          <a:fontRef idx="minor">
+            <a:schemeClr val="dk1"/>
+          </a:fontRef>
+        </p:style>
+        <p:txBody>
+          <a:bodyPr rtlCol="0" anchor="ctr"/>
+          <a:lstStyle/>
+          <a:p>
+            <a:pPr algn="ctr"/>
+            <a:r>
+              <a:rPr lang="en-US" dirty="0" smtClean="0"/>
+              <a:t>Jar2</a:t>
+            </a:r>
+            <a:endParaRPr lang="en-US" dirty="0"/>
+          </a:p>
+        </p:txBody>
+      </p:sp>
+      <p:cxnSp>
+        <p:nvCxnSpPr>
+          <p:cNvPr id="100" name="Straight Arrow Connector 99"/>
+          <p:cNvCxnSpPr>
+            <a:stCxn id="99" idx="2"/>
+            <a:endCxn id="86" idx="0"/>
+          </p:cNvCxnSpPr>
+          <p:nvPr/>
+        </p:nvCxnSpPr>
+        <p:spPr>
+          <a:xfrm flipH="1">
+            <a:off x="3766135" y="5076348"/>
+            <a:ext cx="3801" cy="118017"/>
+          </a:xfrm>
+          <a:prstGeom prst="straightConnector1">
+            <a:avLst/>
+          </a:prstGeom>
+          <a:ln>
+            <a:tailEnd type="triangle"/>
+          </a:ln>
+        </p:spPr>
+        <p:style>
+          <a:lnRef idx="3">
+            <a:schemeClr val="dk1"/>
+          </a:lnRef>
+          <a:fillRef idx="0">
+            <a:schemeClr val="dk1"/>
+          </a:fillRef>
+          <a:effectRef idx="2">
+            <a:schemeClr val="dk1"/>
+          </a:effectRef>
+          <a:fontRef idx="minor">
+            <a:schemeClr val="tx1"/>
+          </a:fontRef>
+        </p:style>
+      </p:cxnSp>
+      <p:sp>
+        <p:nvSpPr>
+          <p:cNvPr id="101" name="Rectangle 100"/>
+          <p:cNvSpPr/>
+          <p:nvPr/>
+        </p:nvSpPr>
+        <p:spPr>
+          <a:xfrm>
+            <a:off x="2594095" y="4643547"/>
+            <a:ext cx="1845025" cy="1851660"/>
+          </a:xfrm>
+          <a:prstGeom prst="rect">
+            <a:avLst/>
+          </a:prstGeom>
+          <a:noFill/>
+        </p:spPr>
+        <p:style>
+          <a:lnRef idx="2">
+            <a:schemeClr val="accent1">
+              <a:shade val="50000"/>
+            </a:schemeClr>
+          </a:lnRef>
+          <a:fillRef idx="1">
+            <a:schemeClr val="accent1"/>
+          </a:fillRef>
+          <a:effectRef idx="0">
+            <a:schemeClr val="accent1"/>
+          </a:effectRef>
+          <a:fontRef idx="minor">
+            <a:schemeClr val="lt1"/>
+          </a:fontRef>
+        </p:style>
+        <p:txBody>
+          <a:bodyPr rtlCol="0" anchor="ctr"/>
+          <a:lstStyle/>
+          <a:p>
+            <a:pPr algn="ctr"/>
+            <a:endParaRPr lang="en-US"/>
+          </a:p>
+        </p:txBody>
+      </p:sp>
+      <p:cxnSp>
+        <p:nvCxnSpPr>
+          <p:cNvPr id="104" name="Straight Arrow Connector 103"/>
+          <p:cNvCxnSpPr>
+            <a:stCxn id="82" idx="2"/>
+          </p:cNvCxnSpPr>
+          <p:nvPr/>
+        </p:nvCxnSpPr>
+        <p:spPr>
+          <a:xfrm flipH="1">
+            <a:off x="3766135" y="4328746"/>
+            <a:ext cx="17416" cy="325000"/>
+          </a:xfrm>
+          <a:prstGeom prst="straightConnector1">
+            <a:avLst/>
+          </a:prstGeom>
+          <a:ln>
+            <a:tailEnd type="triangle"/>
+          </a:ln>
+        </p:spPr>
+        <p:style>
+          <a:lnRef idx="3">
+            <a:schemeClr val="dk1"/>
+          </a:lnRef>
+          <a:fillRef idx="0">
+            <a:schemeClr val="dk1"/>
+          </a:fillRef>
+          <a:effectRef idx="2">
+            <a:schemeClr val="dk1"/>
+          </a:effectRef>
+          <a:fontRef idx="minor">
+            <a:schemeClr val="tx1"/>
+          </a:fontRef>
+        </p:style>
+      </p:cxnSp>
+    </p:spTree>
+    <p:extLst>
+      <p:ext uri="{BB962C8B-B14F-4D97-AF65-F5344CB8AC3E}">
+        <p14:creationId xmlns:p14="http://schemas.microsoft.com/office/powerpoint/2010/main" val="565888106"/>
+      </p:ext>
+    </p:extLst>
+  </p:cSld>
+  <p:clrMapOvr>
+    <a:masterClrMapping/>
+  </p:clrMapOvr>
+  <p:timing>
+    <p:tnLst>
+      <p:par>
+        <p:cTn id="1" dur="indefinite" restart="never" nodeType="tmRoot"/>
+      </p:par>
+    </p:tnLst>
+  </p:timing>
 </p:sld>
 </file>
 

--- a/uima-docbook-v3-users-guide/src/image-source/source.pptx
+++ b/uima-docbook-v3-users-guide/src/image-source/source.pptx
@@ -912,753 +912,6 @@
 </file>
 
 <file path=ppt/diagrams/colors2.xml><?xml version="1.0" encoding="utf-8"?>
-<dgm:colorsDef xmlns:dgm="http://schemas.openxmlformats.org/drawingml/2006/diagram" xmlns:a="http://schemas.openxmlformats.org/drawingml/2006/main" uniqueId="urn:microsoft.com/office/officeart/2005/8/colors/accent1_2">
-  <dgm:title val=""/>
-  <dgm:desc val=""/>
-  <dgm:catLst>
-    <dgm:cat type="accent1" pri="11200"/>
-  </dgm:catLst>
-  <dgm:styleLbl name="node0">
-    <dgm:fillClrLst meth="repeat">
-      <a:schemeClr val="accent1"/>
-    </dgm:fillClrLst>
-    <dgm:linClrLst meth="repeat">
-      <a:schemeClr val="lt1"/>
-    </dgm:linClrLst>
-    <dgm:effectClrLst/>
-    <dgm:txLinClrLst/>
-    <dgm:txFillClrLst/>
-    <dgm:txEffectClrLst/>
-  </dgm:styleLbl>
-  <dgm:styleLbl name="alignNode1">
-    <dgm:fillClrLst meth="repeat">
-      <a:schemeClr val="accent1"/>
-    </dgm:fillClrLst>
-    <dgm:linClrLst meth="repeat">
-      <a:schemeClr val="accent1"/>
-    </dgm:linClrLst>
-    <dgm:effectClrLst/>
-    <dgm:txLinClrLst/>
-    <dgm:txFillClrLst/>
-    <dgm:txEffectClrLst/>
-  </dgm:styleLbl>
-  <dgm:styleLbl name="node1">
-    <dgm:fillClrLst meth="repeat">
-      <a:schemeClr val="accent1"/>
-    </dgm:fillClrLst>
-    <dgm:linClrLst meth="repeat">
-      <a:schemeClr val="lt1"/>
-    </dgm:linClrLst>
-    <dgm:effectClrLst/>
-    <dgm:txLinClrLst/>
-    <dgm:txFillClrLst/>
-    <dgm:txEffectClrLst/>
-  </dgm:styleLbl>
-  <dgm:styleLbl name="lnNode1">
-    <dgm:fillClrLst meth="repeat">
-      <a:schemeClr val="accent1"/>
-    </dgm:fillClrLst>
-    <dgm:linClrLst meth="repeat">
-      <a:schemeClr val="lt1"/>
-    </dgm:linClrLst>
-    <dgm:effectClrLst/>
-    <dgm:txLinClrLst/>
-    <dgm:txFillClrLst/>
-    <dgm:txEffectClrLst/>
-  </dgm:styleLbl>
-  <dgm:styleLbl name="vennNode1">
-    <dgm:fillClrLst meth="repeat">
-      <a:schemeClr val="accent1">
-        <a:alpha val="50000"/>
-      </a:schemeClr>
-    </dgm:fillClrLst>
-    <dgm:linClrLst meth="repeat">
-      <a:schemeClr val="lt1"/>
-    </dgm:linClrLst>
-    <dgm:effectClrLst/>
-    <dgm:txLinClrLst/>
-    <dgm:txFillClrLst/>
-    <dgm:txEffectClrLst/>
-  </dgm:styleLbl>
-  <dgm:styleLbl name="node2">
-    <dgm:fillClrLst meth="repeat">
-      <a:schemeClr val="accent1"/>
-    </dgm:fillClrLst>
-    <dgm:linClrLst meth="repeat">
-      <a:schemeClr val="lt1"/>
-    </dgm:linClrLst>
-    <dgm:effectClrLst/>
-    <dgm:txLinClrLst/>
-    <dgm:txFillClrLst/>
-    <dgm:txEffectClrLst/>
-  </dgm:styleLbl>
-  <dgm:styleLbl name="node3">
-    <dgm:fillClrLst meth="repeat">
-      <a:schemeClr val="accent1"/>
-    </dgm:fillClrLst>
-    <dgm:linClrLst meth="repeat">
-      <a:schemeClr val="lt1"/>
-    </dgm:linClrLst>
-    <dgm:effectClrLst/>
-    <dgm:txLinClrLst/>
-    <dgm:txFillClrLst/>
-    <dgm:txEffectClrLst/>
-  </dgm:styleLbl>
-  <dgm:styleLbl name="node4">
-    <dgm:fillClrLst meth="repeat">
-      <a:schemeClr val="accent1"/>
-    </dgm:fillClrLst>
-    <dgm:linClrLst meth="repeat">
-      <a:schemeClr val="lt1"/>
-    </dgm:linClrLst>
-    <dgm:effectClrLst/>
-    <dgm:txLinClrLst/>
-    <dgm:txFillClrLst/>
-    <dgm:txEffectClrLst/>
-  </dgm:styleLbl>
-  <dgm:styleLbl name="fgImgPlace1">
-    <dgm:fillClrLst meth="repeat">
-      <a:schemeClr val="accent1">
-        <a:tint val="50000"/>
-      </a:schemeClr>
-    </dgm:fillClrLst>
-    <dgm:linClrLst meth="repeat">
-      <a:schemeClr val="lt1"/>
-    </dgm:linClrLst>
-    <dgm:effectClrLst/>
-    <dgm:txLinClrLst/>
-    <dgm:txFillClrLst meth="repeat">
-      <a:schemeClr val="lt1"/>
-    </dgm:txFillClrLst>
-    <dgm:txEffectClrLst/>
-  </dgm:styleLbl>
-  <dgm:styleLbl name="alignImgPlace1">
-    <dgm:fillClrLst meth="repeat">
-      <a:schemeClr val="accent1">
-        <a:tint val="50000"/>
-      </a:schemeClr>
-    </dgm:fillClrLst>
-    <dgm:linClrLst meth="repeat">
-      <a:schemeClr val="lt1"/>
-    </dgm:linClrLst>
-    <dgm:effectClrLst/>
-    <dgm:txLinClrLst/>
-    <dgm:txFillClrLst meth="repeat">
-      <a:schemeClr val="lt1"/>
-    </dgm:txFillClrLst>
-    <dgm:txEffectClrLst/>
-  </dgm:styleLbl>
-  <dgm:styleLbl name="bgImgPlace1">
-    <dgm:fillClrLst meth="repeat">
-      <a:schemeClr val="accent1">
-        <a:tint val="50000"/>
-      </a:schemeClr>
-    </dgm:fillClrLst>
-    <dgm:linClrLst meth="repeat">
-      <a:schemeClr val="lt1"/>
-    </dgm:linClrLst>
-    <dgm:effectClrLst/>
-    <dgm:txLinClrLst/>
-    <dgm:txFillClrLst meth="repeat">
-      <a:schemeClr val="lt1"/>
-    </dgm:txFillClrLst>
-    <dgm:txEffectClrLst/>
-  </dgm:styleLbl>
-  <dgm:styleLbl name="sibTrans2D1">
-    <dgm:fillClrLst meth="repeat">
-      <a:schemeClr val="accent1">
-        <a:tint val="60000"/>
-      </a:schemeClr>
-    </dgm:fillClrLst>
-    <dgm:linClrLst meth="repeat">
-      <a:schemeClr val="accent1">
-        <a:tint val="60000"/>
-      </a:schemeClr>
-    </dgm:linClrLst>
-    <dgm:effectClrLst/>
-    <dgm:txLinClrLst/>
-    <dgm:txFillClrLst/>
-    <dgm:txEffectClrLst/>
-  </dgm:styleLbl>
-  <dgm:styleLbl name="fgSibTrans2D1">
-    <dgm:fillClrLst meth="repeat">
-      <a:schemeClr val="accent1">
-        <a:tint val="60000"/>
-      </a:schemeClr>
-    </dgm:fillClrLst>
-    <dgm:linClrLst meth="repeat">
-      <a:schemeClr val="accent1">
-        <a:tint val="60000"/>
-      </a:schemeClr>
-    </dgm:linClrLst>
-    <dgm:effectClrLst/>
-    <dgm:txLinClrLst/>
-    <dgm:txFillClrLst/>
-    <dgm:txEffectClrLst/>
-  </dgm:styleLbl>
-  <dgm:styleLbl name="bgSibTrans2D1">
-    <dgm:fillClrLst meth="repeat">
-      <a:schemeClr val="accent1">
-        <a:tint val="60000"/>
-      </a:schemeClr>
-    </dgm:fillClrLst>
-    <dgm:linClrLst meth="repeat">
-      <a:schemeClr val="accent1">
-        <a:tint val="60000"/>
-      </a:schemeClr>
-    </dgm:linClrLst>
-    <dgm:effectClrLst/>
-    <dgm:txLinClrLst/>
-    <dgm:txFillClrLst/>
-    <dgm:txEffectClrLst/>
-  </dgm:styleLbl>
-  <dgm:styleLbl name="sibTrans1D1">
-    <dgm:fillClrLst meth="repeat">
-      <a:schemeClr val="accent1"/>
-    </dgm:fillClrLst>
-    <dgm:linClrLst meth="repeat">
-      <a:schemeClr val="accent1"/>
-    </dgm:linClrLst>
-    <dgm:effectClrLst/>
-    <dgm:txLinClrLst/>
-    <dgm:txFillClrLst meth="repeat">
-      <a:schemeClr val="tx1"/>
-    </dgm:txFillClrLst>
-    <dgm:txEffectClrLst/>
-  </dgm:styleLbl>
-  <dgm:styleLbl name="callout">
-    <dgm:fillClrLst meth="repeat">
-      <a:schemeClr val="accent1"/>
-    </dgm:fillClrLst>
-    <dgm:linClrLst meth="repeat">
-      <a:schemeClr val="accent1">
-        <a:tint val="50000"/>
-      </a:schemeClr>
-    </dgm:linClrLst>
-    <dgm:effectClrLst/>
-    <dgm:txLinClrLst/>
-    <dgm:txFillClrLst meth="repeat">
-      <a:schemeClr val="tx1"/>
-    </dgm:txFillClrLst>
-    <dgm:txEffectClrLst/>
-  </dgm:styleLbl>
-  <dgm:styleLbl name="asst0">
-    <dgm:fillClrLst meth="repeat">
-      <a:schemeClr val="accent1"/>
-    </dgm:fillClrLst>
-    <dgm:linClrLst meth="repeat">
-      <a:schemeClr val="lt1"/>
-    </dgm:linClrLst>
-    <dgm:effectClrLst/>
-    <dgm:txLinClrLst/>
-    <dgm:txFillClrLst/>
-    <dgm:txEffectClrLst/>
-  </dgm:styleLbl>
-  <dgm:styleLbl name="asst1">
-    <dgm:fillClrLst meth="repeat">
-      <a:schemeClr val="accent1"/>
-    </dgm:fillClrLst>
-    <dgm:linClrLst meth="repeat">
-      <a:schemeClr val="lt1"/>
-    </dgm:linClrLst>
-    <dgm:effectClrLst/>
-    <dgm:txLinClrLst/>
-    <dgm:txFillClrLst/>
-    <dgm:txEffectClrLst/>
-  </dgm:styleLbl>
-  <dgm:styleLbl name="asst2">
-    <dgm:fillClrLst meth="repeat">
-      <a:schemeClr val="accent1"/>
-    </dgm:fillClrLst>
-    <dgm:linClrLst meth="repeat">
-      <a:schemeClr val="lt1"/>
-    </dgm:linClrLst>
-    <dgm:effectClrLst/>
-    <dgm:txLinClrLst/>
-    <dgm:txFillClrLst/>
-    <dgm:txEffectClrLst/>
-  </dgm:styleLbl>
-  <dgm:styleLbl name="asst3">
-    <dgm:fillClrLst meth="repeat">
-      <a:schemeClr val="accent1"/>
-    </dgm:fillClrLst>
-    <dgm:linClrLst meth="repeat">
-      <a:schemeClr val="lt1"/>
-    </dgm:linClrLst>
-    <dgm:effectClrLst/>
-    <dgm:txLinClrLst/>
-    <dgm:txFillClrLst/>
-    <dgm:txEffectClrLst/>
-  </dgm:styleLbl>
-  <dgm:styleLbl name="asst4">
-    <dgm:fillClrLst meth="repeat">
-      <a:schemeClr val="accent1"/>
-    </dgm:fillClrLst>
-    <dgm:linClrLst meth="repeat">
-      <a:schemeClr val="lt1"/>
-    </dgm:linClrLst>
-    <dgm:effectClrLst/>
-    <dgm:txLinClrLst/>
-    <dgm:txFillClrLst/>
-    <dgm:txEffectClrLst/>
-  </dgm:styleLbl>
-  <dgm:styleLbl name="parChTrans2D1">
-    <dgm:fillClrLst meth="repeat">
-      <a:schemeClr val="accent1">
-        <a:tint val="60000"/>
-      </a:schemeClr>
-    </dgm:fillClrLst>
-    <dgm:linClrLst meth="repeat">
-      <a:schemeClr val="accent1">
-        <a:tint val="60000"/>
-      </a:schemeClr>
-    </dgm:linClrLst>
-    <dgm:effectClrLst/>
-    <dgm:txLinClrLst/>
-    <dgm:txFillClrLst meth="repeat">
-      <a:schemeClr val="lt1"/>
-    </dgm:txFillClrLst>
-    <dgm:txEffectClrLst/>
-  </dgm:styleLbl>
-  <dgm:styleLbl name="parChTrans2D2">
-    <dgm:fillClrLst meth="repeat">
-      <a:schemeClr val="accent1"/>
-    </dgm:fillClrLst>
-    <dgm:linClrLst meth="repeat">
-      <a:schemeClr val="accent1"/>
-    </dgm:linClrLst>
-    <dgm:effectClrLst/>
-    <dgm:txLinClrLst/>
-    <dgm:txFillClrLst meth="repeat">
-      <a:schemeClr val="lt1"/>
-    </dgm:txFillClrLst>
-    <dgm:txEffectClrLst/>
-  </dgm:styleLbl>
-  <dgm:styleLbl name="parChTrans2D3">
-    <dgm:fillClrLst meth="repeat">
-      <a:schemeClr val="accent1"/>
-    </dgm:fillClrLst>
-    <dgm:linClrLst meth="repeat">
-      <a:schemeClr val="accent1"/>
-    </dgm:linClrLst>
-    <dgm:effectClrLst/>
-    <dgm:txLinClrLst/>
-    <dgm:txFillClrLst meth="repeat">
-      <a:schemeClr val="lt1"/>
-    </dgm:txFillClrLst>
-    <dgm:txEffectClrLst/>
-  </dgm:styleLbl>
-  <dgm:styleLbl name="parChTrans2D4">
-    <dgm:fillClrLst meth="repeat">
-      <a:schemeClr val="accent1"/>
-    </dgm:fillClrLst>
-    <dgm:linClrLst meth="repeat">
-      <a:schemeClr val="accent1"/>
-    </dgm:linClrLst>
-    <dgm:effectClrLst/>
-    <dgm:txLinClrLst/>
-    <dgm:txFillClrLst meth="repeat">
-      <a:schemeClr val="lt1"/>
-    </dgm:txFillClrLst>
-    <dgm:txEffectClrLst/>
-  </dgm:styleLbl>
-  <dgm:styleLbl name="parChTrans1D1">
-    <dgm:fillClrLst meth="repeat">
-      <a:schemeClr val="accent1"/>
-    </dgm:fillClrLst>
-    <dgm:linClrLst meth="repeat">
-      <a:schemeClr val="accent1">
-        <a:shade val="60000"/>
-      </a:schemeClr>
-    </dgm:linClrLst>
-    <dgm:effectClrLst/>
-    <dgm:txLinClrLst/>
-    <dgm:txFillClrLst meth="repeat">
-      <a:schemeClr val="tx1"/>
-    </dgm:txFillClrLst>
-    <dgm:txEffectClrLst/>
-  </dgm:styleLbl>
-  <dgm:styleLbl name="parChTrans1D2">
-    <dgm:fillClrLst meth="repeat">
-      <a:schemeClr val="accent1"/>
-    </dgm:fillClrLst>
-    <dgm:linClrLst meth="repeat">
-      <a:schemeClr val="accent1">
-        <a:shade val="60000"/>
-      </a:schemeClr>
-    </dgm:linClrLst>
-    <dgm:effectClrLst/>
-    <dgm:txLinClrLst/>
-    <dgm:txFillClrLst meth="repeat">
-      <a:schemeClr val="tx1"/>
-    </dgm:txFillClrLst>
-    <dgm:txEffectClrLst/>
-  </dgm:styleLbl>
-  <dgm:styleLbl name="parChTrans1D3">
-    <dgm:fillClrLst meth="repeat">
-      <a:schemeClr val="accent1"/>
-    </dgm:fillClrLst>
-    <dgm:linClrLst meth="repeat">
-      <a:schemeClr val="accent1">
-        <a:shade val="80000"/>
-      </a:schemeClr>
-    </dgm:linClrLst>
-    <dgm:effectClrLst/>
-    <dgm:txLinClrLst/>
-    <dgm:txFillClrLst meth="repeat">
-      <a:schemeClr val="tx1"/>
-    </dgm:txFillClrLst>
-    <dgm:txEffectClrLst/>
-  </dgm:styleLbl>
-  <dgm:styleLbl name="parChTrans1D4">
-    <dgm:fillClrLst meth="repeat">
-      <a:schemeClr val="accent1"/>
-    </dgm:fillClrLst>
-    <dgm:linClrLst meth="repeat">
-      <a:schemeClr val="accent1">
-        <a:shade val="80000"/>
-      </a:schemeClr>
-    </dgm:linClrLst>
-    <dgm:effectClrLst/>
-    <dgm:txLinClrLst/>
-    <dgm:txFillClrLst meth="repeat">
-      <a:schemeClr val="tx1"/>
-    </dgm:txFillClrLst>
-    <dgm:txEffectClrLst/>
-  </dgm:styleLbl>
-  <dgm:styleLbl name="fgAcc1">
-    <dgm:fillClrLst meth="repeat">
-      <a:schemeClr val="lt1">
-        <a:alpha val="90000"/>
-      </a:schemeClr>
-    </dgm:fillClrLst>
-    <dgm:linClrLst meth="repeat">
-      <a:schemeClr val="accent1"/>
-    </dgm:linClrLst>
-    <dgm:effectClrLst/>
-    <dgm:txLinClrLst/>
-    <dgm:txFillClrLst meth="repeat">
-      <a:schemeClr val="dk1"/>
-    </dgm:txFillClrLst>
-    <dgm:txEffectClrLst/>
-  </dgm:styleLbl>
-  <dgm:styleLbl name="conFgAcc1">
-    <dgm:fillClrLst meth="repeat">
-      <a:schemeClr val="lt1">
-        <a:alpha val="90000"/>
-      </a:schemeClr>
-    </dgm:fillClrLst>
-    <dgm:linClrLst meth="repeat">
-      <a:schemeClr val="accent1"/>
-    </dgm:linClrLst>
-    <dgm:effectClrLst/>
-    <dgm:txLinClrLst/>
-    <dgm:txFillClrLst meth="repeat">
-      <a:schemeClr val="dk1"/>
-    </dgm:txFillClrLst>
-    <dgm:txEffectClrLst/>
-  </dgm:styleLbl>
-  <dgm:styleLbl name="alignAcc1">
-    <dgm:fillClrLst meth="repeat">
-      <a:schemeClr val="lt1">
-        <a:alpha val="90000"/>
-      </a:schemeClr>
-    </dgm:fillClrLst>
-    <dgm:linClrLst meth="repeat">
-      <a:schemeClr val="accent1"/>
-    </dgm:linClrLst>
-    <dgm:effectClrLst/>
-    <dgm:txLinClrLst/>
-    <dgm:txFillClrLst meth="repeat">
-      <a:schemeClr val="dk1"/>
-    </dgm:txFillClrLst>
-    <dgm:txEffectClrLst/>
-  </dgm:styleLbl>
-  <dgm:styleLbl name="trAlignAcc1">
-    <dgm:fillClrLst meth="repeat">
-      <a:schemeClr val="lt1">
-        <a:alpha val="40000"/>
-      </a:schemeClr>
-    </dgm:fillClrLst>
-    <dgm:linClrLst meth="repeat">
-      <a:schemeClr val="accent1"/>
-    </dgm:linClrLst>
-    <dgm:effectClrLst/>
-    <dgm:txLinClrLst/>
-    <dgm:txFillClrLst meth="repeat">
-      <a:schemeClr val="dk1"/>
-    </dgm:txFillClrLst>
-    <dgm:txEffectClrLst/>
-  </dgm:styleLbl>
-  <dgm:styleLbl name="bgAcc1">
-    <dgm:fillClrLst meth="repeat">
-      <a:schemeClr val="lt1">
-        <a:alpha val="90000"/>
-      </a:schemeClr>
-    </dgm:fillClrLst>
-    <dgm:linClrLst meth="repeat">
-      <a:schemeClr val="accent1"/>
-    </dgm:linClrLst>
-    <dgm:effectClrLst/>
-    <dgm:txLinClrLst/>
-    <dgm:txFillClrLst meth="repeat">
-      <a:schemeClr val="dk1"/>
-    </dgm:txFillClrLst>
-    <dgm:txEffectClrLst/>
-  </dgm:styleLbl>
-  <dgm:styleLbl name="solidFgAcc1">
-    <dgm:fillClrLst meth="repeat">
-      <a:schemeClr val="lt1"/>
-    </dgm:fillClrLst>
-    <dgm:linClrLst meth="repeat">
-      <a:schemeClr val="accent1"/>
-    </dgm:linClrLst>
-    <dgm:effectClrLst/>
-    <dgm:txLinClrLst/>
-    <dgm:txFillClrLst meth="repeat">
-      <a:schemeClr val="dk1"/>
-    </dgm:txFillClrLst>
-    <dgm:txEffectClrLst/>
-  </dgm:styleLbl>
-  <dgm:styleLbl name="solidAlignAcc1">
-    <dgm:fillClrLst meth="repeat">
-      <a:schemeClr val="lt1"/>
-    </dgm:fillClrLst>
-    <dgm:linClrLst meth="repeat">
-      <a:schemeClr val="accent1"/>
-    </dgm:linClrLst>
-    <dgm:effectClrLst/>
-    <dgm:txLinClrLst/>
-    <dgm:txFillClrLst meth="repeat">
-      <a:schemeClr val="dk1"/>
-    </dgm:txFillClrLst>
-    <dgm:txEffectClrLst/>
-  </dgm:styleLbl>
-  <dgm:styleLbl name="solidBgAcc1">
-    <dgm:fillClrLst meth="repeat">
-      <a:schemeClr val="lt1"/>
-    </dgm:fillClrLst>
-    <dgm:linClrLst meth="repeat">
-      <a:schemeClr val="accent1"/>
-    </dgm:linClrLst>
-    <dgm:effectClrLst/>
-    <dgm:txLinClrLst/>
-    <dgm:txFillClrLst meth="repeat">
-      <a:schemeClr val="dk1"/>
-    </dgm:txFillClrLst>
-    <dgm:txEffectClrLst/>
-  </dgm:styleLbl>
-  <dgm:styleLbl name="fgAccFollowNode1">
-    <dgm:fillClrLst meth="repeat">
-      <a:schemeClr val="accent1">
-        <a:alpha val="90000"/>
-        <a:tint val="40000"/>
-      </a:schemeClr>
-    </dgm:fillClrLst>
-    <dgm:linClrLst meth="repeat">
-      <a:schemeClr val="accent1">
-        <a:alpha val="90000"/>
-        <a:tint val="40000"/>
-      </a:schemeClr>
-    </dgm:linClrLst>
-    <dgm:effectClrLst/>
-    <dgm:txLinClrLst/>
-    <dgm:txFillClrLst meth="repeat">
-      <a:schemeClr val="dk1"/>
-    </dgm:txFillClrLst>
-    <dgm:txEffectClrLst/>
-  </dgm:styleLbl>
-  <dgm:styleLbl name="alignAccFollowNode1">
-    <dgm:fillClrLst meth="repeat">
-      <a:schemeClr val="accent1">
-        <a:alpha val="90000"/>
-        <a:tint val="40000"/>
-      </a:schemeClr>
-    </dgm:fillClrLst>
-    <dgm:linClrLst meth="repeat">
-      <a:schemeClr val="accent1">
-        <a:alpha val="90000"/>
-        <a:tint val="40000"/>
-      </a:schemeClr>
-    </dgm:linClrLst>
-    <dgm:effectClrLst/>
-    <dgm:txLinClrLst/>
-    <dgm:txFillClrLst meth="repeat">
-      <a:schemeClr val="dk1"/>
-    </dgm:txFillClrLst>
-    <dgm:txEffectClrLst/>
-  </dgm:styleLbl>
-  <dgm:styleLbl name="bgAccFollowNode1">
-    <dgm:fillClrLst meth="repeat">
-      <a:schemeClr val="accent1">
-        <a:alpha val="90000"/>
-        <a:tint val="40000"/>
-      </a:schemeClr>
-    </dgm:fillClrLst>
-    <dgm:linClrLst meth="repeat">
-      <a:schemeClr val="accent1">
-        <a:alpha val="90000"/>
-        <a:tint val="40000"/>
-      </a:schemeClr>
-    </dgm:linClrLst>
-    <dgm:effectClrLst/>
-    <dgm:txLinClrLst/>
-    <dgm:txFillClrLst meth="repeat">
-      <a:schemeClr val="dk1"/>
-    </dgm:txFillClrLst>
-    <dgm:txEffectClrLst/>
-  </dgm:styleLbl>
-  <dgm:styleLbl name="fgAcc0">
-    <dgm:fillClrLst meth="repeat">
-      <a:schemeClr val="lt1">
-        <a:alpha val="90000"/>
-      </a:schemeClr>
-    </dgm:fillClrLst>
-    <dgm:linClrLst meth="repeat">
-      <a:schemeClr val="accent1"/>
-    </dgm:linClrLst>
-    <dgm:effectClrLst/>
-    <dgm:txLinClrLst/>
-    <dgm:txFillClrLst meth="repeat">
-      <a:schemeClr val="dk1"/>
-    </dgm:txFillClrLst>
-    <dgm:txEffectClrLst/>
-  </dgm:styleLbl>
-  <dgm:styleLbl name="fgAcc2">
-    <dgm:fillClrLst meth="repeat">
-      <a:schemeClr val="lt1">
-        <a:alpha val="90000"/>
-      </a:schemeClr>
-    </dgm:fillClrLst>
-    <dgm:linClrLst meth="repeat">
-      <a:schemeClr val="accent1"/>
-    </dgm:linClrLst>
-    <dgm:effectClrLst/>
-    <dgm:txLinClrLst/>
-    <dgm:txFillClrLst meth="repeat">
-      <a:schemeClr val="dk1"/>
-    </dgm:txFillClrLst>
-    <dgm:txEffectClrLst/>
-  </dgm:styleLbl>
-  <dgm:styleLbl name="fgAcc3">
-    <dgm:fillClrLst meth="repeat">
-      <a:schemeClr val="lt1">
-        <a:alpha val="90000"/>
-      </a:schemeClr>
-    </dgm:fillClrLst>
-    <dgm:linClrLst meth="repeat">
-      <a:schemeClr val="accent1"/>
-    </dgm:linClrLst>
-    <dgm:effectClrLst/>
-    <dgm:txLinClrLst/>
-    <dgm:txFillClrLst meth="repeat">
-      <a:schemeClr val="dk1"/>
-    </dgm:txFillClrLst>
-    <dgm:txEffectClrLst/>
-  </dgm:styleLbl>
-  <dgm:styleLbl name="fgAcc4">
-    <dgm:fillClrLst meth="repeat">
-      <a:schemeClr val="lt1">
-        <a:alpha val="90000"/>
-      </a:schemeClr>
-    </dgm:fillClrLst>
-    <dgm:linClrLst meth="repeat">
-      <a:schemeClr val="accent1"/>
-    </dgm:linClrLst>
-    <dgm:effectClrLst/>
-    <dgm:txLinClrLst/>
-    <dgm:txFillClrLst meth="repeat">
-      <a:schemeClr val="dk1"/>
-    </dgm:txFillClrLst>
-    <dgm:txEffectClrLst/>
-  </dgm:styleLbl>
-  <dgm:styleLbl name="bgShp">
-    <dgm:fillClrLst meth="repeat">
-      <a:schemeClr val="accent1">
-        <a:tint val="40000"/>
-      </a:schemeClr>
-    </dgm:fillClrLst>
-    <dgm:linClrLst meth="repeat">
-      <a:schemeClr val="accent1"/>
-    </dgm:linClrLst>
-    <dgm:effectClrLst/>
-    <dgm:txLinClrLst/>
-    <dgm:txFillClrLst meth="repeat">
-      <a:schemeClr val="dk1"/>
-    </dgm:txFillClrLst>
-    <dgm:txEffectClrLst/>
-  </dgm:styleLbl>
-  <dgm:styleLbl name="dkBgShp">
-    <dgm:fillClrLst meth="repeat">
-      <a:schemeClr val="accent1">
-        <a:shade val="80000"/>
-      </a:schemeClr>
-    </dgm:fillClrLst>
-    <dgm:linClrLst meth="repeat">
-      <a:schemeClr val="accent1"/>
-    </dgm:linClrLst>
-    <dgm:effectClrLst/>
-    <dgm:txLinClrLst/>
-    <dgm:txFillClrLst meth="repeat">
-      <a:schemeClr val="lt1"/>
-    </dgm:txFillClrLst>
-    <dgm:txEffectClrLst/>
-  </dgm:styleLbl>
-  <dgm:styleLbl name="trBgShp">
-    <dgm:fillClrLst meth="repeat">
-      <a:schemeClr val="accent1">
-        <a:tint val="50000"/>
-        <a:alpha val="40000"/>
-      </a:schemeClr>
-    </dgm:fillClrLst>
-    <dgm:linClrLst meth="repeat">
-      <a:schemeClr val="accent1"/>
-    </dgm:linClrLst>
-    <dgm:effectClrLst/>
-    <dgm:txLinClrLst/>
-    <dgm:txFillClrLst meth="repeat">
-      <a:schemeClr val="lt1"/>
-    </dgm:txFillClrLst>
-    <dgm:txEffectClrLst/>
-  </dgm:styleLbl>
-  <dgm:styleLbl name="fgShp">
-    <dgm:fillClrLst meth="repeat">
-      <a:schemeClr val="accent1">
-        <a:tint val="60000"/>
-      </a:schemeClr>
-    </dgm:fillClrLst>
-    <dgm:linClrLst meth="repeat">
-      <a:schemeClr val="lt1"/>
-    </dgm:linClrLst>
-    <dgm:effectClrLst/>
-    <dgm:txLinClrLst/>
-    <dgm:txFillClrLst meth="repeat">
-      <a:schemeClr val="dk1"/>
-    </dgm:txFillClrLst>
-    <dgm:txEffectClrLst/>
-  </dgm:styleLbl>
-  <dgm:styleLbl name="revTx">
-    <dgm:fillClrLst meth="repeat">
-      <a:schemeClr val="lt1">
-        <a:alpha val="0"/>
-      </a:schemeClr>
-    </dgm:fillClrLst>
-    <dgm:linClrLst meth="repeat">
-      <a:schemeClr val="dk1">
-        <a:alpha val="0"/>
-      </a:schemeClr>
-    </dgm:linClrLst>
-    <dgm:effectClrLst/>
-    <dgm:txLinClrLst/>
-    <dgm:txFillClrLst meth="repeat">
-      <a:schemeClr val="tx1"/>
-    </dgm:txFillClrLst>
-    <dgm:txEffectClrLst/>
-  </dgm:styleLbl>
-</dgm:colorsDef>
-</file>
-
-<file path=ppt/diagrams/colors3.xml><?xml version="1.0" encoding="utf-8"?>
 <dgm:colorsDef xmlns:dgm="http://schemas.openxmlformats.org/drawingml/2006/diagram" xmlns:a="http://schemas.openxmlformats.org/drawingml/2006/main" uniqueId="urn:microsoft.com/office/officeart/2005/8/colors/colorful1">
   <dgm:title val=""/>
   <dgm:desc val=""/>
@@ -2877,1294 +2130,6 @@
 </file>
 
 <file path=ppt/diagrams/data2.xml><?xml version="1.0" encoding="utf-8"?>
-<dgm:dataModel xmlns:dgm="http://schemas.openxmlformats.org/drawingml/2006/diagram" xmlns:a="http://schemas.openxmlformats.org/drawingml/2006/main">
-  <dgm:ptLst>
-    <dgm:pt modelId="{BF7C79FE-2DBE-444C-8582-15FC2AC701A8}" type="doc">
-      <dgm:prSet loTypeId="urn:microsoft.com/office/officeart/2005/8/layout/hierarchy3" loCatId="list" qsTypeId="urn:microsoft.com/office/officeart/2005/8/quickstyle/simple5" qsCatId="simple" csTypeId="urn:microsoft.com/office/officeart/2005/8/colors/accent1_2" csCatId="accent1" phldr="1"/>
-      <dgm:spPr/>
-      <dgm:t>
-        <a:bodyPr/>
-        <a:lstStyle/>
-        <a:p>
-          <a:endParaRPr lang="en-US"/>
-        </a:p>
-      </dgm:t>
-    </dgm:pt>
-    <dgm:pt modelId="{73D86C51-5763-4298-9EEA-71F1468774C9}">
-      <dgm:prSet phldrT="[Text]">
-        <dgm:style>
-          <a:lnRef idx="1">
-            <a:schemeClr val="accent2"/>
-          </a:lnRef>
-          <a:fillRef idx="2">
-            <a:schemeClr val="accent2"/>
-          </a:fillRef>
-          <a:effectRef idx="1">
-            <a:schemeClr val="accent2"/>
-          </a:effectRef>
-          <a:fontRef idx="minor">
-            <a:schemeClr val="dk1"/>
-          </a:fontRef>
-        </dgm:style>
-      </dgm:prSet>
-      <dgm:spPr>
-        <a:gradFill rotWithShape="0">
-          <a:gsLst>
-            <a:gs pos="0">
-              <a:srgbClr val="FFCCFF">
-                <a:lumMod val="50000"/>
-                <a:lumOff val="50000"/>
-              </a:srgbClr>
-            </a:gs>
-            <a:gs pos="100000">
-              <a:srgbClr val="FFCCFF"/>
-            </a:gs>
-          </a:gsLst>
-        </a:gradFill>
-      </dgm:spPr>
-      <dgm:t>
-        <a:bodyPr/>
-        <a:lstStyle/>
-        <a:p>
-          <a:r>
-            <a:rPr lang="en-US" dirty="0" smtClean="0"/>
-            <a:t>Annotation index - </a:t>
-          </a:r>
-          <a:r>
-            <a:rPr lang="en-US" dirty="0" err="1" smtClean="0"/>
-            <a:t>subselect</a:t>
-          </a:r>
-          <a:endParaRPr lang="en-US" dirty="0"/>
-        </a:p>
-      </dgm:t>
-    </dgm:pt>
-    <dgm:pt modelId="{37E70725-3C19-4814-BA5D-5CFCA1BE6BAC}" type="parTrans" cxnId="{090B46D6-AB7C-40CA-BC88-1EA1A502F327}">
-      <dgm:prSet/>
-      <dgm:spPr/>
-      <dgm:t>
-        <a:bodyPr/>
-        <a:lstStyle/>
-        <a:p>
-          <a:endParaRPr lang="en-US"/>
-        </a:p>
-      </dgm:t>
-    </dgm:pt>
-    <dgm:pt modelId="{E5A9ED37-6902-45C4-B05C-527B3F7B6DE5}" type="sibTrans" cxnId="{090B46D6-AB7C-40CA-BC88-1EA1A502F327}">
-      <dgm:prSet/>
-      <dgm:spPr/>
-      <dgm:t>
-        <a:bodyPr/>
-        <a:lstStyle/>
-        <a:p>
-          <a:endParaRPr lang="en-US"/>
-        </a:p>
-      </dgm:t>
-    </dgm:pt>
-    <dgm:pt modelId="{0E37C0FA-EF0A-41E2-A8FB-38B7A7F42F61}">
-      <dgm:prSet phldrT="[Text]" custT="1"/>
-      <dgm:spPr>
-        <a:gradFill rotWithShape="0">
-          <a:gsLst>
-            <a:gs pos="0">
-              <a:srgbClr val="FFD9D1">
-                <a:alpha val="49804"/>
-              </a:srgbClr>
-            </a:gs>
-            <a:gs pos="100000">
-              <a:srgbClr val="FFD9D1"/>
-            </a:gs>
-          </a:gsLst>
-          <a:lin ang="5400000" scaled="0"/>
-        </a:gradFill>
-      </dgm:spPr>
-      <dgm:t>
-        <a:bodyPr/>
-        <a:lstStyle/>
-        <a:p>
-          <a:r>
-            <a:rPr lang="en-US" sz="1400" dirty="0" err="1" smtClean="0"/>
-            <a:t>coveredBy</a:t>
-          </a:r>
-          <a:endParaRPr lang="en-US" sz="1400" dirty="0"/>
-        </a:p>
-      </dgm:t>
-    </dgm:pt>
-    <dgm:pt modelId="{D7CDA677-9BA4-4D5A-A59C-F9E3A9F4E022}" type="parTrans" cxnId="{6BF327FA-D5C6-43C1-9982-B0CA5874C047}">
-      <dgm:prSet/>
-      <dgm:spPr/>
-      <dgm:t>
-        <a:bodyPr/>
-        <a:lstStyle/>
-        <a:p>
-          <a:endParaRPr lang="en-US"/>
-        </a:p>
-      </dgm:t>
-    </dgm:pt>
-    <dgm:pt modelId="{8404A25A-A978-457F-B044-3431EEE38D90}" type="sibTrans" cxnId="{6BF327FA-D5C6-43C1-9982-B0CA5874C047}">
-      <dgm:prSet/>
-      <dgm:spPr/>
-      <dgm:t>
-        <a:bodyPr/>
-        <a:lstStyle/>
-        <a:p>
-          <a:endParaRPr lang="en-US"/>
-        </a:p>
-      </dgm:t>
-    </dgm:pt>
-    <dgm:pt modelId="{E354DAC9-55F3-4010-BAAD-52117EB33DC6}">
-      <dgm:prSet phldrT="[Text]" custT="1"/>
-      <dgm:spPr>
-        <a:gradFill rotWithShape="0">
-          <a:gsLst>
-            <a:gs pos="0">
-              <a:srgbClr val="FFD9D1">
-                <a:alpha val="49804"/>
-              </a:srgbClr>
-            </a:gs>
-            <a:gs pos="100000">
-              <a:srgbClr val="FFD9D1"/>
-            </a:gs>
-          </a:gsLst>
-          <a:lin ang="5400000" scaled="0"/>
-        </a:gradFill>
-      </dgm:spPr>
-      <dgm:t>
-        <a:bodyPr/>
-        <a:lstStyle/>
-        <a:p>
-          <a:r>
-            <a:rPr lang="en-US" sz="1400" dirty="0" smtClean="0"/>
-            <a:t>at</a:t>
-          </a:r>
-          <a:endParaRPr lang="en-US" sz="1400" dirty="0"/>
-        </a:p>
-      </dgm:t>
-    </dgm:pt>
-    <dgm:pt modelId="{F5B269E2-72EA-4EFB-9C3C-152C36FC161C}" type="parTrans" cxnId="{F73356A7-6A05-4F08-BF4B-EF256B9DAE26}">
-      <dgm:prSet/>
-      <dgm:spPr/>
-      <dgm:t>
-        <a:bodyPr/>
-        <a:lstStyle/>
-        <a:p>
-          <a:endParaRPr lang="en-US"/>
-        </a:p>
-      </dgm:t>
-    </dgm:pt>
-    <dgm:pt modelId="{C4F2E2B9-0A58-4D62-9577-4D03D3A7584F}" type="sibTrans" cxnId="{F73356A7-6A05-4F08-BF4B-EF256B9DAE26}">
-      <dgm:prSet/>
-      <dgm:spPr/>
-      <dgm:t>
-        <a:bodyPr/>
-        <a:lstStyle/>
-        <a:p>
-          <a:endParaRPr lang="en-US"/>
-        </a:p>
-      </dgm:t>
-    </dgm:pt>
-    <dgm:pt modelId="{2CE5D4EC-9373-448C-82E5-A22606343899}">
-      <dgm:prSet phldrT="[Text]">
-        <dgm:style>
-          <a:lnRef idx="1">
-            <a:schemeClr val="accent2"/>
-          </a:lnRef>
-          <a:fillRef idx="2">
-            <a:schemeClr val="accent2"/>
-          </a:fillRef>
-          <a:effectRef idx="1">
-            <a:schemeClr val="accent2"/>
-          </a:effectRef>
-          <a:fontRef idx="minor">
-            <a:schemeClr val="dk1"/>
-          </a:fontRef>
-        </dgm:style>
-      </dgm:prSet>
-      <dgm:spPr>
-        <a:gradFill rotWithShape="0">
-          <a:gsLst>
-            <a:gs pos="0">
-              <a:srgbClr val="FFCCFF">
-                <a:lumMod val="50000"/>
-                <a:lumOff val="50000"/>
-              </a:srgbClr>
-            </a:gs>
-            <a:gs pos="100000">
-              <a:srgbClr val="FFCCFF"/>
-            </a:gs>
-          </a:gsLst>
-        </a:gradFill>
-      </dgm:spPr>
-      <dgm:t>
-        <a:bodyPr/>
-        <a:lstStyle/>
-        <a:p>
-          <a:r>
-            <a:rPr lang="en-US" dirty="0" smtClean="0"/>
-            <a:t>Annotation index - variations</a:t>
-          </a:r>
-          <a:endParaRPr lang="en-US" dirty="0"/>
-        </a:p>
-      </dgm:t>
-    </dgm:pt>
-    <dgm:pt modelId="{94D3696E-22A3-4267-AB5E-694D2F11B8E2}" type="parTrans" cxnId="{B85D179E-5F38-435B-9B79-92A5EE552DBF}">
-      <dgm:prSet/>
-      <dgm:spPr/>
-      <dgm:t>
-        <a:bodyPr/>
-        <a:lstStyle/>
-        <a:p>
-          <a:endParaRPr lang="en-US"/>
-        </a:p>
-      </dgm:t>
-    </dgm:pt>
-    <dgm:pt modelId="{15186BA8-97FD-488E-AE5A-D1A0CE5FF8D8}" type="sibTrans" cxnId="{B85D179E-5F38-435B-9B79-92A5EE552DBF}">
-      <dgm:prSet/>
-      <dgm:spPr/>
-      <dgm:t>
-        <a:bodyPr/>
-        <a:lstStyle/>
-        <a:p>
-          <a:endParaRPr lang="en-US"/>
-        </a:p>
-      </dgm:t>
-    </dgm:pt>
-    <dgm:pt modelId="{F040CB33-0CA3-4F86-90AD-433502FD5EC0}">
-      <dgm:prSet phldrT="[Text]" custT="1"/>
-      <dgm:spPr>
-        <a:gradFill rotWithShape="0">
-          <a:gsLst>
-            <a:gs pos="0">
-              <a:srgbClr val="FFD9D1">
-                <a:alpha val="49804"/>
-              </a:srgbClr>
-            </a:gs>
-            <a:gs pos="100000">
-              <a:srgbClr val="FFD9D1"/>
-            </a:gs>
-          </a:gsLst>
-          <a:lin ang="5400000" scaled="0"/>
-        </a:gradFill>
-      </dgm:spPr>
-      <dgm:t>
-        <a:bodyPr/>
-        <a:lstStyle/>
-        <a:p>
-          <a:r>
-            <a:rPr lang="en-US" sz="1400" dirty="0" err="1" smtClean="0"/>
-            <a:t>typePriority</a:t>
-          </a:r>
-          <a:endParaRPr lang="en-US" sz="1400" dirty="0"/>
-        </a:p>
-      </dgm:t>
-    </dgm:pt>
-    <dgm:pt modelId="{9F639868-1B81-4680-95EA-FBCEAD976198}" type="parTrans" cxnId="{DC6E1E42-98E4-4D66-8775-F0DCE85FA8EE}">
-      <dgm:prSet/>
-      <dgm:spPr/>
-      <dgm:t>
-        <a:bodyPr/>
-        <a:lstStyle/>
-        <a:p>
-          <a:endParaRPr lang="en-US"/>
-        </a:p>
-      </dgm:t>
-    </dgm:pt>
-    <dgm:pt modelId="{2CDB7BF2-8397-451D-8D69-05285595F505}" type="sibTrans" cxnId="{DC6E1E42-98E4-4D66-8775-F0DCE85FA8EE}">
-      <dgm:prSet/>
-      <dgm:spPr/>
-      <dgm:t>
-        <a:bodyPr/>
-        <a:lstStyle/>
-        <a:p>
-          <a:endParaRPr lang="en-US"/>
-        </a:p>
-      </dgm:t>
-    </dgm:pt>
-    <dgm:pt modelId="{FD963B44-5EC7-48F1-A383-CCA577D01A14}">
-      <dgm:prSet phldrT="[Text]">
-        <dgm:style>
-          <a:lnRef idx="1">
-            <a:schemeClr val="accent2"/>
-          </a:lnRef>
-          <a:fillRef idx="2">
-            <a:schemeClr val="accent2"/>
-          </a:fillRef>
-          <a:effectRef idx="1">
-            <a:schemeClr val="accent2"/>
-          </a:effectRef>
-          <a:fontRef idx="minor">
-            <a:schemeClr val="dk1"/>
-          </a:fontRef>
-        </dgm:style>
-      </dgm:prSet>
-      <dgm:spPr>
-        <a:gradFill rotWithShape="0">
-          <a:gsLst>
-            <a:gs pos="0">
-              <a:srgbClr val="FFCCFF">
-                <a:lumMod val="50000"/>
-                <a:lumOff val="50000"/>
-              </a:srgbClr>
-            </a:gs>
-            <a:gs pos="100000">
-              <a:srgbClr val="FFCCFF"/>
-            </a:gs>
-          </a:gsLst>
-        </a:gradFill>
-      </dgm:spPr>
-      <dgm:t>
-        <a:bodyPr/>
-        <a:lstStyle/>
-        <a:p>
-          <a:r>
-            <a:rPr lang="en-US" dirty="0" smtClean="0"/>
-            <a:t>Annotation index </a:t>
-          </a:r>
-          <a:br>
-            <a:rPr lang="en-US" dirty="0" smtClean="0"/>
-          </a:br>
-          <a:r>
-            <a:rPr lang="en-US" dirty="0" smtClean="0"/>
-            <a:t> follow / </a:t>
-          </a:r>
-          <a:r>
-            <a:rPr lang="en-US" smtClean="0"/>
-            <a:t>preceed</a:t>
-          </a:r>
-          <a:endParaRPr lang="en-US" dirty="0"/>
-        </a:p>
-      </dgm:t>
-    </dgm:pt>
-    <dgm:pt modelId="{A03785E0-C580-4D34-8EB1-8CC23D6E86BD}" type="parTrans" cxnId="{291E1DBE-D0DC-4062-BA77-16658F8267EC}">
-      <dgm:prSet/>
-      <dgm:spPr/>
-      <dgm:t>
-        <a:bodyPr/>
-        <a:lstStyle/>
-        <a:p>
-          <a:endParaRPr lang="en-US"/>
-        </a:p>
-      </dgm:t>
-    </dgm:pt>
-    <dgm:pt modelId="{68A4C2C8-0F1C-4417-91F4-8D8408AACE16}" type="sibTrans" cxnId="{291E1DBE-D0DC-4062-BA77-16658F8267EC}">
-      <dgm:prSet/>
-      <dgm:spPr/>
-      <dgm:t>
-        <a:bodyPr/>
-        <a:lstStyle/>
-        <a:p>
-          <a:endParaRPr lang="en-US"/>
-        </a:p>
-      </dgm:t>
-    </dgm:pt>
-    <dgm:pt modelId="{EC5736B2-B2BA-4987-BC4F-8030969CDD73}">
-      <dgm:prSet phldrT="[Text]" custT="1"/>
-      <dgm:spPr>
-        <a:gradFill rotWithShape="0">
-          <a:gsLst>
-            <a:gs pos="0">
-              <a:srgbClr val="FFD9D1">
-                <a:alpha val="49804"/>
-              </a:srgbClr>
-            </a:gs>
-            <a:gs pos="100000">
-              <a:srgbClr val="FFD9D1"/>
-            </a:gs>
-          </a:gsLst>
-          <a:lin ang="5400000" scaled="0"/>
-        </a:gradFill>
-      </dgm:spPr>
-      <dgm:t>
-        <a:bodyPr/>
-        <a:lstStyle/>
-        <a:p>
-          <a:r>
-            <a:rPr lang="en-US" sz="1400" dirty="0" smtClean="0"/>
-            <a:t>covering</a:t>
-          </a:r>
-          <a:endParaRPr lang="en-US" sz="1400" dirty="0"/>
-        </a:p>
-      </dgm:t>
-    </dgm:pt>
-    <dgm:pt modelId="{646D5331-3C29-4E7A-A8A9-3E290DD93285}" type="parTrans" cxnId="{1CB3142F-09BA-4C6A-95B1-5EFC92B351DC}">
-      <dgm:prSet/>
-      <dgm:spPr/>
-      <dgm:t>
-        <a:bodyPr/>
-        <a:lstStyle/>
-        <a:p>
-          <a:endParaRPr lang="en-US"/>
-        </a:p>
-      </dgm:t>
-    </dgm:pt>
-    <dgm:pt modelId="{A5987D09-F1D0-4F76-A41C-39F8576FB9BB}" type="sibTrans" cxnId="{1CB3142F-09BA-4C6A-95B1-5EFC92B351DC}">
-      <dgm:prSet/>
-      <dgm:spPr/>
-      <dgm:t>
-        <a:bodyPr/>
-        <a:lstStyle/>
-        <a:p>
-          <a:endParaRPr lang="en-US"/>
-        </a:p>
-      </dgm:t>
-    </dgm:pt>
-    <dgm:pt modelId="{9AEFBF59-1365-4820-B672-FD7021CACA2D}">
-      <dgm:prSet phldrT="[Text]" custT="1"/>
-      <dgm:spPr>
-        <a:gradFill rotWithShape="0">
-          <a:gsLst>
-            <a:gs pos="0">
-              <a:srgbClr val="FFD9D1">
-                <a:alpha val="49804"/>
-              </a:srgbClr>
-            </a:gs>
-            <a:gs pos="100000">
-              <a:srgbClr val="FFD9D1"/>
-            </a:gs>
-          </a:gsLst>
-          <a:lin ang="5400000" scaled="0"/>
-        </a:gradFill>
-      </dgm:spPr>
-      <dgm:t>
-        <a:bodyPr/>
-        <a:lstStyle/>
-        <a:p>
-          <a:r>
-            <a:rPr lang="en-US" sz="1400" dirty="0" smtClean="0"/>
-            <a:t>between</a:t>
-          </a:r>
-          <a:endParaRPr lang="en-US" sz="1400" dirty="0"/>
-        </a:p>
-      </dgm:t>
-    </dgm:pt>
-    <dgm:pt modelId="{6C7D0A0E-584E-41E4-9EF1-02EE8936836C}" type="parTrans" cxnId="{CB7E492E-10A5-40B2-863F-9E0DCABF620B}">
-      <dgm:prSet/>
-      <dgm:spPr/>
-      <dgm:t>
-        <a:bodyPr/>
-        <a:lstStyle/>
-        <a:p>
-          <a:endParaRPr lang="en-US"/>
-        </a:p>
-      </dgm:t>
-    </dgm:pt>
-    <dgm:pt modelId="{7E603E3A-CFE7-4D3E-8AB7-C473B8823AC8}" type="sibTrans" cxnId="{CB7E492E-10A5-40B2-863F-9E0DCABF620B}">
-      <dgm:prSet/>
-      <dgm:spPr/>
-      <dgm:t>
-        <a:bodyPr/>
-        <a:lstStyle/>
-        <a:p>
-          <a:endParaRPr lang="en-US"/>
-        </a:p>
-      </dgm:t>
-    </dgm:pt>
-    <dgm:pt modelId="{E3BAFD88-03FE-4204-B346-D368633F0194}">
-      <dgm:prSet phldrT="[Text]" custT="1"/>
-      <dgm:spPr>
-        <a:gradFill rotWithShape="0">
-          <a:gsLst>
-            <a:gs pos="0">
-              <a:srgbClr val="FFD9D1">
-                <a:alpha val="49804"/>
-              </a:srgbClr>
-            </a:gs>
-            <a:gs pos="100000">
-              <a:srgbClr val="FFD9D1"/>
-            </a:gs>
-          </a:gsLst>
-          <a:lin ang="5400000" scaled="0"/>
-        </a:gradFill>
-      </dgm:spPr>
-      <dgm:t>
-        <a:bodyPr/>
-        <a:lstStyle/>
-        <a:p>
-          <a:r>
-            <a:rPr lang="en-US" sz="1400" dirty="0" err="1" smtClean="0"/>
-            <a:t>positionUsesType</a:t>
-          </a:r>
-          <a:endParaRPr lang="en-US" sz="1400" dirty="0"/>
-        </a:p>
-      </dgm:t>
-    </dgm:pt>
-    <dgm:pt modelId="{E2BC1238-6292-4896-B53E-D30625AECFB1}" type="parTrans" cxnId="{6D4D96CA-4B75-4288-B5D8-30845697A889}">
-      <dgm:prSet/>
-      <dgm:spPr/>
-      <dgm:t>
-        <a:bodyPr/>
-        <a:lstStyle/>
-        <a:p>
-          <a:endParaRPr lang="en-US"/>
-        </a:p>
-      </dgm:t>
-    </dgm:pt>
-    <dgm:pt modelId="{8BFC7169-C761-4716-87B9-0717E8B6CDD8}" type="sibTrans" cxnId="{6D4D96CA-4B75-4288-B5D8-30845697A889}">
-      <dgm:prSet/>
-      <dgm:spPr/>
-      <dgm:t>
-        <a:bodyPr/>
-        <a:lstStyle/>
-        <a:p>
-          <a:endParaRPr lang="en-US"/>
-        </a:p>
-      </dgm:t>
-    </dgm:pt>
-    <dgm:pt modelId="{6DFF1EA7-6C5B-47F4-B036-29908B2E206A}">
-      <dgm:prSet phldrT="[Text]" custT="1"/>
-      <dgm:spPr>
-        <a:gradFill rotWithShape="0">
-          <a:gsLst>
-            <a:gs pos="0">
-              <a:srgbClr val="FFD9D1">
-                <a:alpha val="49804"/>
-              </a:srgbClr>
-            </a:gs>
-            <a:gs pos="100000">
-              <a:srgbClr val="FFD9D1"/>
-            </a:gs>
-          </a:gsLst>
-          <a:lin ang="5400000" scaled="0"/>
-        </a:gradFill>
-      </dgm:spPr>
-      <dgm:t>
-        <a:bodyPr/>
-        <a:lstStyle/>
-        <a:p>
-          <a:r>
-            <a:rPr lang="en-US" sz="1400" dirty="0" err="1" smtClean="0"/>
-            <a:t>nonOverlapping</a:t>
-          </a:r>
-          <a:endParaRPr lang="en-US" sz="1400" dirty="0"/>
-        </a:p>
-      </dgm:t>
-    </dgm:pt>
-    <dgm:pt modelId="{9FD3DE39-3E61-4CBC-B0FE-39BA926A0F16}" type="parTrans" cxnId="{79E1DA56-543D-4D70-9CAF-1040786CC724}">
-      <dgm:prSet/>
-      <dgm:spPr/>
-      <dgm:t>
-        <a:bodyPr/>
-        <a:lstStyle/>
-        <a:p>
-          <a:endParaRPr lang="en-US"/>
-        </a:p>
-      </dgm:t>
-    </dgm:pt>
-    <dgm:pt modelId="{50A069C1-610B-4EE8-AF35-9C05381713D5}" type="sibTrans" cxnId="{79E1DA56-543D-4D70-9CAF-1040786CC724}">
-      <dgm:prSet/>
-      <dgm:spPr/>
-      <dgm:t>
-        <a:bodyPr/>
-        <a:lstStyle/>
-        <a:p>
-          <a:endParaRPr lang="en-US"/>
-        </a:p>
-      </dgm:t>
-    </dgm:pt>
-    <dgm:pt modelId="{B825275A-FDDE-4056-8D4F-E1712338DE90}">
-      <dgm:prSet phldrT="[Text]" custT="1"/>
-      <dgm:spPr>
-        <a:gradFill rotWithShape="0">
-          <a:gsLst>
-            <a:gs pos="0">
-              <a:srgbClr val="FFD9D1">
-                <a:alpha val="49804"/>
-              </a:srgbClr>
-            </a:gs>
-            <a:gs pos="100000">
-              <a:srgbClr val="FFD9D1"/>
-            </a:gs>
-          </a:gsLst>
-          <a:lin ang="5400000" scaled="0"/>
-        </a:gradFill>
-      </dgm:spPr>
-      <dgm:t>
-        <a:bodyPr/>
-        <a:lstStyle/>
-        <a:p>
-          <a:r>
-            <a:rPr lang="en-US" sz="1200" dirty="0" smtClean="0"/>
-            <a:t>includeAnnotationsWithEndBeyondBounds</a:t>
-          </a:r>
-          <a:endParaRPr lang="en-US" sz="1200" dirty="0"/>
-        </a:p>
-      </dgm:t>
-    </dgm:pt>
-    <dgm:pt modelId="{82EB3747-5EDC-42AA-A867-B2E8BC642AFA}" type="parTrans" cxnId="{3ECB3C60-A973-469B-A508-E5BE71C03A7A}">
-      <dgm:prSet/>
-      <dgm:spPr/>
-      <dgm:t>
-        <a:bodyPr/>
-        <a:lstStyle/>
-        <a:p>
-          <a:endParaRPr lang="en-US"/>
-        </a:p>
-      </dgm:t>
-    </dgm:pt>
-    <dgm:pt modelId="{5B14E964-E67C-4405-A1B2-A016027946E5}" type="sibTrans" cxnId="{3ECB3C60-A973-469B-A508-E5BE71C03A7A}">
-      <dgm:prSet/>
-      <dgm:spPr/>
-      <dgm:t>
-        <a:bodyPr/>
-        <a:lstStyle/>
-        <a:p>
-          <a:endParaRPr lang="en-US"/>
-        </a:p>
-      </dgm:t>
-    </dgm:pt>
-    <dgm:pt modelId="{F9EFD451-C8BE-4DAF-B25F-3D36ACC2613B}">
-      <dgm:prSet phldrT="[Text]" custT="1"/>
-      <dgm:spPr>
-        <a:gradFill rotWithShape="0">
-          <a:gsLst>
-            <a:gs pos="0">
-              <a:srgbClr val="FFD9D1">
-                <a:alpha val="49804"/>
-              </a:srgbClr>
-            </a:gs>
-            <a:gs pos="100000">
-              <a:srgbClr val="FFD9D1"/>
-            </a:gs>
-          </a:gsLst>
-          <a:lin ang="5400000" scaled="0"/>
-        </a:gradFill>
-      </dgm:spPr>
-      <dgm:t>
-        <a:bodyPr/>
-        <a:lstStyle/>
-        <a:p>
-          <a:r>
-            <a:rPr lang="en-US" sz="1400" dirty="0" smtClean="0"/>
-            <a:t>following</a:t>
-          </a:r>
-          <a:endParaRPr lang="en-US" sz="1400" dirty="0"/>
-        </a:p>
-      </dgm:t>
-    </dgm:pt>
-    <dgm:pt modelId="{362ABF0A-0708-463F-92C2-9681EF58ABB8}" type="parTrans" cxnId="{9CDB3399-F943-437F-926A-7C35DE7D05DC}">
-      <dgm:prSet/>
-      <dgm:spPr/>
-      <dgm:t>
-        <a:bodyPr/>
-        <a:lstStyle/>
-        <a:p>
-          <a:endParaRPr lang="en-US"/>
-        </a:p>
-      </dgm:t>
-    </dgm:pt>
-    <dgm:pt modelId="{4FE199F1-822B-44CC-8E78-68257996B591}" type="sibTrans" cxnId="{9CDB3399-F943-437F-926A-7C35DE7D05DC}">
-      <dgm:prSet/>
-      <dgm:spPr/>
-      <dgm:t>
-        <a:bodyPr/>
-        <a:lstStyle/>
-        <a:p>
-          <a:endParaRPr lang="en-US"/>
-        </a:p>
-      </dgm:t>
-    </dgm:pt>
-    <dgm:pt modelId="{FD10FD97-50E4-40A3-BDAA-CCE0B61C0C59}">
-      <dgm:prSet phldrT="[Text]" custT="1"/>
-      <dgm:spPr>
-        <a:gradFill rotWithShape="0">
-          <a:gsLst>
-            <a:gs pos="0">
-              <a:srgbClr val="FFD9D1">
-                <a:alpha val="49804"/>
-              </a:srgbClr>
-            </a:gs>
-            <a:gs pos="100000">
-              <a:srgbClr val="FFD9D1"/>
-            </a:gs>
-          </a:gsLst>
-          <a:lin ang="5400000" scaled="0"/>
-        </a:gradFill>
-      </dgm:spPr>
-      <dgm:t>
-        <a:bodyPr/>
-        <a:lstStyle/>
-        <a:p>
-          <a:r>
-            <a:rPr lang="en-US" sz="1400" dirty="0" smtClean="0"/>
-            <a:t>preceding</a:t>
-          </a:r>
-          <a:endParaRPr lang="en-US" sz="1400" dirty="0"/>
-        </a:p>
-      </dgm:t>
-    </dgm:pt>
-    <dgm:pt modelId="{751793A3-5DEF-4F9E-8D8D-527D4939AE9D}" type="parTrans" cxnId="{B1B8F921-C707-41B2-B214-6084D186BA15}">
-      <dgm:prSet/>
-      <dgm:spPr/>
-      <dgm:t>
-        <a:bodyPr/>
-        <a:lstStyle/>
-        <a:p>
-          <a:endParaRPr lang="en-US"/>
-        </a:p>
-      </dgm:t>
-    </dgm:pt>
-    <dgm:pt modelId="{FF2E2096-3107-41C3-974B-42CBBCE44BB3}" type="sibTrans" cxnId="{B1B8F921-C707-41B2-B214-6084D186BA15}">
-      <dgm:prSet/>
-      <dgm:spPr/>
-      <dgm:t>
-        <a:bodyPr/>
-        <a:lstStyle/>
-        <a:p>
-          <a:endParaRPr lang="en-US"/>
-        </a:p>
-      </dgm:t>
-    </dgm:pt>
-    <dgm:pt modelId="{692DE7B8-BB2B-4177-8611-22C8858E4E68}">
-      <dgm:prSet phldrT="[Text]" custT="1"/>
-      <dgm:spPr>
-        <a:gradFill rotWithShape="0">
-          <a:gsLst>
-            <a:gs pos="0">
-              <a:srgbClr val="FFD9D1">
-                <a:alpha val="49804"/>
-              </a:srgbClr>
-            </a:gs>
-            <a:gs pos="100000">
-              <a:srgbClr val="FFD9D1"/>
-            </a:gs>
-          </a:gsLst>
-          <a:lin ang="5400000" scaled="0"/>
-        </a:gradFill>
-      </dgm:spPr>
-      <dgm:t>
-        <a:bodyPr/>
-        <a:lstStyle/>
-        <a:p>
-          <a:r>
-            <a:rPr lang="en-US" sz="1400" dirty="0" err="1" smtClean="0"/>
-            <a:t>useAnnotationEquals</a:t>
-          </a:r>
-          <a:endParaRPr lang="en-US" sz="1400" dirty="0"/>
-        </a:p>
-      </dgm:t>
-    </dgm:pt>
-    <dgm:pt modelId="{F5B5AEFE-FD7C-4B10-A6C8-0EA7680B5EA8}" type="parTrans" cxnId="{2FE6929D-B8F5-4A91-92CA-62FA29D45C11}">
-      <dgm:prSet/>
-      <dgm:spPr/>
-      <dgm:t>
-        <a:bodyPr/>
-        <a:lstStyle/>
-        <a:p>
-          <a:endParaRPr lang="en-US"/>
-        </a:p>
-      </dgm:t>
-    </dgm:pt>
-    <dgm:pt modelId="{A33C5FCC-2C50-4A6E-A629-CE6DB7BD1021}" type="sibTrans" cxnId="{2FE6929D-B8F5-4A91-92CA-62FA29D45C11}">
-      <dgm:prSet/>
-      <dgm:spPr/>
-      <dgm:t>
-        <a:bodyPr/>
-        <a:lstStyle/>
-        <a:p>
-          <a:endParaRPr lang="en-US"/>
-        </a:p>
-      </dgm:t>
-    </dgm:pt>
-    <dgm:pt modelId="{DB073B97-548D-41F0-A876-7622516572B9}" type="pres">
-      <dgm:prSet presAssocID="{BF7C79FE-2DBE-444C-8582-15FC2AC701A8}" presName="diagram" presStyleCnt="0">
-        <dgm:presLayoutVars>
-          <dgm:chPref val="1"/>
-          <dgm:dir/>
-          <dgm:animOne val="branch"/>
-          <dgm:animLvl val="lvl"/>
-          <dgm:resizeHandles/>
-        </dgm:presLayoutVars>
-      </dgm:prSet>
-      <dgm:spPr/>
-      <dgm:t>
-        <a:bodyPr/>
-        <a:lstStyle/>
-        <a:p>
-          <a:endParaRPr lang="en-US"/>
-        </a:p>
-      </dgm:t>
-    </dgm:pt>
-    <dgm:pt modelId="{17720103-9239-4500-8BF3-2E7CA0BFFF9D}" type="pres">
-      <dgm:prSet presAssocID="{73D86C51-5763-4298-9EEA-71F1468774C9}" presName="root" presStyleCnt="0"/>
-      <dgm:spPr/>
-    </dgm:pt>
-    <dgm:pt modelId="{5475CEF3-A99A-4C6E-B783-B1E41C006D8F}" type="pres">
-      <dgm:prSet presAssocID="{73D86C51-5763-4298-9EEA-71F1468774C9}" presName="rootComposite" presStyleCnt="0"/>
-      <dgm:spPr/>
-    </dgm:pt>
-    <dgm:pt modelId="{FA3637AE-5E0F-478A-BA47-28082756EE59}" type="pres">
-      <dgm:prSet presAssocID="{73D86C51-5763-4298-9EEA-71F1468774C9}" presName="rootText" presStyleLbl="node1" presStyleIdx="0" presStyleCnt="3" custScaleX="114650" custLinFactNeighborX="7752" custLinFactNeighborY="-1326"/>
-      <dgm:spPr/>
-      <dgm:t>
-        <a:bodyPr/>
-        <a:lstStyle/>
-        <a:p>
-          <a:endParaRPr lang="en-US"/>
-        </a:p>
-      </dgm:t>
-    </dgm:pt>
-    <dgm:pt modelId="{FEB727E6-CE5A-4C42-82E1-CFA508B23006}" type="pres">
-      <dgm:prSet presAssocID="{73D86C51-5763-4298-9EEA-71F1468774C9}" presName="rootConnector" presStyleLbl="node1" presStyleIdx="0" presStyleCnt="3"/>
-      <dgm:spPr/>
-      <dgm:t>
-        <a:bodyPr/>
-        <a:lstStyle/>
-        <a:p>
-          <a:endParaRPr lang="en-US"/>
-        </a:p>
-      </dgm:t>
-    </dgm:pt>
-    <dgm:pt modelId="{C43A135B-A644-4965-8D24-38712C3CE736}" type="pres">
-      <dgm:prSet presAssocID="{73D86C51-5763-4298-9EEA-71F1468774C9}" presName="childShape" presStyleCnt="0"/>
-      <dgm:spPr/>
-    </dgm:pt>
-    <dgm:pt modelId="{8C37D885-6593-462C-AA05-6CD8EA638401}" type="pres">
-      <dgm:prSet presAssocID="{D7CDA677-9BA4-4D5A-A59C-F9E3A9F4E022}" presName="Name13" presStyleLbl="parChTrans1D2" presStyleIdx="0" presStyleCnt="11"/>
-      <dgm:spPr/>
-      <dgm:t>
-        <a:bodyPr/>
-        <a:lstStyle/>
-        <a:p>
-          <a:endParaRPr lang="en-US"/>
-        </a:p>
-      </dgm:t>
-    </dgm:pt>
-    <dgm:pt modelId="{3AC43A25-BC81-4A6B-BE8D-FB2B2029355A}" type="pres">
-      <dgm:prSet presAssocID="{0E37C0FA-EF0A-41E2-A8FB-38B7A7F42F61}" presName="childText" presStyleLbl="bgAcc1" presStyleIdx="0" presStyleCnt="11" custScaleX="92904" custScaleY="36177" custLinFactNeighborX="2768" custLinFactNeighborY="9182">
-        <dgm:presLayoutVars>
-          <dgm:bulletEnabled val="1"/>
-        </dgm:presLayoutVars>
-      </dgm:prSet>
-      <dgm:spPr/>
-      <dgm:t>
-        <a:bodyPr/>
-        <a:lstStyle/>
-        <a:p>
-          <a:endParaRPr lang="en-US"/>
-        </a:p>
-      </dgm:t>
-    </dgm:pt>
-    <dgm:pt modelId="{5FA849F3-2870-4117-B35F-44C7C5D9D3F5}" type="pres">
-      <dgm:prSet presAssocID="{646D5331-3C29-4E7A-A8A9-3E290DD93285}" presName="Name13" presStyleLbl="parChTrans1D2" presStyleIdx="1" presStyleCnt="11"/>
-      <dgm:spPr/>
-      <dgm:t>
-        <a:bodyPr/>
-        <a:lstStyle/>
-        <a:p>
-          <a:endParaRPr lang="en-US"/>
-        </a:p>
-      </dgm:t>
-    </dgm:pt>
-    <dgm:pt modelId="{D87CF371-4165-4ECD-9CC4-97F516956AB5}" type="pres">
-      <dgm:prSet presAssocID="{EC5736B2-B2BA-4987-BC4F-8030969CDD73}" presName="childText" presStyleLbl="bgAcc1" presStyleIdx="1" presStyleCnt="11" custScaleX="92904" custScaleY="36177" custLinFactNeighborX="1837" custLinFactNeighborY="4877">
-        <dgm:presLayoutVars>
-          <dgm:bulletEnabled val="1"/>
-        </dgm:presLayoutVars>
-      </dgm:prSet>
-      <dgm:spPr/>
-      <dgm:t>
-        <a:bodyPr/>
-        <a:lstStyle/>
-        <a:p>
-          <a:endParaRPr lang="en-US"/>
-        </a:p>
-      </dgm:t>
-    </dgm:pt>
-    <dgm:pt modelId="{7292F0EE-BF4C-4928-999E-A35FCFE0A11A}" type="pres">
-      <dgm:prSet presAssocID="{F5B269E2-72EA-4EFB-9C3C-152C36FC161C}" presName="Name13" presStyleLbl="parChTrans1D2" presStyleIdx="2" presStyleCnt="11"/>
-      <dgm:spPr/>
-      <dgm:t>
-        <a:bodyPr/>
-        <a:lstStyle/>
-        <a:p>
-          <a:endParaRPr lang="en-US"/>
-        </a:p>
-      </dgm:t>
-    </dgm:pt>
-    <dgm:pt modelId="{902E56C3-7153-4967-A765-4755747B76A3}" type="pres">
-      <dgm:prSet presAssocID="{E354DAC9-55F3-4010-BAAD-52117EB33DC6}" presName="childText" presStyleLbl="bgAcc1" presStyleIdx="2" presStyleCnt="11" custScaleX="92904" custScaleY="36177" custLinFactNeighborX="2698" custLinFactNeighborY="-23">
-        <dgm:presLayoutVars>
-          <dgm:bulletEnabled val="1"/>
-        </dgm:presLayoutVars>
-      </dgm:prSet>
-      <dgm:spPr/>
-      <dgm:t>
-        <a:bodyPr/>
-        <a:lstStyle/>
-        <a:p>
-          <a:endParaRPr lang="en-US"/>
-        </a:p>
-      </dgm:t>
-    </dgm:pt>
-    <dgm:pt modelId="{CCEF3560-3C73-4128-89F8-DC7E6E2E204B}" type="pres">
-      <dgm:prSet presAssocID="{6C7D0A0E-584E-41E4-9EF1-02EE8936836C}" presName="Name13" presStyleLbl="parChTrans1D2" presStyleIdx="3" presStyleCnt="11"/>
-      <dgm:spPr/>
-      <dgm:t>
-        <a:bodyPr/>
-        <a:lstStyle/>
-        <a:p>
-          <a:endParaRPr lang="en-US"/>
-        </a:p>
-      </dgm:t>
-    </dgm:pt>
-    <dgm:pt modelId="{964BD0A1-575D-4561-A934-3A5596A69899}" type="pres">
-      <dgm:prSet presAssocID="{9AEFBF59-1365-4820-B672-FD7021CACA2D}" presName="childText" presStyleLbl="bgAcc1" presStyleIdx="3" presStyleCnt="11" custScaleX="92904" custScaleY="36177" custLinFactNeighborX="2698" custLinFactNeighborY="3318">
-        <dgm:presLayoutVars>
-          <dgm:bulletEnabled val="1"/>
-        </dgm:presLayoutVars>
-      </dgm:prSet>
-      <dgm:spPr/>
-      <dgm:t>
-        <a:bodyPr/>
-        <a:lstStyle/>
-        <a:p>
-          <a:endParaRPr lang="en-US"/>
-        </a:p>
-      </dgm:t>
-    </dgm:pt>
-    <dgm:pt modelId="{29C0FFEF-0CB5-4FC4-8BF5-C2BA2EF2A69B}" type="pres">
-      <dgm:prSet presAssocID="{2CE5D4EC-9373-448C-82E5-A22606343899}" presName="root" presStyleCnt="0"/>
-      <dgm:spPr/>
-    </dgm:pt>
-    <dgm:pt modelId="{1C24205E-FE83-4064-BDA9-8BAF20E63DCB}" type="pres">
-      <dgm:prSet presAssocID="{2CE5D4EC-9373-448C-82E5-A22606343899}" presName="rootComposite" presStyleCnt="0"/>
-      <dgm:spPr/>
-    </dgm:pt>
-    <dgm:pt modelId="{508C05A8-918D-425D-B9FA-95D7693DA324}" type="pres">
-      <dgm:prSet presAssocID="{2CE5D4EC-9373-448C-82E5-A22606343899}" presName="rootText" presStyleLbl="node1" presStyleIdx="1" presStyleCnt="3" custLinFactNeighborX="-1326"/>
-      <dgm:spPr/>
-      <dgm:t>
-        <a:bodyPr/>
-        <a:lstStyle/>
-        <a:p>
-          <a:endParaRPr lang="en-US"/>
-        </a:p>
-      </dgm:t>
-    </dgm:pt>
-    <dgm:pt modelId="{DA7997CE-5516-4E4E-8EFA-8BBC59D57785}" type="pres">
-      <dgm:prSet presAssocID="{2CE5D4EC-9373-448C-82E5-A22606343899}" presName="rootConnector" presStyleLbl="node1" presStyleIdx="1" presStyleCnt="3"/>
-      <dgm:spPr/>
-      <dgm:t>
-        <a:bodyPr/>
-        <a:lstStyle/>
-        <a:p>
-          <a:endParaRPr lang="en-US"/>
-        </a:p>
-      </dgm:t>
-    </dgm:pt>
-    <dgm:pt modelId="{975322F4-AEFD-43DD-8DDB-2D3C18D5CF07}" type="pres">
-      <dgm:prSet presAssocID="{2CE5D4EC-9373-448C-82E5-A22606343899}" presName="childShape" presStyleCnt="0"/>
-      <dgm:spPr/>
-    </dgm:pt>
-    <dgm:pt modelId="{06ACC55D-1859-48B9-923E-41A7399F42ED}" type="pres">
-      <dgm:prSet presAssocID="{9F639868-1B81-4680-95EA-FBCEAD976198}" presName="Name13" presStyleLbl="parChTrans1D2" presStyleIdx="4" presStyleCnt="11"/>
-      <dgm:spPr/>
-      <dgm:t>
-        <a:bodyPr/>
-        <a:lstStyle/>
-        <a:p>
-          <a:endParaRPr lang="en-US"/>
-        </a:p>
-      </dgm:t>
-    </dgm:pt>
-    <dgm:pt modelId="{2AFCFA76-6F7A-4479-983C-FEF5916C6BD8}" type="pres">
-      <dgm:prSet presAssocID="{F040CB33-0CA3-4F86-90AD-433502FD5EC0}" presName="childText" presStyleLbl="bgAcc1" presStyleIdx="4" presStyleCnt="11" custScaleX="121084" custScaleY="36177" custLinFactNeighborX="-3104" custLinFactNeighborY="10242">
-        <dgm:presLayoutVars>
-          <dgm:bulletEnabled val="1"/>
-        </dgm:presLayoutVars>
-      </dgm:prSet>
-      <dgm:spPr/>
-      <dgm:t>
-        <a:bodyPr/>
-        <a:lstStyle/>
-        <a:p>
-          <a:endParaRPr lang="en-US"/>
-        </a:p>
-      </dgm:t>
-    </dgm:pt>
-    <dgm:pt modelId="{457EBE8C-597D-433F-966E-30FD815E5E2D}" type="pres">
-      <dgm:prSet presAssocID="{E2BC1238-6292-4896-B53E-D30625AECFB1}" presName="Name13" presStyleLbl="parChTrans1D2" presStyleIdx="5" presStyleCnt="11"/>
-      <dgm:spPr/>
-      <dgm:t>
-        <a:bodyPr/>
-        <a:lstStyle/>
-        <a:p>
-          <a:endParaRPr lang="en-US"/>
-        </a:p>
-      </dgm:t>
-    </dgm:pt>
-    <dgm:pt modelId="{9A1BCF8B-3F39-4A73-B539-DCCD4108908A}" type="pres">
-      <dgm:prSet presAssocID="{E3BAFD88-03FE-4204-B346-D368633F0194}" presName="childText" presStyleLbl="bgAcc1" presStyleIdx="5" presStyleCnt="11" custScaleX="121084" custScaleY="36177" custLinFactNeighborX="-3059" custLinFactNeighborY="7637">
-        <dgm:presLayoutVars>
-          <dgm:bulletEnabled val="1"/>
-        </dgm:presLayoutVars>
-      </dgm:prSet>
-      <dgm:spPr/>
-      <dgm:t>
-        <a:bodyPr/>
-        <a:lstStyle/>
-        <a:p>
-          <a:endParaRPr lang="en-US"/>
-        </a:p>
-      </dgm:t>
-    </dgm:pt>
-    <dgm:pt modelId="{11740182-5826-4EB6-9212-29EFE8CA856D}" type="pres">
-      <dgm:prSet presAssocID="{9FD3DE39-3E61-4CBC-B0FE-39BA926A0F16}" presName="Name13" presStyleLbl="parChTrans1D2" presStyleIdx="6" presStyleCnt="11"/>
-      <dgm:spPr/>
-      <dgm:t>
-        <a:bodyPr/>
-        <a:lstStyle/>
-        <a:p>
-          <a:endParaRPr lang="en-US"/>
-        </a:p>
-      </dgm:t>
-    </dgm:pt>
-    <dgm:pt modelId="{DC9C9830-AE78-4B49-8B2D-0881B6509383}" type="pres">
-      <dgm:prSet presAssocID="{6DFF1EA7-6C5B-47F4-B036-29908B2E206A}" presName="childText" presStyleLbl="bgAcc1" presStyleIdx="6" presStyleCnt="11" custScaleX="121084" custScaleY="36177" custLinFactNeighborX="-2083">
-        <dgm:presLayoutVars>
-          <dgm:bulletEnabled val="1"/>
-        </dgm:presLayoutVars>
-      </dgm:prSet>
-      <dgm:spPr/>
-      <dgm:t>
-        <a:bodyPr/>
-        <a:lstStyle/>
-        <a:p>
-          <a:endParaRPr lang="en-US"/>
-        </a:p>
-      </dgm:t>
-    </dgm:pt>
-    <dgm:pt modelId="{C745C9FC-4960-4848-9000-F4D085284BD6}" type="pres">
-      <dgm:prSet presAssocID="{82EB3747-5EDC-42AA-A867-B2E8BC642AFA}" presName="Name13" presStyleLbl="parChTrans1D2" presStyleIdx="7" presStyleCnt="11"/>
-      <dgm:spPr/>
-      <dgm:t>
-        <a:bodyPr/>
-        <a:lstStyle/>
-        <a:p>
-          <a:endParaRPr lang="en-US"/>
-        </a:p>
-      </dgm:t>
-    </dgm:pt>
-    <dgm:pt modelId="{3F8D49A2-3284-499F-B53F-A3C02EC0E048}" type="pres">
-      <dgm:prSet presAssocID="{B825275A-FDDE-4056-8D4F-E1712338DE90}" presName="childText" presStyleLbl="bgAcc1" presStyleIdx="7" presStyleCnt="11" custScaleX="242248" custScaleY="38190" custLinFactNeighborX="-2083">
-        <dgm:presLayoutVars>
-          <dgm:bulletEnabled val="1"/>
-        </dgm:presLayoutVars>
-      </dgm:prSet>
-      <dgm:spPr/>
-      <dgm:t>
-        <a:bodyPr/>
-        <a:lstStyle/>
-        <a:p>
-          <a:endParaRPr lang="en-US"/>
-        </a:p>
-      </dgm:t>
-    </dgm:pt>
-    <dgm:pt modelId="{F693726E-1BD8-4CF5-A624-39208FF42DB3}" type="pres">
-      <dgm:prSet presAssocID="{F5B5AEFE-FD7C-4B10-A6C8-0EA7680B5EA8}" presName="Name13" presStyleLbl="parChTrans1D2" presStyleIdx="8" presStyleCnt="11"/>
-      <dgm:spPr/>
-      <dgm:t>
-        <a:bodyPr/>
-        <a:lstStyle/>
-        <a:p>
-          <a:endParaRPr lang="en-US"/>
-        </a:p>
-      </dgm:t>
-    </dgm:pt>
-    <dgm:pt modelId="{AC11EBD0-8383-469D-B57B-D8ABFF513D43}" type="pres">
-      <dgm:prSet presAssocID="{692DE7B8-BB2B-4177-8611-22C8858E4E68}" presName="childText" presStyleLbl="bgAcc1" presStyleIdx="8" presStyleCnt="11" custScaleX="148072" custScaleY="33722" custLinFactNeighborX="-1609" custLinFactNeighborY="-1499">
-        <dgm:presLayoutVars>
-          <dgm:bulletEnabled val="1"/>
-        </dgm:presLayoutVars>
-      </dgm:prSet>
-      <dgm:spPr/>
-      <dgm:t>
-        <a:bodyPr/>
-        <a:lstStyle/>
-        <a:p>
-          <a:endParaRPr lang="en-US"/>
-        </a:p>
-      </dgm:t>
-    </dgm:pt>
-    <dgm:pt modelId="{60A61B7C-EBFC-40FB-B342-AE823ABC614C}" type="pres">
-      <dgm:prSet presAssocID="{FD963B44-5EC7-48F1-A383-CCA577D01A14}" presName="root" presStyleCnt="0"/>
-      <dgm:spPr/>
-    </dgm:pt>
-    <dgm:pt modelId="{D114456B-87D2-4EBA-B88C-2EC488159A0F}" type="pres">
-      <dgm:prSet presAssocID="{FD963B44-5EC7-48F1-A383-CCA577D01A14}" presName="rootComposite" presStyleCnt="0"/>
-      <dgm:spPr/>
-    </dgm:pt>
-    <dgm:pt modelId="{3C8E8F72-4C43-4FFC-AEFF-219062D96DB2}" type="pres">
-      <dgm:prSet presAssocID="{FD963B44-5EC7-48F1-A383-CCA577D01A14}" presName="rootText" presStyleLbl="node1" presStyleIdx="2" presStyleCnt="3" custScaleX="106927" custLinFactNeighborX="-11271"/>
-      <dgm:spPr/>
-      <dgm:t>
-        <a:bodyPr/>
-        <a:lstStyle/>
-        <a:p>
-          <a:endParaRPr lang="en-US"/>
-        </a:p>
-      </dgm:t>
-    </dgm:pt>
-    <dgm:pt modelId="{43664C5C-94C8-463B-B985-46C6AE63D85F}" type="pres">
-      <dgm:prSet presAssocID="{FD963B44-5EC7-48F1-A383-CCA577D01A14}" presName="rootConnector" presStyleLbl="node1" presStyleIdx="2" presStyleCnt="3"/>
-      <dgm:spPr/>
-      <dgm:t>
-        <a:bodyPr/>
-        <a:lstStyle/>
-        <a:p>
-          <a:endParaRPr lang="en-US"/>
-        </a:p>
-      </dgm:t>
-    </dgm:pt>
-    <dgm:pt modelId="{2159D6D3-EAE1-441D-96CC-1262C8B2F489}" type="pres">
-      <dgm:prSet presAssocID="{FD963B44-5EC7-48F1-A383-CCA577D01A14}" presName="childShape" presStyleCnt="0"/>
-      <dgm:spPr/>
-    </dgm:pt>
-    <dgm:pt modelId="{87CA1243-0E0D-4CB9-A20E-711DFC058565}" type="pres">
-      <dgm:prSet presAssocID="{362ABF0A-0708-463F-92C2-9681EF58ABB8}" presName="Name13" presStyleLbl="parChTrans1D2" presStyleIdx="9" presStyleCnt="11"/>
-      <dgm:spPr/>
-      <dgm:t>
-        <a:bodyPr/>
-        <a:lstStyle/>
-        <a:p>
-          <a:endParaRPr lang="en-US"/>
-        </a:p>
-      </dgm:t>
-    </dgm:pt>
-    <dgm:pt modelId="{AD96485D-9021-4AE3-9AF1-91BF9C7DC4A9}" type="pres">
-      <dgm:prSet presAssocID="{F9EFD451-C8BE-4DAF-B25F-3D36ACC2613B}" presName="childText" presStyleLbl="bgAcc1" presStyleIdx="9" presStyleCnt="11" custScaleX="102339" custScaleY="36177" custLinFactNeighborX="-20669" custLinFactNeighborY="8587">
-        <dgm:presLayoutVars>
-          <dgm:bulletEnabled val="1"/>
-        </dgm:presLayoutVars>
-      </dgm:prSet>
-      <dgm:spPr/>
-      <dgm:t>
-        <a:bodyPr/>
-        <a:lstStyle/>
-        <a:p>
-          <a:endParaRPr lang="en-US"/>
-        </a:p>
-      </dgm:t>
-    </dgm:pt>
-    <dgm:pt modelId="{EFA0C431-24CD-4099-9BAE-EC52CFA42898}" type="pres">
-      <dgm:prSet presAssocID="{751793A3-5DEF-4F9E-8D8D-527D4939AE9D}" presName="Name13" presStyleLbl="parChTrans1D2" presStyleIdx="10" presStyleCnt="11"/>
-      <dgm:spPr/>
-      <dgm:t>
-        <a:bodyPr/>
-        <a:lstStyle/>
-        <a:p>
-          <a:endParaRPr lang="en-US"/>
-        </a:p>
-      </dgm:t>
-    </dgm:pt>
-    <dgm:pt modelId="{E592C975-6A58-42A6-8A1C-546B354206FF}" type="pres">
-      <dgm:prSet presAssocID="{FD10FD97-50E4-40A3-BDAA-CCE0B61C0C59}" presName="childText" presStyleLbl="bgAcc1" presStyleIdx="10" presStyleCnt="11" custScaleX="102339" custScaleY="36177" custLinFactNeighborX="-20669" custLinFactNeighborY="8587">
-        <dgm:presLayoutVars>
-          <dgm:bulletEnabled val="1"/>
-        </dgm:presLayoutVars>
-      </dgm:prSet>
-      <dgm:spPr/>
-      <dgm:t>
-        <a:bodyPr/>
-        <a:lstStyle/>
-        <a:p>
-          <a:endParaRPr lang="en-US"/>
-        </a:p>
-      </dgm:t>
-    </dgm:pt>
-  </dgm:ptLst>
-  <dgm:cxnLst>
-    <dgm:cxn modelId="{8201C9E7-0A38-4947-8D71-31A146C78175}" type="presOf" srcId="{0E37C0FA-EF0A-41E2-A8FB-38B7A7F42F61}" destId="{3AC43A25-BC81-4A6B-BE8D-FB2B2029355A}" srcOrd="0" destOrd="0" presId="urn:microsoft.com/office/officeart/2005/8/layout/hierarchy3"/>
-    <dgm:cxn modelId="{690325C6-D7C8-499B-B21B-C5E038399314}" type="presOf" srcId="{E2BC1238-6292-4896-B53E-D30625AECFB1}" destId="{457EBE8C-597D-433F-966E-30FD815E5E2D}" srcOrd="0" destOrd="0" presId="urn:microsoft.com/office/officeart/2005/8/layout/hierarchy3"/>
-    <dgm:cxn modelId="{6D4D96CA-4B75-4288-B5D8-30845697A889}" srcId="{2CE5D4EC-9373-448C-82E5-A22606343899}" destId="{E3BAFD88-03FE-4204-B346-D368633F0194}" srcOrd="1" destOrd="0" parTransId="{E2BC1238-6292-4896-B53E-D30625AECFB1}" sibTransId="{8BFC7169-C761-4716-87B9-0717E8B6CDD8}"/>
-    <dgm:cxn modelId="{9CDB3399-F943-437F-926A-7C35DE7D05DC}" srcId="{FD963B44-5EC7-48F1-A383-CCA577D01A14}" destId="{F9EFD451-C8BE-4DAF-B25F-3D36ACC2613B}" srcOrd="0" destOrd="0" parTransId="{362ABF0A-0708-463F-92C2-9681EF58ABB8}" sibTransId="{4FE199F1-822B-44CC-8E78-68257996B591}"/>
-    <dgm:cxn modelId="{A93E633D-182F-4591-B226-092A46264250}" type="presOf" srcId="{692DE7B8-BB2B-4177-8611-22C8858E4E68}" destId="{AC11EBD0-8383-469D-B57B-D8ABFF513D43}" srcOrd="0" destOrd="0" presId="urn:microsoft.com/office/officeart/2005/8/layout/hierarchy3"/>
-    <dgm:cxn modelId="{62C3F4F2-9DF2-4FF1-9FF9-D6D5B649A269}" type="presOf" srcId="{9FD3DE39-3E61-4CBC-B0FE-39BA926A0F16}" destId="{11740182-5826-4EB6-9212-29EFE8CA856D}" srcOrd="0" destOrd="0" presId="urn:microsoft.com/office/officeart/2005/8/layout/hierarchy3"/>
-    <dgm:cxn modelId="{2414D42E-086D-49D0-A26A-2B08649153BA}" type="presOf" srcId="{FD963B44-5EC7-48F1-A383-CCA577D01A14}" destId="{3C8E8F72-4C43-4FFC-AEFF-219062D96DB2}" srcOrd="0" destOrd="0" presId="urn:microsoft.com/office/officeart/2005/8/layout/hierarchy3"/>
-    <dgm:cxn modelId="{365574E7-39AC-4E4F-8D73-C9FF3342917E}" type="presOf" srcId="{FD963B44-5EC7-48F1-A383-CCA577D01A14}" destId="{43664C5C-94C8-463B-B985-46C6AE63D85F}" srcOrd="1" destOrd="0" presId="urn:microsoft.com/office/officeart/2005/8/layout/hierarchy3"/>
-    <dgm:cxn modelId="{4FEA79A3-0118-4B95-AB7D-8A8B32C4BC08}" type="presOf" srcId="{F040CB33-0CA3-4F86-90AD-433502FD5EC0}" destId="{2AFCFA76-6F7A-4479-983C-FEF5916C6BD8}" srcOrd="0" destOrd="0" presId="urn:microsoft.com/office/officeart/2005/8/layout/hierarchy3"/>
-    <dgm:cxn modelId="{B1B8F921-C707-41B2-B214-6084D186BA15}" srcId="{FD963B44-5EC7-48F1-A383-CCA577D01A14}" destId="{FD10FD97-50E4-40A3-BDAA-CCE0B61C0C59}" srcOrd="1" destOrd="0" parTransId="{751793A3-5DEF-4F9E-8D8D-527D4939AE9D}" sibTransId="{FF2E2096-3107-41C3-974B-42CBBCE44BB3}"/>
-    <dgm:cxn modelId="{CB7FF84F-7076-44B3-A492-0EA652399CFB}" type="presOf" srcId="{E3BAFD88-03FE-4204-B346-D368633F0194}" destId="{9A1BCF8B-3F39-4A73-B539-DCCD4108908A}" srcOrd="0" destOrd="0" presId="urn:microsoft.com/office/officeart/2005/8/layout/hierarchy3"/>
-    <dgm:cxn modelId="{E3A01FD8-4FFB-4BEF-BF41-8562C0FA711F}" type="presOf" srcId="{2CE5D4EC-9373-448C-82E5-A22606343899}" destId="{DA7997CE-5516-4E4E-8EFA-8BBC59D57785}" srcOrd="1" destOrd="0" presId="urn:microsoft.com/office/officeart/2005/8/layout/hierarchy3"/>
-    <dgm:cxn modelId="{D17A8772-3A82-4D6B-87C6-F51E57101912}" type="presOf" srcId="{F9EFD451-C8BE-4DAF-B25F-3D36ACC2613B}" destId="{AD96485D-9021-4AE3-9AF1-91BF9C7DC4A9}" srcOrd="0" destOrd="0" presId="urn:microsoft.com/office/officeart/2005/8/layout/hierarchy3"/>
-    <dgm:cxn modelId="{0A66F6DC-DBB7-43D9-A835-E26738185BBE}" type="presOf" srcId="{6C7D0A0E-584E-41E4-9EF1-02EE8936836C}" destId="{CCEF3560-3C73-4128-89F8-DC7E6E2E204B}" srcOrd="0" destOrd="0" presId="urn:microsoft.com/office/officeart/2005/8/layout/hierarchy3"/>
-    <dgm:cxn modelId="{DC6E1E42-98E4-4D66-8775-F0DCE85FA8EE}" srcId="{2CE5D4EC-9373-448C-82E5-A22606343899}" destId="{F040CB33-0CA3-4F86-90AD-433502FD5EC0}" srcOrd="0" destOrd="0" parTransId="{9F639868-1B81-4680-95EA-FBCEAD976198}" sibTransId="{2CDB7BF2-8397-451D-8D69-05285595F505}"/>
-    <dgm:cxn modelId="{5D4DFBE8-22CA-4D6F-96E9-20345BE9FD57}" type="presOf" srcId="{B825275A-FDDE-4056-8D4F-E1712338DE90}" destId="{3F8D49A2-3284-499F-B53F-A3C02EC0E048}" srcOrd="0" destOrd="0" presId="urn:microsoft.com/office/officeart/2005/8/layout/hierarchy3"/>
-    <dgm:cxn modelId="{B85D179E-5F38-435B-9B79-92A5EE552DBF}" srcId="{BF7C79FE-2DBE-444C-8582-15FC2AC701A8}" destId="{2CE5D4EC-9373-448C-82E5-A22606343899}" srcOrd="1" destOrd="0" parTransId="{94D3696E-22A3-4267-AB5E-694D2F11B8E2}" sibTransId="{15186BA8-97FD-488E-AE5A-D1A0CE5FF8D8}"/>
-    <dgm:cxn modelId="{FBB2424F-40BD-45DE-AF64-DC159651252C}" type="presOf" srcId="{362ABF0A-0708-463F-92C2-9681EF58ABB8}" destId="{87CA1243-0E0D-4CB9-A20E-711DFC058565}" srcOrd="0" destOrd="0" presId="urn:microsoft.com/office/officeart/2005/8/layout/hierarchy3"/>
-    <dgm:cxn modelId="{5FBFA765-F8FA-4FB6-A4BE-F80DC657C4CA}" type="presOf" srcId="{EC5736B2-B2BA-4987-BC4F-8030969CDD73}" destId="{D87CF371-4165-4ECD-9CC4-97F516956AB5}" srcOrd="0" destOrd="0" presId="urn:microsoft.com/office/officeart/2005/8/layout/hierarchy3"/>
-    <dgm:cxn modelId="{00737FB8-C392-4330-9804-FB8C7B34E167}" type="presOf" srcId="{F5B5AEFE-FD7C-4B10-A6C8-0EA7680B5EA8}" destId="{F693726E-1BD8-4CF5-A624-39208FF42DB3}" srcOrd="0" destOrd="0" presId="urn:microsoft.com/office/officeart/2005/8/layout/hierarchy3"/>
-    <dgm:cxn modelId="{79E1DA56-543D-4D70-9CAF-1040786CC724}" srcId="{2CE5D4EC-9373-448C-82E5-A22606343899}" destId="{6DFF1EA7-6C5B-47F4-B036-29908B2E206A}" srcOrd="2" destOrd="0" parTransId="{9FD3DE39-3E61-4CBC-B0FE-39BA926A0F16}" sibTransId="{50A069C1-610B-4EE8-AF35-9C05381713D5}"/>
-    <dgm:cxn modelId="{A07602AA-152F-414F-A24C-4D526A188F25}" type="presOf" srcId="{F5B269E2-72EA-4EFB-9C3C-152C36FC161C}" destId="{7292F0EE-BF4C-4928-999E-A35FCFE0A11A}" srcOrd="0" destOrd="0" presId="urn:microsoft.com/office/officeart/2005/8/layout/hierarchy3"/>
-    <dgm:cxn modelId="{090B46D6-AB7C-40CA-BC88-1EA1A502F327}" srcId="{BF7C79FE-2DBE-444C-8582-15FC2AC701A8}" destId="{73D86C51-5763-4298-9EEA-71F1468774C9}" srcOrd="0" destOrd="0" parTransId="{37E70725-3C19-4814-BA5D-5CFCA1BE6BAC}" sibTransId="{E5A9ED37-6902-45C4-B05C-527B3F7B6DE5}"/>
-    <dgm:cxn modelId="{98BDDFAF-9158-4A29-8352-32B08D51A2CD}" type="presOf" srcId="{D7CDA677-9BA4-4D5A-A59C-F9E3A9F4E022}" destId="{8C37D885-6593-462C-AA05-6CD8EA638401}" srcOrd="0" destOrd="0" presId="urn:microsoft.com/office/officeart/2005/8/layout/hierarchy3"/>
-    <dgm:cxn modelId="{117A1A0A-31CF-415F-BD19-DCE8A75BCD27}" type="presOf" srcId="{646D5331-3C29-4E7A-A8A9-3E290DD93285}" destId="{5FA849F3-2870-4117-B35F-44C7C5D9D3F5}" srcOrd="0" destOrd="0" presId="urn:microsoft.com/office/officeart/2005/8/layout/hierarchy3"/>
-    <dgm:cxn modelId="{4557D664-2270-4490-9B82-DFF39E271F75}" type="presOf" srcId="{9AEFBF59-1365-4820-B672-FD7021CACA2D}" destId="{964BD0A1-575D-4561-A934-3A5596A69899}" srcOrd="0" destOrd="0" presId="urn:microsoft.com/office/officeart/2005/8/layout/hierarchy3"/>
-    <dgm:cxn modelId="{291E1DBE-D0DC-4062-BA77-16658F8267EC}" srcId="{BF7C79FE-2DBE-444C-8582-15FC2AC701A8}" destId="{FD963B44-5EC7-48F1-A383-CCA577D01A14}" srcOrd="2" destOrd="0" parTransId="{A03785E0-C580-4D34-8EB1-8CC23D6E86BD}" sibTransId="{68A4C2C8-0F1C-4417-91F4-8D8408AACE16}"/>
-    <dgm:cxn modelId="{3ECB3C60-A973-469B-A508-E5BE71C03A7A}" srcId="{2CE5D4EC-9373-448C-82E5-A22606343899}" destId="{B825275A-FDDE-4056-8D4F-E1712338DE90}" srcOrd="3" destOrd="0" parTransId="{82EB3747-5EDC-42AA-A867-B2E8BC642AFA}" sibTransId="{5B14E964-E67C-4405-A1B2-A016027946E5}"/>
-    <dgm:cxn modelId="{99F382A8-86AC-4241-B6CC-48156765712B}" type="presOf" srcId="{82EB3747-5EDC-42AA-A867-B2E8BC642AFA}" destId="{C745C9FC-4960-4848-9000-F4D085284BD6}" srcOrd="0" destOrd="0" presId="urn:microsoft.com/office/officeart/2005/8/layout/hierarchy3"/>
-    <dgm:cxn modelId="{BAC2A64A-6E3C-4123-8B5B-DE9AF005AD03}" type="presOf" srcId="{73D86C51-5763-4298-9EEA-71F1468774C9}" destId="{FEB727E6-CE5A-4C42-82E1-CFA508B23006}" srcOrd="1" destOrd="0" presId="urn:microsoft.com/office/officeart/2005/8/layout/hierarchy3"/>
-    <dgm:cxn modelId="{695DDF4C-6F3E-4C4A-B1FA-0BD3C770C78F}" type="presOf" srcId="{BF7C79FE-2DBE-444C-8582-15FC2AC701A8}" destId="{DB073B97-548D-41F0-A876-7622516572B9}" srcOrd="0" destOrd="0" presId="urn:microsoft.com/office/officeart/2005/8/layout/hierarchy3"/>
-    <dgm:cxn modelId="{ED118263-BD2E-438D-93F5-90705AF72559}" type="presOf" srcId="{9F639868-1B81-4680-95EA-FBCEAD976198}" destId="{06ACC55D-1859-48B9-923E-41A7399F42ED}" srcOrd="0" destOrd="0" presId="urn:microsoft.com/office/officeart/2005/8/layout/hierarchy3"/>
-    <dgm:cxn modelId="{F73356A7-6A05-4F08-BF4B-EF256B9DAE26}" srcId="{73D86C51-5763-4298-9EEA-71F1468774C9}" destId="{E354DAC9-55F3-4010-BAAD-52117EB33DC6}" srcOrd="2" destOrd="0" parTransId="{F5B269E2-72EA-4EFB-9C3C-152C36FC161C}" sibTransId="{C4F2E2B9-0A58-4D62-9577-4D03D3A7584F}"/>
-    <dgm:cxn modelId="{63A9CD96-CE84-4273-A745-62A58921E90E}" type="presOf" srcId="{E354DAC9-55F3-4010-BAAD-52117EB33DC6}" destId="{902E56C3-7153-4967-A765-4755747B76A3}" srcOrd="0" destOrd="0" presId="urn:microsoft.com/office/officeart/2005/8/layout/hierarchy3"/>
-    <dgm:cxn modelId="{6BF327FA-D5C6-43C1-9982-B0CA5874C047}" srcId="{73D86C51-5763-4298-9EEA-71F1468774C9}" destId="{0E37C0FA-EF0A-41E2-A8FB-38B7A7F42F61}" srcOrd="0" destOrd="0" parTransId="{D7CDA677-9BA4-4D5A-A59C-F9E3A9F4E022}" sibTransId="{8404A25A-A978-457F-B044-3431EEE38D90}"/>
-    <dgm:cxn modelId="{47031848-CAA3-4D08-8815-9676237032A7}" type="presOf" srcId="{2CE5D4EC-9373-448C-82E5-A22606343899}" destId="{508C05A8-918D-425D-B9FA-95D7693DA324}" srcOrd="0" destOrd="0" presId="urn:microsoft.com/office/officeart/2005/8/layout/hierarchy3"/>
-    <dgm:cxn modelId="{DFBAF3F7-0DE8-42BA-A887-F62488F5D151}" type="presOf" srcId="{6DFF1EA7-6C5B-47F4-B036-29908B2E206A}" destId="{DC9C9830-AE78-4B49-8B2D-0881B6509383}" srcOrd="0" destOrd="0" presId="urn:microsoft.com/office/officeart/2005/8/layout/hierarchy3"/>
-    <dgm:cxn modelId="{CB7E492E-10A5-40B2-863F-9E0DCABF620B}" srcId="{73D86C51-5763-4298-9EEA-71F1468774C9}" destId="{9AEFBF59-1365-4820-B672-FD7021CACA2D}" srcOrd="3" destOrd="0" parTransId="{6C7D0A0E-584E-41E4-9EF1-02EE8936836C}" sibTransId="{7E603E3A-CFE7-4D3E-8AB7-C473B8823AC8}"/>
-    <dgm:cxn modelId="{1CB3142F-09BA-4C6A-95B1-5EFC92B351DC}" srcId="{73D86C51-5763-4298-9EEA-71F1468774C9}" destId="{EC5736B2-B2BA-4987-BC4F-8030969CDD73}" srcOrd="1" destOrd="0" parTransId="{646D5331-3C29-4E7A-A8A9-3E290DD93285}" sibTransId="{A5987D09-F1D0-4F76-A41C-39F8576FB9BB}"/>
-    <dgm:cxn modelId="{28A627FF-7820-4A2A-BD23-A54BDCFB6A76}" type="presOf" srcId="{FD10FD97-50E4-40A3-BDAA-CCE0B61C0C59}" destId="{E592C975-6A58-42A6-8A1C-546B354206FF}" srcOrd="0" destOrd="0" presId="urn:microsoft.com/office/officeart/2005/8/layout/hierarchy3"/>
-    <dgm:cxn modelId="{EB53665B-8450-4F2D-BF33-64753A58AF6D}" type="presOf" srcId="{73D86C51-5763-4298-9EEA-71F1468774C9}" destId="{FA3637AE-5E0F-478A-BA47-28082756EE59}" srcOrd="0" destOrd="0" presId="urn:microsoft.com/office/officeart/2005/8/layout/hierarchy3"/>
-    <dgm:cxn modelId="{E4992BC8-D210-43C2-985D-CBD9A4A2EA7B}" type="presOf" srcId="{751793A3-5DEF-4F9E-8D8D-527D4939AE9D}" destId="{EFA0C431-24CD-4099-9BAE-EC52CFA42898}" srcOrd="0" destOrd="0" presId="urn:microsoft.com/office/officeart/2005/8/layout/hierarchy3"/>
-    <dgm:cxn modelId="{2FE6929D-B8F5-4A91-92CA-62FA29D45C11}" srcId="{2CE5D4EC-9373-448C-82E5-A22606343899}" destId="{692DE7B8-BB2B-4177-8611-22C8858E4E68}" srcOrd="4" destOrd="0" parTransId="{F5B5AEFE-FD7C-4B10-A6C8-0EA7680B5EA8}" sibTransId="{A33C5FCC-2C50-4A6E-A629-CE6DB7BD1021}"/>
-    <dgm:cxn modelId="{A46704BA-3BE9-4800-B140-6C09EE9A5792}" type="presParOf" srcId="{DB073B97-548D-41F0-A876-7622516572B9}" destId="{17720103-9239-4500-8BF3-2E7CA0BFFF9D}" srcOrd="0" destOrd="0" presId="urn:microsoft.com/office/officeart/2005/8/layout/hierarchy3"/>
-    <dgm:cxn modelId="{1F7C0C92-96CB-4C1F-8C73-887173CA9F08}" type="presParOf" srcId="{17720103-9239-4500-8BF3-2E7CA0BFFF9D}" destId="{5475CEF3-A99A-4C6E-B783-B1E41C006D8F}" srcOrd="0" destOrd="0" presId="urn:microsoft.com/office/officeart/2005/8/layout/hierarchy3"/>
-    <dgm:cxn modelId="{649A290C-D257-4A87-B227-B3D7E52650F8}" type="presParOf" srcId="{5475CEF3-A99A-4C6E-B783-B1E41C006D8F}" destId="{FA3637AE-5E0F-478A-BA47-28082756EE59}" srcOrd="0" destOrd="0" presId="urn:microsoft.com/office/officeart/2005/8/layout/hierarchy3"/>
-    <dgm:cxn modelId="{A5939314-2FB3-4CDE-8014-47382792DE4D}" type="presParOf" srcId="{5475CEF3-A99A-4C6E-B783-B1E41C006D8F}" destId="{FEB727E6-CE5A-4C42-82E1-CFA508B23006}" srcOrd="1" destOrd="0" presId="urn:microsoft.com/office/officeart/2005/8/layout/hierarchy3"/>
-    <dgm:cxn modelId="{BCB5E021-811E-45DF-8D9D-FD9B6069ADD4}" type="presParOf" srcId="{17720103-9239-4500-8BF3-2E7CA0BFFF9D}" destId="{C43A135B-A644-4965-8D24-38712C3CE736}" srcOrd="1" destOrd="0" presId="urn:microsoft.com/office/officeart/2005/8/layout/hierarchy3"/>
-    <dgm:cxn modelId="{E26D1A69-3BBA-414B-8269-32A71EF29D41}" type="presParOf" srcId="{C43A135B-A644-4965-8D24-38712C3CE736}" destId="{8C37D885-6593-462C-AA05-6CD8EA638401}" srcOrd="0" destOrd="0" presId="urn:microsoft.com/office/officeart/2005/8/layout/hierarchy3"/>
-    <dgm:cxn modelId="{6A9B0240-4F5B-4A26-905B-7FC7CBAB32EA}" type="presParOf" srcId="{C43A135B-A644-4965-8D24-38712C3CE736}" destId="{3AC43A25-BC81-4A6B-BE8D-FB2B2029355A}" srcOrd="1" destOrd="0" presId="urn:microsoft.com/office/officeart/2005/8/layout/hierarchy3"/>
-    <dgm:cxn modelId="{FB9656E9-52BB-431F-994E-2503D576BAB5}" type="presParOf" srcId="{C43A135B-A644-4965-8D24-38712C3CE736}" destId="{5FA849F3-2870-4117-B35F-44C7C5D9D3F5}" srcOrd="2" destOrd="0" presId="urn:microsoft.com/office/officeart/2005/8/layout/hierarchy3"/>
-    <dgm:cxn modelId="{090AF31F-70BF-49C7-9A24-6B8B4DD235E4}" type="presParOf" srcId="{C43A135B-A644-4965-8D24-38712C3CE736}" destId="{D87CF371-4165-4ECD-9CC4-97F516956AB5}" srcOrd="3" destOrd="0" presId="urn:microsoft.com/office/officeart/2005/8/layout/hierarchy3"/>
-    <dgm:cxn modelId="{D6F6CCDC-1575-4B72-911D-0368328E35D1}" type="presParOf" srcId="{C43A135B-A644-4965-8D24-38712C3CE736}" destId="{7292F0EE-BF4C-4928-999E-A35FCFE0A11A}" srcOrd="4" destOrd="0" presId="urn:microsoft.com/office/officeart/2005/8/layout/hierarchy3"/>
-    <dgm:cxn modelId="{FCF6E4AD-BD04-476A-AACB-EE6C8F718EEA}" type="presParOf" srcId="{C43A135B-A644-4965-8D24-38712C3CE736}" destId="{902E56C3-7153-4967-A765-4755747B76A3}" srcOrd="5" destOrd="0" presId="urn:microsoft.com/office/officeart/2005/8/layout/hierarchy3"/>
-    <dgm:cxn modelId="{F46B4A3D-4904-44E2-8585-C97C6AB113C0}" type="presParOf" srcId="{C43A135B-A644-4965-8D24-38712C3CE736}" destId="{CCEF3560-3C73-4128-89F8-DC7E6E2E204B}" srcOrd="6" destOrd="0" presId="urn:microsoft.com/office/officeart/2005/8/layout/hierarchy3"/>
-    <dgm:cxn modelId="{F5DB1F5E-7178-4E2E-AE95-41B0949F55E9}" type="presParOf" srcId="{C43A135B-A644-4965-8D24-38712C3CE736}" destId="{964BD0A1-575D-4561-A934-3A5596A69899}" srcOrd="7" destOrd="0" presId="urn:microsoft.com/office/officeart/2005/8/layout/hierarchy3"/>
-    <dgm:cxn modelId="{F056FFEC-0093-4D99-9A7C-8024099BAED9}" type="presParOf" srcId="{DB073B97-548D-41F0-A876-7622516572B9}" destId="{29C0FFEF-0CB5-4FC4-8BF5-C2BA2EF2A69B}" srcOrd="1" destOrd="0" presId="urn:microsoft.com/office/officeart/2005/8/layout/hierarchy3"/>
-    <dgm:cxn modelId="{5F851DF7-8FAD-4A94-98E7-2E54FE1140FB}" type="presParOf" srcId="{29C0FFEF-0CB5-4FC4-8BF5-C2BA2EF2A69B}" destId="{1C24205E-FE83-4064-BDA9-8BAF20E63DCB}" srcOrd="0" destOrd="0" presId="urn:microsoft.com/office/officeart/2005/8/layout/hierarchy3"/>
-    <dgm:cxn modelId="{A2CC8A23-8734-44B5-B34B-E46846C693E9}" type="presParOf" srcId="{1C24205E-FE83-4064-BDA9-8BAF20E63DCB}" destId="{508C05A8-918D-425D-B9FA-95D7693DA324}" srcOrd="0" destOrd="0" presId="urn:microsoft.com/office/officeart/2005/8/layout/hierarchy3"/>
-    <dgm:cxn modelId="{011BE526-DE35-4995-940C-74C3886AC882}" type="presParOf" srcId="{1C24205E-FE83-4064-BDA9-8BAF20E63DCB}" destId="{DA7997CE-5516-4E4E-8EFA-8BBC59D57785}" srcOrd="1" destOrd="0" presId="urn:microsoft.com/office/officeart/2005/8/layout/hierarchy3"/>
-    <dgm:cxn modelId="{8C6AF3EC-66B4-4371-89E8-0E4347E8FDB4}" type="presParOf" srcId="{29C0FFEF-0CB5-4FC4-8BF5-C2BA2EF2A69B}" destId="{975322F4-AEFD-43DD-8DDB-2D3C18D5CF07}" srcOrd="1" destOrd="0" presId="urn:microsoft.com/office/officeart/2005/8/layout/hierarchy3"/>
-    <dgm:cxn modelId="{521145D9-D87D-48A4-B89B-54BBA0295A43}" type="presParOf" srcId="{975322F4-AEFD-43DD-8DDB-2D3C18D5CF07}" destId="{06ACC55D-1859-48B9-923E-41A7399F42ED}" srcOrd="0" destOrd="0" presId="urn:microsoft.com/office/officeart/2005/8/layout/hierarchy3"/>
-    <dgm:cxn modelId="{CCC5FDA9-0A49-45CB-A3BF-CABE32C37345}" type="presParOf" srcId="{975322F4-AEFD-43DD-8DDB-2D3C18D5CF07}" destId="{2AFCFA76-6F7A-4479-983C-FEF5916C6BD8}" srcOrd="1" destOrd="0" presId="urn:microsoft.com/office/officeart/2005/8/layout/hierarchy3"/>
-    <dgm:cxn modelId="{0FBEF2ED-F237-402A-9FE0-EF6C6D952066}" type="presParOf" srcId="{975322F4-AEFD-43DD-8DDB-2D3C18D5CF07}" destId="{457EBE8C-597D-433F-966E-30FD815E5E2D}" srcOrd="2" destOrd="0" presId="urn:microsoft.com/office/officeart/2005/8/layout/hierarchy3"/>
-    <dgm:cxn modelId="{0889D0FD-D477-4996-B3B0-54AF6F22D737}" type="presParOf" srcId="{975322F4-AEFD-43DD-8DDB-2D3C18D5CF07}" destId="{9A1BCF8B-3F39-4A73-B539-DCCD4108908A}" srcOrd="3" destOrd="0" presId="urn:microsoft.com/office/officeart/2005/8/layout/hierarchy3"/>
-    <dgm:cxn modelId="{B77D39DC-7835-4CED-A314-FD31FD19FDCF}" type="presParOf" srcId="{975322F4-AEFD-43DD-8DDB-2D3C18D5CF07}" destId="{11740182-5826-4EB6-9212-29EFE8CA856D}" srcOrd="4" destOrd="0" presId="urn:microsoft.com/office/officeart/2005/8/layout/hierarchy3"/>
-    <dgm:cxn modelId="{21005393-3DB0-44B0-B5D9-2F4025391789}" type="presParOf" srcId="{975322F4-AEFD-43DD-8DDB-2D3C18D5CF07}" destId="{DC9C9830-AE78-4B49-8B2D-0881B6509383}" srcOrd="5" destOrd="0" presId="urn:microsoft.com/office/officeart/2005/8/layout/hierarchy3"/>
-    <dgm:cxn modelId="{78A034E8-A823-46D8-9407-489D4B287A26}" type="presParOf" srcId="{975322F4-AEFD-43DD-8DDB-2D3C18D5CF07}" destId="{C745C9FC-4960-4848-9000-F4D085284BD6}" srcOrd="6" destOrd="0" presId="urn:microsoft.com/office/officeart/2005/8/layout/hierarchy3"/>
-    <dgm:cxn modelId="{B756F35C-A1D5-4D8E-9CE4-209F464D6B6C}" type="presParOf" srcId="{975322F4-AEFD-43DD-8DDB-2D3C18D5CF07}" destId="{3F8D49A2-3284-499F-B53F-A3C02EC0E048}" srcOrd="7" destOrd="0" presId="urn:microsoft.com/office/officeart/2005/8/layout/hierarchy3"/>
-    <dgm:cxn modelId="{36C04204-724A-4C5C-A8B8-B7351B66BAFB}" type="presParOf" srcId="{975322F4-AEFD-43DD-8DDB-2D3C18D5CF07}" destId="{F693726E-1BD8-4CF5-A624-39208FF42DB3}" srcOrd="8" destOrd="0" presId="urn:microsoft.com/office/officeart/2005/8/layout/hierarchy3"/>
-    <dgm:cxn modelId="{5D76CCD8-2F8C-41F3-9E61-647A6185B01C}" type="presParOf" srcId="{975322F4-AEFD-43DD-8DDB-2D3C18D5CF07}" destId="{AC11EBD0-8383-469D-B57B-D8ABFF513D43}" srcOrd="9" destOrd="0" presId="urn:microsoft.com/office/officeart/2005/8/layout/hierarchy3"/>
-    <dgm:cxn modelId="{81AAA53A-66AD-43F2-9A53-BF284E139404}" type="presParOf" srcId="{DB073B97-548D-41F0-A876-7622516572B9}" destId="{60A61B7C-EBFC-40FB-B342-AE823ABC614C}" srcOrd="2" destOrd="0" presId="urn:microsoft.com/office/officeart/2005/8/layout/hierarchy3"/>
-    <dgm:cxn modelId="{7F06DAEF-78F4-4443-9144-87A3B12F70BA}" type="presParOf" srcId="{60A61B7C-EBFC-40FB-B342-AE823ABC614C}" destId="{D114456B-87D2-4EBA-B88C-2EC488159A0F}" srcOrd="0" destOrd="0" presId="urn:microsoft.com/office/officeart/2005/8/layout/hierarchy3"/>
-    <dgm:cxn modelId="{7CF09B06-02C3-48C8-B2FA-04E96BB2B879}" type="presParOf" srcId="{D114456B-87D2-4EBA-B88C-2EC488159A0F}" destId="{3C8E8F72-4C43-4FFC-AEFF-219062D96DB2}" srcOrd="0" destOrd="0" presId="urn:microsoft.com/office/officeart/2005/8/layout/hierarchy3"/>
-    <dgm:cxn modelId="{BAF75C4A-3A3E-4243-922E-F50D57435AFF}" type="presParOf" srcId="{D114456B-87D2-4EBA-B88C-2EC488159A0F}" destId="{43664C5C-94C8-463B-B985-46C6AE63D85F}" srcOrd="1" destOrd="0" presId="urn:microsoft.com/office/officeart/2005/8/layout/hierarchy3"/>
-    <dgm:cxn modelId="{AE064F3A-376D-4263-B76D-B5E65558999E}" type="presParOf" srcId="{60A61B7C-EBFC-40FB-B342-AE823ABC614C}" destId="{2159D6D3-EAE1-441D-96CC-1262C8B2F489}" srcOrd="1" destOrd="0" presId="urn:microsoft.com/office/officeart/2005/8/layout/hierarchy3"/>
-    <dgm:cxn modelId="{E6927CBB-85A4-4541-AA62-9007170C3160}" type="presParOf" srcId="{2159D6D3-EAE1-441D-96CC-1262C8B2F489}" destId="{87CA1243-0E0D-4CB9-A20E-711DFC058565}" srcOrd="0" destOrd="0" presId="urn:microsoft.com/office/officeart/2005/8/layout/hierarchy3"/>
-    <dgm:cxn modelId="{FB1DABDB-7A70-4CEB-91A8-6431CE09CB77}" type="presParOf" srcId="{2159D6D3-EAE1-441D-96CC-1262C8B2F489}" destId="{AD96485D-9021-4AE3-9AF1-91BF9C7DC4A9}" srcOrd="1" destOrd="0" presId="urn:microsoft.com/office/officeart/2005/8/layout/hierarchy3"/>
-    <dgm:cxn modelId="{1A95F9ED-C316-4EFC-B6FE-B208D5EA1EF7}" type="presParOf" srcId="{2159D6D3-EAE1-441D-96CC-1262C8B2F489}" destId="{EFA0C431-24CD-4099-9BAE-EC52CFA42898}" srcOrd="2" destOrd="0" presId="urn:microsoft.com/office/officeart/2005/8/layout/hierarchy3"/>
-    <dgm:cxn modelId="{8943197F-49C9-4A4C-B9FF-8A034B41FB3B}" type="presParOf" srcId="{2159D6D3-EAE1-441D-96CC-1262C8B2F489}" destId="{E592C975-6A58-42A6-8A1C-546B354206FF}" srcOrd="3" destOrd="0" presId="urn:microsoft.com/office/officeart/2005/8/layout/hierarchy3"/>
-  </dgm:cxnLst>
-  <dgm:bg/>
-  <dgm:whole/>
-  <dgm:extLst>
-    <a:ext uri="http://schemas.microsoft.com/office/drawing/2008/diagram">
-      <dsp:dataModelExt xmlns:dsp="http://schemas.microsoft.com/office/drawing/2008/diagram" relId="rId6" minVer="http://schemas.openxmlformats.org/drawingml/2006/diagram"/>
-    </a:ext>
-  </dgm:extLst>
-</dgm:dataModel>
-</file>
-
-<file path=ppt/diagrams/data3.xml><?xml version="1.0" encoding="utf-8"?>
 <dgm:dataModel xmlns:dgm="http://schemas.openxmlformats.org/drawingml/2006/diagram" xmlns:a="http://schemas.openxmlformats.org/drawingml/2006/main">
   <dgm:ptLst>
     <dgm:pt modelId="{71C4F53D-73F7-43C0-8068-C97792B04C36}" type="doc">
@@ -6235,18 +4200,6 @@
       <dsp:cNvGrpSpPr/>
     </dsp:nvGrpSpPr>
     <dsp:grpSpPr/>
-  </dsp:spTree>
-</dsp:drawing>
-</file>
-
-<file path=ppt/diagrams/drawing3.xml><?xml version="1.0" encoding="utf-8"?>
-<dsp:drawing xmlns:dgm="http://schemas.openxmlformats.org/drawingml/2006/diagram" xmlns:dsp="http://schemas.microsoft.com/office/drawing/2008/diagram" xmlns:a="http://schemas.openxmlformats.org/drawingml/2006/main">
-  <dsp:spTree>
-    <dsp:nvGrpSpPr>
-      <dsp:cNvPr id="0" name=""/>
-      <dsp:cNvGrpSpPr/>
-    </dsp:nvGrpSpPr>
-    <dsp:grpSpPr/>
     <dsp:sp modelId="{7750B759-A213-40FA-BEB4-4C184A1AF0F6}">
       <dsp:nvSpPr>
         <dsp:cNvPr id="0" name=""/>
@@ -7635,298 +5588,6 @@
 </file>
 
 <file path=ppt/diagrams/layout2.xml><?xml version="1.0" encoding="utf-8"?>
-<dgm:layoutDef xmlns:dgm="http://schemas.openxmlformats.org/drawingml/2006/diagram" xmlns:a="http://schemas.openxmlformats.org/drawingml/2006/main" uniqueId="urn:microsoft.com/office/officeart/2005/8/layout/hierarchy3">
-  <dgm:title val=""/>
-  <dgm:desc val=""/>
-  <dgm:catLst>
-    <dgm:cat type="hierarchy" pri="7000"/>
-    <dgm:cat type="list" pri="23000"/>
-    <dgm:cat type="relationship" pri="15000"/>
-    <dgm:cat type="convert" pri="7000"/>
-  </dgm:catLst>
-  <dgm:sampData>
-    <dgm:dataModel>
-      <dgm:ptLst>
-        <dgm:pt modelId="0" type="doc"/>
-        <dgm:pt modelId="1">
-          <dgm:prSet phldr="1"/>
-        </dgm:pt>
-        <dgm:pt modelId="11">
-          <dgm:prSet phldr="1"/>
-        </dgm:pt>
-        <dgm:pt modelId="12">
-          <dgm:prSet phldr="1"/>
-        </dgm:pt>
-        <dgm:pt modelId="2">
-          <dgm:prSet phldr="1"/>
-        </dgm:pt>
-        <dgm:pt modelId="21">
-          <dgm:prSet phldr="1"/>
-        </dgm:pt>
-        <dgm:pt modelId="22">
-          <dgm:prSet phldr="1"/>
-        </dgm:pt>
-      </dgm:ptLst>
-      <dgm:cxnLst>
-        <dgm:cxn modelId="4" srcId="0" destId="1" srcOrd="0" destOrd="0"/>
-        <dgm:cxn modelId="5" srcId="1" destId="11" srcOrd="0" destOrd="0"/>
-        <dgm:cxn modelId="6" srcId="1" destId="12" srcOrd="1" destOrd="0"/>
-        <dgm:cxn modelId="7" srcId="0" destId="2" srcOrd="1" destOrd="0"/>
-        <dgm:cxn modelId="8" srcId="2" destId="21" srcOrd="0" destOrd="0"/>
-        <dgm:cxn modelId="9" srcId="2" destId="22" srcOrd="1" destOrd="0"/>
-      </dgm:cxnLst>
-      <dgm:bg/>
-      <dgm:whole/>
-    </dgm:dataModel>
-  </dgm:sampData>
-  <dgm:styleData>
-    <dgm:dataModel>
-      <dgm:ptLst>
-        <dgm:pt modelId="0" type="doc"/>
-        <dgm:pt modelId="1"/>
-        <dgm:pt modelId="11"/>
-        <dgm:pt modelId="2"/>
-        <dgm:pt modelId="21"/>
-      </dgm:ptLst>
-      <dgm:cxnLst>
-        <dgm:cxn modelId="4" srcId="0" destId="1" srcOrd="0" destOrd="0"/>
-        <dgm:cxn modelId="5" srcId="0" destId="2" srcOrd="1" destOrd="0"/>
-        <dgm:cxn modelId="13" srcId="1" destId="11" srcOrd="0" destOrd="0"/>
-        <dgm:cxn modelId="23" srcId="2" destId="21" srcOrd="0" destOrd="0"/>
-      </dgm:cxnLst>
-      <dgm:bg/>
-      <dgm:whole/>
-    </dgm:dataModel>
-  </dgm:styleData>
-  <dgm:clrData>
-    <dgm:dataModel>
-      <dgm:ptLst>
-        <dgm:pt modelId="0" type="doc"/>
-        <dgm:pt modelId="1"/>
-        <dgm:pt modelId="11"/>
-        <dgm:pt modelId="2"/>
-        <dgm:pt modelId="21"/>
-        <dgm:pt modelId="3"/>
-        <dgm:pt modelId="31"/>
-        <dgm:pt modelId="4"/>
-        <dgm:pt modelId="41"/>
-      </dgm:ptLst>
-      <dgm:cxnLst>
-        <dgm:cxn modelId="5" srcId="0" destId="1" srcOrd="0" destOrd="0"/>
-        <dgm:cxn modelId="6" srcId="0" destId="2" srcOrd="1" destOrd="0"/>
-        <dgm:cxn modelId="7" srcId="0" destId="3" srcOrd="2" destOrd="0"/>
-        <dgm:cxn modelId="8" srcId="0" destId="4" srcOrd="3" destOrd="0"/>
-        <dgm:cxn modelId="13" srcId="1" destId="11" srcOrd="0" destOrd="0"/>
-        <dgm:cxn modelId="23" srcId="2" destId="21" srcOrd="0" destOrd="0"/>
-        <dgm:cxn modelId="33" srcId="3" destId="31" srcOrd="0" destOrd="0"/>
-        <dgm:cxn modelId="43" srcId="4" destId="41" srcOrd="0" destOrd="0"/>
-      </dgm:cxnLst>
-      <dgm:bg/>
-      <dgm:whole/>
-    </dgm:dataModel>
-  </dgm:clrData>
-  <dgm:layoutNode name="diagram">
-    <dgm:varLst>
-      <dgm:chPref val="1"/>
-      <dgm:dir/>
-      <dgm:animOne val="branch"/>
-      <dgm:animLvl val="lvl"/>
-      <dgm:resizeHandles/>
-    </dgm:varLst>
-    <dgm:choose name="Name0">
-      <dgm:if name="Name1" func="var" arg="dir" op="equ" val="norm">
-        <dgm:alg type="hierChild">
-          <dgm:param type="linDir" val="fromL"/>
-        </dgm:alg>
-      </dgm:if>
-      <dgm:else name="Name2">
-        <dgm:alg type="hierChild">
-          <dgm:param type="linDir" val="fromR"/>
-        </dgm:alg>
-      </dgm:else>
-    </dgm:choose>
-    <dgm:shape xmlns:r="http://schemas.openxmlformats.org/officeDocument/2006/relationships" r:blip="">
-      <dgm:adjLst/>
-    </dgm:shape>
-    <dgm:presOf/>
-    <dgm:constrLst>
-      <dgm:constr type="primFontSz" for="des" forName="rootText" op="equ" val="65"/>
-      <dgm:constr type="primFontSz" for="des" forName="childText" op="equ" val="65"/>
-      <dgm:constr type="w" for="des" forName="rootComposite" refType="w"/>
-      <dgm:constr type="h" for="des" forName="rootComposite" refType="w" fact="0.5"/>
-      <dgm:constr type="w" for="des" forName="childText" refType="w" refFor="des" refForName="rootComposite" fact="0.8"/>
-      <dgm:constr type="h" for="des" forName="childText" refType="h" refFor="des" refForName="rootComposite"/>
-      <dgm:constr type="sibSp" refType="w" refFor="des" refForName="rootComposite" fact="0.25"/>
-      <dgm:constr type="sibSp" for="des" forName="childShape" refType="h" refFor="des" refForName="childText" fact="0.25"/>
-      <dgm:constr type="sp" for="des" forName="root" refType="h" refFor="des" refForName="childText" fact="0.25"/>
-    </dgm:constrLst>
-    <dgm:ruleLst/>
-    <dgm:forEach name="Name3" axis="ch">
-      <dgm:forEach name="Name4" axis="self" ptType="node" cnt="1">
-        <dgm:layoutNode name="root">
-          <dgm:choose name="Name5">
-            <dgm:if name="Name6" func="var" arg="dir" op="equ" val="norm">
-              <dgm:alg type="hierRoot">
-                <dgm:param type="hierAlign" val="tL"/>
-              </dgm:alg>
-            </dgm:if>
-            <dgm:else name="Name7">
-              <dgm:alg type="hierRoot">
-                <dgm:param type="hierAlign" val="tR"/>
-              </dgm:alg>
-            </dgm:else>
-          </dgm:choose>
-          <dgm:shape xmlns:r="http://schemas.openxmlformats.org/officeDocument/2006/relationships" r:blip="">
-            <dgm:adjLst/>
-          </dgm:shape>
-          <dgm:presOf/>
-          <dgm:constrLst>
-            <dgm:constr type="alignOff" val="0.2"/>
-          </dgm:constrLst>
-          <dgm:ruleLst/>
-          <dgm:layoutNode name="rootComposite">
-            <dgm:alg type="composite"/>
-            <dgm:shape xmlns:r="http://schemas.openxmlformats.org/officeDocument/2006/relationships" r:blip="">
-              <dgm:adjLst/>
-            </dgm:shape>
-            <dgm:presOf axis="self" ptType="node" cnt="1"/>
-            <dgm:choose name="Name8">
-              <dgm:if name="Name9" func="var" arg="dir" op="equ" val="norm">
-                <dgm:constrLst>
-                  <dgm:constr type="l" for="ch" forName="rootText"/>
-                  <dgm:constr type="t" for="ch" forName="rootText"/>
-                  <dgm:constr type="w" for="ch" forName="rootText" refType="w"/>
-                  <dgm:constr type="h" for="ch" forName="rootText" refType="h"/>
-                  <dgm:constr type="l" for="ch" forName="rootConnector"/>
-                  <dgm:constr type="t" for="ch" forName="rootConnector"/>
-                  <dgm:constr type="w" for="ch" forName="rootConnector" refType="w" refFor="ch" refForName="rootText" fact="0.2"/>
-                  <dgm:constr type="h" for="ch" forName="rootConnector" refType="h" refFor="ch" refForName="rootText"/>
-                </dgm:constrLst>
-              </dgm:if>
-              <dgm:else name="Name10">
-                <dgm:constrLst>
-                  <dgm:constr type="l" for="ch" forName="rootText"/>
-                  <dgm:constr type="t" for="ch" forName="rootText"/>
-                  <dgm:constr type="w" for="ch" forName="rootText" refType="w"/>
-                  <dgm:constr type="h" for="ch" forName="rootText" refType="h"/>
-                  <dgm:constr type="r" for="ch" forName="rootConnector" refType="w"/>
-                  <dgm:constr type="t" for="ch" forName="rootConnector"/>
-                  <dgm:constr type="w" for="ch" forName="rootConnector" refType="w" refFor="ch" refForName="rootText" fact="0.2"/>
-                  <dgm:constr type="h" for="ch" forName="rootConnector" refType="h" refFor="ch" refForName="rootText"/>
-                </dgm:constrLst>
-              </dgm:else>
-            </dgm:choose>
-            <dgm:ruleLst/>
-            <dgm:layoutNode name="rootText" styleLbl="node1">
-              <dgm:alg type="tx"/>
-              <dgm:shape xmlns:r="http://schemas.openxmlformats.org/officeDocument/2006/relationships" type="roundRect" r:blip="">
-                <dgm:adjLst>
-                  <dgm:adj idx="1" val="0.1"/>
-                </dgm:adjLst>
-              </dgm:shape>
-              <dgm:presOf axis="self" ptType="node" cnt="1"/>
-              <dgm:constrLst>
-                <dgm:constr type="tMarg" refType="primFontSz" fact="0.1"/>
-                <dgm:constr type="bMarg" refType="primFontSz" fact="0.1"/>
-                <dgm:constr type="lMarg" refType="primFontSz" fact="0.15"/>
-                <dgm:constr type="rMarg" refType="primFontSz" fact="0.15"/>
-              </dgm:constrLst>
-              <dgm:ruleLst>
-                <dgm:rule type="primFontSz" val="5" fact="NaN" max="NaN"/>
-              </dgm:ruleLst>
-            </dgm:layoutNode>
-            <dgm:layoutNode name="rootConnector" moveWith="rootText">
-              <dgm:alg type="sp"/>
-              <dgm:shape xmlns:r="http://schemas.openxmlformats.org/officeDocument/2006/relationships" type="roundRect" r:blip="" hideGeom="1">
-                <dgm:adjLst>
-                  <dgm:adj idx="1" val="0.1"/>
-                </dgm:adjLst>
-              </dgm:shape>
-              <dgm:presOf axis="self" ptType="node" cnt="1"/>
-              <dgm:constrLst/>
-              <dgm:ruleLst/>
-            </dgm:layoutNode>
-          </dgm:layoutNode>
-          <dgm:layoutNode name="childShape">
-            <dgm:alg type="hierChild">
-              <dgm:param type="chAlign" val="l"/>
-              <dgm:param type="linDir" val="fromT"/>
-            </dgm:alg>
-            <dgm:shape xmlns:r="http://schemas.openxmlformats.org/officeDocument/2006/relationships" r:blip="">
-              <dgm:adjLst/>
-            </dgm:shape>
-            <dgm:presOf/>
-            <dgm:constrLst/>
-            <dgm:ruleLst/>
-            <dgm:forEach name="Name11" axis="ch">
-              <dgm:forEach name="Name12" axis="self" ptType="parTrans" cnt="1">
-                <dgm:layoutNode name="Name13">
-                  <dgm:choose name="Name14">
-                    <dgm:if name="Name15" func="var" arg="dir" op="equ" val="norm">
-                      <dgm:alg type="conn">
-                        <dgm:param type="dim" val="1D"/>
-                        <dgm:param type="endSty" val="noArr"/>
-                        <dgm:param type="connRout" val="bend"/>
-                        <dgm:param type="srcNode" val="rootConnector"/>
-                        <dgm:param type="begPts" val="bCtr"/>
-                        <dgm:param type="endPts" val="midL"/>
-                      </dgm:alg>
-                    </dgm:if>
-                    <dgm:else name="Name16">
-                      <dgm:alg type="conn">
-                        <dgm:param type="dim" val="1D"/>
-                        <dgm:param type="endSty" val="noArr"/>
-                        <dgm:param type="connRout" val="bend"/>
-                        <dgm:param type="srcNode" val="rootConnector"/>
-                        <dgm:param type="begPts" val="bCtr"/>
-                        <dgm:param type="endPts" val="midR"/>
-                      </dgm:alg>
-                    </dgm:else>
-                  </dgm:choose>
-                  <dgm:shape xmlns:r="http://schemas.openxmlformats.org/officeDocument/2006/relationships" type="conn" r:blip="">
-                    <dgm:adjLst/>
-                  </dgm:shape>
-                  <dgm:presOf axis="self"/>
-                  <dgm:constrLst>
-                    <dgm:constr type="begPad"/>
-                    <dgm:constr type="endPad"/>
-                  </dgm:constrLst>
-                  <dgm:ruleLst/>
-                </dgm:layoutNode>
-              </dgm:forEach>
-              <dgm:forEach name="Name17" axis="self" ptType="node">
-                <dgm:layoutNode name="childText" styleLbl="bgAcc1">
-                  <dgm:varLst>
-                    <dgm:bulletEnabled val="1"/>
-                  </dgm:varLst>
-                  <dgm:alg type="tx"/>
-                  <dgm:shape xmlns:r="http://schemas.openxmlformats.org/officeDocument/2006/relationships" type="roundRect" r:blip="">
-                    <dgm:adjLst>
-                      <dgm:adj idx="1" val="0.1"/>
-                    </dgm:adjLst>
-                  </dgm:shape>
-                  <dgm:presOf axis="self desOrSelf" ptType="node node" st="1 1" cnt="1 0"/>
-                  <dgm:constrLst>
-                    <dgm:constr type="tMarg" refType="primFontSz" fact="0.1"/>
-                    <dgm:constr type="bMarg" refType="primFontSz" fact="0.1"/>
-                    <dgm:constr type="lMarg" refType="primFontSz" fact="0.15"/>
-                    <dgm:constr type="rMarg" refType="primFontSz" fact="0.15"/>
-                  </dgm:constrLst>
-                  <dgm:ruleLst>
-                    <dgm:rule type="primFontSz" val="5" fact="NaN" max="NaN"/>
-                  </dgm:ruleLst>
-                </dgm:layoutNode>
-              </dgm:forEach>
-            </dgm:forEach>
-          </dgm:layoutNode>
-        </dgm:layoutNode>
-      </dgm:forEach>
-    </dgm:forEach>
-  </dgm:layoutNode>
-</dgm:layoutDef>
-</file>
-
-<file path=ppt/diagrams/layout3.xml><?xml version="1.0" encoding="utf-8"?>
 <dgm:layoutDef xmlns:dgm="http://schemas.openxmlformats.org/drawingml/2006/diagram" xmlns:a="http://schemas.openxmlformats.org/drawingml/2006/main" uniqueId="urn:diagrams.loki3.com/BracketList">
   <dgm:title val="Vertical Bracket List"/>
   <dgm:desc val="Use to show grouped blocks of information.  Works well with large amounts of Level 2 text."/>
@@ -10225,1040 +7886,6 @@
 </dgm:styleDef>
 </file>
 
-<file path=ppt/diagrams/quickStyle3.xml><?xml version="1.0" encoding="utf-8"?>
-<dgm:styleDef xmlns:dgm="http://schemas.openxmlformats.org/drawingml/2006/diagram" xmlns:a="http://schemas.openxmlformats.org/drawingml/2006/main" uniqueId="urn:microsoft.com/office/officeart/2005/8/quickstyle/simple5">
-  <dgm:title val=""/>
-  <dgm:desc val=""/>
-  <dgm:catLst>
-    <dgm:cat type="simple" pri="10500"/>
-  </dgm:catLst>
-  <dgm:scene3d>
-    <a:camera prst="orthographicFront"/>
-    <a:lightRig rig="threePt" dir="t"/>
-  </dgm:scene3d>
-  <dgm:styleLbl name="node0">
-    <dgm:scene3d>
-      <a:camera prst="orthographicFront"/>
-      <a:lightRig rig="threePt" dir="t"/>
-    </dgm:scene3d>
-    <dgm:sp3d/>
-    <dgm:txPr/>
-    <dgm:style>
-      <a:lnRef idx="0">
-        <a:scrgbClr r="0" g="0" b="0"/>
-      </a:lnRef>
-      <a:fillRef idx="3">
-        <a:scrgbClr r="0" g="0" b="0"/>
-      </a:fillRef>
-      <a:effectRef idx="3">
-        <a:scrgbClr r="0" g="0" b="0"/>
-      </a:effectRef>
-      <a:fontRef idx="minor">
-        <a:schemeClr val="lt1"/>
-      </a:fontRef>
-    </dgm:style>
-  </dgm:styleLbl>
-  <dgm:styleLbl name="lnNode1">
-    <dgm:scene3d>
-      <a:camera prst="orthographicFront"/>
-      <a:lightRig rig="threePt" dir="t"/>
-    </dgm:scene3d>
-    <dgm:sp3d/>
-    <dgm:txPr/>
-    <dgm:style>
-      <a:lnRef idx="0">
-        <a:scrgbClr r="0" g="0" b="0"/>
-      </a:lnRef>
-      <a:fillRef idx="3">
-        <a:scrgbClr r="0" g="0" b="0"/>
-      </a:fillRef>
-      <a:effectRef idx="3">
-        <a:scrgbClr r="0" g="0" b="0"/>
-      </a:effectRef>
-      <a:fontRef idx="minor">
-        <a:schemeClr val="lt1"/>
-      </a:fontRef>
-    </dgm:style>
-  </dgm:styleLbl>
-  <dgm:styleLbl name="vennNode1">
-    <dgm:scene3d>
-      <a:camera prst="orthographicFront"/>
-      <a:lightRig rig="threePt" dir="t"/>
-    </dgm:scene3d>
-    <dgm:sp3d/>
-    <dgm:txPr/>
-    <dgm:style>
-      <a:lnRef idx="0">
-        <a:scrgbClr r="0" g="0" b="0"/>
-      </a:lnRef>
-      <a:fillRef idx="3">
-        <a:scrgbClr r="0" g="0" b="0"/>
-      </a:fillRef>
-      <a:effectRef idx="3">
-        <a:scrgbClr r="0" g="0" b="0"/>
-      </a:effectRef>
-      <a:fontRef idx="minor">
-        <a:schemeClr val="tx1"/>
-      </a:fontRef>
-    </dgm:style>
-  </dgm:styleLbl>
-  <dgm:styleLbl name="alignNode1">
-    <dgm:scene3d>
-      <a:camera prst="orthographicFront"/>
-      <a:lightRig rig="threePt" dir="t"/>
-    </dgm:scene3d>
-    <dgm:sp3d/>
-    <dgm:txPr/>
-    <dgm:style>
-      <a:lnRef idx="1">
-        <a:scrgbClr r="0" g="0" b="0"/>
-      </a:lnRef>
-      <a:fillRef idx="3">
-        <a:scrgbClr r="0" g="0" b="0"/>
-      </a:fillRef>
-      <a:effectRef idx="3">
-        <a:scrgbClr r="0" g="0" b="0"/>
-      </a:effectRef>
-      <a:fontRef idx="minor">
-        <a:schemeClr val="lt1"/>
-      </a:fontRef>
-    </dgm:style>
-  </dgm:styleLbl>
-  <dgm:styleLbl name="node1">
-    <dgm:scene3d>
-      <a:camera prst="orthographicFront"/>
-      <a:lightRig rig="threePt" dir="t"/>
-    </dgm:scene3d>
-    <dgm:sp3d/>
-    <dgm:txPr/>
-    <dgm:style>
-      <a:lnRef idx="0">
-        <a:scrgbClr r="0" g="0" b="0"/>
-      </a:lnRef>
-      <a:fillRef idx="3">
-        <a:scrgbClr r="0" g="0" b="0"/>
-      </a:fillRef>
-      <a:effectRef idx="3">
-        <a:scrgbClr r="0" g="0" b="0"/>
-      </a:effectRef>
-      <a:fontRef idx="minor">
-        <a:schemeClr val="lt1"/>
-      </a:fontRef>
-    </dgm:style>
-  </dgm:styleLbl>
-  <dgm:styleLbl name="node2">
-    <dgm:scene3d>
-      <a:camera prst="orthographicFront"/>
-      <a:lightRig rig="threePt" dir="t"/>
-    </dgm:scene3d>
-    <dgm:sp3d/>
-    <dgm:txPr/>
-    <dgm:style>
-      <a:lnRef idx="0">
-        <a:scrgbClr r="0" g="0" b="0"/>
-      </a:lnRef>
-      <a:fillRef idx="3">
-        <a:scrgbClr r="0" g="0" b="0"/>
-      </a:fillRef>
-      <a:effectRef idx="3">
-        <a:scrgbClr r="0" g="0" b="0"/>
-      </a:effectRef>
-      <a:fontRef idx="minor">
-        <a:schemeClr val="lt1"/>
-      </a:fontRef>
-    </dgm:style>
-  </dgm:styleLbl>
-  <dgm:styleLbl name="node3">
-    <dgm:scene3d>
-      <a:camera prst="orthographicFront"/>
-      <a:lightRig rig="threePt" dir="t"/>
-    </dgm:scene3d>
-    <dgm:sp3d/>
-    <dgm:txPr/>
-    <dgm:style>
-      <a:lnRef idx="0">
-        <a:scrgbClr r="0" g="0" b="0"/>
-      </a:lnRef>
-      <a:fillRef idx="3">
-        <a:scrgbClr r="0" g="0" b="0"/>
-      </a:fillRef>
-      <a:effectRef idx="3">
-        <a:scrgbClr r="0" g="0" b="0"/>
-      </a:effectRef>
-      <a:fontRef idx="minor">
-        <a:schemeClr val="lt1"/>
-      </a:fontRef>
-    </dgm:style>
-  </dgm:styleLbl>
-  <dgm:styleLbl name="node4">
-    <dgm:scene3d>
-      <a:camera prst="orthographicFront"/>
-      <a:lightRig rig="threePt" dir="t"/>
-    </dgm:scene3d>
-    <dgm:sp3d/>
-    <dgm:txPr/>
-    <dgm:style>
-      <a:lnRef idx="0">
-        <a:scrgbClr r="0" g="0" b="0"/>
-      </a:lnRef>
-      <a:fillRef idx="3">
-        <a:scrgbClr r="0" g="0" b="0"/>
-      </a:fillRef>
-      <a:effectRef idx="3">
-        <a:scrgbClr r="0" g="0" b="0"/>
-      </a:effectRef>
-      <a:fontRef idx="minor">
-        <a:schemeClr val="lt1"/>
-      </a:fontRef>
-    </dgm:style>
-  </dgm:styleLbl>
-  <dgm:styleLbl name="fgImgPlace1">
-    <dgm:scene3d>
-      <a:camera prst="orthographicFront"/>
-      <a:lightRig rig="threePt" dir="t"/>
-    </dgm:scene3d>
-    <dgm:sp3d/>
-    <dgm:txPr/>
-    <dgm:style>
-      <a:lnRef idx="0">
-        <a:scrgbClr r="0" g="0" b="0"/>
-      </a:lnRef>
-      <a:fillRef idx="1">
-        <a:scrgbClr r="0" g="0" b="0"/>
-      </a:fillRef>
-      <a:effectRef idx="3">
-        <a:scrgbClr r="0" g="0" b="0"/>
-      </a:effectRef>
-      <a:fontRef idx="minor"/>
-    </dgm:style>
-  </dgm:styleLbl>
-  <dgm:styleLbl name="alignImgPlace1">
-    <dgm:scene3d>
-      <a:camera prst="orthographicFront"/>
-      <a:lightRig rig="threePt" dir="t"/>
-    </dgm:scene3d>
-    <dgm:sp3d/>
-    <dgm:txPr/>
-    <dgm:style>
-      <a:lnRef idx="0">
-        <a:scrgbClr r="0" g="0" b="0"/>
-      </a:lnRef>
-      <a:fillRef idx="1">
-        <a:scrgbClr r="0" g="0" b="0"/>
-      </a:fillRef>
-      <a:effectRef idx="3">
-        <a:scrgbClr r="0" g="0" b="0"/>
-      </a:effectRef>
-      <a:fontRef idx="minor"/>
-    </dgm:style>
-  </dgm:styleLbl>
-  <dgm:styleLbl name="bgImgPlace1">
-    <dgm:scene3d>
-      <a:camera prst="orthographicFront"/>
-      <a:lightRig rig="threePt" dir="t"/>
-    </dgm:scene3d>
-    <dgm:sp3d/>
-    <dgm:txPr/>
-    <dgm:style>
-      <a:lnRef idx="0">
-        <a:scrgbClr r="0" g="0" b="0"/>
-      </a:lnRef>
-      <a:fillRef idx="1">
-        <a:scrgbClr r="0" g="0" b="0"/>
-      </a:fillRef>
-      <a:effectRef idx="3">
-        <a:scrgbClr r="0" g="0" b="0"/>
-      </a:effectRef>
-      <a:fontRef idx="minor"/>
-    </dgm:style>
-  </dgm:styleLbl>
-  <dgm:styleLbl name="sibTrans2D1">
-    <dgm:scene3d>
-      <a:camera prst="orthographicFront"/>
-      <a:lightRig rig="threePt" dir="t"/>
-    </dgm:scene3d>
-    <dgm:sp3d/>
-    <dgm:txPr/>
-    <dgm:style>
-      <a:lnRef idx="0">
-        <a:scrgbClr r="0" g="0" b="0"/>
-      </a:lnRef>
-      <a:fillRef idx="3">
-        <a:scrgbClr r="0" g="0" b="0"/>
-      </a:fillRef>
-      <a:effectRef idx="3">
-        <a:scrgbClr r="0" g="0" b="0"/>
-      </a:effectRef>
-      <a:fontRef idx="minor">
-        <a:schemeClr val="lt1"/>
-      </a:fontRef>
-    </dgm:style>
-  </dgm:styleLbl>
-  <dgm:styleLbl name="fgSibTrans2D1">
-    <dgm:scene3d>
-      <a:camera prst="orthographicFront"/>
-      <a:lightRig rig="threePt" dir="t"/>
-    </dgm:scene3d>
-    <dgm:sp3d/>
-    <dgm:txPr/>
-    <dgm:style>
-      <a:lnRef idx="0">
-        <a:scrgbClr r="0" g="0" b="0"/>
-      </a:lnRef>
-      <a:fillRef idx="3">
-        <a:scrgbClr r="0" g="0" b="0"/>
-      </a:fillRef>
-      <a:effectRef idx="3">
-        <a:scrgbClr r="0" g="0" b="0"/>
-      </a:effectRef>
-      <a:fontRef idx="minor">
-        <a:schemeClr val="lt1"/>
-      </a:fontRef>
-    </dgm:style>
-  </dgm:styleLbl>
-  <dgm:styleLbl name="bgSibTrans2D1">
-    <dgm:scene3d>
-      <a:camera prst="orthographicFront"/>
-      <a:lightRig rig="threePt" dir="t"/>
-    </dgm:scene3d>
-    <dgm:sp3d/>
-    <dgm:txPr/>
-    <dgm:style>
-      <a:lnRef idx="0">
-        <a:scrgbClr r="0" g="0" b="0"/>
-      </a:lnRef>
-      <a:fillRef idx="3">
-        <a:scrgbClr r="0" g="0" b="0"/>
-      </a:fillRef>
-      <a:effectRef idx="3">
-        <a:scrgbClr r="0" g="0" b="0"/>
-      </a:effectRef>
-      <a:fontRef idx="minor">
-        <a:schemeClr val="lt1"/>
-      </a:fontRef>
-    </dgm:style>
-  </dgm:styleLbl>
-  <dgm:styleLbl name="sibTrans1D1">
-    <dgm:scene3d>
-      <a:camera prst="orthographicFront"/>
-      <a:lightRig rig="threePt" dir="t"/>
-    </dgm:scene3d>
-    <dgm:sp3d/>
-    <dgm:txPr/>
-    <dgm:style>
-      <a:lnRef idx="1">
-        <a:scrgbClr r="0" g="0" b="0"/>
-      </a:lnRef>
-      <a:fillRef idx="0">
-        <a:scrgbClr r="0" g="0" b="0"/>
-      </a:fillRef>
-      <a:effectRef idx="0">
-        <a:scrgbClr r="0" g="0" b="0"/>
-      </a:effectRef>
-      <a:fontRef idx="minor"/>
-    </dgm:style>
-  </dgm:styleLbl>
-  <dgm:styleLbl name="callout">
-    <dgm:scene3d>
-      <a:camera prst="orthographicFront"/>
-      <a:lightRig rig="threePt" dir="t"/>
-    </dgm:scene3d>
-    <dgm:sp3d/>
-    <dgm:txPr/>
-    <dgm:style>
-      <a:lnRef idx="1">
-        <a:scrgbClr r="0" g="0" b="0"/>
-      </a:lnRef>
-      <a:fillRef idx="0">
-        <a:scrgbClr r="0" g="0" b="0"/>
-      </a:fillRef>
-      <a:effectRef idx="1">
-        <a:scrgbClr r="0" g="0" b="0"/>
-      </a:effectRef>
-      <a:fontRef idx="minor"/>
-    </dgm:style>
-  </dgm:styleLbl>
-  <dgm:styleLbl name="asst0">
-    <dgm:scene3d>
-      <a:camera prst="orthographicFront"/>
-      <a:lightRig rig="threePt" dir="t"/>
-    </dgm:scene3d>
-    <dgm:sp3d/>
-    <dgm:txPr/>
-    <dgm:style>
-      <a:lnRef idx="0">
-        <a:scrgbClr r="0" g="0" b="0"/>
-      </a:lnRef>
-      <a:fillRef idx="3">
-        <a:scrgbClr r="0" g="0" b="0"/>
-      </a:fillRef>
-      <a:effectRef idx="3">
-        <a:scrgbClr r="0" g="0" b="0"/>
-      </a:effectRef>
-      <a:fontRef idx="minor">
-        <a:schemeClr val="lt1"/>
-      </a:fontRef>
-    </dgm:style>
-  </dgm:styleLbl>
-  <dgm:styleLbl name="asst1">
-    <dgm:scene3d>
-      <a:camera prst="orthographicFront"/>
-      <a:lightRig rig="threePt" dir="t"/>
-    </dgm:scene3d>
-    <dgm:sp3d/>
-    <dgm:txPr/>
-    <dgm:style>
-      <a:lnRef idx="0">
-        <a:scrgbClr r="0" g="0" b="0"/>
-      </a:lnRef>
-      <a:fillRef idx="3">
-        <a:scrgbClr r="0" g="0" b="0"/>
-      </a:fillRef>
-      <a:effectRef idx="3">
-        <a:scrgbClr r="0" g="0" b="0"/>
-      </a:effectRef>
-      <a:fontRef idx="minor">
-        <a:schemeClr val="lt1"/>
-      </a:fontRef>
-    </dgm:style>
-  </dgm:styleLbl>
-  <dgm:styleLbl name="asst2">
-    <dgm:scene3d>
-      <a:camera prst="orthographicFront"/>
-      <a:lightRig rig="threePt" dir="t"/>
-    </dgm:scene3d>
-    <dgm:sp3d/>
-    <dgm:txPr/>
-    <dgm:style>
-      <a:lnRef idx="0">
-        <a:scrgbClr r="0" g="0" b="0"/>
-      </a:lnRef>
-      <a:fillRef idx="3">
-        <a:scrgbClr r="0" g="0" b="0"/>
-      </a:fillRef>
-      <a:effectRef idx="3">
-        <a:scrgbClr r="0" g="0" b="0"/>
-      </a:effectRef>
-      <a:fontRef idx="minor">
-        <a:schemeClr val="lt1"/>
-      </a:fontRef>
-    </dgm:style>
-  </dgm:styleLbl>
-  <dgm:styleLbl name="asst3">
-    <dgm:scene3d>
-      <a:camera prst="orthographicFront"/>
-      <a:lightRig rig="threePt" dir="t"/>
-    </dgm:scene3d>
-    <dgm:sp3d/>
-    <dgm:txPr/>
-    <dgm:style>
-      <a:lnRef idx="0">
-        <a:scrgbClr r="0" g="0" b="0"/>
-      </a:lnRef>
-      <a:fillRef idx="3">
-        <a:scrgbClr r="0" g="0" b="0"/>
-      </a:fillRef>
-      <a:effectRef idx="3">
-        <a:scrgbClr r="0" g="0" b="0"/>
-      </a:effectRef>
-      <a:fontRef idx="minor">
-        <a:schemeClr val="lt1"/>
-      </a:fontRef>
-    </dgm:style>
-  </dgm:styleLbl>
-  <dgm:styleLbl name="asst4">
-    <dgm:scene3d>
-      <a:camera prst="orthographicFront"/>
-      <a:lightRig rig="threePt" dir="t"/>
-    </dgm:scene3d>
-    <dgm:sp3d/>
-    <dgm:txPr/>
-    <dgm:style>
-      <a:lnRef idx="0">
-        <a:scrgbClr r="0" g="0" b="0"/>
-      </a:lnRef>
-      <a:fillRef idx="3">
-        <a:scrgbClr r="0" g="0" b="0"/>
-      </a:fillRef>
-      <a:effectRef idx="3">
-        <a:scrgbClr r="0" g="0" b="0"/>
-      </a:effectRef>
-      <a:fontRef idx="minor">
-        <a:schemeClr val="lt1"/>
-      </a:fontRef>
-    </dgm:style>
-  </dgm:styleLbl>
-  <dgm:styleLbl name="parChTrans2D1">
-    <dgm:scene3d>
-      <a:camera prst="orthographicFront"/>
-      <a:lightRig rig="threePt" dir="t"/>
-    </dgm:scene3d>
-    <dgm:sp3d/>
-    <dgm:txPr/>
-    <dgm:style>
-      <a:lnRef idx="0">
-        <a:scrgbClr r="0" g="0" b="0"/>
-      </a:lnRef>
-      <a:fillRef idx="3">
-        <a:scrgbClr r="0" g="0" b="0"/>
-      </a:fillRef>
-      <a:effectRef idx="3">
-        <a:scrgbClr r="0" g="0" b="0"/>
-      </a:effectRef>
-      <a:fontRef idx="minor">
-        <a:schemeClr val="lt1"/>
-      </a:fontRef>
-    </dgm:style>
-  </dgm:styleLbl>
-  <dgm:styleLbl name="parChTrans2D2">
-    <dgm:scene3d>
-      <a:camera prst="orthographicFront"/>
-      <a:lightRig rig="threePt" dir="t"/>
-    </dgm:scene3d>
-    <dgm:sp3d/>
-    <dgm:txPr/>
-    <dgm:style>
-      <a:lnRef idx="0">
-        <a:scrgbClr r="0" g="0" b="0"/>
-      </a:lnRef>
-      <a:fillRef idx="3">
-        <a:scrgbClr r="0" g="0" b="0"/>
-      </a:fillRef>
-      <a:effectRef idx="3">
-        <a:scrgbClr r="0" g="0" b="0"/>
-      </a:effectRef>
-      <a:fontRef idx="minor">
-        <a:schemeClr val="lt1"/>
-      </a:fontRef>
-    </dgm:style>
-  </dgm:styleLbl>
-  <dgm:styleLbl name="parChTrans2D3">
-    <dgm:scene3d>
-      <a:camera prst="orthographicFront"/>
-      <a:lightRig rig="threePt" dir="t"/>
-    </dgm:scene3d>
-    <dgm:sp3d/>
-    <dgm:txPr/>
-    <dgm:style>
-      <a:lnRef idx="0">
-        <a:scrgbClr r="0" g="0" b="0"/>
-      </a:lnRef>
-      <a:fillRef idx="3">
-        <a:scrgbClr r="0" g="0" b="0"/>
-      </a:fillRef>
-      <a:effectRef idx="3">
-        <a:scrgbClr r="0" g="0" b="0"/>
-      </a:effectRef>
-      <a:fontRef idx="minor">
-        <a:schemeClr val="lt1"/>
-      </a:fontRef>
-    </dgm:style>
-  </dgm:styleLbl>
-  <dgm:styleLbl name="parChTrans2D4">
-    <dgm:scene3d>
-      <a:camera prst="orthographicFront"/>
-      <a:lightRig rig="threePt" dir="t"/>
-    </dgm:scene3d>
-    <dgm:sp3d/>
-    <dgm:txPr/>
-    <dgm:style>
-      <a:lnRef idx="0">
-        <a:scrgbClr r="0" g="0" b="0"/>
-      </a:lnRef>
-      <a:fillRef idx="3">
-        <a:scrgbClr r="0" g="0" b="0"/>
-      </a:fillRef>
-      <a:effectRef idx="3">
-        <a:scrgbClr r="0" g="0" b="0"/>
-      </a:effectRef>
-      <a:fontRef idx="minor">
-        <a:schemeClr val="lt1"/>
-      </a:fontRef>
-    </dgm:style>
-  </dgm:styleLbl>
-  <dgm:styleLbl name="parChTrans1D1">
-    <dgm:scene3d>
-      <a:camera prst="orthographicFront"/>
-      <a:lightRig rig="threePt" dir="t"/>
-    </dgm:scene3d>
-    <dgm:sp3d/>
-    <dgm:txPr/>
-    <dgm:style>
-      <a:lnRef idx="2">
-        <a:scrgbClr r="0" g="0" b="0"/>
-      </a:lnRef>
-      <a:fillRef idx="0">
-        <a:scrgbClr r="0" g="0" b="0"/>
-      </a:fillRef>
-      <a:effectRef idx="0">
-        <a:scrgbClr r="0" g="0" b="0"/>
-      </a:effectRef>
-      <a:fontRef idx="minor"/>
-    </dgm:style>
-  </dgm:styleLbl>
-  <dgm:styleLbl name="parChTrans1D2">
-    <dgm:scene3d>
-      <a:camera prst="orthographicFront"/>
-      <a:lightRig rig="threePt" dir="t"/>
-    </dgm:scene3d>
-    <dgm:sp3d/>
-    <dgm:txPr/>
-    <dgm:style>
-      <a:lnRef idx="2">
-        <a:scrgbClr r="0" g="0" b="0"/>
-      </a:lnRef>
-      <a:fillRef idx="0">
-        <a:scrgbClr r="0" g="0" b="0"/>
-      </a:fillRef>
-      <a:effectRef idx="0">
-        <a:scrgbClr r="0" g="0" b="0"/>
-      </a:effectRef>
-      <a:fontRef idx="minor"/>
-    </dgm:style>
-  </dgm:styleLbl>
-  <dgm:styleLbl name="parChTrans1D3">
-    <dgm:scene3d>
-      <a:camera prst="orthographicFront"/>
-      <a:lightRig rig="threePt" dir="t"/>
-    </dgm:scene3d>
-    <dgm:sp3d/>
-    <dgm:txPr/>
-    <dgm:style>
-      <a:lnRef idx="2">
-        <a:scrgbClr r="0" g="0" b="0"/>
-      </a:lnRef>
-      <a:fillRef idx="0">
-        <a:scrgbClr r="0" g="0" b="0"/>
-      </a:fillRef>
-      <a:effectRef idx="0">
-        <a:scrgbClr r="0" g="0" b="0"/>
-      </a:effectRef>
-      <a:fontRef idx="minor"/>
-    </dgm:style>
-  </dgm:styleLbl>
-  <dgm:styleLbl name="parChTrans1D4">
-    <dgm:scene3d>
-      <a:camera prst="orthographicFront"/>
-      <a:lightRig rig="threePt" dir="t"/>
-    </dgm:scene3d>
-    <dgm:sp3d/>
-    <dgm:txPr/>
-    <dgm:style>
-      <a:lnRef idx="2">
-        <a:scrgbClr r="0" g="0" b="0"/>
-      </a:lnRef>
-      <a:fillRef idx="0">
-        <a:scrgbClr r="0" g="0" b="0"/>
-      </a:fillRef>
-      <a:effectRef idx="0">
-        <a:scrgbClr r="0" g="0" b="0"/>
-      </a:effectRef>
-      <a:fontRef idx="minor"/>
-    </dgm:style>
-  </dgm:styleLbl>
-  <dgm:styleLbl name="fgAcc1">
-    <dgm:scene3d>
-      <a:camera prst="orthographicFront"/>
-      <a:lightRig rig="threePt" dir="t"/>
-    </dgm:scene3d>
-    <dgm:sp3d/>
-    <dgm:txPr/>
-    <dgm:style>
-      <a:lnRef idx="1">
-        <a:scrgbClr r="0" g="0" b="0"/>
-      </a:lnRef>
-      <a:fillRef idx="1">
-        <a:scrgbClr r="0" g="0" b="0"/>
-      </a:fillRef>
-      <a:effectRef idx="2">
-        <a:scrgbClr r="0" g="0" b="0"/>
-      </a:effectRef>
-      <a:fontRef idx="minor"/>
-    </dgm:style>
-  </dgm:styleLbl>
-  <dgm:styleLbl name="conFgAcc1">
-    <dgm:scene3d>
-      <a:camera prst="orthographicFront"/>
-      <a:lightRig rig="threePt" dir="t"/>
-    </dgm:scene3d>
-    <dgm:sp3d/>
-    <dgm:txPr/>
-    <dgm:style>
-      <a:lnRef idx="1">
-        <a:scrgbClr r="0" g="0" b="0"/>
-      </a:lnRef>
-      <a:fillRef idx="1">
-        <a:scrgbClr r="0" g="0" b="0"/>
-      </a:fillRef>
-      <a:effectRef idx="2">
-        <a:scrgbClr r="0" g="0" b="0"/>
-      </a:effectRef>
-      <a:fontRef idx="minor"/>
-    </dgm:style>
-  </dgm:styleLbl>
-  <dgm:styleLbl name="alignAcc1">
-    <dgm:scene3d>
-      <a:camera prst="orthographicFront"/>
-      <a:lightRig rig="threePt" dir="t"/>
-    </dgm:scene3d>
-    <dgm:sp3d/>
-    <dgm:txPr/>
-    <dgm:style>
-      <a:lnRef idx="1">
-        <a:scrgbClr r="0" g="0" b="0"/>
-      </a:lnRef>
-      <a:fillRef idx="1">
-        <a:scrgbClr r="0" g="0" b="0"/>
-      </a:fillRef>
-      <a:effectRef idx="2">
-        <a:scrgbClr r="0" g="0" b="0"/>
-      </a:effectRef>
-      <a:fontRef idx="minor"/>
-    </dgm:style>
-  </dgm:styleLbl>
-  <dgm:styleLbl name="trAlignAcc1">
-    <dgm:scene3d>
-      <a:camera prst="orthographicFront"/>
-      <a:lightRig rig="threePt" dir="t"/>
-    </dgm:scene3d>
-    <dgm:sp3d/>
-    <dgm:txPr/>
-    <dgm:style>
-      <a:lnRef idx="1">
-        <a:scrgbClr r="0" g="0" b="0"/>
-      </a:lnRef>
-      <a:fillRef idx="1">
-        <a:scrgbClr r="0" g="0" b="0"/>
-      </a:fillRef>
-      <a:effectRef idx="0">
-        <a:scrgbClr r="0" g="0" b="0"/>
-      </a:effectRef>
-      <a:fontRef idx="minor"/>
-    </dgm:style>
-  </dgm:styleLbl>
-  <dgm:styleLbl name="bgAcc1">
-    <dgm:scene3d>
-      <a:camera prst="orthographicFront"/>
-      <a:lightRig rig="threePt" dir="t"/>
-    </dgm:scene3d>
-    <dgm:sp3d/>
-    <dgm:txPr/>
-    <dgm:style>
-      <a:lnRef idx="1">
-        <a:scrgbClr r="0" g="0" b="0"/>
-      </a:lnRef>
-      <a:fillRef idx="1">
-        <a:scrgbClr r="0" g="0" b="0"/>
-      </a:fillRef>
-      <a:effectRef idx="2">
-        <a:scrgbClr r="0" g="0" b="0"/>
-      </a:effectRef>
-      <a:fontRef idx="minor"/>
-    </dgm:style>
-  </dgm:styleLbl>
-  <dgm:styleLbl name="solidFgAcc1">
-    <dgm:scene3d>
-      <a:camera prst="orthographicFront"/>
-      <a:lightRig rig="threePt" dir="t"/>
-    </dgm:scene3d>
-    <dgm:sp3d/>
-    <dgm:txPr/>
-    <dgm:style>
-      <a:lnRef idx="1">
-        <a:scrgbClr r="0" g="0" b="0"/>
-      </a:lnRef>
-      <a:fillRef idx="1">
-        <a:scrgbClr r="0" g="0" b="0"/>
-      </a:fillRef>
-      <a:effectRef idx="2">
-        <a:scrgbClr r="0" g="0" b="0"/>
-      </a:effectRef>
-      <a:fontRef idx="minor"/>
-    </dgm:style>
-  </dgm:styleLbl>
-  <dgm:styleLbl name="solidAlignAcc1">
-    <dgm:scene3d>
-      <a:camera prst="orthographicFront"/>
-      <a:lightRig rig="threePt" dir="t"/>
-    </dgm:scene3d>
-    <dgm:sp3d/>
-    <dgm:txPr/>
-    <dgm:style>
-      <a:lnRef idx="1">
-        <a:scrgbClr r="0" g="0" b="0"/>
-      </a:lnRef>
-      <a:fillRef idx="1">
-        <a:scrgbClr r="0" g="0" b="0"/>
-      </a:fillRef>
-      <a:effectRef idx="3">
-        <a:scrgbClr r="0" g="0" b="0"/>
-      </a:effectRef>
-      <a:fontRef idx="minor"/>
-    </dgm:style>
-  </dgm:styleLbl>
-  <dgm:styleLbl name="solidBgAcc1">
-    <dgm:scene3d>
-      <a:camera prst="orthographicFront"/>
-      <a:lightRig rig="threePt" dir="t"/>
-    </dgm:scene3d>
-    <dgm:sp3d/>
-    <dgm:txPr/>
-    <dgm:style>
-      <a:lnRef idx="1">
-        <a:scrgbClr r="0" g="0" b="0"/>
-      </a:lnRef>
-      <a:fillRef idx="1">
-        <a:scrgbClr r="0" g="0" b="0"/>
-      </a:fillRef>
-      <a:effectRef idx="3">
-        <a:scrgbClr r="0" g="0" b="0"/>
-      </a:effectRef>
-      <a:fontRef idx="minor"/>
-    </dgm:style>
-  </dgm:styleLbl>
-  <dgm:styleLbl name="fgAccFollowNode1">
-    <dgm:scene3d>
-      <a:camera prst="orthographicFront"/>
-      <a:lightRig rig="threePt" dir="t"/>
-    </dgm:scene3d>
-    <dgm:sp3d/>
-    <dgm:txPr/>
-    <dgm:style>
-      <a:lnRef idx="1">
-        <a:scrgbClr r="0" g="0" b="0"/>
-      </a:lnRef>
-      <a:fillRef idx="1">
-        <a:scrgbClr r="0" g="0" b="0"/>
-      </a:fillRef>
-      <a:effectRef idx="2">
-        <a:scrgbClr r="0" g="0" b="0"/>
-      </a:effectRef>
-      <a:fontRef idx="minor"/>
-    </dgm:style>
-  </dgm:styleLbl>
-  <dgm:styleLbl name="alignAccFollowNode1">
-    <dgm:scene3d>
-      <a:camera prst="orthographicFront"/>
-      <a:lightRig rig="threePt" dir="t"/>
-    </dgm:scene3d>
-    <dgm:sp3d/>
-    <dgm:txPr/>
-    <dgm:style>
-      <a:lnRef idx="1">
-        <a:scrgbClr r="0" g="0" b="0"/>
-      </a:lnRef>
-      <a:fillRef idx="1">
-        <a:scrgbClr r="0" g="0" b="0"/>
-      </a:fillRef>
-      <a:effectRef idx="2">
-        <a:scrgbClr r="0" g="0" b="0"/>
-      </a:effectRef>
-      <a:fontRef idx="minor"/>
-    </dgm:style>
-  </dgm:styleLbl>
-  <dgm:styleLbl name="bgAccFollowNode1">
-    <dgm:scene3d>
-      <a:camera prst="orthographicFront"/>
-      <a:lightRig rig="threePt" dir="t"/>
-    </dgm:scene3d>
-    <dgm:sp3d/>
-    <dgm:txPr/>
-    <dgm:style>
-      <a:lnRef idx="1">
-        <a:scrgbClr r="0" g="0" b="0"/>
-      </a:lnRef>
-      <a:fillRef idx="1">
-        <a:scrgbClr r="0" g="0" b="0"/>
-      </a:fillRef>
-      <a:effectRef idx="2">
-        <a:scrgbClr r="0" g="0" b="0"/>
-      </a:effectRef>
-      <a:fontRef idx="minor"/>
-    </dgm:style>
-  </dgm:styleLbl>
-  <dgm:styleLbl name="fgAcc0">
-    <dgm:scene3d>
-      <a:camera prst="orthographicFront"/>
-      <a:lightRig rig="threePt" dir="t"/>
-    </dgm:scene3d>
-    <dgm:sp3d/>
-    <dgm:txPr/>
-    <dgm:style>
-      <a:lnRef idx="1">
-        <a:scrgbClr r="0" g="0" b="0"/>
-      </a:lnRef>
-      <a:fillRef idx="1">
-        <a:scrgbClr r="0" g="0" b="0"/>
-      </a:fillRef>
-      <a:effectRef idx="2">
-        <a:scrgbClr r="0" g="0" b="0"/>
-      </a:effectRef>
-      <a:fontRef idx="minor"/>
-    </dgm:style>
-  </dgm:styleLbl>
-  <dgm:styleLbl name="fgAcc2">
-    <dgm:scene3d>
-      <a:camera prst="orthographicFront"/>
-      <a:lightRig rig="threePt" dir="t"/>
-    </dgm:scene3d>
-    <dgm:sp3d/>
-    <dgm:txPr/>
-    <dgm:style>
-      <a:lnRef idx="1">
-        <a:scrgbClr r="0" g="0" b="0"/>
-      </a:lnRef>
-      <a:fillRef idx="1">
-        <a:scrgbClr r="0" g="0" b="0"/>
-      </a:fillRef>
-      <a:effectRef idx="2">
-        <a:scrgbClr r="0" g="0" b="0"/>
-      </a:effectRef>
-      <a:fontRef idx="minor"/>
-    </dgm:style>
-  </dgm:styleLbl>
-  <dgm:styleLbl name="fgAcc3">
-    <dgm:scene3d>
-      <a:camera prst="orthographicFront"/>
-      <a:lightRig rig="threePt" dir="t"/>
-    </dgm:scene3d>
-    <dgm:sp3d/>
-    <dgm:txPr/>
-    <dgm:style>
-      <a:lnRef idx="1">
-        <a:scrgbClr r="0" g="0" b="0"/>
-      </a:lnRef>
-      <a:fillRef idx="1">
-        <a:scrgbClr r="0" g="0" b="0"/>
-      </a:fillRef>
-      <a:effectRef idx="2">
-        <a:scrgbClr r="0" g="0" b="0"/>
-      </a:effectRef>
-      <a:fontRef idx="minor"/>
-    </dgm:style>
-  </dgm:styleLbl>
-  <dgm:styleLbl name="fgAcc4">
-    <dgm:scene3d>
-      <a:camera prst="orthographicFront"/>
-      <a:lightRig rig="threePt" dir="t"/>
-    </dgm:scene3d>
-    <dgm:sp3d/>
-    <dgm:txPr/>
-    <dgm:style>
-      <a:lnRef idx="1">
-        <a:scrgbClr r="0" g="0" b="0"/>
-      </a:lnRef>
-      <a:fillRef idx="1">
-        <a:scrgbClr r="0" g="0" b="0"/>
-      </a:fillRef>
-      <a:effectRef idx="2">
-        <a:scrgbClr r="0" g="0" b="0"/>
-      </a:effectRef>
-      <a:fontRef idx="minor"/>
-    </dgm:style>
-  </dgm:styleLbl>
-  <dgm:styleLbl name="bgShp">
-    <dgm:scene3d>
-      <a:camera prst="orthographicFront"/>
-      <a:lightRig rig="threePt" dir="t"/>
-    </dgm:scene3d>
-    <dgm:sp3d/>
-    <dgm:txPr/>
-    <dgm:style>
-      <a:lnRef idx="0">
-        <a:scrgbClr r="0" g="0" b="0"/>
-      </a:lnRef>
-      <a:fillRef idx="1">
-        <a:scrgbClr r="0" g="0" b="0"/>
-      </a:fillRef>
-      <a:effectRef idx="2">
-        <a:scrgbClr r="0" g="0" b="0"/>
-      </a:effectRef>
-      <a:fontRef idx="minor"/>
-    </dgm:style>
-  </dgm:styleLbl>
-  <dgm:styleLbl name="dkBgShp">
-    <dgm:scene3d>
-      <a:camera prst="orthographicFront"/>
-      <a:lightRig rig="threePt" dir="t"/>
-    </dgm:scene3d>
-    <dgm:sp3d/>
-    <dgm:txPr/>
-    <dgm:style>
-      <a:lnRef idx="0">
-        <a:scrgbClr r="0" g="0" b="0"/>
-      </a:lnRef>
-      <a:fillRef idx="1">
-        <a:scrgbClr r="0" g="0" b="0"/>
-      </a:fillRef>
-      <a:effectRef idx="3">
-        <a:scrgbClr r="0" g="0" b="0"/>
-      </a:effectRef>
-      <a:fontRef idx="minor"/>
-    </dgm:style>
-  </dgm:styleLbl>
-  <dgm:styleLbl name="trBgShp">
-    <dgm:scene3d>
-      <a:camera prst="orthographicFront"/>
-      <a:lightRig rig="threePt" dir="t"/>
-    </dgm:scene3d>
-    <dgm:sp3d/>
-    <dgm:txPr/>
-    <dgm:style>
-      <a:lnRef idx="0">
-        <a:scrgbClr r="0" g="0" b="0"/>
-      </a:lnRef>
-      <a:fillRef idx="1">
-        <a:scrgbClr r="0" g="0" b="0"/>
-      </a:fillRef>
-      <a:effectRef idx="0">
-        <a:scrgbClr r="0" g="0" b="0"/>
-      </a:effectRef>
-      <a:fontRef idx="minor"/>
-    </dgm:style>
-  </dgm:styleLbl>
-  <dgm:styleLbl name="fgShp">
-    <dgm:scene3d>
-      <a:camera prst="orthographicFront"/>
-      <a:lightRig rig="threePt" dir="t"/>
-    </dgm:scene3d>
-    <dgm:sp3d/>
-    <dgm:txPr/>
-    <dgm:style>
-      <a:lnRef idx="0">
-        <a:scrgbClr r="0" g="0" b="0"/>
-      </a:lnRef>
-      <a:fillRef idx="3">
-        <a:scrgbClr r="0" g="0" b="0"/>
-      </a:fillRef>
-      <a:effectRef idx="3">
-        <a:scrgbClr r="0" g="0" b="0"/>
-      </a:effectRef>
-      <a:fontRef idx="minor"/>
-    </dgm:style>
-  </dgm:styleLbl>
-  <dgm:styleLbl name="revTx">
-    <dgm:scene3d>
-      <a:camera prst="orthographicFront"/>
-      <a:lightRig rig="threePt" dir="t"/>
-    </dgm:scene3d>
-    <dgm:sp3d/>
-    <dgm:txPr/>
-    <dgm:style>
-      <a:lnRef idx="0">
-        <a:scrgbClr r="0" g="0" b="0"/>
-      </a:lnRef>
-      <a:fillRef idx="0">
-        <a:scrgbClr r="0" g="0" b="0"/>
-      </a:fillRef>
-      <a:effectRef idx="0">
-        <a:scrgbClr r="0" g="0" b="0"/>
-      </a:effectRef>
-      <a:fontRef idx="minor"/>
-    </dgm:style>
-  </dgm:styleLbl>
-</dgm:styleDef>
-</file>
-
 <file path=ppt/slideLayouts/slideLayout1.xml><?xml version="1.0" encoding="utf-8"?>
 <p:sldLayout xmlns:a="http://schemas.openxmlformats.org/drawingml/2006/main" xmlns:r="http://schemas.openxmlformats.org/officeDocument/2006/relationships" xmlns:p="http://schemas.openxmlformats.org/presentationml/2006/main" type="title" preserve="1">
   <p:cSld name="Title Slide">
@@ -11390,7 +8017,7 @@
           <a:p>
             <a:fld id="{FA88A723-210D-49FB-911D-CC70F62696A5}" type="datetimeFigureOut">
               <a:rPr lang="en-US" smtClean="0"/>
-              <a:t>5/30/2017</a:t>
+              <a:t>9/1/2017</a:t>
             </a:fld>
             <a:endParaRPr lang="en-US"/>
           </a:p>
@@ -11560,7 +8187,7 @@
           <a:p>
             <a:fld id="{FA88A723-210D-49FB-911D-CC70F62696A5}" type="datetimeFigureOut">
               <a:rPr lang="en-US" smtClean="0"/>
-              <a:t>5/30/2017</a:t>
+              <a:t>9/1/2017</a:t>
             </a:fld>
             <a:endParaRPr lang="en-US"/>
           </a:p>
@@ -11740,7 +8367,7 @@
           <a:p>
             <a:fld id="{FA88A723-210D-49FB-911D-CC70F62696A5}" type="datetimeFigureOut">
               <a:rPr lang="en-US" smtClean="0"/>
-              <a:t>5/30/2017</a:t>
+              <a:t>9/1/2017</a:t>
             </a:fld>
             <a:endParaRPr lang="en-US"/>
           </a:p>
@@ -11910,7 +8537,7 @@
           <a:p>
             <a:fld id="{FA88A723-210D-49FB-911D-CC70F62696A5}" type="datetimeFigureOut">
               <a:rPr lang="en-US" smtClean="0"/>
-              <a:t>5/30/2017</a:t>
+              <a:t>9/1/2017</a:t>
             </a:fld>
             <a:endParaRPr lang="en-US"/>
           </a:p>
@@ -12156,7 +8783,7 @@
           <a:p>
             <a:fld id="{FA88A723-210D-49FB-911D-CC70F62696A5}" type="datetimeFigureOut">
               <a:rPr lang="en-US" smtClean="0"/>
-              <a:t>5/30/2017</a:t>
+              <a:t>9/1/2017</a:t>
             </a:fld>
             <a:endParaRPr lang="en-US"/>
           </a:p>
@@ -12388,7 +9015,7 @@
           <a:p>
             <a:fld id="{FA88A723-210D-49FB-911D-CC70F62696A5}" type="datetimeFigureOut">
               <a:rPr lang="en-US" smtClean="0"/>
-              <a:t>5/30/2017</a:t>
+              <a:t>9/1/2017</a:t>
             </a:fld>
             <a:endParaRPr lang="en-US"/>
           </a:p>
@@ -12755,7 +9382,7 @@
           <a:p>
             <a:fld id="{FA88A723-210D-49FB-911D-CC70F62696A5}" type="datetimeFigureOut">
               <a:rPr lang="en-US" smtClean="0"/>
-              <a:t>5/30/2017</a:t>
+              <a:t>9/1/2017</a:t>
             </a:fld>
             <a:endParaRPr lang="en-US"/>
           </a:p>
@@ -12873,7 +9500,7 @@
           <a:p>
             <a:fld id="{FA88A723-210D-49FB-911D-CC70F62696A5}" type="datetimeFigureOut">
               <a:rPr lang="en-US" smtClean="0"/>
-              <a:t>5/30/2017</a:t>
+              <a:t>9/1/2017</a:t>
             </a:fld>
             <a:endParaRPr lang="en-US"/>
           </a:p>
@@ -12968,7 +9595,7 @@
           <a:p>
             <a:fld id="{FA88A723-210D-49FB-911D-CC70F62696A5}" type="datetimeFigureOut">
               <a:rPr lang="en-US" smtClean="0"/>
-              <a:t>5/30/2017</a:t>
+              <a:t>9/1/2017</a:t>
             </a:fld>
             <a:endParaRPr lang="en-US"/>
           </a:p>
@@ -13245,7 +9872,7 @@
           <a:p>
             <a:fld id="{FA88A723-210D-49FB-911D-CC70F62696A5}" type="datetimeFigureOut">
               <a:rPr lang="en-US" smtClean="0"/>
-              <a:t>5/30/2017</a:t>
+              <a:t>9/1/2017</a:t>
             </a:fld>
             <a:endParaRPr lang="en-US"/>
           </a:p>
@@ -13498,7 +10125,7 @@
           <a:p>
             <a:fld id="{FA88A723-210D-49FB-911D-CC70F62696A5}" type="datetimeFigureOut">
               <a:rPr lang="en-US" smtClean="0"/>
-              <a:t>5/30/2017</a:t>
+              <a:t>9/1/2017</a:t>
             </a:fld>
             <a:endParaRPr lang="en-US"/>
           </a:p>
@@ -13711,7 +10338,7 @@
           <a:p>
             <a:fld id="{FA88A723-210D-49FB-911D-CC70F62696A5}" type="datetimeFigureOut">
               <a:rPr lang="en-US" smtClean="0"/>
-              <a:t>5/30/2017</a:t>
+              <a:t>9/1/2017</a:t>
             </a:fld>
             <a:endParaRPr lang="en-US"/>
           </a:p>
@@ -19841,28 +16468,2890 @@
           </a:fontRef>
         </p:style>
       </p:sp>
-      <p:graphicFrame>
-        <p:nvGraphicFramePr>
-          <p:cNvPr id="113" name="Diagram 112"/>
-          <p:cNvGraphicFramePr/>
-          <p:nvPr>
-            <p:extLst>
-              <p:ext uri="{D42A27DB-BD31-4B8C-83A1-F6EECF244321}">
-                <p14:modId xmlns:p14="http://schemas.microsoft.com/office/powerpoint/2010/main" val="14103523"/>
-              </p:ext>
-            </p:extLst>
-          </p:nvPr>
-        </p:nvGraphicFramePr>
-        <p:xfrm>
-          <a:off x="5549511" y="2604264"/>
-          <a:ext cx="5339360" cy="3009900"/>
-        </p:xfrm>
-        <a:graphic>
-          <a:graphicData uri="http://schemas.openxmlformats.org/drawingml/2006/diagram">
-            <dgm:relIds xmlns:dgm="http://schemas.openxmlformats.org/drawingml/2006/diagram" xmlns:r="http://schemas.openxmlformats.org/officeDocument/2006/relationships" r:dm="rId2" r:lo="rId3" r:qs="rId4" r:cs="rId5"/>
-          </a:graphicData>
-        </a:graphic>
-      </p:graphicFrame>
+      <p:grpSp>
+        <p:nvGrpSpPr>
+          <p:cNvPr id="2" name="Group 1"/>
+          <p:cNvGrpSpPr/>
+          <p:nvPr/>
+        </p:nvGrpSpPr>
+        <p:grpSpPr>
+          <a:xfrm>
+            <a:off x="5661665" y="2643625"/>
+            <a:ext cx="5064499" cy="2910886"/>
+            <a:chOff x="5661665" y="2643625"/>
+            <a:chExt cx="5064499" cy="2910886"/>
+          </a:xfrm>
+        </p:grpSpPr>
+        <p:sp>
+          <p:nvSpPr>
+            <p:cNvPr id="3" name="Freeform 2"/>
+            <p:cNvSpPr/>
+            <p:nvPr/>
+          </p:nvSpPr>
+          <p:spPr>
+            <a:xfrm>
+              <a:off x="5661665" y="2643625"/>
+              <a:ext cx="1646967" cy="718258"/>
+            </a:xfrm>
+            <a:custGeom>
+              <a:avLst/>
+              <a:gdLst>
+                <a:gd name="connsiteX0" fmla="*/ 0 w 1646967"/>
+                <a:gd name="connsiteY0" fmla="*/ 71826 h 718258"/>
+                <a:gd name="connsiteX1" fmla="*/ 71826 w 1646967"/>
+                <a:gd name="connsiteY1" fmla="*/ 0 h 718258"/>
+                <a:gd name="connsiteX2" fmla="*/ 1575141 w 1646967"/>
+                <a:gd name="connsiteY2" fmla="*/ 0 h 718258"/>
+                <a:gd name="connsiteX3" fmla="*/ 1646967 w 1646967"/>
+                <a:gd name="connsiteY3" fmla="*/ 71826 h 718258"/>
+                <a:gd name="connsiteX4" fmla="*/ 1646967 w 1646967"/>
+                <a:gd name="connsiteY4" fmla="*/ 646432 h 718258"/>
+                <a:gd name="connsiteX5" fmla="*/ 1575141 w 1646967"/>
+                <a:gd name="connsiteY5" fmla="*/ 718258 h 718258"/>
+                <a:gd name="connsiteX6" fmla="*/ 71826 w 1646967"/>
+                <a:gd name="connsiteY6" fmla="*/ 718258 h 718258"/>
+                <a:gd name="connsiteX7" fmla="*/ 0 w 1646967"/>
+                <a:gd name="connsiteY7" fmla="*/ 646432 h 718258"/>
+                <a:gd name="connsiteX8" fmla="*/ 0 w 1646967"/>
+                <a:gd name="connsiteY8" fmla="*/ 71826 h 718258"/>
+              </a:gdLst>
+              <a:ahLst/>
+              <a:cxnLst>
+                <a:cxn ang="0">
+                  <a:pos x="connsiteX0" y="connsiteY0"/>
+                </a:cxn>
+                <a:cxn ang="0">
+                  <a:pos x="connsiteX1" y="connsiteY1"/>
+                </a:cxn>
+                <a:cxn ang="0">
+                  <a:pos x="connsiteX2" y="connsiteY2"/>
+                </a:cxn>
+                <a:cxn ang="0">
+                  <a:pos x="connsiteX3" y="connsiteY3"/>
+                </a:cxn>
+                <a:cxn ang="0">
+                  <a:pos x="connsiteX4" y="connsiteY4"/>
+                </a:cxn>
+                <a:cxn ang="0">
+                  <a:pos x="connsiteX5" y="connsiteY5"/>
+                </a:cxn>
+                <a:cxn ang="0">
+                  <a:pos x="connsiteX6" y="connsiteY6"/>
+                </a:cxn>
+                <a:cxn ang="0">
+                  <a:pos x="connsiteX7" y="connsiteY7"/>
+                </a:cxn>
+                <a:cxn ang="0">
+                  <a:pos x="connsiteX8" y="connsiteY8"/>
+                </a:cxn>
+              </a:cxnLst>
+              <a:rect l="l" t="t" r="r" b="b"/>
+              <a:pathLst>
+                <a:path w="1646967" h="718258">
+                  <a:moveTo>
+                    <a:pt x="0" y="71826"/>
+                  </a:moveTo>
+                  <a:cubicBezTo>
+                    <a:pt x="0" y="32158"/>
+                    <a:pt x="32158" y="0"/>
+                    <a:pt x="71826" y="0"/>
+                  </a:cubicBezTo>
+                  <a:lnTo>
+                    <a:pt x="1575141" y="0"/>
+                  </a:lnTo>
+                  <a:cubicBezTo>
+                    <a:pt x="1614809" y="0"/>
+                    <a:pt x="1646967" y="32158"/>
+                    <a:pt x="1646967" y="71826"/>
+                  </a:cubicBezTo>
+                  <a:lnTo>
+                    <a:pt x="1646967" y="646432"/>
+                  </a:lnTo>
+                  <a:cubicBezTo>
+                    <a:pt x="1646967" y="686100"/>
+                    <a:pt x="1614809" y="718258"/>
+                    <a:pt x="1575141" y="718258"/>
+                  </a:cubicBezTo>
+                  <a:lnTo>
+                    <a:pt x="71826" y="718258"/>
+                  </a:lnTo>
+                  <a:cubicBezTo>
+                    <a:pt x="32158" y="718258"/>
+                    <a:pt x="0" y="686100"/>
+                    <a:pt x="0" y="646432"/>
+                  </a:cubicBezTo>
+                  <a:lnTo>
+                    <a:pt x="0" y="71826"/>
+                  </a:lnTo>
+                  <a:close/>
+                </a:path>
+              </a:pathLst>
+            </a:custGeom>
+            <a:gradFill rotWithShape="0">
+              <a:gsLst>
+                <a:gs pos="0">
+                  <a:srgbClr val="FFCCFF">
+                    <a:lumMod val="50000"/>
+                    <a:lumOff val="50000"/>
+                  </a:srgbClr>
+                </a:gs>
+                <a:gs pos="100000">
+                  <a:srgbClr val="FFCCFF"/>
+                </a:gs>
+              </a:gsLst>
+            </a:gradFill>
+          </p:spPr>
+          <p:style>
+            <a:lnRef idx="1">
+              <a:schemeClr val="accent2"/>
+            </a:lnRef>
+            <a:fillRef idx="2">
+              <a:schemeClr val="accent2"/>
+            </a:fillRef>
+            <a:effectRef idx="1">
+              <a:schemeClr val="accent2"/>
+            </a:effectRef>
+            <a:fontRef idx="minor">
+              <a:schemeClr val="dk1"/>
+            </a:fontRef>
+          </p:style>
+          <p:txBody>
+            <a:bodyPr spcFirstLastPara="0" vert="horz" wrap="square" lIns="49612" tIns="40087" rIns="49612" bIns="40087" numCol="1" spcCol="1270" anchor="ctr" anchorCtr="0">
+              <a:noAutofit/>
+            </a:bodyPr>
+            <a:lstStyle/>
+            <a:p>
+              <a:pPr lvl="0" algn="ctr" defTabSz="666750">
+                <a:lnSpc>
+                  <a:spcPct val="90000"/>
+                </a:lnSpc>
+                <a:spcBef>
+                  <a:spcPct val="0"/>
+                </a:spcBef>
+                <a:spcAft>
+                  <a:spcPct val="35000"/>
+                </a:spcAft>
+              </a:pPr>
+              <a:r>
+                <a:rPr lang="en-US" sz="1500" kern="1200" dirty="0" smtClean="0"/>
+                <a:t>Annotation index - </a:t>
+              </a:r>
+              <a:r>
+                <a:rPr lang="en-US" sz="1500" kern="1200" dirty="0" err="1" smtClean="0"/>
+                <a:t>subselect</a:t>
+              </a:r>
+              <a:endParaRPr lang="en-US" sz="1500" kern="1200" dirty="0"/>
+            </a:p>
+          </p:txBody>
+        </p:sp>
+        <p:sp>
+          <p:nvSpPr>
+            <p:cNvPr id="9" name="Freeform 8"/>
+            <p:cNvSpPr/>
+            <p:nvPr/>
+          </p:nvSpPr>
+          <p:spPr>
+            <a:xfrm>
+              <a:off x="5780642" y="3361883"/>
+              <a:ext cx="91440" cy="384961"/>
+            </a:xfrm>
+            <a:custGeom>
+              <a:avLst/>
+              <a:gdLst/>
+              <a:ahLst/>
+              <a:cxnLst/>
+              <a:rect l="0" t="0" r="0" b="0"/>
+              <a:pathLst>
+                <a:path>
+                  <a:moveTo>
+                    <a:pt x="45720" y="0"/>
+                  </a:moveTo>
+                  <a:lnTo>
+                    <a:pt x="45720" y="384961"/>
+                  </a:lnTo>
+                  <a:lnTo>
+                    <a:pt x="130868" y="384961"/>
+                  </a:lnTo>
+                </a:path>
+              </a:pathLst>
+            </a:custGeom>
+            <a:noFill/>
+          </p:spPr>
+          <p:style>
+            <a:lnRef idx="2">
+              <a:schemeClr val="accent1">
+                <a:shade val="60000"/>
+                <a:hueOff val="0"/>
+                <a:satOff val="0"/>
+                <a:lumOff val="0"/>
+                <a:alphaOff val="0"/>
+              </a:schemeClr>
+            </a:lnRef>
+            <a:fillRef idx="0">
+              <a:scrgbClr r="0" g="0" b="0"/>
+            </a:fillRef>
+            <a:effectRef idx="0">
+              <a:schemeClr val="accent1">
+                <a:hueOff val="0"/>
+                <a:satOff val="0"/>
+                <a:lumOff val="0"/>
+                <a:alphaOff val="0"/>
+              </a:schemeClr>
+            </a:effectRef>
+            <a:fontRef idx="minor">
+              <a:schemeClr val="tx1">
+                <a:hueOff val="0"/>
+                <a:satOff val="0"/>
+                <a:lumOff val="0"/>
+                <a:alphaOff val="0"/>
+              </a:schemeClr>
+            </a:fontRef>
+          </p:style>
+        </p:sp>
+        <p:sp>
+          <p:nvSpPr>
+            <p:cNvPr id="10" name="Freeform 9"/>
+            <p:cNvSpPr/>
+            <p:nvPr/>
+          </p:nvSpPr>
+          <p:spPr>
+            <a:xfrm>
+              <a:off x="5911510" y="3616923"/>
+              <a:ext cx="1067665" cy="259844"/>
+            </a:xfrm>
+            <a:custGeom>
+              <a:avLst/>
+              <a:gdLst>
+                <a:gd name="connsiteX0" fmla="*/ 0 w 1067665"/>
+                <a:gd name="connsiteY0" fmla="*/ 25984 h 259844"/>
+                <a:gd name="connsiteX1" fmla="*/ 25984 w 1067665"/>
+                <a:gd name="connsiteY1" fmla="*/ 0 h 259844"/>
+                <a:gd name="connsiteX2" fmla="*/ 1041681 w 1067665"/>
+                <a:gd name="connsiteY2" fmla="*/ 0 h 259844"/>
+                <a:gd name="connsiteX3" fmla="*/ 1067665 w 1067665"/>
+                <a:gd name="connsiteY3" fmla="*/ 25984 h 259844"/>
+                <a:gd name="connsiteX4" fmla="*/ 1067665 w 1067665"/>
+                <a:gd name="connsiteY4" fmla="*/ 233860 h 259844"/>
+                <a:gd name="connsiteX5" fmla="*/ 1041681 w 1067665"/>
+                <a:gd name="connsiteY5" fmla="*/ 259844 h 259844"/>
+                <a:gd name="connsiteX6" fmla="*/ 25984 w 1067665"/>
+                <a:gd name="connsiteY6" fmla="*/ 259844 h 259844"/>
+                <a:gd name="connsiteX7" fmla="*/ 0 w 1067665"/>
+                <a:gd name="connsiteY7" fmla="*/ 233860 h 259844"/>
+                <a:gd name="connsiteX8" fmla="*/ 0 w 1067665"/>
+                <a:gd name="connsiteY8" fmla="*/ 25984 h 259844"/>
+              </a:gdLst>
+              <a:ahLst/>
+              <a:cxnLst>
+                <a:cxn ang="0">
+                  <a:pos x="connsiteX0" y="connsiteY0"/>
+                </a:cxn>
+                <a:cxn ang="0">
+                  <a:pos x="connsiteX1" y="connsiteY1"/>
+                </a:cxn>
+                <a:cxn ang="0">
+                  <a:pos x="connsiteX2" y="connsiteY2"/>
+                </a:cxn>
+                <a:cxn ang="0">
+                  <a:pos x="connsiteX3" y="connsiteY3"/>
+                </a:cxn>
+                <a:cxn ang="0">
+                  <a:pos x="connsiteX4" y="connsiteY4"/>
+                </a:cxn>
+                <a:cxn ang="0">
+                  <a:pos x="connsiteX5" y="connsiteY5"/>
+                </a:cxn>
+                <a:cxn ang="0">
+                  <a:pos x="connsiteX6" y="connsiteY6"/>
+                </a:cxn>
+                <a:cxn ang="0">
+                  <a:pos x="connsiteX7" y="connsiteY7"/>
+                </a:cxn>
+                <a:cxn ang="0">
+                  <a:pos x="connsiteX8" y="connsiteY8"/>
+                </a:cxn>
+              </a:cxnLst>
+              <a:rect l="l" t="t" r="r" b="b"/>
+              <a:pathLst>
+                <a:path w="1067665" h="259844">
+                  <a:moveTo>
+                    <a:pt x="0" y="25984"/>
+                  </a:moveTo>
+                  <a:cubicBezTo>
+                    <a:pt x="0" y="11633"/>
+                    <a:pt x="11633" y="0"/>
+                    <a:pt x="25984" y="0"/>
+                  </a:cubicBezTo>
+                  <a:lnTo>
+                    <a:pt x="1041681" y="0"/>
+                  </a:lnTo>
+                  <a:cubicBezTo>
+                    <a:pt x="1056032" y="0"/>
+                    <a:pt x="1067665" y="11633"/>
+                    <a:pt x="1067665" y="25984"/>
+                  </a:cubicBezTo>
+                  <a:lnTo>
+                    <a:pt x="1067665" y="233860"/>
+                  </a:lnTo>
+                  <a:cubicBezTo>
+                    <a:pt x="1067665" y="248211"/>
+                    <a:pt x="1056032" y="259844"/>
+                    <a:pt x="1041681" y="259844"/>
+                  </a:cubicBezTo>
+                  <a:lnTo>
+                    <a:pt x="25984" y="259844"/>
+                  </a:lnTo>
+                  <a:cubicBezTo>
+                    <a:pt x="11633" y="259844"/>
+                    <a:pt x="0" y="248211"/>
+                    <a:pt x="0" y="233860"/>
+                  </a:cubicBezTo>
+                  <a:lnTo>
+                    <a:pt x="0" y="25984"/>
+                  </a:lnTo>
+                  <a:close/>
+                </a:path>
+              </a:pathLst>
+            </a:custGeom>
+            <a:gradFill rotWithShape="0">
+              <a:gsLst>
+                <a:gs pos="0">
+                  <a:srgbClr val="FFD9D1">
+                    <a:alpha val="49804"/>
+                  </a:srgbClr>
+                </a:gs>
+                <a:gs pos="100000">
+                  <a:srgbClr val="FFD9D1"/>
+                </a:gs>
+              </a:gsLst>
+              <a:lin ang="5400000" scaled="0"/>
+            </a:gradFill>
+          </p:spPr>
+          <p:style>
+            <a:lnRef idx="1">
+              <a:schemeClr val="accent1">
+                <a:hueOff val="0"/>
+                <a:satOff val="0"/>
+                <a:lumOff val="0"/>
+                <a:alphaOff val="0"/>
+              </a:schemeClr>
+            </a:lnRef>
+            <a:fillRef idx="1">
+              <a:scrgbClr r="0" g="0" b="0"/>
+            </a:fillRef>
+            <a:effectRef idx="2">
+              <a:schemeClr val="lt1">
+                <a:alpha val="90000"/>
+                <a:hueOff val="0"/>
+                <a:satOff val="0"/>
+                <a:lumOff val="0"/>
+                <a:alphaOff val="0"/>
+              </a:schemeClr>
+            </a:effectRef>
+            <a:fontRef idx="minor">
+              <a:schemeClr val="dk1">
+                <a:hueOff val="0"/>
+                <a:satOff val="0"/>
+                <a:lumOff val="0"/>
+                <a:alphaOff val="0"/>
+              </a:schemeClr>
+            </a:fontRef>
+          </p:style>
+          <p:txBody>
+            <a:bodyPr spcFirstLastPara="0" vert="horz" wrap="square" lIns="34281" tIns="25391" rIns="34281" bIns="25391" numCol="1" spcCol="1270" anchor="ctr" anchorCtr="0">
+              <a:noAutofit/>
+            </a:bodyPr>
+            <a:lstStyle/>
+            <a:p>
+              <a:pPr lvl="0" algn="ctr" defTabSz="622300">
+                <a:lnSpc>
+                  <a:spcPct val="90000"/>
+                </a:lnSpc>
+                <a:spcBef>
+                  <a:spcPct val="0"/>
+                </a:spcBef>
+                <a:spcAft>
+                  <a:spcPct val="35000"/>
+                </a:spcAft>
+              </a:pPr>
+              <a:r>
+                <a:rPr lang="en-US" sz="1400" kern="1200" dirty="0" err="1" smtClean="0"/>
+                <a:t>coveredBy</a:t>
+              </a:r>
+              <a:endParaRPr lang="en-US" sz="1400" kern="1200" dirty="0"/>
+            </a:p>
+          </p:txBody>
+        </p:sp>
+        <p:sp>
+          <p:nvSpPr>
+            <p:cNvPr id="13" name="Freeform 12"/>
+            <p:cNvSpPr/>
+            <p:nvPr/>
+          </p:nvSpPr>
+          <p:spPr>
+            <a:xfrm>
+              <a:off x="5780642" y="3361883"/>
+              <a:ext cx="91440" cy="793449"/>
+            </a:xfrm>
+            <a:custGeom>
+              <a:avLst/>
+              <a:gdLst/>
+              <a:ahLst/>
+              <a:cxnLst/>
+              <a:rect l="0" t="0" r="0" b="0"/>
+              <a:pathLst>
+                <a:path>
+                  <a:moveTo>
+                    <a:pt x="45720" y="0"/>
+                  </a:moveTo>
+                  <a:lnTo>
+                    <a:pt x="45720" y="793449"/>
+                  </a:lnTo>
+                  <a:lnTo>
+                    <a:pt x="120168" y="793449"/>
+                  </a:lnTo>
+                </a:path>
+              </a:pathLst>
+            </a:custGeom>
+            <a:noFill/>
+          </p:spPr>
+          <p:style>
+            <a:lnRef idx="2">
+              <a:schemeClr val="accent1">
+                <a:shade val="60000"/>
+                <a:hueOff val="0"/>
+                <a:satOff val="0"/>
+                <a:lumOff val="0"/>
+                <a:alphaOff val="0"/>
+              </a:schemeClr>
+            </a:lnRef>
+            <a:fillRef idx="0">
+              <a:scrgbClr r="0" g="0" b="0"/>
+            </a:fillRef>
+            <a:effectRef idx="0">
+              <a:schemeClr val="accent1">
+                <a:hueOff val="0"/>
+                <a:satOff val="0"/>
+                <a:lumOff val="0"/>
+                <a:alphaOff val="0"/>
+              </a:schemeClr>
+            </a:effectRef>
+            <a:fontRef idx="minor">
+              <a:schemeClr val="tx1">
+                <a:hueOff val="0"/>
+                <a:satOff val="0"/>
+                <a:lumOff val="0"/>
+                <a:alphaOff val="0"/>
+              </a:schemeClr>
+            </a:fontRef>
+          </p:style>
+        </p:sp>
+        <p:sp>
+          <p:nvSpPr>
+            <p:cNvPr id="14" name="Freeform 13"/>
+            <p:cNvSpPr/>
+            <p:nvPr/>
+          </p:nvSpPr>
+          <p:spPr>
+            <a:xfrm>
+              <a:off x="5900811" y="4025411"/>
+              <a:ext cx="1067665" cy="259844"/>
+            </a:xfrm>
+            <a:custGeom>
+              <a:avLst/>
+              <a:gdLst>
+                <a:gd name="connsiteX0" fmla="*/ 0 w 1067665"/>
+                <a:gd name="connsiteY0" fmla="*/ 25984 h 259844"/>
+                <a:gd name="connsiteX1" fmla="*/ 25984 w 1067665"/>
+                <a:gd name="connsiteY1" fmla="*/ 0 h 259844"/>
+                <a:gd name="connsiteX2" fmla="*/ 1041681 w 1067665"/>
+                <a:gd name="connsiteY2" fmla="*/ 0 h 259844"/>
+                <a:gd name="connsiteX3" fmla="*/ 1067665 w 1067665"/>
+                <a:gd name="connsiteY3" fmla="*/ 25984 h 259844"/>
+                <a:gd name="connsiteX4" fmla="*/ 1067665 w 1067665"/>
+                <a:gd name="connsiteY4" fmla="*/ 233860 h 259844"/>
+                <a:gd name="connsiteX5" fmla="*/ 1041681 w 1067665"/>
+                <a:gd name="connsiteY5" fmla="*/ 259844 h 259844"/>
+                <a:gd name="connsiteX6" fmla="*/ 25984 w 1067665"/>
+                <a:gd name="connsiteY6" fmla="*/ 259844 h 259844"/>
+                <a:gd name="connsiteX7" fmla="*/ 0 w 1067665"/>
+                <a:gd name="connsiteY7" fmla="*/ 233860 h 259844"/>
+                <a:gd name="connsiteX8" fmla="*/ 0 w 1067665"/>
+                <a:gd name="connsiteY8" fmla="*/ 25984 h 259844"/>
+              </a:gdLst>
+              <a:ahLst/>
+              <a:cxnLst>
+                <a:cxn ang="0">
+                  <a:pos x="connsiteX0" y="connsiteY0"/>
+                </a:cxn>
+                <a:cxn ang="0">
+                  <a:pos x="connsiteX1" y="connsiteY1"/>
+                </a:cxn>
+                <a:cxn ang="0">
+                  <a:pos x="connsiteX2" y="connsiteY2"/>
+                </a:cxn>
+                <a:cxn ang="0">
+                  <a:pos x="connsiteX3" y="connsiteY3"/>
+                </a:cxn>
+                <a:cxn ang="0">
+                  <a:pos x="connsiteX4" y="connsiteY4"/>
+                </a:cxn>
+                <a:cxn ang="0">
+                  <a:pos x="connsiteX5" y="connsiteY5"/>
+                </a:cxn>
+                <a:cxn ang="0">
+                  <a:pos x="connsiteX6" y="connsiteY6"/>
+                </a:cxn>
+                <a:cxn ang="0">
+                  <a:pos x="connsiteX7" y="connsiteY7"/>
+                </a:cxn>
+                <a:cxn ang="0">
+                  <a:pos x="connsiteX8" y="connsiteY8"/>
+                </a:cxn>
+              </a:cxnLst>
+              <a:rect l="l" t="t" r="r" b="b"/>
+              <a:pathLst>
+                <a:path w="1067665" h="259844">
+                  <a:moveTo>
+                    <a:pt x="0" y="25984"/>
+                  </a:moveTo>
+                  <a:cubicBezTo>
+                    <a:pt x="0" y="11633"/>
+                    <a:pt x="11633" y="0"/>
+                    <a:pt x="25984" y="0"/>
+                  </a:cubicBezTo>
+                  <a:lnTo>
+                    <a:pt x="1041681" y="0"/>
+                  </a:lnTo>
+                  <a:cubicBezTo>
+                    <a:pt x="1056032" y="0"/>
+                    <a:pt x="1067665" y="11633"/>
+                    <a:pt x="1067665" y="25984"/>
+                  </a:cubicBezTo>
+                  <a:lnTo>
+                    <a:pt x="1067665" y="233860"/>
+                  </a:lnTo>
+                  <a:cubicBezTo>
+                    <a:pt x="1067665" y="248211"/>
+                    <a:pt x="1056032" y="259844"/>
+                    <a:pt x="1041681" y="259844"/>
+                  </a:cubicBezTo>
+                  <a:lnTo>
+                    <a:pt x="25984" y="259844"/>
+                  </a:lnTo>
+                  <a:cubicBezTo>
+                    <a:pt x="11633" y="259844"/>
+                    <a:pt x="0" y="248211"/>
+                    <a:pt x="0" y="233860"/>
+                  </a:cubicBezTo>
+                  <a:lnTo>
+                    <a:pt x="0" y="25984"/>
+                  </a:lnTo>
+                  <a:close/>
+                </a:path>
+              </a:pathLst>
+            </a:custGeom>
+            <a:gradFill rotWithShape="0">
+              <a:gsLst>
+                <a:gs pos="0">
+                  <a:srgbClr val="FFD9D1">
+                    <a:alpha val="49804"/>
+                  </a:srgbClr>
+                </a:gs>
+                <a:gs pos="100000">
+                  <a:srgbClr val="FFD9D1"/>
+                </a:gs>
+              </a:gsLst>
+              <a:lin ang="5400000" scaled="0"/>
+            </a:gradFill>
+          </p:spPr>
+          <p:style>
+            <a:lnRef idx="1">
+              <a:schemeClr val="accent1">
+                <a:hueOff val="0"/>
+                <a:satOff val="0"/>
+                <a:lumOff val="0"/>
+                <a:alphaOff val="0"/>
+              </a:schemeClr>
+            </a:lnRef>
+            <a:fillRef idx="1">
+              <a:scrgbClr r="0" g="0" b="0"/>
+            </a:fillRef>
+            <a:effectRef idx="2">
+              <a:schemeClr val="lt1">
+                <a:alpha val="90000"/>
+                <a:hueOff val="0"/>
+                <a:satOff val="0"/>
+                <a:lumOff val="0"/>
+                <a:alphaOff val="0"/>
+              </a:schemeClr>
+            </a:effectRef>
+            <a:fontRef idx="minor">
+              <a:schemeClr val="dk1">
+                <a:hueOff val="0"/>
+                <a:satOff val="0"/>
+                <a:lumOff val="0"/>
+                <a:alphaOff val="0"/>
+              </a:schemeClr>
+            </a:fontRef>
+          </p:style>
+          <p:txBody>
+            <a:bodyPr spcFirstLastPara="0" vert="horz" wrap="square" lIns="34281" tIns="25391" rIns="34281" bIns="25391" numCol="1" spcCol="1270" anchor="ctr" anchorCtr="0">
+              <a:noAutofit/>
+            </a:bodyPr>
+            <a:lstStyle/>
+            <a:p>
+              <a:pPr lvl="0" algn="ctr" defTabSz="622300">
+                <a:lnSpc>
+                  <a:spcPct val="90000"/>
+                </a:lnSpc>
+                <a:spcBef>
+                  <a:spcPct val="0"/>
+                </a:spcBef>
+                <a:spcAft>
+                  <a:spcPct val="35000"/>
+                </a:spcAft>
+              </a:pPr>
+              <a:r>
+                <a:rPr lang="en-US" sz="1400" kern="1200" dirty="0" smtClean="0"/>
+                <a:t>covering</a:t>
+              </a:r>
+              <a:endParaRPr lang="en-US" sz="1400" kern="1200" dirty="0"/>
+            </a:p>
+          </p:txBody>
+        </p:sp>
+        <p:sp>
+          <p:nvSpPr>
+            <p:cNvPr id="15" name="Freeform 14"/>
+            <p:cNvSpPr/>
+            <p:nvPr/>
+          </p:nvSpPr>
+          <p:spPr>
+            <a:xfrm>
+              <a:off x="5780642" y="3361883"/>
+              <a:ext cx="91440" cy="1197663"/>
+            </a:xfrm>
+            <a:custGeom>
+              <a:avLst/>
+              <a:gdLst/>
+              <a:ahLst/>
+              <a:cxnLst/>
+              <a:rect l="0" t="0" r="0" b="0"/>
+              <a:pathLst>
+                <a:path>
+                  <a:moveTo>
+                    <a:pt x="45720" y="0"/>
+                  </a:moveTo>
+                  <a:lnTo>
+                    <a:pt x="45720" y="1197663"/>
+                  </a:lnTo>
+                  <a:lnTo>
+                    <a:pt x="130063" y="1197663"/>
+                  </a:lnTo>
+                </a:path>
+              </a:pathLst>
+            </a:custGeom>
+            <a:noFill/>
+          </p:spPr>
+          <p:style>
+            <a:lnRef idx="2">
+              <a:schemeClr val="accent1">
+                <a:shade val="60000"/>
+                <a:hueOff val="0"/>
+                <a:satOff val="0"/>
+                <a:lumOff val="0"/>
+                <a:alphaOff val="0"/>
+              </a:schemeClr>
+            </a:lnRef>
+            <a:fillRef idx="0">
+              <a:scrgbClr r="0" g="0" b="0"/>
+            </a:fillRef>
+            <a:effectRef idx="0">
+              <a:schemeClr val="accent1">
+                <a:hueOff val="0"/>
+                <a:satOff val="0"/>
+                <a:lumOff val="0"/>
+                <a:alphaOff val="0"/>
+              </a:schemeClr>
+            </a:effectRef>
+            <a:fontRef idx="minor">
+              <a:schemeClr val="tx1">
+                <a:hueOff val="0"/>
+                <a:satOff val="0"/>
+                <a:lumOff val="0"/>
+                <a:alphaOff val="0"/>
+              </a:schemeClr>
+            </a:fontRef>
+          </p:style>
+        </p:sp>
+        <p:sp>
+          <p:nvSpPr>
+            <p:cNvPr id="16" name="Freeform 15"/>
+            <p:cNvSpPr/>
+            <p:nvPr/>
+          </p:nvSpPr>
+          <p:spPr>
+            <a:xfrm>
+              <a:off x="5910706" y="4429625"/>
+              <a:ext cx="1067665" cy="259844"/>
+            </a:xfrm>
+            <a:custGeom>
+              <a:avLst/>
+              <a:gdLst>
+                <a:gd name="connsiteX0" fmla="*/ 0 w 1067665"/>
+                <a:gd name="connsiteY0" fmla="*/ 25984 h 259844"/>
+                <a:gd name="connsiteX1" fmla="*/ 25984 w 1067665"/>
+                <a:gd name="connsiteY1" fmla="*/ 0 h 259844"/>
+                <a:gd name="connsiteX2" fmla="*/ 1041681 w 1067665"/>
+                <a:gd name="connsiteY2" fmla="*/ 0 h 259844"/>
+                <a:gd name="connsiteX3" fmla="*/ 1067665 w 1067665"/>
+                <a:gd name="connsiteY3" fmla="*/ 25984 h 259844"/>
+                <a:gd name="connsiteX4" fmla="*/ 1067665 w 1067665"/>
+                <a:gd name="connsiteY4" fmla="*/ 233860 h 259844"/>
+                <a:gd name="connsiteX5" fmla="*/ 1041681 w 1067665"/>
+                <a:gd name="connsiteY5" fmla="*/ 259844 h 259844"/>
+                <a:gd name="connsiteX6" fmla="*/ 25984 w 1067665"/>
+                <a:gd name="connsiteY6" fmla="*/ 259844 h 259844"/>
+                <a:gd name="connsiteX7" fmla="*/ 0 w 1067665"/>
+                <a:gd name="connsiteY7" fmla="*/ 233860 h 259844"/>
+                <a:gd name="connsiteX8" fmla="*/ 0 w 1067665"/>
+                <a:gd name="connsiteY8" fmla="*/ 25984 h 259844"/>
+              </a:gdLst>
+              <a:ahLst/>
+              <a:cxnLst>
+                <a:cxn ang="0">
+                  <a:pos x="connsiteX0" y="connsiteY0"/>
+                </a:cxn>
+                <a:cxn ang="0">
+                  <a:pos x="connsiteX1" y="connsiteY1"/>
+                </a:cxn>
+                <a:cxn ang="0">
+                  <a:pos x="connsiteX2" y="connsiteY2"/>
+                </a:cxn>
+                <a:cxn ang="0">
+                  <a:pos x="connsiteX3" y="connsiteY3"/>
+                </a:cxn>
+                <a:cxn ang="0">
+                  <a:pos x="connsiteX4" y="connsiteY4"/>
+                </a:cxn>
+                <a:cxn ang="0">
+                  <a:pos x="connsiteX5" y="connsiteY5"/>
+                </a:cxn>
+                <a:cxn ang="0">
+                  <a:pos x="connsiteX6" y="connsiteY6"/>
+                </a:cxn>
+                <a:cxn ang="0">
+                  <a:pos x="connsiteX7" y="connsiteY7"/>
+                </a:cxn>
+                <a:cxn ang="0">
+                  <a:pos x="connsiteX8" y="connsiteY8"/>
+                </a:cxn>
+              </a:cxnLst>
+              <a:rect l="l" t="t" r="r" b="b"/>
+              <a:pathLst>
+                <a:path w="1067665" h="259844">
+                  <a:moveTo>
+                    <a:pt x="0" y="25984"/>
+                  </a:moveTo>
+                  <a:cubicBezTo>
+                    <a:pt x="0" y="11633"/>
+                    <a:pt x="11633" y="0"/>
+                    <a:pt x="25984" y="0"/>
+                  </a:cubicBezTo>
+                  <a:lnTo>
+                    <a:pt x="1041681" y="0"/>
+                  </a:lnTo>
+                  <a:cubicBezTo>
+                    <a:pt x="1056032" y="0"/>
+                    <a:pt x="1067665" y="11633"/>
+                    <a:pt x="1067665" y="25984"/>
+                  </a:cubicBezTo>
+                  <a:lnTo>
+                    <a:pt x="1067665" y="233860"/>
+                  </a:lnTo>
+                  <a:cubicBezTo>
+                    <a:pt x="1067665" y="248211"/>
+                    <a:pt x="1056032" y="259844"/>
+                    <a:pt x="1041681" y="259844"/>
+                  </a:cubicBezTo>
+                  <a:lnTo>
+                    <a:pt x="25984" y="259844"/>
+                  </a:lnTo>
+                  <a:cubicBezTo>
+                    <a:pt x="11633" y="259844"/>
+                    <a:pt x="0" y="248211"/>
+                    <a:pt x="0" y="233860"/>
+                  </a:cubicBezTo>
+                  <a:lnTo>
+                    <a:pt x="0" y="25984"/>
+                  </a:lnTo>
+                  <a:close/>
+                </a:path>
+              </a:pathLst>
+            </a:custGeom>
+            <a:gradFill rotWithShape="0">
+              <a:gsLst>
+                <a:gs pos="0">
+                  <a:srgbClr val="FFD9D1">
+                    <a:alpha val="49804"/>
+                  </a:srgbClr>
+                </a:gs>
+                <a:gs pos="100000">
+                  <a:srgbClr val="FFD9D1"/>
+                </a:gs>
+              </a:gsLst>
+              <a:lin ang="5400000" scaled="0"/>
+            </a:gradFill>
+          </p:spPr>
+          <p:style>
+            <a:lnRef idx="1">
+              <a:schemeClr val="accent1">
+                <a:hueOff val="0"/>
+                <a:satOff val="0"/>
+                <a:lumOff val="0"/>
+                <a:alphaOff val="0"/>
+              </a:schemeClr>
+            </a:lnRef>
+            <a:fillRef idx="1">
+              <a:scrgbClr r="0" g="0" b="0"/>
+            </a:fillRef>
+            <a:effectRef idx="2">
+              <a:schemeClr val="lt1">
+                <a:alpha val="90000"/>
+                <a:hueOff val="0"/>
+                <a:satOff val="0"/>
+                <a:lumOff val="0"/>
+                <a:alphaOff val="0"/>
+              </a:schemeClr>
+            </a:effectRef>
+            <a:fontRef idx="minor">
+              <a:schemeClr val="dk1">
+                <a:hueOff val="0"/>
+                <a:satOff val="0"/>
+                <a:lumOff val="0"/>
+                <a:alphaOff val="0"/>
+              </a:schemeClr>
+            </a:fontRef>
+          </p:style>
+          <p:txBody>
+            <a:bodyPr spcFirstLastPara="0" vert="horz" wrap="square" lIns="34281" tIns="25391" rIns="34281" bIns="25391" numCol="1" spcCol="1270" anchor="ctr" anchorCtr="0">
+              <a:noAutofit/>
+            </a:bodyPr>
+            <a:lstStyle/>
+            <a:p>
+              <a:pPr lvl="0" algn="ctr" defTabSz="622300">
+                <a:lnSpc>
+                  <a:spcPct val="90000"/>
+                </a:lnSpc>
+                <a:spcBef>
+                  <a:spcPct val="0"/>
+                </a:spcBef>
+                <a:spcAft>
+                  <a:spcPct val="35000"/>
+                </a:spcAft>
+              </a:pPr>
+              <a:r>
+                <a:rPr lang="en-US" sz="1400" kern="1200" dirty="0" smtClean="0"/>
+                <a:t>at</a:t>
+              </a:r>
+              <a:endParaRPr lang="en-US" sz="1400" kern="1200" dirty="0"/>
+            </a:p>
+          </p:txBody>
+        </p:sp>
+        <p:sp>
+          <p:nvSpPr>
+            <p:cNvPr id="17" name="Freeform 16"/>
+            <p:cNvSpPr/>
+            <p:nvPr/>
+          </p:nvSpPr>
+          <p:spPr>
+            <a:xfrm>
+              <a:off x="5780642" y="3361883"/>
+              <a:ext cx="91440" cy="1661070"/>
+            </a:xfrm>
+            <a:custGeom>
+              <a:avLst/>
+              <a:gdLst/>
+              <a:ahLst/>
+              <a:cxnLst/>
+              <a:rect l="0" t="0" r="0" b="0"/>
+              <a:pathLst>
+                <a:path>
+                  <a:moveTo>
+                    <a:pt x="45720" y="0"/>
+                  </a:moveTo>
+                  <a:lnTo>
+                    <a:pt x="45720" y="1661070"/>
+                  </a:lnTo>
+                  <a:lnTo>
+                    <a:pt x="130063" y="1661070"/>
+                  </a:lnTo>
+                </a:path>
+              </a:pathLst>
+            </a:custGeom>
+            <a:noFill/>
+          </p:spPr>
+          <p:style>
+            <a:lnRef idx="2">
+              <a:schemeClr val="accent1">
+                <a:shade val="60000"/>
+                <a:hueOff val="0"/>
+                <a:satOff val="0"/>
+                <a:lumOff val="0"/>
+                <a:alphaOff val="0"/>
+              </a:schemeClr>
+            </a:lnRef>
+            <a:fillRef idx="0">
+              <a:scrgbClr r="0" g="0" b="0"/>
+            </a:fillRef>
+            <a:effectRef idx="0">
+              <a:schemeClr val="accent1">
+                <a:hueOff val="0"/>
+                <a:satOff val="0"/>
+                <a:lumOff val="0"/>
+                <a:alphaOff val="0"/>
+              </a:schemeClr>
+            </a:effectRef>
+            <a:fontRef idx="minor">
+              <a:schemeClr val="tx1">
+                <a:hueOff val="0"/>
+                <a:satOff val="0"/>
+                <a:lumOff val="0"/>
+                <a:alphaOff val="0"/>
+              </a:schemeClr>
+            </a:fontRef>
+          </p:style>
+        </p:sp>
+        <p:sp>
+          <p:nvSpPr>
+            <p:cNvPr id="18" name="Freeform 17"/>
+            <p:cNvSpPr/>
+            <p:nvPr/>
+          </p:nvSpPr>
+          <p:spPr>
+            <a:xfrm>
+              <a:off x="5910706" y="4893031"/>
+              <a:ext cx="1067665" cy="259844"/>
+            </a:xfrm>
+            <a:custGeom>
+              <a:avLst/>
+              <a:gdLst>
+                <a:gd name="connsiteX0" fmla="*/ 0 w 1067665"/>
+                <a:gd name="connsiteY0" fmla="*/ 25984 h 259844"/>
+                <a:gd name="connsiteX1" fmla="*/ 25984 w 1067665"/>
+                <a:gd name="connsiteY1" fmla="*/ 0 h 259844"/>
+                <a:gd name="connsiteX2" fmla="*/ 1041681 w 1067665"/>
+                <a:gd name="connsiteY2" fmla="*/ 0 h 259844"/>
+                <a:gd name="connsiteX3" fmla="*/ 1067665 w 1067665"/>
+                <a:gd name="connsiteY3" fmla="*/ 25984 h 259844"/>
+                <a:gd name="connsiteX4" fmla="*/ 1067665 w 1067665"/>
+                <a:gd name="connsiteY4" fmla="*/ 233860 h 259844"/>
+                <a:gd name="connsiteX5" fmla="*/ 1041681 w 1067665"/>
+                <a:gd name="connsiteY5" fmla="*/ 259844 h 259844"/>
+                <a:gd name="connsiteX6" fmla="*/ 25984 w 1067665"/>
+                <a:gd name="connsiteY6" fmla="*/ 259844 h 259844"/>
+                <a:gd name="connsiteX7" fmla="*/ 0 w 1067665"/>
+                <a:gd name="connsiteY7" fmla="*/ 233860 h 259844"/>
+                <a:gd name="connsiteX8" fmla="*/ 0 w 1067665"/>
+                <a:gd name="connsiteY8" fmla="*/ 25984 h 259844"/>
+              </a:gdLst>
+              <a:ahLst/>
+              <a:cxnLst>
+                <a:cxn ang="0">
+                  <a:pos x="connsiteX0" y="connsiteY0"/>
+                </a:cxn>
+                <a:cxn ang="0">
+                  <a:pos x="connsiteX1" y="connsiteY1"/>
+                </a:cxn>
+                <a:cxn ang="0">
+                  <a:pos x="connsiteX2" y="connsiteY2"/>
+                </a:cxn>
+                <a:cxn ang="0">
+                  <a:pos x="connsiteX3" y="connsiteY3"/>
+                </a:cxn>
+                <a:cxn ang="0">
+                  <a:pos x="connsiteX4" y="connsiteY4"/>
+                </a:cxn>
+                <a:cxn ang="0">
+                  <a:pos x="connsiteX5" y="connsiteY5"/>
+                </a:cxn>
+                <a:cxn ang="0">
+                  <a:pos x="connsiteX6" y="connsiteY6"/>
+                </a:cxn>
+                <a:cxn ang="0">
+                  <a:pos x="connsiteX7" y="connsiteY7"/>
+                </a:cxn>
+                <a:cxn ang="0">
+                  <a:pos x="connsiteX8" y="connsiteY8"/>
+                </a:cxn>
+              </a:cxnLst>
+              <a:rect l="l" t="t" r="r" b="b"/>
+              <a:pathLst>
+                <a:path w="1067665" h="259844">
+                  <a:moveTo>
+                    <a:pt x="0" y="25984"/>
+                  </a:moveTo>
+                  <a:cubicBezTo>
+                    <a:pt x="0" y="11633"/>
+                    <a:pt x="11633" y="0"/>
+                    <a:pt x="25984" y="0"/>
+                  </a:cubicBezTo>
+                  <a:lnTo>
+                    <a:pt x="1041681" y="0"/>
+                  </a:lnTo>
+                  <a:cubicBezTo>
+                    <a:pt x="1056032" y="0"/>
+                    <a:pt x="1067665" y="11633"/>
+                    <a:pt x="1067665" y="25984"/>
+                  </a:cubicBezTo>
+                  <a:lnTo>
+                    <a:pt x="1067665" y="233860"/>
+                  </a:lnTo>
+                  <a:cubicBezTo>
+                    <a:pt x="1067665" y="248211"/>
+                    <a:pt x="1056032" y="259844"/>
+                    <a:pt x="1041681" y="259844"/>
+                  </a:cubicBezTo>
+                  <a:lnTo>
+                    <a:pt x="25984" y="259844"/>
+                  </a:lnTo>
+                  <a:cubicBezTo>
+                    <a:pt x="11633" y="259844"/>
+                    <a:pt x="0" y="248211"/>
+                    <a:pt x="0" y="233860"/>
+                  </a:cubicBezTo>
+                  <a:lnTo>
+                    <a:pt x="0" y="25984"/>
+                  </a:lnTo>
+                  <a:close/>
+                </a:path>
+              </a:pathLst>
+            </a:custGeom>
+            <a:gradFill rotWithShape="0">
+              <a:gsLst>
+                <a:gs pos="0">
+                  <a:srgbClr val="FFD9D1">
+                    <a:alpha val="49804"/>
+                  </a:srgbClr>
+                </a:gs>
+                <a:gs pos="100000">
+                  <a:srgbClr val="FFD9D1"/>
+                </a:gs>
+              </a:gsLst>
+              <a:lin ang="5400000" scaled="0"/>
+            </a:gradFill>
+          </p:spPr>
+          <p:style>
+            <a:lnRef idx="1">
+              <a:schemeClr val="accent1">
+                <a:hueOff val="0"/>
+                <a:satOff val="0"/>
+                <a:lumOff val="0"/>
+                <a:alphaOff val="0"/>
+              </a:schemeClr>
+            </a:lnRef>
+            <a:fillRef idx="1">
+              <a:scrgbClr r="0" g="0" b="0"/>
+            </a:fillRef>
+            <a:effectRef idx="2">
+              <a:schemeClr val="lt1">
+                <a:alpha val="90000"/>
+                <a:hueOff val="0"/>
+                <a:satOff val="0"/>
+                <a:lumOff val="0"/>
+                <a:alphaOff val="0"/>
+              </a:schemeClr>
+            </a:effectRef>
+            <a:fontRef idx="minor">
+              <a:schemeClr val="dk1">
+                <a:hueOff val="0"/>
+                <a:satOff val="0"/>
+                <a:lumOff val="0"/>
+                <a:alphaOff val="0"/>
+              </a:schemeClr>
+            </a:fontRef>
+          </p:style>
+          <p:txBody>
+            <a:bodyPr spcFirstLastPara="0" vert="horz" wrap="square" lIns="34281" tIns="25391" rIns="34281" bIns="25391" numCol="1" spcCol="1270" anchor="ctr" anchorCtr="0">
+              <a:noAutofit/>
+            </a:bodyPr>
+            <a:lstStyle/>
+            <a:p>
+              <a:pPr lvl="0" algn="ctr" defTabSz="622300">
+                <a:lnSpc>
+                  <a:spcPct val="90000"/>
+                </a:lnSpc>
+                <a:spcBef>
+                  <a:spcPct val="0"/>
+                </a:spcBef>
+                <a:spcAft>
+                  <a:spcPct val="35000"/>
+                </a:spcAft>
+              </a:pPr>
+              <a:r>
+                <a:rPr lang="en-US" sz="1400" kern="1200" dirty="0" smtClean="0"/>
+                <a:t>between</a:t>
+              </a:r>
+              <a:endParaRPr lang="en-US" sz="1400" kern="1200" dirty="0"/>
+            </a:p>
+          </p:txBody>
+        </p:sp>
+        <p:sp>
+          <p:nvSpPr>
+            <p:cNvPr id="19" name="Freeform 18"/>
+            <p:cNvSpPr/>
+            <p:nvPr/>
+          </p:nvSpPr>
+          <p:spPr>
+            <a:xfrm>
+              <a:off x="7537355" y="2653149"/>
+              <a:ext cx="1436517" cy="718258"/>
+            </a:xfrm>
+            <a:custGeom>
+              <a:avLst/>
+              <a:gdLst>
+                <a:gd name="connsiteX0" fmla="*/ 0 w 1436517"/>
+                <a:gd name="connsiteY0" fmla="*/ 71826 h 718258"/>
+                <a:gd name="connsiteX1" fmla="*/ 71826 w 1436517"/>
+                <a:gd name="connsiteY1" fmla="*/ 0 h 718258"/>
+                <a:gd name="connsiteX2" fmla="*/ 1364691 w 1436517"/>
+                <a:gd name="connsiteY2" fmla="*/ 0 h 718258"/>
+                <a:gd name="connsiteX3" fmla="*/ 1436517 w 1436517"/>
+                <a:gd name="connsiteY3" fmla="*/ 71826 h 718258"/>
+                <a:gd name="connsiteX4" fmla="*/ 1436517 w 1436517"/>
+                <a:gd name="connsiteY4" fmla="*/ 646432 h 718258"/>
+                <a:gd name="connsiteX5" fmla="*/ 1364691 w 1436517"/>
+                <a:gd name="connsiteY5" fmla="*/ 718258 h 718258"/>
+                <a:gd name="connsiteX6" fmla="*/ 71826 w 1436517"/>
+                <a:gd name="connsiteY6" fmla="*/ 718258 h 718258"/>
+                <a:gd name="connsiteX7" fmla="*/ 0 w 1436517"/>
+                <a:gd name="connsiteY7" fmla="*/ 646432 h 718258"/>
+                <a:gd name="connsiteX8" fmla="*/ 0 w 1436517"/>
+                <a:gd name="connsiteY8" fmla="*/ 71826 h 718258"/>
+              </a:gdLst>
+              <a:ahLst/>
+              <a:cxnLst>
+                <a:cxn ang="0">
+                  <a:pos x="connsiteX0" y="connsiteY0"/>
+                </a:cxn>
+                <a:cxn ang="0">
+                  <a:pos x="connsiteX1" y="connsiteY1"/>
+                </a:cxn>
+                <a:cxn ang="0">
+                  <a:pos x="connsiteX2" y="connsiteY2"/>
+                </a:cxn>
+                <a:cxn ang="0">
+                  <a:pos x="connsiteX3" y="connsiteY3"/>
+                </a:cxn>
+                <a:cxn ang="0">
+                  <a:pos x="connsiteX4" y="connsiteY4"/>
+                </a:cxn>
+                <a:cxn ang="0">
+                  <a:pos x="connsiteX5" y="connsiteY5"/>
+                </a:cxn>
+                <a:cxn ang="0">
+                  <a:pos x="connsiteX6" y="connsiteY6"/>
+                </a:cxn>
+                <a:cxn ang="0">
+                  <a:pos x="connsiteX7" y="connsiteY7"/>
+                </a:cxn>
+                <a:cxn ang="0">
+                  <a:pos x="connsiteX8" y="connsiteY8"/>
+                </a:cxn>
+              </a:cxnLst>
+              <a:rect l="l" t="t" r="r" b="b"/>
+              <a:pathLst>
+                <a:path w="1436517" h="718258">
+                  <a:moveTo>
+                    <a:pt x="0" y="71826"/>
+                  </a:moveTo>
+                  <a:cubicBezTo>
+                    <a:pt x="0" y="32158"/>
+                    <a:pt x="32158" y="0"/>
+                    <a:pt x="71826" y="0"/>
+                  </a:cubicBezTo>
+                  <a:lnTo>
+                    <a:pt x="1364691" y="0"/>
+                  </a:lnTo>
+                  <a:cubicBezTo>
+                    <a:pt x="1404359" y="0"/>
+                    <a:pt x="1436517" y="32158"/>
+                    <a:pt x="1436517" y="71826"/>
+                  </a:cubicBezTo>
+                  <a:lnTo>
+                    <a:pt x="1436517" y="646432"/>
+                  </a:lnTo>
+                  <a:cubicBezTo>
+                    <a:pt x="1436517" y="686100"/>
+                    <a:pt x="1404359" y="718258"/>
+                    <a:pt x="1364691" y="718258"/>
+                  </a:cubicBezTo>
+                  <a:lnTo>
+                    <a:pt x="71826" y="718258"/>
+                  </a:lnTo>
+                  <a:cubicBezTo>
+                    <a:pt x="32158" y="718258"/>
+                    <a:pt x="0" y="686100"/>
+                    <a:pt x="0" y="646432"/>
+                  </a:cubicBezTo>
+                  <a:lnTo>
+                    <a:pt x="0" y="71826"/>
+                  </a:lnTo>
+                  <a:close/>
+                </a:path>
+              </a:pathLst>
+            </a:custGeom>
+            <a:gradFill rotWithShape="0">
+              <a:gsLst>
+                <a:gs pos="0">
+                  <a:srgbClr val="FFCCFF">
+                    <a:lumMod val="50000"/>
+                    <a:lumOff val="50000"/>
+                  </a:srgbClr>
+                </a:gs>
+                <a:gs pos="100000">
+                  <a:srgbClr val="FFCCFF"/>
+                </a:gs>
+              </a:gsLst>
+            </a:gradFill>
+          </p:spPr>
+          <p:style>
+            <a:lnRef idx="1">
+              <a:schemeClr val="accent2"/>
+            </a:lnRef>
+            <a:fillRef idx="2">
+              <a:schemeClr val="accent2"/>
+            </a:fillRef>
+            <a:effectRef idx="1">
+              <a:schemeClr val="accent2"/>
+            </a:effectRef>
+            <a:fontRef idx="minor">
+              <a:schemeClr val="dk1"/>
+            </a:fontRef>
+          </p:style>
+          <p:txBody>
+            <a:bodyPr spcFirstLastPara="0" vert="horz" wrap="square" lIns="49612" tIns="40087" rIns="49612" bIns="40087" numCol="1" spcCol="1270" anchor="ctr" anchorCtr="0">
+              <a:noAutofit/>
+            </a:bodyPr>
+            <a:lstStyle/>
+            <a:p>
+              <a:pPr lvl="0" algn="ctr" defTabSz="666750">
+                <a:lnSpc>
+                  <a:spcPct val="90000"/>
+                </a:lnSpc>
+                <a:spcBef>
+                  <a:spcPct val="0"/>
+                </a:spcBef>
+                <a:spcAft>
+                  <a:spcPct val="35000"/>
+                </a:spcAft>
+              </a:pPr>
+              <a:r>
+                <a:rPr lang="en-US" sz="1500" kern="1200" dirty="0" smtClean="0"/>
+                <a:t>Annotation index - variations</a:t>
+              </a:r>
+              <a:endParaRPr lang="en-US" sz="1500" kern="1200" dirty="0"/>
+            </a:p>
+          </p:txBody>
+        </p:sp>
+        <p:sp>
+          <p:nvSpPr>
+            <p:cNvPr id="20" name="Freeform 19"/>
+            <p:cNvSpPr/>
+            <p:nvPr/>
+          </p:nvSpPr>
+          <p:spPr>
+            <a:xfrm>
+              <a:off x="7681006" y="3371407"/>
+              <a:ext cx="127028" cy="383050"/>
+            </a:xfrm>
+            <a:custGeom>
+              <a:avLst/>
+              <a:gdLst/>
+              <a:ahLst/>
+              <a:cxnLst/>
+              <a:rect l="0" t="0" r="0" b="0"/>
+              <a:pathLst>
+                <a:path>
+                  <a:moveTo>
+                    <a:pt x="0" y="0"/>
+                  </a:moveTo>
+                  <a:lnTo>
+                    <a:pt x="0" y="383050"/>
+                  </a:lnTo>
+                  <a:lnTo>
+                    <a:pt x="127028" y="383050"/>
+                  </a:lnTo>
+                </a:path>
+              </a:pathLst>
+            </a:custGeom>
+            <a:noFill/>
+          </p:spPr>
+          <p:style>
+            <a:lnRef idx="2">
+              <a:schemeClr val="accent1">
+                <a:shade val="60000"/>
+                <a:hueOff val="0"/>
+                <a:satOff val="0"/>
+                <a:lumOff val="0"/>
+                <a:alphaOff val="0"/>
+              </a:schemeClr>
+            </a:lnRef>
+            <a:fillRef idx="0">
+              <a:scrgbClr r="0" g="0" b="0"/>
+            </a:fillRef>
+            <a:effectRef idx="0">
+              <a:schemeClr val="accent1">
+                <a:hueOff val="0"/>
+                <a:satOff val="0"/>
+                <a:lumOff val="0"/>
+                <a:alphaOff val="0"/>
+              </a:schemeClr>
+            </a:effectRef>
+            <a:fontRef idx="minor">
+              <a:schemeClr val="tx1">
+                <a:hueOff val="0"/>
+                <a:satOff val="0"/>
+                <a:lumOff val="0"/>
+                <a:alphaOff val="0"/>
+              </a:schemeClr>
+            </a:fontRef>
+          </p:style>
+        </p:sp>
+        <p:sp>
+          <p:nvSpPr>
+            <p:cNvPr id="21" name="Freeform 20"/>
+            <p:cNvSpPr/>
+            <p:nvPr/>
+          </p:nvSpPr>
+          <p:spPr>
+            <a:xfrm>
+              <a:off x="7808035" y="3624536"/>
+              <a:ext cx="1391514" cy="259844"/>
+            </a:xfrm>
+            <a:custGeom>
+              <a:avLst/>
+              <a:gdLst>
+                <a:gd name="connsiteX0" fmla="*/ 0 w 1391514"/>
+                <a:gd name="connsiteY0" fmla="*/ 25984 h 259844"/>
+                <a:gd name="connsiteX1" fmla="*/ 25984 w 1391514"/>
+                <a:gd name="connsiteY1" fmla="*/ 0 h 259844"/>
+                <a:gd name="connsiteX2" fmla="*/ 1365530 w 1391514"/>
+                <a:gd name="connsiteY2" fmla="*/ 0 h 259844"/>
+                <a:gd name="connsiteX3" fmla="*/ 1391514 w 1391514"/>
+                <a:gd name="connsiteY3" fmla="*/ 25984 h 259844"/>
+                <a:gd name="connsiteX4" fmla="*/ 1391514 w 1391514"/>
+                <a:gd name="connsiteY4" fmla="*/ 233860 h 259844"/>
+                <a:gd name="connsiteX5" fmla="*/ 1365530 w 1391514"/>
+                <a:gd name="connsiteY5" fmla="*/ 259844 h 259844"/>
+                <a:gd name="connsiteX6" fmla="*/ 25984 w 1391514"/>
+                <a:gd name="connsiteY6" fmla="*/ 259844 h 259844"/>
+                <a:gd name="connsiteX7" fmla="*/ 0 w 1391514"/>
+                <a:gd name="connsiteY7" fmla="*/ 233860 h 259844"/>
+                <a:gd name="connsiteX8" fmla="*/ 0 w 1391514"/>
+                <a:gd name="connsiteY8" fmla="*/ 25984 h 259844"/>
+              </a:gdLst>
+              <a:ahLst/>
+              <a:cxnLst>
+                <a:cxn ang="0">
+                  <a:pos x="connsiteX0" y="connsiteY0"/>
+                </a:cxn>
+                <a:cxn ang="0">
+                  <a:pos x="connsiteX1" y="connsiteY1"/>
+                </a:cxn>
+                <a:cxn ang="0">
+                  <a:pos x="connsiteX2" y="connsiteY2"/>
+                </a:cxn>
+                <a:cxn ang="0">
+                  <a:pos x="connsiteX3" y="connsiteY3"/>
+                </a:cxn>
+                <a:cxn ang="0">
+                  <a:pos x="connsiteX4" y="connsiteY4"/>
+                </a:cxn>
+                <a:cxn ang="0">
+                  <a:pos x="connsiteX5" y="connsiteY5"/>
+                </a:cxn>
+                <a:cxn ang="0">
+                  <a:pos x="connsiteX6" y="connsiteY6"/>
+                </a:cxn>
+                <a:cxn ang="0">
+                  <a:pos x="connsiteX7" y="connsiteY7"/>
+                </a:cxn>
+                <a:cxn ang="0">
+                  <a:pos x="connsiteX8" y="connsiteY8"/>
+                </a:cxn>
+              </a:cxnLst>
+              <a:rect l="l" t="t" r="r" b="b"/>
+              <a:pathLst>
+                <a:path w="1391514" h="259844">
+                  <a:moveTo>
+                    <a:pt x="0" y="25984"/>
+                  </a:moveTo>
+                  <a:cubicBezTo>
+                    <a:pt x="0" y="11633"/>
+                    <a:pt x="11633" y="0"/>
+                    <a:pt x="25984" y="0"/>
+                  </a:cubicBezTo>
+                  <a:lnTo>
+                    <a:pt x="1365530" y="0"/>
+                  </a:lnTo>
+                  <a:cubicBezTo>
+                    <a:pt x="1379881" y="0"/>
+                    <a:pt x="1391514" y="11633"/>
+                    <a:pt x="1391514" y="25984"/>
+                  </a:cubicBezTo>
+                  <a:lnTo>
+                    <a:pt x="1391514" y="233860"/>
+                  </a:lnTo>
+                  <a:cubicBezTo>
+                    <a:pt x="1391514" y="248211"/>
+                    <a:pt x="1379881" y="259844"/>
+                    <a:pt x="1365530" y="259844"/>
+                  </a:cubicBezTo>
+                  <a:lnTo>
+                    <a:pt x="25984" y="259844"/>
+                  </a:lnTo>
+                  <a:cubicBezTo>
+                    <a:pt x="11633" y="259844"/>
+                    <a:pt x="0" y="248211"/>
+                    <a:pt x="0" y="233860"/>
+                  </a:cubicBezTo>
+                  <a:lnTo>
+                    <a:pt x="0" y="25984"/>
+                  </a:lnTo>
+                  <a:close/>
+                </a:path>
+              </a:pathLst>
+            </a:custGeom>
+            <a:gradFill rotWithShape="0">
+              <a:gsLst>
+                <a:gs pos="0">
+                  <a:srgbClr val="FFD9D1">
+                    <a:alpha val="49804"/>
+                  </a:srgbClr>
+                </a:gs>
+                <a:gs pos="100000">
+                  <a:srgbClr val="FFD9D1"/>
+                </a:gs>
+              </a:gsLst>
+              <a:lin ang="5400000" scaled="0"/>
+            </a:gradFill>
+          </p:spPr>
+          <p:style>
+            <a:lnRef idx="1">
+              <a:schemeClr val="accent1">
+                <a:hueOff val="0"/>
+                <a:satOff val="0"/>
+                <a:lumOff val="0"/>
+                <a:alphaOff val="0"/>
+              </a:schemeClr>
+            </a:lnRef>
+            <a:fillRef idx="1">
+              <a:scrgbClr r="0" g="0" b="0"/>
+            </a:fillRef>
+            <a:effectRef idx="2">
+              <a:schemeClr val="lt1">
+                <a:alpha val="90000"/>
+                <a:hueOff val="0"/>
+                <a:satOff val="0"/>
+                <a:lumOff val="0"/>
+                <a:alphaOff val="0"/>
+              </a:schemeClr>
+            </a:effectRef>
+            <a:fontRef idx="minor">
+              <a:schemeClr val="dk1">
+                <a:hueOff val="0"/>
+                <a:satOff val="0"/>
+                <a:lumOff val="0"/>
+                <a:alphaOff val="0"/>
+              </a:schemeClr>
+            </a:fontRef>
+          </p:style>
+          <p:txBody>
+            <a:bodyPr spcFirstLastPara="0" vert="horz" wrap="square" lIns="34281" tIns="25391" rIns="34281" bIns="25391" numCol="1" spcCol="1270" anchor="ctr" anchorCtr="0">
+              <a:noAutofit/>
+            </a:bodyPr>
+            <a:lstStyle/>
+            <a:p>
+              <a:pPr lvl="0" algn="ctr" defTabSz="622300">
+                <a:lnSpc>
+                  <a:spcPct val="90000"/>
+                </a:lnSpc>
+                <a:spcBef>
+                  <a:spcPct val="0"/>
+                </a:spcBef>
+                <a:spcAft>
+                  <a:spcPct val="35000"/>
+                </a:spcAft>
+              </a:pPr>
+              <a:r>
+                <a:rPr lang="en-US" sz="1400" kern="1200" dirty="0" err="1" smtClean="0"/>
+                <a:t>typePriority</a:t>
+              </a:r>
+              <a:endParaRPr lang="en-US" sz="1400" kern="1200" dirty="0"/>
+            </a:p>
+          </p:txBody>
+        </p:sp>
+        <p:sp>
+          <p:nvSpPr>
+            <p:cNvPr id="24" name="Freeform 23"/>
+            <p:cNvSpPr/>
+            <p:nvPr/>
+          </p:nvSpPr>
+          <p:spPr>
+            <a:xfrm>
+              <a:off x="7681006" y="3371407"/>
+              <a:ext cx="138761" cy="1188305"/>
+            </a:xfrm>
+            <a:custGeom>
+              <a:avLst/>
+              <a:gdLst/>
+              <a:ahLst/>
+              <a:cxnLst/>
+              <a:rect l="0" t="0" r="0" b="0"/>
+              <a:pathLst>
+                <a:path>
+                  <a:moveTo>
+                    <a:pt x="0" y="0"/>
+                  </a:moveTo>
+                  <a:lnTo>
+                    <a:pt x="0" y="1188305"/>
+                  </a:lnTo>
+                  <a:lnTo>
+                    <a:pt x="138761" y="1188305"/>
+                  </a:lnTo>
+                </a:path>
+              </a:pathLst>
+            </a:custGeom>
+            <a:noFill/>
+          </p:spPr>
+          <p:style>
+            <a:lnRef idx="2">
+              <a:schemeClr val="accent1">
+                <a:shade val="60000"/>
+                <a:hueOff val="0"/>
+                <a:satOff val="0"/>
+                <a:lumOff val="0"/>
+                <a:alphaOff val="0"/>
+              </a:schemeClr>
+            </a:lnRef>
+            <a:fillRef idx="0">
+              <a:scrgbClr r="0" g="0" b="0"/>
+            </a:fillRef>
+            <a:effectRef idx="0">
+              <a:schemeClr val="accent1">
+                <a:hueOff val="0"/>
+                <a:satOff val="0"/>
+                <a:lumOff val="0"/>
+                <a:alphaOff val="0"/>
+              </a:schemeClr>
+            </a:effectRef>
+            <a:fontRef idx="minor">
+              <a:schemeClr val="tx1">
+                <a:hueOff val="0"/>
+                <a:satOff val="0"/>
+                <a:lumOff val="0"/>
+                <a:alphaOff val="0"/>
+              </a:schemeClr>
+            </a:fontRef>
+          </p:style>
+        </p:sp>
+        <p:sp>
+          <p:nvSpPr>
+            <p:cNvPr id="25" name="Freeform 24"/>
+            <p:cNvSpPr/>
+            <p:nvPr/>
+          </p:nvSpPr>
+          <p:spPr>
+            <a:xfrm>
+              <a:off x="7819768" y="4429790"/>
+              <a:ext cx="1391514" cy="259844"/>
+            </a:xfrm>
+            <a:custGeom>
+              <a:avLst/>
+              <a:gdLst>
+                <a:gd name="connsiteX0" fmla="*/ 0 w 1391514"/>
+                <a:gd name="connsiteY0" fmla="*/ 25984 h 259844"/>
+                <a:gd name="connsiteX1" fmla="*/ 25984 w 1391514"/>
+                <a:gd name="connsiteY1" fmla="*/ 0 h 259844"/>
+                <a:gd name="connsiteX2" fmla="*/ 1365530 w 1391514"/>
+                <a:gd name="connsiteY2" fmla="*/ 0 h 259844"/>
+                <a:gd name="connsiteX3" fmla="*/ 1391514 w 1391514"/>
+                <a:gd name="connsiteY3" fmla="*/ 25984 h 259844"/>
+                <a:gd name="connsiteX4" fmla="*/ 1391514 w 1391514"/>
+                <a:gd name="connsiteY4" fmla="*/ 233860 h 259844"/>
+                <a:gd name="connsiteX5" fmla="*/ 1365530 w 1391514"/>
+                <a:gd name="connsiteY5" fmla="*/ 259844 h 259844"/>
+                <a:gd name="connsiteX6" fmla="*/ 25984 w 1391514"/>
+                <a:gd name="connsiteY6" fmla="*/ 259844 h 259844"/>
+                <a:gd name="connsiteX7" fmla="*/ 0 w 1391514"/>
+                <a:gd name="connsiteY7" fmla="*/ 233860 h 259844"/>
+                <a:gd name="connsiteX8" fmla="*/ 0 w 1391514"/>
+                <a:gd name="connsiteY8" fmla="*/ 25984 h 259844"/>
+              </a:gdLst>
+              <a:ahLst/>
+              <a:cxnLst>
+                <a:cxn ang="0">
+                  <a:pos x="connsiteX0" y="connsiteY0"/>
+                </a:cxn>
+                <a:cxn ang="0">
+                  <a:pos x="connsiteX1" y="connsiteY1"/>
+                </a:cxn>
+                <a:cxn ang="0">
+                  <a:pos x="connsiteX2" y="connsiteY2"/>
+                </a:cxn>
+                <a:cxn ang="0">
+                  <a:pos x="connsiteX3" y="connsiteY3"/>
+                </a:cxn>
+                <a:cxn ang="0">
+                  <a:pos x="connsiteX4" y="connsiteY4"/>
+                </a:cxn>
+                <a:cxn ang="0">
+                  <a:pos x="connsiteX5" y="connsiteY5"/>
+                </a:cxn>
+                <a:cxn ang="0">
+                  <a:pos x="connsiteX6" y="connsiteY6"/>
+                </a:cxn>
+                <a:cxn ang="0">
+                  <a:pos x="connsiteX7" y="connsiteY7"/>
+                </a:cxn>
+                <a:cxn ang="0">
+                  <a:pos x="connsiteX8" y="connsiteY8"/>
+                </a:cxn>
+              </a:cxnLst>
+              <a:rect l="l" t="t" r="r" b="b"/>
+              <a:pathLst>
+                <a:path w="1391514" h="259844">
+                  <a:moveTo>
+                    <a:pt x="0" y="25984"/>
+                  </a:moveTo>
+                  <a:cubicBezTo>
+                    <a:pt x="0" y="11633"/>
+                    <a:pt x="11633" y="0"/>
+                    <a:pt x="25984" y="0"/>
+                  </a:cubicBezTo>
+                  <a:lnTo>
+                    <a:pt x="1365530" y="0"/>
+                  </a:lnTo>
+                  <a:cubicBezTo>
+                    <a:pt x="1379881" y="0"/>
+                    <a:pt x="1391514" y="11633"/>
+                    <a:pt x="1391514" y="25984"/>
+                  </a:cubicBezTo>
+                  <a:lnTo>
+                    <a:pt x="1391514" y="233860"/>
+                  </a:lnTo>
+                  <a:cubicBezTo>
+                    <a:pt x="1391514" y="248211"/>
+                    <a:pt x="1379881" y="259844"/>
+                    <a:pt x="1365530" y="259844"/>
+                  </a:cubicBezTo>
+                  <a:lnTo>
+                    <a:pt x="25984" y="259844"/>
+                  </a:lnTo>
+                  <a:cubicBezTo>
+                    <a:pt x="11633" y="259844"/>
+                    <a:pt x="0" y="248211"/>
+                    <a:pt x="0" y="233860"/>
+                  </a:cubicBezTo>
+                  <a:lnTo>
+                    <a:pt x="0" y="25984"/>
+                  </a:lnTo>
+                  <a:close/>
+                </a:path>
+              </a:pathLst>
+            </a:custGeom>
+            <a:gradFill rotWithShape="0">
+              <a:gsLst>
+                <a:gs pos="0">
+                  <a:srgbClr val="FFD9D1">
+                    <a:alpha val="49804"/>
+                  </a:srgbClr>
+                </a:gs>
+                <a:gs pos="100000">
+                  <a:srgbClr val="FFD9D1"/>
+                </a:gs>
+              </a:gsLst>
+              <a:lin ang="5400000" scaled="0"/>
+            </a:gradFill>
+          </p:spPr>
+          <p:style>
+            <a:lnRef idx="1">
+              <a:schemeClr val="accent1">
+                <a:hueOff val="0"/>
+                <a:satOff val="0"/>
+                <a:lumOff val="0"/>
+                <a:alphaOff val="0"/>
+              </a:schemeClr>
+            </a:lnRef>
+            <a:fillRef idx="1">
+              <a:scrgbClr r="0" g="0" b="0"/>
+            </a:fillRef>
+            <a:effectRef idx="2">
+              <a:schemeClr val="lt1">
+                <a:alpha val="90000"/>
+                <a:hueOff val="0"/>
+                <a:satOff val="0"/>
+                <a:lumOff val="0"/>
+                <a:alphaOff val="0"/>
+              </a:schemeClr>
+            </a:effectRef>
+            <a:fontRef idx="minor">
+              <a:schemeClr val="dk1">
+                <a:hueOff val="0"/>
+                <a:satOff val="0"/>
+                <a:lumOff val="0"/>
+                <a:alphaOff val="0"/>
+              </a:schemeClr>
+            </a:fontRef>
+          </p:style>
+          <p:txBody>
+            <a:bodyPr spcFirstLastPara="0" vert="horz" wrap="square" lIns="34281" tIns="25391" rIns="34281" bIns="25391" numCol="1" spcCol="1270" anchor="ctr" anchorCtr="0">
+              <a:noAutofit/>
+            </a:bodyPr>
+            <a:lstStyle/>
+            <a:p>
+              <a:pPr lvl="0" algn="ctr" defTabSz="622300">
+                <a:lnSpc>
+                  <a:spcPct val="90000"/>
+                </a:lnSpc>
+                <a:spcBef>
+                  <a:spcPct val="0"/>
+                </a:spcBef>
+                <a:spcAft>
+                  <a:spcPct val="35000"/>
+                </a:spcAft>
+              </a:pPr>
+              <a:r>
+                <a:rPr lang="en-US" sz="1400" kern="1200" dirty="0" err="1" smtClean="0"/>
+                <a:t>nonOverlapping</a:t>
+              </a:r>
+              <a:endParaRPr lang="en-US" sz="1400" kern="1200" dirty="0"/>
+            </a:p>
+          </p:txBody>
+        </p:sp>
+        <p:sp>
+          <p:nvSpPr>
+            <p:cNvPr id="26" name="Freeform 25"/>
+            <p:cNvSpPr/>
+            <p:nvPr/>
+          </p:nvSpPr>
+          <p:spPr>
+            <a:xfrm>
+              <a:off x="7681006" y="3371407"/>
+              <a:ext cx="138761" cy="1634943"/>
+            </a:xfrm>
+            <a:custGeom>
+              <a:avLst/>
+              <a:gdLst/>
+              <a:ahLst/>
+              <a:cxnLst/>
+              <a:rect l="0" t="0" r="0" b="0"/>
+              <a:pathLst>
+                <a:path>
+                  <a:moveTo>
+                    <a:pt x="0" y="0"/>
+                  </a:moveTo>
+                  <a:lnTo>
+                    <a:pt x="0" y="1634943"/>
+                  </a:lnTo>
+                  <a:lnTo>
+                    <a:pt x="138761" y="1634943"/>
+                  </a:lnTo>
+                </a:path>
+              </a:pathLst>
+            </a:custGeom>
+            <a:noFill/>
+          </p:spPr>
+          <p:style>
+            <a:lnRef idx="2">
+              <a:schemeClr val="accent1">
+                <a:shade val="60000"/>
+                <a:hueOff val="0"/>
+                <a:satOff val="0"/>
+                <a:lumOff val="0"/>
+                <a:alphaOff val="0"/>
+              </a:schemeClr>
+            </a:lnRef>
+            <a:fillRef idx="0">
+              <a:scrgbClr r="0" g="0" b="0"/>
+            </a:fillRef>
+            <a:effectRef idx="0">
+              <a:schemeClr val="accent1">
+                <a:hueOff val="0"/>
+                <a:satOff val="0"/>
+                <a:lumOff val="0"/>
+                <a:alphaOff val="0"/>
+              </a:schemeClr>
+            </a:effectRef>
+            <a:fontRef idx="minor">
+              <a:schemeClr val="tx1">
+                <a:hueOff val="0"/>
+                <a:satOff val="0"/>
+                <a:lumOff val="0"/>
+                <a:alphaOff val="0"/>
+              </a:schemeClr>
+            </a:fontRef>
+          </p:style>
+        </p:sp>
+        <p:sp>
+          <p:nvSpPr>
+            <p:cNvPr id="27" name="Freeform 26"/>
+            <p:cNvSpPr/>
+            <p:nvPr/>
+          </p:nvSpPr>
+          <p:spPr>
+            <a:xfrm>
+              <a:off x="7819768" y="4869199"/>
+              <a:ext cx="2783947" cy="274302"/>
+            </a:xfrm>
+            <a:custGeom>
+              <a:avLst/>
+              <a:gdLst>
+                <a:gd name="connsiteX0" fmla="*/ 0 w 2783947"/>
+                <a:gd name="connsiteY0" fmla="*/ 27430 h 274302"/>
+                <a:gd name="connsiteX1" fmla="*/ 27430 w 2783947"/>
+                <a:gd name="connsiteY1" fmla="*/ 0 h 274302"/>
+                <a:gd name="connsiteX2" fmla="*/ 2756517 w 2783947"/>
+                <a:gd name="connsiteY2" fmla="*/ 0 h 274302"/>
+                <a:gd name="connsiteX3" fmla="*/ 2783947 w 2783947"/>
+                <a:gd name="connsiteY3" fmla="*/ 27430 h 274302"/>
+                <a:gd name="connsiteX4" fmla="*/ 2783947 w 2783947"/>
+                <a:gd name="connsiteY4" fmla="*/ 246872 h 274302"/>
+                <a:gd name="connsiteX5" fmla="*/ 2756517 w 2783947"/>
+                <a:gd name="connsiteY5" fmla="*/ 274302 h 274302"/>
+                <a:gd name="connsiteX6" fmla="*/ 27430 w 2783947"/>
+                <a:gd name="connsiteY6" fmla="*/ 274302 h 274302"/>
+                <a:gd name="connsiteX7" fmla="*/ 0 w 2783947"/>
+                <a:gd name="connsiteY7" fmla="*/ 246872 h 274302"/>
+                <a:gd name="connsiteX8" fmla="*/ 0 w 2783947"/>
+                <a:gd name="connsiteY8" fmla="*/ 27430 h 274302"/>
+              </a:gdLst>
+              <a:ahLst/>
+              <a:cxnLst>
+                <a:cxn ang="0">
+                  <a:pos x="connsiteX0" y="connsiteY0"/>
+                </a:cxn>
+                <a:cxn ang="0">
+                  <a:pos x="connsiteX1" y="connsiteY1"/>
+                </a:cxn>
+                <a:cxn ang="0">
+                  <a:pos x="connsiteX2" y="connsiteY2"/>
+                </a:cxn>
+                <a:cxn ang="0">
+                  <a:pos x="connsiteX3" y="connsiteY3"/>
+                </a:cxn>
+                <a:cxn ang="0">
+                  <a:pos x="connsiteX4" y="connsiteY4"/>
+                </a:cxn>
+                <a:cxn ang="0">
+                  <a:pos x="connsiteX5" y="connsiteY5"/>
+                </a:cxn>
+                <a:cxn ang="0">
+                  <a:pos x="connsiteX6" y="connsiteY6"/>
+                </a:cxn>
+                <a:cxn ang="0">
+                  <a:pos x="connsiteX7" y="connsiteY7"/>
+                </a:cxn>
+                <a:cxn ang="0">
+                  <a:pos x="connsiteX8" y="connsiteY8"/>
+                </a:cxn>
+              </a:cxnLst>
+              <a:rect l="l" t="t" r="r" b="b"/>
+              <a:pathLst>
+                <a:path w="2783947" h="274302">
+                  <a:moveTo>
+                    <a:pt x="0" y="27430"/>
+                  </a:moveTo>
+                  <a:cubicBezTo>
+                    <a:pt x="0" y="12281"/>
+                    <a:pt x="12281" y="0"/>
+                    <a:pt x="27430" y="0"/>
+                  </a:cubicBezTo>
+                  <a:lnTo>
+                    <a:pt x="2756517" y="0"/>
+                  </a:lnTo>
+                  <a:cubicBezTo>
+                    <a:pt x="2771666" y="0"/>
+                    <a:pt x="2783947" y="12281"/>
+                    <a:pt x="2783947" y="27430"/>
+                  </a:cubicBezTo>
+                  <a:lnTo>
+                    <a:pt x="2783947" y="246872"/>
+                  </a:lnTo>
+                  <a:cubicBezTo>
+                    <a:pt x="2783947" y="262021"/>
+                    <a:pt x="2771666" y="274302"/>
+                    <a:pt x="2756517" y="274302"/>
+                  </a:cubicBezTo>
+                  <a:lnTo>
+                    <a:pt x="27430" y="274302"/>
+                  </a:lnTo>
+                  <a:cubicBezTo>
+                    <a:pt x="12281" y="274302"/>
+                    <a:pt x="0" y="262021"/>
+                    <a:pt x="0" y="246872"/>
+                  </a:cubicBezTo>
+                  <a:lnTo>
+                    <a:pt x="0" y="27430"/>
+                  </a:lnTo>
+                  <a:close/>
+                </a:path>
+              </a:pathLst>
+            </a:custGeom>
+            <a:gradFill rotWithShape="0">
+              <a:gsLst>
+                <a:gs pos="0">
+                  <a:srgbClr val="FFD9D1">
+                    <a:alpha val="49804"/>
+                  </a:srgbClr>
+                </a:gs>
+                <a:gs pos="100000">
+                  <a:srgbClr val="FFD9D1"/>
+                </a:gs>
+              </a:gsLst>
+              <a:lin ang="5400000" scaled="0"/>
+            </a:gradFill>
+          </p:spPr>
+          <p:style>
+            <a:lnRef idx="1">
+              <a:schemeClr val="accent1">
+                <a:hueOff val="0"/>
+                <a:satOff val="0"/>
+                <a:lumOff val="0"/>
+                <a:alphaOff val="0"/>
+              </a:schemeClr>
+            </a:lnRef>
+            <a:fillRef idx="1">
+              <a:scrgbClr r="0" g="0" b="0"/>
+            </a:fillRef>
+            <a:effectRef idx="2">
+              <a:schemeClr val="lt1">
+                <a:alpha val="90000"/>
+                <a:hueOff val="0"/>
+                <a:satOff val="0"/>
+                <a:lumOff val="0"/>
+                <a:alphaOff val="0"/>
+              </a:schemeClr>
+            </a:effectRef>
+            <a:fontRef idx="minor">
+              <a:schemeClr val="dk1">
+                <a:hueOff val="0"/>
+                <a:satOff val="0"/>
+                <a:lumOff val="0"/>
+                <a:alphaOff val="0"/>
+              </a:schemeClr>
+            </a:fontRef>
+          </p:style>
+          <p:txBody>
+            <a:bodyPr spcFirstLastPara="0" vert="horz" wrap="square" lIns="30894" tIns="23274" rIns="30894" bIns="23274" numCol="1" spcCol="1270" anchor="ctr" anchorCtr="0">
+              <a:noAutofit/>
+            </a:bodyPr>
+            <a:lstStyle/>
+            <a:p>
+              <a:pPr lvl="0" algn="ctr" defTabSz="533400">
+                <a:lnSpc>
+                  <a:spcPct val="90000"/>
+                </a:lnSpc>
+                <a:spcBef>
+                  <a:spcPct val="0"/>
+                </a:spcBef>
+                <a:spcAft>
+                  <a:spcPct val="35000"/>
+                </a:spcAft>
+              </a:pPr>
+              <a:r>
+                <a:rPr lang="en-US" sz="1200" kern="1200" dirty="0" smtClean="0"/>
+                <a:t>includeAnnotationsWithEndBeyondBounds</a:t>
+              </a:r>
+              <a:endParaRPr lang="en-US" sz="1200" kern="1200" dirty="0"/>
+            </a:p>
+          </p:txBody>
+        </p:sp>
+        <p:sp>
+          <p:nvSpPr>
+            <p:cNvPr id="28" name="Freeform 27"/>
+            <p:cNvSpPr/>
+            <p:nvPr/>
+          </p:nvSpPr>
+          <p:spPr>
+            <a:xfrm>
+              <a:off x="7681006" y="3371407"/>
+              <a:ext cx="144209" cy="2061998"/>
+            </a:xfrm>
+            <a:custGeom>
+              <a:avLst/>
+              <a:gdLst/>
+              <a:ahLst/>
+              <a:cxnLst/>
+              <a:rect l="0" t="0" r="0" b="0"/>
+              <a:pathLst>
+                <a:path>
+                  <a:moveTo>
+                    <a:pt x="0" y="0"/>
+                  </a:moveTo>
+                  <a:lnTo>
+                    <a:pt x="0" y="2061998"/>
+                  </a:lnTo>
+                  <a:lnTo>
+                    <a:pt x="144209" y="2061998"/>
+                  </a:lnTo>
+                </a:path>
+              </a:pathLst>
+            </a:custGeom>
+            <a:noFill/>
+          </p:spPr>
+          <p:style>
+            <a:lnRef idx="2">
+              <a:schemeClr val="accent1">
+                <a:shade val="60000"/>
+                <a:hueOff val="0"/>
+                <a:satOff val="0"/>
+                <a:lumOff val="0"/>
+                <a:alphaOff val="0"/>
+              </a:schemeClr>
+            </a:lnRef>
+            <a:fillRef idx="0">
+              <a:scrgbClr r="0" g="0" b="0"/>
+            </a:fillRef>
+            <a:effectRef idx="0">
+              <a:schemeClr val="accent1">
+                <a:hueOff val="0"/>
+                <a:satOff val="0"/>
+                <a:lumOff val="0"/>
+                <a:alphaOff val="0"/>
+              </a:schemeClr>
+            </a:effectRef>
+            <a:fontRef idx="minor">
+              <a:schemeClr val="tx1">
+                <a:hueOff val="0"/>
+                <a:satOff val="0"/>
+                <a:lumOff val="0"/>
+                <a:alphaOff val="0"/>
+              </a:schemeClr>
+            </a:fontRef>
+          </p:style>
+        </p:sp>
+        <p:sp>
+          <p:nvSpPr>
+            <p:cNvPr id="29" name="Freeform 28"/>
+            <p:cNvSpPr/>
+            <p:nvPr/>
+          </p:nvSpPr>
+          <p:spPr>
+            <a:xfrm>
+              <a:off x="7825216" y="5312300"/>
+              <a:ext cx="1701663" cy="242211"/>
+            </a:xfrm>
+            <a:custGeom>
+              <a:avLst/>
+              <a:gdLst>
+                <a:gd name="connsiteX0" fmla="*/ 0 w 1701663"/>
+                <a:gd name="connsiteY0" fmla="*/ 24221 h 242211"/>
+                <a:gd name="connsiteX1" fmla="*/ 24221 w 1701663"/>
+                <a:gd name="connsiteY1" fmla="*/ 0 h 242211"/>
+                <a:gd name="connsiteX2" fmla="*/ 1677442 w 1701663"/>
+                <a:gd name="connsiteY2" fmla="*/ 0 h 242211"/>
+                <a:gd name="connsiteX3" fmla="*/ 1701663 w 1701663"/>
+                <a:gd name="connsiteY3" fmla="*/ 24221 h 242211"/>
+                <a:gd name="connsiteX4" fmla="*/ 1701663 w 1701663"/>
+                <a:gd name="connsiteY4" fmla="*/ 217990 h 242211"/>
+                <a:gd name="connsiteX5" fmla="*/ 1677442 w 1701663"/>
+                <a:gd name="connsiteY5" fmla="*/ 242211 h 242211"/>
+                <a:gd name="connsiteX6" fmla="*/ 24221 w 1701663"/>
+                <a:gd name="connsiteY6" fmla="*/ 242211 h 242211"/>
+                <a:gd name="connsiteX7" fmla="*/ 0 w 1701663"/>
+                <a:gd name="connsiteY7" fmla="*/ 217990 h 242211"/>
+                <a:gd name="connsiteX8" fmla="*/ 0 w 1701663"/>
+                <a:gd name="connsiteY8" fmla="*/ 24221 h 242211"/>
+              </a:gdLst>
+              <a:ahLst/>
+              <a:cxnLst>
+                <a:cxn ang="0">
+                  <a:pos x="connsiteX0" y="connsiteY0"/>
+                </a:cxn>
+                <a:cxn ang="0">
+                  <a:pos x="connsiteX1" y="connsiteY1"/>
+                </a:cxn>
+                <a:cxn ang="0">
+                  <a:pos x="connsiteX2" y="connsiteY2"/>
+                </a:cxn>
+                <a:cxn ang="0">
+                  <a:pos x="connsiteX3" y="connsiteY3"/>
+                </a:cxn>
+                <a:cxn ang="0">
+                  <a:pos x="connsiteX4" y="connsiteY4"/>
+                </a:cxn>
+                <a:cxn ang="0">
+                  <a:pos x="connsiteX5" y="connsiteY5"/>
+                </a:cxn>
+                <a:cxn ang="0">
+                  <a:pos x="connsiteX6" y="connsiteY6"/>
+                </a:cxn>
+                <a:cxn ang="0">
+                  <a:pos x="connsiteX7" y="connsiteY7"/>
+                </a:cxn>
+                <a:cxn ang="0">
+                  <a:pos x="connsiteX8" y="connsiteY8"/>
+                </a:cxn>
+              </a:cxnLst>
+              <a:rect l="l" t="t" r="r" b="b"/>
+              <a:pathLst>
+                <a:path w="1701663" h="242211">
+                  <a:moveTo>
+                    <a:pt x="0" y="24221"/>
+                  </a:moveTo>
+                  <a:cubicBezTo>
+                    <a:pt x="0" y="10844"/>
+                    <a:pt x="10844" y="0"/>
+                    <a:pt x="24221" y="0"/>
+                  </a:cubicBezTo>
+                  <a:lnTo>
+                    <a:pt x="1677442" y="0"/>
+                  </a:lnTo>
+                  <a:cubicBezTo>
+                    <a:pt x="1690819" y="0"/>
+                    <a:pt x="1701663" y="10844"/>
+                    <a:pt x="1701663" y="24221"/>
+                  </a:cubicBezTo>
+                  <a:lnTo>
+                    <a:pt x="1701663" y="217990"/>
+                  </a:lnTo>
+                  <a:cubicBezTo>
+                    <a:pt x="1701663" y="231367"/>
+                    <a:pt x="1690819" y="242211"/>
+                    <a:pt x="1677442" y="242211"/>
+                  </a:cubicBezTo>
+                  <a:lnTo>
+                    <a:pt x="24221" y="242211"/>
+                  </a:lnTo>
+                  <a:cubicBezTo>
+                    <a:pt x="10844" y="242211"/>
+                    <a:pt x="0" y="231367"/>
+                    <a:pt x="0" y="217990"/>
+                  </a:cubicBezTo>
+                  <a:lnTo>
+                    <a:pt x="0" y="24221"/>
+                  </a:lnTo>
+                  <a:close/>
+                </a:path>
+              </a:pathLst>
+            </a:custGeom>
+            <a:gradFill rotWithShape="0">
+              <a:gsLst>
+                <a:gs pos="0">
+                  <a:srgbClr val="FFD9D1">
+                    <a:alpha val="49804"/>
+                  </a:srgbClr>
+                </a:gs>
+                <a:gs pos="100000">
+                  <a:srgbClr val="FFD9D1"/>
+                </a:gs>
+              </a:gsLst>
+              <a:lin ang="5400000" scaled="0"/>
+            </a:gradFill>
+          </p:spPr>
+          <p:style>
+            <a:lnRef idx="1">
+              <a:schemeClr val="accent1">
+                <a:hueOff val="0"/>
+                <a:satOff val="0"/>
+                <a:lumOff val="0"/>
+                <a:alphaOff val="0"/>
+              </a:schemeClr>
+            </a:lnRef>
+            <a:fillRef idx="1">
+              <a:scrgbClr r="0" g="0" b="0"/>
+            </a:fillRef>
+            <a:effectRef idx="2">
+              <a:schemeClr val="lt1">
+                <a:alpha val="90000"/>
+                <a:hueOff val="0"/>
+                <a:satOff val="0"/>
+                <a:lumOff val="0"/>
+                <a:alphaOff val="0"/>
+              </a:schemeClr>
+            </a:effectRef>
+            <a:fontRef idx="minor">
+              <a:schemeClr val="dk1">
+                <a:hueOff val="0"/>
+                <a:satOff val="0"/>
+                <a:lumOff val="0"/>
+                <a:alphaOff val="0"/>
+              </a:schemeClr>
+            </a:fontRef>
+          </p:style>
+          <p:txBody>
+            <a:bodyPr spcFirstLastPara="0" vert="horz" wrap="square" lIns="33764" tIns="24874" rIns="33764" bIns="24874" numCol="1" spcCol="1270" anchor="ctr" anchorCtr="0">
+              <a:noAutofit/>
+            </a:bodyPr>
+            <a:lstStyle/>
+            <a:p>
+              <a:pPr lvl="0" algn="ctr" defTabSz="622300">
+                <a:lnSpc>
+                  <a:spcPct val="90000"/>
+                </a:lnSpc>
+                <a:spcBef>
+                  <a:spcPct val="0"/>
+                </a:spcBef>
+                <a:spcAft>
+                  <a:spcPct val="35000"/>
+                </a:spcAft>
+              </a:pPr>
+              <a:r>
+                <a:rPr lang="en-US" sz="1400" kern="1200" dirty="0" err="1" smtClean="0"/>
+                <a:t>useAnnotationEquals</a:t>
+              </a:r>
+              <a:endParaRPr lang="en-US" sz="1400" kern="1200" dirty="0"/>
+            </a:p>
+          </p:txBody>
+        </p:sp>
+        <p:sp>
+          <p:nvSpPr>
+            <p:cNvPr id="30" name="Freeform 29"/>
+            <p:cNvSpPr/>
+            <p:nvPr/>
+          </p:nvSpPr>
+          <p:spPr>
+            <a:xfrm>
+              <a:off x="9190140" y="2653149"/>
+              <a:ext cx="1536024" cy="718258"/>
+            </a:xfrm>
+            <a:custGeom>
+              <a:avLst/>
+              <a:gdLst>
+                <a:gd name="connsiteX0" fmla="*/ 0 w 1536024"/>
+                <a:gd name="connsiteY0" fmla="*/ 71826 h 718258"/>
+                <a:gd name="connsiteX1" fmla="*/ 71826 w 1536024"/>
+                <a:gd name="connsiteY1" fmla="*/ 0 h 718258"/>
+                <a:gd name="connsiteX2" fmla="*/ 1464198 w 1536024"/>
+                <a:gd name="connsiteY2" fmla="*/ 0 h 718258"/>
+                <a:gd name="connsiteX3" fmla="*/ 1536024 w 1536024"/>
+                <a:gd name="connsiteY3" fmla="*/ 71826 h 718258"/>
+                <a:gd name="connsiteX4" fmla="*/ 1536024 w 1536024"/>
+                <a:gd name="connsiteY4" fmla="*/ 646432 h 718258"/>
+                <a:gd name="connsiteX5" fmla="*/ 1464198 w 1536024"/>
+                <a:gd name="connsiteY5" fmla="*/ 718258 h 718258"/>
+                <a:gd name="connsiteX6" fmla="*/ 71826 w 1536024"/>
+                <a:gd name="connsiteY6" fmla="*/ 718258 h 718258"/>
+                <a:gd name="connsiteX7" fmla="*/ 0 w 1536024"/>
+                <a:gd name="connsiteY7" fmla="*/ 646432 h 718258"/>
+                <a:gd name="connsiteX8" fmla="*/ 0 w 1536024"/>
+                <a:gd name="connsiteY8" fmla="*/ 71826 h 718258"/>
+              </a:gdLst>
+              <a:ahLst/>
+              <a:cxnLst>
+                <a:cxn ang="0">
+                  <a:pos x="connsiteX0" y="connsiteY0"/>
+                </a:cxn>
+                <a:cxn ang="0">
+                  <a:pos x="connsiteX1" y="connsiteY1"/>
+                </a:cxn>
+                <a:cxn ang="0">
+                  <a:pos x="connsiteX2" y="connsiteY2"/>
+                </a:cxn>
+                <a:cxn ang="0">
+                  <a:pos x="connsiteX3" y="connsiteY3"/>
+                </a:cxn>
+                <a:cxn ang="0">
+                  <a:pos x="connsiteX4" y="connsiteY4"/>
+                </a:cxn>
+                <a:cxn ang="0">
+                  <a:pos x="connsiteX5" y="connsiteY5"/>
+                </a:cxn>
+                <a:cxn ang="0">
+                  <a:pos x="connsiteX6" y="connsiteY6"/>
+                </a:cxn>
+                <a:cxn ang="0">
+                  <a:pos x="connsiteX7" y="connsiteY7"/>
+                </a:cxn>
+                <a:cxn ang="0">
+                  <a:pos x="connsiteX8" y="connsiteY8"/>
+                </a:cxn>
+              </a:cxnLst>
+              <a:rect l="l" t="t" r="r" b="b"/>
+              <a:pathLst>
+                <a:path w="1536024" h="718258">
+                  <a:moveTo>
+                    <a:pt x="0" y="71826"/>
+                  </a:moveTo>
+                  <a:cubicBezTo>
+                    <a:pt x="0" y="32158"/>
+                    <a:pt x="32158" y="0"/>
+                    <a:pt x="71826" y="0"/>
+                  </a:cubicBezTo>
+                  <a:lnTo>
+                    <a:pt x="1464198" y="0"/>
+                  </a:lnTo>
+                  <a:cubicBezTo>
+                    <a:pt x="1503866" y="0"/>
+                    <a:pt x="1536024" y="32158"/>
+                    <a:pt x="1536024" y="71826"/>
+                  </a:cubicBezTo>
+                  <a:lnTo>
+                    <a:pt x="1536024" y="646432"/>
+                  </a:lnTo>
+                  <a:cubicBezTo>
+                    <a:pt x="1536024" y="686100"/>
+                    <a:pt x="1503866" y="718258"/>
+                    <a:pt x="1464198" y="718258"/>
+                  </a:cubicBezTo>
+                  <a:lnTo>
+                    <a:pt x="71826" y="718258"/>
+                  </a:lnTo>
+                  <a:cubicBezTo>
+                    <a:pt x="32158" y="718258"/>
+                    <a:pt x="0" y="686100"/>
+                    <a:pt x="0" y="646432"/>
+                  </a:cubicBezTo>
+                  <a:lnTo>
+                    <a:pt x="0" y="71826"/>
+                  </a:lnTo>
+                  <a:close/>
+                </a:path>
+              </a:pathLst>
+            </a:custGeom>
+            <a:gradFill rotWithShape="0">
+              <a:gsLst>
+                <a:gs pos="0">
+                  <a:srgbClr val="FFCCFF">
+                    <a:lumMod val="50000"/>
+                    <a:lumOff val="50000"/>
+                  </a:srgbClr>
+                </a:gs>
+                <a:gs pos="100000">
+                  <a:srgbClr val="FFCCFF"/>
+                </a:gs>
+              </a:gsLst>
+            </a:gradFill>
+          </p:spPr>
+          <p:style>
+            <a:lnRef idx="1">
+              <a:schemeClr val="accent2"/>
+            </a:lnRef>
+            <a:fillRef idx="2">
+              <a:schemeClr val="accent2"/>
+            </a:fillRef>
+            <a:effectRef idx="1">
+              <a:schemeClr val="accent2"/>
+            </a:effectRef>
+            <a:fontRef idx="minor">
+              <a:schemeClr val="dk1"/>
+            </a:fontRef>
+          </p:style>
+          <p:txBody>
+            <a:bodyPr spcFirstLastPara="0" vert="horz" wrap="square" lIns="49612" tIns="40087" rIns="49612" bIns="40087" numCol="1" spcCol="1270" anchor="ctr" anchorCtr="0">
+              <a:noAutofit/>
+            </a:bodyPr>
+            <a:lstStyle/>
+            <a:p>
+              <a:pPr lvl="0" algn="ctr" defTabSz="666750">
+                <a:lnSpc>
+                  <a:spcPct val="90000"/>
+                </a:lnSpc>
+                <a:spcBef>
+                  <a:spcPct val="0"/>
+                </a:spcBef>
+                <a:spcAft>
+                  <a:spcPct val="35000"/>
+                </a:spcAft>
+              </a:pPr>
+              <a:r>
+                <a:rPr lang="en-US" sz="1500" kern="1200" dirty="0" smtClean="0"/>
+                <a:t>Annotation index </a:t>
+              </a:r>
+              <a:br>
+                <a:rPr lang="en-US" sz="1500" kern="1200" dirty="0" smtClean="0"/>
+              </a:br>
+              <a:r>
+                <a:rPr lang="en-US" sz="1500" kern="1200" dirty="0" smtClean="0"/>
+                <a:t> follow / </a:t>
+              </a:r>
+              <a:r>
+                <a:rPr lang="en-US" sz="1500" kern="1200" smtClean="0"/>
+                <a:t>preceed</a:t>
+              </a:r>
+              <a:endParaRPr lang="en-US" sz="1500" kern="1200" dirty="0"/>
+            </a:p>
+          </p:txBody>
+        </p:sp>
+        <p:sp>
+          <p:nvSpPr>
+            <p:cNvPr id="31" name="Freeform 30"/>
+            <p:cNvSpPr/>
+            <p:nvPr/>
+          </p:nvSpPr>
+          <p:spPr>
+            <a:xfrm>
+              <a:off x="9298022" y="3371407"/>
+              <a:ext cx="91440" cy="371163"/>
+            </a:xfrm>
+            <a:custGeom>
+              <a:avLst/>
+              <a:gdLst/>
+              <a:ahLst/>
+              <a:cxnLst/>
+              <a:rect l="0" t="0" r="0" b="0"/>
+              <a:pathLst>
+                <a:path>
+                  <a:moveTo>
+                    <a:pt x="45720" y="0"/>
+                  </a:moveTo>
+                  <a:lnTo>
+                    <a:pt x="45720" y="371163"/>
+                  </a:lnTo>
+                  <a:lnTo>
+                    <a:pt x="123701" y="371163"/>
+                  </a:lnTo>
+                </a:path>
+              </a:pathLst>
+            </a:custGeom>
+            <a:noFill/>
+          </p:spPr>
+          <p:style>
+            <a:lnRef idx="2">
+              <a:schemeClr val="accent1">
+                <a:shade val="60000"/>
+                <a:hueOff val="0"/>
+                <a:satOff val="0"/>
+                <a:lumOff val="0"/>
+                <a:alphaOff val="0"/>
+              </a:schemeClr>
+            </a:lnRef>
+            <a:fillRef idx="0">
+              <a:scrgbClr r="0" g="0" b="0"/>
+            </a:fillRef>
+            <a:effectRef idx="0">
+              <a:schemeClr val="accent1">
+                <a:hueOff val="0"/>
+                <a:satOff val="0"/>
+                <a:lumOff val="0"/>
+                <a:alphaOff val="0"/>
+              </a:schemeClr>
+            </a:effectRef>
+            <a:fontRef idx="minor">
+              <a:schemeClr val="tx1">
+                <a:hueOff val="0"/>
+                <a:satOff val="0"/>
+                <a:lumOff val="0"/>
+                <a:alphaOff val="0"/>
+              </a:schemeClr>
+            </a:fontRef>
+          </p:style>
+        </p:sp>
+        <p:sp>
+          <p:nvSpPr>
+            <p:cNvPr id="64" name="Freeform 63"/>
+            <p:cNvSpPr/>
+            <p:nvPr/>
+          </p:nvSpPr>
+          <p:spPr>
+            <a:xfrm>
+              <a:off x="9421724" y="3612649"/>
+              <a:ext cx="1176093" cy="259844"/>
+            </a:xfrm>
+            <a:custGeom>
+              <a:avLst/>
+              <a:gdLst>
+                <a:gd name="connsiteX0" fmla="*/ 0 w 1176093"/>
+                <a:gd name="connsiteY0" fmla="*/ 25984 h 259844"/>
+                <a:gd name="connsiteX1" fmla="*/ 25984 w 1176093"/>
+                <a:gd name="connsiteY1" fmla="*/ 0 h 259844"/>
+                <a:gd name="connsiteX2" fmla="*/ 1150109 w 1176093"/>
+                <a:gd name="connsiteY2" fmla="*/ 0 h 259844"/>
+                <a:gd name="connsiteX3" fmla="*/ 1176093 w 1176093"/>
+                <a:gd name="connsiteY3" fmla="*/ 25984 h 259844"/>
+                <a:gd name="connsiteX4" fmla="*/ 1176093 w 1176093"/>
+                <a:gd name="connsiteY4" fmla="*/ 233860 h 259844"/>
+                <a:gd name="connsiteX5" fmla="*/ 1150109 w 1176093"/>
+                <a:gd name="connsiteY5" fmla="*/ 259844 h 259844"/>
+                <a:gd name="connsiteX6" fmla="*/ 25984 w 1176093"/>
+                <a:gd name="connsiteY6" fmla="*/ 259844 h 259844"/>
+                <a:gd name="connsiteX7" fmla="*/ 0 w 1176093"/>
+                <a:gd name="connsiteY7" fmla="*/ 233860 h 259844"/>
+                <a:gd name="connsiteX8" fmla="*/ 0 w 1176093"/>
+                <a:gd name="connsiteY8" fmla="*/ 25984 h 259844"/>
+              </a:gdLst>
+              <a:ahLst/>
+              <a:cxnLst>
+                <a:cxn ang="0">
+                  <a:pos x="connsiteX0" y="connsiteY0"/>
+                </a:cxn>
+                <a:cxn ang="0">
+                  <a:pos x="connsiteX1" y="connsiteY1"/>
+                </a:cxn>
+                <a:cxn ang="0">
+                  <a:pos x="connsiteX2" y="connsiteY2"/>
+                </a:cxn>
+                <a:cxn ang="0">
+                  <a:pos x="connsiteX3" y="connsiteY3"/>
+                </a:cxn>
+                <a:cxn ang="0">
+                  <a:pos x="connsiteX4" y="connsiteY4"/>
+                </a:cxn>
+                <a:cxn ang="0">
+                  <a:pos x="connsiteX5" y="connsiteY5"/>
+                </a:cxn>
+                <a:cxn ang="0">
+                  <a:pos x="connsiteX6" y="connsiteY6"/>
+                </a:cxn>
+                <a:cxn ang="0">
+                  <a:pos x="connsiteX7" y="connsiteY7"/>
+                </a:cxn>
+                <a:cxn ang="0">
+                  <a:pos x="connsiteX8" y="connsiteY8"/>
+                </a:cxn>
+              </a:cxnLst>
+              <a:rect l="l" t="t" r="r" b="b"/>
+              <a:pathLst>
+                <a:path w="1176093" h="259844">
+                  <a:moveTo>
+                    <a:pt x="0" y="25984"/>
+                  </a:moveTo>
+                  <a:cubicBezTo>
+                    <a:pt x="0" y="11633"/>
+                    <a:pt x="11633" y="0"/>
+                    <a:pt x="25984" y="0"/>
+                  </a:cubicBezTo>
+                  <a:lnTo>
+                    <a:pt x="1150109" y="0"/>
+                  </a:lnTo>
+                  <a:cubicBezTo>
+                    <a:pt x="1164460" y="0"/>
+                    <a:pt x="1176093" y="11633"/>
+                    <a:pt x="1176093" y="25984"/>
+                  </a:cubicBezTo>
+                  <a:lnTo>
+                    <a:pt x="1176093" y="233860"/>
+                  </a:lnTo>
+                  <a:cubicBezTo>
+                    <a:pt x="1176093" y="248211"/>
+                    <a:pt x="1164460" y="259844"/>
+                    <a:pt x="1150109" y="259844"/>
+                  </a:cubicBezTo>
+                  <a:lnTo>
+                    <a:pt x="25984" y="259844"/>
+                  </a:lnTo>
+                  <a:cubicBezTo>
+                    <a:pt x="11633" y="259844"/>
+                    <a:pt x="0" y="248211"/>
+                    <a:pt x="0" y="233860"/>
+                  </a:cubicBezTo>
+                  <a:lnTo>
+                    <a:pt x="0" y="25984"/>
+                  </a:lnTo>
+                  <a:close/>
+                </a:path>
+              </a:pathLst>
+            </a:custGeom>
+            <a:gradFill rotWithShape="0">
+              <a:gsLst>
+                <a:gs pos="0">
+                  <a:srgbClr val="FFD9D1">
+                    <a:alpha val="49804"/>
+                  </a:srgbClr>
+                </a:gs>
+                <a:gs pos="100000">
+                  <a:srgbClr val="FFD9D1"/>
+                </a:gs>
+              </a:gsLst>
+              <a:lin ang="5400000" scaled="0"/>
+            </a:gradFill>
+          </p:spPr>
+          <p:style>
+            <a:lnRef idx="1">
+              <a:schemeClr val="accent1">
+                <a:hueOff val="0"/>
+                <a:satOff val="0"/>
+                <a:lumOff val="0"/>
+                <a:alphaOff val="0"/>
+              </a:schemeClr>
+            </a:lnRef>
+            <a:fillRef idx="1">
+              <a:scrgbClr r="0" g="0" b="0"/>
+            </a:fillRef>
+            <a:effectRef idx="2">
+              <a:schemeClr val="lt1">
+                <a:alpha val="90000"/>
+                <a:hueOff val="0"/>
+                <a:satOff val="0"/>
+                <a:lumOff val="0"/>
+                <a:alphaOff val="0"/>
+              </a:schemeClr>
+            </a:effectRef>
+            <a:fontRef idx="minor">
+              <a:schemeClr val="dk1">
+                <a:hueOff val="0"/>
+                <a:satOff val="0"/>
+                <a:lumOff val="0"/>
+                <a:alphaOff val="0"/>
+              </a:schemeClr>
+            </a:fontRef>
+          </p:style>
+          <p:txBody>
+            <a:bodyPr spcFirstLastPara="0" vert="horz" wrap="square" lIns="34281" tIns="25391" rIns="34281" bIns="25391" numCol="1" spcCol="1270" anchor="ctr" anchorCtr="0">
+              <a:noAutofit/>
+            </a:bodyPr>
+            <a:lstStyle/>
+            <a:p>
+              <a:pPr lvl="0" algn="ctr" defTabSz="622300">
+                <a:lnSpc>
+                  <a:spcPct val="90000"/>
+                </a:lnSpc>
+                <a:spcBef>
+                  <a:spcPct val="0"/>
+                </a:spcBef>
+                <a:spcAft>
+                  <a:spcPct val="35000"/>
+                </a:spcAft>
+              </a:pPr>
+              <a:r>
+                <a:rPr lang="en-US" sz="1400" kern="1200" dirty="0" smtClean="0"/>
+                <a:t>following</a:t>
+              </a:r>
+              <a:endParaRPr lang="en-US" sz="1400" kern="1200" dirty="0"/>
+            </a:p>
+          </p:txBody>
+        </p:sp>
+        <p:sp>
+          <p:nvSpPr>
+            <p:cNvPr id="65" name="Freeform 64"/>
+            <p:cNvSpPr/>
+            <p:nvPr/>
+          </p:nvSpPr>
+          <p:spPr>
+            <a:xfrm>
+              <a:off x="9298022" y="3371407"/>
+              <a:ext cx="91440" cy="810572"/>
+            </a:xfrm>
+            <a:custGeom>
+              <a:avLst/>
+              <a:gdLst/>
+              <a:ahLst/>
+              <a:cxnLst/>
+              <a:rect l="0" t="0" r="0" b="0"/>
+              <a:pathLst>
+                <a:path>
+                  <a:moveTo>
+                    <a:pt x="45720" y="0"/>
+                  </a:moveTo>
+                  <a:lnTo>
+                    <a:pt x="45720" y="810572"/>
+                  </a:lnTo>
+                  <a:lnTo>
+                    <a:pt x="123701" y="810572"/>
+                  </a:lnTo>
+                </a:path>
+              </a:pathLst>
+            </a:custGeom>
+            <a:noFill/>
+          </p:spPr>
+          <p:style>
+            <a:lnRef idx="2">
+              <a:schemeClr val="accent1">
+                <a:shade val="60000"/>
+                <a:hueOff val="0"/>
+                <a:satOff val="0"/>
+                <a:lumOff val="0"/>
+                <a:alphaOff val="0"/>
+              </a:schemeClr>
+            </a:lnRef>
+            <a:fillRef idx="0">
+              <a:scrgbClr r="0" g="0" b="0"/>
+            </a:fillRef>
+            <a:effectRef idx="0">
+              <a:schemeClr val="accent1">
+                <a:hueOff val="0"/>
+                <a:satOff val="0"/>
+                <a:lumOff val="0"/>
+                <a:alphaOff val="0"/>
+              </a:schemeClr>
+            </a:effectRef>
+            <a:fontRef idx="minor">
+              <a:schemeClr val="tx1">
+                <a:hueOff val="0"/>
+                <a:satOff val="0"/>
+                <a:lumOff val="0"/>
+                <a:alphaOff val="0"/>
+              </a:schemeClr>
+            </a:fontRef>
+          </p:style>
+        </p:sp>
+        <p:sp>
+          <p:nvSpPr>
+            <p:cNvPr id="66" name="Freeform 65"/>
+            <p:cNvSpPr/>
+            <p:nvPr/>
+          </p:nvSpPr>
+          <p:spPr>
+            <a:xfrm>
+              <a:off x="9421724" y="4052058"/>
+              <a:ext cx="1176093" cy="259844"/>
+            </a:xfrm>
+            <a:custGeom>
+              <a:avLst/>
+              <a:gdLst>
+                <a:gd name="connsiteX0" fmla="*/ 0 w 1176093"/>
+                <a:gd name="connsiteY0" fmla="*/ 25984 h 259844"/>
+                <a:gd name="connsiteX1" fmla="*/ 25984 w 1176093"/>
+                <a:gd name="connsiteY1" fmla="*/ 0 h 259844"/>
+                <a:gd name="connsiteX2" fmla="*/ 1150109 w 1176093"/>
+                <a:gd name="connsiteY2" fmla="*/ 0 h 259844"/>
+                <a:gd name="connsiteX3" fmla="*/ 1176093 w 1176093"/>
+                <a:gd name="connsiteY3" fmla="*/ 25984 h 259844"/>
+                <a:gd name="connsiteX4" fmla="*/ 1176093 w 1176093"/>
+                <a:gd name="connsiteY4" fmla="*/ 233860 h 259844"/>
+                <a:gd name="connsiteX5" fmla="*/ 1150109 w 1176093"/>
+                <a:gd name="connsiteY5" fmla="*/ 259844 h 259844"/>
+                <a:gd name="connsiteX6" fmla="*/ 25984 w 1176093"/>
+                <a:gd name="connsiteY6" fmla="*/ 259844 h 259844"/>
+                <a:gd name="connsiteX7" fmla="*/ 0 w 1176093"/>
+                <a:gd name="connsiteY7" fmla="*/ 233860 h 259844"/>
+                <a:gd name="connsiteX8" fmla="*/ 0 w 1176093"/>
+                <a:gd name="connsiteY8" fmla="*/ 25984 h 259844"/>
+              </a:gdLst>
+              <a:ahLst/>
+              <a:cxnLst>
+                <a:cxn ang="0">
+                  <a:pos x="connsiteX0" y="connsiteY0"/>
+                </a:cxn>
+                <a:cxn ang="0">
+                  <a:pos x="connsiteX1" y="connsiteY1"/>
+                </a:cxn>
+                <a:cxn ang="0">
+                  <a:pos x="connsiteX2" y="connsiteY2"/>
+                </a:cxn>
+                <a:cxn ang="0">
+                  <a:pos x="connsiteX3" y="connsiteY3"/>
+                </a:cxn>
+                <a:cxn ang="0">
+                  <a:pos x="connsiteX4" y="connsiteY4"/>
+                </a:cxn>
+                <a:cxn ang="0">
+                  <a:pos x="connsiteX5" y="connsiteY5"/>
+                </a:cxn>
+                <a:cxn ang="0">
+                  <a:pos x="connsiteX6" y="connsiteY6"/>
+                </a:cxn>
+                <a:cxn ang="0">
+                  <a:pos x="connsiteX7" y="connsiteY7"/>
+                </a:cxn>
+                <a:cxn ang="0">
+                  <a:pos x="connsiteX8" y="connsiteY8"/>
+                </a:cxn>
+              </a:cxnLst>
+              <a:rect l="l" t="t" r="r" b="b"/>
+              <a:pathLst>
+                <a:path w="1176093" h="259844">
+                  <a:moveTo>
+                    <a:pt x="0" y="25984"/>
+                  </a:moveTo>
+                  <a:cubicBezTo>
+                    <a:pt x="0" y="11633"/>
+                    <a:pt x="11633" y="0"/>
+                    <a:pt x="25984" y="0"/>
+                  </a:cubicBezTo>
+                  <a:lnTo>
+                    <a:pt x="1150109" y="0"/>
+                  </a:lnTo>
+                  <a:cubicBezTo>
+                    <a:pt x="1164460" y="0"/>
+                    <a:pt x="1176093" y="11633"/>
+                    <a:pt x="1176093" y="25984"/>
+                  </a:cubicBezTo>
+                  <a:lnTo>
+                    <a:pt x="1176093" y="233860"/>
+                  </a:lnTo>
+                  <a:cubicBezTo>
+                    <a:pt x="1176093" y="248211"/>
+                    <a:pt x="1164460" y="259844"/>
+                    <a:pt x="1150109" y="259844"/>
+                  </a:cubicBezTo>
+                  <a:lnTo>
+                    <a:pt x="25984" y="259844"/>
+                  </a:lnTo>
+                  <a:cubicBezTo>
+                    <a:pt x="11633" y="259844"/>
+                    <a:pt x="0" y="248211"/>
+                    <a:pt x="0" y="233860"/>
+                  </a:cubicBezTo>
+                  <a:lnTo>
+                    <a:pt x="0" y="25984"/>
+                  </a:lnTo>
+                  <a:close/>
+                </a:path>
+              </a:pathLst>
+            </a:custGeom>
+            <a:gradFill rotWithShape="0">
+              <a:gsLst>
+                <a:gs pos="0">
+                  <a:srgbClr val="FFD9D1">
+                    <a:alpha val="49804"/>
+                  </a:srgbClr>
+                </a:gs>
+                <a:gs pos="100000">
+                  <a:srgbClr val="FFD9D1"/>
+                </a:gs>
+              </a:gsLst>
+              <a:lin ang="5400000" scaled="0"/>
+            </a:gradFill>
+          </p:spPr>
+          <p:style>
+            <a:lnRef idx="1">
+              <a:schemeClr val="accent1">
+                <a:hueOff val="0"/>
+                <a:satOff val="0"/>
+                <a:lumOff val="0"/>
+                <a:alphaOff val="0"/>
+              </a:schemeClr>
+            </a:lnRef>
+            <a:fillRef idx="1">
+              <a:scrgbClr r="0" g="0" b="0"/>
+            </a:fillRef>
+            <a:effectRef idx="2">
+              <a:schemeClr val="lt1">
+                <a:alpha val="90000"/>
+                <a:hueOff val="0"/>
+                <a:satOff val="0"/>
+                <a:lumOff val="0"/>
+                <a:alphaOff val="0"/>
+              </a:schemeClr>
+            </a:effectRef>
+            <a:fontRef idx="minor">
+              <a:schemeClr val="dk1">
+                <a:hueOff val="0"/>
+                <a:satOff val="0"/>
+                <a:lumOff val="0"/>
+                <a:alphaOff val="0"/>
+              </a:schemeClr>
+            </a:fontRef>
+          </p:style>
+          <p:txBody>
+            <a:bodyPr spcFirstLastPara="0" vert="horz" wrap="square" lIns="34281" tIns="25391" rIns="34281" bIns="25391" numCol="1" spcCol="1270" anchor="ctr" anchorCtr="0">
+              <a:noAutofit/>
+            </a:bodyPr>
+            <a:lstStyle/>
+            <a:p>
+              <a:pPr lvl="0" algn="ctr" defTabSz="622300">
+                <a:lnSpc>
+                  <a:spcPct val="90000"/>
+                </a:lnSpc>
+                <a:spcBef>
+                  <a:spcPct val="0"/>
+                </a:spcBef>
+                <a:spcAft>
+                  <a:spcPct val="35000"/>
+                </a:spcAft>
+              </a:pPr>
+              <a:r>
+                <a:rPr lang="en-US" sz="1400" kern="1200" dirty="0" smtClean="0"/>
+                <a:t>preceding</a:t>
+              </a:r>
+              <a:endParaRPr lang="en-US" sz="1400" kern="1200" dirty="0"/>
+            </a:p>
+          </p:txBody>
+        </p:sp>
+      </p:grpSp>
     </p:spTree>
     <p:extLst>
       <p:ext uri="{BB962C8B-B14F-4D97-AF65-F5344CB8AC3E}">
